--- a/졸업작품 제안서(박요한,민두홍,정재훈).pptx
+++ b/졸업작품 제안서(박요한,민두홍,정재훈).pptx
@@ -11,17 +11,16 @@
     <p:sldId id="258" r:id="rId5"/>
     <p:sldId id="271" r:id="rId6"/>
     <p:sldId id="275" r:id="rId7"/>
-    <p:sldId id="272" r:id="rId8"/>
-    <p:sldId id="274" r:id="rId9"/>
-    <p:sldId id="273" r:id="rId10"/>
-    <p:sldId id="259" r:id="rId11"/>
-    <p:sldId id="266" r:id="rId12"/>
-    <p:sldId id="267" r:id="rId13"/>
-    <p:sldId id="268" r:id="rId14"/>
-    <p:sldId id="269" r:id="rId15"/>
-    <p:sldId id="270" r:id="rId16"/>
-    <p:sldId id="277" r:id="rId17"/>
-    <p:sldId id="278" r:id="rId18"/>
+    <p:sldId id="274" r:id="rId8"/>
+    <p:sldId id="273" r:id="rId9"/>
+    <p:sldId id="259" r:id="rId10"/>
+    <p:sldId id="266" r:id="rId11"/>
+    <p:sldId id="267" r:id="rId12"/>
+    <p:sldId id="268" r:id="rId13"/>
+    <p:sldId id="269" r:id="rId14"/>
+    <p:sldId id="270" r:id="rId15"/>
+    <p:sldId id="277" r:id="rId16"/>
+    <p:sldId id="278" r:id="rId17"/>
   </p:sldIdLst>
   <p:sldSz cx="9144000" cy="6858000" type="screen4x3"/>
   <p:notesSz cx="6858000" cy="9144000"/>
@@ -3770,7 +3769,7 @@
                   </a:glow>
                 </a:effectLst>
               </a:rPr>
-              <a:t>게임방법</a:t>
+              <a:t>개발환경</a:t>
             </a:r>
             <a:endParaRPr lang="ko-KR" altLang="en-US" dirty="0">
               <a:solidFill>
@@ -3886,7 +3885,7 @@
                 <a:latin typeface="-윤고딕340" pitchFamily="18" charset="-127"/>
                 <a:ea typeface="-윤고딕340" pitchFamily="18" charset="-127"/>
               </a:rPr>
-              <a:t>3</a:t>
+              <a:t>4</a:t>
             </a:r>
             <a:endParaRPr lang="ko-KR" altLang="en-US" sz="3200" dirty="0">
               <a:solidFill>
@@ -3895,112 +3894,6 @@
               <a:latin typeface="-윤고딕340" pitchFamily="18" charset="-127"/>
               <a:ea typeface="-윤고딕340" pitchFamily="18" charset="-127"/>
             </a:endParaRPr>
-          </a:p>
-        </p:txBody>
-      </p:sp>
-      <p:pic>
-        <p:nvPicPr>
-          <p:cNvPr id="2" name="그림 1" descr="캐나다에서 사용되는 QWERTY 키보드"/>
-          <p:cNvPicPr>
-            <a:picLocks noChangeAspect="1"/>
-          </p:cNvPicPr>
-          <p:nvPr/>
-        </p:nvPicPr>
-        <p:blipFill>
-          <a:blip r:embed="rId2">
-            <a:extLst>
-              <a:ext uri="{28A0092B-C50C-407E-A947-70E740481C1C}">
-                <a14:useLocalDpi xmlns:a14="http://schemas.microsoft.com/office/drawing/2010/main" val="0"/>
-              </a:ext>
-            </a:extLst>
-          </a:blip>
-          <a:stretch>
-            <a:fillRect/>
-          </a:stretch>
-        </p:blipFill>
-        <p:spPr>
-          <a:xfrm>
-            <a:off x="2051720" y="1196751"/>
-            <a:ext cx="4320480" cy="1381834"/>
-          </a:xfrm>
-          <a:prstGeom prst="rect">
-            <a:avLst/>
-          </a:prstGeom>
-        </p:spPr>
-      </p:pic>
-      <p:pic>
-        <p:nvPicPr>
-          <p:cNvPr id="3" name="그림 2" descr="MSI, DS300 게이밍 마우스 공개 :: 보드나라"/>
-          <p:cNvPicPr>
-            <a:picLocks noChangeAspect="1"/>
-          </p:cNvPicPr>
-          <p:nvPr/>
-        </p:nvPicPr>
-        <p:blipFill>
-          <a:blip r:embed="rId3" cstate="print">
-            <a:extLst>
-              <a:ext uri="{28A0092B-C50C-407E-A947-70E740481C1C}">
-                <a14:useLocalDpi xmlns:a14="http://schemas.microsoft.com/office/drawing/2010/main" val="0"/>
-              </a:ext>
-            </a:extLst>
-          </a:blip>
-          <a:stretch>
-            <a:fillRect/>
-          </a:stretch>
-        </p:blipFill>
-        <p:spPr>
-          <a:xfrm>
-            <a:off x="6601799" y="1075878"/>
-            <a:ext cx="1770682" cy="1410643"/>
-          </a:xfrm>
-          <a:prstGeom prst="rect">
-            <a:avLst/>
-          </a:prstGeom>
-        </p:spPr>
-      </p:pic>
-      <p:sp>
-        <p:nvSpPr>
-          <p:cNvPr id="4" name="직사각형 3"/>
-          <p:cNvSpPr/>
-          <p:nvPr/>
-        </p:nvSpPr>
-        <p:spPr>
-          <a:xfrm>
-            <a:off x="2773543" y="1493168"/>
-            <a:ext cx="288032" cy="288032"/>
-          </a:xfrm>
-          <a:prstGeom prst="rect">
-            <a:avLst/>
-          </a:prstGeom>
-          <a:noFill/>
-          <a:ln>
-            <a:solidFill>
-              <a:srgbClr val="FF0000"/>
-            </a:solidFill>
-          </a:ln>
-        </p:spPr>
-        <p:style>
-          <a:lnRef idx="2">
-            <a:schemeClr val="accent1">
-              <a:shade val="50000"/>
-            </a:schemeClr>
-          </a:lnRef>
-          <a:fillRef idx="1">
-            <a:schemeClr val="accent1"/>
-          </a:fillRef>
-          <a:effectRef idx="0">
-            <a:schemeClr val="accent1"/>
-          </a:effectRef>
-          <a:fontRef idx="minor">
-            <a:schemeClr val="lt1"/>
-          </a:fontRef>
-        </p:style>
-        <p:txBody>
-          <a:bodyPr rtlCol="0" anchor="ctr"/>
-          <a:lstStyle/>
-          <a:p>
-            <a:pPr algn="ctr"/>
-            <a:endParaRPr lang="ko-KR" altLang="en-US"/>
           </a:p>
         </p:txBody>
       </p:sp>
@@ -4012,686 +3905,8 @@
         </p:nvSpPr>
         <p:spPr>
           <a:xfrm>
-            <a:off x="2578447" y="1743652"/>
-            <a:ext cx="288032" cy="288032"/>
-          </a:xfrm>
-          <a:prstGeom prst="rect">
-            <a:avLst/>
-          </a:prstGeom>
-          <a:noFill/>
-          <a:ln>
-            <a:solidFill>
-              <a:srgbClr val="FF0000"/>
-            </a:solidFill>
-          </a:ln>
-        </p:spPr>
-        <p:style>
-          <a:lnRef idx="2">
-            <a:schemeClr val="accent1">
-              <a:shade val="50000"/>
-            </a:schemeClr>
-          </a:lnRef>
-          <a:fillRef idx="1">
-            <a:schemeClr val="accent1"/>
-          </a:fillRef>
-          <a:effectRef idx="0">
-            <a:schemeClr val="accent1"/>
-          </a:effectRef>
-          <a:fontRef idx="minor">
-            <a:schemeClr val="lt1"/>
-          </a:fontRef>
-        </p:style>
-        <p:txBody>
-          <a:bodyPr rtlCol="0" anchor="ctr"/>
-          <a:lstStyle/>
-          <a:p>
-            <a:pPr algn="ctr"/>
-            <a:endParaRPr lang="ko-KR" altLang="en-US"/>
-          </a:p>
-        </p:txBody>
-      </p:sp>
-      <p:sp>
-        <p:nvSpPr>
-          <p:cNvPr id="14" name="직사각형 13"/>
-          <p:cNvSpPr/>
-          <p:nvPr/>
-        </p:nvSpPr>
-        <p:spPr>
-          <a:xfrm>
-            <a:off x="2854800" y="1743652"/>
-            <a:ext cx="288032" cy="288032"/>
-          </a:xfrm>
-          <a:prstGeom prst="rect">
-            <a:avLst/>
-          </a:prstGeom>
-          <a:noFill/>
-          <a:ln>
-            <a:solidFill>
-              <a:srgbClr val="FF0000"/>
-            </a:solidFill>
-          </a:ln>
-        </p:spPr>
-        <p:style>
-          <a:lnRef idx="2">
-            <a:schemeClr val="accent1">
-              <a:shade val="50000"/>
-            </a:schemeClr>
-          </a:lnRef>
-          <a:fillRef idx="1">
-            <a:schemeClr val="accent1"/>
-          </a:fillRef>
-          <a:effectRef idx="0">
-            <a:schemeClr val="accent1"/>
-          </a:effectRef>
-          <a:fontRef idx="minor">
-            <a:schemeClr val="lt1"/>
-          </a:fontRef>
-        </p:style>
-        <p:txBody>
-          <a:bodyPr rtlCol="0" anchor="ctr"/>
-          <a:lstStyle/>
-          <a:p>
-            <a:pPr algn="ctr"/>
-            <a:endParaRPr lang="ko-KR" altLang="en-US"/>
-          </a:p>
-        </p:txBody>
-      </p:sp>
-      <p:sp>
-        <p:nvSpPr>
-          <p:cNvPr id="15" name="직사각형 14"/>
-          <p:cNvSpPr/>
-          <p:nvPr/>
-        </p:nvSpPr>
-        <p:spPr>
-          <a:xfrm>
-            <a:off x="3096078" y="1743652"/>
-            <a:ext cx="288032" cy="288032"/>
-          </a:xfrm>
-          <a:prstGeom prst="rect">
-            <a:avLst/>
-          </a:prstGeom>
-          <a:noFill/>
-          <a:ln>
-            <a:solidFill>
-              <a:srgbClr val="FF0000"/>
-            </a:solidFill>
-          </a:ln>
-        </p:spPr>
-        <p:style>
-          <a:lnRef idx="2">
-            <a:schemeClr val="accent1">
-              <a:shade val="50000"/>
-            </a:schemeClr>
-          </a:lnRef>
-          <a:fillRef idx="1">
-            <a:schemeClr val="accent1"/>
-          </a:fillRef>
-          <a:effectRef idx="0">
-            <a:schemeClr val="accent1"/>
-          </a:effectRef>
-          <a:fontRef idx="minor">
-            <a:schemeClr val="lt1"/>
-          </a:fontRef>
-        </p:style>
-        <p:txBody>
-          <a:bodyPr rtlCol="0" anchor="ctr"/>
-          <a:lstStyle/>
-          <a:p>
-            <a:pPr algn="ctr"/>
-            <a:endParaRPr lang="ko-KR" altLang="en-US"/>
-          </a:p>
-        </p:txBody>
-      </p:sp>
-      <p:sp>
-        <p:nvSpPr>
-          <p:cNvPr id="16" name="직사각형 15"/>
-          <p:cNvSpPr/>
-          <p:nvPr/>
-        </p:nvSpPr>
-        <p:spPr>
-          <a:xfrm>
-            <a:off x="2062712" y="1493168"/>
-            <a:ext cx="434478" cy="250484"/>
-          </a:xfrm>
-          <a:prstGeom prst="rect">
-            <a:avLst/>
-          </a:prstGeom>
-          <a:noFill/>
-          <a:ln>
-            <a:solidFill>
-              <a:srgbClr val="FF0000"/>
-            </a:solidFill>
-          </a:ln>
-        </p:spPr>
-        <p:style>
-          <a:lnRef idx="2">
-            <a:schemeClr val="accent1">
-              <a:shade val="50000"/>
-            </a:schemeClr>
-          </a:lnRef>
-          <a:fillRef idx="1">
-            <a:schemeClr val="accent1"/>
-          </a:fillRef>
-          <a:effectRef idx="0">
-            <a:schemeClr val="accent1"/>
-          </a:effectRef>
-          <a:fontRef idx="minor">
-            <a:schemeClr val="lt1"/>
-          </a:fontRef>
-        </p:style>
-        <p:txBody>
-          <a:bodyPr rtlCol="0" anchor="ctr"/>
-          <a:lstStyle/>
-          <a:p>
-            <a:pPr algn="ctr"/>
-            <a:endParaRPr lang="ko-KR" altLang="en-US"/>
-          </a:p>
-        </p:txBody>
-      </p:sp>
-      <p:sp>
-        <p:nvSpPr>
-          <p:cNvPr id="17" name="직사각형 16"/>
-          <p:cNvSpPr/>
-          <p:nvPr/>
-        </p:nvSpPr>
-        <p:spPr>
-          <a:xfrm>
-            <a:off x="3166870" y="2328101"/>
-            <a:ext cx="1765169" cy="250484"/>
-          </a:xfrm>
-          <a:prstGeom prst="rect">
-            <a:avLst/>
-          </a:prstGeom>
-          <a:noFill/>
-          <a:ln>
-            <a:solidFill>
-              <a:srgbClr val="FF0000"/>
-            </a:solidFill>
-          </a:ln>
-        </p:spPr>
-        <p:style>
-          <a:lnRef idx="2">
-            <a:schemeClr val="accent1">
-              <a:shade val="50000"/>
-            </a:schemeClr>
-          </a:lnRef>
-          <a:fillRef idx="1">
-            <a:schemeClr val="accent1"/>
-          </a:fillRef>
-          <a:effectRef idx="0">
-            <a:schemeClr val="accent1"/>
-          </a:effectRef>
-          <a:fontRef idx="minor">
-            <a:schemeClr val="lt1"/>
-          </a:fontRef>
-        </p:style>
-        <p:txBody>
-          <a:bodyPr rtlCol="0" anchor="ctr"/>
-          <a:lstStyle/>
-          <a:p>
-            <a:pPr algn="ctr"/>
-            <a:endParaRPr lang="ko-KR" altLang="en-US"/>
-          </a:p>
-        </p:txBody>
-      </p:sp>
-      <p:sp>
-        <p:nvSpPr>
-          <p:cNvPr id="19" name="직사각형 18"/>
-          <p:cNvSpPr/>
-          <p:nvPr/>
-        </p:nvSpPr>
-        <p:spPr>
-          <a:xfrm>
-            <a:off x="7164287" y="1196751"/>
-            <a:ext cx="309277" cy="584449"/>
-          </a:xfrm>
-          <a:prstGeom prst="rect">
-            <a:avLst/>
-          </a:prstGeom>
-          <a:noFill/>
-          <a:ln>
-            <a:solidFill>
-              <a:srgbClr val="FF0000"/>
-            </a:solidFill>
-          </a:ln>
-        </p:spPr>
-        <p:style>
-          <a:lnRef idx="2">
-            <a:schemeClr val="accent1">
-              <a:shade val="50000"/>
-            </a:schemeClr>
-          </a:lnRef>
-          <a:fillRef idx="1">
-            <a:schemeClr val="accent1"/>
-          </a:fillRef>
-          <a:effectRef idx="0">
-            <a:schemeClr val="accent1"/>
-          </a:effectRef>
-          <a:fontRef idx="minor">
-            <a:schemeClr val="lt1"/>
-          </a:fontRef>
-        </p:style>
-        <p:txBody>
-          <a:bodyPr rtlCol="0" anchor="ctr"/>
-          <a:lstStyle/>
-          <a:p>
-            <a:pPr algn="ctr"/>
-            <a:endParaRPr lang="ko-KR" altLang="en-US"/>
-          </a:p>
-        </p:txBody>
-      </p:sp>
-      <p:cxnSp>
-        <p:nvCxnSpPr>
-          <p:cNvPr id="6" name="직선 화살표 연결선 5"/>
-          <p:cNvCxnSpPr>
-            <a:stCxn id="16" idx="1"/>
-          </p:cNvCxnSpPr>
-          <p:nvPr/>
-        </p:nvCxnSpPr>
-        <p:spPr>
-          <a:xfrm flipH="1">
-            <a:off x="1043608" y="1618410"/>
-            <a:ext cx="1019104" cy="413274"/>
-          </a:xfrm>
-          <a:prstGeom prst="straightConnector1">
-            <a:avLst/>
-          </a:prstGeom>
-          <a:ln>
-            <a:solidFill>
-              <a:srgbClr val="FF0000"/>
-            </a:solidFill>
-            <a:tailEnd type="triangle"/>
-          </a:ln>
-        </p:spPr>
-        <p:style>
-          <a:lnRef idx="3">
-            <a:schemeClr val="accent2"/>
-          </a:lnRef>
-          <a:fillRef idx="0">
-            <a:schemeClr val="accent2"/>
-          </a:fillRef>
-          <a:effectRef idx="2">
-            <a:schemeClr val="accent2"/>
-          </a:effectRef>
-          <a:fontRef idx="minor">
-            <a:schemeClr val="tx1"/>
-          </a:fontRef>
-        </p:style>
-      </p:cxnSp>
-      <p:cxnSp>
-        <p:nvCxnSpPr>
-          <p:cNvPr id="20" name="직선 화살표 연결선 19"/>
-          <p:cNvCxnSpPr/>
-          <p:nvPr/>
-        </p:nvCxnSpPr>
-        <p:spPr>
-          <a:xfrm flipV="1">
-            <a:off x="2978474" y="569875"/>
-            <a:ext cx="873446" cy="997013"/>
-          </a:xfrm>
-          <a:prstGeom prst="straightConnector1">
-            <a:avLst/>
-          </a:prstGeom>
-          <a:ln>
-            <a:solidFill>
-              <a:srgbClr val="FF0000"/>
-            </a:solidFill>
-            <a:tailEnd type="triangle"/>
-          </a:ln>
-        </p:spPr>
-        <p:style>
-          <a:lnRef idx="3">
-            <a:schemeClr val="accent2"/>
-          </a:lnRef>
-          <a:fillRef idx="0">
-            <a:schemeClr val="accent2"/>
-          </a:fillRef>
-          <a:effectRef idx="2">
-            <a:schemeClr val="accent2"/>
-          </a:effectRef>
-          <a:fontRef idx="minor">
-            <a:schemeClr val="tx1"/>
-          </a:fontRef>
-        </p:style>
-      </p:cxnSp>
-      <p:cxnSp>
-        <p:nvCxnSpPr>
-          <p:cNvPr id="23" name="직선 화살표 연결선 22"/>
-          <p:cNvCxnSpPr/>
-          <p:nvPr/>
-        </p:nvCxnSpPr>
-        <p:spPr>
-          <a:xfrm>
-            <a:off x="3996546" y="2448938"/>
-            <a:ext cx="575454" cy="426064"/>
-          </a:xfrm>
-          <a:prstGeom prst="straightConnector1">
-            <a:avLst/>
-          </a:prstGeom>
-          <a:ln>
-            <a:solidFill>
-              <a:srgbClr val="FF0000"/>
-            </a:solidFill>
-            <a:tailEnd type="triangle"/>
-          </a:ln>
-        </p:spPr>
-        <p:style>
-          <a:lnRef idx="3">
-            <a:schemeClr val="accent2"/>
-          </a:lnRef>
-          <a:fillRef idx="0">
-            <a:schemeClr val="accent2"/>
-          </a:fillRef>
-          <a:effectRef idx="2">
-            <a:schemeClr val="accent2"/>
-          </a:effectRef>
-          <a:fontRef idx="minor">
-            <a:schemeClr val="tx1"/>
-          </a:fontRef>
-        </p:style>
-      </p:cxnSp>
-      <p:cxnSp>
-        <p:nvCxnSpPr>
-          <p:cNvPr id="26" name="직선 화살표 연결선 25"/>
-          <p:cNvCxnSpPr/>
-          <p:nvPr/>
-        </p:nvCxnSpPr>
-        <p:spPr>
-          <a:xfrm flipV="1">
-            <a:off x="7318925" y="706387"/>
-            <a:ext cx="384238" cy="505606"/>
-          </a:xfrm>
-          <a:prstGeom prst="straightConnector1">
-            <a:avLst/>
-          </a:prstGeom>
-          <a:ln>
-            <a:solidFill>
-              <a:srgbClr val="FF0000"/>
-            </a:solidFill>
-            <a:tailEnd type="triangle"/>
-          </a:ln>
-        </p:spPr>
-        <p:style>
-          <a:lnRef idx="3">
-            <a:schemeClr val="accent2"/>
-          </a:lnRef>
-          <a:fillRef idx="0">
-            <a:schemeClr val="accent2"/>
-          </a:fillRef>
-          <a:effectRef idx="2">
-            <a:schemeClr val="accent2"/>
-          </a:effectRef>
-          <a:fontRef idx="minor">
-            <a:schemeClr val="tx1"/>
-          </a:fontRef>
-        </p:style>
-      </p:cxnSp>
-      <p:sp>
-        <p:nvSpPr>
-          <p:cNvPr id="30" name="TextBox 29"/>
-          <p:cNvSpPr txBox="1"/>
-          <p:nvPr/>
-        </p:nvSpPr>
-        <p:spPr>
-          <a:xfrm>
-            <a:off x="4049454" y="188640"/>
-            <a:ext cx="1242626" cy="369332"/>
-          </a:xfrm>
-          <a:prstGeom prst="rect">
-            <a:avLst/>
-          </a:prstGeom>
-          <a:noFill/>
-        </p:spPr>
-        <p:txBody>
-          <a:bodyPr wrap="square" rtlCol="0">
-            <a:spAutoFit/>
-          </a:bodyPr>
-          <a:lstStyle/>
-          <a:p>
-            <a:r>
-              <a:rPr lang="ko-KR" altLang="en-US" dirty="0" smtClean="0">
-                <a:solidFill>
-                  <a:srgbClr val="FF0000"/>
-                </a:solidFill>
-              </a:rPr>
-              <a:t>이동</a:t>
-            </a:r>
-            <a:endParaRPr lang="ko-KR" altLang="en-US" dirty="0">
-              <a:solidFill>
-                <a:srgbClr val="FF0000"/>
-              </a:solidFill>
-            </a:endParaRPr>
-          </a:p>
-        </p:txBody>
-      </p:sp>
-      <p:sp>
-        <p:nvSpPr>
-          <p:cNvPr id="31" name="TextBox 30"/>
-          <p:cNvSpPr txBox="1"/>
-          <p:nvPr/>
-        </p:nvSpPr>
-        <p:spPr>
-          <a:xfrm>
-            <a:off x="4515899" y="2878853"/>
-            <a:ext cx="1242626" cy="369332"/>
-          </a:xfrm>
-          <a:prstGeom prst="rect">
-            <a:avLst/>
-          </a:prstGeom>
-          <a:noFill/>
-        </p:spPr>
-        <p:txBody>
-          <a:bodyPr wrap="square" rtlCol="0">
-            <a:spAutoFit/>
-          </a:bodyPr>
-          <a:lstStyle/>
-          <a:p>
-            <a:r>
-              <a:rPr lang="ko-KR" altLang="en-US" dirty="0" smtClean="0">
-                <a:solidFill>
-                  <a:srgbClr val="FF0000"/>
-                </a:solidFill>
-              </a:rPr>
-              <a:t>점프</a:t>
-            </a:r>
-            <a:endParaRPr lang="ko-KR" altLang="en-US" dirty="0">
-              <a:solidFill>
-                <a:srgbClr val="FF0000"/>
-              </a:solidFill>
-            </a:endParaRPr>
-          </a:p>
-        </p:txBody>
-      </p:sp>
-      <p:sp>
-        <p:nvSpPr>
-          <p:cNvPr id="32" name="TextBox 31"/>
-          <p:cNvSpPr txBox="1"/>
-          <p:nvPr/>
-        </p:nvSpPr>
-        <p:spPr>
-          <a:xfrm>
-            <a:off x="7527757" y="363375"/>
-            <a:ext cx="1242626" cy="369332"/>
-          </a:xfrm>
-          <a:prstGeom prst="rect">
-            <a:avLst/>
-          </a:prstGeom>
-          <a:noFill/>
-        </p:spPr>
-        <p:txBody>
-          <a:bodyPr wrap="square" rtlCol="0">
-            <a:spAutoFit/>
-          </a:bodyPr>
-          <a:lstStyle/>
-          <a:p>
-            <a:r>
-              <a:rPr lang="ko-KR" altLang="en-US" dirty="0" smtClean="0">
-                <a:solidFill>
-                  <a:srgbClr val="FF0000"/>
-                </a:solidFill>
-              </a:rPr>
-              <a:t>공격</a:t>
-            </a:r>
-            <a:endParaRPr lang="ko-KR" altLang="en-US" dirty="0">
-              <a:solidFill>
-                <a:srgbClr val="FF0000"/>
-              </a:solidFill>
-            </a:endParaRPr>
-          </a:p>
-        </p:txBody>
-      </p:sp>
-      <p:cxnSp>
-        <p:nvCxnSpPr>
-          <p:cNvPr id="33" name="직선 화살표 연결선 32"/>
-          <p:cNvCxnSpPr/>
-          <p:nvPr/>
-        </p:nvCxnSpPr>
-        <p:spPr>
-          <a:xfrm>
-            <a:off x="7761519" y="1698038"/>
-            <a:ext cx="677745" cy="667291"/>
-          </a:xfrm>
-          <a:prstGeom prst="straightConnector1">
-            <a:avLst/>
-          </a:prstGeom>
-          <a:ln>
-            <a:solidFill>
-              <a:srgbClr val="FF0000"/>
-            </a:solidFill>
-            <a:tailEnd type="triangle"/>
-          </a:ln>
-        </p:spPr>
-        <p:style>
-          <a:lnRef idx="3">
-            <a:schemeClr val="accent2"/>
-          </a:lnRef>
-          <a:fillRef idx="0">
-            <a:schemeClr val="accent2"/>
-          </a:fillRef>
-          <a:effectRef idx="2">
-            <a:schemeClr val="accent2"/>
-          </a:effectRef>
-          <a:fontRef idx="minor">
-            <a:schemeClr val="tx1"/>
-          </a:fontRef>
-        </p:style>
-      </p:cxnSp>
-      <p:sp>
-        <p:nvSpPr>
-          <p:cNvPr id="35" name="TextBox 34"/>
-          <p:cNvSpPr txBox="1"/>
-          <p:nvPr/>
-        </p:nvSpPr>
-        <p:spPr>
-          <a:xfrm>
-            <a:off x="7980767" y="2366348"/>
-            <a:ext cx="1242626" cy="646331"/>
-          </a:xfrm>
-          <a:prstGeom prst="rect">
-            <a:avLst/>
-          </a:prstGeom>
-          <a:noFill/>
-        </p:spPr>
-        <p:txBody>
-          <a:bodyPr wrap="square" rtlCol="0">
-            <a:spAutoFit/>
-          </a:bodyPr>
-          <a:lstStyle/>
-          <a:p>
-            <a:r>
-              <a:rPr lang="ko-KR" altLang="en-US" dirty="0" smtClean="0">
-                <a:solidFill>
-                  <a:srgbClr val="FF0000"/>
-                </a:solidFill>
-              </a:rPr>
-              <a:t>카메라</a:t>
-            </a:r>
-            <a:endParaRPr lang="en-US" altLang="ko-KR" dirty="0" smtClean="0">
-              <a:solidFill>
-                <a:srgbClr val="FF0000"/>
-              </a:solidFill>
-            </a:endParaRPr>
-          </a:p>
-          <a:p>
-            <a:r>
-              <a:rPr lang="ko-KR" altLang="en-US" dirty="0" smtClean="0">
-                <a:solidFill>
-                  <a:srgbClr val="FF0000"/>
-                </a:solidFill>
-              </a:rPr>
-              <a:t>회전</a:t>
-            </a:r>
-            <a:endParaRPr lang="ko-KR" altLang="en-US" dirty="0">
-              <a:solidFill>
-                <a:srgbClr val="FF0000"/>
-              </a:solidFill>
-            </a:endParaRPr>
-          </a:p>
-        </p:txBody>
-      </p:sp>
-      <p:sp>
-        <p:nvSpPr>
-          <p:cNvPr id="36" name="TextBox 35"/>
-          <p:cNvSpPr txBox="1"/>
-          <p:nvPr/>
-        </p:nvSpPr>
-        <p:spPr>
-          <a:xfrm>
-            <a:off x="147153" y="1792060"/>
-            <a:ext cx="1242626" cy="646331"/>
-          </a:xfrm>
-          <a:prstGeom prst="rect">
-            <a:avLst/>
-          </a:prstGeom>
-          <a:noFill/>
-        </p:spPr>
-        <p:txBody>
-          <a:bodyPr wrap="square" rtlCol="0">
-            <a:spAutoFit/>
-          </a:bodyPr>
-          <a:lstStyle/>
-          <a:p>
-            <a:r>
-              <a:rPr lang="ko-KR" altLang="en-US" dirty="0" smtClean="0">
-                <a:solidFill>
-                  <a:srgbClr val="FF0000"/>
-                </a:solidFill>
-              </a:rPr>
-              <a:t>게임</a:t>
-            </a:r>
-            <a:endParaRPr lang="en-US" altLang="ko-KR" dirty="0" smtClean="0">
-              <a:solidFill>
-                <a:srgbClr val="FF0000"/>
-              </a:solidFill>
-            </a:endParaRPr>
-          </a:p>
-          <a:p>
-            <a:r>
-              <a:rPr lang="ko-KR" altLang="en-US" dirty="0" smtClean="0">
-                <a:solidFill>
-                  <a:srgbClr val="FF0000"/>
-                </a:solidFill>
-              </a:rPr>
-              <a:t>상태</a:t>
-            </a:r>
-            <a:endParaRPr lang="ko-KR" altLang="en-US" dirty="0">
-              <a:solidFill>
-                <a:srgbClr val="FF0000"/>
-              </a:solidFill>
-            </a:endParaRPr>
-          </a:p>
-        </p:txBody>
-      </p:sp>
-      <p:sp>
-        <p:nvSpPr>
-          <p:cNvPr id="37" name="직사각형 36"/>
-          <p:cNvSpPr/>
-          <p:nvPr/>
-        </p:nvSpPr>
-        <p:spPr>
-          <a:xfrm>
-            <a:off x="827467" y="3845321"/>
-            <a:ext cx="7686600" cy="1815882"/>
+            <a:off x="626317" y="2204864"/>
+            <a:ext cx="7686600" cy="1477328"/>
           </a:xfrm>
           <a:prstGeom prst="rect">
             <a:avLst/>
@@ -4743,781 +3958,201 @@
           </a:bodyPr>
           <a:lstStyle/>
           <a:p>
-            <a:pPr fontAlgn="base"/>
-            <a:r>
-              <a:rPr lang="en-US" altLang="ko-KR" sz="1400" dirty="0" smtClean="0">
-                <a:ln w="0"/>
-                <a:solidFill>
-                  <a:schemeClr val="bg1"/>
+            <a:pPr algn="ctr"/>
+            <a:r>
+              <a:rPr lang="en-US" altLang="ko-KR" b="1" dirty="0" smtClean="0">
+                <a:ln w="6600">
+                  <a:solidFill>
+                    <a:schemeClr val="accent2"/>
+                  </a:solidFill>
+                  <a:prstDash val="solid"/>
+                </a:ln>
+                <a:solidFill>
+                  <a:srgbClr val="FFFFFF"/>
                 </a:solidFill>
                 <a:effectLst>
-                  <a:outerShdw blurRad="38100" dist="25400" dir="5400000" algn="ctr" rotWithShape="0">
-                    <a:srgbClr val="6E747A">
-                      <a:alpha val="43000"/>
-                    </a:srgbClr>
+                  <a:glow rad="228600">
+                    <a:schemeClr val="accent4">
+                      <a:satMod val="175000"/>
+                      <a:alpha val="40000"/>
+                    </a:schemeClr>
+                  </a:glow>
+                  <a:outerShdw dist="38100" dir="2700000" algn="tl" rotWithShape="0">
+                    <a:schemeClr val="accent2"/>
                   </a:outerShdw>
                 </a:effectLst>
               </a:rPr>
-              <a:t>Ⅰ. </a:t>
-            </a:r>
-            <a:r>
-              <a:rPr lang="ko-KR" altLang="en-US" sz="1400" dirty="0" smtClean="0">
-                <a:ln w="0"/>
-                <a:solidFill>
-                  <a:schemeClr val="bg1"/>
+              <a:t>Visual </a:t>
+            </a:r>
+            <a:r>
+              <a:rPr lang="en-US" altLang="ko-KR" b="1" dirty="0">
+                <a:ln w="6600">
+                  <a:solidFill>
+                    <a:schemeClr val="accent2"/>
+                  </a:solidFill>
+                  <a:prstDash val="solid"/>
+                </a:ln>
+                <a:solidFill>
+                  <a:srgbClr val="FFFFFF"/>
                 </a:solidFill>
                 <a:effectLst>
-                  <a:outerShdw blurRad="38100" dist="25400" dir="5400000" algn="ctr" rotWithShape="0">
-                    <a:srgbClr val="6E747A">
-                      <a:alpha val="43000"/>
-                    </a:srgbClr>
+                  <a:glow rad="228600">
+                    <a:schemeClr val="accent4">
+                      <a:satMod val="175000"/>
+                      <a:alpha val="40000"/>
+                    </a:schemeClr>
+                  </a:glow>
+                  <a:outerShdw dist="38100" dir="2700000" algn="tl" rotWithShape="0">
+                    <a:schemeClr val="accent2"/>
                   </a:outerShdw>
                 </a:effectLst>
               </a:rPr>
-              <a:t>상대 </a:t>
-            </a:r>
-            <a:r>
-              <a:rPr lang="ko-KR" altLang="en-US" sz="1400" dirty="0">
-                <a:ln w="0"/>
-                <a:solidFill>
-                  <a:schemeClr val="bg1"/>
+              <a:t>Studio 2015</a:t>
+            </a:r>
+          </a:p>
+          <a:p>
+            <a:pPr algn="ctr"/>
+            <a:r>
+              <a:rPr lang="en-US" altLang="ko-KR" b="1" dirty="0" err="1">
+                <a:ln w="6600">
+                  <a:solidFill>
+                    <a:schemeClr val="accent2"/>
+                  </a:solidFill>
+                  <a:prstDash val="solid"/>
+                </a:ln>
+                <a:solidFill>
+                  <a:srgbClr val="FFFFFF"/>
                 </a:solidFill>
                 <a:effectLst>
-                  <a:outerShdw blurRad="38100" dist="25400" dir="5400000" algn="ctr" rotWithShape="0">
-                    <a:srgbClr val="6E747A">
-                      <a:alpha val="43000"/>
-                    </a:srgbClr>
+                  <a:glow rad="228600">
+                    <a:schemeClr val="accent4">
+                      <a:satMod val="175000"/>
+                      <a:alpha val="40000"/>
+                    </a:schemeClr>
+                  </a:glow>
+                  <a:outerShdw dist="38100" dir="2700000" algn="tl" rotWithShape="0">
+                    <a:schemeClr val="accent2"/>
                   </a:outerShdw>
                 </a:effectLst>
               </a:rPr>
-              <a:t>플레이어를 </a:t>
-            </a:r>
-            <a:r>
-              <a:rPr lang="ko-KR" altLang="en-US" sz="1400" dirty="0" smtClean="0">
-                <a:ln w="0"/>
-                <a:solidFill>
-                  <a:schemeClr val="bg1"/>
+              <a:t>Directx</a:t>
+            </a:r>
+            <a:r>
+              <a:rPr lang="en-US" altLang="ko-KR" b="1" dirty="0">
+                <a:ln w="6600">
+                  <a:solidFill>
+                    <a:schemeClr val="accent2"/>
+                  </a:solidFill>
+                  <a:prstDash val="solid"/>
+                </a:ln>
+                <a:solidFill>
+                  <a:srgbClr val="FFFFFF"/>
                 </a:solidFill>
                 <a:effectLst>
-                  <a:outerShdw blurRad="38100" dist="25400" dir="5400000" algn="ctr" rotWithShape="0">
-                    <a:srgbClr val="6E747A">
-                      <a:alpha val="43000"/>
-                    </a:srgbClr>
+                  <a:glow rad="228600">
+                    <a:schemeClr val="accent4">
+                      <a:satMod val="175000"/>
+                      <a:alpha val="40000"/>
+                    </a:schemeClr>
+                  </a:glow>
+                  <a:outerShdw dist="38100" dir="2700000" algn="tl" rotWithShape="0">
+                    <a:schemeClr val="accent2"/>
                   </a:outerShdw>
                 </a:effectLst>
               </a:rPr>
-              <a:t>알아차려 공격하면 즉시 승리 </a:t>
-            </a:r>
-            <a:endParaRPr lang="en-US" altLang="ko-KR" sz="1400" dirty="0" smtClean="0">
-              <a:ln w="0"/>
-              <a:solidFill>
-                <a:schemeClr val="bg1"/>
-              </a:solidFill>
-              <a:effectLst>
-                <a:outerShdw blurRad="38100" dist="25400" dir="5400000" algn="ctr" rotWithShape="0">
-                  <a:srgbClr val="6E747A">
-                    <a:alpha val="43000"/>
-                  </a:srgbClr>
-                </a:outerShdw>
-              </a:effectLst>
-            </a:endParaRPr>
-          </a:p>
-          <a:p>
-            <a:pPr fontAlgn="base"/>
-            <a:r>
-              <a:rPr lang="en-US" altLang="ko-KR" sz="1400" dirty="0">
-                <a:ln w="0"/>
-                <a:solidFill>
-                  <a:schemeClr val="bg1"/>
+              <a:t> 11 SDK</a:t>
+            </a:r>
+          </a:p>
+          <a:p>
+            <a:pPr algn="ctr"/>
+            <a:r>
+              <a:rPr lang="en-US" altLang="ko-KR" b="1" dirty="0">
+                <a:ln w="6600">
+                  <a:solidFill>
+                    <a:schemeClr val="accent2"/>
+                  </a:solidFill>
+                  <a:prstDash val="solid"/>
+                </a:ln>
+                <a:solidFill>
+                  <a:srgbClr val="FFFFFF"/>
                 </a:solidFill>
                 <a:effectLst>
-                  <a:outerShdw blurRad="38100" dist="25400" dir="5400000" algn="ctr" rotWithShape="0">
-                    <a:srgbClr val="6E747A">
-                      <a:alpha val="43000"/>
-                    </a:srgbClr>
+                  <a:glow rad="228600">
+                    <a:schemeClr val="accent4">
+                      <a:satMod val="175000"/>
+                      <a:alpha val="40000"/>
+                    </a:schemeClr>
+                  </a:glow>
+                  <a:outerShdw dist="38100" dir="2700000" algn="tl" rotWithShape="0">
+                    <a:schemeClr val="accent2"/>
                   </a:outerShdw>
                 </a:effectLst>
               </a:rPr>
-              <a:t> </a:t>
-            </a:r>
-            <a:r>
-              <a:rPr lang="en-US" altLang="ko-KR" sz="1400" dirty="0" smtClean="0">
-                <a:ln w="0"/>
-                <a:solidFill>
-                  <a:schemeClr val="bg1"/>
+              <a:t>Unity.</a:t>
+            </a:r>
+          </a:p>
+          <a:p>
+            <a:pPr algn="ctr"/>
+            <a:r>
+              <a:rPr lang="en-US" altLang="ko-KR" b="1" dirty="0">
+                <a:ln w="6600">
+                  <a:solidFill>
+                    <a:schemeClr val="accent2"/>
+                  </a:solidFill>
+                  <a:prstDash val="solid"/>
+                </a:ln>
+                <a:solidFill>
+                  <a:srgbClr val="FFFFFF"/>
                 </a:solidFill>
                 <a:effectLst>
-                  <a:outerShdw blurRad="38100" dist="25400" dir="5400000" algn="ctr" rotWithShape="0">
-                    <a:srgbClr val="6E747A">
-                      <a:alpha val="43000"/>
-                    </a:srgbClr>
+                  <a:glow rad="228600">
+                    <a:schemeClr val="accent4">
+                      <a:satMod val="175000"/>
+                      <a:alpha val="40000"/>
+                    </a:schemeClr>
+                  </a:glow>
+                  <a:outerShdw dist="38100" dir="2700000" algn="tl" rotWithShape="0">
+                    <a:schemeClr val="accent2"/>
                   </a:outerShdw>
                 </a:effectLst>
               </a:rPr>
-              <a:t>   </a:t>
-            </a:r>
-            <a:r>
-              <a:rPr lang="ko-KR" altLang="en-US" sz="1400" dirty="0" smtClean="0">
-                <a:ln w="0"/>
-                <a:solidFill>
-                  <a:schemeClr val="bg1"/>
+              <a:t>GitHub</a:t>
+            </a:r>
+          </a:p>
+          <a:p>
+            <a:pPr algn="ctr"/>
+            <a:r>
+              <a:rPr lang="en-US" altLang="ko-KR" b="1" dirty="0">
+                <a:ln w="6600">
+                  <a:solidFill>
+                    <a:schemeClr val="accent2"/>
+                  </a:solidFill>
+                  <a:prstDash val="solid"/>
+                </a:ln>
+                <a:solidFill>
+                  <a:srgbClr val="FFFFFF"/>
                 </a:solidFill>
                 <a:effectLst>
-                  <a:outerShdw blurRad="38100" dist="25400" dir="5400000" algn="ctr" rotWithShape="0">
-                    <a:srgbClr val="6E747A">
-                      <a:alpha val="43000"/>
-                    </a:srgbClr>
+                  <a:glow rad="228600">
+                    <a:schemeClr val="accent4">
+                      <a:satMod val="175000"/>
+                      <a:alpha val="40000"/>
+                    </a:schemeClr>
+                  </a:glow>
+                  <a:outerShdw dist="38100" dir="2700000" algn="tl" rotWithShape="0">
+                    <a:schemeClr val="accent2"/>
                   </a:outerShdw>
                 </a:effectLst>
               </a:rPr>
-              <a:t>제한시간 초과시 더 많은 몬스터를 처치한 플레이어가 승리</a:t>
-            </a:r>
-            <a:endParaRPr lang="ko-KR" altLang="en-US" sz="1400" dirty="0">
-              <a:ln w="0"/>
-              <a:solidFill>
-                <a:schemeClr val="bg1"/>
-              </a:solidFill>
-              <a:effectLst>
-                <a:outerShdw blurRad="38100" dist="25400" dir="5400000" algn="ctr" rotWithShape="0">
-                  <a:srgbClr val="6E747A">
-                    <a:alpha val="43000"/>
-                  </a:srgbClr>
-                </a:outerShdw>
-              </a:effectLst>
-            </a:endParaRPr>
-          </a:p>
-          <a:p>
-            <a:pPr fontAlgn="base"/>
-            <a:r>
-              <a:rPr lang="en-US" altLang="ko-KR" sz="1400" dirty="0" smtClean="0">
-                <a:ln w="0"/>
-                <a:solidFill>
-                  <a:schemeClr val="bg1"/>
-                </a:solidFill>
-                <a:effectLst>
-                  <a:outerShdw blurRad="38100" dist="25400" dir="5400000" algn="ctr" rotWithShape="0">
-                    <a:srgbClr val="6E747A">
-                      <a:alpha val="43000"/>
-                    </a:srgbClr>
-                  </a:outerShdw>
-                </a:effectLst>
-              </a:rPr>
-              <a:t>Ⅱ. </a:t>
-            </a:r>
-            <a:r>
-              <a:rPr lang="ko-KR" altLang="en-US" sz="1400" dirty="0">
-                <a:ln w="0"/>
-                <a:solidFill>
-                  <a:schemeClr val="bg1"/>
-                </a:solidFill>
-                <a:effectLst>
-                  <a:outerShdw blurRad="38100" dist="25400" dir="5400000" algn="ctr" rotWithShape="0">
-                    <a:srgbClr val="6E747A">
-                      <a:alpha val="43000"/>
-                    </a:srgbClr>
-                  </a:outerShdw>
-                </a:effectLst>
-              </a:rPr>
-              <a:t>각 플레이어들을 제한된 가시거리를 </a:t>
-            </a:r>
-            <a:r>
-              <a:rPr lang="ko-KR" altLang="en-US" sz="1400" dirty="0" smtClean="0">
-                <a:ln w="0"/>
-                <a:solidFill>
-                  <a:schemeClr val="bg1"/>
-                </a:solidFill>
-                <a:effectLst>
-                  <a:outerShdw blurRad="38100" dist="25400" dir="5400000" algn="ctr" rotWithShape="0">
-                    <a:srgbClr val="6E747A">
-                      <a:alpha val="43000"/>
-                    </a:srgbClr>
-                  </a:outerShdw>
-                </a:effectLst>
-              </a:rPr>
-              <a:t>갖음</a:t>
-            </a:r>
-            <a:endParaRPr lang="ko-KR" altLang="en-US" sz="1400" dirty="0">
-              <a:ln w="0"/>
-              <a:solidFill>
-                <a:schemeClr val="bg1"/>
-              </a:solidFill>
-              <a:effectLst>
-                <a:outerShdw blurRad="38100" dist="25400" dir="5400000" algn="ctr" rotWithShape="0">
-                  <a:srgbClr val="6E747A">
-                    <a:alpha val="43000"/>
-                  </a:srgbClr>
-                </a:outerShdw>
-              </a:effectLst>
-            </a:endParaRPr>
-          </a:p>
-          <a:p>
-            <a:pPr fontAlgn="base"/>
-            <a:r>
-              <a:rPr lang="en-US" altLang="ko-KR" sz="1400" dirty="0" smtClean="0">
-                <a:ln w="0"/>
-                <a:solidFill>
-                  <a:schemeClr val="bg1"/>
-                </a:solidFill>
-                <a:effectLst>
-                  <a:outerShdw blurRad="38100" dist="25400" dir="5400000" algn="ctr" rotWithShape="0">
-                    <a:srgbClr val="6E747A">
-                      <a:alpha val="43000"/>
-                    </a:srgbClr>
-                  </a:outerShdw>
-                </a:effectLst>
-              </a:rPr>
-              <a:t>Ⅲ. </a:t>
-            </a:r>
-            <a:r>
-              <a:rPr lang="ko-KR" altLang="en-US" sz="1400" dirty="0">
-                <a:ln w="0"/>
-                <a:solidFill>
-                  <a:schemeClr val="bg1"/>
-                </a:solidFill>
-                <a:effectLst>
-                  <a:outerShdw blurRad="38100" dist="25400" dir="5400000" algn="ctr" rotWithShape="0">
-                    <a:srgbClr val="6E747A">
-                      <a:alpha val="43000"/>
-                    </a:srgbClr>
-                  </a:outerShdw>
-                </a:effectLst>
-              </a:rPr>
-              <a:t>몬스터를 </a:t>
-            </a:r>
-            <a:r>
-              <a:rPr lang="ko-KR" altLang="en-US" sz="1400" dirty="0" smtClean="0">
-                <a:ln w="0"/>
-                <a:solidFill>
-                  <a:schemeClr val="bg1"/>
-                </a:solidFill>
-                <a:effectLst>
-                  <a:outerShdw blurRad="38100" dist="25400" dir="5400000" algn="ctr" rotWithShape="0">
-                    <a:srgbClr val="6E747A">
-                      <a:alpha val="43000"/>
-                    </a:srgbClr>
-                  </a:outerShdw>
-                </a:effectLst>
-              </a:rPr>
-              <a:t>공격한 </a:t>
-            </a:r>
-            <a:r>
-              <a:rPr lang="ko-KR" altLang="en-US" sz="1400" dirty="0">
-                <a:ln w="0"/>
-                <a:solidFill>
-                  <a:schemeClr val="bg1"/>
-                </a:solidFill>
-                <a:effectLst>
-                  <a:outerShdw blurRad="38100" dist="25400" dir="5400000" algn="ctr" rotWithShape="0">
-                    <a:srgbClr val="6E747A">
-                      <a:alpha val="43000"/>
-                    </a:srgbClr>
-                  </a:outerShdw>
-                </a:effectLst>
-              </a:rPr>
-              <a:t>플레이어의 스피드는 </a:t>
-            </a:r>
-            <a:r>
-              <a:rPr lang="en-US" altLang="ko-KR" sz="1400" dirty="0">
-                <a:ln w="0"/>
-                <a:solidFill>
-                  <a:schemeClr val="bg1"/>
-                </a:solidFill>
-                <a:effectLst>
-                  <a:outerShdw blurRad="38100" dist="25400" dir="5400000" algn="ctr" rotWithShape="0">
-                    <a:srgbClr val="6E747A">
-                      <a:alpha val="43000"/>
-                    </a:srgbClr>
-                  </a:outerShdw>
-                </a:effectLst>
-              </a:rPr>
-              <a:t>5% </a:t>
-            </a:r>
-            <a:r>
-              <a:rPr lang="ko-KR" altLang="en-US" sz="1400" dirty="0" smtClean="0">
-                <a:ln w="0"/>
-                <a:solidFill>
-                  <a:schemeClr val="bg1"/>
-                </a:solidFill>
-                <a:effectLst>
-                  <a:outerShdw blurRad="38100" dist="25400" dir="5400000" algn="ctr" rotWithShape="0">
-                    <a:srgbClr val="6E747A">
-                      <a:alpha val="43000"/>
-                    </a:srgbClr>
-                  </a:outerShdw>
-                </a:effectLst>
-              </a:rPr>
-              <a:t>감소</a:t>
-            </a:r>
-            <a:endParaRPr lang="ko-KR" altLang="en-US" sz="1400" dirty="0">
-              <a:ln w="0"/>
-              <a:solidFill>
-                <a:schemeClr val="bg1"/>
-              </a:solidFill>
-              <a:effectLst>
-                <a:outerShdw blurRad="38100" dist="25400" dir="5400000" algn="ctr" rotWithShape="0">
-                  <a:srgbClr val="6E747A">
-                    <a:alpha val="43000"/>
-                  </a:srgbClr>
-                </a:outerShdw>
-              </a:effectLst>
-            </a:endParaRPr>
-          </a:p>
-          <a:p>
-            <a:pPr fontAlgn="base"/>
-            <a:r>
-              <a:rPr lang="en-US" altLang="ko-KR" sz="1400" dirty="0" smtClean="0">
-                <a:ln w="0"/>
-                <a:solidFill>
-                  <a:schemeClr val="bg1"/>
-                </a:solidFill>
-                <a:effectLst>
-                  <a:outerShdw blurRad="38100" dist="25400" dir="5400000" algn="ctr" rotWithShape="0">
-                    <a:srgbClr val="6E747A">
-                      <a:alpha val="43000"/>
-                    </a:srgbClr>
-                  </a:outerShdw>
-                </a:effectLst>
-              </a:rPr>
-              <a:t>Ⅳ. </a:t>
-            </a:r>
-            <a:r>
-              <a:rPr lang="ko-KR" altLang="en-US" sz="1400" dirty="0" smtClean="0">
-                <a:ln w="0"/>
-                <a:solidFill>
-                  <a:schemeClr val="bg1"/>
-                </a:solidFill>
-                <a:effectLst>
-                  <a:outerShdw blurRad="38100" dist="25400" dir="5400000" algn="ctr" rotWithShape="0">
-                    <a:srgbClr val="6E747A">
-                      <a:alpha val="43000"/>
-                    </a:srgbClr>
-                  </a:outerShdw>
-                </a:effectLst>
-              </a:rPr>
-              <a:t>몬스터 처치 시 플레이어의 위치를 </a:t>
-            </a:r>
-            <a:r>
-              <a:rPr lang="en-US" altLang="ko-KR" sz="1400" dirty="0" smtClean="0">
-                <a:ln w="0"/>
-                <a:solidFill>
-                  <a:schemeClr val="bg1"/>
-                </a:solidFill>
-                <a:effectLst>
-                  <a:outerShdw blurRad="38100" dist="25400" dir="5400000" algn="ctr" rotWithShape="0">
-                    <a:srgbClr val="6E747A">
-                      <a:alpha val="43000"/>
-                    </a:srgbClr>
-                  </a:outerShdw>
-                </a:effectLst>
-              </a:rPr>
-              <a:t>1</a:t>
-            </a:r>
-            <a:r>
-              <a:rPr lang="ko-KR" altLang="en-US" sz="1400" dirty="0" smtClean="0">
-                <a:ln w="0"/>
-                <a:solidFill>
-                  <a:schemeClr val="bg1"/>
-                </a:solidFill>
-                <a:effectLst>
-                  <a:outerShdw blurRad="38100" dist="25400" dir="5400000" algn="ctr" rotWithShape="0">
-                    <a:srgbClr val="6E747A">
-                      <a:alpha val="43000"/>
-                    </a:srgbClr>
-                  </a:outerShdw>
-                </a:effectLst>
-              </a:rPr>
-              <a:t>초 동안 빛으로 밝힘</a:t>
-            </a:r>
-            <a:r>
-              <a:rPr lang="en-US" altLang="ko-KR" sz="1400" dirty="0" smtClean="0">
-                <a:ln w="0"/>
-                <a:solidFill>
-                  <a:schemeClr val="bg1"/>
-                </a:solidFill>
-                <a:effectLst>
-                  <a:outerShdw blurRad="38100" dist="25400" dir="5400000" algn="ctr" rotWithShape="0">
-                    <a:srgbClr val="6E747A">
-                      <a:alpha val="43000"/>
-                    </a:srgbClr>
-                  </a:outerShdw>
-                </a:effectLst>
-              </a:rPr>
-              <a:t> ( </a:t>
-            </a:r>
-            <a:r>
-              <a:rPr lang="ko-KR" altLang="en-US" sz="1400" dirty="0" smtClean="0">
-                <a:ln w="0"/>
-                <a:solidFill>
-                  <a:schemeClr val="bg1"/>
-                </a:solidFill>
-                <a:effectLst>
-                  <a:outerShdw blurRad="38100" dist="25400" dir="5400000" algn="ctr" rotWithShape="0">
-                    <a:srgbClr val="6E747A">
-                      <a:alpha val="43000"/>
-                    </a:srgbClr>
-                  </a:outerShdw>
-                </a:effectLst>
-              </a:rPr>
-              <a:t>지도상에서도 표시 </a:t>
-            </a:r>
-            <a:r>
-              <a:rPr lang="en-US" altLang="ko-KR" sz="1400" dirty="0" smtClean="0">
-                <a:ln w="0"/>
-                <a:solidFill>
-                  <a:schemeClr val="bg1"/>
-                </a:solidFill>
-                <a:effectLst>
-                  <a:outerShdw blurRad="38100" dist="25400" dir="5400000" algn="ctr" rotWithShape="0">
-                    <a:srgbClr val="6E747A">
-                      <a:alpha val="43000"/>
-                    </a:srgbClr>
-                  </a:outerShdw>
-                </a:effectLst>
-              </a:rPr>
-              <a:t>)</a:t>
-            </a:r>
-            <a:endParaRPr lang="ko-KR" altLang="en-US" sz="1400" dirty="0">
-              <a:ln w="0"/>
-              <a:solidFill>
-                <a:schemeClr val="bg1"/>
-              </a:solidFill>
-              <a:effectLst>
-                <a:outerShdw blurRad="38100" dist="25400" dir="5400000" algn="ctr" rotWithShape="0">
-                  <a:srgbClr val="6E747A">
-                    <a:alpha val="43000"/>
-                  </a:srgbClr>
-                </a:outerShdw>
-              </a:effectLst>
-            </a:endParaRPr>
-          </a:p>
-          <a:p>
-            <a:pPr fontAlgn="base"/>
-            <a:r>
-              <a:rPr lang="en-US" altLang="ko-KR" sz="1400" dirty="0" smtClean="0">
-                <a:ln w="0"/>
-                <a:solidFill>
-                  <a:schemeClr val="bg1"/>
-                </a:solidFill>
-                <a:effectLst>
-                  <a:outerShdw blurRad="38100" dist="25400" dir="5400000" algn="ctr" rotWithShape="0">
-                    <a:srgbClr val="6E747A">
-                      <a:alpha val="43000"/>
-                    </a:srgbClr>
-                  </a:outerShdw>
-                </a:effectLst>
-              </a:rPr>
-              <a:t>Ⅴ. </a:t>
-            </a:r>
-            <a:r>
-              <a:rPr lang="en-US" altLang="ko-KR" sz="1400" dirty="0">
-                <a:ln w="0"/>
-                <a:solidFill>
-                  <a:schemeClr val="bg1"/>
-                </a:solidFill>
-                <a:effectLst>
-                  <a:outerShdw blurRad="38100" dist="25400" dir="5400000" algn="ctr" rotWithShape="0">
-                    <a:srgbClr val="6E747A">
-                      <a:alpha val="43000"/>
-                    </a:srgbClr>
-                  </a:outerShdw>
-                </a:effectLst>
-              </a:rPr>
-              <a:t>3</a:t>
-            </a:r>
-            <a:r>
-              <a:rPr lang="ko-KR" altLang="en-US" sz="1400" dirty="0">
-                <a:ln w="0"/>
-                <a:solidFill>
-                  <a:schemeClr val="bg1"/>
-                </a:solidFill>
-                <a:effectLst>
-                  <a:outerShdw blurRad="38100" dist="25400" dir="5400000" algn="ctr" rotWithShape="0">
-                    <a:srgbClr val="6E747A">
-                      <a:alpha val="43000"/>
-                    </a:srgbClr>
-                  </a:outerShdw>
-                </a:effectLst>
-              </a:rPr>
-              <a:t>가지 모델이 각 플레이어</a:t>
-            </a:r>
-            <a:r>
-              <a:rPr lang="en-US" altLang="ko-KR" sz="1400" dirty="0">
-                <a:ln w="0"/>
-                <a:solidFill>
-                  <a:schemeClr val="bg1"/>
-                </a:solidFill>
-                <a:effectLst>
-                  <a:outerShdw blurRad="38100" dist="25400" dir="5400000" algn="ctr" rotWithShape="0">
-                    <a:srgbClr val="6E747A">
-                      <a:alpha val="43000"/>
-                    </a:srgbClr>
-                  </a:outerShdw>
-                </a:effectLst>
-              </a:rPr>
-              <a:t>, </a:t>
-            </a:r>
-            <a:r>
-              <a:rPr lang="ko-KR" altLang="en-US" sz="1400" dirty="0">
-                <a:ln w="0"/>
-                <a:solidFill>
-                  <a:schemeClr val="bg1"/>
-                </a:solidFill>
-                <a:effectLst>
-                  <a:outerShdw blurRad="38100" dist="25400" dir="5400000" algn="ctr" rotWithShape="0">
-                    <a:srgbClr val="6E747A">
-                      <a:alpha val="43000"/>
-                    </a:srgbClr>
-                  </a:outerShdw>
-                </a:effectLst>
-              </a:rPr>
-              <a:t>몬스터 상관없이 </a:t>
-            </a:r>
-            <a:r>
-              <a:rPr lang="ko-KR" altLang="en-US" sz="1400" dirty="0" err="1" smtClean="0">
-                <a:ln w="0"/>
-                <a:solidFill>
-                  <a:schemeClr val="bg1"/>
-                </a:solidFill>
-                <a:effectLst>
-                  <a:outerShdw blurRad="38100" dist="25400" dir="5400000" algn="ctr" rotWithShape="0">
-                    <a:srgbClr val="6E747A">
-                      <a:alpha val="43000"/>
-                    </a:srgbClr>
-                  </a:outerShdw>
-                </a:effectLst>
-              </a:rPr>
-              <a:t>랜덤하게</a:t>
-            </a:r>
-            <a:r>
-              <a:rPr lang="ko-KR" altLang="en-US" sz="1400" dirty="0" smtClean="0">
-                <a:ln w="0"/>
-                <a:solidFill>
-                  <a:schemeClr val="bg1"/>
-                </a:solidFill>
-                <a:effectLst>
-                  <a:outerShdw blurRad="38100" dist="25400" dir="5400000" algn="ctr" rotWithShape="0">
-                    <a:srgbClr val="6E747A">
-                      <a:alpha val="43000"/>
-                    </a:srgbClr>
-                  </a:outerShdw>
-                </a:effectLst>
-              </a:rPr>
-              <a:t> 주어짐</a:t>
-            </a:r>
-            <a:endParaRPr lang="ko-KR" altLang="en-US" sz="1400" dirty="0">
-              <a:ln w="0"/>
-              <a:solidFill>
-                <a:schemeClr val="bg1"/>
-              </a:solidFill>
-              <a:effectLst>
-                <a:outerShdw blurRad="38100" dist="25400" dir="5400000" algn="ctr" rotWithShape="0">
-                  <a:srgbClr val="6E747A">
-                    <a:alpha val="43000"/>
-                  </a:srgbClr>
-                </a:outerShdw>
-              </a:effectLst>
-            </a:endParaRPr>
-          </a:p>
-          <a:p>
-            <a:pPr fontAlgn="base"/>
-            <a:r>
-              <a:rPr lang="en-US" altLang="ko-KR" sz="1400" dirty="0" smtClean="0">
-                <a:ln w="0"/>
-                <a:solidFill>
-                  <a:schemeClr val="bg1"/>
-                </a:solidFill>
-                <a:effectLst>
-                  <a:outerShdw blurRad="38100" dist="25400" dir="5400000" algn="ctr" rotWithShape="0">
-                    <a:srgbClr val="6E747A">
-                      <a:alpha val="43000"/>
-                    </a:srgbClr>
-                  </a:outerShdw>
-                </a:effectLst>
-              </a:rPr>
-              <a:t>Ⅵ. </a:t>
-            </a:r>
-            <a:r>
-              <a:rPr lang="en-US" altLang="ko-KR" sz="1400" dirty="0">
-                <a:ln w="0"/>
-                <a:solidFill>
-                  <a:schemeClr val="bg1"/>
-                </a:solidFill>
-                <a:effectLst>
-                  <a:outerShdw blurRad="38100" dist="25400" dir="5400000" algn="ctr" rotWithShape="0">
-                    <a:srgbClr val="6E747A">
-                      <a:alpha val="43000"/>
-                    </a:srgbClr>
-                  </a:outerShdw>
-                </a:effectLst>
-              </a:rPr>
-              <a:t>4</a:t>
-            </a:r>
-            <a:r>
-              <a:rPr lang="ko-KR" altLang="en-US" sz="1400" dirty="0">
-                <a:ln w="0"/>
-                <a:solidFill>
-                  <a:schemeClr val="bg1"/>
-                </a:solidFill>
-                <a:effectLst>
-                  <a:outerShdw blurRad="38100" dist="25400" dir="5400000" algn="ctr" rotWithShape="0">
-                    <a:srgbClr val="6E747A">
-                      <a:alpha val="43000"/>
-                    </a:srgbClr>
-                  </a:outerShdw>
-                </a:effectLst>
-              </a:rPr>
-              <a:t>분이 </a:t>
-            </a:r>
-            <a:r>
-              <a:rPr lang="ko-KR" altLang="en-US" sz="1400" dirty="0" smtClean="0">
-                <a:ln w="0"/>
-                <a:solidFill>
-                  <a:schemeClr val="bg1"/>
-                </a:solidFill>
-                <a:effectLst>
-                  <a:outerShdw blurRad="38100" dist="25400" dir="5400000" algn="ctr" rotWithShape="0">
-                    <a:srgbClr val="6E747A">
-                      <a:alpha val="43000"/>
-                    </a:srgbClr>
-                  </a:outerShdw>
-                </a:effectLst>
-              </a:rPr>
-              <a:t>지나면 플레이어의 상태가 걷기</a:t>
-            </a:r>
-            <a:r>
-              <a:rPr lang="en-US" altLang="ko-KR" sz="1400" dirty="0" smtClean="0">
-                <a:ln w="0"/>
-                <a:solidFill>
-                  <a:schemeClr val="bg1"/>
-                </a:solidFill>
-                <a:effectLst>
-                  <a:outerShdw blurRad="38100" dist="25400" dir="5400000" algn="ctr" rotWithShape="0">
-                    <a:srgbClr val="6E747A">
-                      <a:alpha val="43000"/>
-                    </a:srgbClr>
-                  </a:outerShdw>
-                </a:effectLst>
-              </a:rPr>
-              <a:t>-&gt;</a:t>
-            </a:r>
-            <a:r>
-              <a:rPr lang="ko-KR" altLang="en-US" sz="1400" dirty="0" smtClean="0">
-                <a:ln w="0"/>
-                <a:solidFill>
-                  <a:schemeClr val="bg1"/>
-                </a:solidFill>
-                <a:effectLst>
-                  <a:outerShdw blurRad="38100" dist="25400" dir="5400000" algn="ctr" rotWithShape="0">
-                    <a:srgbClr val="6E747A">
-                      <a:alpha val="43000"/>
-                    </a:srgbClr>
-                  </a:outerShdw>
-                </a:effectLst>
-              </a:rPr>
-              <a:t>달리기로 전환</a:t>
-            </a:r>
-            <a:endParaRPr lang="en-US" altLang="ko-KR" sz="1400" dirty="0" smtClean="0">
-              <a:ln w="0"/>
-              <a:solidFill>
-                <a:schemeClr val="bg1"/>
-              </a:solidFill>
-              <a:effectLst>
-                <a:outerShdw blurRad="38100" dist="25400" dir="5400000" algn="ctr" rotWithShape="0">
-                  <a:srgbClr val="6E747A">
-                    <a:alpha val="43000"/>
-                  </a:srgbClr>
-                </a:outerShdw>
-              </a:effectLst>
-            </a:endParaRPr>
-          </a:p>
-          <a:p>
-            <a:pPr fontAlgn="base"/>
-            <a:r>
-              <a:rPr lang="en-US" altLang="ko-KR" sz="1400" dirty="0" smtClean="0">
-                <a:ln w="0"/>
-                <a:solidFill>
-                  <a:schemeClr val="bg1"/>
-                </a:solidFill>
-                <a:effectLst>
-                  <a:outerShdw blurRad="38100" dist="25400" dir="5400000" algn="ctr" rotWithShape="0">
-                    <a:srgbClr val="6E747A">
-                      <a:alpha val="43000"/>
-                    </a:srgbClr>
-                  </a:outerShdw>
-                </a:effectLst>
-              </a:rPr>
-              <a:t>Ⅶ. </a:t>
-            </a:r>
-            <a:r>
-              <a:rPr lang="en-US" altLang="ko-KR" sz="1400" dirty="0">
-                <a:ln w="0"/>
-                <a:solidFill>
-                  <a:schemeClr val="bg1"/>
-                </a:solidFill>
-                <a:effectLst>
-                  <a:outerShdw blurRad="38100" dist="25400" dir="5400000" algn="ctr" rotWithShape="0">
-                    <a:srgbClr val="6E747A">
-                      <a:alpha val="43000"/>
-                    </a:srgbClr>
-                  </a:outerShdw>
-                </a:effectLst>
-              </a:rPr>
-              <a:t>Tab</a:t>
-            </a:r>
-            <a:r>
-              <a:rPr lang="ko-KR" altLang="en-US" sz="1400" dirty="0">
-                <a:ln w="0"/>
-                <a:solidFill>
-                  <a:schemeClr val="bg1"/>
-                </a:solidFill>
-                <a:effectLst>
-                  <a:outerShdw blurRad="38100" dist="25400" dir="5400000" algn="ctr" rotWithShape="0">
-                    <a:srgbClr val="6E747A">
-                      <a:alpha val="43000"/>
-                    </a:srgbClr>
-                  </a:outerShdw>
-                </a:effectLst>
-              </a:rPr>
-              <a:t>을 </a:t>
-            </a:r>
-            <a:r>
-              <a:rPr lang="ko-KR" altLang="en-US" sz="1400" dirty="0" smtClean="0">
-                <a:ln w="0"/>
-                <a:solidFill>
-                  <a:schemeClr val="bg1"/>
-                </a:solidFill>
-                <a:effectLst>
-                  <a:outerShdw blurRad="38100" dist="25400" dir="5400000" algn="ctr" rotWithShape="0">
-                    <a:srgbClr val="6E747A">
-                      <a:alpha val="43000"/>
-                    </a:srgbClr>
-                  </a:outerShdw>
-                </a:effectLst>
-              </a:rPr>
-              <a:t>이용해 게임 현재 상태를 볼 수 있음</a:t>
-            </a:r>
-            <a:endParaRPr lang="en-US" altLang="ko-KR" sz="1400" kern="0" dirty="0">
-              <a:solidFill>
-                <a:schemeClr val="bg1"/>
-              </a:solidFill>
-              <a:effectLst>
-                <a:glow rad="228600">
-                  <a:schemeClr val="accent4">
-                    <a:satMod val="175000"/>
-                    <a:alpha val="40000"/>
-                  </a:schemeClr>
-                </a:glow>
-              </a:effectLst>
-              <a:latin typeface="HY헤드라인M" panose="02030600000101010101" pitchFamily="18" charset="-127"/>
-              <a:ea typeface="HY헤드라인M" panose="02030600000101010101" pitchFamily="18" charset="-127"/>
-            </a:endParaRPr>
+              <a:t>FBX SDK</a:t>
+            </a:r>
           </a:p>
         </p:txBody>
       </p:sp>
     </p:spTree>
     <p:extLst>
       <p:ext uri="{BB962C8B-B14F-4D97-AF65-F5344CB8AC3E}">
-        <p14:creationId xmlns:p14="http://schemas.microsoft.com/office/powerpoint/2010/main" val="2769670405"/>
+        <p14:creationId xmlns:p14="http://schemas.microsoft.com/office/powerpoint/2010/main" val="2477806957"/>
       </p:ext>
     </p:extLst>
   </p:cSld>
@@ -5692,7 +4327,7 @@
         <p:spPr>
           <a:xfrm>
             <a:off x="1022303" y="569875"/>
-            <a:ext cx="1415772" cy="461665"/>
+            <a:ext cx="1723549" cy="461665"/>
           </a:xfrm>
           <a:prstGeom prst="rect">
             <a:avLst/>
@@ -5706,7 +4341,7 @@
           <a:lstStyle/>
           <a:p>
             <a:r>
-              <a:rPr lang="ko-KR" altLang="en-US" sz="2400" dirty="0" smtClean="0">
+              <a:rPr lang="ko-KR" altLang="en-US" sz="2400" dirty="0" err="1" smtClean="0">
                 <a:solidFill>
                   <a:schemeClr val="bg1"/>
                 </a:solidFill>
@@ -5719,7 +4354,7 @@
                   </a:glow>
                 </a:effectLst>
               </a:rPr>
-              <a:t>개발환경</a:t>
+              <a:t>기술적요소</a:t>
             </a:r>
             <a:endParaRPr lang="ko-KR" altLang="en-US" dirty="0">
               <a:solidFill>
@@ -5835,7 +4470,7 @@
                 <a:latin typeface="-윤고딕340" pitchFamily="18" charset="-127"/>
                 <a:ea typeface="-윤고딕340" pitchFamily="18" charset="-127"/>
               </a:rPr>
-              <a:t>4</a:t>
+              <a:t>5</a:t>
             </a:r>
             <a:endParaRPr lang="ko-KR" altLang="en-US" sz="3200" dirty="0">
               <a:solidFill>
@@ -5855,8 +4490,8 @@
         </p:nvSpPr>
         <p:spPr>
           <a:xfrm>
-            <a:off x="626317" y="2204864"/>
-            <a:ext cx="7686600" cy="1477328"/>
+            <a:off x="662805" y="1598922"/>
+            <a:ext cx="7686600" cy="1846659"/>
           </a:xfrm>
           <a:prstGeom prst="rect">
             <a:avLst/>
@@ -5910,6 +4545,31 @@
           <a:p>
             <a:pPr algn="ctr"/>
             <a:r>
+              <a:rPr lang="en-US" altLang="ko-KR" sz="2400" b="1" dirty="0" smtClean="0">
+                <a:ln w="6600">
+                  <a:solidFill>
+                    <a:schemeClr val="accent2"/>
+                  </a:solidFill>
+                  <a:prstDash val="solid"/>
+                </a:ln>
+                <a:solidFill>
+                  <a:srgbClr val="FFFFFF"/>
+                </a:solidFill>
+                <a:effectLst>
+                  <a:glow rad="228600">
+                    <a:schemeClr val="accent1">
+                      <a:satMod val="175000"/>
+                      <a:alpha val="40000"/>
+                    </a:schemeClr>
+                  </a:glow>
+                  <a:outerShdw dist="38100" dir="2700000" algn="tl" rotWithShape="0">
+                    <a:schemeClr val="accent2"/>
+                  </a:outerShdw>
+                </a:effectLst>
+              </a:rPr>
+              <a:t>Client</a:t>
+            </a:r>
+            <a:r>
               <a:rPr lang="en-US" altLang="ko-KR" b="1" dirty="0" smtClean="0">
                 <a:ln w="6600">
                   <a:solidFill>
@@ -5932,10 +4592,38 @@
                   </a:outerShdw>
                 </a:effectLst>
               </a:rPr>
-              <a:t>Visual </a:t>
-            </a:r>
-            <a:r>
-              <a:rPr lang="en-US" altLang="ko-KR" b="1" dirty="0">
+              <a:t> </a:t>
+            </a:r>
+          </a:p>
+          <a:p>
+            <a:pPr algn="ctr"/>
+            <a:endParaRPr lang="en-US" altLang="ko-KR" b="1" dirty="0">
+              <a:ln w="6600">
+                <a:solidFill>
+                  <a:schemeClr val="accent2"/>
+                </a:solidFill>
+                <a:prstDash val="solid"/>
+              </a:ln>
+              <a:solidFill>
+                <a:srgbClr val="FFFFFF"/>
+              </a:solidFill>
+              <a:effectLst>
+                <a:glow rad="228600">
+                  <a:schemeClr val="accent4">
+                    <a:satMod val="175000"/>
+                    <a:alpha val="40000"/>
+                  </a:schemeClr>
+                </a:glow>
+                <a:outerShdw dist="38100" dir="2700000" algn="tl" rotWithShape="0">
+                  <a:schemeClr val="accent2"/>
+                </a:outerShdw>
+              </a:effectLst>
+            </a:endParaRPr>
+          </a:p>
+          <a:p>
+            <a:pPr algn="ctr"/>
+            <a:r>
+              <a:rPr lang="ko-KR" altLang="en-US" b="1" dirty="0">
                 <a:ln w="6600">
                   <a:solidFill>
                     <a:schemeClr val="accent2"/>
@@ -5957,13 +4645,10 @@
                   </a:outerShdw>
                 </a:effectLst>
               </a:rPr>
-              <a:t>Studio 2015</a:t>
-            </a:r>
-          </a:p>
-          <a:p>
-            <a:pPr algn="ctr"/>
-            <a:r>
-              <a:rPr lang="en-US" altLang="ko-KR" b="1" dirty="0" err="1">
+              <a:t>동적 </a:t>
+            </a:r>
+            <a:r>
+              <a:rPr lang="ko-KR" altLang="en-US" b="1" dirty="0" err="1">
                 <a:ln w="6600">
                   <a:solidFill>
                     <a:schemeClr val="accent2"/>
@@ -5985,10 +4670,10 @@
                   </a:outerShdw>
                 </a:effectLst>
               </a:rPr>
-              <a:t>Directx</a:t>
-            </a:r>
-            <a:r>
-              <a:rPr lang="en-US" altLang="ko-KR" b="1" dirty="0">
+              <a:t>파티클</a:t>
+            </a:r>
+            <a:r>
+              <a:rPr lang="ko-KR" altLang="en-US" b="1" dirty="0">
                 <a:ln w="6600">
                   <a:solidFill>
                     <a:schemeClr val="accent2"/>
@@ -6010,11 +4695,8 @@
                   </a:outerShdw>
                 </a:effectLst>
               </a:rPr>
-              <a:t> 11 SDK</a:t>
-            </a:r>
-          </a:p>
-          <a:p>
-            <a:pPr algn="ctr"/>
+              <a:t> 시스템을 통한 비</a:t>
+            </a:r>
             <a:r>
               <a:rPr lang="en-US" altLang="ko-KR" b="1" dirty="0">
                 <a:ln w="6600">
@@ -6038,13 +4720,10 @@
                   </a:outerShdw>
                 </a:effectLst>
               </a:rPr>
-              <a:t>Unity.</a:t>
-            </a:r>
-          </a:p>
-          <a:p>
-            <a:pPr algn="ctr"/>
-            <a:r>
-              <a:rPr lang="en-US" altLang="ko-KR" b="1" dirty="0">
+              <a:t>(rain),</a:t>
+            </a:r>
+            <a:r>
+              <a:rPr lang="ko-KR" altLang="en-US" b="1" dirty="0">
                 <a:ln w="6600">
                   <a:solidFill>
                     <a:schemeClr val="accent2"/>
@@ -6066,11 +4745,8 @@
                   </a:outerShdw>
                 </a:effectLst>
               </a:rPr>
-              <a:t>GitHub</a:t>
-            </a:r>
-          </a:p>
-          <a:p>
-            <a:pPr algn="ctr"/>
+              <a:t>눈</a:t>
+            </a:r>
             <a:r>
               <a:rPr lang="en-US" altLang="ko-KR" b="1" dirty="0">
                 <a:ln w="6600">
@@ -6094,15 +4770,530 @@
                   </a:outerShdw>
                 </a:effectLst>
               </a:rPr>
-              <a:t>FBX SDK</a:t>
-            </a:r>
+              <a:t>(snow) </a:t>
+            </a:r>
+            <a:r>
+              <a:rPr lang="ko-KR" altLang="en-US" b="1" dirty="0">
+                <a:ln w="6600">
+                  <a:solidFill>
+                    <a:schemeClr val="accent2"/>
+                  </a:solidFill>
+                  <a:prstDash val="solid"/>
+                </a:ln>
+                <a:solidFill>
+                  <a:srgbClr val="FFFFFF"/>
+                </a:solidFill>
+                <a:effectLst>
+                  <a:glow rad="228600">
+                    <a:schemeClr val="accent4">
+                      <a:satMod val="175000"/>
+                      <a:alpha val="40000"/>
+                    </a:schemeClr>
+                  </a:glow>
+                  <a:outerShdw dist="38100" dir="2700000" algn="tl" rotWithShape="0">
+                    <a:schemeClr val="accent2"/>
+                  </a:outerShdw>
+                </a:effectLst>
+              </a:rPr>
+              <a:t>특수효과</a:t>
+            </a:r>
+            <a:r>
+              <a:rPr lang="en-US" altLang="ko-KR" b="1" dirty="0">
+                <a:ln w="6600">
+                  <a:solidFill>
+                    <a:schemeClr val="accent2"/>
+                  </a:solidFill>
+                  <a:prstDash val="solid"/>
+                </a:ln>
+                <a:solidFill>
+                  <a:srgbClr val="FFFFFF"/>
+                </a:solidFill>
+                <a:effectLst>
+                  <a:glow rad="228600">
+                    <a:schemeClr val="accent4">
+                      <a:satMod val="175000"/>
+                      <a:alpha val="40000"/>
+                    </a:schemeClr>
+                  </a:glow>
+                  <a:outerShdw dist="38100" dir="2700000" algn="tl" rotWithShape="0">
+                    <a:schemeClr val="accent2"/>
+                  </a:outerShdw>
+                </a:effectLst>
+              </a:rPr>
+              <a:t>.</a:t>
+            </a:r>
+          </a:p>
+          <a:p>
+            <a:pPr algn="ctr"/>
+            <a:endParaRPr lang="en-US" altLang="ko-KR" b="1" dirty="0">
+              <a:ln w="6600">
+                <a:solidFill>
+                  <a:schemeClr val="accent2"/>
+                </a:solidFill>
+                <a:prstDash val="solid"/>
+              </a:ln>
+              <a:solidFill>
+                <a:srgbClr val="FFFFFF"/>
+              </a:solidFill>
+              <a:effectLst>
+                <a:glow rad="228600">
+                  <a:schemeClr val="accent4">
+                    <a:satMod val="175000"/>
+                    <a:alpha val="40000"/>
+                  </a:schemeClr>
+                </a:glow>
+                <a:outerShdw dist="38100" dir="2700000" algn="tl" rotWithShape="0">
+                  <a:schemeClr val="accent2"/>
+                </a:outerShdw>
+              </a:effectLst>
+            </a:endParaRPr>
+          </a:p>
+          <a:p>
+            <a:pPr algn="ctr"/>
+            <a:r>
+              <a:rPr lang="ko-KR" altLang="en-US" b="1" dirty="0" err="1">
+                <a:ln w="6600">
+                  <a:solidFill>
+                    <a:schemeClr val="accent2"/>
+                  </a:solidFill>
+                  <a:prstDash val="solid"/>
+                </a:ln>
+                <a:solidFill>
+                  <a:srgbClr val="FFFFFF"/>
+                </a:solidFill>
+                <a:effectLst>
+                  <a:glow rad="228600">
+                    <a:schemeClr val="accent4">
+                      <a:satMod val="175000"/>
+                      <a:alpha val="40000"/>
+                    </a:schemeClr>
+                  </a:glow>
+                  <a:outerShdw dist="38100" dir="2700000" algn="tl" rotWithShape="0">
+                    <a:schemeClr val="accent2"/>
+                  </a:outerShdw>
+                </a:effectLst>
+              </a:rPr>
+              <a:t>환경매핑을</a:t>
+            </a:r>
+            <a:r>
+              <a:rPr lang="ko-KR" altLang="en-US" b="1" dirty="0">
+                <a:ln w="6600">
+                  <a:solidFill>
+                    <a:schemeClr val="accent2"/>
+                  </a:solidFill>
+                  <a:prstDash val="solid"/>
+                </a:ln>
+                <a:solidFill>
+                  <a:srgbClr val="FFFFFF"/>
+                </a:solidFill>
+                <a:effectLst>
+                  <a:glow rad="228600">
+                    <a:schemeClr val="accent4">
+                      <a:satMod val="175000"/>
+                      <a:alpha val="40000"/>
+                    </a:schemeClr>
+                  </a:glow>
+                  <a:outerShdw dist="38100" dir="2700000" algn="tl" rotWithShape="0">
+                    <a:schemeClr val="accent2"/>
+                  </a:outerShdw>
+                </a:effectLst>
+              </a:rPr>
+              <a:t> 사용하여 군데군데 거울 배치</a:t>
+            </a:r>
+            <a:r>
+              <a:rPr lang="en-US" altLang="ko-KR" b="1" dirty="0" smtClean="0">
+                <a:ln w="6600">
+                  <a:solidFill>
+                    <a:schemeClr val="accent2"/>
+                  </a:solidFill>
+                  <a:prstDash val="solid"/>
+                </a:ln>
+                <a:solidFill>
+                  <a:srgbClr val="FFFFFF"/>
+                </a:solidFill>
+                <a:effectLst>
+                  <a:glow rad="228600">
+                    <a:schemeClr val="accent4">
+                      <a:satMod val="175000"/>
+                      <a:alpha val="40000"/>
+                    </a:schemeClr>
+                  </a:glow>
+                  <a:outerShdw dist="38100" dir="2700000" algn="tl" rotWithShape="0">
+                    <a:schemeClr val="accent2"/>
+                  </a:outerShdw>
+                </a:effectLst>
+              </a:rPr>
+              <a:t>.</a:t>
+            </a:r>
+          </a:p>
+          <a:p>
+            <a:pPr algn="ctr"/>
+            <a:endParaRPr lang="en-US" altLang="ko-KR" b="1" dirty="0">
+              <a:ln w="6600">
+                <a:solidFill>
+                  <a:schemeClr val="accent2"/>
+                </a:solidFill>
+                <a:prstDash val="solid"/>
+              </a:ln>
+              <a:solidFill>
+                <a:srgbClr val="FFFFFF"/>
+              </a:solidFill>
+              <a:effectLst>
+                <a:glow rad="228600">
+                  <a:schemeClr val="accent4">
+                    <a:satMod val="175000"/>
+                    <a:alpha val="40000"/>
+                  </a:schemeClr>
+                </a:glow>
+                <a:outerShdw dist="38100" dir="2700000" algn="tl" rotWithShape="0">
+                  <a:schemeClr val="accent2"/>
+                </a:outerShdw>
+              </a:effectLst>
+            </a:endParaRPr>
+          </a:p>
+        </p:txBody>
+      </p:sp>
+      <p:sp>
+        <p:nvSpPr>
+          <p:cNvPr id="14" name="직사각형 13"/>
+          <p:cNvSpPr/>
+          <p:nvPr/>
+        </p:nvSpPr>
+        <p:spPr>
+          <a:xfrm>
+            <a:off x="667919" y="4293096"/>
+            <a:ext cx="7686600" cy="1292662"/>
+          </a:xfrm>
+          <a:prstGeom prst="rect">
+            <a:avLst/>
+          </a:prstGeom>
+          <a:ln>
+            <a:noFill/>
+          </a:ln>
+          <a:effectLst>
+            <a:glow rad="228600">
+              <a:srgbClr val="FFFF00">
+                <a:alpha val="40000"/>
+              </a:srgbClr>
+            </a:glow>
+            <a:outerShdw blurRad="44450" dist="27940" dir="5400000" algn="ctr">
+              <a:srgbClr val="000000">
+                <a:alpha val="32000"/>
+              </a:srgbClr>
+            </a:outerShdw>
+          </a:effectLst>
+          <a:scene3d>
+            <a:camera prst="orthographicFront">
+              <a:rot lat="0" lon="0" rev="0"/>
+            </a:camera>
+            <a:lightRig rig="balanced" dir="t">
+              <a:rot lat="0" lon="0" rev="8700000"/>
+            </a:lightRig>
+          </a:scene3d>
+          <a:sp3d>
+            <a:bevelT w="190500" h="38100"/>
+          </a:sp3d>
+        </p:spPr>
+        <p:style>
+          <a:lnRef idx="3">
+            <a:schemeClr val="lt1"/>
+          </a:lnRef>
+          <a:fillRef idx="1">
+            <a:schemeClr val="dk1"/>
+          </a:fillRef>
+          <a:effectRef idx="1">
+            <a:schemeClr val="dk1"/>
+          </a:effectRef>
+          <a:fontRef idx="minor">
+            <a:schemeClr val="lt1"/>
+          </a:fontRef>
+        </p:style>
+        <p:txBody>
+          <a:bodyPr wrap="square">
+            <a:spAutoFit/>
+          </a:bodyPr>
+          <a:lstStyle/>
+          <a:p>
+            <a:pPr algn="ctr"/>
+            <a:r>
+              <a:rPr lang="en-US" altLang="ko-KR" sz="2400" b="1" dirty="0" smtClean="0">
+                <a:ln w="6600">
+                  <a:solidFill>
+                    <a:schemeClr val="accent2"/>
+                  </a:solidFill>
+                  <a:prstDash val="solid"/>
+                </a:ln>
+                <a:solidFill>
+                  <a:srgbClr val="FFFFFF"/>
+                </a:solidFill>
+                <a:effectLst>
+                  <a:glow rad="228600">
+                    <a:schemeClr val="accent1">
+                      <a:satMod val="175000"/>
+                      <a:alpha val="40000"/>
+                    </a:schemeClr>
+                  </a:glow>
+                  <a:outerShdw dist="38100" dir="2700000" algn="tl" rotWithShape="0">
+                    <a:schemeClr val="accent2"/>
+                  </a:outerShdw>
+                </a:effectLst>
+              </a:rPr>
+              <a:t>Server</a:t>
+            </a:r>
+            <a:endParaRPr lang="en-US" altLang="ko-KR" b="1" dirty="0" smtClean="0">
+              <a:ln w="6600">
+                <a:solidFill>
+                  <a:schemeClr val="accent2"/>
+                </a:solidFill>
+                <a:prstDash val="solid"/>
+              </a:ln>
+              <a:solidFill>
+                <a:srgbClr val="FFFFFF"/>
+              </a:solidFill>
+              <a:effectLst>
+                <a:glow rad="228600">
+                  <a:schemeClr val="accent4">
+                    <a:satMod val="175000"/>
+                    <a:alpha val="40000"/>
+                  </a:schemeClr>
+                </a:glow>
+                <a:outerShdw dist="38100" dir="2700000" algn="tl" rotWithShape="0">
+                  <a:schemeClr val="accent2"/>
+                </a:outerShdw>
+              </a:effectLst>
+            </a:endParaRPr>
+          </a:p>
+          <a:p>
+            <a:pPr algn="ctr"/>
+            <a:endParaRPr lang="en-US" altLang="ko-KR" b="1" dirty="0">
+              <a:ln w="6600">
+                <a:solidFill>
+                  <a:schemeClr val="accent2"/>
+                </a:solidFill>
+                <a:prstDash val="solid"/>
+              </a:ln>
+              <a:solidFill>
+                <a:srgbClr val="FFFFFF"/>
+              </a:solidFill>
+              <a:effectLst>
+                <a:glow rad="228600">
+                  <a:schemeClr val="accent4">
+                    <a:satMod val="175000"/>
+                    <a:alpha val="40000"/>
+                  </a:schemeClr>
+                </a:glow>
+                <a:outerShdw dist="38100" dir="2700000" algn="tl" rotWithShape="0">
+                  <a:schemeClr val="accent2"/>
+                </a:outerShdw>
+              </a:effectLst>
+            </a:endParaRPr>
+          </a:p>
+          <a:p>
+            <a:pPr algn="ctr"/>
+            <a:r>
+              <a:rPr lang="en-US" altLang="ko-KR" b="1" dirty="0" smtClean="0">
+                <a:ln w="6600">
+                  <a:solidFill>
+                    <a:schemeClr val="accent2"/>
+                  </a:solidFill>
+                  <a:prstDash val="solid"/>
+                </a:ln>
+                <a:solidFill>
+                  <a:srgbClr val="FFFFFF"/>
+                </a:solidFill>
+                <a:effectLst>
+                  <a:glow rad="228600">
+                    <a:schemeClr val="accent4">
+                      <a:satMod val="175000"/>
+                      <a:alpha val="40000"/>
+                    </a:schemeClr>
+                  </a:glow>
+                  <a:outerShdw dist="38100" dir="2700000" algn="tl" rotWithShape="0">
+                    <a:schemeClr val="accent2"/>
+                  </a:outerShdw>
+                </a:effectLst>
+              </a:rPr>
+              <a:t>IOCP</a:t>
+            </a:r>
+            <a:r>
+              <a:rPr lang="ko-KR" altLang="en-US" b="1" dirty="0" smtClean="0">
+                <a:ln w="6600">
+                  <a:solidFill>
+                    <a:schemeClr val="accent2"/>
+                  </a:solidFill>
+                  <a:prstDash val="solid"/>
+                </a:ln>
+                <a:solidFill>
+                  <a:srgbClr val="FFFFFF"/>
+                </a:solidFill>
+                <a:effectLst>
+                  <a:glow rad="228600">
+                    <a:schemeClr val="accent4">
+                      <a:satMod val="175000"/>
+                      <a:alpha val="40000"/>
+                    </a:schemeClr>
+                  </a:glow>
+                  <a:outerShdw dist="38100" dir="2700000" algn="tl" rotWithShape="0">
+                    <a:schemeClr val="accent2"/>
+                  </a:outerShdw>
+                </a:effectLst>
+              </a:rPr>
+              <a:t>를 이용하여 다수의 클라이언트의 접속을 효율적으로 처리</a:t>
+            </a:r>
+            <a:endParaRPr lang="en-US" altLang="ko-KR" b="1" dirty="0" smtClean="0">
+              <a:ln w="6600">
+                <a:solidFill>
+                  <a:schemeClr val="accent2"/>
+                </a:solidFill>
+                <a:prstDash val="solid"/>
+              </a:ln>
+              <a:solidFill>
+                <a:srgbClr val="FFFFFF"/>
+              </a:solidFill>
+              <a:effectLst>
+                <a:glow rad="228600">
+                  <a:schemeClr val="accent4">
+                    <a:satMod val="175000"/>
+                    <a:alpha val="40000"/>
+                  </a:schemeClr>
+                </a:glow>
+                <a:outerShdw dist="38100" dir="2700000" algn="tl" rotWithShape="0">
+                  <a:schemeClr val="accent2"/>
+                </a:outerShdw>
+              </a:effectLst>
+            </a:endParaRPr>
+          </a:p>
+          <a:p>
+            <a:pPr algn="ctr"/>
+            <a:r>
+              <a:rPr lang="ko-KR" altLang="en-US" b="1" dirty="0" err="1" smtClean="0">
+                <a:ln w="6600">
+                  <a:solidFill>
+                    <a:schemeClr val="accent2"/>
+                  </a:solidFill>
+                  <a:prstDash val="solid"/>
+                </a:ln>
+                <a:solidFill>
+                  <a:srgbClr val="FFFFFF"/>
+                </a:solidFill>
+                <a:effectLst>
+                  <a:glow rad="228600">
+                    <a:schemeClr val="accent4">
+                      <a:satMod val="175000"/>
+                      <a:alpha val="40000"/>
+                    </a:schemeClr>
+                  </a:glow>
+                  <a:outerShdw dist="38100" dir="2700000" algn="tl" rotWithShape="0">
+                    <a:schemeClr val="accent2"/>
+                  </a:outerShdw>
+                </a:effectLst>
+              </a:rPr>
+              <a:t>데드레커닝</a:t>
+            </a:r>
+            <a:r>
+              <a:rPr lang="ko-KR" altLang="en-US" b="1" dirty="0" smtClean="0">
+                <a:ln w="6600">
+                  <a:solidFill>
+                    <a:schemeClr val="accent2"/>
+                  </a:solidFill>
+                  <a:prstDash val="solid"/>
+                </a:ln>
+                <a:solidFill>
+                  <a:srgbClr val="FFFFFF"/>
+                </a:solidFill>
+                <a:effectLst>
+                  <a:glow rad="228600">
+                    <a:schemeClr val="accent4">
+                      <a:satMod val="175000"/>
+                      <a:alpha val="40000"/>
+                    </a:schemeClr>
+                  </a:glow>
+                  <a:outerShdw dist="38100" dir="2700000" algn="tl" rotWithShape="0">
+                    <a:schemeClr val="accent2"/>
+                  </a:outerShdw>
+                </a:effectLst>
+              </a:rPr>
+              <a:t> 기법을 이용한 효율적인 </a:t>
+            </a:r>
+            <a:r>
+              <a:rPr lang="ko-KR" altLang="en-US" b="1" dirty="0" err="1" smtClean="0">
+                <a:ln w="6600">
+                  <a:solidFill>
+                    <a:schemeClr val="accent2"/>
+                  </a:solidFill>
+                  <a:prstDash val="solid"/>
+                </a:ln>
+                <a:solidFill>
+                  <a:srgbClr val="FFFFFF"/>
+                </a:solidFill>
+                <a:effectLst>
+                  <a:glow rad="228600">
+                    <a:schemeClr val="accent4">
+                      <a:satMod val="175000"/>
+                      <a:alpha val="40000"/>
+                    </a:schemeClr>
+                  </a:glow>
+                  <a:outerShdw dist="38100" dir="2700000" algn="tl" rotWithShape="0">
+                    <a:schemeClr val="accent2"/>
+                  </a:outerShdw>
+                </a:effectLst>
+              </a:rPr>
+              <a:t>소켓통신</a:t>
+            </a:r>
+            <a:r>
+              <a:rPr lang="ko-KR" altLang="en-US" b="1" dirty="0" smtClean="0">
+                <a:ln w="6600">
+                  <a:solidFill>
+                    <a:schemeClr val="accent2"/>
+                  </a:solidFill>
+                  <a:prstDash val="solid"/>
+                </a:ln>
+                <a:solidFill>
+                  <a:srgbClr val="FFFFFF"/>
+                </a:solidFill>
+                <a:effectLst>
+                  <a:glow rad="228600">
+                    <a:schemeClr val="accent4">
+                      <a:satMod val="175000"/>
+                      <a:alpha val="40000"/>
+                    </a:schemeClr>
+                  </a:glow>
+                  <a:outerShdw dist="38100" dir="2700000" algn="tl" rotWithShape="0">
+                    <a:schemeClr val="accent2"/>
+                  </a:outerShdw>
+                </a:effectLst>
+              </a:rPr>
+              <a:t> 처리</a:t>
+            </a:r>
+            <a:endParaRPr lang="en-US" altLang="ko-KR" b="1" dirty="0">
+              <a:ln w="6600">
+                <a:solidFill>
+                  <a:schemeClr val="accent2"/>
+                </a:solidFill>
+                <a:prstDash val="solid"/>
+              </a:ln>
+              <a:solidFill>
+                <a:srgbClr val="FFFFFF"/>
+              </a:solidFill>
+              <a:effectLst>
+                <a:glow rad="228600">
+                  <a:schemeClr val="accent4">
+                    <a:satMod val="175000"/>
+                    <a:alpha val="40000"/>
+                  </a:schemeClr>
+                </a:glow>
+                <a:outerShdw dist="38100" dir="2700000" algn="tl" rotWithShape="0">
+                  <a:schemeClr val="accent2"/>
+                </a:outerShdw>
+              </a:effectLst>
+            </a:endParaRPr>
           </a:p>
         </p:txBody>
       </p:sp>
     </p:spTree>
     <p:extLst>
       <p:ext uri="{BB962C8B-B14F-4D97-AF65-F5344CB8AC3E}">
-        <p14:creationId xmlns:p14="http://schemas.microsoft.com/office/powerpoint/2010/main" val="2477806957"/>
+        <p14:creationId xmlns:p14="http://schemas.microsoft.com/office/powerpoint/2010/main" val="1790226537"/>
       </p:ext>
     </p:extLst>
   </p:cSld>
@@ -6277,7 +5468,7 @@
         <p:spPr>
           <a:xfrm>
             <a:off x="1022303" y="569875"/>
-            <a:ext cx="1723549" cy="461665"/>
+            <a:ext cx="2140330" cy="461665"/>
           </a:xfrm>
           <a:prstGeom prst="rect">
             <a:avLst/>
@@ -6291,7 +5482,7 @@
           <a:lstStyle/>
           <a:p>
             <a:r>
-              <a:rPr lang="ko-KR" altLang="en-US" sz="2400" dirty="0" err="1" smtClean="0">
+              <a:rPr lang="ko-KR" altLang="en-US" sz="2400" dirty="0" smtClean="0">
                 <a:solidFill>
                   <a:schemeClr val="bg1"/>
                 </a:solidFill>
@@ -6304,7 +5495,7 @@
                   </a:glow>
                 </a:effectLst>
               </a:rPr>
-              <a:t>기술적요소</a:t>
+              <a:t>중점 연구분야</a:t>
             </a:r>
             <a:endParaRPr lang="ko-KR" altLang="en-US" dirty="0">
               <a:solidFill>
@@ -6420,1147 +5611,6 @@
                 <a:latin typeface="-윤고딕340" pitchFamily="18" charset="-127"/>
                 <a:ea typeface="-윤고딕340" pitchFamily="18" charset="-127"/>
               </a:rPr>
-              <a:t>5</a:t>
-            </a:r>
-            <a:endParaRPr lang="ko-KR" altLang="en-US" sz="3200" dirty="0">
-              <a:solidFill>
-                <a:schemeClr val="bg1"/>
-              </a:solidFill>
-              <a:latin typeface="-윤고딕340" pitchFamily="18" charset="-127"/>
-              <a:ea typeface="-윤고딕340" pitchFamily="18" charset="-127"/>
-            </a:endParaRPr>
-          </a:p>
-        </p:txBody>
-      </p:sp>
-      <p:sp>
-        <p:nvSpPr>
-          <p:cNvPr id="13" name="직사각형 12"/>
-          <p:cNvSpPr/>
-          <p:nvPr/>
-        </p:nvSpPr>
-        <p:spPr>
-          <a:xfrm>
-            <a:off x="662805" y="1598922"/>
-            <a:ext cx="7686600" cy="1846659"/>
-          </a:xfrm>
-          <a:prstGeom prst="rect">
-            <a:avLst/>
-          </a:prstGeom>
-          <a:ln>
-            <a:noFill/>
-          </a:ln>
-          <a:effectLst>
-            <a:glow rad="228600">
-              <a:srgbClr val="FFFF00">
-                <a:alpha val="40000"/>
-              </a:srgbClr>
-            </a:glow>
-            <a:outerShdw blurRad="44450" dist="27940" dir="5400000" algn="ctr">
-              <a:srgbClr val="000000">
-                <a:alpha val="32000"/>
-              </a:srgbClr>
-            </a:outerShdw>
-          </a:effectLst>
-          <a:scene3d>
-            <a:camera prst="orthographicFront">
-              <a:rot lat="0" lon="0" rev="0"/>
-            </a:camera>
-            <a:lightRig rig="balanced" dir="t">
-              <a:rot lat="0" lon="0" rev="8700000"/>
-            </a:lightRig>
-          </a:scene3d>
-          <a:sp3d>
-            <a:bevelT w="190500" h="38100"/>
-          </a:sp3d>
-        </p:spPr>
-        <p:style>
-          <a:lnRef idx="3">
-            <a:schemeClr val="lt1"/>
-          </a:lnRef>
-          <a:fillRef idx="1">
-            <a:schemeClr val="dk1"/>
-          </a:fillRef>
-          <a:effectRef idx="1">
-            <a:schemeClr val="dk1"/>
-          </a:effectRef>
-          <a:fontRef idx="minor">
-            <a:schemeClr val="lt1"/>
-          </a:fontRef>
-        </p:style>
-        <p:txBody>
-          <a:bodyPr wrap="square">
-            <a:spAutoFit/>
-          </a:bodyPr>
-          <a:lstStyle/>
-          <a:p>
-            <a:pPr algn="ctr"/>
-            <a:r>
-              <a:rPr lang="en-US" altLang="ko-KR" sz="2400" b="1" dirty="0" smtClean="0">
-                <a:ln w="6600">
-                  <a:solidFill>
-                    <a:schemeClr val="accent2"/>
-                  </a:solidFill>
-                  <a:prstDash val="solid"/>
-                </a:ln>
-                <a:solidFill>
-                  <a:srgbClr val="FFFFFF"/>
-                </a:solidFill>
-                <a:effectLst>
-                  <a:glow rad="228600">
-                    <a:schemeClr val="accent1">
-                      <a:satMod val="175000"/>
-                      <a:alpha val="40000"/>
-                    </a:schemeClr>
-                  </a:glow>
-                  <a:outerShdw dist="38100" dir="2700000" algn="tl" rotWithShape="0">
-                    <a:schemeClr val="accent2"/>
-                  </a:outerShdw>
-                </a:effectLst>
-              </a:rPr>
-              <a:t>Client</a:t>
-            </a:r>
-            <a:r>
-              <a:rPr lang="en-US" altLang="ko-KR" b="1" dirty="0" smtClean="0">
-                <a:ln w="6600">
-                  <a:solidFill>
-                    <a:schemeClr val="accent2"/>
-                  </a:solidFill>
-                  <a:prstDash val="solid"/>
-                </a:ln>
-                <a:solidFill>
-                  <a:srgbClr val="FFFFFF"/>
-                </a:solidFill>
-                <a:effectLst>
-                  <a:glow rad="228600">
-                    <a:schemeClr val="accent4">
-                      <a:satMod val="175000"/>
-                      <a:alpha val="40000"/>
-                    </a:schemeClr>
-                  </a:glow>
-                  <a:outerShdw dist="38100" dir="2700000" algn="tl" rotWithShape="0">
-                    <a:schemeClr val="accent2"/>
-                  </a:outerShdw>
-                </a:effectLst>
-              </a:rPr>
-              <a:t> </a:t>
-            </a:r>
-          </a:p>
-          <a:p>
-            <a:pPr algn="ctr"/>
-            <a:endParaRPr lang="en-US" altLang="ko-KR" b="1" dirty="0">
-              <a:ln w="6600">
-                <a:solidFill>
-                  <a:schemeClr val="accent2"/>
-                </a:solidFill>
-                <a:prstDash val="solid"/>
-              </a:ln>
-              <a:solidFill>
-                <a:srgbClr val="FFFFFF"/>
-              </a:solidFill>
-              <a:effectLst>
-                <a:glow rad="228600">
-                  <a:schemeClr val="accent4">
-                    <a:satMod val="175000"/>
-                    <a:alpha val="40000"/>
-                  </a:schemeClr>
-                </a:glow>
-                <a:outerShdw dist="38100" dir="2700000" algn="tl" rotWithShape="0">
-                  <a:schemeClr val="accent2"/>
-                </a:outerShdw>
-              </a:effectLst>
-            </a:endParaRPr>
-          </a:p>
-          <a:p>
-            <a:pPr algn="ctr"/>
-            <a:r>
-              <a:rPr lang="ko-KR" altLang="en-US" b="1" dirty="0">
-                <a:ln w="6600">
-                  <a:solidFill>
-                    <a:schemeClr val="accent2"/>
-                  </a:solidFill>
-                  <a:prstDash val="solid"/>
-                </a:ln>
-                <a:solidFill>
-                  <a:srgbClr val="FFFFFF"/>
-                </a:solidFill>
-                <a:effectLst>
-                  <a:glow rad="228600">
-                    <a:schemeClr val="accent4">
-                      <a:satMod val="175000"/>
-                      <a:alpha val="40000"/>
-                    </a:schemeClr>
-                  </a:glow>
-                  <a:outerShdw dist="38100" dir="2700000" algn="tl" rotWithShape="0">
-                    <a:schemeClr val="accent2"/>
-                  </a:outerShdw>
-                </a:effectLst>
-              </a:rPr>
-              <a:t>동적 </a:t>
-            </a:r>
-            <a:r>
-              <a:rPr lang="ko-KR" altLang="en-US" b="1" dirty="0" err="1">
-                <a:ln w="6600">
-                  <a:solidFill>
-                    <a:schemeClr val="accent2"/>
-                  </a:solidFill>
-                  <a:prstDash val="solid"/>
-                </a:ln>
-                <a:solidFill>
-                  <a:srgbClr val="FFFFFF"/>
-                </a:solidFill>
-                <a:effectLst>
-                  <a:glow rad="228600">
-                    <a:schemeClr val="accent4">
-                      <a:satMod val="175000"/>
-                      <a:alpha val="40000"/>
-                    </a:schemeClr>
-                  </a:glow>
-                  <a:outerShdw dist="38100" dir="2700000" algn="tl" rotWithShape="0">
-                    <a:schemeClr val="accent2"/>
-                  </a:outerShdw>
-                </a:effectLst>
-              </a:rPr>
-              <a:t>파티클</a:t>
-            </a:r>
-            <a:r>
-              <a:rPr lang="ko-KR" altLang="en-US" b="1" dirty="0">
-                <a:ln w="6600">
-                  <a:solidFill>
-                    <a:schemeClr val="accent2"/>
-                  </a:solidFill>
-                  <a:prstDash val="solid"/>
-                </a:ln>
-                <a:solidFill>
-                  <a:srgbClr val="FFFFFF"/>
-                </a:solidFill>
-                <a:effectLst>
-                  <a:glow rad="228600">
-                    <a:schemeClr val="accent4">
-                      <a:satMod val="175000"/>
-                      <a:alpha val="40000"/>
-                    </a:schemeClr>
-                  </a:glow>
-                  <a:outerShdw dist="38100" dir="2700000" algn="tl" rotWithShape="0">
-                    <a:schemeClr val="accent2"/>
-                  </a:outerShdw>
-                </a:effectLst>
-              </a:rPr>
-              <a:t> 시스템을 통한 비</a:t>
-            </a:r>
-            <a:r>
-              <a:rPr lang="en-US" altLang="ko-KR" b="1" dirty="0">
-                <a:ln w="6600">
-                  <a:solidFill>
-                    <a:schemeClr val="accent2"/>
-                  </a:solidFill>
-                  <a:prstDash val="solid"/>
-                </a:ln>
-                <a:solidFill>
-                  <a:srgbClr val="FFFFFF"/>
-                </a:solidFill>
-                <a:effectLst>
-                  <a:glow rad="228600">
-                    <a:schemeClr val="accent4">
-                      <a:satMod val="175000"/>
-                      <a:alpha val="40000"/>
-                    </a:schemeClr>
-                  </a:glow>
-                  <a:outerShdw dist="38100" dir="2700000" algn="tl" rotWithShape="0">
-                    <a:schemeClr val="accent2"/>
-                  </a:outerShdw>
-                </a:effectLst>
-              </a:rPr>
-              <a:t>(rain),</a:t>
-            </a:r>
-            <a:r>
-              <a:rPr lang="ko-KR" altLang="en-US" b="1" dirty="0">
-                <a:ln w="6600">
-                  <a:solidFill>
-                    <a:schemeClr val="accent2"/>
-                  </a:solidFill>
-                  <a:prstDash val="solid"/>
-                </a:ln>
-                <a:solidFill>
-                  <a:srgbClr val="FFFFFF"/>
-                </a:solidFill>
-                <a:effectLst>
-                  <a:glow rad="228600">
-                    <a:schemeClr val="accent4">
-                      <a:satMod val="175000"/>
-                      <a:alpha val="40000"/>
-                    </a:schemeClr>
-                  </a:glow>
-                  <a:outerShdw dist="38100" dir="2700000" algn="tl" rotWithShape="0">
-                    <a:schemeClr val="accent2"/>
-                  </a:outerShdw>
-                </a:effectLst>
-              </a:rPr>
-              <a:t>눈</a:t>
-            </a:r>
-            <a:r>
-              <a:rPr lang="en-US" altLang="ko-KR" b="1" dirty="0">
-                <a:ln w="6600">
-                  <a:solidFill>
-                    <a:schemeClr val="accent2"/>
-                  </a:solidFill>
-                  <a:prstDash val="solid"/>
-                </a:ln>
-                <a:solidFill>
-                  <a:srgbClr val="FFFFFF"/>
-                </a:solidFill>
-                <a:effectLst>
-                  <a:glow rad="228600">
-                    <a:schemeClr val="accent4">
-                      <a:satMod val="175000"/>
-                      <a:alpha val="40000"/>
-                    </a:schemeClr>
-                  </a:glow>
-                  <a:outerShdw dist="38100" dir="2700000" algn="tl" rotWithShape="0">
-                    <a:schemeClr val="accent2"/>
-                  </a:outerShdw>
-                </a:effectLst>
-              </a:rPr>
-              <a:t>(snow) </a:t>
-            </a:r>
-            <a:r>
-              <a:rPr lang="ko-KR" altLang="en-US" b="1" dirty="0">
-                <a:ln w="6600">
-                  <a:solidFill>
-                    <a:schemeClr val="accent2"/>
-                  </a:solidFill>
-                  <a:prstDash val="solid"/>
-                </a:ln>
-                <a:solidFill>
-                  <a:srgbClr val="FFFFFF"/>
-                </a:solidFill>
-                <a:effectLst>
-                  <a:glow rad="228600">
-                    <a:schemeClr val="accent4">
-                      <a:satMod val="175000"/>
-                      <a:alpha val="40000"/>
-                    </a:schemeClr>
-                  </a:glow>
-                  <a:outerShdw dist="38100" dir="2700000" algn="tl" rotWithShape="0">
-                    <a:schemeClr val="accent2"/>
-                  </a:outerShdw>
-                </a:effectLst>
-              </a:rPr>
-              <a:t>특수효과</a:t>
-            </a:r>
-            <a:r>
-              <a:rPr lang="en-US" altLang="ko-KR" b="1" dirty="0">
-                <a:ln w="6600">
-                  <a:solidFill>
-                    <a:schemeClr val="accent2"/>
-                  </a:solidFill>
-                  <a:prstDash val="solid"/>
-                </a:ln>
-                <a:solidFill>
-                  <a:srgbClr val="FFFFFF"/>
-                </a:solidFill>
-                <a:effectLst>
-                  <a:glow rad="228600">
-                    <a:schemeClr val="accent4">
-                      <a:satMod val="175000"/>
-                      <a:alpha val="40000"/>
-                    </a:schemeClr>
-                  </a:glow>
-                  <a:outerShdw dist="38100" dir="2700000" algn="tl" rotWithShape="0">
-                    <a:schemeClr val="accent2"/>
-                  </a:outerShdw>
-                </a:effectLst>
-              </a:rPr>
-              <a:t>.</a:t>
-            </a:r>
-          </a:p>
-          <a:p>
-            <a:pPr algn="ctr"/>
-            <a:endParaRPr lang="en-US" altLang="ko-KR" b="1" dirty="0">
-              <a:ln w="6600">
-                <a:solidFill>
-                  <a:schemeClr val="accent2"/>
-                </a:solidFill>
-                <a:prstDash val="solid"/>
-              </a:ln>
-              <a:solidFill>
-                <a:srgbClr val="FFFFFF"/>
-              </a:solidFill>
-              <a:effectLst>
-                <a:glow rad="228600">
-                  <a:schemeClr val="accent4">
-                    <a:satMod val="175000"/>
-                    <a:alpha val="40000"/>
-                  </a:schemeClr>
-                </a:glow>
-                <a:outerShdw dist="38100" dir="2700000" algn="tl" rotWithShape="0">
-                  <a:schemeClr val="accent2"/>
-                </a:outerShdw>
-              </a:effectLst>
-            </a:endParaRPr>
-          </a:p>
-          <a:p>
-            <a:pPr algn="ctr"/>
-            <a:r>
-              <a:rPr lang="ko-KR" altLang="en-US" b="1" dirty="0" err="1">
-                <a:ln w="6600">
-                  <a:solidFill>
-                    <a:schemeClr val="accent2"/>
-                  </a:solidFill>
-                  <a:prstDash val="solid"/>
-                </a:ln>
-                <a:solidFill>
-                  <a:srgbClr val="FFFFFF"/>
-                </a:solidFill>
-                <a:effectLst>
-                  <a:glow rad="228600">
-                    <a:schemeClr val="accent4">
-                      <a:satMod val="175000"/>
-                      <a:alpha val="40000"/>
-                    </a:schemeClr>
-                  </a:glow>
-                  <a:outerShdw dist="38100" dir="2700000" algn="tl" rotWithShape="0">
-                    <a:schemeClr val="accent2"/>
-                  </a:outerShdw>
-                </a:effectLst>
-              </a:rPr>
-              <a:t>환경매핑을</a:t>
-            </a:r>
-            <a:r>
-              <a:rPr lang="ko-KR" altLang="en-US" b="1" dirty="0">
-                <a:ln w="6600">
-                  <a:solidFill>
-                    <a:schemeClr val="accent2"/>
-                  </a:solidFill>
-                  <a:prstDash val="solid"/>
-                </a:ln>
-                <a:solidFill>
-                  <a:srgbClr val="FFFFFF"/>
-                </a:solidFill>
-                <a:effectLst>
-                  <a:glow rad="228600">
-                    <a:schemeClr val="accent4">
-                      <a:satMod val="175000"/>
-                      <a:alpha val="40000"/>
-                    </a:schemeClr>
-                  </a:glow>
-                  <a:outerShdw dist="38100" dir="2700000" algn="tl" rotWithShape="0">
-                    <a:schemeClr val="accent2"/>
-                  </a:outerShdw>
-                </a:effectLst>
-              </a:rPr>
-              <a:t> 사용하여 군데군데 거울 배치</a:t>
-            </a:r>
-            <a:r>
-              <a:rPr lang="en-US" altLang="ko-KR" b="1" dirty="0" smtClean="0">
-                <a:ln w="6600">
-                  <a:solidFill>
-                    <a:schemeClr val="accent2"/>
-                  </a:solidFill>
-                  <a:prstDash val="solid"/>
-                </a:ln>
-                <a:solidFill>
-                  <a:srgbClr val="FFFFFF"/>
-                </a:solidFill>
-                <a:effectLst>
-                  <a:glow rad="228600">
-                    <a:schemeClr val="accent4">
-                      <a:satMod val="175000"/>
-                      <a:alpha val="40000"/>
-                    </a:schemeClr>
-                  </a:glow>
-                  <a:outerShdw dist="38100" dir="2700000" algn="tl" rotWithShape="0">
-                    <a:schemeClr val="accent2"/>
-                  </a:outerShdw>
-                </a:effectLst>
-              </a:rPr>
-              <a:t>.</a:t>
-            </a:r>
-          </a:p>
-          <a:p>
-            <a:pPr algn="ctr"/>
-            <a:endParaRPr lang="en-US" altLang="ko-KR" b="1" dirty="0">
-              <a:ln w="6600">
-                <a:solidFill>
-                  <a:schemeClr val="accent2"/>
-                </a:solidFill>
-                <a:prstDash val="solid"/>
-              </a:ln>
-              <a:solidFill>
-                <a:srgbClr val="FFFFFF"/>
-              </a:solidFill>
-              <a:effectLst>
-                <a:glow rad="228600">
-                  <a:schemeClr val="accent4">
-                    <a:satMod val="175000"/>
-                    <a:alpha val="40000"/>
-                  </a:schemeClr>
-                </a:glow>
-                <a:outerShdw dist="38100" dir="2700000" algn="tl" rotWithShape="0">
-                  <a:schemeClr val="accent2"/>
-                </a:outerShdw>
-              </a:effectLst>
-            </a:endParaRPr>
-          </a:p>
-        </p:txBody>
-      </p:sp>
-      <p:sp>
-        <p:nvSpPr>
-          <p:cNvPr id="14" name="직사각형 13"/>
-          <p:cNvSpPr/>
-          <p:nvPr/>
-        </p:nvSpPr>
-        <p:spPr>
-          <a:xfrm>
-            <a:off x="667919" y="4293096"/>
-            <a:ext cx="7686600" cy="1292662"/>
-          </a:xfrm>
-          <a:prstGeom prst="rect">
-            <a:avLst/>
-          </a:prstGeom>
-          <a:ln>
-            <a:noFill/>
-          </a:ln>
-          <a:effectLst>
-            <a:glow rad="228600">
-              <a:srgbClr val="FFFF00">
-                <a:alpha val="40000"/>
-              </a:srgbClr>
-            </a:glow>
-            <a:outerShdw blurRad="44450" dist="27940" dir="5400000" algn="ctr">
-              <a:srgbClr val="000000">
-                <a:alpha val="32000"/>
-              </a:srgbClr>
-            </a:outerShdw>
-          </a:effectLst>
-          <a:scene3d>
-            <a:camera prst="orthographicFront">
-              <a:rot lat="0" lon="0" rev="0"/>
-            </a:camera>
-            <a:lightRig rig="balanced" dir="t">
-              <a:rot lat="0" lon="0" rev="8700000"/>
-            </a:lightRig>
-          </a:scene3d>
-          <a:sp3d>
-            <a:bevelT w="190500" h="38100"/>
-          </a:sp3d>
-        </p:spPr>
-        <p:style>
-          <a:lnRef idx="3">
-            <a:schemeClr val="lt1"/>
-          </a:lnRef>
-          <a:fillRef idx="1">
-            <a:schemeClr val="dk1"/>
-          </a:fillRef>
-          <a:effectRef idx="1">
-            <a:schemeClr val="dk1"/>
-          </a:effectRef>
-          <a:fontRef idx="minor">
-            <a:schemeClr val="lt1"/>
-          </a:fontRef>
-        </p:style>
-        <p:txBody>
-          <a:bodyPr wrap="square">
-            <a:spAutoFit/>
-          </a:bodyPr>
-          <a:lstStyle/>
-          <a:p>
-            <a:pPr algn="ctr"/>
-            <a:r>
-              <a:rPr lang="en-US" altLang="ko-KR" sz="2400" b="1" dirty="0" smtClean="0">
-                <a:ln w="6600">
-                  <a:solidFill>
-                    <a:schemeClr val="accent2"/>
-                  </a:solidFill>
-                  <a:prstDash val="solid"/>
-                </a:ln>
-                <a:solidFill>
-                  <a:srgbClr val="FFFFFF"/>
-                </a:solidFill>
-                <a:effectLst>
-                  <a:glow rad="228600">
-                    <a:schemeClr val="accent1">
-                      <a:satMod val="175000"/>
-                      <a:alpha val="40000"/>
-                    </a:schemeClr>
-                  </a:glow>
-                  <a:outerShdw dist="38100" dir="2700000" algn="tl" rotWithShape="0">
-                    <a:schemeClr val="accent2"/>
-                  </a:outerShdw>
-                </a:effectLst>
-              </a:rPr>
-              <a:t>Server</a:t>
-            </a:r>
-            <a:endParaRPr lang="en-US" altLang="ko-KR" b="1" dirty="0" smtClean="0">
-              <a:ln w="6600">
-                <a:solidFill>
-                  <a:schemeClr val="accent2"/>
-                </a:solidFill>
-                <a:prstDash val="solid"/>
-              </a:ln>
-              <a:solidFill>
-                <a:srgbClr val="FFFFFF"/>
-              </a:solidFill>
-              <a:effectLst>
-                <a:glow rad="228600">
-                  <a:schemeClr val="accent4">
-                    <a:satMod val="175000"/>
-                    <a:alpha val="40000"/>
-                  </a:schemeClr>
-                </a:glow>
-                <a:outerShdw dist="38100" dir="2700000" algn="tl" rotWithShape="0">
-                  <a:schemeClr val="accent2"/>
-                </a:outerShdw>
-              </a:effectLst>
-            </a:endParaRPr>
-          </a:p>
-          <a:p>
-            <a:pPr algn="ctr"/>
-            <a:endParaRPr lang="en-US" altLang="ko-KR" b="1" dirty="0">
-              <a:ln w="6600">
-                <a:solidFill>
-                  <a:schemeClr val="accent2"/>
-                </a:solidFill>
-                <a:prstDash val="solid"/>
-              </a:ln>
-              <a:solidFill>
-                <a:srgbClr val="FFFFFF"/>
-              </a:solidFill>
-              <a:effectLst>
-                <a:glow rad="228600">
-                  <a:schemeClr val="accent4">
-                    <a:satMod val="175000"/>
-                    <a:alpha val="40000"/>
-                  </a:schemeClr>
-                </a:glow>
-                <a:outerShdw dist="38100" dir="2700000" algn="tl" rotWithShape="0">
-                  <a:schemeClr val="accent2"/>
-                </a:outerShdw>
-              </a:effectLst>
-            </a:endParaRPr>
-          </a:p>
-          <a:p>
-            <a:pPr algn="ctr"/>
-            <a:r>
-              <a:rPr lang="en-US" altLang="ko-KR" b="1" dirty="0" smtClean="0">
-                <a:ln w="6600">
-                  <a:solidFill>
-                    <a:schemeClr val="accent2"/>
-                  </a:solidFill>
-                  <a:prstDash val="solid"/>
-                </a:ln>
-                <a:solidFill>
-                  <a:srgbClr val="FFFFFF"/>
-                </a:solidFill>
-                <a:effectLst>
-                  <a:glow rad="228600">
-                    <a:schemeClr val="accent4">
-                      <a:satMod val="175000"/>
-                      <a:alpha val="40000"/>
-                    </a:schemeClr>
-                  </a:glow>
-                  <a:outerShdw dist="38100" dir="2700000" algn="tl" rotWithShape="0">
-                    <a:schemeClr val="accent2"/>
-                  </a:outerShdw>
-                </a:effectLst>
-              </a:rPr>
-              <a:t>IOCP</a:t>
-            </a:r>
-            <a:r>
-              <a:rPr lang="ko-KR" altLang="en-US" b="1" dirty="0" smtClean="0">
-                <a:ln w="6600">
-                  <a:solidFill>
-                    <a:schemeClr val="accent2"/>
-                  </a:solidFill>
-                  <a:prstDash val="solid"/>
-                </a:ln>
-                <a:solidFill>
-                  <a:srgbClr val="FFFFFF"/>
-                </a:solidFill>
-                <a:effectLst>
-                  <a:glow rad="228600">
-                    <a:schemeClr val="accent4">
-                      <a:satMod val="175000"/>
-                      <a:alpha val="40000"/>
-                    </a:schemeClr>
-                  </a:glow>
-                  <a:outerShdw dist="38100" dir="2700000" algn="tl" rotWithShape="0">
-                    <a:schemeClr val="accent2"/>
-                  </a:outerShdw>
-                </a:effectLst>
-              </a:rPr>
-              <a:t>를 이용하여 다수의 클라이언트의 접속을 효율적으로 처리</a:t>
-            </a:r>
-            <a:endParaRPr lang="en-US" altLang="ko-KR" b="1" dirty="0" smtClean="0">
-              <a:ln w="6600">
-                <a:solidFill>
-                  <a:schemeClr val="accent2"/>
-                </a:solidFill>
-                <a:prstDash val="solid"/>
-              </a:ln>
-              <a:solidFill>
-                <a:srgbClr val="FFFFFF"/>
-              </a:solidFill>
-              <a:effectLst>
-                <a:glow rad="228600">
-                  <a:schemeClr val="accent4">
-                    <a:satMod val="175000"/>
-                    <a:alpha val="40000"/>
-                  </a:schemeClr>
-                </a:glow>
-                <a:outerShdw dist="38100" dir="2700000" algn="tl" rotWithShape="0">
-                  <a:schemeClr val="accent2"/>
-                </a:outerShdw>
-              </a:effectLst>
-            </a:endParaRPr>
-          </a:p>
-          <a:p>
-            <a:pPr algn="ctr"/>
-            <a:r>
-              <a:rPr lang="ko-KR" altLang="en-US" b="1" dirty="0" err="1" smtClean="0">
-                <a:ln w="6600">
-                  <a:solidFill>
-                    <a:schemeClr val="accent2"/>
-                  </a:solidFill>
-                  <a:prstDash val="solid"/>
-                </a:ln>
-                <a:solidFill>
-                  <a:srgbClr val="FFFFFF"/>
-                </a:solidFill>
-                <a:effectLst>
-                  <a:glow rad="228600">
-                    <a:schemeClr val="accent4">
-                      <a:satMod val="175000"/>
-                      <a:alpha val="40000"/>
-                    </a:schemeClr>
-                  </a:glow>
-                  <a:outerShdw dist="38100" dir="2700000" algn="tl" rotWithShape="0">
-                    <a:schemeClr val="accent2"/>
-                  </a:outerShdw>
-                </a:effectLst>
-              </a:rPr>
-              <a:t>데드레커닝</a:t>
-            </a:r>
-            <a:r>
-              <a:rPr lang="ko-KR" altLang="en-US" b="1" dirty="0" smtClean="0">
-                <a:ln w="6600">
-                  <a:solidFill>
-                    <a:schemeClr val="accent2"/>
-                  </a:solidFill>
-                  <a:prstDash val="solid"/>
-                </a:ln>
-                <a:solidFill>
-                  <a:srgbClr val="FFFFFF"/>
-                </a:solidFill>
-                <a:effectLst>
-                  <a:glow rad="228600">
-                    <a:schemeClr val="accent4">
-                      <a:satMod val="175000"/>
-                      <a:alpha val="40000"/>
-                    </a:schemeClr>
-                  </a:glow>
-                  <a:outerShdw dist="38100" dir="2700000" algn="tl" rotWithShape="0">
-                    <a:schemeClr val="accent2"/>
-                  </a:outerShdw>
-                </a:effectLst>
-              </a:rPr>
-              <a:t> 기법을 이용한 효율적인 </a:t>
-            </a:r>
-            <a:r>
-              <a:rPr lang="ko-KR" altLang="en-US" b="1" dirty="0" err="1" smtClean="0">
-                <a:ln w="6600">
-                  <a:solidFill>
-                    <a:schemeClr val="accent2"/>
-                  </a:solidFill>
-                  <a:prstDash val="solid"/>
-                </a:ln>
-                <a:solidFill>
-                  <a:srgbClr val="FFFFFF"/>
-                </a:solidFill>
-                <a:effectLst>
-                  <a:glow rad="228600">
-                    <a:schemeClr val="accent4">
-                      <a:satMod val="175000"/>
-                      <a:alpha val="40000"/>
-                    </a:schemeClr>
-                  </a:glow>
-                  <a:outerShdw dist="38100" dir="2700000" algn="tl" rotWithShape="0">
-                    <a:schemeClr val="accent2"/>
-                  </a:outerShdw>
-                </a:effectLst>
-              </a:rPr>
-              <a:t>소켓통신</a:t>
-            </a:r>
-            <a:r>
-              <a:rPr lang="ko-KR" altLang="en-US" b="1" dirty="0" smtClean="0">
-                <a:ln w="6600">
-                  <a:solidFill>
-                    <a:schemeClr val="accent2"/>
-                  </a:solidFill>
-                  <a:prstDash val="solid"/>
-                </a:ln>
-                <a:solidFill>
-                  <a:srgbClr val="FFFFFF"/>
-                </a:solidFill>
-                <a:effectLst>
-                  <a:glow rad="228600">
-                    <a:schemeClr val="accent4">
-                      <a:satMod val="175000"/>
-                      <a:alpha val="40000"/>
-                    </a:schemeClr>
-                  </a:glow>
-                  <a:outerShdw dist="38100" dir="2700000" algn="tl" rotWithShape="0">
-                    <a:schemeClr val="accent2"/>
-                  </a:outerShdw>
-                </a:effectLst>
-              </a:rPr>
-              <a:t> 처리</a:t>
-            </a:r>
-            <a:endParaRPr lang="en-US" altLang="ko-KR" b="1" dirty="0">
-              <a:ln w="6600">
-                <a:solidFill>
-                  <a:schemeClr val="accent2"/>
-                </a:solidFill>
-                <a:prstDash val="solid"/>
-              </a:ln>
-              <a:solidFill>
-                <a:srgbClr val="FFFFFF"/>
-              </a:solidFill>
-              <a:effectLst>
-                <a:glow rad="228600">
-                  <a:schemeClr val="accent4">
-                    <a:satMod val="175000"/>
-                    <a:alpha val="40000"/>
-                  </a:schemeClr>
-                </a:glow>
-                <a:outerShdw dist="38100" dir="2700000" algn="tl" rotWithShape="0">
-                  <a:schemeClr val="accent2"/>
-                </a:outerShdw>
-              </a:effectLst>
-            </a:endParaRPr>
-          </a:p>
-        </p:txBody>
-      </p:sp>
-    </p:spTree>
-    <p:extLst>
-      <p:ext uri="{BB962C8B-B14F-4D97-AF65-F5344CB8AC3E}">
-        <p14:creationId xmlns:p14="http://schemas.microsoft.com/office/powerpoint/2010/main" val="1790226537"/>
-      </p:ext>
-    </p:extLst>
-  </p:cSld>
-  <p:clrMapOvr>
-    <a:masterClrMapping/>
-  </p:clrMapOvr>
-  <p:timing>
-    <p:tnLst>
-      <p:par>
-        <p:cTn id="1" dur="indefinite" restart="never" nodeType="tmRoot"/>
-      </p:par>
-    </p:tnLst>
-  </p:timing>
-</p:sld>
-</file>
-
-<file path=ppt/slides/slide13.xml><?xml version="1.0" encoding="utf-8"?>
-<p:sld xmlns:a="http://schemas.openxmlformats.org/drawingml/2006/main" xmlns:r="http://schemas.openxmlformats.org/officeDocument/2006/relationships" xmlns:p="http://schemas.openxmlformats.org/presentationml/2006/main">
-  <p:cSld>
-    <p:spTree>
-      <p:nvGrpSpPr>
-        <p:cNvPr id="1" name=""/>
-        <p:cNvGrpSpPr/>
-        <p:nvPr/>
-      </p:nvGrpSpPr>
-      <p:grpSpPr>
-        <a:xfrm>
-          <a:off x="0" y="0"/>
-          <a:ext cx="0" cy="0"/>
-          <a:chOff x="0" y="0"/>
-          <a:chExt cx="0" cy="0"/>
-        </a:xfrm>
-      </p:grpSpPr>
-      <p:sp>
-        <p:nvSpPr>
-          <p:cNvPr id="12" name="이등변 삼각형 11"/>
-          <p:cNvSpPr/>
-          <p:nvPr/>
-        </p:nvSpPr>
-        <p:spPr>
-          <a:xfrm flipV="1">
-            <a:off x="-1" y="2493"/>
-            <a:ext cx="1043609" cy="1410282"/>
-          </a:xfrm>
-          <a:prstGeom prst="triangle">
-            <a:avLst>
-              <a:gd name="adj" fmla="val 0"/>
-            </a:avLst>
-          </a:prstGeom>
-          <a:solidFill>
-            <a:schemeClr val="bg1"/>
-          </a:solidFill>
-          <a:ln>
-            <a:noFill/>
-          </a:ln>
-        </p:spPr>
-        <p:style>
-          <a:lnRef idx="2">
-            <a:schemeClr val="accent1">
-              <a:shade val="50000"/>
-            </a:schemeClr>
-          </a:lnRef>
-          <a:fillRef idx="1">
-            <a:schemeClr val="accent1"/>
-          </a:fillRef>
-          <a:effectRef idx="0">
-            <a:schemeClr val="accent1"/>
-          </a:effectRef>
-          <a:fontRef idx="minor">
-            <a:schemeClr val="lt1"/>
-          </a:fontRef>
-        </p:style>
-        <p:txBody>
-          <a:bodyPr rtlCol="0" anchor="ctr"/>
-          <a:lstStyle/>
-          <a:p>
-            <a:pPr algn="ctr"/>
-            <a:endParaRPr lang="ko-KR" altLang="en-US"/>
-          </a:p>
-        </p:txBody>
-      </p:sp>
-      <p:sp>
-        <p:nvSpPr>
-          <p:cNvPr id="9" name="이등변 삼각형 8"/>
-          <p:cNvSpPr/>
-          <p:nvPr/>
-        </p:nvSpPr>
-        <p:spPr>
-          <a:xfrm rot="10800000" flipV="1">
-            <a:off x="8105945" y="5445225"/>
-            <a:ext cx="1043609" cy="1410282"/>
-          </a:xfrm>
-          <a:prstGeom prst="triangle">
-            <a:avLst>
-              <a:gd name="adj" fmla="val 0"/>
-            </a:avLst>
-          </a:prstGeom>
-          <a:solidFill>
-            <a:schemeClr val="bg1"/>
-          </a:solidFill>
-          <a:ln>
-            <a:noFill/>
-          </a:ln>
-        </p:spPr>
-        <p:style>
-          <a:lnRef idx="2">
-            <a:schemeClr val="accent1">
-              <a:shade val="50000"/>
-            </a:schemeClr>
-          </a:lnRef>
-          <a:fillRef idx="1">
-            <a:schemeClr val="accent1"/>
-          </a:fillRef>
-          <a:effectRef idx="0">
-            <a:schemeClr val="accent1"/>
-          </a:effectRef>
-          <a:fontRef idx="minor">
-            <a:schemeClr val="lt1"/>
-          </a:fontRef>
-        </p:style>
-        <p:txBody>
-          <a:bodyPr rtlCol="0" anchor="ctr"/>
-          <a:lstStyle/>
-          <a:p>
-            <a:pPr algn="ctr"/>
-            <a:endParaRPr lang="ko-KR" altLang="en-US"/>
-          </a:p>
-        </p:txBody>
-      </p:sp>
-      <p:cxnSp>
-        <p:nvCxnSpPr>
-          <p:cNvPr id="7" name="직선 연결선 6"/>
-          <p:cNvCxnSpPr/>
-          <p:nvPr/>
-        </p:nvCxnSpPr>
-        <p:spPr>
-          <a:xfrm flipV="1">
-            <a:off x="8100392" y="5445225"/>
-            <a:ext cx="1043608" cy="1412775"/>
-          </a:xfrm>
-          <a:prstGeom prst="line">
-            <a:avLst/>
-          </a:prstGeom>
-          <a:ln w="25400">
-            <a:solidFill>
-              <a:srgbClr val="FF0000"/>
-            </a:solidFill>
-            <a:prstDash val="sysDash"/>
-          </a:ln>
-        </p:spPr>
-        <p:style>
-          <a:lnRef idx="1">
-            <a:schemeClr val="accent1"/>
-          </a:lnRef>
-          <a:fillRef idx="0">
-            <a:schemeClr val="accent1"/>
-          </a:fillRef>
-          <a:effectRef idx="0">
-            <a:schemeClr val="accent1"/>
-          </a:effectRef>
-          <a:fontRef idx="minor">
-            <a:schemeClr val="tx1"/>
-          </a:fontRef>
-        </p:style>
-      </p:cxnSp>
-      <p:sp>
-        <p:nvSpPr>
-          <p:cNvPr id="8" name="TextBox 7"/>
-          <p:cNvSpPr txBox="1"/>
-          <p:nvPr/>
-        </p:nvSpPr>
-        <p:spPr>
-          <a:xfrm>
-            <a:off x="1022303" y="569875"/>
-            <a:ext cx="2140330" cy="461665"/>
-          </a:xfrm>
-          <a:prstGeom prst="rect">
-            <a:avLst/>
-          </a:prstGeom>
-          <a:noFill/>
-        </p:spPr>
-        <p:txBody>
-          <a:bodyPr wrap="none" rtlCol="0">
-            <a:spAutoFit/>
-          </a:bodyPr>
-          <a:lstStyle/>
-          <a:p>
-            <a:r>
-              <a:rPr lang="ko-KR" altLang="en-US" sz="2400" dirty="0" smtClean="0">
-                <a:solidFill>
-                  <a:schemeClr val="bg1"/>
-                </a:solidFill>
-                <a:effectLst>
-                  <a:glow rad="228600">
-                    <a:schemeClr val="accent1">
-                      <a:satMod val="175000"/>
-                      <a:alpha val="40000"/>
-                    </a:schemeClr>
-                  </a:glow>
-                </a:effectLst>
-              </a:rPr>
-              <a:t>중점 연구분야</a:t>
-            </a:r>
-            <a:endParaRPr lang="ko-KR" altLang="en-US" dirty="0">
-              <a:solidFill>
-                <a:schemeClr val="bg1"/>
-              </a:solidFill>
-              <a:effectLst>
-                <a:glow rad="228600">
-                  <a:schemeClr val="accent1">
-                    <a:satMod val="175000"/>
-                    <a:alpha val="40000"/>
-                  </a:schemeClr>
-                </a:glow>
-              </a:effectLst>
-            </a:endParaRPr>
-          </a:p>
-        </p:txBody>
-      </p:sp>
-      <p:cxnSp>
-        <p:nvCxnSpPr>
-          <p:cNvPr id="10" name="직선 연결선 9"/>
-          <p:cNvCxnSpPr/>
-          <p:nvPr/>
-        </p:nvCxnSpPr>
-        <p:spPr>
-          <a:xfrm flipV="1">
-            <a:off x="0" y="0"/>
-            <a:ext cx="1043608" cy="1412775"/>
-          </a:xfrm>
-          <a:prstGeom prst="line">
-            <a:avLst/>
-          </a:prstGeom>
-          <a:ln w="25400">
-            <a:solidFill>
-              <a:srgbClr val="FF0000"/>
-            </a:solidFill>
-            <a:prstDash val="sysDash"/>
-          </a:ln>
-        </p:spPr>
-        <p:style>
-          <a:lnRef idx="1">
-            <a:schemeClr val="accent1"/>
-          </a:lnRef>
-          <a:fillRef idx="0">
-            <a:schemeClr val="accent1"/>
-          </a:fillRef>
-          <a:effectRef idx="0">
-            <a:schemeClr val="accent1"/>
-          </a:effectRef>
-          <a:fontRef idx="minor">
-            <a:schemeClr val="tx1"/>
-          </a:fontRef>
-        </p:style>
-      </p:cxnSp>
-      <p:sp>
-        <p:nvSpPr>
-          <p:cNvPr id="11" name="타원 10"/>
-          <p:cNvSpPr/>
-          <p:nvPr/>
-        </p:nvSpPr>
-        <p:spPr>
-          <a:xfrm>
-            <a:off x="251520" y="404664"/>
-            <a:ext cx="792088" cy="792088"/>
-          </a:xfrm>
-          <a:prstGeom prst="ellipse">
-            <a:avLst/>
-          </a:prstGeom>
-          <a:solidFill>
-            <a:schemeClr val="tx1"/>
-          </a:solidFill>
-          <a:ln>
-            <a:solidFill>
-              <a:srgbClr val="FF0000"/>
-            </a:solidFill>
-            <a:prstDash val="sysDash"/>
-          </a:ln>
-        </p:spPr>
-        <p:style>
-          <a:lnRef idx="2">
-            <a:schemeClr val="accent1">
-              <a:shade val="50000"/>
-            </a:schemeClr>
-          </a:lnRef>
-          <a:fillRef idx="1">
-            <a:schemeClr val="accent1"/>
-          </a:fillRef>
-          <a:effectRef idx="0">
-            <a:schemeClr val="accent1"/>
-          </a:effectRef>
-          <a:fontRef idx="minor">
-            <a:schemeClr val="lt1"/>
-          </a:fontRef>
-        </p:style>
-        <p:txBody>
-          <a:bodyPr rtlCol="0" anchor="ctr"/>
-          <a:lstStyle/>
-          <a:p>
-            <a:pPr algn="ctr"/>
-            <a:r>
-              <a:rPr lang="en-US" altLang="ko-KR" sz="3200" b="1" dirty="0" smtClean="0">
-                <a:ln w="22225">
-                  <a:solidFill>
-                    <a:schemeClr val="accent2"/>
-                  </a:solidFill>
-                  <a:prstDash val="solid"/>
-                </a:ln>
-                <a:solidFill>
-                  <a:schemeClr val="accent2">
-                    <a:lumMod val="40000"/>
-                    <a:lumOff val="60000"/>
-                  </a:schemeClr>
-                </a:solidFill>
-                <a:latin typeface="-윤고딕340" pitchFamily="18" charset="-127"/>
-                <a:ea typeface="-윤고딕340" pitchFamily="18" charset="-127"/>
-              </a:rPr>
               <a:t>6</a:t>
             </a:r>
             <a:endParaRPr lang="ko-KR" altLang="en-US" sz="3200" dirty="0">
@@ -7895,7 +5945,7 @@
 </p:sld>
 </file>
 
-<file path=ppt/slides/slide14.xml><?xml version="1.0" encoding="utf-8"?>
+<file path=ppt/slides/slide13.xml><?xml version="1.0" encoding="utf-8"?>
 <p:sld xmlns:a="http://schemas.openxmlformats.org/drawingml/2006/main" xmlns:r="http://schemas.openxmlformats.org/officeDocument/2006/relationships" xmlns:p="http://schemas.openxmlformats.org/presentationml/2006/main">
   <p:cSld>
     <p:spTree>
@@ -8516,64 +6566,138 @@
               </a:lnSpc>
             </a:pPr>
             <a:r>
-              <a:rPr lang="ko-KR" altLang="en-US" sz="1600" kern="0" dirty="0" smtClean="0">
+              <a:rPr lang="ko-KR" altLang="en-US" sz="1600" kern="0" dirty="0">
                 <a:solidFill>
                   <a:schemeClr val="bg1"/>
                 </a:solidFill>
                 <a:latin typeface="HY헤드라인M" panose="02030600000101010101" pitchFamily="18" charset="-127"/>
                 <a:ea typeface="HY헤드라인M" panose="02030600000101010101" pitchFamily="18" charset="-127"/>
               </a:rPr>
-              <a:t>각 플레이어</a:t>
-            </a:r>
-            <a:r>
-              <a:rPr lang="en-US" altLang="ko-KR" sz="1600" kern="0" dirty="0" smtClean="0">
+              <a:t>각각의 플레이어와 </a:t>
+            </a:r>
+            <a:r>
+              <a:rPr lang="ko-KR" altLang="en-US" sz="1600" kern="0" dirty="0" smtClean="0">
                 <a:solidFill>
                   <a:schemeClr val="bg1"/>
                 </a:solidFill>
                 <a:latin typeface="HY헤드라인M" panose="02030600000101010101" pitchFamily="18" charset="-127"/>
                 <a:ea typeface="HY헤드라인M" panose="02030600000101010101" pitchFamily="18" charset="-127"/>
               </a:rPr>
-              <a:t>, </a:t>
-            </a:r>
-            <a:r>
-              <a:rPr lang="ko-KR" altLang="en-US" sz="1600" kern="0" dirty="0" err="1" smtClean="0">
+              <a:t>몬스터는 </a:t>
+            </a:r>
+            <a:r>
+              <a:rPr lang="en-US" altLang="ko-KR" sz="1600" kern="0" dirty="0">
                 <a:solidFill>
                   <a:schemeClr val="bg1"/>
                 </a:solidFill>
                 <a:latin typeface="HY헤드라인M" panose="02030600000101010101" pitchFamily="18" charset="-127"/>
                 <a:ea typeface="HY헤드라인M" panose="02030600000101010101" pitchFamily="18" charset="-127"/>
               </a:rPr>
-              <a:t>몬스터에게는</a:t>
-            </a:r>
-            <a:r>
-              <a:rPr lang="ko-KR" altLang="en-US" sz="1600" kern="0" dirty="0" smtClean="0">
+              <a:t>3</a:t>
+            </a:r>
+            <a:r>
+              <a:rPr lang="ko-KR" altLang="en-US" sz="1600" kern="0" dirty="0">
                 <a:solidFill>
                   <a:schemeClr val="bg1"/>
                 </a:solidFill>
                 <a:latin typeface="HY헤드라인M" panose="02030600000101010101" pitchFamily="18" charset="-127"/>
                 <a:ea typeface="HY헤드라인M" panose="02030600000101010101" pitchFamily="18" charset="-127"/>
               </a:rPr>
-              <a:t> </a:t>
-            </a:r>
-            <a:r>
-              <a:rPr lang="en-US" altLang="ko-KR" sz="1600" kern="0" dirty="0" smtClean="0">
+              <a:t>개의 모델 중 하나가 </a:t>
+            </a:r>
+            <a:r>
+              <a:rPr lang="ko-KR" altLang="en-US" sz="1600" kern="0" dirty="0" err="1">
                 <a:solidFill>
                   <a:schemeClr val="bg1"/>
                 </a:solidFill>
                 <a:latin typeface="HY헤드라인M" panose="02030600000101010101" pitchFamily="18" charset="-127"/>
                 <a:ea typeface="HY헤드라인M" panose="02030600000101010101" pitchFamily="18" charset="-127"/>
               </a:rPr>
-              <a:t>3</a:t>
-            </a:r>
-            <a:r>
-              <a:rPr lang="ko-KR" altLang="en-US" sz="1600" kern="0" dirty="0" smtClean="0">
+              <a:t>랜덤하게</a:t>
+            </a:r>
+            <a:r>
+              <a:rPr lang="ko-KR" altLang="en-US" sz="1600" kern="0" dirty="0">
                 <a:solidFill>
                   <a:schemeClr val="bg1"/>
                 </a:solidFill>
                 <a:latin typeface="HY헤드라인M" panose="02030600000101010101" pitchFamily="18" charset="-127"/>
                 <a:ea typeface="HY헤드라인M" panose="02030600000101010101" pitchFamily="18" charset="-127"/>
               </a:rPr>
-              <a:t>개의</a:t>
+              <a:t> </a:t>
+            </a:r>
+            <a:r>
+              <a:rPr lang="ko-KR" altLang="en-US" sz="1600" kern="0" dirty="0" smtClean="0">
+                <a:solidFill>
+                  <a:schemeClr val="bg1"/>
+                </a:solidFill>
+                <a:latin typeface="HY헤드라인M" panose="02030600000101010101" pitchFamily="18" charset="-127"/>
+                <a:ea typeface="HY헤드라인M" panose="02030600000101010101" pitchFamily="18" charset="-127"/>
+              </a:rPr>
+              <a:t>지정</a:t>
+            </a:r>
+            <a:r>
+              <a:rPr lang="en-US" altLang="ko-KR" sz="1600" kern="0" dirty="0" smtClean="0">
+                <a:solidFill>
+                  <a:schemeClr val="bg1"/>
+                </a:solidFill>
+                <a:latin typeface="HY헤드라인M" panose="02030600000101010101" pitchFamily="18" charset="-127"/>
+                <a:ea typeface="HY헤드라인M" panose="02030600000101010101" pitchFamily="18" charset="-127"/>
+              </a:rPr>
+              <a:t>.</a:t>
+            </a:r>
+            <a:endParaRPr lang="ko-KR" altLang="en-US" sz="1600" kern="0" dirty="0">
+              <a:solidFill>
+                <a:schemeClr val="bg1"/>
+              </a:solidFill>
+              <a:latin typeface="HY헤드라인M" panose="02030600000101010101" pitchFamily="18" charset="-127"/>
+              <a:ea typeface="HY헤드라인M" panose="02030600000101010101" pitchFamily="18" charset="-127"/>
+            </a:endParaRPr>
+          </a:p>
+          <a:p>
+            <a:pPr fontAlgn="base">
+              <a:lnSpc>
+                <a:spcPct val="160000"/>
+              </a:lnSpc>
+            </a:pPr>
+            <a:r>
+              <a:rPr lang="ko-KR" altLang="en-US" sz="1600" kern="0" dirty="0" smtClean="0">
+                <a:solidFill>
+                  <a:schemeClr val="bg1"/>
+                </a:solidFill>
+                <a:latin typeface="HY헤드라인M" panose="02030600000101010101" pitchFamily="18" charset="-127"/>
+                <a:ea typeface="HY헤드라인M" panose="02030600000101010101" pitchFamily="18" charset="-127"/>
+              </a:rPr>
+              <a:t>게임에 </a:t>
+            </a:r>
+            <a:r>
+              <a:rPr lang="ko-KR" altLang="en-US" sz="1600" kern="0" dirty="0" smtClean="0">
+                <a:solidFill>
+                  <a:schemeClr val="bg1"/>
+                </a:solidFill>
+                <a:latin typeface="HY헤드라인M" panose="02030600000101010101" pitchFamily="18" charset="-127"/>
+                <a:ea typeface="HY헤드라인M" panose="02030600000101010101" pitchFamily="18" charset="-127"/>
+              </a:rPr>
+              <a:t>시간제한을 </a:t>
+            </a:r>
+            <a:r>
+              <a:rPr lang="ko-KR" altLang="en-US" sz="1600" kern="0" dirty="0">
+                <a:solidFill>
+                  <a:schemeClr val="bg1"/>
+                </a:solidFill>
+                <a:latin typeface="HY헤드라인M" panose="02030600000101010101" pitchFamily="18" charset="-127"/>
+                <a:ea typeface="HY헤드라인M" panose="02030600000101010101" pitchFamily="18" charset="-127"/>
+              </a:rPr>
+              <a:t>두고 </a:t>
+            </a:r>
+            <a:r>
+              <a:rPr lang="ko-KR" altLang="en-US" sz="1600" kern="0" dirty="0" smtClean="0">
+                <a:solidFill>
+                  <a:schemeClr val="bg1"/>
+                </a:solidFill>
+                <a:latin typeface="HY헤드라인M" panose="02030600000101010101" pitchFamily="18" charset="-127"/>
+                <a:ea typeface="HY헤드라인M" panose="02030600000101010101" pitchFamily="18" charset="-127"/>
+              </a:rPr>
+              <a:t>객체 </a:t>
             </a:r>
             <a:endParaRPr lang="en-US" altLang="ko-KR" sz="1600" kern="0" dirty="0" smtClean="0">
               <a:solidFill>
@@ -8597,74 +6721,7 @@
                 <a:latin typeface="HY헤드라인M" panose="02030600000101010101" pitchFamily="18" charset="-127"/>
                 <a:ea typeface="HY헤드라인M" panose="02030600000101010101" pitchFamily="18" charset="-127"/>
               </a:rPr>
-              <a:t>모델을 </a:t>
-            </a:r>
-            <a:r>
-              <a:rPr lang="ko-KR" altLang="en-US" sz="1600" kern="0" dirty="0" err="1" smtClean="0">
-                <a:solidFill>
-                  <a:schemeClr val="bg1"/>
-                </a:solidFill>
-                <a:latin typeface="HY헤드라인M" panose="02030600000101010101" pitchFamily="18" charset="-127"/>
-                <a:ea typeface="HY헤드라인M" panose="02030600000101010101" pitchFamily="18" charset="-127"/>
-              </a:rPr>
-              <a:t>랜덤하게</a:t>
-            </a:r>
-            <a:r>
-              <a:rPr lang="ko-KR" altLang="en-US" sz="1600" kern="0" dirty="0" smtClean="0">
-                <a:solidFill>
-                  <a:schemeClr val="bg1"/>
-                </a:solidFill>
-                <a:latin typeface="HY헤드라인M" panose="02030600000101010101" pitchFamily="18" charset="-127"/>
-                <a:ea typeface="HY헤드라인M" panose="02030600000101010101" pitchFamily="18" charset="-127"/>
-              </a:rPr>
-              <a:t> 주어진다</a:t>
-            </a:r>
-            <a:r>
-              <a:rPr lang="en-US" altLang="ko-KR" sz="1600" kern="0" dirty="0" smtClean="0">
-                <a:solidFill>
-                  <a:schemeClr val="bg1"/>
-                </a:solidFill>
-                <a:latin typeface="HY헤드라인M" panose="02030600000101010101" pitchFamily="18" charset="-127"/>
-                <a:ea typeface="HY헤드라인M" panose="02030600000101010101" pitchFamily="18" charset="-127"/>
-              </a:rPr>
-              <a:t>.</a:t>
-            </a:r>
-          </a:p>
-          <a:p>
-            <a:pPr fontAlgn="base">
-              <a:lnSpc>
-                <a:spcPct val="160000"/>
-              </a:lnSpc>
-            </a:pPr>
-            <a:r>
-              <a:rPr lang="ko-KR" altLang="en-US" sz="1600" kern="0" dirty="0" smtClean="0">
-                <a:solidFill>
-                  <a:schemeClr val="bg1"/>
-                </a:solidFill>
-                <a:latin typeface="HY헤드라인M" panose="02030600000101010101" pitchFamily="18" charset="-127"/>
-                <a:ea typeface="HY헤드라인M" panose="02030600000101010101" pitchFamily="18" charset="-127"/>
-              </a:rPr>
-              <a:t>게임에 시간제한을 </a:t>
-            </a:r>
-            <a:r>
-              <a:rPr lang="ko-KR" altLang="en-US" sz="1600" kern="0" dirty="0">
-                <a:solidFill>
-                  <a:schemeClr val="bg1"/>
-                </a:solidFill>
-                <a:latin typeface="HY헤드라인M" panose="02030600000101010101" pitchFamily="18" charset="-127"/>
-                <a:ea typeface="HY헤드라인M" panose="02030600000101010101" pitchFamily="18" charset="-127"/>
-              </a:rPr>
-              <a:t>두고 </a:t>
-            </a:r>
-            <a:r>
-              <a:rPr lang="ko-KR" altLang="en-US" sz="1600" kern="0" dirty="0" smtClean="0">
-                <a:solidFill>
-                  <a:schemeClr val="bg1"/>
-                </a:solidFill>
-                <a:latin typeface="HY헤드라인M" panose="02030600000101010101" pitchFamily="18" charset="-127"/>
-                <a:ea typeface="HY헤드라인M" panose="02030600000101010101" pitchFamily="18" charset="-127"/>
-              </a:rPr>
-              <a:t>객체 </a:t>
+              <a:t>이동속도가 후반으로 갈수록</a:t>
             </a:r>
             <a:endParaRPr lang="en-US" altLang="ko-KR" sz="1600" kern="0" dirty="0" smtClean="0">
               <a:solidFill>
@@ -8688,41 +6745,57 @@
                 <a:latin typeface="HY헤드라인M" panose="02030600000101010101" pitchFamily="18" charset="-127"/>
                 <a:ea typeface="HY헤드라인M" panose="02030600000101010101" pitchFamily="18" charset="-127"/>
               </a:rPr>
-              <a:t>이동속도가 후반으로 갈수록</a:t>
-            </a:r>
-            <a:endParaRPr lang="en-US" altLang="ko-KR" sz="1600" kern="0" dirty="0" smtClean="0">
-              <a:solidFill>
-                <a:schemeClr val="bg1"/>
-              </a:solidFill>
-              <a:latin typeface="HY헤드라인M" panose="02030600000101010101" pitchFamily="18" charset="-127"/>
-              <a:ea typeface="HY헤드라인M" panose="02030600000101010101" pitchFamily="18" charset="-127"/>
-            </a:endParaRPr>
-          </a:p>
-          <a:p>
-            <a:pPr fontAlgn="base">
-              <a:lnSpc>
-                <a:spcPct val="160000"/>
-              </a:lnSpc>
-            </a:pPr>
-            <a:r>
-              <a:rPr lang="ko-KR" altLang="en-US" sz="1600" kern="0" dirty="0" smtClean="0">
+              <a:t>증가</a:t>
+            </a:r>
+            <a:r>
+              <a:rPr lang="en-US" altLang="ko-KR" sz="1600" kern="0" dirty="0" smtClean="0">
                 <a:solidFill>
                   <a:schemeClr val="bg1"/>
                 </a:solidFill>
                 <a:latin typeface="HY헤드라인M" panose="02030600000101010101" pitchFamily="18" charset="-127"/>
                 <a:ea typeface="HY헤드라인M" panose="02030600000101010101" pitchFamily="18" charset="-127"/>
               </a:rPr>
-              <a:t>증가 하도록 한다</a:t>
-            </a:r>
-            <a:r>
-              <a:rPr lang="en-US" altLang="ko-KR" sz="1600" kern="0" dirty="0" smtClean="0">
+              <a:t>.(</a:t>
+            </a:r>
+            <a:r>
+              <a:rPr lang="ko-KR" altLang="en-US" sz="1600" kern="0" dirty="0" smtClean="0">
                 <a:solidFill>
                   <a:schemeClr val="bg1"/>
                 </a:solidFill>
                 <a:latin typeface="HY헤드라인M" panose="02030600000101010101" pitchFamily="18" charset="-127"/>
                 <a:ea typeface="HY헤드라인M" panose="02030600000101010101" pitchFamily="18" charset="-127"/>
               </a:rPr>
-              <a:t>.</a:t>
+              <a:t>매</a:t>
+            </a:r>
+            <a:r>
+              <a:rPr lang="en-US" altLang="ko-KR" sz="1600" kern="0" dirty="0" smtClean="0">
+                <a:solidFill>
+                  <a:schemeClr val="bg1"/>
+                </a:solidFill>
+                <a:latin typeface="HY헤드라인M" panose="02030600000101010101" pitchFamily="18" charset="-127"/>
+                <a:ea typeface="HY헤드라인M" panose="02030600000101010101" pitchFamily="18" charset="-127"/>
+              </a:rPr>
+              <a:t>4</a:t>
+            </a:r>
+            <a:r>
+              <a:rPr lang="ko-KR" altLang="en-US" sz="1600" kern="0" dirty="0" smtClean="0">
+                <a:solidFill>
+                  <a:schemeClr val="bg1"/>
+                </a:solidFill>
+                <a:latin typeface="HY헤드라인M" panose="02030600000101010101" pitchFamily="18" charset="-127"/>
+                <a:ea typeface="HY헤드라인M" panose="02030600000101010101" pitchFamily="18" charset="-127"/>
+              </a:rPr>
+              <a:t>분마다</a:t>
+            </a:r>
+            <a:r>
+              <a:rPr lang="en-US" altLang="ko-KR" sz="1600" kern="0" dirty="0">
+                <a:solidFill>
+                  <a:schemeClr val="bg1"/>
+                </a:solidFill>
+                <a:latin typeface="HY헤드라인M" panose="02030600000101010101" pitchFamily="18" charset="-127"/>
+                <a:ea typeface="HY헤드라인M" panose="02030600000101010101" pitchFamily="18" charset="-127"/>
+              </a:rPr>
+              <a:t>)</a:t>
             </a:r>
             <a:endParaRPr lang="ko-KR" altLang="en-US" sz="1600" kern="0" dirty="0">
               <a:solidFill>
@@ -8754,7 +6827,7 @@
 </p:sld>
 </file>
 
-<file path=ppt/slides/slide15.xml><?xml version="1.0" encoding="utf-8"?>
+<file path=ppt/slides/slide14.xml><?xml version="1.0" encoding="utf-8"?>
 <p:sld xmlns:a="http://schemas.openxmlformats.org/drawingml/2006/main" xmlns:r="http://schemas.openxmlformats.org/officeDocument/2006/relationships" xmlns:p="http://schemas.openxmlformats.org/presentationml/2006/main">
   <p:cSld>
     <p:spTree>
@@ -10392,7 +8465,7 @@
 </p:sld>
 </file>
 
-<file path=ppt/slides/slide16.xml><?xml version="1.0" encoding="utf-8"?>
+<file path=ppt/slides/slide15.xml><?xml version="1.0" encoding="utf-8"?>
 <p:sld xmlns:a="http://schemas.openxmlformats.org/drawingml/2006/main" xmlns:r="http://schemas.openxmlformats.org/officeDocument/2006/relationships" xmlns:p="http://schemas.openxmlformats.org/presentationml/2006/main">
   <p:cSld>
     <p:spTree>
@@ -13426,7 +11499,7 @@
 </p:sld>
 </file>
 
-<file path=ppt/slides/slide17.xml><?xml version="1.0" encoding="utf-8"?>
+<file path=ppt/slides/slide16.xml><?xml version="1.0" encoding="utf-8"?>
 <p:sld xmlns:a="http://schemas.openxmlformats.org/drawingml/2006/main" xmlns:r="http://schemas.openxmlformats.org/officeDocument/2006/relationships" xmlns:p="http://schemas.openxmlformats.org/presentationml/2006/main">
   <p:cSld>
     <p:spTree>
@@ -18840,6 +16913,37 @@
               <a:t>3D </a:t>
             </a:r>
             <a:r>
+              <a:rPr lang="ko-KR" altLang="en-US" sz="2800" b="1" dirty="0" smtClean="0">
+                <a:ln w="12700" cmpd="sng">
+                  <a:solidFill>
+                    <a:schemeClr val="accent4"/>
+                  </a:solidFill>
+                  <a:prstDash val="solid"/>
+                </a:ln>
+                <a:gradFill>
+                  <a:gsLst>
+                    <a:gs pos="0">
+                      <a:schemeClr val="accent4"/>
+                    </a:gs>
+                    <a:gs pos="4000">
+                      <a:schemeClr val="accent4">
+                        <a:lumMod val="60000"/>
+                        <a:lumOff val="40000"/>
+                      </a:schemeClr>
+                    </a:gs>
+                    <a:gs pos="87000">
+                      <a:schemeClr val="accent4">
+                        <a:lumMod val="20000"/>
+                        <a:lumOff val="80000"/>
+                      </a:schemeClr>
+                    </a:gs>
+                  </a:gsLst>
+                  <a:lin ang="5400000"/>
+                </a:gradFill>
+              </a:rPr>
+              <a:t>서버와 게임의 동기화 </a:t>
+            </a:r>
+            <a:r>
               <a:rPr lang="ko-KR" altLang="en-US" sz="2800" b="1" dirty="0">
                 <a:ln w="12700" cmpd="sng">
                   <a:solidFill>
@@ -18868,7 +16972,7 @@
                   <a:lin ang="5400000"/>
                 </a:gradFill>
               </a:rPr>
-              <a:t>게임의 최적화 작업</a:t>
+              <a:t>작업</a:t>
             </a:r>
             <a:endParaRPr lang="en-US" altLang="ko-KR" sz="2800" b="1" dirty="0">
               <a:ln w="12700" cmpd="sng">
@@ -19655,7 +17759,67 @@
                 <a:latin typeface="HY헤드라인M" panose="02030600000101010101" pitchFamily="18" charset="-127"/>
                 <a:ea typeface="HY헤드라인M" panose="02030600000101010101" pitchFamily="18" charset="-127"/>
               </a:rPr>
-              <a:t>어둠 속에서 각 팀 플레이어들이</a:t>
+              <a:t>어둠 속에서 </a:t>
+            </a:r>
+            <a:r>
+              <a:rPr lang="ko-KR" altLang="en-US" kern="0" dirty="0" smtClean="0">
+                <a:solidFill>
+                  <a:schemeClr val="bg1"/>
+                </a:solidFill>
+                <a:latin typeface="HY헤드라인M" panose="02030600000101010101" pitchFamily="18" charset="-127"/>
+                <a:ea typeface="HY헤드라인M" panose="02030600000101010101" pitchFamily="18" charset="-127"/>
+              </a:rPr>
+              <a:t>각 플레이어</a:t>
+            </a:r>
+            <a:r>
+              <a:rPr lang="en-US" altLang="ko-KR" kern="0" dirty="0" smtClean="0">
+                <a:solidFill>
+                  <a:schemeClr val="bg1"/>
+                </a:solidFill>
+                <a:latin typeface="HY헤드라인M" panose="02030600000101010101" pitchFamily="18" charset="-127"/>
+                <a:ea typeface="HY헤드라인M" panose="02030600000101010101" pitchFamily="18" charset="-127"/>
+              </a:rPr>
+              <a:t>(</a:t>
+            </a:r>
+            <a:r>
+              <a:rPr lang="en-US" altLang="ko-KR" kern="0" dirty="0" smtClean="0">
+                <a:solidFill>
+                  <a:schemeClr val="bg1"/>
+                </a:solidFill>
+                <a:latin typeface="HY헤드라인M" panose="02030600000101010101" pitchFamily="18" charset="-127"/>
+                <a:ea typeface="HY헤드라인M" panose="02030600000101010101" pitchFamily="18" charset="-127"/>
+              </a:rPr>
+              <a:t>2~8</a:t>
+            </a:r>
+            <a:r>
+              <a:rPr lang="ko-KR" altLang="en-US" kern="0" dirty="0" smtClean="0">
+                <a:solidFill>
+                  <a:schemeClr val="bg1"/>
+                </a:solidFill>
+                <a:latin typeface="HY헤드라인M" panose="02030600000101010101" pitchFamily="18" charset="-127"/>
+                <a:ea typeface="HY헤드라인M" panose="02030600000101010101" pitchFamily="18" charset="-127"/>
+              </a:rPr>
+              <a:t>명</a:t>
+            </a:r>
+            <a:r>
+              <a:rPr lang="en-US" altLang="ko-KR" kern="0" dirty="0" smtClean="0">
+                <a:solidFill>
+                  <a:schemeClr val="bg1"/>
+                </a:solidFill>
+                <a:latin typeface="HY헤드라인M" panose="02030600000101010101" pitchFamily="18" charset="-127"/>
+                <a:ea typeface="HY헤드라인M" panose="02030600000101010101" pitchFamily="18" charset="-127"/>
+              </a:rPr>
+              <a:t>)</a:t>
+            </a:r>
+            <a:r>
+              <a:rPr lang="ko-KR" altLang="en-US" kern="0" dirty="0" smtClean="0">
+                <a:solidFill>
+                  <a:schemeClr val="bg1"/>
+                </a:solidFill>
+                <a:latin typeface="HY헤드라인M" panose="02030600000101010101" pitchFamily="18" charset="-127"/>
+                <a:ea typeface="HY헤드라인M" panose="02030600000101010101" pitchFamily="18" charset="-127"/>
+              </a:rPr>
+              <a:t>들이</a:t>
             </a:r>
             <a:endParaRPr lang="en-US" altLang="ko-KR" kern="0" dirty="0" smtClean="0">
               <a:solidFill>
@@ -20299,8 +18463,8 @@
         </p:nvSpPr>
         <p:spPr>
           <a:xfrm>
-            <a:off x="755576" y="2348880"/>
-            <a:ext cx="7686600" cy="1865126"/>
+            <a:off x="755576" y="1412775"/>
+            <a:ext cx="7686600" cy="4967514"/>
           </a:xfrm>
           <a:prstGeom prst="rect">
             <a:avLst/>
@@ -20580,8 +18744,352 @@
                 <a:latin typeface="HY헤드라인M" panose="02030600000101010101" pitchFamily="18" charset="-127"/>
                 <a:ea typeface="HY헤드라인M" panose="02030600000101010101" pitchFamily="18" charset="-127"/>
               </a:rPr>
-              <a:t> 제작</a:t>
-            </a:r>
+              <a:t> </a:t>
+            </a:r>
+            <a:r>
+              <a:rPr lang="ko-KR" altLang="en-US" kern="0" dirty="0" smtClean="0">
+                <a:solidFill>
+                  <a:schemeClr val="bg1"/>
+                </a:solidFill>
+                <a:latin typeface="HY헤드라인M" panose="02030600000101010101" pitchFamily="18" charset="-127"/>
+                <a:ea typeface="HY헤드라인M" panose="02030600000101010101" pitchFamily="18" charset="-127"/>
+              </a:rPr>
+              <a:t>제작</a:t>
+            </a:r>
+            <a:endParaRPr lang="en-US" altLang="ko-KR" kern="0" dirty="0" smtClean="0">
+              <a:solidFill>
+                <a:schemeClr val="bg1"/>
+              </a:solidFill>
+              <a:latin typeface="HY헤드라인M" panose="02030600000101010101" pitchFamily="18" charset="-127"/>
+              <a:ea typeface="HY헤드라인M" panose="02030600000101010101" pitchFamily="18" charset="-127"/>
+            </a:endParaRPr>
+          </a:p>
+          <a:p>
+            <a:pPr fontAlgn="base">
+              <a:lnSpc>
+                <a:spcPct val="160000"/>
+              </a:lnSpc>
+            </a:pPr>
+            <a:r>
+              <a:rPr lang="ko-KR" altLang="en-US" kern="0" dirty="0" smtClean="0">
+                <a:solidFill>
+                  <a:schemeClr val="bg1"/>
+                </a:solidFill>
+                <a:latin typeface="HY헤드라인M" panose="02030600000101010101" pitchFamily="18" charset="-127"/>
+                <a:ea typeface="HY헤드라인M" panose="02030600000101010101" pitchFamily="18" charset="-127"/>
+              </a:rPr>
+              <a:t>●플레이어 속도 </a:t>
+            </a:r>
+            <a:r>
+              <a:rPr lang="en-US" altLang="ko-KR" kern="0" dirty="0" smtClean="0">
+                <a:solidFill>
+                  <a:schemeClr val="bg1"/>
+                </a:solidFill>
+                <a:latin typeface="HY헤드라인M" panose="02030600000101010101" pitchFamily="18" charset="-127"/>
+                <a:ea typeface="HY헤드라인M" panose="02030600000101010101" pitchFamily="18" charset="-127"/>
+              </a:rPr>
+              <a:t>: 2m/s</a:t>
+            </a:r>
+          </a:p>
+          <a:p>
+            <a:pPr fontAlgn="base">
+              <a:lnSpc>
+                <a:spcPct val="160000"/>
+              </a:lnSpc>
+            </a:pPr>
+            <a:r>
+              <a:rPr lang="ko-KR" altLang="en-US" kern="0" dirty="0" smtClean="0">
+                <a:solidFill>
+                  <a:schemeClr val="bg1"/>
+                </a:solidFill>
+                <a:latin typeface="HY헤드라인M" panose="02030600000101010101" pitchFamily="18" charset="-127"/>
+                <a:ea typeface="HY헤드라인M" panose="02030600000101010101" pitchFamily="18" charset="-127"/>
+              </a:rPr>
+              <a:t>●예상 플레이 시간</a:t>
+            </a:r>
+            <a:r>
+              <a:rPr lang="en-US" altLang="ko-KR" kern="0" dirty="0">
+                <a:solidFill>
+                  <a:schemeClr val="bg1"/>
+                </a:solidFill>
+                <a:latin typeface="HY헤드라인M" panose="02030600000101010101" pitchFamily="18" charset="-127"/>
+                <a:ea typeface="HY헤드라인M" panose="02030600000101010101" pitchFamily="18" charset="-127"/>
+              </a:rPr>
+              <a:t> </a:t>
+            </a:r>
+            <a:r>
+              <a:rPr lang="en-US" altLang="ko-KR" kern="0" dirty="0" smtClean="0">
+                <a:solidFill>
+                  <a:schemeClr val="bg1"/>
+                </a:solidFill>
+                <a:latin typeface="HY헤드라인M" panose="02030600000101010101" pitchFamily="18" charset="-127"/>
+                <a:ea typeface="HY헤드라인M" panose="02030600000101010101" pitchFamily="18" charset="-127"/>
+              </a:rPr>
+              <a:t>: </a:t>
+            </a:r>
+            <a:r>
+              <a:rPr lang="ko-KR" altLang="en-US" kern="0" dirty="0" smtClean="0">
+                <a:solidFill>
+                  <a:schemeClr val="bg1"/>
+                </a:solidFill>
+                <a:latin typeface="HY헤드라인M" panose="02030600000101010101" pitchFamily="18" charset="-127"/>
+                <a:ea typeface="HY헤드라인M" panose="02030600000101010101" pitchFamily="18" charset="-127"/>
+              </a:rPr>
+              <a:t>게임당 최소 </a:t>
+            </a:r>
+            <a:r>
+              <a:rPr lang="en-US" altLang="ko-KR" kern="0" dirty="0">
+                <a:solidFill>
+                  <a:schemeClr val="bg1"/>
+                </a:solidFill>
+                <a:latin typeface="HY헤드라인M" panose="02030600000101010101" pitchFamily="18" charset="-127"/>
+                <a:ea typeface="HY헤드라인M" panose="02030600000101010101" pitchFamily="18" charset="-127"/>
+              </a:rPr>
+              <a:t>8</a:t>
+            </a:r>
+            <a:r>
+              <a:rPr lang="ko-KR" altLang="en-US" kern="0" dirty="0" smtClean="0">
+                <a:solidFill>
+                  <a:schemeClr val="bg1"/>
+                </a:solidFill>
+                <a:latin typeface="HY헤드라인M" panose="02030600000101010101" pitchFamily="18" charset="-127"/>
+                <a:ea typeface="HY헤드라인M" panose="02030600000101010101" pitchFamily="18" charset="-127"/>
+              </a:rPr>
+              <a:t>분</a:t>
+            </a:r>
+            <a:endParaRPr lang="en-US" altLang="ko-KR" kern="0" dirty="0" smtClean="0">
+              <a:solidFill>
+                <a:schemeClr val="bg1"/>
+              </a:solidFill>
+              <a:latin typeface="HY헤드라인M" panose="02030600000101010101" pitchFamily="18" charset="-127"/>
+              <a:ea typeface="HY헤드라인M" panose="02030600000101010101" pitchFamily="18" charset="-127"/>
+            </a:endParaRPr>
+          </a:p>
+          <a:p>
+            <a:pPr fontAlgn="base">
+              <a:lnSpc>
+                <a:spcPct val="160000"/>
+              </a:lnSpc>
+            </a:pPr>
+            <a:r>
+              <a:rPr lang="ko-KR" altLang="en-US" kern="0" dirty="0">
+                <a:solidFill>
+                  <a:schemeClr val="bg1"/>
+                </a:solidFill>
+                <a:latin typeface="HY헤드라인M" panose="02030600000101010101" pitchFamily="18" charset="-127"/>
+                <a:ea typeface="HY헤드라인M" panose="02030600000101010101" pitchFamily="18" charset="-127"/>
+              </a:rPr>
+              <a:t>● 플레이어</a:t>
+            </a:r>
+            <a:r>
+              <a:rPr lang="en-US" altLang="ko-KR" kern="0" dirty="0">
+                <a:solidFill>
+                  <a:schemeClr val="bg1"/>
+                </a:solidFill>
+                <a:latin typeface="HY헤드라인M" panose="02030600000101010101" pitchFamily="18" charset="-127"/>
+                <a:ea typeface="HY헤드라인M" panose="02030600000101010101" pitchFamily="18" charset="-127"/>
+              </a:rPr>
+              <a:t>, </a:t>
+            </a:r>
+            <a:r>
+              <a:rPr lang="ko-KR" altLang="en-US" kern="0" dirty="0">
+                <a:solidFill>
+                  <a:schemeClr val="bg1"/>
+                </a:solidFill>
+                <a:latin typeface="HY헤드라인M" panose="02030600000101010101" pitchFamily="18" charset="-127"/>
+                <a:ea typeface="HY헤드라인M" panose="02030600000101010101" pitchFamily="18" charset="-127"/>
+              </a:rPr>
+              <a:t>몬스터</a:t>
+            </a:r>
+            <a:endParaRPr lang="en-US" altLang="ko-KR" kern="0" dirty="0">
+              <a:solidFill>
+                <a:schemeClr val="bg1"/>
+              </a:solidFill>
+              <a:latin typeface="HY헤드라인M" panose="02030600000101010101" pitchFamily="18" charset="-127"/>
+              <a:ea typeface="HY헤드라인M" panose="02030600000101010101" pitchFamily="18" charset="-127"/>
+            </a:endParaRPr>
+          </a:p>
+          <a:p>
+            <a:pPr fontAlgn="base">
+              <a:lnSpc>
+                <a:spcPct val="160000"/>
+              </a:lnSpc>
+            </a:pPr>
+            <a:r>
+              <a:rPr lang="ko-KR" altLang="en-US" kern="0" dirty="0">
+                <a:solidFill>
+                  <a:schemeClr val="bg1"/>
+                </a:solidFill>
+                <a:latin typeface="HY헤드라인M" panose="02030600000101010101" pitchFamily="18" charset="-127"/>
+                <a:ea typeface="HY헤드라인M" panose="02030600000101010101" pitchFamily="18" charset="-127"/>
+              </a:rPr>
+              <a:t>플레이어</a:t>
+            </a:r>
+            <a:r>
+              <a:rPr lang="en-US" altLang="ko-KR" kern="0" dirty="0">
+                <a:solidFill>
+                  <a:schemeClr val="bg1"/>
+                </a:solidFill>
+                <a:latin typeface="HY헤드라인M" panose="02030600000101010101" pitchFamily="18" charset="-127"/>
+                <a:ea typeface="HY헤드라인M" panose="02030600000101010101" pitchFamily="18" charset="-127"/>
+              </a:rPr>
+              <a:t>, </a:t>
+            </a:r>
+            <a:r>
+              <a:rPr lang="ko-KR" altLang="en-US" kern="0" dirty="0">
+                <a:solidFill>
+                  <a:schemeClr val="bg1"/>
+                </a:solidFill>
+                <a:latin typeface="HY헤드라인M" panose="02030600000101010101" pitchFamily="18" charset="-127"/>
+                <a:ea typeface="HY헤드라인M" panose="02030600000101010101" pitchFamily="18" charset="-127"/>
+              </a:rPr>
+              <a:t>몬스터가 임의로 할당 받을 수 있는 캐릭터 종류는 </a:t>
+            </a:r>
+            <a:r>
+              <a:rPr lang="en-US" altLang="ko-KR" kern="0" dirty="0">
+                <a:solidFill>
+                  <a:schemeClr val="bg1"/>
+                </a:solidFill>
+                <a:latin typeface="HY헤드라인M" panose="02030600000101010101" pitchFamily="18" charset="-127"/>
+                <a:ea typeface="HY헤드라인M" panose="02030600000101010101" pitchFamily="18" charset="-127"/>
+              </a:rPr>
+              <a:t>3</a:t>
+            </a:r>
+            <a:r>
+              <a:rPr lang="ko-KR" altLang="en-US" kern="0" dirty="0">
+                <a:solidFill>
+                  <a:schemeClr val="bg1"/>
+                </a:solidFill>
+                <a:latin typeface="HY헤드라인M" panose="02030600000101010101" pitchFamily="18" charset="-127"/>
+                <a:ea typeface="HY헤드라인M" panose="02030600000101010101" pitchFamily="18" charset="-127"/>
+              </a:rPr>
+              <a:t>가지</a:t>
+            </a:r>
+            <a:endParaRPr lang="en-US" altLang="ko-KR" kern="0" dirty="0">
+              <a:solidFill>
+                <a:schemeClr val="bg1"/>
+              </a:solidFill>
+              <a:latin typeface="HY헤드라인M" panose="02030600000101010101" pitchFamily="18" charset="-127"/>
+              <a:ea typeface="HY헤드라인M" panose="02030600000101010101" pitchFamily="18" charset="-127"/>
+            </a:endParaRPr>
+          </a:p>
+          <a:p>
+            <a:pPr fontAlgn="base">
+              <a:lnSpc>
+                <a:spcPct val="160000"/>
+              </a:lnSpc>
+            </a:pPr>
+            <a:r>
+              <a:rPr lang="ko-KR" altLang="en-US" kern="0" dirty="0">
+                <a:solidFill>
+                  <a:schemeClr val="bg1"/>
+                </a:solidFill>
+                <a:latin typeface="HY헤드라인M" panose="02030600000101010101" pitchFamily="18" charset="-127"/>
+                <a:ea typeface="HY헤드라인M" panose="02030600000101010101" pitchFamily="18" charset="-127"/>
+              </a:rPr>
+              <a:t>걷기 속도는 </a:t>
+            </a:r>
+            <a:r>
+              <a:rPr lang="en-US" altLang="ko-KR" kern="0" dirty="0">
+                <a:solidFill>
+                  <a:schemeClr val="bg1"/>
+                </a:solidFill>
+                <a:latin typeface="HY헤드라인M" panose="02030600000101010101" pitchFamily="18" charset="-127"/>
+                <a:ea typeface="HY헤드라인M" panose="02030600000101010101" pitchFamily="18" charset="-127"/>
+              </a:rPr>
+              <a:t>2m/s, </a:t>
+            </a:r>
+            <a:r>
+              <a:rPr lang="ko-KR" altLang="en-US" kern="0" dirty="0">
+                <a:solidFill>
+                  <a:schemeClr val="bg1"/>
+                </a:solidFill>
+                <a:latin typeface="HY헤드라인M" panose="02030600000101010101" pitchFamily="18" charset="-127"/>
+                <a:ea typeface="HY헤드라인M" panose="02030600000101010101" pitchFamily="18" charset="-127"/>
+              </a:rPr>
+              <a:t>달리기 속도는 </a:t>
+            </a:r>
+            <a:r>
+              <a:rPr lang="en-US" altLang="ko-KR" kern="0" dirty="0">
+                <a:solidFill>
+                  <a:schemeClr val="bg1"/>
+                </a:solidFill>
+                <a:latin typeface="HY헤드라인M" panose="02030600000101010101" pitchFamily="18" charset="-127"/>
+                <a:ea typeface="HY헤드라인M" panose="02030600000101010101" pitchFamily="18" charset="-127"/>
+              </a:rPr>
+              <a:t>5m/s</a:t>
+            </a:r>
+          </a:p>
+          <a:p>
+            <a:pPr fontAlgn="base">
+              <a:lnSpc>
+                <a:spcPct val="160000"/>
+              </a:lnSpc>
+            </a:pPr>
+            <a:r>
+              <a:rPr lang="ko-KR" altLang="en-US" kern="0" dirty="0">
+                <a:solidFill>
+                  <a:schemeClr val="bg1"/>
+                </a:solidFill>
+                <a:latin typeface="HY헤드라인M" panose="02030600000101010101" pitchFamily="18" charset="-127"/>
+                <a:ea typeface="HY헤드라인M" panose="02030600000101010101" pitchFamily="18" charset="-127"/>
+              </a:rPr>
+              <a:t>상태</a:t>
+            </a:r>
+            <a:r>
+              <a:rPr lang="en-US" altLang="ko-KR" kern="0" dirty="0">
+                <a:solidFill>
+                  <a:schemeClr val="bg1"/>
+                </a:solidFill>
+                <a:latin typeface="HY헤드라인M" panose="02030600000101010101" pitchFamily="18" charset="-127"/>
+                <a:ea typeface="HY헤드라인M" panose="02030600000101010101" pitchFamily="18" charset="-127"/>
+              </a:rPr>
+              <a:t>(</a:t>
+            </a:r>
+            <a:r>
+              <a:rPr lang="ko-KR" altLang="en-US" kern="0" dirty="0">
+                <a:solidFill>
+                  <a:schemeClr val="bg1"/>
+                </a:solidFill>
+                <a:latin typeface="HY헤드라인M" panose="02030600000101010101" pitchFamily="18" charset="-127"/>
+                <a:ea typeface="HY헤드라인M" panose="02030600000101010101" pitchFamily="18" charset="-127"/>
+              </a:rPr>
+              <a:t>애니메이션</a:t>
+            </a:r>
+            <a:r>
+              <a:rPr lang="en-US" altLang="ko-KR" kern="0" dirty="0">
+                <a:solidFill>
+                  <a:schemeClr val="bg1"/>
+                </a:solidFill>
+                <a:latin typeface="HY헤드라인M" panose="02030600000101010101" pitchFamily="18" charset="-127"/>
+                <a:ea typeface="HY헤드라인M" panose="02030600000101010101" pitchFamily="18" charset="-127"/>
+              </a:rPr>
+              <a:t>) : Idle, Walk, Run, Attack, </a:t>
+            </a:r>
+            <a:r>
+              <a:rPr lang="en-US" altLang="ko-KR" kern="0" dirty="0" smtClean="0">
+                <a:solidFill>
+                  <a:schemeClr val="bg1"/>
+                </a:solidFill>
+                <a:latin typeface="HY헤드라인M" panose="02030600000101010101" pitchFamily="18" charset="-127"/>
+                <a:ea typeface="HY헤드라인M" panose="02030600000101010101" pitchFamily="18" charset="-127"/>
+              </a:rPr>
+              <a:t>Death(Asset store)</a:t>
+            </a:r>
+            <a:endParaRPr lang="ko-KR" altLang="en-US" kern="0" dirty="0">
+              <a:solidFill>
+                <a:schemeClr val="bg1"/>
+              </a:solidFill>
+              <a:latin typeface="HY헤드라인M" panose="02030600000101010101" pitchFamily="18" charset="-127"/>
+              <a:ea typeface="HY헤드라인M" panose="02030600000101010101" pitchFamily="18" charset="-127"/>
+            </a:endParaRPr>
+          </a:p>
+          <a:p>
+            <a:pPr fontAlgn="base">
+              <a:lnSpc>
+                <a:spcPct val="160000"/>
+              </a:lnSpc>
+            </a:pPr>
             <a:endParaRPr lang="en-US" altLang="ko-KR" kern="0" dirty="0" smtClean="0">
               <a:solidFill>
                 <a:schemeClr val="bg1"/>
@@ -21284,277 +19792,6 @@
       </p:sp>
       <p:sp>
         <p:nvSpPr>
-          <p:cNvPr id="3" name="직사각형 2"/>
-          <p:cNvSpPr/>
-          <p:nvPr/>
-        </p:nvSpPr>
-        <p:spPr>
-          <a:xfrm>
-            <a:off x="728700" y="2390007"/>
-            <a:ext cx="7686600" cy="1865126"/>
-          </a:xfrm>
-          <a:prstGeom prst="rect">
-            <a:avLst/>
-          </a:prstGeom>
-          <a:ln>
-            <a:noFill/>
-          </a:ln>
-          <a:effectLst>
-            <a:glow rad="228600">
-              <a:srgbClr val="FFFF00">
-                <a:alpha val="40000"/>
-              </a:srgbClr>
-            </a:glow>
-            <a:outerShdw blurRad="44450" dist="27940" dir="5400000" algn="ctr">
-              <a:srgbClr val="000000">
-                <a:alpha val="32000"/>
-              </a:srgbClr>
-            </a:outerShdw>
-          </a:effectLst>
-          <a:scene3d>
-            <a:camera prst="orthographicFront">
-              <a:rot lat="0" lon="0" rev="0"/>
-            </a:camera>
-            <a:lightRig rig="balanced" dir="t">
-              <a:rot lat="0" lon="0" rev="8700000"/>
-            </a:lightRig>
-          </a:scene3d>
-          <a:sp3d>
-            <a:bevelT w="190500" h="38100"/>
-          </a:sp3d>
-        </p:spPr>
-        <p:style>
-          <a:lnRef idx="3">
-            <a:schemeClr val="lt1"/>
-          </a:lnRef>
-          <a:fillRef idx="1">
-            <a:schemeClr val="dk1"/>
-          </a:fillRef>
-          <a:effectRef idx="1">
-            <a:schemeClr val="dk1"/>
-          </a:effectRef>
-          <a:fontRef idx="minor">
-            <a:schemeClr val="lt1"/>
-          </a:fontRef>
-        </p:style>
-        <p:txBody>
-          <a:bodyPr wrap="square">
-            <a:spAutoFit/>
-          </a:bodyPr>
-          <a:lstStyle/>
-          <a:p>
-            <a:pPr fontAlgn="base">
-              <a:lnSpc>
-                <a:spcPct val="160000"/>
-              </a:lnSpc>
-            </a:pPr>
-            <a:r>
-              <a:rPr lang="ko-KR" altLang="en-US" kern="0" dirty="0" smtClean="0">
-                <a:solidFill>
-                  <a:schemeClr val="bg1"/>
-                </a:solidFill>
-                <a:latin typeface="HY헤드라인M" panose="02030600000101010101" pitchFamily="18" charset="-127"/>
-                <a:ea typeface="HY헤드라인M" panose="02030600000101010101" pitchFamily="18" charset="-127"/>
-              </a:rPr>
-              <a:t>● 플레이어</a:t>
-            </a:r>
-            <a:r>
-              <a:rPr lang="en-US" altLang="ko-KR" kern="0" dirty="0" smtClean="0">
-                <a:solidFill>
-                  <a:schemeClr val="bg1"/>
-                </a:solidFill>
-                <a:latin typeface="HY헤드라인M" panose="02030600000101010101" pitchFamily="18" charset="-127"/>
-                <a:ea typeface="HY헤드라인M" panose="02030600000101010101" pitchFamily="18" charset="-127"/>
-              </a:rPr>
-              <a:t>, </a:t>
-            </a:r>
-            <a:r>
-              <a:rPr lang="ko-KR" altLang="en-US" kern="0" dirty="0" smtClean="0">
-                <a:solidFill>
-                  <a:schemeClr val="bg1"/>
-                </a:solidFill>
-                <a:latin typeface="HY헤드라인M" panose="02030600000101010101" pitchFamily="18" charset="-127"/>
-                <a:ea typeface="HY헤드라인M" panose="02030600000101010101" pitchFamily="18" charset="-127"/>
-              </a:rPr>
-              <a:t>몬스터</a:t>
-            </a:r>
-            <a:endParaRPr lang="en-US" altLang="ko-KR" kern="0" dirty="0" smtClean="0">
-              <a:solidFill>
-                <a:schemeClr val="bg1"/>
-              </a:solidFill>
-              <a:latin typeface="HY헤드라인M" panose="02030600000101010101" pitchFamily="18" charset="-127"/>
-              <a:ea typeface="HY헤드라인M" panose="02030600000101010101" pitchFamily="18" charset="-127"/>
-            </a:endParaRPr>
-          </a:p>
-          <a:p>
-            <a:pPr fontAlgn="base">
-              <a:lnSpc>
-                <a:spcPct val="160000"/>
-              </a:lnSpc>
-            </a:pPr>
-            <a:r>
-              <a:rPr lang="ko-KR" altLang="en-US" kern="0" dirty="0" smtClean="0">
-                <a:solidFill>
-                  <a:schemeClr val="bg1"/>
-                </a:solidFill>
-                <a:latin typeface="HY헤드라인M" panose="02030600000101010101" pitchFamily="18" charset="-127"/>
-                <a:ea typeface="HY헤드라인M" panose="02030600000101010101" pitchFamily="18" charset="-127"/>
-              </a:rPr>
-              <a:t>플레이어</a:t>
-            </a:r>
-            <a:r>
-              <a:rPr lang="en-US" altLang="ko-KR" kern="0" dirty="0" smtClean="0">
-                <a:solidFill>
-                  <a:schemeClr val="bg1"/>
-                </a:solidFill>
-                <a:latin typeface="HY헤드라인M" panose="02030600000101010101" pitchFamily="18" charset="-127"/>
-                <a:ea typeface="HY헤드라인M" panose="02030600000101010101" pitchFamily="18" charset="-127"/>
-              </a:rPr>
-              <a:t>, </a:t>
-            </a:r>
-            <a:r>
-              <a:rPr lang="ko-KR" altLang="en-US" kern="0" dirty="0" smtClean="0">
-                <a:solidFill>
-                  <a:schemeClr val="bg1"/>
-                </a:solidFill>
-                <a:latin typeface="HY헤드라인M" panose="02030600000101010101" pitchFamily="18" charset="-127"/>
-                <a:ea typeface="HY헤드라인M" panose="02030600000101010101" pitchFamily="18" charset="-127"/>
-              </a:rPr>
-              <a:t>몬스터가 임의로 할당 받을 수 있는 캐릭터 종류는 </a:t>
-            </a:r>
-            <a:r>
-              <a:rPr lang="en-US" altLang="ko-KR" kern="0" dirty="0" smtClean="0">
-                <a:solidFill>
-                  <a:schemeClr val="bg1"/>
-                </a:solidFill>
-                <a:latin typeface="HY헤드라인M" panose="02030600000101010101" pitchFamily="18" charset="-127"/>
-                <a:ea typeface="HY헤드라인M" panose="02030600000101010101" pitchFamily="18" charset="-127"/>
-              </a:rPr>
-              <a:t>3</a:t>
-            </a:r>
-            <a:r>
-              <a:rPr lang="ko-KR" altLang="en-US" kern="0" dirty="0" smtClean="0">
-                <a:solidFill>
-                  <a:schemeClr val="bg1"/>
-                </a:solidFill>
-                <a:latin typeface="HY헤드라인M" panose="02030600000101010101" pitchFamily="18" charset="-127"/>
-                <a:ea typeface="HY헤드라인M" panose="02030600000101010101" pitchFamily="18" charset="-127"/>
-              </a:rPr>
-              <a:t>가지</a:t>
-            </a:r>
-            <a:endParaRPr lang="en-US" altLang="ko-KR" kern="0" dirty="0" smtClean="0">
-              <a:solidFill>
-                <a:schemeClr val="bg1"/>
-              </a:solidFill>
-              <a:latin typeface="HY헤드라인M" panose="02030600000101010101" pitchFamily="18" charset="-127"/>
-              <a:ea typeface="HY헤드라인M" panose="02030600000101010101" pitchFamily="18" charset="-127"/>
-            </a:endParaRPr>
-          </a:p>
-          <a:p>
-            <a:pPr fontAlgn="base">
-              <a:lnSpc>
-                <a:spcPct val="160000"/>
-              </a:lnSpc>
-            </a:pPr>
-            <a:r>
-              <a:rPr lang="ko-KR" altLang="en-US" kern="0" dirty="0" smtClean="0">
-                <a:solidFill>
-                  <a:schemeClr val="bg1"/>
-                </a:solidFill>
-                <a:latin typeface="HY헤드라인M" panose="02030600000101010101" pitchFamily="18" charset="-127"/>
-                <a:ea typeface="HY헤드라인M" panose="02030600000101010101" pitchFamily="18" charset="-127"/>
-              </a:rPr>
-              <a:t>걷기 속도는 </a:t>
-            </a:r>
-            <a:r>
-              <a:rPr lang="en-US" altLang="ko-KR" kern="0" dirty="0" smtClean="0">
-                <a:solidFill>
-                  <a:schemeClr val="bg1"/>
-                </a:solidFill>
-                <a:latin typeface="HY헤드라인M" panose="02030600000101010101" pitchFamily="18" charset="-127"/>
-                <a:ea typeface="HY헤드라인M" panose="02030600000101010101" pitchFamily="18" charset="-127"/>
-              </a:rPr>
-              <a:t>2m/s, </a:t>
-            </a:r>
-            <a:r>
-              <a:rPr lang="ko-KR" altLang="en-US" kern="0" dirty="0" smtClean="0">
-                <a:solidFill>
-                  <a:schemeClr val="bg1"/>
-                </a:solidFill>
-                <a:latin typeface="HY헤드라인M" panose="02030600000101010101" pitchFamily="18" charset="-127"/>
-                <a:ea typeface="HY헤드라인M" panose="02030600000101010101" pitchFamily="18" charset="-127"/>
-              </a:rPr>
-              <a:t>달리기 속도는 </a:t>
-            </a:r>
-            <a:r>
-              <a:rPr lang="en-US" altLang="ko-KR" kern="0" dirty="0" smtClean="0">
-                <a:solidFill>
-                  <a:schemeClr val="bg1"/>
-                </a:solidFill>
-                <a:latin typeface="HY헤드라인M" panose="02030600000101010101" pitchFamily="18" charset="-127"/>
-                <a:ea typeface="HY헤드라인M" panose="02030600000101010101" pitchFamily="18" charset="-127"/>
-              </a:rPr>
-              <a:t>5m/s</a:t>
-            </a:r>
-          </a:p>
-          <a:p>
-            <a:pPr fontAlgn="base">
-              <a:lnSpc>
-                <a:spcPct val="160000"/>
-              </a:lnSpc>
-            </a:pPr>
-            <a:r>
-              <a:rPr lang="ko-KR" altLang="en-US" kern="0" dirty="0" smtClean="0">
-                <a:solidFill>
-                  <a:schemeClr val="bg1"/>
-                </a:solidFill>
-                <a:latin typeface="HY헤드라인M" panose="02030600000101010101" pitchFamily="18" charset="-127"/>
-                <a:ea typeface="HY헤드라인M" panose="02030600000101010101" pitchFamily="18" charset="-127"/>
-              </a:rPr>
-              <a:t>상태</a:t>
-            </a:r>
-            <a:r>
-              <a:rPr lang="en-US" altLang="ko-KR" kern="0" dirty="0" smtClean="0">
-                <a:solidFill>
-                  <a:schemeClr val="bg1"/>
-                </a:solidFill>
-                <a:latin typeface="HY헤드라인M" panose="02030600000101010101" pitchFamily="18" charset="-127"/>
-                <a:ea typeface="HY헤드라인M" panose="02030600000101010101" pitchFamily="18" charset="-127"/>
-              </a:rPr>
-              <a:t>(</a:t>
-            </a:r>
-            <a:r>
-              <a:rPr lang="ko-KR" altLang="en-US" kern="0" dirty="0" smtClean="0">
-                <a:solidFill>
-                  <a:schemeClr val="bg1"/>
-                </a:solidFill>
-                <a:latin typeface="HY헤드라인M" panose="02030600000101010101" pitchFamily="18" charset="-127"/>
-                <a:ea typeface="HY헤드라인M" panose="02030600000101010101" pitchFamily="18" charset="-127"/>
-              </a:rPr>
-              <a:t>애니메이션</a:t>
-            </a:r>
-            <a:r>
-              <a:rPr lang="en-US" altLang="ko-KR" kern="0" dirty="0" smtClean="0">
-                <a:solidFill>
-                  <a:schemeClr val="bg1"/>
-                </a:solidFill>
-                <a:latin typeface="HY헤드라인M" panose="02030600000101010101" pitchFamily="18" charset="-127"/>
-                <a:ea typeface="HY헤드라인M" panose="02030600000101010101" pitchFamily="18" charset="-127"/>
-              </a:rPr>
-              <a:t>) : Idle, Walk, Run, Attack, Death</a:t>
-            </a:r>
-            <a:endParaRPr lang="ko-KR" altLang="en-US" kern="0" dirty="0">
-              <a:solidFill>
-                <a:schemeClr val="bg1"/>
-              </a:solidFill>
-              <a:latin typeface="HY헤드라인M" panose="02030600000101010101" pitchFamily="18" charset="-127"/>
-              <a:ea typeface="HY헤드라인M" panose="02030600000101010101" pitchFamily="18" charset="-127"/>
-            </a:endParaRPr>
-          </a:p>
-        </p:txBody>
-      </p:sp>
-      <p:sp>
-        <p:nvSpPr>
           <p:cNvPr id="4" name="Rectangle 2"/>
           <p:cNvSpPr>
             <a:spLocks noChangeArrowheads="1"/>
@@ -21616,6 +19853,47 @@
           </a:p>
         </p:txBody>
       </p:sp>
+      <p:pic>
+        <p:nvPicPr>
+          <p:cNvPr id="1025" name="_x313074848" descr="EMB00001e886b4d"/>
+          <p:cNvPicPr>
+            <a:picLocks noChangeAspect="1" noChangeArrowheads="1"/>
+          </p:cNvPicPr>
+          <p:nvPr/>
+        </p:nvPicPr>
+        <p:blipFill>
+          <a:blip r:embed="rId2">
+            <a:extLst>
+              <a:ext uri="{28A0092B-C50C-407E-A947-70E740481C1C}">
+                <a14:useLocalDpi xmlns:a14="http://schemas.microsoft.com/office/drawing/2010/main" val="0"/>
+              </a:ext>
+            </a:extLst>
+          </a:blip>
+          <a:srcRect/>
+          <a:stretch>
+            <a:fillRect/>
+          </a:stretch>
+        </p:blipFill>
+        <p:spPr bwMode="auto">
+          <a:xfrm>
+            <a:off x="539552" y="1412775"/>
+            <a:ext cx="2400194" cy="2192716"/>
+          </a:xfrm>
+          <a:prstGeom prst="rect">
+            <a:avLst/>
+          </a:prstGeom>
+          <a:noFill/>
+          <a:extLst>
+            <a:ext uri="{909E8E84-426E-40DD-AFC4-6F175D3DCCD1}">
+              <a14:hiddenFill xmlns:a14="http://schemas.microsoft.com/office/drawing/2010/main">
+                <a:solidFill>
+                  <a:srgbClr val="FFFFFF"/>
+                </a:solidFill>
+              </a14:hiddenFill>
+            </a:ext>
+          </a:extLst>
+        </p:spPr>
+      </p:pic>
       <p:sp>
         <p:nvSpPr>
           <p:cNvPr id="5" name="Rectangle 4"/>
@@ -21679,6 +19957,47 @@
           </a:p>
         </p:txBody>
       </p:sp>
+      <p:pic>
+        <p:nvPicPr>
+          <p:cNvPr id="1027" name="_x313076048" descr="EMB00001e886b50"/>
+          <p:cNvPicPr>
+            <a:picLocks noChangeAspect="1" noChangeArrowheads="1"/>
+          </p:cNvPicPr>
+          <p:nvPr/>
+        </p:nvPicPr>
+        <p:blipFill>
+          <a:blip r:embed="rId3">
+            <a:extLst>
+              <a:ext uri="{28A0092B-C50C-407E-A947-70E740481C1C}">
+                <a14:useLocalDpi xmlns:a14="http://schemas.microsoft.com/office/drawing/2010/main" val="0"/>
+              </a:ext>
+            </a:extLst>
+          </a:blip>
+          <a:srcRect/>
+          <a:stretch>
+            <a:fillRect/>
+          </a:stretch>
+        </p:blipFill>
+        <p:spPr bwMode="auto">
+          <a:xfrm>
+            <a:off x="2939746" y="1442737"/>
+            <a:ext cx="2448272" cy="2202287"/>
+          </a:xfrm>
+          <a:prstGeom prst="rect">
+            <a:avLst/>
+          </a:prstGeom>
+          <a:noFill/>
+          <a:extLst>
+            <a:ext uri="{909E8E84-426E-40DD-AFC4-6F175D3DCCD1}">
+              <a14:hiddenFill xmlns:a14="http://schemas.microsoft.com/office/drawing/2010/main">
+                <a:solidFill>
+                  <a:srgbClr val="FFFFFF"/>
+                </a:solidFill>
+              </a14:hiddenFill>
+            </a:ext>
+          </a:extLst>
+        </p:spPr>
+      </p:pic>
       <p:sp>
         <p:nvSpPr>
           <p:cNvPr id="6" name="Rectangle 6"/>
@@ -21742,10 +20061,363 @@
           </a:p>
         </p:txBody>
       </p:sp>
+      <p:pic>
+        <p:nvPicPr>
+          <p:cNvPr id="1029" name="_x313076288" descr="EMB00001e886b53"/>
+          <p:cNvPicPr>
+            <a:picLocks noChangeAspect="1" noChangeArrowheads="1"/>
+          </p:cNvPicPr>
+          <p:nvPr/>
+        </p:nvPicPr>
+        <p:blipFill>
+          <a:blip r:embed="rId4">
+            <a:extLst>
+              <a:ext uri="{28A0092B-C50C-407E-A947-70E740481C1C}">
+                <a14:useLocalDpi xmlns:a14="http://schemas.microsoft.com/office/drawing/2010/main" val="0"/>
+              </a:ext>
+            </a:extLst>
+          </a:blip>
+          <a:srcRect/>
+          <a:stretch>
+            <a:fillRect/>
+          </a:stretch>
+        </p:blipFill>
+        <p:spPr bwMode="auto">
+          <a:xfrm>
+            <a:off x="5435719" y="1442737"/>
+            <a:ext cx="2352493" cy="2202287"/>
+          </a:xfrm>
+          <a:prstGeom prst="rect">
+            <a:avLst/>
+          </a:prstGeom>
+          <a:noFill/>
+          <a:extLst>
+            <a:ext uri="{909E8E84-426E-40DD-AFC4-6F175D3DCCD1}">
+              <a14:hiddenFill xmlns:a14="http://schemas.microsoft.com/office/drawing/2010/main">
+                <a:solidFill>
+                  <a:srgbClr val="FFFFFF"/>
+                </a:solidFill>
+              </a14:hiddenFill>
+            </a:ext>
+          </a:extLst>
+        </p:spPr>
+      </p:pic>
+      <p:sp>
+        <p:nvSpPr>
+          <p:cNvPr id="2" name="Rectangle 2"/>
+          <p:cNvSpPr>
+            <a:spLocks noChangeArrowheads="1"/>
+          </p:cNvSpPr>
+          <p:nvPr/>
+        </p:nvSpPr>
+        <p:spPr bwMode="auto">
+          <a:xfrm>
+            <a:off x="0" y="0"/>
+            <a:ext cx="9144000" cy="457200"/>
+          </a:xfrm>
+          <a:prstGeom prst="rect">
+            <a:avLst/>
+          </a:prstGeom>
+          <a:noFill/>
+          <a:ln>
+            <a:noFill/>
+          </a:ln>
+          <a:effectLst/>
+          <a:extLst>
+            <a:ext uri="{909E8E84-426E-40DD-AFC4-6F175D3DCCD1}">
+              <a14:hiddenFill xmlns:a14="http://schemas.microsoft.com/office/drawing/2010/main">
+                <a:solidFill>
+                  <a:schemeClr val="accent1"/>
+                </a:solidFill>
+              </a14:hiddenFill>
+            </a:ext>
+            <a:ext uri="{91240B29-F687-4F45-9708-019B960494DF}">
+              <a14:hiddenLine xmlns:a14="http://schemas.microsoft.com/office/drawing/2010/main" w="9525">
+                <a:solidFill>
+                  <a:schemeClr val="tx1"/>
+                </a:solidFill>
+                <a:miter lim="800000"/>
+                <a:headEnd/>
+                <a:tailEnd/>
+              </a14:hiddenLine>
+            </a:ext>
+            <a:ext uri="{AF507438-7753-43E0-B8FC-AC1667EBCBE1}">
+              <a14:hiddenEffects xmlns:a14="http://schemas.microsoft.com/office/drawing/2010/main">
+                <a:effectLst>
+                  <a:outerShdw dist="35921" dir="2700000" algn="ctr" rotWithShape="0">
+                    <a:schemeClr val="bg2"/>
+                  </a:outerShdw>
+                </a:effectLst>
+              </a14:hiddenEffects>
+            </a:ext>
+          </a:extLst>
+        </p:spPr>
+        <p:txBody>
+          <a:bodyPr vert="horz" wrap="none" lIns="91440" tIns="45720" rIns="91440" bIns="45720" numCol="1" anchor="ctr" anchorCtr="0" compatLnSpc="1">
+            <a:prstTxWarp prst="textNoShape">
+              <a:avLst/>
+            </a:prstTxWarp>
+            <a:spAutoFit/>
+          </a:bodyPr>
+          <a:lstStyle/>
+          <a:p>
+            <a:endParaRPr lang="ko-KR" altLang="en-US"/>
+          </a:p>
+        </p:txBody>
+      </p:sp>
+      <p:pic>
+        <p:nvPicPr>
+          <p:cNvPr id="2049" name="_x313076448" descr="EMB00001e886b56"/>
+          <p:cNvPicPr>
+            <a:picLocks noChangeAspect="1" noChangeArrowheads="1"/>
+          </p:cNvPicPr>
+          <p:nvPr/>
+        </p:nvPicPr>
+        <p:blipFill>
+          <a:blip r:embed="rId5">
+            <a:extLst>
+              <a:ext uri="{28A0092B-C50C-407E-A947-70E740481C1C}">
+                <a14:useLocalDpi xmlns:a14="http://schemas.microsoft.com/office/drawing/2010/main" val="0"/>
+              </a:ext>
+            </a:extLst>
+          </a:blip>
+          <a:srcRect/>
+          <a:stretch>
+            <a:fillRect/>
+          </a:stretch>
+        </p:blipFill>
+        <p:spPr bwMode="auto">
+          <a:xfrm>
+            <a:off x="533999" y="3770703"/>
+            <a:ext cx="2405748" cy="2379663"/>
+          </a:xfrm>
+          <a:prstGeom prst="rect">
+            <a:avLst/>
+          </a:prstGeom>
+          <a:noFill/>
+          <a:extLst>
+            <a:ext uri="{909E8E84-426E-40DD-AFC4-6F175D3DCCD1}">
+              <a14:hiddenFill xmlns:a14="http://schemas.microsoft.com/office/drawing/2010/main">
+                <a:solidFill>
+                  <a:srgbClr val="FFFFFF"/>
+                </a:solidFill>
+              </a14:hiddenFill>
+            </a:ext>
+          </a:extLst>
+        </p:spPr>
+      </p:pic>
+      <p:sp>
+        <p:nvSpPr>
+          <p:cNvPr id="13" name="Rectangle 4"/>
+          <p:cNvSpPr>
+            <a:spLocks noChangeArrowheads="1"/>
+          </p:cNvSpPr>
+          <p:nvPr/>
+        </p:nvSpPr>
+        <p:spPr bwMode="auto">
+          <a:xfrm>
+            <a:off x="0" y="0"/>
+            <a:ext cx="9144000" cy="457200"/>
+          </a:xfrm>
+          <a:prstGeom prst="rect">
+            <a:avLst/>
+          </a:prstGeom>
+          <a:noFill/>
+          <a:ln>
+            <a:noFill/>
+          </a:ln>
+          <a:effectLst/>
+          <a:extLst>
+            <a:ext uri="{909E8E84-426E-40DD-AFC4-6F175D3DCCD1}">
+              <a14:hiddenFill xmlns:a14="http://schemas.microsoft.com/office/drawing/2010/main">
+                <a:solidFill>
+                  <a:schemeClr val="accent1"/>
+                </a:solidFill>
+              </a14:hiddenFill>
+            </a:ext>
+            <a:ext uri="{91240B29-F687-4F45-9708-019B960494DF}">
+              <a14:hiddenLine xmlns:a14="http://schemas.microsoft.com/office/drawing/2010/main" w="9525">
+                <a:solidFill>
+                  <a:schemeClr val="tx1"/>
+                </a:solidFill>
+                <a:miter lim="800000"/>
+                <a:headEnd/>
+                <a:tailEnd/>
+              </a14:hiddenLine>
+            </a:ext>
+            <a:ext uri="{AF507438-7753-43E0-B8FC-AC1667EBCBE1}">
+              <a14:hiddenEffects xmlns:a14="http://schemas.microsoft.com/office/drawing/2010/main">
+                <a:effectLst>
+                  <a:outerShdw dist="35921" dir="2700000" algn="ctr" rotWithShape="0">
+                    <a:schemeClr val="bg2"/>
+                  </a:outerShdw>
+                </a:effectLst>
+              </a14:hiddenEffects>
+            </a:ext>
+          </a:extLst>
+        </p:spPr>
+        <p:txBody>
+          <a:bodyPr vert="horz" wrap="none" lIns="91440" tIns="45720" rIns="91440" bIns="45720" numCol="1" anchor="ctr" anchorCtr="0" compatLnSpc="1">
+            <a:prstTxWarp prst="textNoShape">
+              <a:avLst/>
+            </a:prstTxWarp>
+            <a:spAutoFit/>
+          </a:bodyPr>
+          <a:lstStyle/>
+          <a:p>
+            <a:endParaRPr lang="ko-KR" altLang="en-US"/>
+          </a:p>
+        </p:txBody>
+      </p:sp>
+      <p:pic>
+        <p:nvPicPr>
+          <p:cNvPr id="2051" name="_x313076288" descr="EMB00001e886b59"/>
+          <p:cNvPicPr>
+            <a:picLocks noChangeAspect="1" noChangeArrowheads="1"/>
+          </p:cNvPicPr>
+          <p:nvPr/>
+        </p:nvPicPr>
+        <p:blipFill>
+          <a:blip r:embed="rId6">
+            <a:extLst>
+              <a:ext uri="{28A0092B-C50C-407E-A947-70E740481C1C}">
+                <a14:useLocalDpi xmlns:a14="http://schemas.microsoft.com/office/drawing/2010/main" val="0"/>
+              </a:ext>
+            </a:extLst>
+          </a:blip>
+          <a:srcRect/>
+          <a:stretch>
+            <a:fillRect/>
+          </a:stretch>
+        </p:blipFill>
+        <p:spPr bwMode="auto">
+          <a:xfrm>
+            <a:off x="2939746" y="3770703"/>
+            <a:ext cx="2495973" cy="2468563"/>
+          </a:xfrm>
+          <a:prstGeom prst="rect">
+            <a:avLst/>
+          </a:prstGeom>
+          <a:noFill/>
+          <a:extLst>
+            <a:ext uri="{909E8E84-426E-40DD-AFC4-6F175D3DCCD1}">
+              <a14:hiddenFill xmlns:a14="http://schemas.microsoft.com/office/drawing/2010/main">
+                <a:solidFill>
+                  <a:srgbClr val="FFFFFF"/>
+                </a:solidFill>
+              </a14:hiddenFill>
+            </a:ext>
+          </a:extLst>
+        </p:spPr>
+      </p:pic>
+      <p:sp>
+        <p:nvSpPr>
+          <p:cNvPr id="14" name="Rectangle 6"/>
+          <p:cNvSpPr>
+            <a:spLocks noChangeArrowheads="1"/>
+          </p:cNvSpPr>
+          <p:nvPr/>
+        </p:nvSpPr>
+        <p:spPr bwMode="auto">
+          <a:xfrm>
+            <a:off x="0" y="0"/>
+            <a:ext cx="9144000" cy="457200"/>
+          </a:xfrm>
+          <a:prstGeom prst="rect">
+            <a:avLst/>
+          </a:prstGeom>
+          <a:noFill/>
+          <a:ln>
+            <a:noFill/>
+          </a:ln>
+          <a:effectLst/>
+          <a:extLst>
+            <a:ext uri="{909E8E84-426E-40DD-AFC4-6F175D3DCCD1}">
+              <a14:hiddenFill xmlns:a14="http://schemas.microsoft.com/office/drawing/2010/main">
+                <a:solidFill>
+                  <a:schemeClr val="accent1"/>
+                </a:solidFill>
+              </a14:hiddenFill>
+            </a:ext>
+            <a:ext uri="{91240B29-F687-4F45-9708-019B960494DF}">
+              <a14:hiddenLine xmlns:a14="http://schemas.microsoft.com/office/drawing/2010/main" w="9525">
+                <a:solidFill>
+                  <a:schemeClr val="tx1"/>
+                </a:solidFill>
+                <a:miter lim="800000"/>
+                <a:headEnd/>
+                <a:tailEnd/>
+              </a14:hiddenLine>
+            </a:ext>
+            <a:ext uri="{AF507438-7753-43E0-B8FC-AC1667EBCBE1}">
+              <a14:hiddenEffects xmlns:a14="http://schemas.microsoft.com/office/drawing/2010/main">
+                <a:effectLst>
+                  <a:outerShdw dist="35921" dir="2700000" algn="ctr" rotWithShape="0">
+                    <a:schemeClr val="bg2"/>
+                  </a:outerShdw>
+                </a:effectLst>
+              </a14:hiddenEffects>
+            </a:ext>
+          </a:extLst>
+        </p:spPr>
+        <p:txBody>
+          <a:bodyPr vert="horz" wrap="none" lIns="91440" tIns="45720" rIns="91440" bIns="45720" numCol="1" anchor="ctr" anchorCtr="0" compatLnSpc="1">
+            <a:prstTxWarp prst="textNoShape">
+              <a:avLst/>
+            </a:prstTxWarp>
+            <a:spAutoFit/>
+          </a:bodyPr>
+          <a:lstStyle/>
+          <a:p>
+            <a:endParaRPr lang="ko-KR" altLang="en-US"/>
+          </a:p>
+        </p:txBody>
+      </p:sp>
+      <p:pic>
+        <p:nvPicPr>
+          <p:cNvPr id="2053" name="_x313075808" descr="EMB00001e886b5c"/>
+          <p:cNvPicPr>
+            <a:picLocks noChangeAspect="1" noChangeArrowheads="1"/>
+          </p:cNvPicPr>
+          <p:nvPr/>
+        </p:nvPicPr>
+        <p:blipFill>
+          <a:blip r:embed="rId7">
+            <a:extLst>
+              <a:ext uri="{28A0092B-C50C-407E-A947-70E740481C1C}">
+                <a14:useLocalDpi xmlns:a14="http://schemas.microsoft.com/office/drawing/2010/main" val="0"/>
+              </a:ext>
+            </a:extLst>
+          </a:blip>
+          <a:srcRect/>
+          <a:stretch>
+            <a:fillRect/>
+          </a:stretch>
+        </p:blipFill>
+        <p:spPr bwMode="auto">
+          <a:xfrm>
+            <a:off x="5388019" y="3770703"/>
+            <a:ext cx="2400194" cy="2493963"/>
+          </a:xfrm>
+          <a:prstGeom prst="rect">
+            <a:avLst/>
+          </a:prstGeom>
+          <a:noFill/>
+          <a:extLst>
+            <a:ext uri="{909E8E84-426E-40DD-AFC4-6F175D3DCCD1}">
+              <a14:hiddenFill xmlns:a14="http://schemas.microsoft.com/office/drawing/2010/main">
+                <a:solidFill>
+                  <a:srgbClr val="FFFFFF"/>
+                </a:solidFill>
+              </a14:hiddenFill>
+            </a:ext>
+          </a:extLst>
+        </p:spPr>
+      </p:pic>
     </p:spTree>
     <p:extLst>
       <p:ext uri="{BB962C8B-B14F-4D97-AF65-F5344CB8AC3E}">
-        <p14:creationId xmlns:p14="http://schemas.microsoft.com/office/powerpoint/2010/main" val="914472525"/>
+        <p14:creationId xmlns:p14="http://schemas.microsoft.com/office/powerpoint/2010/main" val="2914251895"/>
       </p:ext>
     </p:extLst>
   </p:cSld>
@@ -22077,632 +20749,268 @@
       </p:sp>
       <p:sp>
         <p:nvSpPr>
-          <p:cNvPr id="4" name="Rectangle 2"/>
-          <p:cNvSpPr>
-            <a:spLocks noChangeArrowheads="1"/>
-          </p:cNvSpPr>
+          <p:cNvPr id="3" name="직사각형 2"/>
+          <p:cNvSpPr/>
           <p:nvPr/>
         </p:nvSpPr>
-        <p:spPr bwMode="auto">
+        <p:spPr>
           <a:xfrm>
-            <a:off x="539552" y="4039322"/>
-            <a:ext cx="6136264" cy="214550"/>
+            <a:off x="647564" y="1412775"/>
+            <a:ext cx="7686600" cy="1421928"/>
           </a:xfrm>
           <a:prstGeom prst="rect">
             <a:avLst/>
           </a:prstGeom>
-          <a:noFill/>
           <a:ln>
             <a:noFill/>
           </a:ln>
-          <a:effectLst/>
-          <a:extLst>
-            <a:ext uri="{909E8E84-426E-40DD-AFC4-6F175D3DCCD1}">
-              <a14:hiddenFill xmlns:a14="http://schemas.microsoft.com/office/drawing/2010/main">
-                <a:solidFill>
-                  <a:schemeClr val="accent1"/>
-                </a:solidFill>
-              </a14:hiddenFill>
-            </a:ext>
-            <a:ext uri="{91240B29-F687-4F45-9708-019B960494DF}">
-              <a14:hiddenLine xmlns:a14="http://schemas.microsoft.com/office/drawing/2010/main" w="9525">
-                <a:solidFill>
-                  <a:schemeClr val="tx1"/>
-                </a:solidFill>
-                <a:miter lim="800000"/>
-                <a:headEnd/>
-                <a:tailEnd/>
-              </a14:hiddenLine>
-            </a:ext>
-            <a:ext uri="{AF507438-7753-43E0-B8FC-AC1667EBCBE1}">
-              <a14:hiddenEffects xmlns:a14="http://schemas.microsoft.com/office/drawing/2010/main">
-                <a:effectLst>
-                  <a:outerShdw dist="35921" dir="2700000" algn="ctr" rotWithShape="0">
-                    <a:schemeClr val="bg2"/>
-                  </a:outerShdw>
-                </a:effectLst>
-              </a14:hiddenEffects>
-            </a:ext>
-          </a:extLst>
+          <a:effectLst>
+            <a:glow rad="228600">
+              <a:srgbClr val="FFFF00">
+                <a:alpha val="40000"/>
+              </a:srgbClr>
+            </a:glow>
+            <a:outerShdw blurRad="44450" dist="27940" dir="5400000" algn="ctr">
+              <a:srgbClr val="000000">
+                <a:alpha val="32000"/>
+              </a:srgbClr>
+            </a:outerShdw>
+          </a:effectLst>
+          <a:scene3d>
+            <a:camera prst="orthographicFront">
+              <a:rot lat="0" lon="0" rev="0"/>
+            </a:camera>
+            <a:lightRig rig="balanced" dir="t">
+              <a:rot lat="0" lon="0" rev="8700000"/>
+            </a:lightRig>
+          </a:scene3d>
+          <a:sp3d>
+            <a:bevelT w="190500" h="38100"/>
+          </a:sp3d>
         </p:spPr>
+        <p:style>
+          <a:lnRef idx="3">
+            <a:schemeClr val="lt1"/>
+          </a:lnRef>
+          <a:fillRef idx="1">
+            <a:schemeClr val="dk1"/>
+          </a:fillRef>
+          <a:effectRef idx="1">
+            <a:schemeClr val="dk1"/>
+          </a:effectRef>
+          <a:fontRef idx="minor">
+            <a:schemeClr val="lt1"/>
+          </a:fontRef>
+        </p:style>
         <p:txBody>
-          <a:bodyPr vert="horz" wrap="square" lIns="91440" tIns="45720" rIns="91440" bIns="45720" numCol="1" anchor="ctr" anchorCtr="0" compatLnSpc="1">
-            <a:prstTxWarp prst="textNoShape">
-              <a:avLst/>
-            </a:prstTxWarp>
+          <a:bodyPr wrap="square">
             <a:spAutoFit/>
           </a:bodyPr>
           <a:lstStyle/>
           <a:p>
-            <a:endParaRPr lang="ko-KR" altLang="en-US"/>
+            <a:pPr fontAlgn="base">
+              <a:lnSpc>
+                <a:spcPct val="160000"/>
+              </a:lnSpc>
+            </a:pPr>
+            <a:r>
+              <a:rPr lang="ko-KR" altLang="en-US" kern="0" dirty="0" smtClean="0">
+                <a:solidFill>
+                  <a:schemeClr val="bg1"/>
+                </a:solidFill>
+                <a:latin typeface="HY헤드라인M" panose="02030600000101010101" pitchFamily="18" charset="-127"/>
+                <a:ea typeface="HY헤드라인M" panose="02030600000101010101" pitchFamily="18" charset="-127"/>
+              </a:rPr>
+              <a:t>● </a:t>
+            </a:r>
+            <a:r>
+              <a:rPr lang="en-US" altLang="ko-KR" kern="0" dirty="0" smtClean="0">
+                <a:solidFill>
+                  <a:schemeClr val="bg1"/>
+                </a:solidFill>
+                <a:latin typeface="HY헤드라인M" panose="02030600000101010101" pitchFamily="18" charset="-127"/>
+                <a:ea typeface="HY헤드라인M" panose="02030600000101010101" pitchFamily="18" charset="-127"/>
+              </a:rPr>
+              <a:t>UI</a:t>
+            </a:r>
+          </a:p>
+          <a:p>
+            <a:pPr fontAlgn="base">
+              <a:lnSpc>
+                <a:spcPct val="160000"/>
+              </a:lnSpc>
+            </a:pPr>
+            <a:r>
+              <a:rPr lang="ko-KR" altLang="en-US" kern="0" dirty="0" smtClean="0">
+                <a:solidFill>
+                  <a:schemeClr val="bg1"/>
+                </a:solidFill>
+                <a:latin typeface="HY헤드라인M" panose="02030600000101010101" pitchFamily="18" charset="-127"/>
+                <a:ea typeface="HY헤드라인M" panose="02030600000101010101" pitchFamily="18" charset="-127"/>
+              </a:rPr>
+              <a:t>시간</a:t>
+            </a:r>
+            <a:r>
+              <a:rPr lang="en-US" altLang="ko-KR" kern="0" dirty="0" smtClean="0">
+                <a:solidFill>
+                  <a:schemeClr val="bg1"/>
+                </a:solidFill>
+                <a:latin typeface="HY헤드라인M" panose="02030600000101010101" pitchFamily="18" charset="-127"/>
+                <a:ea typeface="HY헤드라인M" panose="02030600000101010101" pitchFamily="18" charset="-127"/>
+              </a:rPr>
+              <a:t>,</a:t>
+            </a:r>
+            <a:r>
+              <a:rPr lang="ko-KR" altLang="en-US" kern="0" dirty="0" smtClean="0">
+                <a:solidFill>
+                  <a:schemeClr val="bg1"/>
+                </a:solidFill>
+                <a:latin typeface="HY헤드라인M" panose="02030600000101010101" pitchFamily="18" charset="-127"/>
+                <a:ea typeface="HY헤드라인M" panose="02030600000101010101" pitchFamily="18" charset="-127"/>
+              </a:rPr>
+              <a:t> 정보</a:t>
+            </a:r>
+            <a:r>
+              <a:rPr lang="en-US" altLang="ko-KR" kern="0" dirty="0" smtClean="0">
+                <a:solidFill>
+                  <a:schemeClr val="bg1"/>
+                </a:solidFill>
+                <a:latin typeface="HY헤드라인M" panose="02030600000101010101" pitchFamily="18" charset="-127"/>
+                <a:ea typeface="HY헤드라인M" panose="02030600000101010101" pitchFamily="18" charset="-127"/>
+              </a:rPr>
+              <a:t>(</a:t>
+            </a:r>
+            <a:r>
+              <a:rPr lang="ko-KR" altLang="en-US" kern="0" dirty="0" smtClean="0">
+                <a:solidFill>
+                  <a:schemeClr val="bg1"/>
+                </a:solidFill>
+                <a:latin typeface="HY헤드라인M" panose="02030600000101010101" pitchFamily="18" charset="-127"/>
+                <a:ea typeface="HY헤드라인M" panose="02030600000101010101" pitchFamily="18" charset="-127"/>
+              </a:rPr>
+              <a:t>점수</a:t>
+            </a:r>
+            <a:r>
+              <a:rPr lang="en-US" altLang="ko-KR" kern="0" dirty="0" smtClean="0">
+                <a:solidFill>
+                  <a:schemeClr val="bg1"/>
+                </a:solidFill>
+                <a:latin typeface="HY헤드라인M" panose="02030600000101010101" pitchFamily="18" charset="-127"/>
+                <a:ea typeface="HY헤드라인M" panose="02030600000101010101" pitchFamily="18" charset="-127"/>
+              </a:rPr>
+              <a:t>, </a:t>
+            </a:r>
+            <a:r>
+              <a:rPr lang="ko-KR" altLang="en-US" kern="0" dirty="0" smtClean="0">
+                <a:solidFill>
+                  <a:schemeClr val="bg1"/>
+                </a:solidFill>
+                <a:latin typeface="HY헤드라인M" panose="02030600000101010101" pitchFamily="18" charset="-127"/>
+                <a:ea typeface="HY헤드라인M" panose="02030600000101010101" pitchFamily="18" charset="-127"/>
+              </a:rPr>
+              <a:t>플레이어 등</a:t>
+            </a:r>
+            <a:r>
+              <a:rPr lang="en-US" altLang="ko-KR" kern="0" dirty="0" smtClean="0">
+                <a:solidFill>
+                  <a:schemeClr val="bg1"/>
+                </a:solidFill>
+                <a:latin typeface="HY헤드라인M" panose="02030600000101010101" pitchFamily="18" charset="-127"/>
+                <a:ea typeface="HY헤드라인M" panose="02030600000101010101" pitchFamily="18" charset="-127"/>
+              </a:rPr>
+              <a:t>)</a:t>
+            </a:r>
+          </a:p>
+          <a:p>
+            <a:pPr fontAlgn="base">
+              <a:lnSpc>
+                <a:spcPct val="160000"/>
+              </a:lnSpc>
+            </a:pPr>
+            <a:r>
+              <a:rPr lang="en-US" altLang="ko-KR" kern="0" dirty="0" smtClean="0">
+                <a:solidFill>
+                  <a:schemeClr val="bg1"/>
+                </a:solidFill>
+                <a:latin typeface="HY헤드라인M" panose="02030600000101010101" pitchFamily="18" charset="-127"/>
+                <a:ea typeface="HY헤드라인M" panose="02030600000101010101" pitchFamily="18" charset="-127"/>
+              </a:rPr>
+              <a:t>(</a:t>
+            </a:r>
+            <a:r>
+              <a:rPr lang="ko-KR" altLang="en-US" kern="0" dirty="0" smtClean="0">
+                <a:solidFill>
+                  <a:schemeClr val="bg1"/>
+                </a:solidFill>
+                <a:latin typeface="HY헤드라인M" panose="02030600000101010101" pitchFamily="18" charset="-127"/>
+                <a:ea typeface="HY헤드라인M" panose="02030600000101010101" pitchFamily="18" charset="-127"/>
+              </a:rPr>
+              <a:t>정보 </a:t>
+            </a:r>
+            <a:r>
+              <a:rPr lang="en-US" altLang="ko-KR" kern="0" dirty="0" smtClean="0">
+                <a:solidFill>
+                  <a:schemeClr val="bg1"/>
+                </a:solidFill>
+                <a:latin typeface="HY헤드라인M" panose="02030600000101010101" pitchFamily="18" charset="-127"/>
+                <a:ea typeface="HY헤드라인M" panose="02030600000101010101" pitchFamily="18" charset="-127"/>
+              </a:rPr>
+              <a:t>UI</a:t>
+            </a:r>
+            <a:r>
+              <a:rPr lang="ko-KR" altLang="en-US" kern="0" dirty="0" smtClean="0">
+                <a:solidFill>
+                  <a:schemeClr val="bg1"/>
+                </a:solidFill>
+                <a:latin typeface="HY헤드라인M" panose="02030600000101010101" pitchFamily="18" charset="-127"/>
+                <a:ea typeface="HY헤드라인M" panose="02030600000101010101" pitchFamily="18" charset="-127"/>
+              </a:rPr>
+              <a:t>는 </a:t>
+            </a:r>
+            <a:r>
+              <a:rPr lang="en-US" altLang="ko-KR" kern="0" dirty="0" smtClean="0">
+                <a:solidFill>
+                  <a:schemeClr val="bg1"/>
+                </a:solidFill>
+                <a:latin typeface="HY헤드라인M" panose="02030600000101010101" pitchFamily="18" charset="-127"/>
+                <a:ea typeface="HY헤드라인M" panose="02030600000101010101" pitchFamily="18" charset="-127"/>
+              </a:rPr>
+              <a:t>Tab</a:t>
+            </a:r>
+            <a:r>
+              <a:rPr lang="ko-KR" altLang="en-US" kern="0" dirty="0" smtClean="0">
+                <a:solidFill>
+                  <a:schemeClr val="bg1"/>
+                </a:solidFill>
+                <a:latin typeface="HY헤드라인M" panose="02030600000101010101" pitchFamily="18" charset="-127"/>
+                <a:ea typeface="HY헤드라인M" panose="02030600000101010101" pitchFamily="18" charset="-127"/>
+              </a:rPr>
+              <a:t>키를 누를 시 나타나게 됩니다</a:t>
+            </a:r>
+            <a:r>
+              <a:rPr lang="en-US" altLang="ko-KR" kern="0" dirty="0" smtClean="0">
+                <a:solidFill>
+                  <a:schemeClr val="bg1"/>
+                </a:solidFill>
+                <a:latin typeface="HY헤드라인M" panose="02030600000101010101" pitchFamily="18" charset="-127"/>
+                <a:ea typeface="HY헤드라인M" panose="02030600000101010101" pitchFamily="18" charset="-127"/>
+              </a:rPr>
+              <a:t>.</a:t>
+            </a:r>
+            <a:endParaRPr lang="en-US" altLang="ko-KR" kern="0" dirty="0">
+              <a:solidFill>
+                <a:schemeClr val="bg1"/>
+              </a:solidFill>
+              <a:latin typeface="HY헤드라인M" panose="02030600000101010101" pitchFamily="18" charset="-127"/>
+              <a:ea typeface="HY헤드라인M" panose="02030600000101010101" pitchFamily="18" charset="-127"/>
+            </a:endParaRPr>
           </a:p>
         </p:txBody>
       </p:sp>
-      <p:pic>
-        <p:nvPicPr>
-          <p:cNvPr id="1025" name="_x313074848" descr="EMB00001e886b4d"/>
-          <p:cNvPicPr>
-            <a:picLocks noChangeAspect="1" noChangeArrowheads="1"/>
-          </p:cNvPicPr>
-          <p:nvPr/>
-        </p:nvPicPr>
-        <p:blipFill>
-          <a:blip r:embed="rId2">
-            <a:extLst>
-              <a:ext uri="{28A0092B-C50C-407E-A947-70E740481C1C}">
-                <a14:useLocalDpi xmlns:a14="http://schemas.microsoft.com/office/drawing/2010/main" val="0"/>
-              </a:ext>
-            </a:extLst>
-          </a:blip>
-          <a:srcRect/>
-          <a:stretch>
-            <a:fillRect/>
-          </a:stretch>
-        </p:blipFill>
-        <p:spPr bwMode="auto">
-          <a:xfrm>
-            <a:off x="539552" y="1412775"/>
-            <a:ext cx="2400194" cy="2192716"/>
-          </a:xfrm>
-          <a:prstGeom prst="rect">
-            <a:avLst/>
-          </a:prstGeom>
-          <a:noFill/>
-          <a:extLst>
-            <a:ext uri="{909E8E84-426E-40DD-AFC4-6F175D3DCCD1}">
-              <a14:hiddenFill xmlns:a14="http://schemas.microsoft.com/office/drawing/2010/main">
-                <a:solidFill>
-                  <a:srgbClr val="FFFFFF"/>
-                </a:solidFill>
-              </a14:hiddenFill>
-            </a:ext>
-          </a:extLst>
-        </p:spPr>
-      </p:pic>
-      <p:sp>
-        <p:nvSpPr>
-          <p:cNvPr id="5" name="Rectangle 4"/>
-          <p:cNvSpPr>
-            <a:spLocks noChangeArrowheads="1"/>
-          </p:cNvSpPr>
-          <p:nvPr/>
-        </p:nvSpPr>
-        <p:spPr bwMode="auto">
-          <a:xfrm>
-            <a:off x="0" y="0"/>
-            <a:ext cx="9144000" cy="457200"/>
-          </a:xfrm>
-          <a:prstGeom prst="rect">
-            <a:avLst/>
-          </a:prstGeom>
-          <a:noFill/>
-          <a:ln>
-            <a:noFill/>
-          </a:ln>
-          <a:effectLst/>
-          <a:extLst>
-            <a:ext uri="{909E8E84-426E-40DD-AFC4-6F175D3DCCD1}">
-              <a14:hiddenFill xmlns:a14="http://schemas.microsoft.com/office/drawing/2010/main">
-                <a:solidFill>
-                  <a:schemeClr val="accent1"/>
-                </a:solidFill>
-              </a14:hiddenFill>
-            </a:ext>
-            <a:ext uri="{91240B29-F687-4F45-9708-019B960494DF}">
-              <a14:hiddenLine xmlns:a14="http://schemas.microsoft.com/office/drawing/2010/main" w="9525">
-                <a:solidFill>
-                  <a:schemeClr val="tx1"/>
-                </a:solidFill>
-                <a:miter lim="800000"/>
-                <a:headEnd/>
-                <a:tailEnd/>
-              </a14:hiddenLine>
-            </a:ext>
-            <a:ext uri="{AF507438-7753-43E0-B8FC-AC1667EBCBE1}">
-              <a14:hiddenEffects xmlns:a14="http://schemas.microsoft.com/office/drawing/2010/main">
-                <a:effectLst>
-                  <a:outerShdw dist="35921" dir="2700000" algn="ctr" rotWithShape="0">
-                    <a:schemeClr val="bg2"/>
-                  </a:outerShdw>
-                </a:effectLst>
-              </a14:hiddenEffects>
-            </a:ext>
-          </a:extLst>
-        </p:spPr>
-        <p:txBody>
-          <a:bodyPr vert="horz" wrap="none" lIns="91440" tIns="45720" rIns="91440" bIns="45720" numCol="1" anchor="ctr" anchorCtr="0" compatLnSpc="1">
-            <a:prstTxWarp prst="textNoShape">
-              <a:avLst/>
-            </a:prstTxWarp>
-            <a:spAutoFit/>
-          </a:bodyPr>
-          <a:lstStyle/>
-          <a:p>
-            <a:endParaRPr lang="ko-KR" altLang="en-US"/>
-          </a:p>
-        </p:txBody>
-      </p:sp>
-      <p:pic>
-        <p:nvPicPr>
-          <p:cNvPr id="1027" name="_x313076048" descr="EMB00001e886b50"/>
-          <p:cNvPicPr>
-            <a:picLocks noChangeAspect="1" noChangeArrowheads="1"/>
-          </p:cNvPicPr>
-          <p:nvPr/>
-        </p:nvPicPr>
-        <p:blipFill>
-          <a:blip r:embed="rId3">
-            <a:extLst>
-              <a:ext uri="{28A0092B-C50C-407E-A947-70E740481C1C}">
-                <a14:useLocalDpi xmlns:a14="http://schemas.microsoft.com/office/drawing/2010/main" val="0"/>
-              </a:ext>
-            </a:extLst>
-          </a:blip>
-          <a:srcRect/>
-          <a:stretch>
-            <a:fillRect/>
-          </a:stretch>
-        </p:blipFill>
-        <p:spPr bwMode="auto">
-          <a:xfrm>
-            <a:off x="2939746" y="1442737"/>
-            <a:ext cx="2448272" cy="2202287"/>
-          </a:xfrm>
-          <a:prstGeom prst="rect">
-            <a:avLst/>
-          </a:prstGeom>
-          <a:noFill/>
-          <a:extLst>
-            <a:ext uri="{909E8E84-426E-40DD-AFC4-6F175D3DCCD1}">
-              <a14:hiddenFill xmlns:a14="http://schemas.microsoft.com/office/drawing/2010/main">
-                <a:solidFill>
-                  <a:srgbClr val="FFFFFF"/>
-                </a:solidFill>
-              </a14:hiddenFill>
-            </a:ext>
-          </a:extLst>
-        </p:spPr>
-      </p:pic>
-      <p:sp>
-        <p:nvSpPr>
-          <p:cNvPr id="6" name="Rectangle 6"/>
-          <p:cNvSpPr>
-            <a:spLocks noChangeArrowheads="1"/>
-          </p:cNvSpPr>
-          <p:nvPr/>
-        </p:nvSpPr>
-        <p:spPr bwMode="auto">
-          <a:xfrm>
-            <a:off x="0" y="0"/>
-            <a:ext cx="9144000" cy="457200"/>
-          </a:xfrm>
-          <a:prstGeom prst="rect">
-            <a:avLst/>
-          </a:prstGeom>
-          <a:noFill/>
-          <a:ln>
-            <a:noFill/>
-          </a:ln>
-          <a:effectLst/>
-          <a:extLst>
-            <a:ext uri="{909E8E84-426E-40DD-AFC4-6F175D3DCCD1}">
-              <a14:hiddenFill xmlns:a14="http://schemas.microsoft.com/office/drawing/2010/main">
-                <a:solidFill>
-                  <a:schemeClr val="accent1"/>
-                </a:solidFill>
-              </a14:hiddenFill>
-            </a:ext>
-            <a:ext uri="{91240B29-F687-4F45-9708-019B960494DF}">
-              <a14:hiddenLine xmlns:a14="http://schemas.microsoft.com/office/drawing/2010/main" w="9525">
-                <a:solidFill>
-                  <a:schemeClr val="tx1"/>
-                </a:solidFill>
-                <a:miter lim="800000"/>
-                <a:headEnd/>
-                <a:tailEnd/>
-              </a14:hiddenLine>
-            </a:ext>
-            <a:ext uri="{AF507438-7753-43E0-B8FC-AC1667EBCBE1}">
-              <a14:hiddenEffects xmlns:a14="http://schemas.microsoft.com/office/drawing/2010/main">
-                <a:effectLst>
-                  <a:outerShdw dist="35921" dir="2700000" algn="ctr" rotWithShape="0">
-                    <a:schemeClr val="bg2"/>
-                  </a:outerShdw>
-                </a:effectLst>
-              </a14:hiddenEffects>
-            </a:ext>
-          </a:extLst>
-        </p:spPr>
-        <p:txBody>
-          <a:bodyPr vert="horz" wrap="none" lIns="91440" tIns="45720" rIns="91440" bIns="45720" numCol="1" anchor="ctr" anchorCtr="0" compatLnSpc="1">
-            <a:prstTxWarp prst="textNoShape">
-              <a:avLst/>
-            </a:prstTxWarp>
-            <a:spAutoFit/>
-          </a:bodyPr>
-          <a:lstStyle/>
-          <a:p>
-            <a:endParaRPr lang="ko-KR" altLang="en-US"/>
-          </a:p>
-        </p:txBody>
-      </p:sp>
-      <p:pic>
-        <p:nvPicPr>
-          <p:cNvPr id="1029" name="_x313076288" descr="EMB00001e886b53"/>
-          <p:cNvPicPr>
-            <a:picLocks noChangeAspect="1" noChangeArrowheads="1"/>
-          </p:cNvPicPr>
-          <p:nvPr/>
-        </p:nvPicPr>
-        <p:blipFill>
-          <a:blip r:embed="rId4">
-            <a:extLst>
-              <a:ext uri="{28A0092B-C50C-407E-A947-70E740481C1C}">
-                <a14:useLocalDpi xmlns:a14="http://schemas.microsoft.com/office/drawing/2010/main" val="0"/>
-              </a:ext>
-            </a:extLst>
-          </a:blip>
-          <a:srcRect/>
-          <a:stretch>
-            <a:fillRect/>
-          </a:stretch>
-        </p:blipFill>
-        <p:spPr bwMode="auto">
-          <a:xfrm>
-            <a:off x="5435719" y="1442737"/>
-            <a:ext cx="2352493" cy="2202287"/>
-          </a:xfrm>
-          <a:prstGeom prst="rect">
-            <a:avLst/>
-          </a:prstGeom>
-          <a:noFill/>
-          <a:extLst>
-            <a:ext uri="{909E8E84-426E-40DD-AFC4-6F175D3DCCD1}">
-              <a14:hiddenFill xmlns:a14="http://schemas.microsoft.com/office/drawing/2010/main">
-                <a:solidFill>
-                  <a:srgbClr val="FFFFFF"/>
-                </a:solidFill>
-              </a14:hiddenFill>
-            </a:ext>
-          </a:extLst>
-        </p:spPr>
-      </p:pic>
-      <p:sp>
-        <p:nvSpPr>
-          <p:cNvPr id="2" name="Rectangle 2"/>
-          <p:cNvSpPr>
-            <a:spLocks noChangeArrowheads="1"/>
-          </p:cNvSpPr>
-          <p:nvPr/>
-        </p:nvSpPr>
-        <p:spPr bwMode="auto">
-          <a:xfrm>
-            <a:off x="0" y="0"/>
-            <a:ext cx="9144000" cy="457200"/>
-          </a:xfrm>
-          <a:prstGeom prst="rect">
-            <a:avLst/>
-          </a:prstGeom>
-          <a:noFill/>
-          <a:ln>
-            <a:noFill/>
-          </a:ln>
-          <a:effectLst/>
-          <a:extLst>
-            <a:ext uri="{909E8E84-426E-40DD-AFC4-6F175D3DCCD1}">
-              <a14:hiddenFill xmlns:a14="http://schemas.microsoft.com/office/drawing/2010/main">
-                <a:solidFill>
-                  <a:schemeClr val="accent1"/>
-                </a:solidFill>
-              </a14:hiddenFill>
-            </a:ext>
-            <a:ext uri="{91240B29-F687-4F45-9708-019B960494DF}">
-              <a14:hiddenLine xmlns:a14="http://schemas.microsoft.com/office/drawing/2010/main" w="9525">
-                <a:solidFill>
-                  <a:schemeClr val="tx1"/>
-                </a:solidFill>
-                <a:miter lim="800000"/>
-                <a:headEnd/>
-                <a:tailEnd/>
-              </a14:hiddenLine>
-            </a:ext>
-            <a:ext uri="{AF507438-7753-43E0-B8FC-AC1667EBCBE1}">
-              <a14:hiddenEffects xmlns:a14="http://schemas.microsoft.com/office/drawing/2010/main">
-                <a:effectLst>
-                  <a:outerShdw dist="35921" dir="2700000" algn="ctr" rotWithShape="0">
-                    <a:schemeClr val="bg2"/>
-                  </a:outerShdw>
-                </a:effectLst>
-              </a14:hiddenEffects>
-            </a:ext>
-          </a:extLst>
-        </p:spPr>
-        <p:txBody>
-          <a:bodyPr vert="horz" wrap="none" lIns="91440" tIns="45720" rIns="91440" bIns="45720" numCol="1" anchor="ctr" anchorCtr="0" compatLnSpc="1">
-            <a:prstTxWarp prst="textNoShape">
-              <a:avLst/>
-            </a:prstTxWarp>
-            <a:spAutoFit/>
-          </a:bodyPr>
-          <a:lstStyle/>
-          <a:p>
-            <a:endParaRPr lang="ko-KR" altLang="en-US"/>
-          </a:p>
-        </p:txBody>
-      </p:sp>
-      <p:pic>
-        <p:nvPicPr>
-          <p:cNvPr id="2049" name="_x313076448" descr="EMB00001e886b56"/>
-          <p:cNvPicPr>
-            <a:picLocks noChangeAspect="1" noChangeArrowheads="1"/>
-          </p:cNvPicPr>
-          <p:nvPr/>
-        </p:nvPicPr>
-        <p:blipFill>
-          <a:blip r:embed="rId5">
-            <a:extLst>
-              <a:ext uri="{28A0092B-C50C-407E-A947-70E740481C1C}">
-                <a14:useLocalDpi xmlns:a14="http://schemas.microsoft.com/office/drawing/2010/main" val="0"/>
-              </a:ext>
-            </a:extLst>
-          </a:blip>
-          <a:srcRect/>
-          <a:stretch>
-            <a:fillRect/>
-          </a:stretch>
-        </p:blipFill>
-        <p:spPr bwMode="auto">
-          <a:xfrm>
-            <a:off x="533999" y="3770703"/>
-            <a:ext cx="2405748" cy="2379663"/>
-          </a:xfrm>
-          <a:prstGeom prst="rect">
-            <a:avLst/>
-          </a:prstGeom>
-          <a:noFill/>
-          <a:extLst>
-            <a:ext uri="{909E8E84-426E-40DD-AFC4-6F175D3DCCD1}">
-              <a14:hiddenFill xmlns:a14="http://schemas.microsoft.com/office/drawing/2010/main">
-                <a:solidFill>
-                  <a:srgbClr val="FFFFFF"/>
-                </a:solidFill>
-              </a14:hiddenFill>
-            </a:ext>
-          </a:extLst>
-        </p:spPr>
-      </p:pic>
-      <p:sp>
-        <p:nvSpPr>
-          <p:cNvPr id="13" name="Rectangle 4"/>
-          <p:cNvSpPr>
-            <a:spLocks noChangeArrowheads="1"/>
-          </p:cNvSpPr>
-          <p:nvPr/>
-        </p:nvSpPr>
-        <p:spPr bwMode="auto">
-          <a:xfrm>
-            <a:off x="0" y="0"/>
-            <a:ext cx="9144000" cy="457200"/>
-          </a:xfrm>
-          <a:prstGeom prst="rect">
-            <a:avLst/>
-          </a:prstGeom>
-          <a:noFill/>
-          <a:ln>
-            <a:noFill/>
-          </a:ln>
-          <a:effectLst/>
-          <a:extLst>
-            <a:ext uri="{909E8E84-426E-40DD-AFC4-6F175D3DCCD1}">
-              <a14:hiddenFill xmlns:a14="http://schemas.microsoft.com/office/drawing/2010/main">
-                <a:solidFill>
-                  <a:schemeClr val="accent1"/>
-                </a:solidFill>
-              </a14:hiddenFill>
-            </a:ext>
-            <a:ext uri="{91240B29-F687-4F45-9708-019B960494DF}">
-              <a14:hiddenLine xmlns:a14="http://schemas.microsoft.com/office/drawing/2010/main" w="9525">
-                <a:solidFill>
-                  <a:schemeClr val="tx1"/>
-                </a:solidFill>
-                <a:miter lim="800000"/>
-                <a:headEnd/>
-                <a:tailEnd/>
-              </a14:hiddenLine>
-            </a:ext>
-            <a:ext uri="{AF507438-7753-43E0-B8FC-AC1667EBCBE1}">
-              <a14:hiddenEffects xmlns:a14="http://schemas.microsoft.com/office/drawing/2010/main">
-                <a:effectLst>
-                  <a:outerShdw dist="35921" dir="2700000" algn="ctr" rotWithShape="0">
-                    <a:schemeClr val="bg2"/>
-                  </a:outerShdw>
-                </a:effectLst>
-              </a14:hiddenEffects>
-            </a:ext>
-          </a:extLst>
-        </p:spPr>
-        <p:txBody>
-          <a:bodyPr vert="horz" wrap="none" lIns="91440" tIns="45720" rIns="91440" bIns="45720" numCol="1" anchor="ctr" anchorCtr="0" compatLnSpc="1">
-            <a:prstTxWarp prst="textNoShape">
-              <a:avLst/>
-            </a:prstTxWarp>
-            <a:spAutoFit/>
-          </a:bodyPr>
-          <a:lstStyle/>
-          <a:p>
-            <a:endParaRPr lang="ko-KR" altLang="en-US"/>
-          </a:p>
-        </p:txBody>
-      </p:sp>
-      <p:pic>
-        <p:nvPicPr>
-          <p:cNvPr id="2051" name="_x313076288" descr="EMB00001e886b59"/>
-          <p:cNvPicPr>
-            <a:picLocks noChangeAspect="1" noChangeArrowheads="1"/>
-          </p:cNvPicPr>
-          <p:nvPr/>
-        </p:nvPicPr>
-        <p:blipFill>
-          <a:blip r:embed="rId6">
-            <a:extLst>
-              <a:ext uri="{28A0092B-C50C-407E-A947-70E740481C1C}">
-                <a14:useLocalDpi xmlns:a14="http://schemas.microsoft.com/office/drawing/2010/main" val="0"/>
-              </a:ext>
-            </a:extLst>
-          </a:blip>
-          <a:srcRect/>
-          <a:stretch>
-            <a:fillRect/>
-          </a:stretch>
-        </p:blipFill>
-        <p:spPr bwMode="auto">
-          <a:xfrm>
-            <a:off x="2939746" y="3770703"/>
-            <a:ext cx="2495973" cy="2468563"/>
-          </a:xfrm>
-          <a:prstGeom prst="rect">
-            <a:avLst/>
-          </a:prstGeom>
-          <a:noFill/>
-          <a:extLst>
-            <a:ext uri="{909E8E84-426E-40DD-AFC4-6F175D3DCCD1}">
-              <a14:hiddenFill xmlns:a14="http://schemas.microsoft.com/office/drawing/2010/main">
-                <a:solidFill>
-                  <a:srgbClr val="FFFFFF"/>
-                </a:solidFill>
-              </a14:hiddenFill>
-            </a:ext>
-          </a:extLst>
-        </p:spPr>
-      </p:pic>
-      <p:sp>
-        <p:nvSpPr>
-          <p:cNvPr id="14" name="Rectangle 6"/>
-          <p:cNvSpPr>
-            <a:spLocks noChangeArrowheads="1"/>
-          </p:cNvSpPr>
-          <p:nvPr/>
-        </p:nvSpPr>
-        <p:spPr bwMode="auto">
-          <a:xfrm>
-            <a:off x="0" y="0"/>
-            <a:ext cx="9144000" cy="457200"/>
-          </a:xfrm>
-          <a:prstGeom prst="rect">
-            <a:avLst/>
-          </a:prstGeom>
-          <a:noFill/>
-          <a:ln>
-            <a:noFill/>
-          </a:ln>
-          <a:effectLst/>
-          <a:extLst>
-            <a:ext uri="{909E8E84-426E-40DD-AFC4-6F175D3DCCD1}">
-              <a14:hiddenFill xmlns:a14="http://schemas.microsoft.com/office/drawing/2010/main">
-                <a:solidFill>
-                  <a:schemeClr val="accent1"/>
-                </a:solidFill>
-              </a14:hiddenFill>
-            </a:ext>
-            <a:ext uri="{91240B29-F687-4F45-9708-019B960494DF}">
-              <a14:hiddenLine xmlns:a14="http://schemas.microsoft.com/office/drawing/2010/main" w="9525">
-                <a:solidFill>
-                  <a:schemeClr val="tx1"/>
-                </a:solidFill>
-                <a:miter lim="800000"/>
-                <a:headEnd/>
-                <a:tailEnd/>
-              </a14:hiddenLine>
-            </a:ext>
-            <a:ext uri="{AF507438-7753-43E0-B8FC-AC1667EBCBE1}">
-              <a14:hiddenEffects xmlns:a14="http://schemas.microsoft.com/office/drawing/2010/main">
-                <a:effectLst>
-                  <a:outerShdw dist="35921" dir="2700000" algn="ctr" rotWithShape="0">
-                    <a:schemeClr val="bg2"/>
-                  </a:outerShdw>
-                </a:effectLst>
-              </a14:hiddenEffects>
-            </a:ext>
-          </a:extLst>
-        </p:spPr>
-        <p:txBody>
-          <a:bodyPr vert="horz" wrap="none" lIns="91440" tIns="45720" rIns="91440" bIns="45720" numCol="1" anchor="ctr" anchorCtr="0" compatLnSpc="1">
-            <a:prstTxWarp prst="textNoShape">
-              <a:avLst/>
-            </a:prstTxWarp>
-            <a:spAutoFit/>
-          </a:bodyPr>
-          <a:lstStyle/>
-          <a:p>
-            <a:endParaRPr lang="ko-KR" altLang="en-US"/>
-          </a:p>
-        </p:txBody>
-      </p:sp>
-      <p:pic>
-        <p:nvPicPr>
-          <p:cNvPr id="2053" name="_x313075808" descr="EMB00001e886b5c"/>
-          <p:cNvPicPr>
-            <a:picLocks noChangeAspect="1" noChangeArrowheads="1"/>
-          </p:cNvPicPr>
-          <p:nvPr/>
-        </p:nvPicPr>
-        <p:blipFill>
-          <a:blip r:embed="rId7">
-            <a:extLst>
-              <a:ext uri="{28A0092B-C50C-407E-A947-70E740481C1C}">
-                <a14:useLocalDpi xmlns:a14="http://schemas.microsoft.com/office/drawing/2010/main" val="0"/>
-              </a:ext>
-            </a:extLst>
-          </a:blip>
-          <a:srcRect/>
-          <a:stretch>
-            <a:fillRect/>
-          </a:stretch>
-        </p:blipFill>
-        <p:spPr bwMode="auto">
-          <a:xfrm>
-            <a:off x="5388019" y="3770703"/>
-            <a:ext cx="2400194" cy="2493963"/>
-          </a:xfrm>
-          <a:prstGeom prst="rect">
-            <a:avLst/>
-          </a:prstGeom>
-          <a:noFill/>
-          <a:extLst>
-            <a:ext uri="{909E8E84-426E-40DD-AFC4-6F175D3DCCD1}">
-              <a14:hiddenFill xmlns:a14="http://schemas.microsoft.com/office/drawing/2010/main">
-                <a:solidFill>
-                  <a:srgbClr val="FFFFFF"/>
-                </a:solidFill>
-              </a14:hiddenFill>
-            </a:ext>
-          </a:extLst>
-        </p:spPr>
-      </p:pic>
     </p:spTree>
     <p:extLst>
       <p:ext uri="{BB962C8B-B14F-4D97-AF65-F5344CB8AC3E}">
-        <p14:creationId xmlns:p14="http://schemas.microsoft.com/office/powerpoint/2010/main" val="2914251895"/>
+        <p14:creationId xmlns:p14="http://schemas.microsoft.com/office/powerpoint/2010/main" val="176348577"/>
       </p:ext>
     </p:extLst>
   </p:cSld>
@@ -22877,7 +21185,7 @@
         <p:spPr>
           <a:xfrm>
             <a:off x="1022303" y="569875"/>
-            <a:ext cx="2557110" cy="461665"/>
+            <a:ext cx="1415772" cy="461665"/>
           </a:xfrm>
           <a:prstGeom prst="rect">
             <a:avLst/>
@@ -22904,7 +21212,7 @@
                   </a:glow>
                 </a:effectLst>
               </a:rPr>
-              <a:t>게임소개 및 특징</a:t>
+              <a:t>게임방법</a:t>
             </a:r>
             <a:endParaRPr lang="ko-KR" altLang="en-US" dirty="0">
               <a:solidFill>
@@ -23020,7 +21328,7 @@
                 <a:latin typeface="-윤고딕340" pitchFamily="18" charset="-127"/>
                 <a:ea typeface="-윤고딕340" pitchFamily="18" charset="-127"/>
               </a:rPr>
-              <a:t>2</a:t>
+              <a:t>3</a:t>
             </a:r>
             <a:endParaRPr lang="ko-KR" altLang="en-US" sz="3200" dirty="0">
               <a:solidFill>
@@ -23032,16 +21340,800 @@
           </a:p>
         </p:txBody>
       </p:sp>
+      <p:pic>
+        <p:nvPicPr>
+          <p:cNvPr id="2" name="그림 1" descr="캐나다에서 사용되는 QWERTY 키보드"/>
+          <p:cNvPicPr>
+            <a:picLocks noChangeAspect="1"/>
+          </p:cNvPicPr>
+          <p:nvPr/>
+        </p:nvPicPr>
+        <p:blipFill>
+          <a:blip r:embed="rId2">
+            <a:extLst>
+              <a:ext uri="{28A0092B-C50C-407E-A947-70E740481C1C}">
+                <a14:useLocalDpi xmlns:a14="http://schemas.microsoft.com/office/drawing/2010/main" val="0"/>
+              </a:ext>
+            </a:extLst>
+          </a:blip>
+          <a:stretch>
+            <a:fillRect/>
+          </a:stretch>
+        </p:blipFill>
+        <p:spPr>
+          <a:xfrm>
+            <a:off x="2051720" y="1196751"/>
+            <a:ext cx="4320480" cy="1381834"/>
+          </a:xfrm>
+          <a:prstGeom prst="rect">
+            <a:avLst/>
+          </a:prstGeom>
+        </p:spPr>
+      </p:pic>
+      <p:pic>
+        <p:nvPicPr>
+          <p:cNvPr id="3" name="그림 2" descr="MSI, DS300 게이밍 마우스 공개 :: 보드나라"/>
+          <p:cNvPicPr>
+            <a:picLocks noChangeAspect="1"/>
+          </p:cNvPicPr>
+          <p:nvPr/>
+        </p:nvPicPr>
+        <p:blipFill>
+          <a:blip r:embed="rId3" cstate="print">
+            <a:extLst>
+              <a:ext uri="{28A0092B-C50C-407E-A947-70E740481C1C}">
+                <a14:useLocalDpi xmlns:a14="http://schemas.microsoft.com/office/drawing/2010/main" val="0"/>
+              </a:ext>
+            </a:extLst>
+          </a:blip>
+          <a:stretch>
+            <a:fillRect/>
+          </a:stretch>
+        </p:blipFill>
+        <p:spPr>
+          <a:xfrm>
+            <a:off x="6601799" y="1075878"/>
+            <a:ext cx="1770682" cy="1410643"/>
+          </a:xfrm>
+          <a:prstGeom prst="rect">
+            <a:avLst/>
+          </a:prstGeom>
+        </p:spPr>
+      </p:pic>
       <p:sp>
         <p:nvSpPr>
-          <p:cNvPr id="3" name="직사각형 2"/>
+          <p:cNvPr id="4" name="직사각형 3"/>
           <p:cNvSpPr/>
           <p:nvPr/>
         </p:nvSpPr>
         <p:spPr>
           <a:xfrm>
-            <a:off x="701824" y="2394519"/>
-            <a:ext cx="7686600" cy="1421928"/>
+            <a:off x="2773543" y="1493168"/>
+            <a:ext cx="288032" cy="288032"/>
+          </a:xfrm>
+          <a:prstGeom prst="rect">
+            <a:avLst/>
+          </a:prstGeom>
+          <a:noFill/>
+          <a:ln>
+            <a:solidFill>
+              <a:srgbClr val="FF0000"/>
+            </a:solidFill>
+          </a:ln>
+        </p:spPr>
+        <p:style>
+          <a:lnRef idx="2">
+            <a:schemeClr val="accent1">
+              <a:shade val="50000"/>
+            </a:schemeClr>
+          </a:lnRef>
+          <a:fillRef idx="1">
+            <a:schemeClr val="accent1"/>
+          </a:fillRef>
+          <a:effectRef idx="0">
+            <a:schemeClr val="accent1"/>
+          </a:effectRef>
+          <a:fontRef idx="minor">
+            <a:schemeClr val="lt1"/>
+          </a:fontRef>
+        </p:style>
+        <p:txBody>
+          <a:bodyPr rtlCol="0" anchor="ctr"/>
+          <a:lstStyle/>
+          <a:p>
+            <a:pPr algn="ctr"/>
+            <a:endParaRPr lang="ko-KR" altLang="en-US"/>
+          </a:p>
+        </p:txBody>
+      </p:sp>
+      <p:sp>
+        <p:nvSpPr>
+          <p:cNvPr id="13" name="직사각형 12"/>
+          <p:cNvSpPr/>
+          <p:nvPr/>
+        </p:nvSpPr>
+        <p:spPr>
+          <a:xfrm>
+            <a:off x="2578447" y="1743652"/>
+            <a:ext cx="288032" cy="288032"/>
+          </a:xfrm>
+          <a:prstGeom prst="rect">
+            <a:avLst/>
+          </a:prstGeom>
+          <a:noFill/>
+          <a:ln>
+            <a:solidFill>
+              <a:srgbClr val="FF0000"/>
+            </a:solidFill>
+          </a:ln>
+        </p:spPr>
+        <p:style>
+          <a:lnRef idx="2">
+            <a:schemeClr val="accent1">
+              <a:shade val="50000"/>
+            </a:schemeClr>
+          </a:lnRef>
+          <a:fillRef idx="1">
+            <a:schemeClr val="accent1"/>
+          </a:fillRef>
+          <a:effectRef idx="0">
+            <a:schemeClr val="accent1"/>
+          </a:effectRef>
+          <a:fontRef idx="minor">
+            <a:schemeClr val="lt1"/>
+          </a:fontRef>
+        </p:style>
+        <p:txBody>
+          <a:bodyPr rtlCol="0" anchor="ctr"/>
+          <a:lstStyle/>
+          <a:p>
+            <a:pPr algn="ctr"/>
+            <a:endParaRPr lang="ko-KR" altLang="en-US"/>
+          </a:p>
+        </p:txBody>
+      </p:sp>
+      <p:sp>
+        <p:nvSpPr>
+          <p:cNvPr id="14" name="직사각형 13"/>
+          <p:cNvSpPr/>
+          <p:nvPr/>
+        </p:nvSpPr>
+        <p:spPr>
+          <a:xfrm>
+            <a:off x="2854800" y="1743652"/>
+            <a:ext cx="288032" cy="288032"/>
+          </a:xfrm>
+          <a:prstGeom prst="rect">
+            <a:avLst/>
+          </a:prstGeom>
+          <a:noFill/>
+          <a:ln>
+            <a:solidFill>
+              <a:srgbClr val="FF0000"/>
+            </a:solidFill>
+          </a:ln>
+        </p:spPr>
+        <p:style>
+          <a:lnRef idx="2">
+            <a:schemeClr val="accent1">
+              <a:shade val="50000"/>
+            </a:schemeClr>
+          </a:lnRef>
+          <a:fillRef idx="1">
+            <a:schemeClr val="accent1"/>
+          </a:fillRef>
+          <a:effectRef idx="0">
+            <a:schemeClr val="accent1"/>
+          </a:effectRef>
+          <a:fontRef idx="minor">
+            <a:schemeClr val="lt1"/>
+          </a:fontRef>
+        </p:style>
+        <p:txBody>
+          <a:bodyPr rtlCol="0" anchor="ctr"/>
+          <a:lstStyle/>
+          <a:p>
+            <a:pPr algn="ctr"/>
+            <a:endParaRPr lang="ko-KR" altLang="en-US"/>
+          </a:p>
+        </p:txBody>
+      </p:sp>
+      <p:sp>
+        <p:nvSpPr>
+          <p:cNvPr id="15" name="직사각형 14"/>
+          <p:cNvSpPr/>
+          <p:nvPr/>
+        </p:nvSpPr>
+        <p:spPr>
+          <a:xfrm>
+            <a:off x="3096078" y="1743652"/>
+            <a:ext cx="288032" cy="288032"/>
+          </a:xfrm>
+          <a:prstGeom prst="rect">
+            <a:avLst/>
+          </a:prstGeom>
+          <a:noFill/>
+          <a:ln>
+            <a:solidFill>
+              <a:srgbClr val="FF0000"/>
+            </a:solidFill>
+          </a:ln>
+        </p:spPr>
+        <p:style>
+          <a:lnRef idx="2">
+            <a:schemeClr val="accent1">
+              <a:shade val="50000"/>
+            </a:schemeClr>
+          </a:lnRef>
+          <a:fillRef idx="1">
+            <a:schemeClr val="accent1"/>
+          </a:fillRef>
+          <a:effectRef idx="0">
+            <a:schemeClr val="accent1"/>
+          </a:effectRef>
+          <a:fontRef idx="minor">
+            <a:schemeClr val="lt1"/>
+          </a:fontRef>
+        </p:style>
+        <p:txBody>
+          <a:bodyPr rtlCol="0" anchor="ctr"/>
+          <a:lstStyle/>
+          <a:p>
+            <a:pPr algn="ctr"/>
+            <a:endParaRPr lang="ko-KR" altLang="en-US"/>
+          </a:p>
+        </p:txBody>
+      </p:sp>
+      <p:sp>
+        <p:nvSpPr>
+          <p:cNvPr id="16" name="직사각형 15"/>
+          <p:cNvSpPr/>
+          <p:nvPr/>
+        </p:nvSpPr>
+        <p:spPr>
+          <a:xfrm>
+            <a:off x="2062712" y="1493168"/>
+            <a:ext cx="434478" cy="250484"/>
+          </a:xfrm>
+          <a:prstGeom prst="rect">
+            <a:avLst/>
+          </a:prstGeom>
+          <a:noFill/>
+          <a:ln>
+            <a:solidFill>
+              <a:srgbClr val="FF0000"/>
+            </a:solidFill>
+          </a:ln>
+        </p:spPr>
+        <p:style>
+          <a:lnRef idx="2">
+            <a:schemeClr val="accent1">
+              <a:shade val="50000"/>
+            </a:schemeClr>
+          </a:lnRef>
+          <a:fillRef idx="1">
+            <a:schemeClr val="accent1"/>
+          </a:fillRef>
+          <a:effectRef idx="0">
+            <a:schemeClr val="accent1"/>
+          </a:effectRef>
+          <a:fontRef idx="minor">
+            <a:schemeClr val="lt1"/>
+          </a:fontRef>
+        </p:style>
+        <p:txBody>
+          <a:bodyPr rtlCol="0" anchor="ctr"/>
+          <a:lstStyle/>
+          <a:p>
+            <a:pPr algn="ctr"/>
+            <a:endParaRPr lang="ko-KR" altLang="en-US"/>
+          </a:p>
+        </p:txBody>
+      </p:sp>
+      <p:sp>
+        <p:nvSpPr>
+          <p:cNvPr id="17" name="직사각형 16"/>
+          <p:cNvSpPr/>
+          <p:nvPr/>
+        </p:nvSpPr>
+        <p:spPr>
+          <a:xfrm>
+            <a:off x="3166870" y="2328101"/>
+            <a:ext cx="1765169" cy="250484"/>
+          </a:xfrm>
+          <a:prstGeom prst="rect">
+            <a:avLst/>
+          </a:prstGeom>
+          <a:noFill/>
+          <a:ln>
+            <a:solidFill>
+              <a:srgbClr val="FF0000"/>
+            </a:solidFill>
+          </a:ln>
+        </p:spPr>
+        <p:style>
+          <a:lnRef idx="2">
+            <a:schemeClr val="accent1">
+              <a:shade val="50000"/>
+            </a:schemeClr>
+          </a:lnRef>
+          <a:fillRef idx="1">
+            <a:schemeClr val="accent1"/>
+          </a:fillRef>
+          <a:effectRef idx="0">
+            <a:schemeClr val="accent1"/>
+          </a:effectRef>
+          <a:fontRef idx="minor">
+            <a:schemeClr val="lt1"/>
+          </a:fontRef>
+        </p:style>
+        <p:txBody>
+          <a:bodyPr rtlCol="0" anchor="ctr"/>
+          <a:lstStyle/>
+          <a:p>
+            <a:pPr algn="ctr"/>
+            <a:endParaRPr lang="ko-KR" altLang="en-US"/>
+          </a:p>
+        </p:txBody>
+      </p:sp>
+      <p:sp>
+        <p:nvSpPr>
+          <p:cNvPr id="19" name="직사각형 18"/>
+          <p:cNvSpPr/>
+          <p:nvPr/>
+        </p:nvSpPr>
+        <p:spPr>
+          <a:xfrm>
+            <a:off x="7164287" y="1196751"/>
+            <a:ext cx="309277" cy="584449"/>
+          </a:xfrm>
+          <a:prstGeom prst="rect">
+            <a:avLst/>
+          </a:prstGeom>
+          <a:noFill/>
+          <a:ln>
+            <a:solidFill>
+              <a:srgbClr val="FF0000"/>
+            </a:solidFill>
+          </a:ln>
+        </p:spPr>
+        <p:style>
+          <a:lnRef idx="2">
+            <a:schemeClr val="accent1">
+              <a:shade val="50000"/>
+            </a:schemeClr>
+          </a:lnRef>
+          <a:fillRef idx="1">
+            <a:schemeClr val="accent1"/>
+          </a:fillRef>
+          <a:effectRef idx="0">
+            <a:schemeClr val="accent1"/>
+          </a:effectRef>
+          <a:fontRef idx="minor">
+            <a:schemeClr val="lt1"/>
+          </a:fontRef>
+        </p:style>
+        <p:txBody>
+          <a:bodyPr rtlCol="0" anchor="ctr"/>
+          <a:lstStyle/>
+          <a:p>
+            <a:pPr algn="ctr"/>
+            <a:endParaRPr lang="ko-KR" altLang="en-US"/>
+          </a:p>
+        </p:txBody>
+      </p:sp>
+      <p:cxnSp>
+        <p:nvCxnSpPr>
+          <p:cNvPr id="6" name="직선 화살표 연결선 5"/>
+          <p:cNvCxnSpPr>
+            <a:stCxn id="16" idx="1"/>
+          </p:cNvCxnSpPr>
+          <p:nvPr/>
+        </p:nvCxnSpPr>
+        <p:spPr>
+          <a:xfrm flipH="1">
+            <a:off x="1043608" y="1618410"/>
+            <a:ext cx="1019104" cy="413274"/>
+          </a:xfrm>
+          <a:prstGeom prst="straightConnector1">
+            <a:avLst/>
+          </a:prstGeom>
+          <a:ln>
+            <a:solidFill>
+              <a:srgbClr val="FF0000"/>
+            </a:solidFill>
+            <a:tailEnd type="triangle"/>
+          </a:ln>
+        </p:spPr>
+        <p:style>
+          <a:lnRef idx="3">
+            <a:schemeClr val="accent2"/>
+          </a:lnRef>
+          <a:fillRef idx="0">
+            <a:schemeClr val="accent2"/>
+          </a:fillRef>
+          <a:effectRef idx="2">
+            <a:schemeClr val="accent2"/>
+          </a:effectRef>
+          <a:fontRef idx="minor">
+            <a:schemeClr val="tx1"/>
+          </a:fontRef>
+        </p:style>
+      </p:cxnSp>
+      <p:cxnSp>
+        <p:nvCxnSpPr>
+          <p:cNvPr id="20" name="직선 화살표 연결선 19"/>
+          <p:cNvCxnSpPr/>
+          <p:nvPr/>
+        </p:nvCxnSpPr>
+        <p:spPr>
+          <a:xfrm flipV="1">
+            <a:off x="2978474" y="569875"/>
+            <a:ext cx="873446" cy="997013"/>
+          </a:xfrm>
+          <a:prstGeom prst="straightConnector1">
+            <a:avLst/>
+          </a:prstGeom>
+          <a:ln>
+            <a:solidFill>
+              <a:srgbClr val="FF0000"/>
+            </a:solidFill>
+            <a:tailEnd type="triangle"/>
+          </a:ln>
+        </p:spPr>
+        <p:style>
+          <a:lnRef idx="3">
+            <a:schemeClr val="accent2"/>
+          </a:lnRef>
+          <a:fillRef idx="0">
+            <a:schemeClr val="accent2"/>
+          </a:fillRef>
+          <a:effectRef idx="2">
+            <a:schemeClr val="accent2"/>
+          </a:effectRef>
+          <a:fontRef idx="minor">
+            <a:schemeClr val="tx1"/>
+          </a:fontRef>
+        </p:style>
+      </p:cxnSp>
+      <p:cxnSp>
+        <p:nvCxnSpPr>
+          <p:cNvPr id="23" name="직선 화살표 연결선 22"/>
+          <p:cNvCxnSpPr/>
+          <p:nvPr/>
+        </p:nvCxnSpPr>
+        <p:spPr>
+          <a:xfrm>
+            <a:off x="3996546" y="2448938"/>
+            <a:ext cx="575454" cy="426064"/>
+          </a:xfrm>
+          <a:prstGeom prst="straightConnector1">
+            <a:avLst/>
+          </a:prstGeom>
+          <a:ln>
+            <a:solidFill>
+              <a:srgbClr val="FF0000"/>
+            </a:solidFill>
+            <a:tailEnd type="triangle"/>
+          </a:ln>
+        </p:spPr>
+        <p:style>
+          <a:lnRef idx="3">
+            <a:schemeClr val="accent2"/>
+          </a:lnRef>
+          <a:fillRef idx="0">
+            <a:schemeClr val="accent2"/>
+          </a:fillRef>
+          <a:effectRef idx="2">
+            <a:schemeClr val="accent2"/>
+          </a:effectRef>
+          <a:fontRef idx="minor">
+            <a:schemeClr val="tx1"/>
+          </a:fontRef>
+        </p:style>
+      </p:cxnSp>
+      <p:cxnSp>
+        <p:nvCxnSpPr>
+          <p:cNvPr id="26" name="직선 화살표 연결선 25"/>
+          <p:cNvCxnSpPr/>
+          <p:nvPr/>
+        </p:nvCxnSpPr>
+        <p:spPr>
+          <a:xfrm flipV="1">
+            <a:off x="7318925" y="706387"/>
+            <a:ext cx="384238" cy="505606"/>
+          </a:xfrm>
+          <a:prstGeom prst="straightConnector1">
+            <a:avLst/>
+          </a:prstGeom>
+          <a:ln>
+            <a:solidFill>
+              <a:srgbClr val="FF0000"/>
+            </a:solidFill>
+            <a:tailEnd type="triangle"/>
+          </a:ln>
+        </p:spPr>
+        <p:style>
+          <a:lnRef idx="3">
+            <a:schemeClr val="accent2"/>
+          </a:lnRef>
+          <a:fillRef idx="0">
+            <a:schemeClr val="accent2"/>
+          </a:fillRef>
+          <a:effectRef idx="2">
+            <a:schemeClr val="accent2"/>
+          </a:effectRef>
+          <a:fontRef idx="minor">
+            <a:schemeClr val="tx1"/>
+          </a:fontRef>
+        </p:style>
+      </p:cxnSp>
+      <p:sp>
+        <p:nvSpPr>
+          <p:cNvPr id="30" name="TextBox 29"/>
+          <p:cNvSpPr txBox="1"/>
+          <p:nvPr/>
+        </p:nvSpPr>
+        <p:spPr>
+          <a:xfrm>
+            <a:off x="4049454" y="188640"/>
+            <a:ext cx="1242626" cy="369332"/>
+          </a:xfrm>
+          <a:prstGeom prst="rect">
+            <a:avLst/>
+          </a:prstGeom>
+          <a:noFill/>
+        </p:spPr>
+        <p:txBody>
+          <a:bodyPr wrap="square" rtlCol="0">
+            <a:spAutoFit/>
+          </a:bodyPr>
+          <a:lstStyle/>
+          <a:p>
+            <a:r>
+              <a:rPr lang="ko-KR" altLang="en-US" dirty="0" smtClean="0">
+                <a:solidFill>
+                  <a:srgbClr val="FF0000"/>
+                </a:solidFill>
+              </a:rPr>
+              <a:t>이동</a:t>
+            </a:r>
+            <a:endParaRPr lang="ko-KR" altLang="en-US" dirty="0">
+              <a:solidFill>
+                <a:srgbClr val="FF0000"/>
+              </a:solidFill>
+            </a:endParaRPr>
+          </a:p>
+        </p:txBody>
+      </p:sp>
+      <p:sp>
+        <p:nvSpPr>
+          <p:cNvPr id="31" name="TextBox 30"/>
+          <p:cNvSpPr txBox="1"/>
+          <p:nvPr/>
+        </p:nvSpPr>
+        <p:spPr>
+          <a:xfrm>
+            <a:off x="4515899" y="2878853"/>
+            <a:ext cx="1242626" cy="369332"/>
+          </a:xfrm>
+          <a:prstGeom prst="rect">
+            <a:avLst/>
+          </a:prstGeom>
+          <a:noFill/>
+        </p:spPr>
+        <p:txBody>
+          <a:bodyPr wrap="square" rtlCol="0">
+            <a:spAutoFit/>
+          </a:bodyPr>
+          <a:lstStyle/>
+          <a:p>
+            <a:r>
+              <a:rPr lang="ko-KR" altLang="en-US" dirty="0" smtClean="0">
+                <a:solidFill>
+                  <a:srgbClr val="FF0000"/>
+                </a:solidFill>
+              </a:rPr>
+              <a:t>점프</a:t>
+            </a:r>
+            <a:endParaRPr lang="ko-KR" altLang="en-US" dirty="0">
+              <a:solidFill>
+                <a:srgbClr val="FF0000"/>
+              </a:solidFill>
+            </a:endParaRPr>
+          </a:p>
+        </p:txBody>
+      </p:sp>
+      <p:sp>
+        <p:nvSpPr>
+          <p:cNvPr id="32" name="TextBox 31"/>
+          <p:cNvSpPr txBox="1"/>
+          <p:nvPr/>
+        </p:nvSpPr>
+        <p:spPr>
+          <a:xfrm>
+            <a:off x="7527757" y="363375"/>
+            <a:ext cx="1242626" cy="369332"/>
+          </a:xfrm>
+          <a:prstGeom prst="rect">
+            <a:avLst/>
+          </a:prstGeom>
+          <a:noFill/>
+        </p:spPr>
+        <p:txBody>
+          <a:bodyPr wrap="square" rtlCol="0">
+            <a:spAutoFit/>
+          </a:bodyPr>
+          <a:lstStyle/>
+          <a:p>
+            <a:r>
+              <a:rPr lang="ko-KR" altLang="en-US" dirty="0" smtClean="0">
+                <a:solidFill>
+                  <a:srgbClr val="FF0000"/>
+                </a:solidFill>
+              </a:rPr>
+              <a:t>공격</a:t>
+            </a:r>
+            <a:endParaRPr lang="ko-KR" altLang="en-US" dirty="0">
+              <a:solidFill>
+                <a:srgbClr val="FF0000"/>
+              </a:solidFill>
+            </a:endParaRPr>
+          </a:p>
+        </p:txBody>
+      </p:sp>
+      <p:cxnSp>
+        <p:nvCxnSpPr>
+          <p:cNvPr id="33" name="직선 화살표 연결선 32"/>
+          <p:cNvCxnSpPr/>
+          <p:nvPr/>
+        </p:nvCxnSpPr>
+        <p:spPr>
+          <a:xfrm>
+            <a:off x="7761519" y="1698038"/>
+            <a:ext cx="677745" cy="667291"/>
+          </a:xfrm>
+          <a:prstGeom prst="straightConnector1">
+            <a:avLst/>
+          </a:prstGeom>
+          <a:ln>
+            <a:solidFill>
+              <a:srgbClr val="FF0000"/>
+            </a:solidFill>
+            <a:tailEnd type="triangle"/>
+          </a:ln>
+        </p:spPr>
+        <p:style>
+          <a:lnRef idx="3">
+            <a:schemeClr val="accent2"/>
+          </a:lnRef>
+          <a:fillRef idx="0">
+            <a:schemeClr val="accent2"/>
+          </a:fillRef>
+          <a:effectRef idx="2">
+            <a:schemeClr val="accent2"/>
+          </a:effectRef>
+          <a:fontRef idx="minor">
+            <a:schemeClr val="tx1"/>
+          </a:fontRef>
+        </p:style>
+      </p:cxnSp>
+      <p:sp>
+        <p:nvSpPr>
+          <p:cNvPr id="35" name="TextBox 34"/>
+          <p:cNvSpPr txBox="1"/>
+          <p:nvPr/>
+        </p:nvSpPr>
+        <p:spPr>
+          <a:xfrm>
+            <a:off x="7980767" y="2366348"/>
+            <a:ext cx="1242626" cy="646331"/>
+          </a:xfrm>
+          <a:prstGeom prst="rect">
+            <a:avLst/>
+          </a:prstGeom>
+          <a:noFill/>
+        </p:spPr>
+        <p:txBody>
+          <a:bodyPr wrap="square" rtlCol="0">
+            <a:spAutoFit/>
+          </a:bodyPr>
+          <a:lstStyle/>
+          <a:p>
+            <a:r>
+              <a:rPr lang="ko-KR" altLang="en-US" dirty="0" smtClean="0">
+                <a:solidFill>
+                  <a:srgbClr val="FF0000"/>
+                </a:solidFill>
+              </a:rPr>
+              <a:t>카메라</a:t>
+            </a:r>
+            <a:endParaRPr lang="en-US" altLang="ko-KR" dirty="0" smtClean="0">
+              <a:solidFill>
+                <a:srgbClr val="FF0000"/>
+              </a:solidFill>
+            </a:endParaRPr>
+          </a:p>
+          <a:p>
+            <a:r>
+              <a:rPr lang="ko-KR" altLang="en-US" dirty="0" smtClean="0">
+                <a:solidFill>
+                  <a:srgbClr val="FF0000"/>
+                </a:solidFill>
+              </a:rPr>
+              <a:t>회전</a:t>
+            </a:r>
+            <a:endParaRPr lang="ko-KR" altLang="en-US" dirty="0">
+              <a:solidFill>
+                <a:srgbClr val="FF0000"/>
+              </a:solidFill>
+            </a:endParaRPr>
+          </a:p>
+        </p:txBody>
+      </p:sp>
+      <p:sp>
+        <p:nvSpPr>
+          <p:cNvPr id="36" name="TextBox 35"/>
+          <p:cNvSpPr txBox="1"/>
+          <p:nvPr/>
+        </p:nvSpPr>
+        <p:spPr>
+          <a:xfrm>
+            <a:off x="147153" y="1792060"/>
+            <a:ext cx="1242626" cy="646331"/>
+          </a:xfrm>
+          <a:prstGeom prst="rect">
+            <a:avLst/>
+          </a:prstGeom>
+          <a:noFill/>
+        </p:spPr>
+        <p:txBody>
+          <a:bodyPr wrap="square" rtlCol="0">
+            <a:spAutoFit/>
+          </a:bodyPr>
+          <a:lstStyle/>
+          <a:p>
+            <a:r>
+              <a:rPr lang="ko-KR" altLang="en-US" dirty="0" smtClean="0">
+                <a:solidFill>
+                  <a:srgbClr val="FF0000"/>
+                </a:solidFill>
+              </a:rPr>
+              <a:t>게임</a:t>
+            </a:r>
+            <a:endParaRPr lang="en-US" altLang="ko-KR" dirty="0" smtClean="0">
+              <a:solidFill>
+                <a:srgbClr val="FF0000"/>
+              </a:solidFill>
+            </a:endParaRPr>
+          </a:p>
+          <a:p>
+            <a:r>
+              <a:rPr lang="ko-KR" altLang="en-US" dirty="0" smtClean="0">
+                <a:solidFill>
+                  <a:srgbClr val="FF0000"/>
+                </a:solidFill>
+              </a:rPr>
+              <a:t>상태</a:t>
+            </a:r>
+            <a:endParaRPr lang="ko-KR" altLang="en-US" dirty="0">
+              <a:solidFill>
+                <a:srgbClr val="FF0000"/>
+              </a:solidFill>
+            </a:endParaRPr>
+          </a:p>
+        </p:txBody>
+      </p:sp>
+      <p:sp>
+        <p:nvSpPr>
+          <p:cNvPr id="37" name="직사각형 36"/>
+          <p:cNvSpPr/>
+          <p:nvPr/>
+        </p:nvSpPr>
+        <p:spPr>
+          <a:xfrm>
+            <a:off x="827467" y="3845321"/>
+            <a:ext cx="7686600" cy="1815882"/>
           </a:xfrm>
           <a:prstGeom prst="rect">
             <a:avLst/>
@@ -23093,199 +22185,771 @@
           </a:bodyPr>
           <a:lstStyle/>
           <a:p>
-            <a:pPr fontAlgn="base">
-              <a:lnSpc>
-                <a:spcPct val="160000"/>
-              </a:lnSpc>
-            </a:pPr>
-            <a:r>
-              <a:rPr lang="ko-KR" altLang="en-US" kern="0" dirty="0" smtClean="0">
-                <a:solidFill>
-                  <a:schemeClr val="bg1"/>
-                </a:solidFill>
-                <a:latin typeface="HY헤드라인M" panose="02030600000101010101" pitchFamily="18" charset="-127"/>
-                <a:ea typeface="HY헤드라인M" panose="02030600000101010101" pitchFamily="18" charset="-127"/>
-              </a:rPr>
-              <a:t>● </a:t>
-            </a:r>
-            <a:r>
-              <a:rPr lang="en-US" altLang="ko-KR" kern="0" dirty="0" smtClean="0">
-                <a:solidFill>
-                  <a:schemeClr val="bg1"/>
-                </a:solidFill>
-                <a:latin typeface="HY헤드라인M" panose="02030600000101010101" pitchFamily="18" charset="-127"/>
-                <a:ea typeface="HY헤드라인M" panose="02030600000101010101" pitchFamily="18" charset="-127"/>
-              </a:rPr>
-              <a:t>UI</a:t>
-            </a:r>
-          </a:p>
-          <a:p>
-            <a:pPr fontAlgn="base">
-              <a:lnSpc>
-                <a:spcPct val="160000"/>
-              </a:lnSpc>
-            </a:pPr>
-            <a:r>
-              <a:rPr lang="ko-KR" altLang="en-US" kern="0" dirty="0" smtClean="0">
-                <a:solidFill>
-                  <a:schemeClr val="bg1"/>
-                </a:solidFill>
-                <a:latin typeface="HY헤드라인M" panose="02030600000101010101" pitchFamily="18" charset="-127"/>
-                <a:ea typeface="HY헤드라인M" panose="02030600000101010101" pitchFamily="18" charset="-127"/>
-              </a:rPr>
-              <a:t>시간</a:t>
-            </a:r>
-            <a:r>
-              <a:rPr lang="en-US" altLang="ko-KR" kern="0" dirty="0" smtClean="0">
-                <a:solidFill>
-                  <a:schemeClr val="bg1"/>
-                </a:solidFill>
-                <a:latin typeface="HY헤드라인M" panose="02030600000101010101" pitchFamily="18" charset="-127"/>
-                <a:ea typeface="HY헤드라인M" panose="02030600000101010101" pitchFamily="18" charset="-127"/>
-              </a:rPr>
-              <a:t>,</a:t>
-            </a:r>
-            <a:r>
-              <a:rPr lang="ko-KR" altLang="en-US" kern="0" dirty="0" smtClean="0">
-                <a:solidFill>
-                  <a:schemeClr val="bg1"/>
-                </a:solidFill>
-                <a:latin typeface="HY헤드라인M" panose="02030600000101010101" pitchFamily="18" charset="-127"/>
-                <a:ea typeface="HY헤드라인M" panose="02030600000101010101" pitchFamily="18" charset="-127"/>
-              </a:rPr>
-              <a:t> 정보</a:t>
-            </a:r>
-            <a:r>
-              <a:rPr lang="en-US" altLang="ko-KR" kern="0" dirty="0" smtClean="0">
-                <a:solidFill>
-                  <a:schemeClr val="bg1"/>
-                </a:solidFill>
-                <a:latin typeface="HY헤드라인M" panose="02030600000101010101" pitchFamily="18" charset="-127"/>
-                <a:ea typeface="HY헤드라인M" panose="02030600000101010101" pitchFamily="18" charset="-127"/>
-              </a:rPr>
-              <a:t>(</a:t>
-            </a:r>
-            <a:r>
-              <a:rPr lang="ko-KR" altLang="en-US" kern="0" dirty="0" smtClean="0">
-                <a:solidFill>
-                  <a:schemeClr val="bg1"/>
-                </a:solidFill>
-                <a:latin typeface="HY헤드라인M" panose="02030600000101010101" pitchFamily="18" charset="-127"/>
-                <a:ea typeface="HY헤드라인M" panose="02030600000101010101" pitchFamily="18" charset="-127"/>
-              </a:rPr>
-              <a:t>점수</a:t>
-            </a:r>
-            <a:r>
-              <a:rPr lang="en-US" altLang="ko-KR" kern="0" dirty="0" smtClean="0">
-                <a:solidFill>
-                  <a:schemeClr val="bg1"/>
-                </a:solidFill>
-                <a:latin typeface="HY헤드라인M" panose="02030600000101010101" pitchFamily="18" charset="-127"/>
-                <a:ea typeface="HY헤드라인M" panose="02030600000101010101" pitchFamily="18" charset="-127"/>
-              </a:rPr>
-              <a:t>, </a:t>
-            </a:r>
-            <a:r>
-              <a:rPr lang="ko-KR" altLang="en-US" kern="0" dirty="0" smtClean="0">
-                <a:solidFill>
-                  <a:schemeClr val="bg1"/>
-                </a:solidFill>
-                <a:latin typeface="HY헤드라인M" panose="02030600000101010101" pitchFamily="18" charset="-127"/>
-                <a:ea typeface="HY헤드라인M" panose="02030600000101010101" pitchFamily="18" charset="-127"/>
-              </a:rPr>
-              <a:t>플레이어 등</a:t>
-            </a:r>
-            <a:r>
-              <a:rPr lang="en-US" altLang="ko-KR" kern="0" dirty="0" smtClean="0">
-                <a:solidFill>
-                  <a:schemeClr val="bg1"/>
-                </a:solidFill>
-                <a:latin typeface="HY헤드라인M" panose="02030600000101010101" pitchFamily="18" charset="-127"/>
-                <a:ea typeface="HY헤드라인M" panose="02030600000101010101" pitchFamily="18" charset="-127"/>
-              </a:rPr>
-              <a:t>)</a:t>
-            </a:r>
-          </a:p>
-          <a:p>
-            <a:pPr fontAlgn="base">
-              <a:lnSpc>
-                <a:spcPct val="160000"/>
-              </a:lnSpc>
-            </a:pPr>
-            <a:r>
-              <a:rPr lang="en-US" altLang="ko-KR" kern="0" dirty="0" smtClean="0">
-                <a:solidFill>
-                  <a:schemeClr val="bg1"/>
-                </a:solidFill>
-                <a:latin typeface="HY헤드라인M" panose="02030600000101010101" pitchFamily="18" charset="-127"/>
-                <a:ea typeface="HY헤드라인M" panose="02030600000101010101" pitchFamily="18" charset="-127"/>
-              </a:rPr>
-              <a:t>(</a:t>
-            </a:r>
-            <a:r>
-              <a:rPr lang="ko-KR" altLang="en-US" kern="0" dirty="0" smtClean="0">
-                <a:solidFill>
-                  <a:schemeClr val="bg1"/>
-                </a:solidFill>
-                <a:latin typeface="HY헤드라인M" panose="02030600000101010101" pitchFamily="18" charset="-127"/>
-                <a:ea typeface="HY헤드라인M" panose="02030600000101010101" pitchFamily="18" charset="-127"/>
-              </a:rPr>
-              <a:t>정보 </a:t>
-            </a:r>
-            <a:r>
-              <a:rPr lang="en-US" altLang="ko-KR" kern="0" dirty="0" smtClean="0">
-                <a:solidFill>
-                  <a:schemeClr val="bg1"/>
-                </a:solidFill>
-                <a:latin typeface="HY헤드라인M" panose="02030600000101010101" pitchFamily="18" charset="-127"/>
-                <a:ea typeface="HY헤드라인M" panose="02030600000101010101" pitchFamily="18" charset="-127"/>
-              </a:rPr>
-              <a:t>UI</a:t>
-            </a:r>
-            <a:r>
-              <a:rPr lang="ko-KR" altLang="en-US" kern="0" dirty="0" smtClean="0">
-                <a:solidFill>
-                  <a:schemeClr val="bg1"/>
-                </a:solidFill>
-                <a:latin typeface="HY헤드라인M" panose="02030600000101010101" pitchFamily="18" charset="-127"/>
-                <a:ea typeface="HY헤드라인M" panose="02030600000101010101" pitchFamily="18" charset="-127"/>
-              </a:rPr>
-              <a:t>는 </a:t>
-            </a:r>
-            <a:r>
-              <a:rPr lang="en-US" altLang="ko-KR" kern="0" dirty="0" smtClean="0">
-                <a:solidFill>
-                  <a:schemeClr val="bg1"/>
-                </a:solidFill>
-                <a:latin typeface="HY헤드라인M" panose="02030600000101010101" pitchFamily="18" charset="-127"/>
-                <a:ea typeface="HY헤드라인M" panose="02030600000101010101" pitchFamily="18" charset="-127"/>
-              </a:rPr>
-              <a:t>Tab</a:t>
-            </a:r>
-            <a:r>
-              <a:rPr lang="ko-KR" altLang="en-US" kern="0" dirty="0" smtClean="0">
-                <a:solidFill>
-                  <a:schemeClr val="bg1"/>
-                </a:solidFill>
-                <a:latin typeface="HY헤드라인M" panose="02030600000101010101" pitchFamily="18" charset="-127"/>
-                <a:ea typeface="HY헤드라인M" panose="02030600000101010101" pitchFamily="18" charset="-127"/>
-              </a:rPr>
-              <a:t>키를 누를 시 나타나게 됩니다</a:t>
-            </a:r>
-            <a:r>
-              <a:rPr lang="en-US" altLang="ko-KR" kern="0" dirty="0" smtClean="0">
-                <a:solidFill>
-                  <a:schemeClr val="bg1"/>
-                </a:solidFill>
-                <a:latin typeface="HY헤드라인M" panose="02030600000101010101" pitchFamily="18" charset="-127"/>
-                <a:ea typeface="HY헤드라인M" panose="02030600000101010101" pitchFamily="18" charset="-127"/>
-              </a:rPr>
-              <a:t>.</a:t>
-            </a:r>
-            <a:endParaRPr lang="en-US" altLang="ko-KR" kern="0" dirty="0">
+            <a:pPr fontAlgn="base"/>
+            <a:r>
+              <a:rPr lang="en-US" altLang="ko-KR" sz="1400" dirty="0" smtClean="0">
+                <a:ln w="0"/>
+                <a:solidFill>
+                  <a:schemeClr val="bg1"/>
+                </a:solidFill>
+                <a:effectLst>
+                  <a:outerShdw blurRad="38100" dist="25400" dir="5400000" algn="ctr" rotWithShape="0">
+                    <a:srgbClr val="6E747A">
+                      <a:alpha val="43000"/>
+                    </a:srgbClr>
+                  </a:outerShdw>
+                </a:effectLst>
+              </a:rPr>
+              <a:t>Ⅰ. </a:t>
+            </a:r>
+            <a:r>
+              <a:rPr lang="ko-KR" altLang="en-US" sz="1400" dirty="0" smtClean="0">
+                <a:ln w="0"/>
+                <a:solidFill>
+                  <a:schemeClr val="bg1"/>
+                </a:solidFill>
+                <a:effectLst>
+                  <a:outerShdw blurRad="38100" dist="25400" dir="5400000" algn="ctr" rotWithShape="0">
+                    <a:srgbClr val="6E747A">
+                      <a:alpha val="43000"/>
+                    </a:srgbClr>
+                  </a:outerShdw>
+                </a:effectLst>
+              </a:rPr>
+              <a:t>상대 </a:t>
+            </a:r>
+            <a:r>
+              <a:rPr lang="ko-KR" altLang="en-US" sz="1400" dirty="0">
+                <a:ln w="0"/>
+                <a:solidFill>
+                  <a:schemeClr val="bg1"/>
+                </a:solidFill>
+                <a:effectLst>
+                  <a:outerShdw blurRad="38100" dist="25400" dir="5400000" algn="ctr" rotWithShape="0">
+                    <a:srgbClr val="6E747A">
+                      <a:alpha val="43000"/>
+                    </a:srgbClr>
+                  </a:outerShdw>
+                </a:effectLst>
+              </a:rPr>
+              <a:t>플레이어를 </a:t>
+            </a:r>
+            <a:r>
+              <a:rPr lang="ko-KR" altLang="en-US" sz="1400" dirty="0" smtClean="0">
+                <a:ln w="0"/>
+                <a:solidFill>
+                  <a:schemeClr val="bg1"/>
+                </a:solidFill>
+                <a:effectLst>
+                  <a:outerShdw blurRad="38100" dist="25400" dir="5400000" algn="ctr" rotWithShape="0">
+                    <a:srgbClr val="6E747A">
+                      <a:alpha val="43000"/>
+                    </a:srgbClr>
+                  </a:outerShdw>
+                </a:effectLst>
+              </a:rPr>
+              <a:t>알아차려 공격하면 즉시 승리 </a:t>
+            </a:r>
+            <a:endParaRPr lang="en-US" altLang="ko-KR" sz="1400" dirty="0" smtClean="0">
+              <a:ln w="0"/>
               <a:solidFill>
                 <a:schemeClr val="bg1"/>
               </a:solidFill>
+              <a:effectLst>
+                <a:outerShdw blurRad="38100" dist="25400" dir="5400000" algn="ctr" rotWithShape="0">
+                  <a:srgbClr val="6E747A">
+                    <a:alpha val="43000"/>
+                  </a:srgbClr>
+                </a:outerShdw>
+              </a:effectLst>
+            </a:endParaRPr>
+          </a:p>
+          <a:p>
+            <a:pPr fontAlgn="base"/>
+            <a:r>
+              <a:rPr lang="en-US" altLang="ko-KR" sz="1400" dirty="0">
+                <a:ln w="0"/>
+                <a:solidFill>
+                  <a:schemeClr val="bg1"/>
+                </a:solidFill>
+                <a:effectLst>
+                  <a:outerShdw blurRad="38100" dist="25400" dir="5400000" algn="ctr" rotWithShape="0">
+                    <a:srgbClr val="6E747A">
+                      <a:alpha val="43000"/>
+                    </a:srgbClr>
+                  </a:outerShdw>
+                </a:effectLst>
+              </a:rPr>
+              <a:t> </a:t>
+            </a:r>
+            <a:r>
+              <a:rPr lang="en-US" altLang="ko-KR" sz="1400" dirty="0" smtClean="0">
+                <a:ln w="0"/>
+                <a:solidFill>
+                  <a:schemeClr val="bg1"/>
+                </a:solidFill>
+                <a:effectLst>
+                  <a:outerShdw blurRad="38100" dist="25400" dir="5400000" algn="ctr" rotWithShape="0">
+                    <a:srgbClr val="6E747A">
+                      <a:alpha val="43000"/>
+                    </a:srgbClr>
+                  </a:outerShdw>
+                </a:effectLst>
+              </a:rPr>
+              <a:t>   </a:t>
+            </a:r>
+            <a:r>
+              <a:rPr lang="ko-KR" altLang="en-US" sz="1400" dirty="0" smtClean="0">
+                <a:ln w="0"/>
+                <a:solidFill>
+                  <a:schemeClr val="bg1"/>
+                </a:solidFill>
+                <a:effectLst>
+                  <a:outerShdw blurRad="38100" dist="25400" dir="5400000" algn="ctr" rotWithShape="0">
+                    <a:srgbClr val="6E747A">
+                      <a:alpha val="43000"/>
+                    </a:srgbClr>
+                  </a:outerShdw>
+                </a:effectLst>
+              </a:rPr>
+              <a:t>제한시간 초과시 더 많은 몬스터를 처치한 플레이어가 승리</a:t>
+            </a:r>
+            <a:endParaRPr lang="ko-KR" altLang="en-US" sz="1400" dirty="0">
+              <a:ln w="0"/>
+              <a:solidFill>
+                <a:schemeClr val="bg1"/>
+              </a:solidFill>
+              <a:effectLst>
+                <a:outerShdw blurRad="38100" dist="25400" dir="5400000" algn="ctr" rotWithShape="0">
+                  <a:srgbClr val="6E747A">
+                    <a:alpha val="43000"/>
+                  </a:srgbClr>
+                </a:outerShdw>
+              </a:effectLst>
+            </a:endParaRPr>
+          </a:p>
+          <a:p>
+            <a:pPr fontAlgn="base"/>
+            <a:r>
+              <a:rPr lang="en-US" altLang="ko-KR" sz="1400" dirty="0" smtClean="0">
+                <a:ln w="0"/>
+                <a:solidFill>
+                  <a:schemeClr val="bg1"/>
+                </a:solidFill>
+                <a:effectLst>
+                  <a:outerShdw blurRad="38100" dist="25400" dir="5400000" algn="ctr" rotWithShape="0">
+                    <a:srgbClr val="6E747A">
+                      <a:alpha val="43000"/>
+                    </a:srgbClr>
+                  </a:outerShdw>
+                </a:effectLst>
+              </a:rPr>
+              <a:t>Ⅱ. </a:t>
+            </a:r>
+            <a:r>
+              <a:rPr lang="ko-KR" altLang="en-US" sz="1400" dirty="0">
+                <a:ln w="0"/>
+                <a:solidFill>
+                  <a:schemeClr val="bg1"/>
+                </a:solidFill>
+                <a:effectLst>
+                  <a:outerShdw blurRad="38100" dist="25400" dir="5400000" algn="ctr" rotWithShape="0">
+                    <a:srgbClr val="6E747A">
+                      <a:alpha val="43000"/>
+                    </a:srgbClr>
+                  </a:outerShdw>
+                </a:effectLst>
+              </a:rPr>
+              <a:t>각 플레이어들을 제한된 가시거리를 </a:t>
+            </a:r>
+            <a:r>
+              <a:rPr lang="ko-KR" altLang="en-US" sz="1400" dirty="0" smtClean="0">
+                <a:ln w="0"/>
+                <a:solidFill>
+                  <a:schemeClr val="bg1"/>
+                </a:solidFill>
+                <a:effectLst>
+                  <a:outerShdw blurRad="38100" dist="25400" dir="5400000" algn="ctr" rotWithShape="0">
+                    <a:srgbClr val="6E747A">
+                      <a:alpha val="43000"/>
+                    </a:srgbClr>
+                  </a:outerShdw>
+                </a:effectLst>
+              </a:rPr>
+              <a:t>갖음</a:t>
+            </a:r>
+            <a:endParaRPr lang="ko-KR" altLang="en-US" sz="1400" dirty="0">
+              <a:ln w="0"/>
+              <a:solidFill>
+                <a:schemeClr val="bg1"/>
+              </a:solidFill>
+              <a:effectLst>
+                <a:outerShdw blurRad="38100" dist="25400" dir="5400000" algn="ctr" rotWithShape="0">
+                  <a:srgbClr val="6E747A">
+                    <a:alpha val="43000"/>
+                  </a:srgbClr>
+                </a:outerShdw>
+              </a:effectLst>
+            </a:endParaRPr>
+          </a:p>
+          <a:p>
+            <a:pPr fontAlgn="base"/>
+            <a:r>
+              <a:rPr lang="en-US" altLang="ko-KR" sz="1400" dirty="0" smtClean="0">
+                <a:ln w="0"/>
+                <a:solidFill>
+                  <a:schemeClr val="bg1"/>
+                </a:solidFill>
+                <a:effectLst>
+                  <a:outerShdw blurRad="38100" dist="25400" dir="5400000" algn="ctr" rotWithShape="0">
+                    <a:srgbClr val="6E747A">
+                      <a:alpha val="43000"/>
+                    </a:srgbClr>
+                  </a:outerShdw>
+                </a:effectLst>
+              </a:rPr>
+              <a:t>Ⅲ. </a:t>
+            </a:r>
+            <a:r>
+              <a:rPr lang="ko-KR" altLang="en-US" sz="1400" dirty="0">
+                <a:ln w="0"/>
+                <a:solidFill>
+                  <a:schemeClr val="bg1"/>
+                </a:solidFill>
+                <a:effectLst>
+                  <a:outerShdw blurRad="38100" dist="25400" dir="5400000" algn="ctr" rotWithShape="0">
+                    <a:srgbClr val="6E747A">
+                      <a:alpha val="43000"/>
+                    </a:srgbClr>
+                  </a:outerShdw>
+                </a:effectLst>
+              </a:rPr>
+              <a:t>몬스터를 </a:t>
+            </a:r>
+            <a:r>
+              <a:rPr lang="ko-KR" altLang="en-US" sz="1400" dirty="0" smtClean="0">
+                <a:ln w="0"/>
+                <a:solidFill>
+                  <a:schemeClr val="bg1"/>
+                </a:solidFill>
+                <a:effectLst>
+                  <a:outerShdw blurRad="38100" dist="25400" dir="5400000" algn="ctr" rotWithShape="0">
+                    <a:srgbClr val="6E747A">
+                      <a:alpha val="43000"/>
+                    </a:srgbClr>
+                  </a:outerShdw>
+                </a:effectLst>
+              </a:rPr>
+              <a:t>공격한 </a:t>
+            </a:r>
+            <a:r>
+              <a:rPr lang="ko-KR" altLang="en-US" sz="1400" dirty="0">
+                <a:ln w="0"/>
+                <a:solidFill>
+                  <a:schemeClr val="bg1"/>
+                </a:solidFill>
+                <a:effectLst>
+                  <a:outerShdw blurRad="38100" dist="25400" dir="5400000" algn="ctr" rotWithShape="0">
+                    <a:srgbClr val="6E747A">
+                      <a:alpha val="43000"/>
+                    </a:srgbClr>
+                  </a:outerShdw>
+                </a:effectLst>
+              </a:rPr>
+              <a:t>플레이어의 스피드는 </a:t>
+            </a:r>
+            <a:r>
+              <a:rPr lang="en-US" altLang="ko-KR" sz="1400" dirty="0">
+                <a:ln w="0"/>
+                <a:solidFill>
+                  <a:schemeClr val="bg1"/>
+                </a:solidFill>
+                <a:effectLst>
+                  <a:outerShdw blurRad="38100" dist="25400" dir="5400000" algn="ctr" rotWithShape="0">
+                    <a:srgbClr val="6E747A">
+                      <a:alpha val="43000"/>
+                    </a:srgbClr>
+                  </a:outerShdw>
+                </a:effectLst>
+              </a:rPr>
+              <a:t>5% </a:t>
+            </a:r>
+            <a:r>
+              <a:rPr lang="ko-KR" altLang="en-US" sz="1400" dirty="0" smtClean="0">
+                <a:ln w="0"/>
+                <a:solidFill>
+                  <a:schemeClr val="bg1"/>
+                </a:solidFill>
+                <a:effectLst>
+                  <a:outerShdw blurRad="38100" dist="25400" dir="5400000" algn="ctr" rotWithShape="0">
+                    <a:srgbClr val="6E747A">
+                      <a:alpha val="43000"/>
+                    </a:srgbClr>
+                  </a:outerShdw>
+                </a:effectLst>
+              </a:rPr>
+              <a:t>감소</a:t>
+            </a:r>
+            <a:endParaRPr lang="ko-KR" altLang="en-US" sz="1400" dirty="0">
+              <a:ln w="0"/>
+              <a:solidFill>
+                <a:schemeClr val="bg1"/>
+              </a:solidFill>
+              <a:effectLst>
+                <a:outerShdw blurRad="38100" dist="25400" dir="5400000" algn="ctr" rotWithShape="0">
+                  <a:srgbClr val="6E747A">
+                    <a:alpha val="43000"/>
+                  </a:srgbClr>
+                </a:outerShdw>
+              </a:effectLst>
+            </a:endParaRPr>
+          </a:p>
+          <a:p>
+            <a:pPr fontAlgn="base"/>
+            <a:r>
+              <a:rPr lang="en-US" altLang="ko-KR" sz="1400" dirty="0" smtClean="0">
+                <a:ln w="0"/>
+                <a:solidFill>
+                  <a:schemeClr val="bg1"/>
+                </a:solidFill>
+                <a:effectLst>
+                  <a:outerShdw blurRad="38100" dist="25400" dir="5400000" algn="ctr" rotWithShape="0">
+                    <a:srgbClr val="6E747A">
+                      <a:alpha val="43000"/>
+                    </a:srgbClr>
+                  </a:outerShdw>
+                </a:effectLst>
+              </a:rPr>
+              <a:t>Ⅳ. </a:t>
+            </a:r>
+            <a:r>
+              <a:rPr lang="ko-KR" altLang="en-US" sz="1400" dirty="0" smtClean="0">
+                <a:ln w="0"/>
+                <a:solidFill>
+                  <a:schemeClr val="bg1"/>
+                </a:solidFill>
+                <a:effectLst>
+                  <a:outerShdw blurRad="38100" dist="25400" dir="5400000" algn="ctr" rotWithShape="0">
+                    <a:srgbClr val="6E747A">
+                      <a:alpha val="43000"/>
+                    </a:srgbClr>
+                  </a:outerShdw>
+                </a:effectLst>
+              </a:rPr>
+              <a:t>몬스터 처치 시 플레이어의 위치를 </a:t>
+            </a:r>
+            <a:r>
+              <a:rPr lang="en-US" altLang="ko-KR" sz="1400" dirty="0" smtClean="0">
+                <a:ln w="0"/>
+                <a:solidFill>
+                  <a:schemeClr val="bg1"/>
+                </a:solidFill>
+                <a:effectLst>
+                  <a:outerShdw blurRad="38100" dist="25400" dir="5400000" algn="ctr" rotWithShape="0">
+                    <a:srgbClr val="6E747A">
+                      <a:alpha val="43000"/>
+                    </a:srgbClr>
+                  </a:outerShdw>
+                </a:effectLst>
+              </a:rPr>
+              <a:t>1</a:t>
+            </a:r>
+            <a:r>
+              <a:rPr lang="ko-KR" altLang="en-US" sz="1400" dirty="0" smtClean="0">
+                <a:ln w="0"/>
+                <a:solidFill>
+                  <a:schemeClr val="bg1"/>
+                </a:solidFill>
+                <a:effectLst>
+                  <a:outerShdw blurRad="38100" dist="25400" dir="5400000" algn="ctr" rotWithShape="0">
+                    <a:srgbClr val="6E747A">
+                      <a:alpha val="43000"/>
+                    </a:srgbClr>
+                  </a:outerShdw>
+                </a:effectLst>
+              </a:rPr>
+              <a:t>초 동안 빛으로 밝힘</a:t>
+            </a:r>
+            <a:r>
+              <a:rPr lang="en-US" altLang="ko-KR" sz="1400" dirty="0" smtClean="0">
+                <a:ln w="0"/>
+                <a:solidFill>
+                  <a:schemeClr val="bg1"/>
+                </a:solidFill>
+                <a:effectLst>
+                  <a:outerShdw blurRad="38100" dist="25400" dir="5400000" algn="ctr" rotWithShape="0">
+                    <a:srgbClr val="6E747A">
+                      <a:alpha val="43000"/>
+                    </a:srgbClr>
+                  </a:outerShdw>
+                </a:effectLst>
+              </a:rPr>
+              <a:t> ( </a:t>
+            </a:r>
+            <a:r>
+              <a:rPr lang="ko-KR" altLang="en-US" sz="1400" dirty="0" smtClean="0">
+                <a:ln w="0"/>
+                <a:solidFill>
+                  <a:schemeClr val="bg1"/>
+                </a:solidFill>
+                <a:effectLst>
+                  <a:outerShdw blurRad="38100" dist="25400" dir="5400000" algn="ctr" rotWithShape="0">
+                    <a:srgbClr val="6E747A">
+                      <a:alpha val="43000"/>
+                    </a:srgbClr>
+                  </a:outerShdw>
+                </a:effectLst>
+              </a:rPr>
+              <a:t>지도상에서도 표시 </a:t>
+            </a:r>
+            <a:r>
+              <a:rPr lang="en-US" altLang="ko-KR" sz="1400" dirty="0" smtClean="0">
+                <a:ln w="0"/>
+                <a:solidFill>
+                  <a:schemeClr val="bg1"/>
+                </a:solidFill>
+                <a:effectLst>
+                  <a:outerShdw blurRad="38100" dist="25400" dir="5400000" algn="ctr" rotWithShape="0">
+                    <a:srgbClr val="6E747A">
+                      <a:alpha val="43000"/>
+                    </a:srgbClr>
+                  </a:outerShdw>
+                </a:effectLst>
+              </a:rPr>
+              <a:t>)</a:t>
+            </a:r>
+            <a:endParaRPr lang="ko-KR" altLang="en-US" sz="1400" dirty="0">
+              <a:ln w="0"/>
+              <a:solidFill>
+                <a:schemeClr val="bg1"/>
+              </a:solidFill>
+              <a:effectLst>
+                <a:outerShdw blurRad="38100" dist="25400" dir="5400000" algn="ctr" rotWithShape="0">
+                  <a:srgbClr val="6E747A">
+                    <a:alpha val="43000"/>
+                  </a:srgbClr>
+                </a:outerShdw>
+              </a:effectLst>
+            </a:endParaRPr>
+          </a:p>
+          <a:p>
+            <a:pPr fontAlgn="base"/>
+            <a:r>
+              <a:rPr lang="en-US" altLang="ko-KR" sz="1400" dirty="0" smtClean="0">
+                <a:ln w="0"/>
+                <a:solidFill>
+                  <a:schemeClr val="bg1"/>
+                </a:solidFill>
+                <a:effectLst>
+                  <a:outerShdw blurRad="38100" dist="25400" dir="5400000" algn="ctr" rotWithShape="0">
+                    <a:srgbClr val="6E747A">
+                      <a:alpha val="43000"/>
+                    </a:srgbClr>
+                  </a:outerShdw>
+                </a:effectLst>
+              </a:rPr>
+              <a:t>Ⅴ. </a:t>
+            </a:r>
+            <a:r>
+              <a:rPr lang="en-US" altLang="ko-KR" sz="1400" dirty="0">
+                <a:ln w="0"/>
+                <a:solidFill>
+                  <a:schemeClr val="bg1"/>
+                </a:solidFill>
+                <a:effectLst>
+                  <a:outerShdw blurRad="38100" dist="25400" dir="5400000" algn="ctr" rotWithShape="0">
+                    <a:srgbClr val="6E747A">
+                      <a:alpha val="43000"/>
+                    </a:srgbClr>
+                  </a:outerShdw>
+                </a:effectLst>
+              </a:rPr>
+              <a:t>3</a:t>
+            </a:r>
+            <a:r>
+              <a:rPr lang="ko-KR" altLang="en-US" sz="1400" dirty="0">
+                <a:ln w="0"/>
+                <a:solidFill>
+                  <a:schemeClr val="bg1"/>
+                </a:solidFill>
+                <a:effectLst>
+                  <a:outerShdw blurRad="38100" dist="25400" dir="5400000" algn="ctr" rotWithShape="0">
+                    <a:srgbClr val="6E747A">
+                      <a:alpha val="43000"/>
+                    </a:srgbClr>
+                  </a:outerShdw>
+                </a:effectLst>
+              </a:rPr>
+              <a:t>가지 모델이 각 플레이어</a:t>
+            </a:r>
+            <a:r>
+              <a:rPr lang="en-US" altLang="ko-KR" sz="1400" dirty="0">
+                <a:ln w="0"/>
+                <a:solidFill>
+                  <a:schemeClr val="bg1"/>
+                </a:solidFill>
+                <a:effectLst>
+                  <a:outerShdw blurRad="38100" dist="25400" dir="5400000" algn="ctr" rotWithShape="0">
+                    <a:srgbClr val="6E747A">
+                      <a:alpha val="43000"/>
+                    </a:srgbClr>
+                  </a:outerShdw>
+                </a:effectLst>
+              </a:rPr>
+              <a:t>, </a:t>
+            </a:r>
+            <a:r>
+              <a:rPr lang="ko-KR" altLang="en-US" sz="1400" dirty="0">
+                <a:ln w="0"/>
+                <a:solidFill>
+                  <a:schemeClr val="bg1"/>
+                </a:solidFill>
+                <a:effectLst>
+                  <a:outerShdw blurRad="38100" dist="25400" dir="5400000" algn="ctr" rotWithShape="0">
+                    <a:srgbClr val="6E747A">
+                      <a:alpha val="43000"/>
+                    </a:srgbClr>
+                  </a:outerShdw>
+                </a:effectLst>
+              </a:rPr>
+              <a:t>몬스터 상관없이 </a:t>
+            </a:r>
+            <a:r>
+              <a:rPr lang="ko-KR" altLang="en-US" sz="1400" dirty="0" err="1" smtClean="0">
+                <a:ln w="0"/>
+                <a:solidFill>
+                  <a:schemeClr val="bg1"/>
+                </a:solidFill>
+                <a:effectLst>
+                  <a:outerShdw blurRad="38100" dist="25400" dir="5400000" algn="ctr" rotWithShape="0">
+                    <a:srgbClr val="6E747A">
+                      <a:alpha val="43000"/>
+                    </a:srgbClr>
+                  </a:outerShdw>
+                </a:effectLst>
+              </a:rPr>
+              <a:t>랜덤하게</a:t>
+            </a:r>
+            <a:r>
+              <a:rPr lang="ko-KR" altLang="en-US" sz="1400" dirty="0" smtClean="0">
+                <a:ln w="0"/>
+                <a:solidFill>
+                  <a:schemeClr val="bg1"/>
+                </a:solidFill>
+                <a:effectLst>
+                  <a:outerShdw blurRad="38100" dist="25400" dir="5400000" algn="ctr" rotWithShape="0">
+                    <a:srgbClr val="6E747A">
+                      <a:alpha val="43000"/>
+                    </a:srgbClr>
+                  </a:outerShdw>
+                </a:effectLst>
+              </a:rPr>
+              <a:t> 주어짐</a:t>
+            </a:r>
+            <a:endParaRPr lang="ko-KR" altLang="en-US" sz="1400" dirty="0">
+              <a:ln w="0"/>
+              <a:solidFill>
+                <a:schemeClr val="bg1"/>
+              </a:solidFill>
+              <a:effectLst>
+                <a:outerShdw blurRad="38100" dist="25400" dir="5400000" algn="ctr" rotWithShape="0">
+                  <a:srgbClr val="6E747A">
+                    <a:alpha val="43000"/>
+                  </a:srgbClr>
+                </a:outerShdw>
+              </a:effectLst>
+            </a:endParaRPr>
+          </a:p>
+          <a:p>
+            <a:pPr fontAlgn="base"/>
+            <a:r>
+              <a:rPr lang="en-US" altLang="ko-KR" sz="1400" dirty="0" smtClean="0">
+                <a:ln w="0"/>
+                <a:solidFill>
+                  <a:schemeClr val="bg1"/>
+                </a:solidFill>
+                <a:effectLst>
+                  <a:outerShdw blurRad="38100" dist="25400" dir="5400000" algn="ctr" rotWithShape="0">
+                    <a:srgbClr val="6E747A">
+                      <a:alpha val="43000"/>
+                    </a:srgbClr>
+                  </a:outerShdw>
+                </a:effectLst>
+              </a:rPr>
+              <a:t>Ⅵ. </a:t>
+            </a:r>
+            <a:r>
+              <a:rPr lang="en-US" altLang="ko-KR" sz="1400" dirty="0">
+                <a:ln w="0"/>
+                <a:solidFill>
+                  <a:schemeClr val="bg1"/>
+                </a:solidFill>
+                <a:effectLst>
+                  <a:outerShdw blurRad="38100" dist="25400" dir="5400000" algn="ctr" rotWithShape="0">
+                    <a:srgbClr val="6E747A">
+                      <a:alpha val="43000"/>
+                    </a:srgbClr>
+                  </a:outerShdw>
+                </a:effectLst>
+              </a:rPr>
+              <a:t>4</a:t>
+            </a:r>
+            <a:r>
+              <a:rPr lang="ko-KR" altLang="en-US" sz="1400" dirty="0">
+                <a:ln w="0"/>
+                <a:solidFill>
+                  <a:schemeClr val="bg1"/>
+                </a:solidFill>
+                <a:effectLst>
+                  <a:outerShdw blurRad="38100" dist="25400" dir="5400000" algn="ctr" rotWithShape="0">
+                    <a:srgbClr val="6E747A">
+                      <a:alpha val="43000"/>
+                    </a:srgbClr>
+                  </a:outerShdw>
+                </a:effectLst>
+              </a:rPr>
+              <a:t>분이 </a:t>
+            </a:r>
+            <a:r>
+              <a:rPr lang="ko-KR" altLang="en-US" sz="1400" dirty="0" smtClean="0">
+                <a:ln w="0"/>
+                <a:solidFill>
+                  <a:schemeClr val="bg1"/>
+                </a:solidFill>
+                <a:effectLst>
+                  <a:outerShdw blurRad="38100" dist="25400" dir="5400000" algn="ctr" rotWithShape="0">
+                    <a:srgbClr val="6E747A">
+                      <a:alpha val="43000"/>
+                    </a:srgbClr>
+                  </a:outerShdw>
+                </a:effectLst>
+              </a:rPr>
+              <a:t>지나면 플레이어의 상태가 걷기</a:t>
+            </a:r>
+            <a:r>
+              <a:rPr lang="en-US" altLang="ko-KR" sz="1400" dirty="0" smtClean="0">
+                <a:ln w="0"/>
+                <a:solidFill>
+                  <a:schemeClr val="bg1"/>
+                </a:solidFill>
+                <a:effectLst>
+                  <a:outerShdw blurRad="38100" dist="25400" dir="5400000" algn="ctr" rotWithShape="0">
+                    <a:srgbClr val="6E747A">
+                      <a:alpha val="43000"/>
+                    </a:srgbClr>
+                  </a:outerShdw>
+                </a:effectLst>
+              </a:rPr>
+              <a:t>-&gt;</a:t>
+            </a:r>
+            <a:r>
+              <a:rPr lang="ko-KR" altLang="en-US" sz="1400" dirty="0" smtClean="0">
+                <a:ln w="0"/>
+                <a:solidFill>
+                  <a:schemeClr val="bg1"/>
+                </a:solidFill>
+                <a:effectLst>
+                  <a:outerShdw blurRad="38100" dist="25400" dir="5400000" algn="ctr" rotWithShape="0">
+                    <a:srgbClr val="6E747A">
+                      <a:alpha val="43000"/>
+                    </a:srgbClr>
+                  </a:outerShdw>
+                </a:effectLst>
+              </a:rPr>
+              <a:t>달리기로 전환</a:t>
+            </a:r>
+            <a:endParaRPr lang="en-US" altLang="ko-KR" sz="1400" dirty="0" smtClean="0">
+              <a:ln w="0"/>
+              <a:solidFill>
+                <a:schemeClr val="bg1"/>
+              </a:solidFill>
+              <a:effectLst>
+                <a:outerShdw blurRad="38100" dist="25400" dir="5400000" algn="ctr" rotWithShape="0">
+                  <a:srgbClr val="6E747A">
+                    <a:alpha val="43000"/>
+                  </a:srgbClr>
+                </a:outerShdw>
+              </a:effectLst>
+            </a:endParaRPr>
+          </a:p>
+          <a:p>
+            <a:pPr fontAlgn="base"/>
+            <a:r>
+              <a:rPr lang="en-US" altLang="ko-KR" sz="1400" dirty="0" smtClean="0">
+                <a:ln w="0"/>
+                <a:solidFill>
+                  <a:schemeClr val="bg1"/>
+                </a:solidFill>
+                <a:effectLst>
+                  <a:outerShdw blurRad="38100" dist="25400" dir="5400000" algn="ctr" rotWithShape="0">
+                    <a:srgbClr val="6E747A">
+                      <a:alpha val="43000"/>
+                    </a:srgbClr>
+                  </a:outerShdw>
+                </a:effectLst>
+              </a:rPr>
+              <a:t>Ⅶ. </a:t>
+            </a:r>
+            <a:r>
+              <a:rPr lang="en-US" altLang="ko-KR" sz="1400" dirty="0">
+                <a:ln w="0"/>
+                <a:solidFill>
+                  <a:schemeClr val="bg1"/>
+                </a:solidFill>
+                <a:effectLst>
+                  <a:outerShdw blurRad="38100" dist="25400" dir="5400000" algn="ctr" rotWithShape="0">
+                    <a:srgbClr val="6E747A">
+                      <a:alpha val="43000"/>
+                    </a:srgbClr>
+                  </a:outerShdw>
+                </a:effectLst>
+              </a:rPr>
+              <a:t>Tab</a:t>
+            </a:r>
+            <a:r>
+              <a:rPr lang="ko-KR" altLang="en-US" sz="1400" dirty="0">
+                <a:ln w="0"/>
+                <a:solidFill>
+                  <a:schemeClr val="bg1"/>
+                </a:solidFill>
+                <a:effectLst>
+                  <a:outerShdw blurRad="38100" dist="25400" dir="5400000" algn="ctr" rotWithShape="0">
+                    <a:srgbClr val="6E747A">
+                      <a:alpha val="43000"/>
+                    </a:srgbClr>
+                  </a:outerShdw>
+                </a:effectLst>
+              </a:rPr>
+              <a:t>을 </a:t>
+            </a:r>
+            <a:r>
+              <a:rPr lang="ko-KR" altLang="en-US" sz="1400" dirty="0" smtClean="0">
+                <a:ln w="0"/>
+                <a:solidFill>
+                  <a:schemeClr val="bg1"/>
+                </a:solidFill>
+                <a:effectLst>
+                  <a:outerShdw blurRad="38100" dist="25400" dir="5400000" algn="ctr" rotWithShape="0">
+                    <a:srgbClr val="6E747A">
+                      <a:alpha val="43000"/>
+                    </a:srgbClr>
+                  </a:outerShdw>
+                </a:effectLst>
+              </a:rPr>
+              <a:t>이용해 게임 현재 상태를 볼 수 있음</a:t>
+            </a:r>
+            <a:endParaRPr lang="en-US" altLang="ko-KR" sz="1400" kern="0" dirty="0">
+              <a:solidFill>
+                <a:schemeClr val="bg1"/>
+              </a:solidFill>
+              <a:effectLst>
+                <a:glow rad="228600">
+                  <a:schemeClr val="accent4">
+                    <a:satMod val="175000"/>
+                    <a:alpha val="40000"/>
+                  </a:schemeClr>
+                </a:glow>
+              </a:effectLst>
               <a:latin typeface="HY헤드라인M" panose="02030600000101010101" pitchFamily="18" charset="-127"/>
               <a:ea typeface="HY헤드라인M" panose="02030600000101010101" pitchFamily="18" charset="-127"/>
             </a:endParaRPr>
@@ -23295,7 +22959,7 @@
     </p:spTree>
     <p:extLst>
       <p:ext uri="{BB962C8B-B14F-4D97-AF65-F5344CB8AC3E}">
-        <p14:creationId xmlns:p14="http://schemas.microsoft.com/office/powerpoint/2010/main" val="176348577"/>
+        <p14:creationId xmlns:p14="http://schemas.microsoft.com/office/powerpoint/2010/main" val="2769670405"/>
       </p:ext>
     </p:extLst>
   </p:cSld>

--- a/졸업작품 제안서(박요한,민두홍,정재훈).pptx
+++ b/졸업작품 제안서(박요한,민두홍,정재훈).pptx
@@ -319,7 +319,7 @@
           <a:p>
             <a:fld id="{72AB2BDB-30B0-46F9-BF75-9B88525280A4}" type="datetimeFigureOut">
               <a:rPr lang="ko-KR" altLang="en-US" smtClean="0"/>
-              <a:t>2016-12-16</a:t>
+              <a:t>2016-12-17</a:t>
             </a:fld>
             <a:endParaRPr lang="ko-KR" altLang="en-US"/>
           </a:p>
@@ -489,7 +489,7 @@
           <a:p>
             <a:fld id="{72AB2BDB-30B0-46F9-BF75-9B88525280A4}" type="datetimeFigureOut">
               <a:rPr lang="ko-KR" altLang="en-US" smtClean="0"/>
-              <a:t>2016-12-16</a:t>
+              <a:t>2016-12-17</a:t>
             </a:fld>
             <a:endParaRPr lang="ko-KR" altLang="en-US"/>
           </a:p>
@@ -669,7 +669,7 @@
           <a:p>
             <a:fld id="{72AB2BDB-30B0-46F9-BF75-9B88525280A4}" type="datetimeFigureOut">
               <a:rPr lang="ko-KR" altLang="en-US" smtClean="0"/>
-              <a:t>2016-12-16</a:t>
+              <a:t>2016-12-17</a:t>
             </a:fld>
             <a:endParaRPr lang="ko-KR" altLang="en-US"/>
           </a:p>
@@ -839,7 +839,7 @@
           <a:p>
             <a:fld id="{72AB2BDB-30B0-46F9-BF75-9B88525280A4}" type="datetimeFigureOut">
               <a:rPr lang="ko-KR" altLang="en-US" smtClean="0"/>
-              <a:t>2016-12-16</a:t>
+              <a:t>2016-12-17</a:t>
             </a:fld>
             <a:endParaRPr lang="ko-KR" altLang="en-US"/>
           </a:p>
@@ -1085,7 +1085,7 @@
           <a:p>
             <a:fld id="{72AB2BDB-30B0-46F9-BF75-9B88525280A4}" type="datetimeFigureOut">
               <a:rPr lang="ko-KR" altLang="en-US" smtClean="0"/>
-              <a:t>2016-12-16</a:t>
+              <a:t>2016-12-17</a:t>
             </a:fld>
             <a:endParaRPr lang="ko-KR" altLang="en-US"/>
           </a:p>
@@ -1373,7 +1373,7 @@
           <a:p>
             <a:fld id="{72AB2BDB-30B0-46F9-BF75-9B88525280A4}" type="datetimeFigureOut">
               <a:rPr lang="ko-KR" altLang="en-US" smtClean="0"/>
-              <a:t>2016-12-16</a:t>
+              <a:t>2016-12-17</a:t>
             </a:fld>
             <a:endParaRPr lang="ko-KR" altLang="en-US"/>
           </a:p>
@@ -1795,7 +1795,7 @@
           <a:p>
             <a:fld id="{72AB2BDB-30B0-46F9-BF75-9B88525280A4}" type="datetimeFigureOut">
               <a:rPr lang="ko-KR" altLang="en-US" smtClean="0"/>
-              <a:t>2016-12-16</a:t>
+              <a:t>2016-12-17</a:t>
             </a:fld>
             <a:endParaRPr lang="ko-KR" altLang="en-US"/>
           </a:p>
@@ -1913,7 +1913,7 @@
           <a:p>
             <a:fld id="{72AB2BDB-30B0-46F9-BF75-9B88525280A4}" type="datetimeFigureOut">
               <a:rPr lang="ko-KR" altLang="en-US" smtClean="0"/>
-              <a:t>2016-12-16</a:t>
+              <a:t>2016-12-17</a:t>
             </a:fld>
             <a:endParaRPr lang="ko-KR" altLang="en-US"/>
           </a:p>
@@ -2008,7 +2008,7 @@
           <a:p>
             <a:fld id="{72AB2BDB-30B0-46F9-BF75-9B88525280A4}" type="datetimeFigureOut">
               <a:rPr lang="ko-KR" altLang="en-US" smtClean="0"/>
-              <a:t>2016-12-16</a:t>
+              <a:t>2016-12-17</a:t>
             </a:fld>
             <a:endParaRPr lang="ko-KR" altLang="en-US"/>
           </a:p>
@@ -2285,7 +2285,7 @@
           <a:p>
             <a:fld id="{72AB2BDB-30B0-46F9-BF75-9B88525280A4}" type="datetimeFigureOut">
               <a:rPr lang="ko-KR" altLang="en-US" smtClean="0"/>
-              <a:t>2016-12-16</a:t>
+              <a:t>2016-12-17</a:t>
             </a:fld>
             <a:endParaRPr lang="ko-KR" altLang="en-US"/>
           </a:p>
@@ -2538,7 +2538,7 @@
           <a:p>
             <a:fld id="{72AB2BDB-30B0-46F9-BF75-9B88525280A4}" type="datetimeFigureOut">
               <a:rPr lang="ko-KR" altLang="en-US" smtClean="0"/>
-              <a:t>2016-12-16</a:t>
+              <a:t>2016-12-17</a:t>
             </a:fld>
             <a:endParaRPr lang="ko-KR" altLang="en-US"/>
           </a:p>
@@ -2797,7 +2797,7 @@
           <a:p>
             <a:fld id="{72AB2BDB-30B0-46F9-BF75-9B88525280A4}" type="datetimeFigureOut">
               <a:rPr lang="ko-KR" altLang="en-US" smtClean="0"/>
-              <a:t>2016-12-16</a:t>
+              <a:t>2016-12-17</a:t>
             </a:fld>
             <a:endParaRPr lang="ko-KR" altLang="en-US"/>
           </a:p>
@@ -3158,6 +3158,19 @@
 <file path=ppt/slides/slide1.xml><?xml version="1.0" encoding="utf-8"?>
 <p:sld xmlns:a="http://schemas.openxmlformats.org/drawingml/2006/main" xmlns:r="http://schemas.openxmlformats.org/officeDocument/2006/relationships" xmlns:p="http://schemas.openxmlformats.org/presentationml/2006/main">
   <p:cSld>
+    <p:bg>
+      <p:bgPr>
+        <a:pattFill prst="pct5">
+          <a:fgClr>
+            <a:schemeClr val="accent4"/>
+          </a:fgClr>
+          <a:bgClr>
+            <a:schemeClr val="bg1"/>
+          </a:bgClr>
+        </a:pattFill>
+        <a:effectLst/>
+      </p:bgPr>
+    </p:bg>
     <p:spTree>
       <p:nvGrpSpPr>
         <p:cNvPr id="1" name=""/>
@@ -6667,17 +6680,7 @@
                 <a:latin typeface="HY헤드라인M" panose="02030600000101010101" pitchFamily="18" charset="-127"/>
                 <a:ea typeface="HY헤드라인M" panose="02030600000101010101" pitchFamily="18" charset="-127"/>
               </a:rPr>
-              <a:t>게임에 </a:t>
-            </a:r>
-            <a:r>
-              <a:rPr lang="ko-KR" altLang="en-US" sz="1600" kern="0" dirty="0" smtClean="0">
-                <a:solidFill>
-                  <a:schemeClr val="bg1"/>
-                </a:solidFill>
-                <a:latin typeface="HY헤드라인M" panose="02030600000101010101" pitchFamily="18" charset="-127"/>
-                <a:ea typeface="HY헤드라인M" panose="02030600000101010101" pitchFamily="18" charset="-127"/>
-              </a:rPr>
-              <a:t>시간제한을 </a:t>
+              <a:t>게임에 시간제한을 </a:t>
             </a:r>
             <a:r>
               <a:rPr lang="ko-KR" altLang="en-US" sz="1600" kern="0" dirty="0">
@@ -17759,37 +17762,17 @@
                 <a:latin typeface="HY헤드라인M" panose="02030600000101010101" pitchFamily="18" charset="-127"/>
                 <a:ea typeface="HY헤드라인M" panose="02030600000101010101" pitchFamily="18" charset="-127"/>
               </a:rPr>
-              <a:t>어둠 속에서 </a:t>
-            </a:r>
-            <a:r>
-              <a:rPr lang="ko-KR" altLang="en-US" kern="0" dirty="0" smtClean="0">
+              <a:t>어둠 속에서 각 플레이어</a:t>
+            </a:r>
+            <a:r>
+              <a:rPr lang="en-US" altLang="ko-KR" kern="0" dirty="0" smtClean="0">
                 <a:solidFill>
                   <a:schemeClr val="bg1"/>
                 </a:solidFill>
                 <a:latin typeface="HY헤드라인M" panose="02030600000101010101" pitchFamily="18" charset="-127"/>
                 <a:ea typeface="HY헤드라인M" panose="02030600000101010101" pitchFamily="18" charset="-127"/>
               </a:rPr>
-              <a:t>각 플레이어</a:t>
-            </a:r>
-            <a:r>
-              <a:rPr lang="en-US" altLang="ko-KR" kern="0" dirty="0" smtClean="0">
-                <a:solidFill>
-                  <a:schemeClr val="bg1"/>
-                </a:solidFill>
-                <a:latin typeface="HY헤드라인M" panose="02030600000101010101" pitchFamily="18" charset="-127"/>
-                <a:ea typeface="HY헤드라인M" panose="02030600000101010101" pitchFamily="18" charset="-127"/>
-              </a:rPr>
-              <a:t>(</a:t>
-            </a:r>
-            <a:r>
-              <a:rPr lang="en-US" altLang="ko-KR" kern="0" dirty="0" smtClean="0">
-                <a:solidFill>
-                  <a:schemeClr val="bg1"/>
-                </a:solidFill>
-                <a:latin typeface="HY헤드라인M" panose="02030600000101010101" pitchFamily="18" charset="-127"/>
-                <a:ea typeface="HY헤드라인M" panose="02030600000101010101" pitchFamily="18" charset="-127"/>
-              </a:rPr>
-              <a:t>2~8</a:t>
+              <a:t>(2~8</a:t>
             </a:r>
             <a:r>
               <a:rPr lang="ko-KR" altLang="en-US" kern="0" dirty="0" smtClean="0">
@@ -18744,17 +18727,7 @@
                 <a:latin typeface="HY헤드라인M" panose="02030600000101010101" pitchFamily="18" charset="-127"/>
                 <a:ea typeface="HY헤드라인M" panose="02030600000101010101" pitchFamily="18" charset="-127"/>
               </a:rPr>
-              <a:t> </a:t>
-            </a:r>
-            <a:r>
-              <a:rPr lang="ko-KR" altLang="en-US" kern="0" dirty="0" smtClean="0">
-                <a:solidFill>
-                  <a:schemeClr val="bg1"/>
-                </a:solidFill>
-                <a:latin typeface="HY헤드라인M" panose="02030600000101010101" pitchFamily="18" charset="-127"/>
-                <a:ea typeface="HY헤드라인M" panose="02030600000101010101" pitchFamily="18" charset="-127"/>
-              </a:rPr>
-              <a:t>제작</a:t>
+              <a:t> 제작</a:t>
             </a:r>
             <a:endParaRPr lang="en-US" altLang="ko-KR" kern="0" dirty="0" smtClean="0">
               <a:solidFill>
@@ -20756,7 +20729,7 @@
         <p:spPr>
           <a:xfrm>
             <a:off x="647564" y="1412775"/>
-            <a:ext cx="7686600" cy="1421928"/>
+            <a:ext cx="7686600" cy="1865126"/>
           </a:xfrm>
           <a:prstGeom prst="rect">
             <a:avLst/>
@@ -20848,7 +20821,7 @@
                 <a:latin typeface="HY헤드라인M" panose="02030600000101010101" pitchFamily="18" charset="-127"/>
                 <a:ea typeface="HY헤드라인M" panose="02030600000101010101" pitchFamily="18" charset="-127"/>
               </a:rPr>
-              <a:t>시간</a:t>
+              <a:t>게임 정보</a:t>
             </a:r>
             <a:r>
               <a:rPr lang="en-US" altLang="ko-KR" kern="0" dirty="0" smtClean="0">
@@ -20858,7 +20831,7 @@
                 <a:latin typeface="HY헤드라인M" panose="02030600000101010101" pitchFamily="18" charset="-127"/>
                 <a:ea typeface="HY헤드라인M" panose="02030600000101010101" pitchFamily="18" charset="-127"/>
               </a:rPr>
-              <a:t>,</a:t>
+              <a:t>(</a:t>
             </a:r>
             <a:r>
               <a:rPr lang="ko-KR" altLang="en-US" kern="0" dirty="0" smtClean="0">
@@ -20868,7 +20841,7 @@
                 <a:latin typeface="HY헤드라인M" panose="02030600000101010101" pitchFamily="18" charset="-127"/>
                 <a:ea typeface="HY헤드라인M" panose="02030600000101010101" pitchFamily="18" charset="-127"/>
               </a:rPr>
-              <a:t> 정보</a:t>
+              <a:t>점수</a:t>
             </a:r>
             <a:r>
               <a:rPr lang="en-US" altLang="ko-KR" kern="0" dirty="0" smtClean="0">
@@ -20878,7 +20851,7 @@
                 <a:latin typeface="HY헤드라인M" panose="02030600000101010101" pitchFamily="18" charset="-127"/>
                 <a:ea typeface="HY헤드라인M" panose="02030600000101010101" pitchFamily="18" charset="-127"/>
               </a:rPr>
-              <a:t>(</a:t>
+              <a:t>, </a:t>
             </a:r>
             <a:r>
               <a:rPr lang="ko-KR" altLang="en-US" kern="0" dirty="0" smtClean="0">
@@ -20888,7 +20861,7 @@
                 <a:latin typeface="HY헤드라인M" panose="02030600000101010101" pitchFamily="18" charset="-127"/>
                 <a:ea typeface="HY헤드라인M" panose="02030600000101010101" pitchFamily="18" charset="-127"/>
               </a:rPr>
-              <a:t>점수</a:t>
+              <a:t>플레이어 등</a:t>
             </a:r>
             <a:r>
               <a:rPr lang="en-US" altLang="ko-KR" kern="0" dirty="0" smtClean="0">
@@ -20898,7 +20871,7 @@
                 <a:latin typeface="HY헤드라인M" panose="02030600000101010101" pitchFamily="18" charset="-127"/>
                 <a:ea typeface="HY헤드라인M" panose="02030600000101010101" pitchFamily="18" charset="-127"/>
               </a:rPr>
-              <a:t>, </a:t>
+              <a:t>), </a:t>
             </a:r>
             <a:r>
               <a:rPr lang="ko-KR" altLang="en-US" kern="0" dirty="0" smtClean="0">
@@ -20908,18 +20881,15 @@
                 <a:latin typeface="HY헤드라인M" panose="02030600000101010101" pitchFamily="18" charset="-127"/>
                 <a:ea typeface="HY헤드라인M" panose="02030600000101010101" pitchFamily="18" charset="-127"/>
               </a:rPr>
-              <a:t>플레이어 등</a:t>
-            </a:r>
-            <a:r>
-              <a:rPr lang="en-US" altLang="ko-KR" kern="0" dirty="0" smtClean="0">
-                <a:solidFill>
-                  <a:schemeClr val="bg1"/>
-                </a:solidFill>
-                <a:latin typeface="HY헤드라인M" panose="02030600000101010101" pitchFamily="18" charset="-127"/>
-                <a:ea typeface="HY헤드라인M" panose="02030600000101010101" pitchFamily="18" charset="-127"/>
-              </a:rPr>
-              <a:t>)</a:t>
-            </a:r>
+              <a:t>시간</a:t>
+            </a:r>
+            <a:endParaRPr lang="en-US" altLang="ko-KR" kern="0" dirty="0" smtClean="0">
+              <a:solidFill>
+                <a:schemeClr val="bg1"/>
+              </a:solidFill>
+              <a:latin typeface="HY헤드라인M" panose="02030600000101010101" pitchFamily="18" charset="-127"/>
+              <a:ea typeface="HY헤드라인M" panose="02030600000101010101" pitchFamily="18" charset="-127"/>
+            </a:endParaRPr>
           </a:p>
           <a:p>
             <a:pPr fontAlgn="base">
@@ -20945,7 +20915,7 @@
                 <a:latin typeface="HY헤드라인M" panose="02030600000101010101" pitchFamily="18" charset="-127"/>
                 <a:ea typeface="HY헤드라인M" panose="02030600000101010101" pitchFamily="18" charset="-127"/>
               </a:rPr>
-              <a:t>정보 </a:t>
+              <a:t>게임 정보 </a:t>
             </a:r>
             <a:r>
               <a:rPr lang="en-US" altLang="ko-KR" kern="0" dirty="0" smtClean="0">
@@ -20996,6 +20966,63 @@
                 <a:ea typeface="HY헤드라인M" panose="02030600000101010101" pitchFamily="18" charset="-127"/>
               </a:rPr>
               <a:t>.</a:t>
+            </a:r>
+          </a:p>
+          <a:p>
+            <a:pPr fontAlgn="base">
+              <a:lnSpc>
+                <a:spcPct val="160000"/>
+              </a:lnSpc>
+            </a:pPr>
+            <a:r>
+              <a:rPr lang="en-US" altLang="ko-KR" kern="0" dirty="0" smtClean="0">
+                <a:solidFill>
+                  <a:schemeClr val="bg1"/>
+                </a:solidFill>
+                <a:latin typeface="HY헤드라인M" panose="02030600000101010101" pitchFamily="18" charset="-127"/>
+                <a:ea typeface="HY헤드라인M" panose="02030600000101010101" pitchFamily="18" charset="-127"/>
+              </a:rPr>
+              <a:t>[</a:t>
+            </a:r>
+            <a:r>
+              <a:rPr lang="ko-KR" altLang="en-US" kern="0" dirty="0" smtClean="0">
+                <a:solidFill>
+                  <a:schemeClr val="bg1"/>
+                </a:solidFill>
+                <a:latin typeface="HY헤드라인M" panose="02030600000101010101" pitchFamily="18" charset="-127"/>
+                <a:ea typeface="HY헤드라인M" panose="02030600000101010101" pitchFamily="18" charset="-127"/>
+              </a:rPr>
+              <a:t>시간은 게임 </a:t>
+            </a:r>
+            <a:r>
+              <a:rPr lang="en-US" altLang="ko-KR" kern="0" dirty="0" smtClean="0">
+                <a:solidFill>
+                  <a:schemeClr val="bg1"/>
+                </a:solidFill>
+                <a:latin typeface="HY헤드라인M" panose="02030600000101010101" pitchFamily="18" charset="-127"/>
+                <a:ea typeface="HY헤드라인M" panose="02030600000101010101" pitchFamily="18" charset="-127"/>
+              </a:rPr>
+              <a:t>Play</a:t>
+            </a:r>
+            <a:r>
+              <a:rPr lang="ko-KR" altLang="en-US" kern="0" dirty="0" smtClean="0">
+                <a:solidFill>
+                  <a:schemeClr val="bg1"/>
+                </a:solidFill>
+                <a:latin typeface="HY헤드라인M" panose="02030600000101010101" pitchFamily="18" charset="-127"/>
+                <a:ea typeface="HY헤드라인M" panose="02030600000101010101" pitchFamily="18" charset="-127"/>
+              </a:rPr>
+              <a:t>화면 상단 가운데에 위치 합니다</a:t>
+            </a:r>
+            <a:r>
+              <a:rPr lang="en-US" altLang="ko-KR" kern="0" dirty="0" smtClean="0">
+                <a:solidFill>
+                  <a:schemeClr val="bg1"/>
+                </a:solidFill>
+                <a:latin typeface="HY헤드라인M" panose="02030600000101010101" pitchFamily="18" charset="-127"/>
+                <a:ea typeface="HY헤드라인M" panose="02030600000101010101" pitchFamily="18" charset="-127"/>
+              </a:rPr>
+              <a:t>.]</a:t>
             </a:r>
             <a:endParaRPr lang="en-US" altLang="ko-KR" kern="0" dirty="0">
               <a:solidFill>
@@ -21004,6 +21031,646 @@
               <a:latin typeface="HY헤드라인M" panose="02030600000101010101" pitchFamily="18" charset="-127"/>
               <a:ea typeface="HY헤드라인M" panose="02030600000101010101" pitchFamily="18" charset="-127"/>
             </a:endParaRPr>
+          </a:p>
+        </p:txBody>
+      </p:sp>
+      <p:sp>
+        <p:nvSpPr>
+          <p:cNvPr id="13" name="직사각형 12"/>
+          <p:cNvSpPr/>
+          <p:nvPr/>
+        </p:nvSpPr>
+        <p:spPr>
+          <a:xfrm>
+            <a:off x="2195736" y="4059029"/>
+            <a:ext cx="4320480" cy="2628195"/>
+          </a:xfrm>
+          <a:prstGeom prst="rect">
+            <a:avLst/>
+          </a:prstGeom>
+          <a:solidFill>
+            <a:schemeClr val="bg1">
+              <a:lumMod val="95000"/>
+            </a:schemeClr>
+          </a:solidFill>
+          <a:ln>
+            <a:noFill/>
+          </a:ln>
+          <a:effectLst>
+            <a:glow rad="228600">
+              <a:schemeClr val="accent3">
+                <a:satMod val="175000"/>
+                <a:alpha val="40000"/>
+              </a:schemeClr>
+            </a:glow>
+            <a:outerShdw blurRad="107950" dist="12700" dir="5400000" algn="ctr">
+              <a:srgbClr val="000000"/>
+            </a:outerShdw>
+          </a:effectLst>
+          <a:scene3d>
+            <a:camera prst="orthographicFront">
+              <a:rot lat="0" lon="0" rev="0"/>
+            </a:camera>
+            <a:lightRig rig="soft" dir="t">
+              <a:rot lat="0" lon="0" rev="0"/>
+            </a:lightRig>
+          </a:scene3d>
+          <a:sp3d contourW="44450" prstMaterial="matte">
+            <a:bevelT w="63500" h="63500" prst="artDeco"/>
+            <a:contourClr>
+              <a:srgbClr val="FFFFFF"/>
+            </a:contourClr>
+          </a:sp3d>
+        </p:spPr>
+        <p:style>
+          <a:lnRef idx="3">
+            <a:schemeClr val="lt1"/>
+          </a:lnRef>
+          <a:fillRef idx="1">
+            <a:schemeClr val="accent3"/>
+          </a:fillRef>
+          <a:effectRef idx="1">
+            <a:schemeClr val="accent3"/>
+          </a:effectRef>
+          <a:fontRef idx="minor">
+            <a:schemeClr val="lt1"/>
+          </a:fontRef>
+        </p:style>
+        <p:txBody>
+          <a:bodyPr rtlCol="0" anchor="ctr"/>
+          <a:lstStyle/>
+          <a:p>
+            <a:pPr algn="ctr"/>
+            <a:endParaRPr lang="ko-KR" altLang="en-US"/>
+          </a:p>
+        </p:txBody>
+      </p:sp>
+      <p:sp>
+        <p:nvSpPr>
+          <p:cNvPr id="14" name="TextBox 13"/>
+          <p:cNvSpPr txBox="1"/>
+          <p:nvPr/>
+        </p:nvSpPr>
+        <p:spPr>
+          <a:xfrm>
+            <a:off x="3851920" y="4152734"/>
+            <a:ext cx="3877114" cy="369332"/>
+          </a:xfrm>
+          <a:prstGeom prst="rect">
+            <a:avLst/>
+          </a:prstGeom>
+          <a:noFill/>
+        </p:spPr>
+        <p:txBody>
+          <a:bodyPr wrap="square" rtlCol="0">
+            <a:spAutoFit/>
+          </a:bodyPr>
+          <a:lstStyle/>
+          <a:p>
+            <a:r>
+              <a:rPr lang="en-US" altLang="ko-KR" dirty="0" smtClean="0">
+                <a:effectLst>
+                  <a:glow rad="228600">
+                    <a:schemeClr val="bg1">
+                      <a:lumMod val="95000"/>
+                      <a:alpha val="40000"/>
+                    </a:schemeClr>
+                  </a:glow>
+                </a:effectLst>
+              </a:rPr>
+              <a:t>Score 0</a:t>
+            </a:r>
+            <a:endParaRPr lang="ko-KR" altLang="en-US" dirty="0">
+              <a:effectLst>
+                <a:glow rad="228600">
+                  <a:schemeClr val="bg1">
+                    <a:lumMod val="95000"/>
+                    <a:alpha val="40000"/>
+                  </a:schemeClr>
+                </a:glow>
+              </a:effectLst>
+            </a:endParaRPr>
+          </a:p>
+        </p:txBody>
+      </p:sp>
+      <p:sp>
+        <p:nvSpPr>
+          <p:cNvPr id="15" name="TextBox 14"/>
+          <p:cNvSpPr txBox="1"/>
+          <p:nvPr/>
+        </p:nvSpPr>
+        <p:spPr>
+          <a:xfrm>
+            <a:off x="2202369" y="4955140"/>
+            <a:ext cx="3877114" cy="461665"/>
+          </a:xfrm>
+          <a:prstGeom prst="rect">
+            <a:avLst/>
+          </a:prstGeom>
+          <a:noFill/>
+        </p:spPr>
+        <p:txBody>
+          <a:bodyPr wrap="square" rtlCol="0">
+            <a:spAutoFit/>
+          </a:bodyPr>
+          <a:lstStyle/>
+          <a:p>
+            <a:r>
+              <a:rPr lang="en-US" altLang="ko-KR" sz="1200" dirty="0" smtClean="0">
+                <a:effectLst>
+                  <a:glow rad="228600">
+                    <a:schemeClr val="accent6">
+                      <a:satMod val="175000"/>
+                      <a:alpha val="40000"/>
+                    </a:schemeClr>
+                  </a:glow>
+                </a:effectLst>
+              </a:rPr>
+              <a:t>Player 1  - </a:t>
+            </a:r>
+            <a:r>
+              <a:rPr lang="ko-KR" altLang="en-US" sz="1200" dirty="0" err="1" smtClean="0">
+                <a:effectLst>
+                  <a:glow rad="228600">
+                    <a:schemeClr val="accent6">
+                      <a:satMod val="175000"/>
+                      <a:alpha val="40000"/>
+                    </a:schemeClr>
+                  </a:glow>
+                </a:effectLst>
+              </a:rPr>
+              <a:t>처치몬스터</a:t>
+            </a:r>
+            <a:r>
+              <a:rPr lang="ko-KR" altLang="en-US" sz="1200" dirty="0" smtClean="0">
+                <a:effectLst>
+                  <a:glow rad="228600">
+                    <a:schemeClr val="accent6">
+                      <a:satMod val="175000"/>
+                      <a:alpha val="40000"/>
+                    </a:schemeClr>
+                  </a:glow>
+                </a:effectLst>
+              </a:rPr>
+              <a:t> </a:t>
+            </a:r>
+            <a:r>
+              <a:rPr lang="en-US" altLang="ko-KR" sz="1200" dirty="0" smtClean="0">
+                <a:effectLst>
+                  <a:glow rad="228600">
+                    <a:schemeClr val="accent6">
+                      <a:satMod val="175000"/>
+                      <a:alpha val="40000"/>
+                    </a:schemeClr>
+                  </a:glow>
+                </a:effectLst>
+              </a:rPr>
+              <a:t>: 0 </a:t>
+            </a:r>
+          </a:p>
+          <a:p>
+            <a:r>
+              <a:rPr lang="en-US" altLang="ko-KR" sz="1200" dirty="0">
+                <a:effectLst>
+                  <a:glow rad="228600">
+                    <a:schemeClr val="accent6">
+                      <a:satMod val="175000"/>
+                      <a:alpha val="40000"/>
+                    </a:schemeClr>
+                  </a:glow>
+                </a:effectLst>
+              </a:rPr>
+              <a:t> </a:t>
+            </a:r>
+            <a:r>
+              <a:rPr lang="en-US" altLang="ko-KR" sz="1200" dirty="0" smtClean="0">
+                <a:effectLst>
+                  <a:glow rad="228600">
+                    <a:schemeClr val="accent6">
+                      <a:satMod val="175000"/>
+                      <a:alpha val="40000"/>
+                    </a:schemeClr>
+                  </a:glow>
+                </a:effectLst>
+              </a:rPr>
+              <a:t>             </a:t>
+            </a:r>
+            <a:r>
+              <a:rPr lang="ko-KR" altLang="en-US" sz="1200" dirty="0" smtClean="0">
+                <a:effectLst>
+                  <a:glow rad="228600">
+                    <a:schemeClr val="accent6">
+                      <a:satMod val="175000"/>
+                      <a:alpha val="40000"/>
+                    </a:schemeClr>
+                  </a:glow>
+                </a:effectLst>
+              </a:rPr>
+              <a:t>처치플레이어 </a:t>
+            </a:r>
+            <a:r>
+              <a:rPr lang="en-US" altLang="ko-KR" sz="1200" dirty="0" smtClean="0">
+                <a:effectLst>
+                  <a:glow rad="228600">
+                    <a:schemeClr val="accent6">
+                      <a:satMod val="175000"/>
+                      <a:alpha val="40000"/>
+                    </a:schemeClr>
+                  </a:glow>
+                </a:effectLst>
+              </a:rPr>
+              <a:t>: 0</a:t>
+            </a:r>
+            <a:endParaRPr lang="ko-KR" altLang="en-US" sz="1200" dirty="0">
+              <a:effectLst>
+                <a:glow rad="228600">
+                  <a:schemeClr val="accent6">
+                    <a:satMod val="175000"/>
+                    <a:alpha val="40000"/>
+                  </a:schemeClr>
+                </a:glow>
+              </a:effectLst>
+            </a:endParaRPr>
+          </a:p>
+        </p:txBody>
+      </p:sp>
+      <p:sp>
+        <p:nvSpPr>
+          <p:cNvPr id="16" name="TextBox 15"/>
+          <p:cNvSpPr txBox="1"/>
+          <p:nvPr/>
+        </p:nvSpPr>
+        <p:spPr>
+          <a:xfrm>
+            <a:off x="2202369" y="5523352"/>
+            <a:ext cx="3877114" cy="461665"/>
+          </a:xfrm>
+          <a:prstGeom prst="rect">
+            <a:avLst/>
+          </a:prstGeom>
+          <a:noFill/>
+        </p:spPr>
+        <p:txBody>
+          <a:bodyPr wrap="square" rtlCol="0">
+            <a:spAutoFit/>
+          </a:bodyPr>
+          <a:lstStyle/>
+          <a:p>
+            <a:r>
+              <a:rPr lang="en-US" altLang="ko-KR" sz="1200" dirty="0" smtClean="0">
+                <a:effectLst>
+                  <a:glow rad="228600">
+                    <a:schemeClr val="accent1">
+                      <a:satMod val="175000"/>
+                      <a:alpha val="40000"/>
+                    </a:schemeClr>
+                  </a:glow>
+                </a:effectLst>
+              </a:rPr>
+              <a:t>Player 2  - </a:t>
+            </a:r>
+            <a:r>
+              <a:rPr lang="ko-KR" altLang="en-US" sz="1200" dirty="0" err="1" smtClean="0">
+                <a:effectLst>
+                  <a:glow rad="228600">
+                    <a:schemeClr val="accent1">
+                      <a:satMod val="175000"/>
+                      <a:alpha val="40000"/>
+                    </a:schemeClr>
+                  </a:glow>
+                </a:effectLst>
+              </a:rPr>
+              <a:t>처치몬스터</a:t>
+            </a:r>
+            <a:r>
+              <a:rPr lang="ko-KR" altLang="en-US" sz="1200" dirty="0" smtClean="0">
+                <a:effectLst>
+                  <a:glow rad="228600">
+                    <a:schemeClr val="accent1">
+                      <a:satMod val="175000"/>
+                      <a:alpha val="40000"/>
+                    </a:schemeClr>
+                  </a:glow>
+                </a:effectLst>
+              </a:rPr>
+              <a:t> </a:t>
+            </a:r>
+            <a:r>
+              <a:rPr lang="en-US" altLang="ko-KR" sz="1200" dirty="0" smtClean="0">
+                <a:effectLst>
+                  <a:glow rad="228600">
+                    <a:schemeClr val="accent1">
+                      <a:satMod val="175000"/>
+                      <a:alpha val="40000"/>
+                    </a:schemeClr>
+                  </a:glow>
+                </a:effectLst>
+              </a:rPr>
+              <a:t>: 0 </a:t>
+            </a:r>
+          </a:p>
+          <a:p>
+            <a:r>
+              <a:rPr lang="en-US" altLang="ko-KR" sz="1200" dirty="0">
+                <a:effectLst>
+                  <a:glow rad="228600">
+                    <a:schemeClr val="accent1">
+                      <a:satMod val="175000"/>
+                      <a:alpha val="40000"/>
+                    </a:schemeClr>
+                  </a:glow>
+                </a:effectLst>
+              </a:rPr>
+              <a:t> </a:t>
+            </a:r>
+            <a:r>
+              <a:rPr lang="en-US" altLang="ko-KR" sz="1200" dirty="0" smtClean="0">
+                <a:effectLst>
+                  <a:glow rad="228600">
+                    <a:schemeClr val="accent1">
+                      <a:satMod val="175000"/>
+                      <a:alpha val="40000"/>
+                    </a:schemeClr>
+                  </a:glow>
+                </a:effectLst>
+              </a:rPr>
+              <a:t>             </a:t>
+            </a:r>
+            <a:r>
+              <a:rPr lang="ko-KR" altLang="en-US" sz="1200" dirty="0" smtClean="0">
+                <a:effectLst>
+                  <a:glow rad="228600">
+                    <a:schemeClr val="accent1">
+                      <a:satMod val="175000"/>
+                      <a:alpha val="40000"/>
+                    </a:schemeClr>
+                  </a:glow>
+                </a:effectLst>
+              </a:rPr>
+              <a:t>처치플레이어 </a:t>
+            </a:r>
+            <a:r>
+              <a:rPr lang="en-US" altLang="ko-KR" sz="1200" dirty="0" smtClean="0">
+                <a:effectLst>
+                  <a:glow rad="228600">
+                    <a:schemeClr val="accent1">
+                      <a:satMod val="175000"/>
+                      <a:alpha val="40000"/>
+                    </a:schemeClr>
+                  </a:glow>
+                </a:effectLst>
+              </a:rPr>
+              <a:t>: 0</a:t>
+            </a:r>
+            <a:endParaRPr lang="ko-KR" altLang="en-US" sz="1200" dirty="0">
+              <a:effectLst>
+                <a:glow rad="228600">
+                  <a:schemeClr val="accent1">
+                    <a:satMod val="175000"/>
+                    <a:alpha val="40000"/>
+                  </a:schemeClr>
+                </a:glow>
+              </a:effectLst>
+            </a:endParaRPr>
+          </a:p>
+        </p:txBody>
+      </p:sp>
+      <p:sp>
+        <p:nvSpPr>
+          <p:cNvPr id="17" name="TextBox 16"/>
+          <p:cNvSpPr txBox="1"/>
+          <p:nvPr/>
+        </p:nvSpPr>
+        <p:spPr>
+          <a:xfrm>
+            <a:off x="2202369" y="6087811"/>
+            <a:ext cx="3877114" cy="461665"/>
+          </a:xfrm>
+          <a:prstGeom prst="rect">
+            <a:avLst/>
+          </a:prstGeom>
+          <a:noFill/>
+        </p:spPr>
+        <p:txBody>
+          <a:bodyPr wrap="square" rtlCol="0">
+            <a:spAutoFit/>
+          </a:bodyPr>
+          <a:lstStyle/>
+          <a:p>
+            <a:r>
+              <a:rPr lang="en-US" altLang="ko-KR" sz="1200" dirty="0" smtClean="0">
+                <a:effectLst>
+                  <a:glow rad="228600">
+                    <a:schemeClr val="accent2">
+                      <a:satMod val="175000"/>
+                      <a:alpha val="40000"/>
+                    </a:schemeClr>
+                  </a:glow>
+                </a:effectLst>
+              </a:rPr>
+              <a:t>Player 3  - </a:t>
+            </a:r>
+            <a:r>
+              <a:rPr lang="ko-KR" altLang="en-US" sz="1200" dirty="0" err="1" smtClean="0">
+                <a:effectLst>
+                  <a:glow rad="228600">
+                    <a:schemeClr val="accent2">
+                      <a:satMod val="175000"/>
+                      <a:alpha val="40000"/>
+                    </a:schemeClr>
+                  </a:glow>
+                </a:effectLst>
+              </a:rPr>
+              <a:t>처치몬스터</a:t>
+            </a:r>
+            <a:r>
+              <a:rPr lang="ko-KR" altLang="en-US" sz="1200" dirty="0" smtClean="0">
+                <a:effectLst>
+                  <a:glow rad="228600">
+                    <a:schemeClr val="accent2">
+                      <a:satMod val="175000"/>
+                      <a:alpha val="40000"/>
+                    </a:schemeClr>
+                  </a:glow>
+                </a:effectLst>
+              </a:rPr>
+              <a:t> </a:t>
+            </a:r>
+            <a:r>
+              <a:rPr lang="en-US" altLang="ko-KR" sz="1200" dirty="0" smtClean="0">
+                <a:effectLst>
+                  <a:glow rad="228600">
+                    <a:schemeClr val="accent2">
+                      <a:satMod val="175000"/>
+                      <a:alpha val="40000"/>
+                    </a:schemeClr>
+                  </a:glow>
+                </a:effectLst>
+              </a:rPr>
+              <a:t>: 0 </a:t>
+            </a:r>
+          </a:p>
+          <a:p>
+            <a:r>
+              <a:rPr lang="en-US" altLang="ko-KR" sz="1200" dirty="0">
+                <a:effectLst>
+                  <a:glow rad="228600">
+                    <a:schemeClr val="accent2">
+                      <a:satMod val="175000"/>
+                      <a:alpha val="40000"/>
+                    </a:schemeClr>
+                  </a:glow>
+                </a:effectLst>
+              </a:rPr>
+              <a:t> </a:t>
+            </a:r>
+            <a:r>
+              <a:rPr lang="en-US" altLang="ko-KR" sz="1200" dirty="0" smtClean="0">
+                <a:effectLst>
+                  <a:glow rad="228600">
+                    <a:schemeClr val="accent2">
+                      <a:satMod val="175000"/>
+                      <a:alpha val="40000"/>
+                    </a:schemeClr>
+                  </a:glow>
+                </a:effectLst>
+              </a:rPr>
+              <a:t>             </a:t>
+            </a:r>
+            <a:r>
+              <a:rPr lang="ko-KR" altLang="en-US" sz="1200" dirty="0" smtClean="0">
+                <a:effectLst>
+                  <a:glow rad="228600">
+                    <a:schemeClr val="accent2">
+                      <a:satMod val="175000"/>
+                      <a:alpha val="40000"/>
+                    </a:schemeClr>
+                  </a:glow>
+                </a:effectLst>
+              </a:rPr>
+              <a:t>처치플레이어 </a:t>
+            </a:r>
+            <a:r>
+              <a:rPr lang="en-US" altLang="ko-KR" sz="1200" dirty="0" smtClean="0">
+                <a:effectLst>
+                  <a:glow rad="228600">
+                    <a:schemeClr val="accent2">
+                      <a:satMod val="175000"/>
+                      <a:alpha val="40000"/>
+                    </a:schemeClr>
+                  </a:glow>
+                </a:effectLst>
+              </a:rPr>
+              <a:t>: 0</a:t>
+            </a:r>
+            <a:endParaRPr lang="ko-KR" altLang="en-US" sz="1200" dirty="0">
+              <a:effectLst>
+                <a:glow rad="228600">
+                  <a:schemeClr val="accent2">
+                    <a:satMod val="175000"/>
+                    <a:alpha val="40000"/>
+                  </a:schemeClr>
+                </a:glow>
+              </a:effectLst>
+            </a:endParaRPr>
+          </a:p>
+        </p:txBody>
+      </p:sp>
+      <p:sp>
+        <p:nvSpPr>
+          <p:cNvPr id="2" name="원호 1"/>
+          <p:cNvSpPr/>
+          <p:nvPr/>
+        </p:nvSpPr>
+        <p:spPr>
+          <a:xfrm rot="12161994">
+            <a:off x="400074" y="1579005"/>
+            <a:ext cx="3023194" cy="3580099"/>
+          </a:xfrm>
+          <a:prstGeom prst="arc">
+            <a:avLst>
+              <a:gd name="adj1" fmla="val 14505169"/>
+              <a:gd name="adj2" fmla="val 0"/>
+            </a:avLst>
+          </a:prstGeom>
+          <a:ln>
+            <a:solidFill>
+              <a:srgbClr val="FF0000"/>
+            </a:solidFill>
+          </a:ln>
+        </p:spPr>
+        <p:style>
+          <a:lnRef idx="3">
+            <a:schemeClr val="accent2"/>
+          </a:lnRef>
+          <a:fillRef idx="0">
+            <a:schemeClr val="accent2"/>
+          </a:fillRef>
+          <a:effectRef idx="2">
+            <a:schemeClr val="accent2"/>
+          </a:effectRef>
+          <a:fontRef idx="minor">
+            <a:schemeClr val="tx1"/>
+          </a:fontRef>
+        </p:style>
+        <p:txBody>
+          <a:bodyPr rtlCol="0" anchor="ctr"/>
+          <a:lstStyle/>
+          <a:p>
+            <a:pPr algn="ctr"/>
+            <a:endParaRPr lang="ko-KR" altLang="en-US">
+              <a:solidFill>
+                <a:srgbClr val="FF0000"/>
+              </a:solidFill>
+            </a:endParaRPr>
+          </a:p>
+        </p:txBody>
+      </p:sp>
+      <p:sp>
+        <p:nvSpPr>
+          <p:cNvPr id="4" name="이등변 삼각형 3"/>
+          <p:cNvSpPr/>
+          <p:nvPr/>
+        </p:nvSpPr>
+        <p:spPr>
+          <a:xfrm rot="5175691">
+            <a:off x="1398963" y="4742210"/>
+            <a:ext cx="720080" cy="792088"/>
+          </a:xfrm>
+          <a:prstGeom prst="triangle">
+            <a:avLst/>
+          </a:prstGeom>
+          <a:solidFill>
+            <a:srgbClr val="FF0000"/>
+          </a:solidFill>
+          <a:ln>
+            <a:solidFill>
+              <a:srgbClr val="FF0000"/>
+            </a:solidFill>
+          </a:ln>
+        </p:spPr>
+        <p:style>
+          <a:lnRef idx="2">
+            <a:schemeClr val="accent1">
+              <a:shade val="50000"/>
+            </a:schemeClr>
+          </a:lnRef>
+          <a:fillRef idx="1">
+            <a:schemeClr val="accent1"/>
+          </a:fillRef>
+          <a:effectRef idx="0">
+            <a:schemeClr val="accent1"/>
+          </a:effectRef>
+          <a:fontRef idx="minor">
+            <a:schemeClr val="lt1"/>
+          </a:fontRef>
+        </p:style>
+        <p:txBody>
+          <a:bodyPr rtlCol="0" anchor="ctr"/>
+          <a:lstStyle/>
+          <a:p>
+            <a:pPr algn="ctr"/>
+            <a:endParaRPr lang="ko-KR" altLang="en-US"/>
           </a:p>
         </p:txBody>
       </p:sp>

--- a/졸업작품 제안서(박요한,민두홍,정재훈).pptx
+++ b/졸업작품 제안서(박요한,민두홍,정재훈).pptx
@@ -11,8 +11,8 @@
     <p:sldId id="258" r:id="rId5"/>
     <p:sldId id="271" r:id="rId6"/>
     <p:sldId id="275" r:id="rId7"/>
-    <p:sldId id="274" r:id="rId8"/>
-    <p:sldId id="273" r:id="rId9"/>
+    <p:sldId id="279" r:id="rId8"/>
+    <p:sldId id="274" r:id="rId9"/>
     <p:sldId id="259" r:id="rId10"/>
     <p:sldId id="266" r:id="rId11"/>
     <p:sldId id="267" r:id="rId12"/>
@@ -319,7 +319,7 @@
           <a:p>
             <a:fld id="{72AB2BDB-30B0-46F9-BF75-9B88525280A4}" type="datetimeFigureOut">
               <a:rPr lang="ko-KR" altLang="en-US" smtClean="0"/>
-              <a:t>2016-12-16</a:t>
+              <a:t>2016-12-17</a:t>
             </a:fld>
             <a:endParaRPr lang="ko-KR" altLang="en-US"/>
           </a:p>
@@ -489,7 +489,7 @@
           <a:p>
             <a:fld id="{72AB2BDB-30B0-46F9-BF75-9B88525280A4}" type="datetimeFigureOut">
               <a:rPr lang="ko-KR" altLang="en-US" smtClean="0"/>
-              <a:t>2016-12-16</a:t>
+              <a:t>2016-12-17</a:t>
             </a:fld>
             <a:endParaRPr lang="ko-KR" altLang="en-US"/>
           </a:p>
@@ -669,7 +669,7 @@
           <a:p>
             <a:fld id="{72AB2BDB-30B0-46F9-BF75-9B88525280A4}" type="datetimeFigureOut">
               <a:rPr lang="ko-KR" altLang="en-US" smtClean="0"/>
-              <a:t>2016-12-16</a:t>
+              <a:t>2016-12-17</a:t>
             </a:fld>
             <a:endParaRPr lang="ko-KR" altLang="en-US"/>
           </a:p>
@@ -839,7 +839,7 @@
           <a:p>
             <a:fld id="{72AB2BDB-30B0-46F9-BF75-9B88525280A4}" type="datetimeFigureOut">
               <a:rPr lang="ko-KR" altLang="en-US" smtClean="0"/>
-              <a:t>2016-12-16</a:t>
+              <a:t>2016-12-17</a:t>
             </a:fld>
             <a:endParaRPr lang="ko-KR" altLang="en-US"/>
           </a:p>
@@ -1085,7 +1085,7 @@
           <a:p>
             <a:fld id="{72AB2BDB-30B0-46F9-BF75-9B88525280A4}" type="datetimeFigureOut">
               <a:rPr lang="ko-KR" altLang="en-US" smtClean="0"/>
-              <a:t>2016-12-16</a:t>
+              <a:t>2016-12-17</a:t>
             </a:fld>
             <a:endParaRPr lang="ko-KR" altLang="en-US"/>
           </a:p>
@@ -1373,7 +1373,7 @@
           <a:p>
             <a:fld id="{72AB2BDB-30B0-46F9-BF75-9B88525280A4}" type="datetimeFigureOut">
               <a:rPr lang="ko-KR" altLang="en-US" smtClean="0"/>
-              <a:t>2016-12-16</a:t>
+              <a:t>2016-12-17</a:t>
             </a:fld>
             <a:endParaRPr lang="ko-KR" altLang="en-US"/>
           </a:p>
@@ -1795,7 +1795,7 @@
           <a:p>
             <a:fld id="{72AB2BDB-30B0-46F9-BF75-9B88525280A4}" type="datetimeFigureOut">
               <a:rPr lang="ko-KR" altLang="en-US" smtClean="0"/>
-              <a:t>2016-12-16</a:t>
+              <a:t>2016-12-17</a:t>
             </a:fld>
             <a:endParaRPr lang="ko-KR" altLang="en-US"/>
           </a:p>
@@ -1913,7 +1913,7 @@
           <a:p>
             <a:fld id="{72AB2BDB-30B0-46F9-BF75-9B88525280A4}" type="datetimeFigureOut">
               <a:rPr lang="ko-KR" altLang="en-US" smtClean="0"/>
-              <a:t>2016-12-16</a:t>
+              <a:t>2016-12-17</a:t>
             </a:fld>
             <a:endParaRPr lang="ko-KR" altLang="en-US"/>
           </a:p>
@@ -2008,7 +2008,7 @@
           <a:p>
             <a:fld id="{72AB2BDB-30B0-46F9-BF75-9B88525280A4}" type="datetimeFigureOut">
               <a:rPr lang="ko-KR" altLang="en-US" smtClean="0"/>
-              <a:t>2016-12-16</a:t>
+              <a:t>2016-12-17</a:t>
             </a:fld>
             <a:endParaRPr lang="ko-KR" altLang="en-US"/>
           </a:p>
@@ -2285,7 +2285,7 @@
           <a:p>
             <a:fld id="{72AB2BDB-30B0-46F9-BF75-9B88525280A4}" type="datetimeFigureOut">
               <a:rPr lang="ko-KR" altLang="en-US" smtClean="0"/>
-              <a:t>2016-12-16</a:t>
+              <a:t>2016-12-17</a:t>
             </a:fld>
             <a:endParaRPr lang="ko-KR" altLang="en-US"/>
           </a:p>
@@ -2538,7 +2538,7 @@
           <a:p>
             <a:fld id="{72AB2BDB-30B0-46F9-BF75-9B88525280A4}" type="datetimeFigureOut">
               <a:rPr lang="ko-KR" altLang="en-US" smtClean="0"/>
-              <a:t>2016-12-16</a:t>
+              <a:t>2016-12-17</a:t>
             </a:fld>
             <a:endParaRPr lang="ko-KR" altLang="en-US"/>
           </a:p>
@@ -2797,7 +2797,7 @@
           <a:p>
             <a:fld id="{72AB2BDB-30B0-46F9-BF75-9B88525280A4}" type="datetimeFigureOut">
               <a:rPr lang="ko-KR" altLang="en-US" smtClean="0"/>
-              <a:t>2016-12-16</a:t>
+              <a:t>2016-12-17</a:t>
             </a:fld>
             <a:endParaRPr lang="ko-KR" altLang="en-US"/>
           </a:p>
@@ -6667,17 +6667,7 @@
                 <a:latin typeface="HY헤드라인M" panose="02030600000101010101" pitchFamily="18" charset="-127"/>
                 <a:ea typeface="HY헤드라인M" panose="02030600000101010101" pitchFamily="18" charset="-127"/>
               </a:rPr>
-              <a:t>게임에 </a:t>
-            </a:r>
-            <a:r>
-              <a:rPr lang="ko-KR" altLang="en-US" sz="1600" kern="0" dirty="0" smtClean="0">
-                <a:solidFill>
-                  <a:schemeClr val="bg1"/>
-                </a:solidFill>
-                <a:latin typeface="HY헤드라인M" panose="02030600000101010101" pitchFamily="18" charset="-127"/>
-                <a:ea typeface="HY헤드라인M" panose="02030600000101010101" pitchFamily="18" charset="-127"/>
-              </a:rPr>
-              <a:t>시간제한을 </a:t>
+              <a:t>게임에 시간제한을 </a:t>
             </a:r>
             <a:r>
               <a:rPr lang="ko-KR" altLang="en-US" sz="1600" kern="0" dirty="0">
@@ -17759,37 +17749,17 @@
                 <a:latin typeface="HY헤드라인M" panose="02030600000101010101" pitchFamily="18" charset="-127"/>
                 <a:ea typeface="HY헤드라인M" panose="02030600000101010101" pitchFamily="18" charset="-127"/>
               </a:rPr>
-              <a:t>어둠 속에서 </a:t>
-            </a:r>
-            <a:r>
-              <a:rPr lang="ko-KR" altLang="en-US" kern="0" dirty="0" smtClean="0">
+              <a:t>어둠 속에서 각 플레이어</a:t>
+            </a:r>
+            <a:r>
+              <a:rPr lang="en-US" altLang="ko-KR" kern="0" dirty="0" smtClean="0">
                 <a:solidFill>
                   <a:schemeClr val="bg1"/>
                 </a:solidFill>
                 <a:latin typeface="HY헤드라인M" panose="02030600000101010101" pitchFamily="18" charset="-127"/>
                 <a:ea typeface="HY헤드라인M" panose="02030600000101010101" pitchFamily="18" charset="-127"/>
               </a:rPr>
-              <a:t>각 플레이어</a:t>
-            </a:r>
-            <a:r>
-              <a:rPr lang="en-US" altLang="ko-KR" kern="0" dirty="0" smtClean="0">
-                <a:solidFill>
-                  <a:schemeClr val="bg1"/>
-                </a:solidFill>
-                <a:latin typeface="HY헤드라인M" panose="02030600000101010101" pitchFamily="18" charset="-127"/>
-                <a:ea typeface="HY헤드라인M" panose="02030600000101010101" pitchFamily="18" charset="-127"/>
-              </a:rPr>
-              <a:t>(</a:t>
-            </a:r>
-            <a:r>
-              <a:rPr lang="en-US" altLang="ko-KR" kern="0" dirty="0" smtClean="0">
-                <a:solidFill>
-                  <a:schemeClr val="bg1"/>
-                </a:solidFill>
-                <a:latin typeface="HY헤드라인M" panose="02030600000101010101" pitchFamily="18" charset="-127"/>
-                <a:ea typeface="HY헤드라인M" panose="02030600000101010101" pitchFamily="18" charset="-127"/>
-              </a:rPr>
-              <a:t>2~8</a:t>
+              <a:t>(2~8</a:t>
             </a:r>
             <a:r>
               <a:rPr lang="ko-KR" altLang="en-US" kern="0" dirty="0" smtClean="0">
@@ -18012,7 +17982,37 @@
                 <a:latin typeface="HY헤드라인M" panose="02030600000101010101" pitchFamily="18" charset="-127"/>
                 <a:ea typeface="HY헤드라인M" panose="02030600000101010101" pitchFamily="18" charset="-127"/>
               </a:rPr>
-              <a:t>속도에서 몬스터를 죽일 때 마다 </a:t>
+              <a:t>속도에서 </a:t>
+            </a:r>
+            <a:r>
+              <a:rPr lang="ko-KR" altLang="en-US" kern="0" dirty="0" smtClean="0">
+                <a:solidFill>
+                  <a:schemeClr val="bg1"/>
+                </a:solidFill>
+                <a:latin typeface="HY헤드라인M" panose="02030600000101010101" pitchFamily="18" charset="-127"/>
+                <a:ea typeface="HY헤드라인M" panose="02030600000101010101" pitchFamily="18" charset="-127"/>
+              </a:rPr>
+              <a:t>플레이어가 아닌 </a:t>
+            </a:r>
+            <a:r>
+              <a:rPr lang="ko-KR" altLang="en-US" kern="0" dirty="0" smtClean="0">
+                <a:solidFill>
+                  <a:schemeClr val="bg1"/>
+                </a:solidFill>
+                <a:latin typeface="HY헤드라인M" panose="02030600000101010101" pitchFamily="18" charset="-127"/>
+                <a:ea typeface="HY헤드라인M" panose="02030600000101010101" pitchFamily="18" charset="-127"/>
+              </a:rPr>
+              <a:t>몬스터를 </a:t>
+            </a:r>
+            <a:r>
+              <a:rPr lang="ko-KR" altLang="en-US" kern="0" dirty="0">
+                <a:solidFill>
+                  <a:schemeClr val="bg1"/>
+                </a:solidFill>
+                <a:latin typeface="HY헤드라인M" panose="02030600000101010101" pitchFamily="18" charset="-127"/>
+                <a:ea typeface="HY헤드라인M" panose="02030600000101010101" pitchFamily="18" charset="-127"/>
+              </a:rPr>
+              <a:t>죽일 때 마다 </a:t>
             </a:r>
             <a:r>
               <a:rPr lang="ko-KR" altLang="en-US" kern="0" dirty="0" smtClean="0">
@@ -18744,17 +18744,7 @@
                 <a:latin typeface="HY헤드라인M" panose="02030600000101010101" pitchFamily="18" charset="-127"/>
                 <a:ea typeface="HY헤드라인M" panose="02030600000101010101" pitchFamily="18" charset="-127"/>
               </a:rPr>
-              <a:t> </a:t>
-            </a:r>
-            <a:r>
-              <a:rPr lang="ko-KR" altLang="en-US" kern="0" dirty="0" smtClean="0">
-                <a:solidFill>
-                  <a:schemeClr val="bg1"/>
-                </a:solidFill>
-                <a:latin typeface="HY헤드라인M" panose="02030600000101010101" pitchFamily="18" charset="-127"/>
-                <a:ea typeface="HY헤드라인M" panose="02030600000101010101" pitchFamily="18" charset="-127"/>
-              </a:rPr>
-              <a:t>제작</a:t>
+              <a:t> 제작</a:t>
             </a:r>
             <a:endParaRPr lang="en-US" altLang="ko-KR" kern="0" dirty="0" smtClean="0">
               <a:solidFill>
@@ -19433,9 +19423,67 @@
           </a:p>
         </p:txBody>
       </p:sp>
+      <p:sp>
+        <p:nvSpPr>
+          <p:cNvPr id="4" name="TextBox 3"/>
+          <p:cNvSpPr txBox="1"/>
+          <p:nvPr/>
+        </p:nvSpPr>
+        <p:spPr>
+          <a:xfrm>
+            <a:off x="1402415" y="1456397"/>
+            <a:ext cx="1440160" cy="369332"/>
+          </a:xfrm>
+          <a:prstGeom prst="rect">
+            <a:avLst/>
+          </a:prstGeom>
+          <a:noFill/>
+        </p:spPr>
+        <p:txBody>
+          <a:bodyPr wrap="square" rtlCol="0">
+            <a:spAutoFit/>
+          </a:bodyPr>
+          <a:lstStyle/>
+          <a:p>
+            <a:r>
+              <a:rPr lang="ko-KR" altLang="en-US" dirty="0" smtClean="0">
+                <a:solidFill>
+                  <a:schemeClr val="bg1"/>
+                </a:solidFill>
+                <a:effectLst>
+                  <a:glow rad="228600">
+                    <a:schemeClr val="accent1">
+                      <a:satMod val="175000"/>
+                      <a:alpha val="40000"/>
+                    </a:schemeClr>
+                  </a:glow>
+                </a:effectLst>
+              </a:rPr>
+              <a:t>맵 </a:t>
+            </a:r>
+            <a:r>
+              <a:rPr lang="ko-KR" altLang="en-US" dirty="0" err="1" smtClean="0">
+                <a:solidFill>
+                  <a:schemeClr val="bg1"/>
+                </a:solidFill>
+                <a:effectLst>
+                  <a:glow rad="228600">
+                    <a:schemeClr val="accent1">
+                      <a:satMod val="175000"/>
+                      <a:alpha val="40000"/>
+                    </a:schemeClr>
+                  </a:glow>
+                </a:effectLst>
+              </a:rPr>
+              <a:t>예시화면</a:t>
+            </a:r>
+            <a:endParaRPr lang="ko-KR" altLang="en-US" dirty="0"/>
+          </a:p>
+        </p:txBody>
+      </p:sp>
       <p:pic>
         <p:nvPicPr>
-          <p:cNvPr id="2" name="그림 1"/>
+          <p:cNvPr id="6" name="그림 5"/>
           <p:cNvPicPr>
             <a:picLocks noChangeAspect="1"/>
           </p:cNvPicPr>
@@ -19449,14 +19497,610 @@
         </p:blipFill>
         <p:spPr>
           <a:xfrm>
-            <a:off x="276225" y="1257300"/>
-            <a:ext cx="8591550" cy="4343400"/>
+            <a:off x="4355976" y="1818053"/>
+            <a:ext cx="4533619" cy="3558270"/>
           </a:xfrm>
           <a:prstGeom prst="rect">
             <a:avLst/>
           </a:prstGeom>
         </p:spPr>
       </p:pic>
+      <p:sp>
+        <p:nvSpPr>
+          <p:cNvPr id="13" name="TextBox 12"/>
+          <p:cNvSpPr txBox="1"/>
+          <p:nvPr/>
+        </p:nvSpPr>
+        <p:spPr>
+          <a:xfrm>
+            <a:off x="5569097" y="1412775"/>
+            <a:ext cx="2520280" cy="369332"/>
+          </a:xfrm>
+          <a:prstGeom prst="rect">
+            <a:avLst/>
+          </a:prstGeom>
+          <a:noFill/>
+        </p:spPr>
+        <p:txBody>
+          <a:bodyPr wrap="square" rtlCol="0">
+            <a:spAutoFit/>
+          </a:bodyPr>
+          <a:lstStyle/>
+          <a:p>
+            <a:r>
+              <a:rPr lang="ko-KR" altLang="en-US" dirty="0" smtClean="0">
+                <a:solidFill>
+                  <a:schemeClr val="bg1"/>
+                </a:solidFill>
+                <a:effectLst>
+                  <a:glow rad="228600">
+                    <a:schemeClr val="accent1">
+                      <a:satMod val="175000"/>
+                      <a:alpha val="40000"/>
+                    </a:schemeClr>
+                  </a:glow>
+                </a:effectLst>
+              </a:rPr>
+              <a:t>개인 게임화면 예시</a:t>
+            </a:r>
+            <a:endParaRPr lang="ko-KR" altLang="en-US" dirty="0"/>
+          </a:p>
+        </p:txBody>
+      </p:sp>
+      <p:sp>
+        <p:nvSpPr>
+          <p:cNvPr id="15" name="TextBox 14"/>
+          <p:cNvSpPr txBox="1"/>
+          <p:nvPr/>
+        </p:nvSpPr>
+        <p:spPr>
+          <a:xfrm>
+            <a:off x="8144354" y="1818677"/>
+            <a:ext cx="1152128" cy="215444"/>
+          </a:xfrm>
+          <a:prstGeom prst="rect">
+            <a:avLst/>
+          </a:prstGeom>
+          <a:noFill/>
+        </p:spPr>
+        <p:txBody>
+          <a:bodyPr wrap="square" rtlCol="0">
+            <a:spAutoFit/>
+          </a:bodyPr>
+          <a:lstStyle/>
+          <a:p>
+            <a:r>
+              <a:rPr lang="ko-KR" altLang="en-US" sz="800" dirty="0" err="1" smtClean="0">
+                <a:solidFill>
+                  <a:schemeClr val="bg1"/>
+                </a:solidFill>
+                <a:effectLst>
+                  <a:glow rad="228600">
+                    <a:schemeClr val="accent1">
+                      <a:satMod val="175000"/>
+                      <a:alpha val="40000"/>
+                    </a:schemeClr>
+                  </a:glow>
+                </a:effectLst>
+              </a:rPr>
+              <a:t>흐른시간</a:t>
+            </a:r>
+            <a:r>
+              <a:rPr lang="ko-KR" altLang="en-US" sz="800" dirty="0" smtClean="0">
+                <a:solidFill>
+                  <a:schemeClr val="bg1"/>
+                </a:solidFill>
+                <a:effectLst>
+                  <a:glow rad="228600">
+                    <a:schemeClr val="accent1">
+                      <a:satMod val="175000"/>
+                      <a:alpha val="40000"/>
+                    </a:schemeClr>
+                  </a:glow>
+                </a:effectLst>
+              </a:rPr>
+              <a:t> </a:t>
+            </a:r>
+            <a:r>
+              <a:rPr lang="en-US" altLang="ko-KR" sz="800" dirty="0" smtClean="0">
+                <a:solidFill>
+                  <a:schemeClr val="bg1"/>
+                </a:solidFill>
+                <a:effectLst>
+                  <a:glow rad="228600">
+                    <a:schemeClr val="accent1">
+                      <a:satMod val="175000"/>
+                      <a:alpha val="40000"/>
+                    </a:schemeClr>
+                  </a:glow>
+                </a:effectLst>
+              </a:rPr>
+              <a:t>0:00</a:t>
+            </a:r>
+            <a:endParaRPr lang="ko-KR" altLang="en-US" sz="800" dirty="0"/>
+          </a:p>
+        </p:txBody>
+      </p:sp>
+      <p:sp>
+        <p:nvSpPr>
+          <p:cNvPr id="19" name="TextBox 18"/>
+          <p:cNvSpPr txBox="1"/>
+          <p:nvPr/>
+        </p:nvSpPr>
+        <p:spPr>
+          <a:xfrm>
+            <a:off x="7092280" y="5718950"/>
+            <a:ext cx="919987" cy="261610"/>
+          </a:xfrm>
+          <a:prstGeom prst="rect">
+            <a:avLst/>
+          </a:prstGeom>
+          <a:noFill/>
+        </p:spPr>
+        <p:txBody>
+          <a:bodyPr wrap="square" rtlCol="0">
+            <a:spAutoFit/>
+          </a:bodyPr>
+          <a:lstStyle/>
+          <a:p>
+            <a:r>
+              <a:rPr lang="ko-KR" altLang="en-US" sz="1100" dirty="0" err="1" smtClean="0">
+                <a:solidFill>
+                  <a:schemeClr val="accent1"/>
+                </a:solidFill>
+              </a:rPr>
+              <a:t>미니맵</a:t>
+            </a:r>
+            <a:endParaRPr lang="ko-KR" altLang="en-US" sz="1100" dirty="0">
+              <a:solidFill>
+                <a:schemeClr val="accent1"/>
+              </a:solidFill>
+            </a:endParaRPr>
+          </a:p>
+        </p:txBody>
+      </p:sp>
+      <p:sp>
+        <p:nvSpPr>
+          <p:cNvPr id="23" name="TextBox 22"/>
+          <p:cNvSpPr txBox="1"/>
+          <p:nvPr/>
+        </p:nvSpPr>
+        <p:spPr>
+          <a:xfrm>
+            <a:off x="7856422" y="5769174"/>
+            <a:ext cx="919987" cy="261610"/>
+          </a:xfrm>
+          <a:prstGeom prst="rect">
+            <a:avLst/>
+          </a:prstGeom>
+          <a:noFill/>
+        </p:spPr>
+        <p:txBody>
+          <a:bodyPr wrap="square" rtlCol="0">
+            <a:spAutoFit/>
+          </a:bodyPr>
+          <a:lstStyle/>
+          <a:p>
+            <a:r>
+              <a:rPr lang="ko-KR" altLang="en-US" sz="1100" dirty="0" smtClean="0">
+                <a:solidFill>
+                  <a:schemeClr val="accent1"/>
+                </a:solidFill>
+              </a:rPr>
+              <a:t>현재위치</a:t>
+            </a:r>
+            <a:endParaRPr lang="ko-KR" altLang="en-US" sz="1100" dirty="0">
+              <a:solidFill>
+                <a:schemeClr val="accent1"/>
+              </a:solidFill>
+            </a:endParaRPr>
+          </a:p>
+        </p:txBody>
+      </p:sp>
+      <p:sp>
+        <p:nvSpPr>
+          <p:cNvPr id="26" name="TextBox 25"/>
+          <p:cNvSpPr txBox="1"/>
+          <p:nvPr/>
+        </p:nvSpPr>
+        <p:spPr>
+          <a:xfrm>
+            <a:off x="3275856" y="5681587"/>
+            <a:ext cx="919987" cy="261610"/>
+          </a:xfrm>
+          <a:prstGeom prst="rect">
+            <a:avLst/>
+          </a:prstGeom>
+          <a:noFill/>
+        </p:spPr>
+        <p:txBody>
+          <a:bodyPr wrap="square" rtlCol="0">
+            <a:spAutoFit/>
+          </a:bodyPr>
+          <a:lstStyle/>
+          <a:p>
+            <a:r>
+              <a:rPr lang="ko-KR" altLang="en-US" sz="1100" dirty="0" smtClean="0">
+                <a:solidFill>
+                  <a:schemeClr val="accent1"/>
+                </a:solidFill>
+              </a:rPr>
+              <a:t>플레이어 </a:t>
+            </a:r>
+            <a:r>
+              <a:rPr lang="en-US" altLang="ko-KR" sz="1100" dirty="0" smtClean="0">
+                <a:solidFill>
+                  <a:schemeClr val="accent1"/>
+                </a:solidFill>
+              </a:rPr>
+              <a:t>1</a:t>
+            </a:r>
+            <a:endParaRPr lang="ko-KR" altLang="en-US" sz="1100" dirty="0">
+              <a:solidFill>
+                <a:schemeClr val="accent1"/>
+              </a:solidFill>
+            </a:endParaRPr>
+          </a:p>
+        </p:txBody>
+      </p:sp>
+      <p:sp>
+        <p:nvSpPr>
+          <p:cNvPr id="31" name="TextBox 30"/>
+          <p:cNvSpPr txBox="1"/>
+          <p:nvPr/>
+        </p:nvSpPr>
+        <p:spPr>
+          <a:xfrm>
+            <a:off x="1202508" y="5661248"/>
+            <a:ext cx="919987" cy="261610"/>
+          </a:xfrm>
+          <a:prstGeom prst="rect">
+            <a:avLst/>
+          </a:prstGeom>
+          <a:noFill/>
+        </p:spPr>
+        <p:txBody>
+          <a:bodyPr wrap="square" rtlCol="0">
+            <a:spAutoFit/>
+          </a:bodyPr>
+          <a:lstStyle/>
+          <a:p>
+            <a:r>
+              <a:rPr lang="ko-KR" altLang="en-US" sz="1100" dirty="0" smtClean="0">
+                <a:solidFill>
+                  <a:schemeClr val="accent1"/>
+                </a:solidFill>
+              </a:rPr>
+              <a:t>플레이어 </a:t>
+            </a:r>
+            <a:r>
+              <a:rPr lang="en-US" altLang="ko-KR" sz="1100" dirty="0">
+                <a:solidFill>
+                  <a:schemeClr val="accent1"/>
+                </a:solidFill>
+              </a:rPr>
+              <a:t>2</a:t>
+            </a:r>
+            <a:endParaRPr lang="ko-KR" altLang="en-US" sz="1100" dirty="0">
+              <a:solidFill>
+                <a:schemeClr val="accent1"/>
+              </a:solidFill>
+            </a:endParaRPr>
+          </a:p>
+        </p:txBody>
+      </p:sp>
+      <p:pic>
+        <p:nvPicPr>
+          <p:cNvPr id="32" name="그림 31"/>
+          <p:cNvPicPr>
+            <a:picLocks noChangeAspect="1"/>
+          </p:cNvPicPr>
+          <p:nvPr/>
+        </p:nvPicPr>
+        <p:blipFill>
+          <a:blip r:embed="rId3"/>
+          <a:stretch>
+            <a:fillRect/>
+          </a:stretch>
+        </p:blipFill>
+        <p:spPr>
+          <a:xfrm>
+            <a:off x="161643" y="1840467"/>
+            <a:ext cx="4037908" cy="3493377"/>
+          </a:xfrm>
+          <a:prstGeom prst="rect">
+            <a:avLst/>
+          </a:prstGeom>
+        </p:spPr>
+      </p:pic>
+      <p:cxnSp>
+        <p:nvCxnSpPr>
+          <p:cNvPr id="27" name="직선 화살표 연결선 26"/>
+          <p:cNvCxnSpPr/>
+          <p:nvPr/>
+        </p:nvCxnSpPr>
+        <p:spPr>
+          <a:xfrm flipH="1" flipV="1">
+            <a:off x="1455404" y="3942412"/>
+            <a:ext cx="80137" cy="1776538"/>
+          </a:xfrm>
+          <a:prstGeom prst="straightConnector1">
+            <a:avLst/>
+          </a:prstGeom>
+          <a:ln>
+            <a:tailEnd type="triangle"/>
+          </a:ln>
+        </p:spPr>
+        <p:style>
+          <a:lnRef idx="1">
+            <a:schemeClr val="accent1"/>
+          </a:lnRef>
+          <a:fillRef idx="0">
+            <a:schemeClr val="accent1"/>
+          </a:fillRef>
+          <a:effectRef idx="0">
+            <a:schemeClr val="accent1"/>
+          </a:effectRef>
+          <a:fontRef idx="minor">
+            <a:schemeClr val="tx1"/>
+          </a:fontRef>
+        </p:style>
+      </p:cxnSp>
+      <p:cxnSp>
+        <p:nvCxnSpPr>
+          <p:cNvPr id="25" name="직선 화살표 연결선 24"/>
+          <p:cNvCxnSpPr/>
+          <p:nvPr/>
+        </p:nvCxnSpPr>
+        <p:spPr>
+          <a:xfrm flipH="1" flipV="1">
+            <a:off x="2582492" y="3614358"/>
+            <a:ext cx="1023638" cy="2088232"/>
+          </a:xfrm>
+          <a:prstGeom prst="straightConnector1">
+            <a:avLst/>
+          </a:prstGeom>
+          <a:ln>
+            <a:tailEnd type="triangle"/>
+          </a:ln>
+        </p:spPr>
+        <p:style>
+          <a:lnRef idx="1">
+            <a:schemeClr val="accent1"/>
+          </a:lnRef>
+          <a:fillRef idx="0">
+            <a:schemeClr val="accent1"/>
+          </a:fillRef>
+          <a:effectRef idx="0">
+            <a:schemeClr val="accent1"/>
+          </a:effectRef>
+          <a:fontRef idx="minor">
+            <a:schemeClr val="tx1"/>
+          </a:fontRef>
+        </p:style>
+      </p:cxnSp>
+      <p:pic>
+        <p:nvPicPr>
+          <p:cNvPr id="34" name="그림 33"/>
+          <p:cNvPicPr>
+            <a:picLocks noChangeAspect="1"/>
+          </p:cNvPicPr>
+          <p:nvPr/>
+        </p:nvPicPr>
+        <p:blipFill>
+          <a:blip r:embed="rId3"/>
+          <a:stretch>
+            <a:fillRect/>
+          </a:stretch>
+        </p:blipFill>
+        <p:spPr>
+          <a:xfrm>
+            <a:off x="7976136" y="4587565"/>
+            <a:ext cx="910011" cy="787292"/>
+          </a:xfrm>
+          <a:prstGeom prst="rect">
+            <a:avLst/>
+          </a:prstGeom>
+        </p:spPr>
+      </p:pic>
+      <p:cxnSp>
+        <p:nvCxnSpPr>
+          <p:cNvPr id="22" name="직선 화살표 연결선 21"/>
+          <p:cNvCxnSpPr>
+            <a:endCxn id="20" idx="3"/>
+          </p:cNvCxnSpPr>
+          <p:nvPr/>
+        </p:nvCxnSpPr>
+        <p:spPr>
+          <a:xfrm flipV="1">
+            <a:off x="8316416" y="5002631"/>
+            <a:ext cx="154561" cy="802633"/>
+          </a:xfrm>
+          <a:prstGeom prst="straightConnector1">
+            <a:avLst/>
+          </a:prstGeom>
+          <a:ln>
+            <a:tailEnd type="triangle"/>
+          </a:ln>
+        </p:spPr>
+        <p:style>
+          <a:lnRef idx="1">
+            <a:schemeClr val="accent1"/>
+          </a:lnRef>
+          <a:fillRef idx="0">
+            <a:schemeClr val="accent1"/>
+          </a:fillRef>
+          <a:effectRef idx="0">
+            <a:schemeClr val="accent1"/>
+          </a:effectRef>
+          <a:fontRef idx="minor">
+            <a:schemeClr val="tx1"/>
+          </a:fontRef>
+        </p:style>
+      </p:cxnSp>
+      <p:sp>
+        <p:nvSpPr>
+          <p:cNvPr id="20" name="타원 19"/>
+          <p:cNvSpPr/>
+          <p:nvPr/>
+        </p:nvSpPr>
+        <p:spPr>
+          <a:xfrm>
+            <a:off x="8460432" y="4941168"/>
+            <a:ext cx="72008" cy="72008"/>
+          </a:xfrm>
+          <a:prstGeom prst="ellipse">
+            <a:avLst/>
+          </a:prstGeom>
+          <a:solidFill>
+            <a:srgbClr val="FF0000"/>
+          </a:solidFill>
+        </p:spPr>
+        <p:style>
+          <a:lnRef idx="2">
+            <a:schemeClr val="accent1">
+              <a:shade val="50000"/>
+            </a:schemeClr>
+          </a:lnRef>
+          <a:fillRef idx="1">
+            <a:schemeClr val="accent1"/>
+          </a:fillRef>
+          <a:effectRef idx="0">
+            <a:schemeClr val="accent1"/>
+          </a:effectRef>
+          <a:fontRef idx="minor">
+            <a:schemeClr val="lt1"/>
+          </a:fontRef>
+        </p:style>
+        <p:txBody>
+          <a:bodyPr rtlCol="0" anchor="ctr"/>
+          <a:lstStyle/>
+          <a:p>
+            <a:pPr algn="ctr"/>
+            <a:endParaRPr lang="ko-KR" altLang="en-US"/>
+          </a:p>
+        </p:txBody>
+      </p:sp>
+      <p:cxnSp>
+        <p:nvCxnSpPr>
+          <p:cNvPr id="18" name="직선 화살표 연결선 17"/>
+          <p:cNvCxnSpPr/>
+          <p:nvPr/>
+        </p:nvCxnSpPr>
+        <p:spPr>
+          <a:xfrm flipV="1">
+            <a:off x="7454567" y="5352935"/>
+            <a:ext cx="504056" cy="432048"/>
+          </a:xfrm>
+          <a:prstGeom prst="straightConnector1">
+            <a:avLst/>
+          </a:prstGeom>
+          <a:ln>
+            <a:tailEnd type="triangle"/>
+          </a:ln>
+        </p:spPr>
+        <p:style>
+          <a:lnRef idx="1">
+            <a:schemeClr val="accent1"/>
+          </a:lnRef>
+          <a:fillRef idx="0">
+            <a:schemeClr val="accent1"/>
+          </a:fillRef>
+          <a:effectRef idx="0">
+            <a:schemeClr val="accent1"/>
+          </a:effectRef>
+          <a:fontRef idx="minor">
+            <a:schemeClr val="tx1"/>
+          </a:fontRef>
+        </p:style>
+      </p:cxnSp>
+      <p:cxnSp>
+        <p:nvCxnSpPr>
+          <p:cNvPr id="36" name="직선 화살표 연결선 35"/>
+          <p:cNvCxnSpPr/>
+          <p:nvPr/>
+        </p:nvCxnSpPr>
+        <p:spPr>
+          <a:xfrm flipV="1">
+            <a:off x="6084168" y="5157192"/>
+            <a:ext cx="576064" cy="823368"/>
+          </a:xfrm>
+          <a:prstGeom prst="straightConnector1">
+            <a:avLst/>
+          </a:prstGeom>
+          <a:ln>
+            <a:tailEnd type="triangle"/>
+          </a:ln>
+        </p:spPr>
+        <p:style>
+          <a:lnRef idx="1">
+            <a:schemeClr val="accent1"/>
+          </a:lnRef>
+          <a:fillRef idx="0">
+            <a:schemeClr val="accent1"/>
+          </a:fillRef>
+          <a:effectRef idx="0">
+            <a:schemeClr val="accent1"/>
+          </a:effectRef>
+          <a:fontRef idx="minor">
+            <a:schemeClr val="tx1"/>
+          </a:fontRef>
+        </p:style>
+      </p:cxnSp>
+      <p:sp>
+        <p:nvSpPr>
+          <p:cNvPr id="37" name="TextBox 36"/>
+          <p:cNvSpPr txBox="1"/>
+          <p:nvPr/>
+        </p:nvSpPr>
+        <p:spPr>
+          <a:xfrm>
+            <a:off x="5400092" y="5973664"/>
+            <a:ext cx="1368152" cy="646331"/>
+          </a:xfrm>
+          <a:prstGeom prst="rect">
+            <a:avLst/>
+          </a:prstGeom>
+          <a:noFill/>
+        </p:spPr>
+        <p:txBody>
+          <a:bodyPr wrap="square" rtlCol="0">
+            <a:spAutoFit/>
+          </a:bodyPr>
+          <a:lstStyle/>
+          <a:p>
+            <a:r>
+              <a:rPr lang="ko-KR" altLang="en-US" sz="1200" dirty="0" smtClean="0">
+                <a:solidFill>
+                  <a:schemeClr val="accent1"/>
+                </a:solidFill>
+              </a:rPr>
+              <a:t>나의 캐릭터를 보고있는 </a:t>
+            </a:r>
+            <a:r>
+              <a:rPr lang="en-US" altLang="ko-KR" sz="1200" dirty="0" smtClean="0">
+                <a:solidFill>
+                  <a:schemeClr val="accent1"/>
+                </a:solidFill>
+              </a:rPr>
+              <a:t>3</a:t>
+            </a:r>
+            <a:r>
+              <a:rPr lang="ko-KR" altLang="en-US" sz="1200" dirty="0" err="1" smtClean="0">
+                <a:solidFill>
+                  <a:schemeClr val="accent1"/>
+                </a:solidFill>
+              </a:rPr>
+              <a:t>인칭카메라</a:t>
+            </a:r>
+            <a:endParaRPr lang="ko-KR" altLang="en-US" sz="1200" dirty="0">
+              <a:solidFill>
+                <a:schemeClr val="accent1"/>
+              </a:solidFill>
+            </a:endParaRPr>
+          </a:p>
+        </p:txBody>
+      </p:sp>
     </p:spTree>
     <p:extLst>
       <p:ext uri="{BB962C8B-B14F-4D97-AF65-F5344CB8AC3E}">
@@ -19790,689 +20434,147 @@
           </a:p>
         </p:txBody>
       </p:sp>
+      <p:pic>
+        <p:nvPicPr>
+          <p:cNvPr id="14" name="그림 13"/>
+          <p:cNvPicPr>
+            <a:picLocks noChangeAspect="1"/>
+          </p:cNvPicPr>
+          <p:nvPr/>
+        </p:nvPicPr>
+        <p:blipFill>
+          <a:blip r:embed="rId2"/>
+          <a:stretch>
+            <a:fillRect/>
+          </a:stretch>
+        </p:blipFill>
+        <p:spPr>
+          <a:xfrm>
+            <a:off x="1743928" y="2123739"/>
+            <a:ext cx="5985754" cy="4697997"/>
+          </a:xfrm>
+          <a:prstGeom prst="rect">
+            <a:avLst/>
+          </a:prstGeom>
+        </p:spPr>
+      </p:pic>
       <p:sp>
         <p:nvSpPr>
-          <p:cNvPr id="4" name="Rectangle 2"/>
-          <p:cNvSpPr>
-            <a:spLocks noChangeArrowheads="1"/>
-          </p:cNvSpPr>
+          <p:cNvPr id="15" name="TextBox 14"/>
+          <p:cNvSpPr txBox="1"/>
           <p:nvPr/>
         </p:nvSpPr>
-        <p:spPr bwMode="auto">
+        <p:spPr>
           <a:xfrm>
-            <a:off x="539552" y="4039322"/>
-            <a:ext cx="6136264" cy="214550"/>
+            <a:off x="6863132" y="2162463"/>
+            <a:ext cx="1521159" cy="215444"/>
           </a:xfrm>
           <a:prstGeom prst="rect">
             <a:avLst/>
           </a:prstGeom>
           <a:noFill/>
-          <a:ln>
-            <a:noFill/>
-          </a:ln>
-          <a:effectLst/>
-          <a:extLst>
-            <a:ext uri="{909E8E84-426E-40DD-AFC4-6F175D3DCCD1}">
-              <a14:hiddenFill xmlns:a14="http://schemas.microsoft.com/office/drawing/2010/main">
-                <a:solidFill>
-                  <a:schemeClr val="accent1"/>
-                </a:solidFill>
-              </a14:hiddenFill>
-            </a:ext>
-            <a:ext uri="{91240B29-F687-4F45-9708-019B960494DF}">
-              <a14:hiddenLine xmlns:a14="http://schemas.microsoft.com/office/drawing/2010/main" w="9525">
-                <a:solidFill>
-                  <a:schemeClr val="tx1"/>
-                </a:solidFill>
-                <a:miter lim="800000"/>
-                <a:headEnd/>
-                <a:tailEnd/>
-              </a14:hiddenLine>
-            </a:ext>
-            <a:ext uri="{AF507438-7753-43E0-B8FC-AC1667EBCBE1}">
-              <a14:hiddenEffects xmlns:a14="http://schemas.microsoft.com/office/drawing/2010/main">
-                <a:effectLst>
-                  <a:outerShdw dist="35921" dir="2700000" algn="ctr" rotWithShape="0">
-                    <a:schemeClr val="bg2"/>
-                  </a:outerShdw>
-                </a:effectLst>
-              </a14:hiddenEffects>
-            </a:ext>
-          </a:extLst>
         </p:spPr>
         <p:txBody>
-          <a:bodyPr vert="horz" wrap="square" lIns="91440" tIns="45720" rIns="91440" bIns="45720" numCol="1" anchor="ctr" anchorCtr="0" compatLnSpc="1">
-            <a:prstTxWarp prst="textNoShape">
-              <a:avLst/>
-            </a:prstTxWarp>
+          <a:bodyPr wrap="square" rtlCol="0">
             <a:spAutoFit/>
           </a:bodyPr>
           <a:lstStyle/>
           <a:p>
-            <a:endParaRPr lang="ko-KR" altLang="en-US"/>
+            <a:r>
+              <a:rPr lang="ko-KR" altLang="en-US" sz="800" dirty="0" err="1" smtClean="0">
+                <a:solidFill>
+                  <a:schemeClr val="bg1"/>
+                </a:solidFill>
+                <a:effectLst>
+                  <a:glow rad="228600">
+                    <a:schemeClr val="accent1">
+                      <a:satMod val="175000"/>
+                      <a:alpha val="40000"/>
+                    </a:schemeClr>
+                  </a:glow>
+                </a:effectLst>
+              </a:rPr>
+              <a:t>흐른시간</a:t>
+            </a:r>
+            <a:r>
+              <a:rPr lang="ko-KR" altLang="en-US" sz="800" dirty="0" smtClean="0">
+                <a:solidFill>
+                  <a:schemeClr val="bg1"/>
+                </a:solidFill>
+                <a:effectLst>
+                  <a:glow rad="228600">
+                    <a:schemeClr val="accent1">
+                      <a:satMod val="175000"/>
+                      <a:alpha val="40000"/>
+                    </a:schemeClr>
+                  </a:glow>
+                </a:effectLst>
+              </a:rPr>
+              <a:t> </a:t>
+            </a:r>
+            <a:r>
+              <a:rPr lang="en-US" altLang="ko-KR" sz="800" dirty="0" smtClean="0">
+                <a:solidFill>
+                  <a:schemeClr val="bg1"/>
+                </a:solidFill>
+                <a:effectLst>
+                  <a:glow rad="228600">
+                    <a:schemeClr val="accent1">
+                      <a:satMod val="175000"/>
+                      <a:alpha val="40000"/>
+                    </a:schemeClr>
+                  </a:glow>
+                </a:effectLst>
+              </a:rPr>
+              <a:t>0:00</a:t>
+            </a:r>
+            <a:endParaRPr lang="ko-KR" altLang="en-US" sz="800" dirty="0"/>
           </a:p>
         </p:txBody>
       </p:sp>
       <p:pic>
         <p:nvPicPr>
-          <p:cNvPr id="1025" name="_x313074848" descr="EMB00001e886b4d"/>
+          <p:cNvPr id="16" name="그림 15"/>
           <p:cNvPicPr>
-            <a:picLocks noChangeAspect="1" noChangeArrowheads="1"/>
+            <a:picLocks noChangeAspect="1"/>
           </p:cNvPicPr>
           <p:nvPr/>
         </p:nvPicPr>
         <p:blipFill>
-          <a:blip r:embed="rId2">
-            <a:extLst>
-              <a:ext uri="{28A0092B-C50C-407E-A947-70E740481C1C}">
-                <a14:useLocalDpi xmlns:a14="http://schemas.microsoft.com/office/drawing/2010/main" val="0"/>
-              </a:ext>
-            </a:extLst>
-          </a:blip>
-          <a:srcRect/>
+          <a:blip r:embed="rId3"/>
           <a:stretch>
             <a:fillRect/>
           </a:stretch>
         </p:blipFill>
-        <p:spPr bwMode="auto">
+        <p:spPr>
           <a:xfrm>
-            <a:off x="539552" y="1412775"/>
-            <a:ext cx="2400194" cy="2192716"/>
+            <a:off x="6528191" y="5782271"/>
+            <a:ext cx="1201491" cy="1039465"/>
           </a:xfrm>
           <a:prstGeom prst="rect">
             <a:avLst/>
           </a:prstGeom>
-          <a:noFill/>
-          <a:extLst>
-            <a:ext uri="{909E8E84-426E-40DD-AFC4-6F175D3DCCD1}">
-              <a14:hiddenFill xmlns:a14="http://schemas.microsoft.com/office/drawing/2010/main">
-                <a:solidFill>
-                  <a:srgbClr val="FFFFFF"/>
-                </a:solidFill>
-              </a14:hiddenFill>
-            </a:ext>
-          </a:extLst>
         </p:spPr>
       </p:pic>
       <p:sp>
         <p:nvSpPr>
-          <p:cNvPr id="5" name="Rectangle 4"/>
-          <p:cNvSpPr>
-            <a:spLocks noChangeArrowheads="1"/>
-          </p:cNvSpPr>
-          <p:nvPr/>
-        </p:nvSpPr>
-        <p:spPr bwMode="auto">
-          <a:xfrm>
-            <a:off x="0" y="0"/>
-            <a:ext cx="9144000" cy="457200"/>
-          </a:xfrm>
-          <a:prstGeom prst="rect">
-            <a:avLst/>
-          </a:prstGeom>
-          <a:noFill/>
-          <a:ln>
-            <a:noFill/>
-          </a:ln>
-          <a:effectLst/>
-          <a:extLst>
-            <a:ext uri="{909E8E84-426E-40DD-AFC4-6F175D3DCCD1}">
-              <a14:hiddenFill xmlns:a14="http://schemas.microsoft.com/office/drawing/2010/main">
-                <a:solidFill>
-                  <a:schemeClr val="accent1"/>
-                </a:solidFill>
-              </a14:hiddenFill>
-            </a:ext>
-            <a:ext uri="{91240B29-F687-4F45-9708-019B960494DF}">
-              <a14:hiddenLine xmlns:a14="http://schemas.microsoft.com/office/drawing/2010/main" w="9525">
-                <a:solidFill>
-                  <a:schemeClr val="tx1"/>
-                </a:solidFill>
-                <a:miter lim="800000"/>
-                <a:headEnd/>
-                <a:tailEnd/>
-              </a14:hiddenLine>
-            </a:ext>
-            <a:ext uri="{AF507438-7753-43E0-B8FC-AC1667EBCBE1}">
-              <a14:hiddenEffects xmlns:a14="http://schemas.microsoft.com/office/drawing/2010/main">
-                <a:effectLst>
-                  <a:outerShdw dist="35921" dir="2700000" algn="ctr" rotWithShape="0">
-                    <a:schemeClr val="bg2"/>
-                  </a:outerShdw>
-                </a:effectLst>
-              </a14:hiddenEffects>
-            </a:ext>
-          </a:extLst>
-        </p:spPr>
-        <p:txBody>
-          <a:bodyPr vert="horz" wrap="none" lIns="91440" tIns="45720" rIns="91440" bIns="45720" numCol="1" anchor="ctr" anchorCtr="0" compatLnSpc="1">
-            <a:prstTxWarp prst="textNoShape">
-              <a:avLst/>
-            </a:prstTxWarp>
-            <a:spAutoFit/>
-          </a:bodyPr>
-          <a:lstStyle/>
-          <a:p>
-            <a:endParaRPr lang="ko-KR" altLang="en-US"/>
-          </a:p>
-        </p:txBody>
-      </p:sp>
-      <p:pic>
-        <p:nvPicPr>
-          <p:cNvPr id="1027" name="_x313076048" descr="EMB00001e886b50"/>
-          <p:cNvPicPr>
-            <a:picLocks noChangeAspect="1" noChangeArrowheads="1"/>
-          </p:cNvPicPr>
-          <p:nvPr/>
-        </p:nvPicPr>
-        <p:blipFill>
-          <a:blip r:embed="rId3">
-            <a:extLst>
-              <a:ext uri="{28A0092B-C50C-407E-A947-70E740481C1C}">
-                <a14:useLocalDpi xmlns:a14="http://schemas.microsoft.com/office/drawing/2010/main" val="0"/>
-              </a:ext>
-            </a:extLst>
-          </a:blip>
-          <a:srcRect/>
-          <a:stretch>
-            <a:fillRect/>
-          </a:stretch>
-        </p:blipFill>
-        <p:spPr bwMode="auto">
-          <a:xfrm>
-            <a:off x="2939746" y="1442737"/>
-            <a:ext cx="2448272" cy="2202287"/>
-          </a:xfrm>
-          <a:prstGeom prst="rect">
-            <a:avLst/>
-          </a:prstGeom>
-          <a:noFill/>
-          <a:extLst>
-            <a:ext uri="{909E8E84-426E-40DD-AFC4-6F175D3DCCD1}">
-              <a14:hiddenFill xmlns:a14="http://schemas.microsoft.com/office/drawing/2010/main">
-                <a:solidFill>
-                  <a:srgbClr val="FFFFFF"/>
-                </a:solidFill>
-              </a14:hiddenFill>
-            </a:ext>
-          </a:extLst>
-        </p:spPr>
-      </p:pic>
-      <p:sp>
-        <p:nvSpPr>
-          <p:cNvPr id="6" name="Rectangle 6"/>
-          <p:cNvSpPr>
-            <a:spLocks noChangeArrowheads="1"/>
-          </p:cNvSpPr>
-          <p:nvPr/>
-        </p:nvSpPr>
-        <p:spPr bwMode="auto">
-          <a:xfrm>
-            <a:off x="0" y="0"/>
-            <a:ext cx="9144000" cy="457200"/>
-          </a:xfrm>
-          <a:prstGeom prst="rect">
-            <a:avLst/>
-          </a:prstGeom>
-          <a:noFill/>
-          <a:ln>
-            <a:noFill/>
-          </a:ln>
-          <a:effectLst/>
-          <a:extLst>
-            <a:ext uri="{909E8E84-426E-40DD-AFC4-6F175D3DCCD1}">
-              <a14:hiddenFill xmlns:a14="http://schemas.microsoft.com/office/drawing/2010/main">
-                <a:solidFill>
-                  <a:schemeClr val="accent1"/>
-                </a:solidFill>
-              </a14:hiddenFill>
-            </a:ext>
-            <a:ext uri="{91240B29-F687-4F45-9708-019B960494DF}">
-              <a14:hiddenLine xmlns:a14="http://schemas.microsoft.com/office/drawing/2010/main" w="9525">
-                <a:solidFill>
-                  <a:schemeClr val="tx1"/>
-                </a:solidFill>
-                <a:miter lim="800000"/>
-                <a:headEnd/>
-                <a:tailEnd/>
-              </a14:hiddenLine>
-            </a:ext>
-            <a:ext uri="{AF507438-7753-43E0-B8FC-AC1667EBCBE1}">
-              <a14:hiddenEffects xmlns:a14="http://schemas.microsoft.com/office/drawing/2010/main">
-                <a:effectLst>
-                  <a:outerShdw dist="35921" dir="2700000" algn="ctr" rotWithShape="0">
-                    <a:schemeClr val="bg2"/>
-                  </a:outerShdw>
-                </a:effectLst>
-              </a14:hiddenEffects>
-            </a:ext>
-          </a:extLst>
-        </p:spPr>
-        <p:txBody>
-          <a:bodyPr vert="horz" wrap="none" lIns="91440" tIns="45720" rIns="91440" bIns="45720" numCol="1" anchor="ctr" anchorCtr="0" compatLnSpc="1">
-            <a:prstTxWarp prst="textNoShape">
-              <a:avLst/>
-            </a:prstTxWarp>
-            <a:spAutoFit/>
-          </a:bodyPr>
-          <a:lstStyle/>
-          <a:p>
-            <a:endParaRPr lang="ko-KR" altLang="en-US"/>
-          </a:p>
-        </p:txBody>
-      </p:sp>
-      <p:pic>
-        <p:nvPicPr>
-          <p:cNvPr id="1029" name="_x313076288" descr="EMB00001e886b53"/>
-          <p:cNvPicPr>
-            <a:picLocks noChangeAspect="1" noChangeArrowheads="1"/>
-          </p:cNvPicPr>
-          <p:nvPr/>
-        </p:nvPicPr>
-        <p:blipFill>
-          <a:blip r:embed="rId4">
-            <a:extLst>
-              <a:ext uri="{28A0092B-C50C-407E-A947-70E740481C1C}">
-                <a14:useLocalDpi xmlns:a14="http://schemas.microsoft.com/office/drawing/2010/main" val="0"/>
-              </a:ext>
-            </a:extLst>
-          </a:blip>
-          <a:srcRect/>
-          <a:stretch>
-            <a:fillRect/>
-          </a:stretch>
-        </p:blipFill>
-        <p:spPr bwMode="auto">
-          <a:xfrm>
-            <a:off x="5435719" y="1442737"/>
-            <a:ext cx="2352493" cy="2202287"/>
-          </a:xfrm>
-          <a:prstGeom prst="rect">
-            <a:avLst/>
-          </a:prstGeom>
-          <a:noFill/>
-          <a:extLst>
-            <a:ext uri="{909E8E84-426E-40DD-AFC4-6F175D3DCCD1}">
-              <a14:hiddenFill xmlns:a14="http://schemas.microsoft.com/office/drawing/2010/main">
-                <a:solidFill>
-                  <a:srgbClr val="FFFFFF"/>
-                </a:solidFill>
-              </a14:hiddenFill>
-            </a:ext>
-          </a:extLst>
-        </p:spPr>
-      </p:pic>
-      <p:sp>
-        <p:nvSpPr>
-          <p:cNvPr id="2" name="Rectangle 2"/>
-          <p:cNvSpPr>
-            <a:spLocks noChangeArrowheads="1"/>
-          </p:cNvSpPr>
-          <p:nvPr/>
-        </p:nvSpPr>
-        <p:spPr bwMode="auto">
-          <a:xfrm>
-            <a:off x="0" y="0"/>
-            <a:ext cx="9144000" cy="457200"/>
-          </a:xfrm>
-          <a:prstGeom prst="rect">
-            <a:avLst/>
-          </a:prstGeom>
-          <a:noFill/>
-          <a:ln>
-            <a:noFill/>
-          </a:ln>
-          <a:effectLst/>
-          <a:extLst>
-            <a:ext uri="{909E8E84-426E-40DD-AFC4-6F175D3DCCD1}">
-              <a14:hiddenFill xmlns:a14="http://schemas.microsoft.com/office/drawing/2010/main">
-                <a:solidFill>
-                  <a:schemeClr val="accent1"/>
-                </a:solidFill>
-              </a14:hiddenFill>
-            </a:ext>
-            <a:ext uri="{91240B29-F687-4F45-9708-019B960494DF}">
-              <a14:hiddenLine xmlns:a14="http://schemas.microsoft.com/office/drawing/2010/main" w="9525">
-                <a:solidFill>
-                  <a:schemeClr val="tx1"/>
-                </a:solidFill>
-                <a:miter lim="800000"/>
-                <a:headEnd/>
-                <a:tailEnd/>
-              </a14:hiddenLine>
-            </a:ext>
-            <a:ext uri="{AF507438-7753-43E0-B8FC-AC1667EBCBE1}">
-              <a14:hiddenEffects xmlns:a14="http://schemas.microsoft.com/office/drawing/2010/main">
-                <a:effectLst>
-                  <a:outerShdw dist="35921" dir="2700000" algn="ctr" rotWithShape="0">
-                    <a:schemeClr val="bg2"/>
-                  </a:outerShdw>
-                </a:effectLst>
-              </a14:hiddenEffects>
-            </a:ext>
-          </a:extLst>
-        </p:spPr>
-        <p:txBody>
-          <a:bodyPr vert="horz" wrap="none" lIns="91440" tIns="45720" rIns="91440" bIns="45720" numCol="1" anchor="ctr" anchorCtr="0" compatLnSpc="1">
-            <a:prstTxWarp prst="textNoShape">
-              <a:avLst/>
-            </a:prstTxWarp>
-            <a:spAutoFit/>
-          </a:bodyPr>
-          <a:lstStyle/>
-          <a:p>
-            <a:endParaRPr lang="ko-KR" altLang="en-US"/>
-          </a:p>
-        </p:txBody>
-      </p:sp>
-      <p:pic>
-        <p:nvPicPr>
-          <p:cNvPr id="2049" name="_x313076448" descr="EMB00001e886b56"/>
-          <p:cNvPicPr>
-            <a:picLocks noChangeAspect="1" noChangeArrowheads="1"/>
-          </p:cNvPicPr>
-          <p:nvPr/>
-        </p:nvPicPr>
-        <p:blipFill>
-          <a:blip r:embed="rId5">
-            <a:extLst>
-              <a:ext uri="{28A0092B-C50C-407E-A947-70E740481C1C}">
-                <a14:useLocalDpi xmlns:a14="http://schemas.microsoft.com/office/drawing/2010/main" val="0"/>
-              </a:ext>
-            </a:extLst>
-          </a:blip>
-          <a:srcRect/>
-          <a:stretch>
-            <a:fillRect/>
-          </a:stretch>
-        </p:blipFill>
-        <p:spPr bwMode="auto">
-          <a:xfrm>
-            <a:off x="533999" y="3770703"/>
-            <a:ext cx="2405748" cy="2379663"/>
-          </a:xfrm>
-          <a:prstGeom prst="rect">
-            <a:avLst/>
-          </a:prstGeom>
-          <a:noFill/>
-          <a:extLst>
-            <a:ext uri="{909E8E84-426E-40DD-AFC4-6F175D3DCCD1}">
-              <a14:hiddenFill xmlns:a14="http://schemas.microsoft.com/office/drawing/2010/main">
-                <a:solidFill>
-                  <a:srgbClr val="FFFFFF"/>
-                </a:solidFill>
-              </a14:hiddenFill>
-            </a:ext>
-          </a:extLst>
-        </p:spPr>
-      </p:pic>
-      <p:sp>
-        <p:nvSpPr>
-          <p:cNvPr id="13" name="Rectangle 4"/>
-          <p:cNvSpPr>
-            <a:spLocks noChangeArrowheads="1"/>
-          </p:cNvSpPr>
-          <p:nvPr/>
-        </p:nvSpPr>
-        <p:spPr bwMode="auto">
-          <a:xfrm>
-            <a:off x="0" y="0"/>
-            <a:ext cx="9144000" cy="457200"/>
-          </a:xfrm>
-          <a:prstGeom prst="rect">
-            <a:avLst/>
-          </a:prstGeom>
-          <a:noFill/>
-          <a:ln>
-            <a:noFill/>
-          </a:ln>
-          <a:effectLst/>
-          <a:extLst>
-            <a:ext uri="{909E8E84-426E-40DD-AFC4-6F175D3DCCD1}">
-              <a14:hiddenFill xmlns:a14="http://schemas.microsoft.com/office/drawing/2010/main">
-                <a:solidFill>
-                  <a:schemeClr val="accent1"/>
-                </a:solidFill>
-              </a14:hiddenFill>
-            </a:ext>
-            <a:ext uri="{91240B29-F687-4F45-9708-019B960494DF}">
-              <a14:hiddenLine xmlns:a14="http://schemas.microsoft.com/office/drawing/2010/main" w="9525">
-                <a:solidFill>
-                  <a:schemeClr val="tx1"/>
-                </a:solidFill>
-                <a:miter lim="800000"/>
-                <a:headEnd/>
-                <a:tailEnd/>
-              </a14:hiddenLine>
-            </a:ext>
-            <a:ext uri="{AF507438-7753-43E0-B8FC-AC1667EBCBE1}">
-              <a14:hiddenEffects xmlns:a14="http://schemas.microsoft.com/office/drawing/2010/main">
-                <a:effectLst>
-                  <a:outerShdw dist="35921" dir="2700000" algn="ctr" rotWithShape="0">
-                    <a:schemeClr val="bg2"/>
-                  </a:outerShdw>
-                </a:effectLst>
-              </a14:hiddenEffects>
-            </a:ext>
-          </a:extLst>
-        </p:spPr>
-        <p:txBody>
-          <a:bodyPr vert="horz" wrap="none" lIns="91440" tIns="45720" rIns="91440" bIns="45720" numCol="1" anchor="ctr" anchorCtr="0" compatLnSpc="1">
-            <a:prstTxWarp prst="textNoShape">
-              <a:avLst/>
-            </a:prstTxWarp>
-            <a:spAutoFit/>
-          </a:bodyPr>
-          <a:lstStyle/>
-          <a:p>
-            <a:endParaRPr lang="ko-KR" altLang="en-US"/>
-          </a:p>
-        </p:txBody>
-      </p:sp>
-      <p:pic>
-        <p:nvPicPr>
-          <p:cNvPr id="2051" name="_x313076288" descr="EMB00001e886b59"/>
-          <p:cNvPicPr>
-            <a:picLocks noChangeAspect="1" noChangeArrowheads="1"/>
-          </p:cNvPicPr>
-          <p:nvPr/>
-        </p:nvPicPr>
-        <p:blipFill>
-          <a:blip r:embed="rId6">
-            <a:extLst>
-              <a:ext uri="{28A0092B-C50C-407E-A947-70E740481C1C}">
-                <a14:useLocalDpi xmlns:a14="http://schemas.microsoft.com/office/drawing/2010/main" val="0"/>
-              </a:ext>
-            </a:extLst>
-          </a:blip>
-          <a:srcRect/>
-          <a:stretch>
-            <a:fillRect/>
-          </a:stretch>
-        </p:blipFill>
-        <p:spPr bwMode="auto">
-          <a:xfrm>
-            <a:off x="2939746" y="3770703"/>
-            <a:ext cx="2495973" cy="2468563"/>
-          </a:xfrm>
-          <a:prstGeom prst="rect">
-            <a:avLst/>
-          </a:prstGeom>
-          <a:noFill/>
-          <a:extLst>
-            <a:ext uri="{909E8E84-426E-40DD-AFC4-6F175D3DCCD1}">
-              <a14:hiddenFill xmlns:a14="http://schemas.microsoft.com/office/drawing/2010/main">
-                <a:solidFill>
-                  <a:srgbClr val="FFFFFF"/>
-                </a:solidFill>
-              </a14:hiddenFill>
-            </a:ext>
-          </a:extLst>
-        </p:spPr>
-      </p:pic>
-      <p:sp>
-        <p:nvSpPr>
-          <p:cNvPr id="14" name="Rectangle 6"/>
-          <p:cNvSpPr>
-            <a:spLocks noChangeArrowheads="1"/>
-          </p:cNvSpPr>
-          <p:nvPr/>
-        </p:nvSpPr>
-        <p:spPr bwMode="auto">
-          <a:xfrm>
-            <a:off x="0" y="0"/>
-            <a:ext cx="9144000" cy="457200"/>
-          </a:xfrm>
-          <a:prstGeom prst="rect">
-            <a:avLst/>
-          </a:prstGeom>
-          <a:noFill/>
-          <a:ln>
-            <a:noFill/>
-          </a:ln>
-          <a:effectLst/>
-          <a:extLst>
-            <a:ext uri="{909E8E84-426E-40DD-AFC4-6F175D3DCCD1}">
-              <a14:hiddenFill xmlns:a14="http://schemas.microsoft.com/office/drawing/2010/main">
-                <a:solidFill>
-                  <a:schemeClr val="accent1"/>
-                </a:solidFill>
-              </a14:hiddenFill>
-            </a:ext>
-            <a:ext uri="{91240B29-F687-4F45-9708-019B960494DF}">
-              <a14:hiddenLine xmlns:a14="http://schemas.microsoft.com/office/drawing/2010/main" w="9525">
-                <a:solidFill>
-                  <a:schemeClr val="tx1"/>
-                </a:solidFill>
-                <a:miter lim="800000"/>
-                <a:headEnd/>
-                <a:tailEnd/>
-              </a14:hiddenLine>
-            </a:ext>
-            <a:ext uri="{AF507438-7753-43E0-B8FC-AC1667EBCBE1}">
-              <a14:hiddenEffects xmlns:a14="http://schemas.microsoft.com/office/drawing/2010/main">
-                <a:effectLst>
-                  <a:outerShdw dist="35921" dir="2700000" algn="ctr" rotWithShape="0">
-                    <a:schemeClr val="bg2"/>
-                  </a:outerShdw>
-                </a:effectLst>
-              </a14:hiddenEffects>
-            </a:ext>
-          </a:extLst>
-        </p:spPr>
-        <p:txBody>
-          <a:bodyPr vert="horz" wrap="none" lIns="91440" tIns="45720" rIns="91440" bIns="45720" numCol="1" anchor="ctr" anchorCtr="0" compatLnSpc="1">
-            <a:prstTxWarp prst="textNoShape">
-              <a:avLst/>
-            </a:prstTxWarp>
-            <a:spAutoFit/>
-          </a:bodyPr>
-          <a:lstStyle/>
-          <a:p>
-            <a:endParaRPr lang="ko-KR" altLang="en-US"/>
-          </a:p>
-        </p:txBody>
-      </p:sp>
-      <p:pic>
-        <p:nvPicPr>
-          <p:cNvPr id="2053" name="_x313075808" descr="EMB00001e886b5c"/>
-          <p:cNvPicPr>
-            <a:picLocks noChangeAspect="1" noChangeArrowheads="1"/>
-          </p:cNvPicPr>
-          <p:nvPr/>
-        </p:nvPicPr>
-        <p:blipFill>
-          <a:blip r:embed="rId7">
-            <a:extLst>
-              <a:ext uri="{28A0092B-C50C-407E-A947-70E740481C1C}">
-                <a14:useLocalDpi xmlns:a14="http://schemas.microsoft.com/office/drawing/2010/main" val="0"/>
-              </a:ext>
-            </a:extLst>
-          </a:blip>
-          <a:srcRect/>
-          <a:stretch>
-            <a:fillRect/>
-          </a:stretch>
-        </p:blipFill>
-        <p:spPr bwMode="auto">
-          <a:xfrm>
-            <a:off x="5388019" y="3770703"/>
-            <a:ext cx="2400194" cy="2493963"/>
-          </a:xfrm>
-          <a:prstGeom prst="rect">
-            <a:avLst/>
-          </a:prstGeom>
-          <a:noFill/>
-          <a:extLst>
-            <a:ext uri="{909E8E84-426E-40DD-AFC4-6F175D3DCCD1}">
-              <a14:hiddenFill xmlns:a14="http://schemas.microsoft.com/office/drawing/2010/main">
-                <a:solidFill>
-                  <a:srgbClr val="FFFFFF"/>
-                </a:solidFill>
-              </a14:hiddenFill>
-            </a:ext>
-          </a:extLst>
-        </p:spPr>
-      </p:pic>
-    </p:spTree>
-    <p:extLst>
-      <p:ext uri="{BB962C8B-B14F-4D97-AF65-F5344CB8AC3E}">
-        <p14:creationId xmlns:p14="http://schemas.microsoft.com/office/powerpoint/2010/main" val="2914251895"/>
-      </p:ext>
-    </p:extLst>
-  </p:cSld>
-  <p:clrMapOvr>
-    <a:masterClrMapping/>
-  </p:clrMapOvr>
-  <p:timing>
-    <p:tnLst>
-      <p:par>
-        <p:cTn id="1" dur="indefinite" restart="never" nodeType="tmRoot"/>
-      </p:par>
-    </p:tnLst>
-  </p:timing>
-</p:sld>
-</file>
-
-<file path=ppt/slides/slide8.xml><?xml version="1.0" encoding="utf-8"?>
-<p:sld xmlns:a="http://schemas.openxmlformats.org/drawingml/2006/main" xmlns:r="http://schemas.openxmlformats.org/officeDocument/2006/relationships" xmlns:p="http://schemas.openxmlformats.org/presentationml/2006/main">
-  <p:cSld>
-    <p:spTree>
-      <p:nvGrpSpPr>
-        <p:cNvPr id="1" name=""/>
-        <p:cNvGrpSpPr/>
-        <p:nvPr/>
-      </p:nvGrpSpPr>
-      <p:grpSpPr>
-        <a:xfrm>
-          <a:off x="0" y="0"/>
-          <a:ext cx="0" cy="0"/>
-          <a:chOff x="0" y="0"/>
-          <a:chExt cx="0" cy="0"/>
-        </a:xfrm>
-      </p:grpSpPr>
-      <p:sp>
-        <p:nvSpPr>
-          <p:cNvPr id="12" name="이등변 삼각형 11"/>
+          <p:cNvPr id="2" name="직사각형 1"/>
           <p:cNvSpPr/>
           <p:nvPr/>
         </p:nvSpPr>
         <p:spPr>
-          <a:xfrm flipV="1">
-            <a:off x="-1" y="2493"/>
-            <a:ext cx="1043609" cy="1410282"/>
-          </a:xfrm>
-          <a:prstGeom prst="triangle">
-            <a:avLst>
-              <a:gd name="adj" fmla="val 0"/>
-            </a:avLst>
+          <a:xfrm>
+            <a:off x="1727684" y="2121530"/>
+            <a:ext cx="5966944" cy="4700206"/>
+          </a:xfrm>
+          <a:prstGeom prst="rect">
+            <a:avLst/>
           </a:prstGeom>
           <a:solidFill>
-            <a:schemeClr val="bg1"/>
+            <a:srgbClr val="868686">
+              <a:alpha val="40000"/>
+            </a:srgbClr>
           </a:solidFill>
-          <a:ln>
-            <a:noFill/>
-          </a:ln>
         </p:spPr>
         <p:style>
           <a:lnRef idx="2">
@@ -20501,71 +20603,348 @@
       </p:sp>
       <p:sp>
         <p:nvSpPr>
-          <p:cNvPr id="9" name="이등변 삼각형 8"/>
-          <p:cNvSpPr/>
+          <p:cNvPr id="5" name="TextBox 4"/>
+          <p:cNvSpPr txBox="1"/>
           <p:nvPr/>
         </p:nvSpPr>
         <p:spPr>
-          <a:xfrm rot="10800000" flipV="1">
-            <a:off x="8105945" y="5445225"/>
-            <a:ext cx="1043609" cy="1410282"/>
-          </a:xfrm>
-          <a:prstGeom prst="triangle">
-            <a:avLst>
-              <a:gd name="adj" fmla="val 0"/>
-            </a:avLst>
+          <a:xfrm>
+            <a:off x="2339752" y="2371324"/>
+            <a:ext cx="4908616" cy="2308324"/>
+          </a:xfrm>
+          <a:prstGeom prst="rect">
+            <a:avLst/>
           </a:prstGeom>
-          <a:solidFill>
-            <a:schemeClr val="bg1"/>
-          </a:solidFill>
-          <a:ln>
-            <a:noFill/>
-          </a:ln>
+          <a:noFill/>
         </p:spPr>
-        <p:style>
-          <a:lnRef idx="2">
-            <a:schemeClr val="accent1">
-              <a:shade val="50000"/>
-            </a:schemeClr>
-          </a:lnRef>
-          <a:fillRef idx="1">
-            <a:schemeClr val="accent1"/>
-          </a:fillRef>
-          <a:effectRef idx="0">
-            <a:schemeClr val="accent1"/>
-          </a:effectRef>
-          <a:fontRef idx="minor">
-            <a:schemeClr val="lt1"/>
-          </a:fontRef>
-        </p:style>
         <p:txBody>
-          <a:bodyPr rtlCol="0" anchor="ctr"/>
+          <a:bodyPr wrap="square" rtlCol="0">
+            <a:spAutoFit/>
+          </a:bodyPr>
           <a:lstStyle/>
           <a:p>
-            <a:pPr algn="ctr"/>
-            <a:endParaRPr lang="ko-KR" altLang="en-US"/>
+            <a:r>
+              <a:rPr lang="en-US" altLang="ko-KR" dirty="0" smtClean="0"/>
+              <a:t>(ID) : </a:t>
+            </a:r>
+            <a:r>
+              <a:rPr lang="ko-KR" altLang="en-US" dirty="0"/>
+              <a:t> </a:t>
+            </a:r>
+            <a:r>
+              <a:rPr lang="en-US" altLang="ko-KR" dirty="0" smtClean="0"/>
+              <a:t>kill(monster): 2  kill(player): 0</a:t>
+            </a:r>
+          </a:p>
+          <a:p>
+            <a:r>
+              <a:rPr lang="en-US" altLang="ko-KR" dirty="0"/>
+              <a:t>(ID) : </a:t>
+            </a:r>
+            <a:r>
+              <a:rPr lang="ko-KR" altLang="en-US" dirty="0"/>
+              <a:t> </a:t>
+            </a:r>
+            <a:r>
+              <a:rPr lang="en-US" altLang="ko-KR" dirty="0"/>
+              <a:t>kill(monster): </a:t>
+            </a:r>
+            <a:r>
+              <a:rPr lang="en-US" altLang="ko-KR" dirty="0" smtClean="0"/>
+              <a:t>1  </a:t>
+            </a:r>
+            <a:r>
+              <a:rPr lang="en-US" altLang="ko-KR" dirty="0"/>
+              <a:t>kill(player): </a:t>
+            </a:r>
+            <a:r>
+              <a:rPr lang="en-US" altLang="ko-KR" dirty="0" smtClean="0"/>
+              <a:t>0</a:t>
+            </a:r>
+          </a:p>
+          <a:p>
+            <a:r>
+              <a:rPr lang="en-US" altLang="ko-KR" dirty="0">
+                <a:solidFill>
+                  <a:schemeClr val="accent2"/>
+                </a:solidFill>
+              </a:rPr>
+              <a:t>(ID) : </a:t>
+            </a:r>
+            <a:r>
+              <a:rPr lang="ko-KR" altLang="en-US" dirty="0">
+                <a:solidFill>
+                  <a:schemeClr val="accent2"/>
+                </a:solidFill>
+              </a:rPr>
+              <a:t> </a:t>
+            </a:r>
+            <a:r>
+              <a:rPr lang="en-US" altLang="ko-KR" dirty="0">
+                <a:solidFill>
+                  <a:schemeClr val="accent2"/>
+                </a:solidFill>
+              </a:rPr>
+              <a:t>kill(monster): </a:t>
+            </a:r>
+            <a:r>
+              <a:rPr lang="en-US" altLang="ko-KR" dirty="0" smtClean="0">
+                <a:solidFill>
+                  <a:schemeClr val="accent2"/>
+                </a:solidFill>
+              </a:rPr>
+              <a:t>0  </a:t>
+            </a:r>
+            <a:r>
+              <a:rPr lang="en-US" altLang="ko-KR" dirty="0">
+                <a:solidFill>
+                  <a:schemeClr val="accent2"/>
+                </a:solidFill>
+              </a:rPr>
+              <a:t>kill(player): 1</a:t>
+            </a:r>
+            <a:endParaRPr lang="en-US" altLang="ko-KR" dirty="0" smtClean="0">
+              <a:solidFill>
+                <a:schemeClr val="accent2"/>
+              </a:solidFill>
+            </a:endParaRPr>
+          </a:p>
+          <a:p>
+            <a:r>
+              <a:rPr lang="en-US" altLang="ko-KR" dirty="0"/>
+              <a:t>(ID) : </a:t>
+            </a:r>
+            <a:r>
+              <a:rPr lang="ko-KR" altLang="en-US" dirty="0"/>
+              <a:t> </a:t>
+            </a:r>
+            <a:r>
+              <a:rPr lang="en-US" altLang="ko-KR" dirty="0"/>
+              <a:t>kill(monster): </a:t>
+            </a:r>
+            <a:r>
+              <a:rPr lang="en-US" altLang="ko-KR" dirty="0" smtClean="0"/>
+              <a:t>0  </a:t>
+            </a:r>
+            <a:r>
+              <a:rPr lang="en-US" altLang="ko-KR" dirty="0"/>
+              <a:t>kill(player): </a:t>
+            </a:r>
+            <a:r>
+              <a:rPr lang="en-US" altLang="ko-KR" dirty="0" smtClean="0"/>
+              <a:t>0</a:t>
+            </a:r>
+          </a:p>
+          <a:p>
+            <a:r>
+              <a:rPr lang="en-US" altLang="ko-KR" dirty="0">
+                <a:solidFill>
+                  <a:schemeClr val="accent2"/>
+                </a:solidFill>
+              </a:rPr>
+              <a:t>(ID) : </a:t>
+            </a:r>
+            <a:r>
+              <a:rPr lang="ko-KR" altLang="en-US" dirty="0">
+                <a:solidFill>
+                  <a:schemeClr val="accent2"/>
+                </a:solidFill>
+              </a:rPr>
+              <a:t> </a:t>
+            </a:r>
+            <a:r>
+              <a:rPr lang="en-US" altLang="ko-KR" dirty="0">
+                <a:solidFill>
+                  <a:schemeClr val="accent2"/>
+                </a:solidFill>
+              </a:rPr>
+              <a:t>kill(monster): </a:t>
+            </a:r>
+            <a:r>
+              <a:rPr lang="en-US" altLang="ko-KR" dirty="0" smtClean="0">
+                <a:solidFill>
+                  <a:schemeClr val="accent2"/>
+                </a:solidFill>
+              </a:rPr>
+              <a:t>6  </a:t>
+            </a:r>
+            <a:r>
+              <a:rPr lang="en-US" altLang="ko-KR" dirty="0">
+                <a:solidFill>
+                  <a:schemeClr val="accent2"/>
+                </a:solidFill>
+              </a:rPr>
+              <a:t>kill(player): </a:t>
+            </a:r>
+            <a:r>
+              <a:rPr lang="en-US" altLang="ko-KR" dirty="0" smtClean="0">
+                <a:solidFill>
+                  <a:schemeClr val="accent2"/>
+                </a:solidFill>
+              </a:rPr>
+              <a:t>0</a:t>
+            </a:r>
+          </a:p>
+          <a:p>
+            <a:r>
+              <a:rPr lang="en-US" altLang="ko-KR" dirty="0"/>
+              <a:t>(ID) : </a:t>
+            </a:r>
+            <a:r>
+              <a:rPr lang="ko-KR" altLang="en-US" dirty="0"/>
+              <a:t> </a:t>
+            </a:r>
+            <a:r>
+              <a:rPr lang="en-US" altLang="ko-KR" dirty="0"/>
+              <a:t>kill(monster): 1</a:t>
+            </a:r>
+            <a:r>
+              <a:rPr lang="en-US" altLang="ko-KR" dirty="0" smtClean="0"/>
+              <a:t>  </a:t>
+            </a:r>
+            <a:r>
+              <a:rPr lang="en-US" altLang="ko-KR" dirty="0"/>
+              <a:t>kill(player): 1</a:t>
+            </a:r>
+            <a:endParaRPr lang="en-US" altLang="ko-KR" dirty="0" smtClean="0"/>
+          </a:p>
+          <a:p>
+            <a:r>
+              <a:rPr lang="en-US" altLang="ko-KR" dirty="0">
+                <a:solidFill>
+                  <a:schemeClr val="accent2"/>
+                </a:solidFill>
+              </a:rPr>
+              <a:t>(ID) : </a:t>
+            </a:r>
+            <a:r>
+              <a:rPr lang="ko-KR" altLang="en-US" dirty="0">
+                <a:solidFill>
+                  <a:schemeClr val="accent2"/>
+                </a:solidFill>
+              </a:rPr>
+              <a:t> </a:t>
+            </a:r>
+            <a:r>
+              <a:rPr lang="en-US" altLang="ko-KR" dirty="0">
+                <a:solidFill>
+                  <a:schemeClr val="accent2"/>
+                </a:solidFill>
+              </a:rPr>
+              <a:t>kill(monster): </a:t>
+            </a:r>
+            <a:r>
+              <a:rPr lang="en-US" altLang="ko-KR" dirty="0" smtClean="0">
+                <a:solidFill>
+                  <a:schemeClr val="accent2"/>
+                </a:solidFill>
+              </a:rPr>
+              <a:t>0  </a:t>
+            </a:r>
+            <a:r>
+              <a:rPr lang="en-US" altLang="ko-KR" dirty="0">
+                <a:solidFill>
+                  <a:schemeClr val="accent2"/>
+                </a:solidFill>
+              </a:rPr>
+              <a:t>kill(player): </a:t>
+            </a:r>
+            <a:r>
+              <a:rPr lang="en-US" altLang="ko-KR" dirty="0" smtClean="0">
+                <a:solidFill>
+                  <a:schemeClr val="accent2"/>
+                </a:solidFill>
+              </a:rPr>
+              <a:t>0 </a:t>
+            </a:r>
+          </a:p>
+          <a:p>
+            <a:endParaRPr lang="ko-KR" altLang="en-US" dirty="0"/>
           </a:p>
         </p:txBody>
       </p:sp>
       <p:cxnSp>
         <p:nvCxnSpPr>
-          <p:cNvPr id="7" name="직선 연결선 6"/>
+          <p:cNvPr id="18" name="직선 화살표 연결선 17"/>
           <p:cNvCxnSpPr/>
           <p:nvPr/>
         </p:nvCxnSpPr>
         <p:spPr>
           <a:xfrm flipV="1">
-            <a:off x="8100392" y="5445225"/>
-            <a:ext cx="1043608" cy="1412775"/>
-          </a:xfrm>
-          <a:prstGeom prst="line">
+            <a:off x="1043608" y="3140968"/>
+            <a:ext cx="1296144" cy="504056"/>
+          </a:xfrm>
+          <a:prstGeom prst="straightConnector1">
             <a:avLst/>
           </a:prstGeom>
-          <a:ln w="25400">
-            <a:solidFill>
-              <a:srgbClr val="FF0000"/>
-            </a:solidFill>
-            <a:prstDash val="sysDash"/>
+          <a:ln>
+            <a:tailEnd type="triangle"/>
+          </a:ln>
+        </p:spPr>
+        <p:style>
+          <a:lnRef idx="1">
+            <a:schemeClr val="accent1"/>
+          </a:lnRef>
+          <a:fillRef idx="0">
+            <a:schemeClr val="accent1"/>
+          </a:fillRef>
+          <a:effectRef idx="0">
+            <a:schemeClr val="accent1"/>
+          </a:effectRef>
+          <a:fontRef idx="minor">
+            <a:schemeClr val="tx1"/>
+          </a:fontRef>
+        </p:style>
+      </p:cxnSp>
+      <p:cxnSp>
+        <p:nvCxnSpPr>
+          <p:cNvPr id="19" name="직선 화살표 연결선 18"/>
+          <p:cNvCxnSpPr/>
+          <p:nvPr/>
+        </p:nvCxnSpPr>
+        <p:spPr>
+          <a:xfrm>
+            <a:off x="1043608" y="3645024"/>
+            <a:ext cx="1368152" cy="0"/>
+          </a:xfrm>
+          <a:prstGeom prst="straightConnector1">
+            <a:avLst/>
+          </a:prstGeom>
+          <a:ln>
+            <a:tailEnd type="triangle"/>
+          </a:ln>
+        </p:spPr>
+        <p:style>
+          <a:lnRef idx="1">
+            <a:schemeClr val="accent1"/>
+          </a:lnRef>
+          <a:fillRef idx="0">
+            <a:schemeClr val="accent1"/>
+          </a:fillRef>
+          <a:effectRef idx="0">
+            <a:schemeClr val="accent1"/>
+          </a:effectRef>
+          <a:fontRef idx="minor">
+            <a:schemeClr val="tx1"/>
+          </a:fontRef>
+        </p:style>
+      </p:cxnSp>
+      <p:cxnSp>
+        <p:nvCxnSpPr>
+          <p:cNvPr id="22" name="직선 화살표 연결선 21"/>
+          <p:cNvCxnSpPr/>
+          <p:nvPr/>
+        </p:nvCxnSpPr>
+        <p:spPr>
+          <a:xfrm>
+            <a:off x="1022303" y="3645024"/>
+            <a:ext cx="1389457" cy="504056"/>
+          </a:xfrm>
+          <a:prstGeom prst="straightConnector1">
+            <a:avLst/>
+          </a:prstGeom>
+          <a:ln>
+            <a:tailEnd type="triangle"/>
           </a:ln>
         </p:spPr>
         <p:style>
@@ -20585,14 +20964,14 @@
       </p:cxnSp>
       <p:sp>
         <p:nvSpPr>
-          <p:cNvPr id="8" name="TextBox 7"/>
+          <p:cNvPr id="25" name="TextBox 24"/>
           <p:cNvSpPr txBox="1"/>
           <p:nvPr/>
         </p:nvSpPr>
         <p:spPr>
           <a:xfrm>
-            <a:off x="1022303" y="569875"/>
-            <a:ext cx="2557110" cy="461665"/>
+            <a:off x="90714" y="3518065"/>
+            <a:ext cx="987501" cy="253916"/>
           </a:xfrm>
           <a:prstGeom prst="rect">
             <a:avLst/>
@@ -20600,62 +20979,154 @@
           <a:noFill/>
         </p:spPr>
         <p:txBody>
-          <a:bodyPr wrap="none" rtlCol="0">
+          <a:bodyPr wrap="square" rtlCol="0">
             <a:spAutoFit/>
           </a:bodyPr>
           <a:lstStyle/>
           <a:p>
             <a:r>
-              <a:rPr lang="ko-KR" altLang="en-US" sz="2400" dirty="0" smtClean="0">
-                <a:solidFill>
-                  <a:schemeClr val="bg1"/>
-                </a:solidFill>
-                <a:effectLst>
-                  <a:glow rad="228600">
-                    <a:schemeClr val="accent1">
-                      <a:satMod val="175000"/>
-                      <a:alpha val="40000"/>
-                    </a:schemeClr>
-                  </a:glow>
-                </a:effectLst>
-              </a:rPr>
-              <a:t>게임소개 및 특징</a:t>
-            </a:r>
-            <a:endParaRPr lang="ko-KR" altLang="en-US" dirty="0">
+              <a:rPr lang="ko-KR" altLang="en-US" sz="1050" dirty="0" smtClean="0">
+                <a:solidFill>
+                  <a:schemeClr val="accent2"/>
+                </a:solidFill>
+              </a:rPr>
+              <a:t>죽은플레이어</a:t>
+            </a:r>
+            <a:endParaRPr lang="ko-KR" altLang="en-US" sz="1050" dirty="0">
               <a:solidFill>
-                <a:schemeClr val="bg1"/>
+                <a:schemeClr val="accent2"/>
               </a:solidFill>
-              <a:effectLst>
-                <a:glow rad="228600">
-                  <a:schemeClr val="accent1">
-                    <a:satMod val="175000"/>
-                    <a:alpha val="40000"/>
-                  </a:schemeClr>
-                </a:glow>
-              </a:effectLst>
             </a:endParaRPr>
           </a:p>
         </p:txBody>
       </p:sp>
       <p:cxnSp>
         <p:nvCxnSpPr>
-          <p:cNvPr id="10" name="직선 연결선 9"/>
+          <p:cNvPr id="27" name="직선 화살표 연결선 26"/>
           <p:cNvCxnSpPr/>
           <p:nvPr/>
         </p:nvCxnSpPr>
         <p:spPr>
-          <a:xfrm flipV="1">
-            <a:off x="0" y="0"/>
-            <a:ext cx="1043608" cy="1412775"/>
-          </a:xfrm>
-          <a:prstGeom prst="line">
+          <a:xfrm>
+            <a:off x="1187624" y="2492896"/>
+            <a:ext cx="1224136" cy="72008"/>
+          </a:xfrm>
+          <a:prstGeom prst="straightConnector1">
             <a:avLst/>
           </a:prstGeom>
-          <a:ln w="25400">
+          <a:ln>
             <a:solidFill>
-              <a:srgbClr val="FF0000"/>
+              <a:schemeClr val="bg2"/>
             </a:solidFill>
-            <a:prstDash val="sysDash"/>
+            <a:tailEnd type="triangle"/>
+          </a:ln>
+        </p:spPr>
+        <p:style>
+          <a:lnRef idx="1">
+            <a:schemeClr val="accent1"/>
+          </a:lnRef>
+          <a:fillRef idx="0">
+            <a:schemeClr val="accent1"/>
+          </a:fillRef>
+          <a:effectRef idx="0">
+            <a:schemeClr val="accent1"/>
+          </a:effectRef>
+          <a:fontRef idx="minor">
+            <a:schemeClr val="tx1"/>
+          </a:fontRef>
+        </p:style>
+      </p:cxnSp>
+      <p:cxnSp>
+        <p:nvCxnSpPr>
+          <p:cNvPr id="28" name="직선 화살표 연결선 27"/>
+          <p:cNvCxnSpPr/>
+          <p:nvPr/>
+        </p:nvCxnSpPr>
+        <p:spPr>
+          <a:xfrm>
+            <a:off x="1187624" y="2492895"/>
+            <a:ext cx="1242946" cy="360041"/>
+          </a:xfrm>
+          <a:prstGeom prst="straightConnector1">
+            <a:avLst/>
+          </a:prstGeom>
+          <a:ln>
+            <a:solidFill>
+              <a:schemeClr val="bg2"/>
+            </a:solidFill>
+            <a:tailEnd type="triangle"/>
+          </a:ln>
+        </p:spPr>
+        <p:style>
+          <a:lnRef idx="1">
+            <a:schemeClr val="accent1"/>
+          </a:lnRef>
+          <a:fillRef idx="0">
+            <a:schemeClr val="accent1"/>
+          </a:fillRef>
+          <a:effectRef idx="0">
+            <a:schemeClr val="accent1"/>
+          </a:effectRef>
+          <a:fontRef idx="minor">
+            <a:schemeClr val="tx1"/>
+          </a:fontRef>
+        </p:style>
+      </p:cxnSp>
+      <p:cxnSp>
+        <p:nvCxnSpPr>
+          <p:cNvPr id="31" name="직선 화살표 연결선 30"/>
+          <p:cNvCxnSpPr/>
+          <p:nvPr/>
+        </p:nvCxnSpPr>
+        <p:spPr>
+          <a:xfrm>
+            <a:off x="1187624" y="2528900"/>
+            <a:ext cx="1224136" cy="783392"/>
+          </a:xfrm>
+          <a:prstGeom prst="straightConnector1">
+            <a:avLst/>
+          </a:prstGeom>
+          <a:ln>
+            <a:solidFill>
+              <a:schemeClr val="bg2"/>
+            </a:solidFill>
+            <a:tailEnd type="triangle"/>
+          </a:ln>
+        </p:spPr>
+        <p:style>
+          <a:lnRef idx="1">
+            <a:schemeClr val="accent1"/>
+          </a:lnRef>
+          <a:fillRef idx="0">
+            <a:schemeClr val="accent1"/>
+          </a:fillRef>
+          <a:effectRef idx="0">
+            <a:schemeClr val="accent1"/>
+          </a:effectRef>
+          <a:fontRef idx="minor">
+            <a:schemeClr val="tx1"/>
+          </a:fontRef>
+        </p:style>
+      </p:cxnSp>
+      <p:cxnSp>
+        <p:nvCxnSpPr>
+          <p:cNvPr id="33" name="직선 화살표 연결선 32"/>
+          <p:cNvCxnSpPr/>
+          <p:nvPr/>
+        </p:nvCxnSpPr>
+        <p:spPr>
+          <a:xfrm>
+            <a:off x="1168814" y="2492894"/>
+            <a:ext cx="1242946" cy="1404158"/>
+          </a:xfrm>
+          <a:prstGeom prst="straightConnector1">
+            <a:avLst/>
+          </a:prstGeom>
+          <a:ln>
+            <a:solidFill>
+              <a:schemeClr val="bg2"/>
+            </a:solidFill>
+            <a:tailEnd type="triangle"/>
           </a:ln>
         </p:spPr>
         <p:style>
@@ -20675,88 +21146,52 @@
       </p:cxnSp>
       <p:sp>
         <p:nvSpPr>
-          <p:cNvPr id="11" name="타원 10"/>
+          <p:cNvPr id="36" name="TextBox 35"/>
+          <p:cNvSpPr txBox="1"/>
+          <p:nvPr/>
+        </p:nvSpPr>
+        <p:spPr>
+          <a:xfrm>
+            <a:off x="155914" y="2374733"/>
+            <a:ext cx="1064946" cy="230832"/>
+          </a:xfrm>
+          <a:prstGeom prst="rect">
+            <a:avLst/>
+          </a:prstGeom>
+          <a:noFill/>
+        </p:spPr>
+        <p:txBody>
+          <a:bodyPr wrap="square" rtlCol="0">
+            <a:spAutoFit/>
+          </a:bodyPr>
+          <a:lstStyle/>
+          <a:p>
+            <a:r>
+              <a:rPr lang="ko-KR" altLang="en-US" sz="900" dirty="0" smtClean="0">
+                <a:solidFill>
+                  <a:schemeClr val="bg1"/>
+                </a:solidFill>
+              </a:rPr>
+              <a:t>생존한 플레이어</a:t>
+            </a:r>
+            <a:endParaRPr lang="ko-KR" altLang="en-US" sz="900" dirty="0">
+              <a:solidFill>
+                <a:schemeClr val="bg1"/>
+              </a:solidFill>
+            </a:endParaRPr>
+          </a:p>
+        </p:txBody>
+      </p:sp>
+      <p:sp>
+        <p:nvSpPr>
+          <p:cNvPr id="37" name="직사각형 36"/>
           <p:cNvSpPr/>
           <p:nvPr/>
         </p:nvSpPr>
         <p:spPr>
           <a:xfrm>
-            <a:off x="251520" y="404664"/>
-            <a:ext cx="792088" cy="792088"/>
-          </a:xfrm>
-          <a:prstGeom prst="ellipse">
-            <a:avLst/>
-          </a:prstGeom>
-          <a:solidFill>
-            <a:schemeClr val="tx1"/>
-          </a:solidFill>
-          <a:ln>
-            <a:solidFill>
-              <a:srgbClr val="FF0000"/>
-            </a:solidFill>
-            <a:prstDash val="sysDash"/>
-          </a:ln>
-        </p:spPr>
-        <p:style>
-          <a:lnRef idx="2">
-            <a:schemeClr val="accent1">
-              <a:shade val="50000"/>
-            </a:schemeClr>
-          </a:lnRef>
-          <a:fillRef idx="1">
-            <a:schemeClr val="accent1"/>
-          </a:fillRef>
-          <a:effectRef idx="0">
-            <a:schemeClr val="accent1"/>
-          </a:effectRef>
-          <a:fontRef idx="minor">
-            <a:schemeClr val="lt1"/>
-          </a:fontRef>
-        </p:style>
-        <p:txBody>
-          <a:bodyPr rtlCol="0" anchor="ctr"/>
-          <a:lstStyle/>
-          <a:p>
-            <a:pPr algn="ctr"/>
-            <a:r>
-              <a:rPr lang="en-US" altLang="ko-KR" sz="3200" b="1" dirty="0" smtClean="0">
-                <a:ln w="22225">
-                  <a:solidFill>
-                    <a:schemeClr val="accent2"/>
-                  </a:solidFill>
-                  <a:prstDash val="solid"/>
-                </a:ln>
-                <a:solidFill>
-                  <a:schemeClr val="accent2">
-                    <a:lumMod val="40000"/>
-                    <a:lumOff val="60000"/>
-                  </a:schemeClr>
-                </a:solidFill>
-                <a:latin typeface="-윤고딕340" pitchFamily="18" charset="-127"/>
-                <a:ea typeface="-윤고딕340" pitchFamily="18" charset="-127"/>
-              </a:rPr>
-              <a:t>2</a:t>
-            </a:r>
-            <a:endParaRPr lang="ko-KR" altLang="en-US" sz="3200" dirty="0">
-              <a:solidFill>
-                <a:schemeClr val="bg1"/>
-              </a:solidFill>
-              <a:latin typeface="-윤고딕340" pitchFamily="18" charset="-127"/>
-              <a:ea typeface="-윤고딕340" pitchFamily="18" charset="-127"/>
-            </a:endParaRPr>
-          </a:p>
-        </p:txBody>
-      </p:sp>
-      <p:sp>
-        <p:nvSpPr>
-          <p:cNvPr id="3" name="직사각형 2"/>
-          <p:cNvSpPr/>
-          <p:nvPr/>
-        </p:nvSpPr>
-        <p:spPr>
-          <a:xfrm>
-            <a:off x="647564" y="1412775"/>
-            <a:ext cx="7686600" cy="1421928"/>
+            <a:off x="1907704" y="1141765"/>
+            <a:ext cx="5444463" cy="931024"/>
           </a:xfrm>
           <a:prstGeom prst="rect">
             <a:avLst/>
@@ -20814,7 +21249,7 @@
               </a:lnSpc>
             </a:pPr>
             <a:r>
-              <a:rPr lang="ko-KR" altLang="en-US" kern="0" dirty="0" smtClean="0">
+              <a:rPr lang="ko-KR" altLang="en-US" sz="1200" kern="0" dirty="0" smtClean="0">
                 <a:solidFill>
                   <a:schemeClr val="bg1"/>
                 </a:solidFill>
@@ -20824,7 +21259,7 @@
               <a:t>● </a:t>
             </a:r>
             <a:r>
-              <a:rPr lang="en-US" altLang="ko-KR" kern="0" dirty="0" smtClean="0">
+              <a:rPr lang="en-US" altLang="ko-KR" sz="1200" kern="0" dirty="0" smtClean="0">
                 <a:solidFill>
                   <a:schemeClr val="bg1"/>
                 </a:solidFill>
@@ -20841,7 +21276,7 @@
               </a:lnSpc>
             </a:pPr>
             <a:r>
-              <a:rPr lang="ko-KR" altLang="en-US" kern="0" dirty="0" smtClean="0">
+              <a:rPr lang="ko-KR" altLang="en-US" sz="1200" kern="0" dirty="0" smtClean="0">
                 <a:solidFill>
                   <a:schemeClr val="bg1"/>
                 </a:solidFill>
@@ -20851,7 +21286,7 @@
               <a:t>시간</a:t>
             </a:r>
             <a:r>
-              <a:rPr lang="en-US" altLang="ko-KR" kern="0" dirty="0" smtClean="0">
+              <a:rPr lang="en-US" altLang="ko-KR" sz="1200" kern="0" dirty="0" smtClean="0">
                 <a:solidFill>
                   <a:schemeClr val="bg1"/>
                 </a:solidFill>
@@ -20861,7 +21296,7 @@
               <a:t>,</a:t>
             </a:r>
             <a:r>
-              <a:rPr lang="ko-KR" altLang="en-US" kern="0" dirty="0" smtClean="0">
+              <a:rPr lang="ko-KR" altLang="en-US" sz="1200" kern="0" dirty="0" smtClean="0">
                 <a:solidFill>
                   <a:schemeClr val="bg1"/>
                 </a:solidFill>
@@ -20871,7 +21306,7 @@
               <a:t> 정보</a:t>
             </a:r>
             <a:r>
-              <a:rPr lang="en-US" altLang="ko-KR" kern="0" dirty="0" smtClean="0">
+              <a:rPr lang="en-US" altLang="ko-KR" sz="1200" kern="0" dirty="0" smtClean="0">
                 <a:solidFill>
                   <a:schemeClr val="bg1"/>
                 </a:solidFill>
@@ -20881,7 +21316,7 @@
               <a:t>(</a:t>
             </a:r>
             <a:r>
-              <a:rPr lang="ko-KR" altLang="en-US" kern="0" dirty="0" smtClean="0">
+              <a:rPr lang="ko-KR" altLang="en-US" sz="1200" kern="0" dirty="0" smtClean="0">
                 <a:solidFill>
                   <a:schemeClr val="bg1"/>
                 </a:solidFill>
@@ -20891,7 +21326,7 @@
               <a:t>점수</a:t>
             </a:r>
             <a:r>
-              <a:rPr lang="en-US" altLang="ko-KR" kern="0" dirty="0" smtClean="0">
+              <a:rPr lang="en-US" altLang="ko-KR" sz="1200" kern="0" dirty="0" smtClean="0">
                 <a:solidFill>
                   <a:schemeClr val="bg1"/>
                 </a:solidFill>
@@ -20901,7 +21336,7 @@
               <a:t>, </a:t>
             </a:r>
             <a:r>
-              <a:rPr lang="ko-KR" altLang="en-US" kern="0" dirty="0" smtClean="0">
+              <a:rPr lang="ko-KR" altLang="en-US" sz="1200" kern="0" dirty="0" smtClean="0">
                 <a:solidFill>
                   <a:schemeClr val="bg1"/>
                 </a:solidFill>
@@ -20911,7 +21346,7 @@
               <a:t>플레이어 등</a:t>
             </a:r>
             <a:r>
-              <a:rPr lang="en-US" altLang="ko-KR" kern="0" dirty="0" smtClean="0">
+              <a:rPr lang="en-US" altLang="ko-KR" sz="1200" kern="0" dirty="0" smtClean="0">
                 <a:solidFill>
                   <a:schemeClr val="bg1"/>
                 </a:solidFill>
@@ -20928,7 +21363,7 @@
               </a:lnSpc>
             </a:pPr>
             <a:r>
-              <a:rPr lang="en-US" altLang="ko-KR" kern="0" dirty="0" smtClean="0">
+              <a:rPr lang="en-US" altLang="ko-KR" sz="1200" kern="0" dirty="0" smtClean="0">
                 <a:solidFill>
                   <a:schemeClr val="bg1"/>
                 </a:solidFill>
@@ -20938,7 +21373,7 @@
               <a:t>(</a:t>
             </a:r>
             <a:r>
-              <a:rPr lang="ko-KR" altLang="en-US" kern="0" dirty="0" smtClean="0">
+              <a:rPr lang="ko-KR" altLang="en-US" sz="1200" kern="0" dirty="0" smtClean="0">
                 <a:solidFill>
                   <a:schemeClr val="bg1"/>
                 </a:solidFill>
@@ -20948,7 +21383,7 @@
               <a:t>정보 </a:t>
             </a:r>
             <a:r>
-              <a:rPr lang="en-US" altLang="ko-KR" kern="0" dirty="0" smtClean="0">
+              <a:rPr lang="en-US" altLang="ko-KR" sz="1200" kern="0" dirty="0" smtClean="0">
                 <a:solidFill>
                   <a:schemeClr val="bg1"/>
                 </a:solidFill>
@@ -20958,7 +21393,7 @@
               <a:t>UI</a:t>
             </a:r>
             <a:r>
-              <a:rPr lang="ko-KR" altLang="en-US" kern="0" dirty="0" smtClean="0">
+              <a:rPr lang="ko-KR" altLang="en-US" sz="1200" kern="0" dirty="0" smtClean="0">
                 <a:solidFill>
                   <a:schemeClr val="bg1"/>
                 </a:solidFill>
@@ -20968,7 +21403,7 @@
               <a:t>는 </a:t>
             </a:r>
             <a:r>
-              <a:rPr lang="en-US" altLang="ko-KR" kern="0" dirty="0" smtClean="0">
+              <a:rPr lang="en-US" altLang="ko-KR" sz="1200" kern="0" dirty="0" smtClean="0">
                 <a:solidFill>
                   <a:schemeClr val="bg1"/>
                 </a:solidFill>
@@ -20978,7 +21413,7 @@
               <a:t>Tab</a:t>
             </a:r>
             <a:r>
-              <a:rPr lang="ko-KR" altLang="en-US" kern="0" dirty="0" smtClean="0">
+              <a:rPr lang="ko-KR" altLang="en-US" sz="1200" kern="0" dirty="0" smtClean="0">
                 <a:solidFill>
                   <a:schemeClr val="bg1"/>
                 </a:solidFill>
@@ -20988,7 +21423,7 @@
               <a:t>키를 누를 시 나타나게 됩니다</a:t>
             </a:r>
             <a:r>
-              <a:rPr lang="en-US" altLang="ko-KR" kern="0" dirty="0" smtClean="0">
+              <a:rPr lang="en-US" altLang="ko-KR" sz="1200" kern="0" dirty="0" smtClean="0">
                 <a:solidFill>
                   <a:schemeClr val="bg1"/>
                 </a:solidFill>
@@ -20997,7 +21432,7 @@
               </a:rPr>
               <a:t>.</a:t>
             </a:r>
-            <a:endParaRPr lang="en-US" altLang="ko-KR" kern="0" dirty="0">
+            <a:endParaRPr lang="en-US" altLang="ko-KR" sz="1200" kern="0" dirty="0">
               <a:solidFill>
                 <a:schemeClr val="bg1"/>
               </a:solidFill>
@@ -21007,10 +21442,1238 @@
           </a:p>
         </p:txBody>
       </p:sp>
+      <p:sp>
+        <p:nvSpPr>
+          <p:cNvPr id="38" name="직사각형 37"/>
+          <p:cNvSpPr/>
+          <p:nvPr/>
+        </p:nvSpPr>
+        <p:spPr>
+          <a:xfrm>
+            <a:off x="6566105" y="12460816"/>
+            <a:ext cx="45719" cy="45719"/>
+          </a:xfrm>
+          <a:prstGeom prst="rect">
+            <a:avLst/>
+          </a:prstGeom>
+          <a:solidFill>
+            <a:srgbClr val="FD200F">
+              <a:alpha val="40000"/>
+            </a:srgbClr>
+          </a:solidFill>
+        </p:spPr>
+        <p:style>
+          <a:lnRef idx="2">
+            <a:schemeClr val="accent1">
+              <a:shade val="50000"/>
+            </a:schemeClr>
+          </a:lnRef>
+          <a:fillRef idx="1">
+            <a:schemeClr val="accent1"/>
+          </a:fillRef>
+          <a:effectRef idx="0">
+            <a:schemeClr val="accent1"/>
+          </a:effectRef>
+          <a:fontRef idx="minor">
+            <a:schemeClr val="lt1"/>
+          </a:fontRef>
+        </p:style>
+        <p:txBody>
+          <a:bodyPr rtlCol="0" anchor="ctr"/>
+          <a:lstStyle/>
+          <a:p>
+            <a:pPr algn="ctr"/>
+            <a:endParaRPr lang="ko-KR" altLang="en-US" dirty="0"/>
+          </a:p>
+        </p:txBody>
+      </p:sp>
+      <p:pic>
+        <p:nvPicPr>
+          <p:cNvPr id="1026" name="Picture 2" descr="파일:uG12nOD.png"/>
+          <p:cNvPicPr>
+            <a:picLocks noChangeAspect="1" noChangeArrowheads="1"/>
+          </p:cNvPicPr>
+          <p:nvPr/>
+        </p:nvPicPr>
+        <p:blipFill>
+          <a:blip r:embed="rId4" cstate="print">
+            <a:extLst>
+              <a:ext uri="{28A0092B-C50C-407E-A947-70E740481C1C}">
+                <a14:useLocalDpi xmlns:a14="http://schemas.microsoft.com/office/drawing/2010/main" val="0"/>
+              </a:ext>
+            </a:extLst>
+          </a:blip>
+          <a:srcRect/>
+          <a:stretch>
+            <a:fillRect/>
+          </a:stretch>
+        </p:blipFill>
+        <p:spPr bwMode="auto">
+          <a:xfrm>
+            <a:off x="7435057" y="5521949"/>
+            <a:ext cx="259571" cy="259218"/>
+          </a:xfrm>
+          <a:prstGeom prst="rect">
+            <a:avLst/>
+          </a:prstGeom>
+          <a:noFill/>
+          <a:extLst>
+            <a:ext uri="{909E8E84-426E-40DD-AFC4-6F175D3DCCD1}">
+              <a14:hiddenFill xmlns:a14="http://schemas.microsoft.com/office/drawing/2010/main">
+                <a:solidFill>
+                  <a:srgbClr val="FFFFFF"/>
+                </a:solidFill>
+              </a14:hiddenFill>
+            </a:ext>
+          </a:extLst>
+        </p:spPr>
+      </p:pic>
+      <p:pic>
+        <p:nvPicPr>
+          <p:cNvPr id="1028" name="Picture 4" descr="재시작에 대한 이미지 검색결과"/>
+          <p:cNvPicPr>
+            <a:picLocks noChangeAspect="1" noChangeArrowheads="1"/>
+          </p:cNvPicPr>
+          <p:nvPr/>
+        </p:nvPicPr>
+        <p:blipFill>
+          <a:blip r:embed="rId5" cstate="print">
+            <a:extLst>
+              <a:ext uri="{28A0092B-C50C-407E-A947-70E740481C1C}">
+                <a14:useLocalDpi xmlns:a14="http://schemas.microsoft.com/office/drawing/2010/main" val="0"/>
+              </a:ext>
+            </a:extLst>
+          </a:blip>
+          <a:srcRect/>
+          <a:stretch>
+            <a:fillRect/>
+          </a:stretch>
+        </p:blipFill>
+        <p:spPr bwMode="auto">
+          <a:xfrm>
+            <a:off x="7181315" y="5521949"/>
+            <a:ext cx="248188" cy="259218"/>
+          </a:xfrm>
+          <a:prstGeom prst="rect">
+            <a:avLst/>
+          </a:prstGeom>
+          <a:noFill/>
+          <a:extLst>
+            <a:ext uri="{909E8E84-426E-40DD-AFC4-6F175D3DCCD1}">
+              <a14:hiddenFill xmlns:a14="http://schemas.microsoft.com/office/drawing/2010/main">
+                <a:solidFill>
+                  <a:srgbClr val="FFFFFF"/>
+                </a:solidFill>
+              </a14:hiddenFill>
+            </a:ext>
+          </a:extLst>
+        </p:spPr>
+      </p:pic>
+      <p:cxnSp>
+        <p:nvCxnSpPr>
+          <p:cNvPr id="40" name="직선 화살표 연결선 39"/>
+          <p:cNvCxnSpPr>
+            <a:endCxn id="1026" idx="3"/>
+          </p:cNvCxnSpPr>
+          <p:nvPr/>
+        </p:nvCxnSpPr>
+        <p:spPr>
+          <a:xfrm flipH="1">
+            <a:off x="7694628" y="5085184"/>
+            <a:ext cx="689663" cy="566374"/>
+          </a:xfrm>
+          <a:prstGeom prst="straightConnector1">
+            <a:avLst/>
+          </a:prstGeom>
+          <a:ln>
+            <a:tailEnd type="triangle"/>
+          </a:ln>
+        </p:spPr>
+        <p:style>
+          <a:lnRef idx="1">
+            <a:schemeClr val="accent1"/>
+          </a:lnRef>
+          <a:fillRef idx="0">
+            <a:schemeClr val="accent1"/>
+          </a:fillRef>
+          <a:effectRef idx="0">
+            <a:schemeClr val="accent1"/>
+          </a:effectRef>
+          <a:fontRef idx="minor">
+            <a:schemeClr val="tx1"/>
+          </a:fontRef>
+        </p:style>
+      </p:cxnSp>
+      <p:cxnSp>
+        <p:nvCxnSpPr>
+          <p:cNvPr id="42" name="직선 화살표 연결선 41"/>
+          <p:cNvCxnSpPr/>
+          <p:nvPr/>
+        </p:nvCxnSpPr>
+        <p:spPr>
+          <a:xfrm flipH="1">
+            <a:off x="7352167" y="4869160"/>
+            <a:ext cx="849285" cy="650297"/>
+          </a:xfrm>
+          <a:prstGeom prst="straightConnector1">
+            <a:avLst/>
+          </a:prstGeom>
+          <a:ln>
+            <a:tailEnd type="triangle"/>
+          </a:ln>
+        </p:spPr>
+        <p:style>
+          <a:lnRef idx="1">
+            <a:schemeClr val="accent1"/>
+          </a:lnRef>
+          <a:fillRef idx="0">
+            <a:schemeClr val="accent1"/>
+          </a:fillRef>
+          <a:effectRef idx="0">
+            <a:schemeClr val="accent1"/>
+          </a:effectRef>
+          <a:fontRef idx="minor">
+            <a:schemeClr val="tx1"/>
+          </a:fontRef>
+        </p:style>
+      </p:cxnSp>
+      <p:sp>
+        <p:nvSpPr>
+          <p:cNvPr id="43" name="TextBox 42"/>
+          <p:cNvSpPr txBox="1"/>
+          <p:nvPr/>
+        </p:nvSpPr>
+        <p:spPr>
+          <a:xfrm>
+            <a:off x="8100392" y="4676084"/>
+            <a:ext cx="729800" cy="253916"/>
+          </a:xfrm>
+          <a:prstGeom prst="rect">
+            <a:avLst/>
+          </a:prstGeom>
+          <a:noFill/>
+        </p:spPr>
+        <p:txBody>
+          <a:bodyPr wrap="square" rtlCol="0">
+            <a:spAutoFit/>
+          </a:bodyPr>
+          <a:lstStyle/>
+          <a:p>
+            <a:r>
+              <a:rPr lang="ko-KR" altLang="en-US" sz="1050" dirty="0" err="1" smtClean="0">
+                <a:solidFill>
+                  <a:schemeClr val="accent1"/>
+                </a:solidFill>
+              </a:rPr>
+              <a:t>재시작</a:t>
+            </a:r>
+            <a:endParaRPr lang="ko-KR" altLang="en-US" sz="1050" dirty="0">
+              <a:solidFill>
+                <a:schemeClr val="accent1"/>
+              </a:solidFill>
+            </a:endParaRPr>
+          </a:p>
+        </p:txBody>
+      </p:sp>
+      <p:sp>
+        <p:nvSpPr>
+          <p:cNvPr id="46" name="TextBox 45"/>
+          <p:cNvSpPr txBox="1"/>
+          <p:nvPr/>
+        </p:nvSpPr>
+        <p:spPr>
+          <a:xfrm>
+            <a:off x="8357434" y="4917309"/>
+            <a:ext cx="729800" cy="253916"/>
+          </a:xfrm>
+          <a:prstGeom prst="rect">
+            <a:avLst/>
+          </a:prstGeom>
+          <a:noFill/>
+        </p:spPr>
+        <p:txBody>
+          <a:bodyPr wrap="square" rtlCol="0">
+            <a:spAutoFit/>
+          </a:bodyPr>
+          <a:lstStyle/>
+          <a:p>
+            <a:r>
+              <a:rPr lang="ko-KR" altLang="en-US" sz="1050" dirty="0" smtClean="0">
+                <a:solidFill>
+                  <a:schemeClr val="accent1"/>
+                </a:solidFill>
+              </a:rPr>
+              <a:t>나가기</a:t>
+            </a:r>
+            <a:endParaRPr lang="ko-KR" altLang="en-US" sz="1050" dirty="0">
+              <a:solidFill>
+                <a:schemeClr val="accent1"/>
+              </a:solidFill>
+            </a:endParaRPr>
+          </a:p>
+        </p:txBody>
+      </p:sp>
     </p:spTree>
     <p:extLst>
       <p:ext uri="{BB962C8B-B14F-4D97-AF65-F5344CB8AC3E}">
-        <p14:creationId xmlns:p14="http://schemas.microsoft.com/office/powerpoint/2010/main" val="176348577"/>
+        <p14:creationId xmlns:p14="http://schemas.microsoft.com/office/powerpoint/2010/main" val="680167562"/>
+      </p:ext>
+    </p:extLst>
+  </p:cSld>
+  <p:clrMapOvr>
+    <a:masterClrMapping/>
+  </p:clrMapOvr>
+  <p:timing>
+    <p:tnLst>
+      <p:par>
+        <p:cTn id="1" dur="indefinite" restart="never" nodeType="tmRoot"/>
+      </p:par>
+    </p:tnLst>
+  </p:timing>
+</p:sld>
+</file>
+
+<file path=ppt/slides/slide8.xml><?xml version="1.0" encoding="utf-8"?>
+<p:sld xmlns:a="http://schemas.openxmlformats.org/drawingml/2006/main" xmlns:r="http://schemas.openxmlformats.org/officeDocument/2006/relationships" xmlns:p="http://schemas.openxmlformats.org/presentationml/2006/main">
+  <p:cSld>
+    <p:spTree>
+      <p:nvGrpSpPr>
+        <p:cNvPr id="1" name=""/>
+        <p:cNvGrpSpPr/>
+        <p:nvPr/>
+      </p:nvGrpSpPr>
+      <p:grpSpPr>
+        <a:xfrm>
+          <a:off x="0" y="0"/>
+          <a:ext cx="0" cy="0"/>
+          <a:chOff x="0" y="0"/>
+          <a:chExt cx="0" cy="0"/>
+        </a:xfrm>
+      </p:grpSpPr>
+      <p:sp>
+        <p:nvSpPr>
+          <p:cNvPr id="12" name="이등변 삼각형 11"/>
+          <p:cNvSpPr/>
+          <p:nvPr/>
+        </p:nvSpPr>
+        <p:spPr>
+          <a:xfrm flipV="1">
+            <a:off x="-1" y="2493"/>
+            <a:ext cx="1043609" cy="1410282"/>
+          </a:xfrm>
+          <a:prstGeom prst="triangle">
+            <a:avLst>
+              <a:gd name="adj" fmla="val 0"/>
+            </a:avLst>
+          </a:prstGeom>
+          <a:solidFill>
+            <a:schemeClr val="bg1"/>
+          </a:solidFill>
+          <a:ln>
+            <a:noFill/>
+          </a:ln>
+        </p:spPr>
+        <p:style>
+          <a:lnRef idx="2">
+            <a:schemeClr val="accent1">
+              <a:shade val="50000"/>
+            </a:schemeClr>
+          </a:lnRef>
+          <a:fillRef idx="1">
+            <a:schemeClr val="accent1"/>
+          </a:fillRef>
+          <a:effectRef idx="0">
+            <a:schemeClr val="accent1"/>
+          </a:effectRef>
+          <a:fontRef idx="minor">
+            <a:schemeClr val="lt1"/>
+          </a:fontRef>
+        </p:style>
+        <p:txBody>
+          <a:bodyPr rtlCol="0" anchor="ctr"/>
+          <a:lstStyle/>
+          <a:p>
+            <a:pPr algn="ctr"/>
+            <a:endParaRPr lang="ko-KR" altLang="en-US"/>
+          </a:p>
+        </p:txBody>
+      </p:sp>
+      <p:sp>
+        <p:nvSpPr>
+          <p:cNvPr id="9" name="이등변 삼각형 8"/>
+          <p:cNvSpPr/>
+          <p:nvPr/>
+        </p:nvSpPr>
+        <p:spPr>
+          <a:xfrm rot="10800000" flipV="1">
+            <a:off x="8105945" y="5445225"/>
+            <a:ext cx="1043609" cy="1410282"/>
+          </a:xfrm>
+          <a:prstGeom prst="triangle">
+            <a:avLst>
+              <a:gd name="adj" fmla="val 0"/>
+            </a:avLst>
+          </a:prstGeom>
+          <a:solidFill>
+            <a:schemeClr val="bg1"/>
+          </a:solidFill>
+          <a:ln>
+            <a:noFill/>
+          </a:ln>
+        </p:spPr>
+        <p:style>
+          <a:lnRef idx="2">
+            <a:schemeClr val="accent1">
+              <a:shade val="50000"/>
+            </a:schemeClr>
+          </a:lnRef>
+          <a:fillRef idx="1">
+            <a:schemeClr val="accent1"/>
+          </a:fillRef>
+          <a:effectRef idx="0">
+            <a:schemeClr val="accent1"/>
+          </a:effectRef>
+          <a:fontRef idx="minor">
+            <a:schemeClr val="lt1"/>
+          </a:fontRef>
+        </p:style>
+        <p:txBody>
+          <a:bodyPr rtlCol="0" anchor="ctr"/>
+          <a:lstStyle/>
+          <a:p>
+            <a:pPr algn="ctr"/>
+            <a:endParaRPr lang="ko-KR" altLang="en-US"/>
+          </a:p>
+        </p:txBody>
+      </p:sp>
+      <p:cxnSp>
+        <p:nvCxnSpPr>
+          <p:cNvPr id="7" name="직선 연결선 6"/>
+          <p:cNvCxnSpPr/>
+          <p:nvPr/>
+        </p:nvCxnSpPr>
+        <p:spPr>
+          <a:xfrm flipV="1">
+            <a:off x="8100392" y="5445225"/>
+            <a:ext cx="1043608" cy="1412775"/>
+          </a:xfrm>
+          <a:prstGeom prst="line">
+            <a:avLst/>
+          </a:prstGeom>
+          <a:ln w="25400">
+            <a:solidFill>
+              <a:srgbClr val="FF0000"/>
+            </a:solidFill>
+            <a:prstDash val="sysDash"/>
+          </a:ln>
+        </p:spPr>
+        <p:style>
+          <a:lnRef idx="1">
+            <a:schemeClr val="accent1"/>
+          </a:lnRef>
+          <a:fillRef idx="0">
+            <a:schemeClr val="accent1"/>
+          </a:fillRef>
+          <a:effectRef idx="0">
+            <a:schemeClr val="accent1"/>
+          </a:effectRef>
+          <a:fontRef idx="minor">
+            <a:schemeClr val="tx1"/>
+          </a:fontRef>
+        </p:style>
+      </p:cxnSp>
+      <p:sp>
+        <p:nvSpPr>
+          <p:cNvPr id="8" name="TextBox 7"/>
+          <p:cNvSpPr txBox="1"/>
+          <p:nvPr/>
+        </p:nvSpPr>
+        <p:spPr>
+          <a:xfrm>
+            <a:off x="1022303" y="569875"/>
+            <a:ext cx="2557110" cy="461665"/>
+          </a:xfrm>
+          <a:prstGeom prst="rect">
+            <a:avLst/>
+          </a:prstGeom>
+          <a:noFill/>
+        </p:spPr>
+        <p:txBody>
+          <a:bodyPr wrap="none" rtlCol="0">
+            <a:spAutoFit/>
+          </a:bodyPr>
+          <a:lstStyle/>
+          <a:p>
+            <a:r>
+              <a:rPr lang="ko-KR" altLang="en-US" sz="2400" dirty="0" smtClean="0">
+                <a:solidFill>
+                  <a:schemeClr val="bg1"/>
+                </a:solidFill>
+                <a:effectLst>
+                  <a:glow rad="228600">
+                    <a:schemeClr val="accent1">
+                      <a:satMod val="175000"/>
+                      <a:alpha val="40000"/>
+                    </a:schemeClr>
+                  </a:glow>
+                </a:effectLst>
+              </a:rPr>
+              <a:t>게임소개 및 특징</a:t>
+            </a:r>
+            <a:endParaRPr lang="ko-KR" altLang="en-US" dirty="0">
+              <a:solidFill>
+                <a:schemeClr val="bg1"/>
+              </a:solidFill>
+              <a:effectLst>
+                <a:glow rad="228600">
+                  <a:schemeClr val="accent1">
+                    <a:satMod val="175000"/>
+                    <a:alpha val="40000"/>
+                  </a:schemeClr>
+                </a:glow>
+              </a:effectLst>
+            </a:endParaRPr>
+          </a:p>
+        </p:txBody>
+      </p:sp>
+      <p:cxnSp>
+        <p:nvCxnSpPr>
+          <p:cNvPr id="10" name="직선 연결선 9"/>
+          <p:cNvCxnSpPr/>
+          <p:nvPr/>
+        </p:nvCxnSpPr>
+        <p:spPr>
+          <a:xfrm flipV="1">
+            <a:off x="0" y="0"/>
+            <a:ext cx="1043608" cy="1412775"/>
+          </a:xfrm>
+          <a:prstGeom prst="line">
+            <a:avLst/>
+          </a:prstGeom>
+          <a:ln w="25400">
+            <a:solidFill>
+              <a:srgbClr val="FF0000"/>
+            </a:solidFill>
+            <a:prstDash val="sysDash"/>
+          </a:ln>
+        </p:spPr>
+        <p:style>
+          <a:lnRef idx="1">
+            <a:schemeClr val="accent1"/>
+          </a:lnRef>
+          <a:fillRef idx="0">
+            <a:schemeClr val="accent1"/>
+          </a:fillRef>
+          <a:effectRef idx="0">
+            <a:schemeClr val="accent1"/>
+          </a:effectRef>
+          <a:fontRef idx="minor">
+            <a:schemeClr val="tx1"/>
+          </a:fontRef>
+        </p:style>
+      </p:cxnSp>
+      <p:sp>
+        <p:nvSpPr>
+          <p:cNvPr id="11" name="타원 10"/>
+          <p:cNvSpPr/>
+          <p:nvPr/>
+        </p:nvSpPr>
+        <p:spPr>
+          <a:xfrm>
+            <a:off x="251520" y="404664"/>
+            <a:ext cx="792088" cy="792088"/>
+          </a:xfrm>
+          <a:prstGeom prst="ellipse">
+            <a:avLst/>
+          </a:prstGeom>
+          <a:solidFill>
+            <a:schemeClr val="tx1"/>
+          </a:solidFill>
+          <a:ln>
+            <a:solidFill>
+              <a:srgbClr val="FF0000"/>
+            </a:solidFill>
+            <a:prstDash val="sysDash"/>
+          </a:ln>
+        </p:spPr>
+        <p:style>
+          <a:lnRef idx="2">
+            <a:schemeClr val="accent1">
+              <a:shade val="50000"/>
+            </a:schemeClr>
+          </a:lnRef>
+          <a:fillRef idx="1">
+            <a:schemeClr val="accent1"/>
+          </a:fillRef>
+          <a:effectRef idx="0">
+            <a:schemeClr val="accent1"/>
+          </a:effectRef>
+          <a:fontRef idx="minor">
+            <a:schemeClr val="lt1"/>
+          </a:fontRef>
+        </p:style>
+        <p:txBody>
+          <a:bodyPr rtlCol="0" anchor="ctr"/>
+          <a:lstStyle/>
+          <a:p>
+            <a:pPr algn="ctr"/>
+            <a:r>
+              <a:rPr lang="en-US" altLang="ko-KR" sz="3200" b="1" dirty="0" smtClean="0">
+                <a:ln w="22225">
+                  <a:solidFill>
+                    <a:schemeClr val="accent2"/>
+                  </a:solidFill>
+                  <a:prstDash val="solid"/>
+                </a:ln>
+                <a:solidFill>
+                  <a:schemeClr val="accent2">
+                    <a:lumMod val="40000"/>
+                    <a:lumOff val="60000"/>
+                  </a:schemeClr>
+                </a:solidFill>
+                <a:latin typeface="-윤고딕340" pitchFamily="18" charset="-127"/>
+                <a:ea typeface="-윤고딕340" pitchFamily="18" charset="-127"/>
+              </a:rPr>
+              <a:t>2</a:t>
+            </a:r>
+            <a:endParaRPr lang="ko-KR" altLang="en-US" sz="3200" dirty="0">
+              <a:solidFill>
+                <a:schemeClr val="bg1"/>
+              </a:solidFill>
+              <a:latin typeface="-윤고딕340" pitchFamily="18" charset="-127"/>
+              <a:ea typeface="-윤고딕340" pitchFamily="18" charset="-127"/>
+            </a:endParaRPr>
+          </a:p>
+        </p:txBody>
+      </p:sp>
+      <p:sp>
+        <p:nvSpPr>
+          <p:cNvPr id="4" name="Rectangle 2"/>
+          <p:cNvSpPr>
+            <a:spLocks noChangeArrowheads="1"/>
+          </p:cNvSpPr>
+          <p:nvPr/>
+        </p:nvSpPr>
+        <p:spPr bwMode="auto">
+          <a:xfrm>
+            <a:off x="539552" y="4039322"/>
+            <a:ext cx="6136264" cy="214550"/>
+          </a:xfrm>
+          <a:prstGeom prst="rect">
+            <a:avLst/>
+          </a:prstGeom>
+          <a:noFill/>
+          <a:ln>
+            <a:noFill/>
+          </a:ln>
+          <a:effectLst/>
+          <a:extLst>
+            <a:ext uri="{909E8E84-426E-40DD-AFC4-6F175D3DCCD1}">
+              <a14:hiddenFill xmlns:a14="http://schemas.microsoft.com/office/drawing/2010/main">
+                <a:solidFill>
+                  <a:schemeClr val="accent1"/>
+                </a:solidFill>
+              </a14:hiddenFill>
+            </a:ext>
+            <a:ext uri="{91240B29-F687-4F45-9708-019B960494DF}">
+              <a14:hiddenLine xmlns:a14="http://schemas.microsoft.com/office/drawing/2010/main" w="9525">
+                <a:solidFill>
+                  <a:schemeClr val="tx1"/>
+                </a:solidFill>
+                <a:miter lim="800000"/>
+                <a:headEnd/>
+                <a:tailEnd/>
+              </a14:hiddenLine>
+            </a:ext>
+            <a:ext uri="{AF507438-7753-43E0-B8FC-AC1667EBCBE1}">
+              <a14:hiddenEffects xmlns:a14="http://schemas.microsoft.com/office/drawing/2010/main">
+                <a:effectLst>
+                  <a:outerShdw dist="35921" dir="2700000" algn="ctr" rotWithShape="0">
+                    <a:schemeClr val="bg2"/>
+                  </a:outerShdw>
+                </a:effectLst>
+              </a14:hiddenEffects>
+            </a:ext>
+          </a:extLst>
+        </p:spPr>
+        <p:txBody>
+          <a:bodyPr vert="horz" wrap="square" lIns="91440" tIns="45720" rIns="91440" bIns="45720" numCol="1" anchor="ctr" anchorCtr="0" compatLnSpc="1">
+            <a:prstTxWarp prst="textNoShape">
+              <a:avLst/>
+            </a:prstTxWarp>
+            <a:spAutoFit/>
+          </a:bodyPr>
+          <a:lstStyle/>
+          <a:p>
+            <a:endParaRPr lang="ko-KR" altLang="en-US"/>
+          </a:p>
+        </p:txBody>
+      </p:sp>
+      <p:pic>
+        <p:nvPicPr>
+          <p:cNvPr id="1025" name="_x313074848" descr="EMB00001e886b4d"/>
+          <p:cNvPicPr>
+            <a:picLocks noChangeAspect="1" noChangeArrowheads="1"/>
+          </p:cNvPicPr>
+          <p:nvPr/>
+        </p:nvPicPr>
+        <p:blipFill>
+          <a:blip r:embed="rId2">
+            <a:extLst>
+              <a:ext uri="{28A0092B-C50C-407E-A947-70E740481C1C}">
+                <a14:useLocalDpi xmlns:a14="http://schemas.microsoft.com/office/drawing/2010/main" val="0"/>
+              </a:ext>
+            </a:extLst>
+          </a:blip>
+          <a:srcRect/>
+          <a:stretch>
+            <a:fillRect/>
+          </a:stretch>
+        </p:blipFill>
+        <p:spPr bwMode="auto">
+          <a:xfrm>
+            <a:off x="539552" y="1412775"/>
+            <a:ext cx="2400194" cy="2192716"/>
+          </a:xfrm>
+          <a:prstGeom prst="rect">
+            <a:avLst/>
+          </a:prstGeom>
+          <a:noFill/>
+          <a:extLst>
+            <a:ext uri="{909E8E84-426E-40DD-AFC4-6F175D3DCCD1}">
+              <a14:hiddenFill xmlns:a14="http://schemas.microsoft.com/office/drawing/2010/main">
+                <a:solidFill>
+                  <a:srgbClr val="FFFFFF"/>
+                </a:solidFill>
+              </a14:hiddenFill>
+            </a:ext>
+          </a:extLst>
+        </p:spPr>
+      </p:pic>
+      <p:sp>
+        <p:nvSpPr>
+          <p:cNvPr id="5" name="Rectangle 4"/>
+          <p:cNvSpPr>
+            <a:spLocks noChangeArrowheads="1"/>
+          </p:cNvSpPr>
+          <p:nvPr/>
+        </p:nvSpPr>
+        <p:spPr bwMode="auto">
+          <a:xfrm>
+            <a:off x="0" y="0"/>
+            <a:ext cx="9144000" cy="457200"/>
+          </a:xfrm>
+          <a:prstGeom prst="rect">
+            <a:avLst/>
+          </a:prstGeom>
+          <a:noFill/>
+          <a:ln>
+            <a:noFill/>
+          </a:ln>
+          <a:effectLst/>
+          <a:extLst>
+            <a:ext uri="{909E8E84-426E-40DD-AFC4-6F175D3DCCD1}">
+              <a14:hiddenFill xmlns:a14="http://schemas.microsoft.com/office/drawing/2010/main">
+                <a:solidFill>
+                  <a:schemeClr val="accent1"/>
+                </a:solidFill>
+              </a14:hiddenFill>
+            </a:ext>
+            <a:ext uri="{91240B29-F687-4F45-9708-019B960494DF}">
+              <a14:hiddenLine xmlns:a14="http://schemas.microsoft.com/office/drawing/2010/main" w="9525">
+                <a:solidFill>
+                  <a:schemeClr val="tx1"/>
+                </a:solidFill>
+                <a:miter lim="800000"/>
+                <a:headEnd/>
+                <a:tailEnd/>
+              </a14:hiddenLine>
+            </a:ext>
+            <a:ext uri="{AF507438-7753-43E0-B8FC-AC1667EBCBE1}">
+              <a14:hiddenEffects xmlns:a14="http://schemas.microsoft.com/office/drawing/2010/main">
+                <a:effectLst>
+                  <a:outerShdw dist="35921" dir="2700000" algn="ctr" rotWithShape="0">
+                    <a:schemeClr val="bg2"/>
+                  </a:outerShdw>
+                </a:effectLst>
+              </a14:hiddenEffects>
+            </a:ext>
+          </a:extLst>
+        </p:spPr>
+        <p:txBody>
+          <a:bodyPr vert="horz" wrap="none" lIns="91440" tIns="45720" rIns="91440" bIns="45720" numCol="1" anchor="ctr" anchorCtr="0" compatLnSpc="1">
+            <a:prstTxWarp prst="textNoShape">
+              <a:avLst/>
+            </a:prstTxWarp>
+            <a:spAutoFit/>
+          </a:bodyPr>
+          <a:lstStyle/>
+          <a:p>
+            <a:endParaRPr lang="ko-KR" altLang="en-US"/>
+          </a:p>
+        </p:txBody>
+      </p:sp>
+      <p:pic>
+        <p:nvPicPr>
+          <p:cNvPr id="1027" name="_x313076048" descr="EMB00001e886b50"/>
+          <p:cNvPicPr>
+            <a:picLocks noChangeAspect="1" noChangeArrowheads="1"/>
+          </p:cNvPicPr>
+          <p:nvPr/>
+        </p:nvPicPr>
+        <p:blipFill>
+          <a:blip r:embed="rId3">
+            <a:extLst>
+              <a:ext uri="{28A0092B-C50C-407E-A947-70E740481C1C}">
+                <a14:useLocalDpi xmlns:a14="http://schemas.microsoft.com/office/drawing/2010/main" val="0"/>
+              </a:ext>
+            </a:extLst>
+          </a:blip>
+          <a:srcRect/>
+          <a:stretch>
+            <a:fillRect/>
+          </a:stretch>
+        </p:blipFill>
+        <p:spPr bwMode="auto">
+          <a:xfrm>
+            <a:off x="2939746" y="1442737"/>
+            <a:ext cx="2448272" cy="2202287"/>
+          </a:xfrm>
+          <a:prstGeom prst="rect">
+            <a:avLst/>
+          </a:prstGeom>
+          <a:noFill/>
+          <a:extLst>
+            <a:ext uri="{909E8E84-426E-40DD-AFC4-6F175D3DCCD1}">
+              <a14:hiddenFill xmlns:a14="http://schemas.microsoft.com/office/drawing/2010/main">
+                <a:solidFill>
+                  <a:srgbClr val="FFFFFF"/>
+                </a:solidFill>
+              </a14:hiddenFill>
+            </a:ext>
+          </a:extLst>
+        </p:spPr>
+      </p:pic>
+      <p:sp>
+        <p:nvSpPr>
+          <p:cNvPr id="6" name="Rectangle 6"/>
+          <p:cNvSpPr>
+            <a:spLocks noChangeArrowheads="1"/>
+          </p:cNvSpPr>
+          <p:nvPr/>
+        </p:nvSpPr>
+        <p:spPr bwMode="auto">
+          <a:xfrm>
+            <a:off x="0" y="0"/>
+            <a:ext cx="9144000" cy="457200"/>
+          </a:xfrm>
+          <a:prstGeom prst="rect">
+            <a:avLst/>
+          </a:prstGeom>
+          <a:noFill/>
+          <a:ln>
+            <a:noFill/>
+          </a:ln>
+          <a:effectLst/>
+          <a:extLst>
+            <a:ext uri="{909E8E84-426E-40DD-AFC4-6F175D3DCCD1}">
+              <a14:hiddenFill xmlns:a14="http://schemas.microsoft.com/office/drawing/2010/main">
+                <a:solidFill>
+                  <a:schemeClr val="accent1"/>
+                </a:solidFill>
+              </a14:hiddenFill>
+            </a:ext>
+            <a:ext uri="{91240B29-F687-4F45-9708-019B960494DF}">
+              <a14:hiddenLine xmlns:a14="http://schemas.microsoft.com/office/drawing/2010/main" w="9525">
+                <a:solidFill>
+                  <a:schemeClr val="tx1"/>
+                </a:solidFill>
+                <a:miter lim="800000"/>
+                <a:headEnd/>
+                <a:tailEnd/>
+              </a14:hiddenLine>
+            </a:ext>
+            <a:ext uri="{AF507438-7753-43E0-B8FC-AC1667EBCBE1}">
+              <a14:hiddenEffects xmlns:a14="http://schemas.microsoft.com/office/drawing/2010/main">
+                <a:effectLst>
+                  <a:outerShdw dist="35921" dir="2700000" algn="ctr" rotWithShape="0">
+                    <a:schemeClr val="bg2"/>
+                  </a:outerShdw>
+                </a:effectLst>
+              </a14:hiddenEffects>
+            </a:ext>
+          </a:extLst>
+        </p:spPr>
+        <p:txBody>
+          <a:bodyPr vert="horz" wrap="none" lIns="91440" tIns="45720" rIns="91440" bIns="45720" numCol="1" anchor="ctr" anchorCtr="0" compatLnSpc="1">
+            <a:prstTxWarp prst="textNoShape">
+              <a:avLst/>
+            </a:prstTxWarp>
+            <a:spAutoFit/>
+          </a:bodyPr>
+          <a:lstStyle/>
+          <a:p>
+            <a:endParaRPr lang="ko-KR" altLang="en-US"/>
+          </a:p>
+        </p:txBody>
+      </p:sp>
+      <p:pic>
+        <p:nvPicPr>
+          <p:cNvPr id="1029" name="_x313076288" descr="EMB00001e886b53"/>
+          <p:cNvPicPr>
+            <a:picLocks noChangeAspect="1" noChangeArrowheads="1"/>
+          </p:cNvPicPr>
+          <p:nvPr/>
+        </p:nvPicPr>
+        <p:blipFill>
+          <a:blip r:embed="rId4">
+            <a:extLst>
+              <a:ext uri="{28A0092B-C50C-407E-A947-70E740481C1C}">
+                <a14:useLocalDpi xmlns:a14="http://schemas.microsoft.com/office/drawing/2010/main" val="0"/>
+              </a:ext>
+            </a:extLst>
+          </a:blip>
+          <a:srcRect/>
+          <a:stretch>
+            <a:fillRect/>
+          </a:stretch>
+        </p:blipFill>
+        <p:spPr bwMode="auto">
+          <a:xfrm>
+            <a:off x="5435719" y="1442737"/>
+            <a:ext cx="2352493" cy="2202287"/>
+          </a:xfrm>
+          <a:prstGeom prst="rect">
+            <a:avLst/>
+          </a:prstGeom>
+          <a:noFill/>
+          <a:extLst>
+            <a:ext uri="{909E8E84-426E-40DD-AFC4-6F175D3DCCD1}">
+              <a14:hiddenFill xmlns:a14="http://schemas.microsoft.com/office/drawing/2010/main">
+                <a:solidFill>
+                  <a:srgbClr val="FFFFFF"/>
+                </a:solidFill>
+              </a14:hiddenFill>
+            </a:ext>
+          </a:extLst>
+        </p:spPr>
+      </p:pic>
+      <p:sp>
+        <p:nvSpPr>
+          <p:cNvPr id="2" name="Rectangle 2"/>
+          <p:cNvSpPr>
+            <a:spLocks noChangeArrowheads="1"/>
+          </p:cNvSpPr>
+          <p:nvPr/>
+        </p:nvSpPr>
+        <p:spPr bwMode="auto">
+          <a:xfrm>
+            <a:off x="0" y="0"/>
+            <a:ext cx="9144000" cy="457200"/>
+          </a:xfrm>
+          <a:prstGeom prst="rect">
+            <a:avLst/>
+          </a:prstGeom>
+          <a:noFill/>
+          <a:ln>
+            <a:noFill/>
+          </a:ln>
+          <a:effectLst/>
+          <a:extLst>
+            <a:ext uri="{909E8E84-426E-40DD-AFC4-6F175D3DCCD1}">
+              <a14:hiddenFill xmlns:a14="http://schemas.microsoft.com/office/drawing/2010/main">
+                <a:solidFill>
+                  <a:schemeClr val="accent1"/>
+                </a:solidFill>
+              </a14:hiddenFill>
+            </a:ext>
+            <a:ext uri="{91240B29-F687-4F45-9708-019B960494DF}">
+              <a14:hiddenLine xmlns:a14="http://schemas.microsoft.com/office/drawing/2010/main" w="9525">
+                <a:solidFill>
+                  <a:schemeClr val="tx1"/>
+                </a:solidFill>
+                <a:miter lim="800000"/>
+                <a:headEnd/>
+                <a:tailEnd/>
+              </a14:hiddenLine>
+            </a:ext>
+            <a:ext uri="{AF507438-7753-43E0-B8FC-AC1667EBCBE1}">
+              <a14:hiddenEffects xmlns:a14="http://schemas.microsoft.com/office/drawing/2010/main">
+                <a:effectLst>
+                  <a:outerShdw dist="35921" dir="2700000" algn="ctr" rotWithShape="0">
+                    <a:schemeClr val="bg2"/>
+                  </a:outerShdw>
+                </a:effectLst>
+              </a14:hiddenEffects>
+            </a:ext>
+          </a:extLst>
+        </p:spPr>
+        <p:txBody>
+          <a:bodyPr vert="horz" wrap="none" lIns="91440" tIns="45720" rIns="91440" bIns="45720" numCol="1" anchor="ctr" anchorCtr="0" compatLnSpc="1">
+            <a:prstTxWarp prst="textNoShape">
+              <a:avLst/>
+            </a:prstTxWarp>
+            <a:spAutoFit/>
+          </a:bodyPr>
+          <a:lstStyle/>
+          <a:p>
+            <a:endParaRPr lang="ko-KR" altLang="en-US"/>
+          </a:p>
+        </p:txBody>
+      </p:sp>
+      <p:pic>
+        <p:nvPicPr>
+          <p:cNvPr id="2049" name="_x313076448" descr="EMB00001e886b56"/>
+          <p:cNvPicPr>
+            <a:picLocks noChangeAspect="1" noChangeArrowheads="1"/>
+          </p:cNvPicPr>
+          <p:nvPr/>
+        </p:nvPicPr>
+        <p:blipFill>
+          <a:blip r:embed="rId5">
+            <a:extLst>
+              <a:ext uri="{28A0092B-C50C-407E-A947-70E740481C1C}">
+                <a14:useLocalDpi xmlns:a14="http://schemas.microsoft.com/office/drawing/2010/main" val="0"/>
+              </a:ext>
+            </a:extLst>
+          </a:blip>
+          <a:srcRect/>
+          <a:stretch>
+            <a:fillRect/>
+          </a:stretch>
+        </p:blipFill>
+        <p:spPr bwMode="auto">
+          <a:xfrm>
+            <a:off x="533999" y="3770703"/>
+            <a:ext cx="2405748" cy="2379663"/>
+          </a:xfrm>
+          <a:prstGeom prst="rect">
+            <a:avLst/>
+          </a:prstGeom>
+          <a:noFill/>
+          <a:extLst>
+            <a:ext uri="{909E8E84-426E-40DD-AFC4-6F175D3DCCD1}">
+              <a14:hiddenFill xmlns:a14="http://schemas.microsoft.com/office/drawing/2010/main">
+                <a:solidFill>
+                  <a:srgbClr val="FFFFFF"/>
+                </a:solidFill>
+              </a14:hiddenFill>
+            </a:ext>
+          </a:extLst>
+        </p:spPr>
+      </p:pic>
+      <p:sp>
+        <p:nvSpPr>
+          <p:cNvPr id="13" name="Rectangle 4"/>
+          <p:cNvSpPr>
+            <a:spLocks noChangeArrowheads="1"/>
+          </p:cNvSpPr>
+          <p:nvPr/>
+        </p:nvSpPr>
+        <p:spPr bwMode="auto">
+          <a:xfrm>
+            <a:off x="0" y="0"/>
+            <a:ext cx="9144000" cy="457200"/>
+          </a:xfrm>
+          <a:prstGeom prst="rect">
+            <a:avLst/>
+          </a:prstGeom>
+          <a:noFill/>
+          <a:ln>
+            <a:noFill/>
+          </a:ln>
+          <a:effectLst/>
+          <a:extLst>
+            <a:ext uri="{909E8E84-426E-40DD-AFC4-6F175D3DCCD1}">
+              <a14:hiddenFill xmlns:a14="http://schemas.microsoft.com/office/drawing/2010/main">
+                <a:solidFill>
+                  <a:schemeClr val="accent1"/>
+                </a:solidFill>
+              </a14:hiddenFill>
+            </a:ext>
+            <a:ext uri="{91240B29-F687-4F45-9708-019B960494DF}">
+              <a14:hiddenLine xmlns:a14="http://schemas.microsoft.com/office/drawing/2010/main" w="9525">
+                <a:solidFill>
+                  <a:schemeClr val="tx1"/>
+                </a:solidFill>
+                <a:miter lim="800000"/>
+                <a:headEnd/>
+                <a:tailEnd/>
+              </a14:hiddenLine>
+            </a:ext>
+            <a:ext uri="{AF507438-7753-43E0-B8FC-AC1667EBCBE1}">
+              <a14:hiddenEffects xmlns:a14="http://schemas.microsoft.com/office/drawing/2010/main">
+                <a:effectLst>
+                  <a:outerShdw dist="35921" dir="2700000" algn="ctr" rotWithShape="0">
+                    <a:schemeClr val="bg2"/>
+                  </a:outerShdw>
+                </a:effectLst>
+              </a14:hiddenEffects>
+            </a:ext>
+          </a:extLst>
+        </p:spPr>
+        <p:txBody>
+          <a:bodyPr vert="horz" wrap="none" lIns="91440" tIns="45720" rIns="91440" bIns="45720" numCol="1" anchor="ctr" anchorCtr="0" compatLnSpc="1">
+            <a:prstTxWarp prst="textNoShape">
+              <a:avLst/>
+            </a:prstTxWarp>
+            <a:spAutoFit/>
+          </a:bodyPr>
+          <a:lstStyle/>
+          <a:p>
+            <a:endParaRPr lang="ko-KR" altLang="en-US"/>
+          </a:p>
+        </p:txBody>
+      </p:sp>
+      <p:pic>
+        <p:nvPicPr>
+          <p:cNvPr id="2051" name="_x313076288" descr="EMB00001e886b59"/>
+          <p:cNvPicPr>
+            <a:picLocks noChangeAspect="1" noChangeArrowheads="1"/>
+          </p:cNvPicPr>
+          <p:nvPr/>
+        </p:nvPicPr>
+        <p:blipFill>
+          <a:blip r:embed="rId6">
+            <a:extLst>
+              <a:ext uri="{28A0092B-C50C-407E-A947-70E740481C1C}">
+                <a14:useLocalDpi xmlns:a14="http://schemas.microsoft.com/office/drawing/2010/main" val="0"/>
+              </a:ext>
+            </a:extLst>
+          </a:blip>
+          <a:srcRect/>
+          <a:stretch>
+            <a:fillRect/>
+          </a:stretch>
+        </p:blipFill>
+        <p:spPr bwMode="auto">
+          <a:xfrm>
+            <a:off x="2939746" y="3770703"/>
+            <a:ext cx="2495973" cy="2468563"/>
+          </a:xfrm>
+          <a:prstGeom prst="rect">
+            <a:avLst/>
+          </a:prstGeom>
+          <a:noFill/>
+          <a:extLst>
+            <a:ext uri="{909E8E84-426E-40DD-AFC4-6F175D3DCCD1}">
+              <a14:hiddenFill xmlns:a14="http://schemas.microsoft.com/office/drawing/2010/main">
+                <a:solidFill>
+                  <a:srgbClr val="FFFFFF"/>
+                </a:solidFill>
+              </a14:hiddenFill>
+            </a:ext>
+          </a:extLst>
+        </p:spPr>
+      </p:pic>
+      <p:sp>
+        <p:nvSpPr>
+          <p:cNvPr id="14" name="Rectangle 6"/>
+          <p:cNvSpPr>
+            <a:spLocks noChangeArrowheads="1"/>
+          </p:cNvSpPr>
+          <p:nvPr/>
+        </p:nvSpPr>
+        <p:spPr bwMode="auto">
+          <a:xfrm>
+            <a:off x="0" y="0"/>
+            <a:ext cx="9144000" cy="457200"/>
+          </a:xfrm>
+          <a:prstGeom prst="rect">
+            <a:avLst/>
+          </a:prstGeom>
+          <a:noFill/>
+          <a:ln>
+            <a:noFill/>
+          </a:ln>
+          <a:effectLst/>
+          <a:extLst>
+            <a:ext uri="{909E8E84-426E-40DD-AFC4-6F175D3DCCD1}">
+              <a14:hiddenFill xmlns:a14="http://schemas.microsoft.com/office/drawing/2010/main">
+                <a:solidFill>
+                  <a:schemeClr val="accent1"/>
+                </a:solidFill>
+              </a14:hiddenFill>
+            </a:ext>
+            <a:ext uri="{91240B29-F687-4F45-9708-019B960494DF}">
+              <a14:hiddenLine xmlns:a14="http://schemas.microsoft.com/office/drawing/2010/main" w="9525">
+                <a:solidFill>
+                  <a:schemeClr val="tx1"/>
+                </a:solidFill>
+                <a:miter lim="800000"/>
+                <a:headEnd/>
+                <a:tailEnd/>
+              </a14:hiddenLine>
+            </a:ext>
+            <a:ext uri="{AF507438-7753-43E0-B8FC-AC1667EBCBE1}">
+              <a14:hiddenEffects xmlns:a14="http://schemas.microsoft.com/office/drawing/2010/main">
+                <a:effectLst>
+                  <a:outerShdw dist="35921" dir="2700000" algn="ctr" rotWithShape="0">
+                    <a:schemeClr val="bg2"/>
+                  </a:outerShdw>
+                </a:effectLst>
+              </a14:hiddenEffects>
+            </a:ext>
+          </a:extLst>
+        </p:spPr>
+        <p:txBody>
+          <a:bodyPr vert="horz" wrap="none" lIns="91440" tIns="45720" rIns="91440" bIns="45720" numCol="1" anchor="ctr" anchorCtr="0" compatLnSpc="1">
+            <a:prstTxWarp prst="textNoShape">
+              <a:avLst/>
+            </a:prstTxWarp>
+            <a:spAutoFit/>
+          </a:bodyPr>
+          <a:lstStyle/>
+          <a:p>
+            <a:endParaRPr lang="ko-KR" altLang="en-US"/>
+          </a:p>
+        </p:txBody>
+      </p:sp>
+      <p:pic>
+        <p:nvPicPr>
+          <p:cNvPr id="2053" name="_x313075808" descr="EMB00001e886b5c"/>
+          <p:cNvPicPr>
+            <a:picLocks noChangeAspect="1" noChangeArrowheads="1"/>
+          </p:cNvPicPr>
+          <p:nvPr/>
+        </p:nvPicPr>
+        <p:blipFill>
+          <a:blip r:embed="rId7">
+            <a:extLst>
+              <a:ext uri="{28A0092B-C50C-407E-A947-70E740481C1C}">
+                <a14:useLocalDpi xmlns:a14="http://schemas.microsoft.com/office/drawing/2010/main" val="0"/>
+              </a:ext>
+            </a:extLst>
+          </a:blip>
+          <a:srcRect/>
+          <a:stretch>
+            <a:fillRect/>
+          </a:stretch>
+        </p:blipFill>
+        <p:spPr bwMode="auto">
+          <a:xfrm>
+            <a:off x="5388019" y="3770703"/>
+            <a:ext cx="2400194" cy="2493963"/>
+          </a:xfrm>
+          <a:prstGeom prst="rect">
+            <a:avLst/>
+          </a:prstGeom>
+          <a:noFill/>
+          <a:extLst>
+            <a:ext uri="{909E8E84-426E-40DD-AFC4-6F175D3DCCD1}">
+              <a14:hiddenFill xmlns:a14="http://schemas.microsoft.com/office/drawing/2010/main">
+                <a:solidFill>
+                  <a:srgbClr val="FFFFFF"/>
+                </a:solidFill>
+              </a14:hiddenFill>
+            </a:ext>
+          </a:extLst>
+        </p:spPr>
+      </p:pic>
+    </p:spTree>
+    <p:extLst>
+      <p:ext uri="{BB962C8B-B14F-4D97-AF65-F5344CB8AC3E}">
+        <p14:creationId xmlns:p14="http://schemas.microsoft.com/office/powerpoint/2010/main" val="2914251895"/>
       </p:ext>
     </p:extLst>
   </p:cSld>

--- a/졸업작품 제안서(박요한,민두홍,정재훈).pptx
+++ b/졸업작품 제안서(박요한,민두홍,정재훈).pptx
@@ -9,10 +9,10 @@
     <p:sldId id="260" r:id="rId3"/>
     <p:sldId id="256" r:id="rId4"/>
     <p:sldId id="258" r:id="rId5"/>
-    <p:sldId id="271" r:id="rId6"/>
-    <p:sldId id="275" r:id="rId7"/>
-    <p:sldId id="279" r:id="rId8"/>
-    <p:sldId id="274" r:id="rId9"/>
+    <p:sldId id="275" r:id="rId6"/>
+    <p:sldId id="271" r:id="rId7"/>
+    <p:sldId id="274" r:id="rId8"/>
+    <p:sldId id="279" r:id="rId9"/>
     <p:sldId id="259" r:id="rId10"/>
     <p:sldId id="266" r:id="rId11"/>
     <p:sldId id="267" r:id="rId12"/>
@@ -16731,10 +16731,10 @@
                   <a:lin ang="5400000"/>
                 </a:gradFill>
               </a:rPr>
-              <a:t>소켓을 이용한 서버 제작 및 </a:t>
-            </a:r>
-            <a:r>
-              <a:rPr lang="ko-KR" altLang="en-US" sz="2800" b="1" dirty="0" err="1">
+              <a:t>소켓을 이용한 서버 </a:t>
+            </a:r>
+            <a:r>
+              <a:rPr lang="ko-KR" altLang="en-US" sz="2800" b="1" dirty="0" smtClean="0">
                 <a:ln w="12700" cmpd="sng">
                   <a:solidFill>
                     <a:schemeClr val="accent4"/>
@@ -16762,7 +16762,7 @@
                   <a:lin ang="5400000"/>
                 </a:gradFill>
               </a:rPr>
-              <a:t>충돌체크</a:t>
+              <a:t>제작</a:t>
             </a:r>
             <a:endParaRPr lang="en-US" altLang="ko-KR" sz="2800" b="1" dirty="0">
               <a:ln w="12700" cmpd="sng">
@@ -17589,8 +17589,8 @@
         </p:nvSpPr>
         <p:spPr>
           <a:xfrm>
-            <a:off x="2391087" y="1068357"/>
-            <a:ext cx="3988592" cy="683264"/>
+            <a:off x="521803" y="1196751"/>
+            <a:ext cx="8327921" cy="683264"/>
           </a:xfrm>
           <a:prstGeom prst="rect">
             <a:avLst/>
@@ -17622,7 +17622,7 @@
               </a:lnSpc>
             </a:pPr>
             <a:r>
-              <a:rPr lang="ko-KR" altLang="en-US" sz="2400" b="1" kern="0" spc="50" dirty="0" smtClean="0">
+              <a:rPr lang="ko-KR" altLang="en-US" sz="2400" b="1" kern="0" spc="50" dirty="0" err="1" smtClean="0">
                 <a:ln w="0"/>
                 <a:solidFill>
                   <a:schemeClr val="bg2"/>
@@ -17637,7 +17637,97 @@
                 <a:latin typeface="1훈화양연화 R" panose="02020603020101020101" pitchFamily="18" charset="-127"/>
                 <a:ea typeface="1훈화양연화 R" panose="02020603020101020101" pitchFamily="18" charset="-127"/>
               </a:rPr>
-              <a:t>어둠 속에서 적을 찾아 죽여라</a:t>
+              <a:t>어둠속에</a:t>
+            </a:r>
+            <a:r>
+              <a:rPr lang="ko-KR" altLang="en-US" sz="2400" b="1" kern="0" spc="50" dirty="0" smtClean="0">
+                <a:ln w="0"/>
+                <a:solidFill>
+                  <a:schemeClr val="bg2"/>
+                </a:solidFill>
+                <a:effectLst>
+                  <a:innerShdw blurRad="63500" dist="50800" dir="13500000">
+                    <a:srgbClr val="000000">
+                      <a:alpha val="50000"/>
+                    </a:srgbClr>
+                  </a:innerShdw>
+                </a:effectLst>
+                <a:latin typeface="1훈화양연화 R" panose="02020603020101020101" pitchFamily="18" charset="-127"/>
+                <a:ea typeface="1훈화양연화 R" panose="02020603020101020101" pitchFamily="18" charset="-127"/>
+              </a:rPr>
+              <a:t> 수많은 </a:t>
+            </a:r>
+            <a:r>
+              <a:rPr lang="ko-KR" altLang="en-US" sz="2400" b="1" kern="0" spc="50" dirty="0" err="1" smtClean="0">
+                <a:ln w="0"/>
+                <a:solidFill>
+                  <a:schemeClr val="bg2"/>
+                </a:solidFill>
+                <a:effectLst>
+                  <a:innerShdw blurRad="63500" dist="50800" dir="13500000">
+                    <a:srgbClr val="000000">
+                      <a:alpha val="50000"/>
+                    </a:srgbClr>
+                  </a:innerShdw>
+                </a:effectLst>
+                <a:latin typeface="1훈화양연화 R" panose="02020603020101020101" pitchFamily="18" charset="-127"/>
+                <a:ea typeface="1훈화양연화 R" panose="02020603020101020101" pitchFamily="18" charset="-127"/>
+              </a:rPr>
+              <a:t>도플갱어</a:t>
+            </a:r>
+            <a:r>
+              <a:rPr lang="ko-KR" altLang="en-US" sz="2400" b="1" kern="0" spc="50" dirty="0" smtClean="0">
+                <a:ln w="0"/>
+                <a:solidFill>
+                  <a:schemeClr val="bg2"/>
+                </a:solidFill>
+                <a:effectLst>
+                  <a:innerShdw blurRad="63500" dist="50800" dir="13500000">
+                    <a:srgbClr val="000000">
+                      <a:alpha val="50000"/>
+                    </a:srgbClr>
+                  </a:innerShdw>
+                </a:effectLst>
+                <a:latin typeface="1훈화양연화 R" panose="02020603020101020101" pitchFamily="18" charset="-127"/>
+                <a:ea typeface="1훈화양연화 R" panose="02020603020101020101" pitchFamily="18" charset="-127"/>
+              </a:rPr>
+              <a:t> </a:t>
+            </a:r>
+            <a:r>
+              <a:rPr lang="ko-KR" altLang="en-US" sz="2400" b="1" kern="0" spc="50" dirty="0" smtClean="0">
+                <a:ln w="0"/>
+                <a:solidFill>
+                  <a:schemeClr val="bg2"/>
+                </a:solidFill>
+                <a:effectLst>
+                  <a:innerShdw blurRad="63500" dist="50800" dir="13500000">
+                    <a:srgbClr val="000000">
+                      <a:alpha val="50000"/>
+                    </a:srgbClr>
+                  </a:innerShdw>
+                </a:effectLst>
+                <a:latin typeface="1훈화양연화 R" panose="02020603020101020101" pitchFamily="18" charset="-127"/>
+                <a:ea typeface="1훈화양연화 R" panose="02020603020101020101" pitchFamily="18" charset="-127"/>
+              </a:rPr>
+              <a:t>속</a:t>
+            </a:r>
+            <a:r>
+              <a:rPr lang="ko-KR" altLang="en-US" sz="2400" b="1" kern="0" spc="50" dirty="0" smtClean="0">
+                <a:ln w="0"/>
+                <a:solidFill>
+                  <a:schemeClr val="bg2"/>
+                </a:solidFill>
+                <a:effectLst>
+                  <a:innerShdw blurRad="63500" dist="50800" dir="13500000">
+                    <a:srgbClr val="000000">
+                      <a:alpha val="50000"/>
+                    </a:srgbClr>
+                  </a:innerShdw>
+                </a:effectLst>
+                <a:latin typeface="1훈화양연화 R" panose="02020603020101020101" pitchFamily="18" charset="-127"/>
+                <a:ea typeface="1훈화양연화 R" panose="02020603020101020101" pitchFamily="18" charset="-127"/>
+              </a:rPr>
+              <a:t>에서 숨어있는 플레이어를 찾아내라</a:t>
             </a:r>
             <a:r>
               <a:rPr lang="en-US" altLang="ko-KR" sz="2400" b="1" kern="0" spc="50" dirty="0" smtClean="0">
@@ -17683,8 +17773,8 @@
         </p:nvSpPr>
         <p:spPr>
           <a:xfrm>
-            <a:off x="701824" y="2394519"/>
-            <a:ext cx="7686600" cy="3637919"/>
+            <a:off x="780039" y="1880015"/>
+            <a:ext cx="7185211" cy="4524315"/>
           </a:xfrm>
           <a:prstGeom prst="rect">
             <a:avLst/>
@@ -17867,7 +17957,7 @@
                 <a:latin typeface="HY헤드라인M" panose="02030600000101010101" pitchFamily="18" charset="-127"/>
                 <a:ea typeface="HY헤드라인M" panose="02030600000101010101" pitchFamily="18" charset="-127"/>
               </a:rPr>
-              <a:t>상대 </a:t>
+              <a:t>먼저 상대 </a:t>
             </a:r>
             <a:r>
               <a:rPr lang="ko-KR" altLang="en-US" kern="0" dirty="0">
@@ -17957,32 +18047,25 @@
               </a:rPr>
               <a:t> </a:t>
             </a:r>
-          </a:p>
-          <a:p>
-            <a:pPr algn="ctr" fontAlgn="base">
-              <a:lnSpc>
-                <a:spcPct val="160000"/>
-              </a:lnSpc>
-            </a:pPr>
-            <a:r>
-              <a:rPr lang="ko-KR" altLang="en-US" kern="0" dirty="0" smtClean="0">
+            <a:r>
+              <a:rPr lang="en-US" altLang="ko-KR" kern="0" dirty="0" smtClean="0">
                 <a:solidFill>
                   <a:schemeClr val="bg1"/>
                 </a:solidFill>
                 <a:latin typeface="HY헤드라인M" panose="02030600000101010101" pitchFamily="18" charset="-127"/>
                 <a:ea typeface="HY헤드라인M" panose="02030600000101010101" pitchFamily="18" charset="-127"/>
               </a:rPr>
-              <a:t>처음 </a:t>
-            </a:r>
-            <a:r>
-              <a:rPr lang="ko-KR" altLang="en-US" kern="0" dirty="0">
+              <a:t>(</a:t>
+            </a:r>
+            <a:r>
+              <a:rPr lang="ko-KR" altLang="en-US" kern="0" dirty="0" err="1" smtClean="0">
                 <a:solidFill>
                   <a:schemeClr val="bg1"/>
                 </a:solidFill>
                 <a:latin typeface="HY헤드라인M" panose="02030600000101010101" pitchFamily="18" charset="-127"/>
                 <a:ea typeface="HY헤드라인M" panose="02030600000101010101" pitchFamily="18" charset="-127"/>
               </a:rPr>
-              <a:t>속도에서 </a:t>
+              <a:t>후레쉬에</a:t>
             </a:r>
             <a:r>
               <a:rPr lang="ko-KR" altLang="en-US" kern="0" dirty="0" smtClean="0">
@@ -17992,27 +18075,17 @@
                 <a:latin typeface="HY헤드라인M" panose="02030600000101010101" pitchFamily="18" charset="-127"/>
                 <a:ea typeface="HY헤드라인M" panose="02030600000101010101" pitchFamily="18" charset="-127"/>
               </a:rPr>
-              <a:t>플레이어가 아닌 몬스터를 </a:t>
-            </a:r>
-            <a:r>
-              <a:rPr lang="ko-KR" altLang="en-US" kern="0" dirty="0">
+              <a:t> 의존</a:t>
+            </a:r>
+            <a:r>
+              <a:rPr lang="en-US" altLang="ko-KR" kern="0" dirty="0" smtClean="0">
                 <a:solidFill>
                   <a:schemeClr val="bg1"/>
                 </a:solidFill>
                 <a:latin typeface="HY헤드라인M" panose="02030600000101010101" pitchFamily="18" charset="-127"/>
                 <a:ea typeface="HY헤드라인M" panose="02030600000101010101" pitchFamily="18" charset="-127"/>
               </a:rPr>
-              <a:t>죽일 때 마다 </a:t>
-            </a:r>
-            <a:r>
-              <a:rPr lang="ko-KR" altLang="en-US" kern="0" dirty="0" smtClean="0">
-                <a:solidFill>
-                  <a:schemeClr val="bg1"/>
-                </a:solidFill>
-                <a:latin typeface="HY헤드라인M" panose="02030600000101010101" pitchFamily="18" charset="-127"/>
-                <a:ea typeface="HY헤드라인M" panose="02030600000101010101" pitchFamily="18" charset="-127"/>
-              </a:rPr>
-              <a:t>속도 감소</a:t>
+              <a:t>)</a:t>
             </a:r>
             <a:endParaRPr lang="en-US" altLang="ko-KR" kern="0" dirty="0" smtClean="0">
               <a:solidFill>
@@ -18036,27 +18109,37 @@
                 <a:latin typeface="HY헤드라인M" panose="02030600000101010101" pitchFamily="18" charset="-127"/>
                 <a:ea typeface="HY헤드라인M" panose="02030600000101010101" pitchFamily="18" charset="-127"/>
               </a:rPr>
-              <a:t>플레이어가 아닌 몬스터 </a:t>
-            </a:r>
-            <a:r>
-              <a:rPr lang="ko-KR" altLang="en-US" kern="0" dirty="0" err="1" smtClean="0">
+              <a:t>기본 속도에서 </a:t>
+            </a:r>
+            <a:r>
+              <a:rPr lang="ko-KR" altLang="en-US" kern="0" dirty="0" smtClean="0">
                 <a:solidFill>
                   <a:schemeClr val="bg1"/>
                 </a:solidFill>
                 <a:latin typeface="HY헤드라인M" panose="02030600000101010101" pitchFamily="18" charset="-127"/>
                 <a:ea typeface="HY헤드라인M" panose="02030600000101010101" pitchFamily="18" charset="-127"/>
               </a:rPr>
-              <a:t>제거시</a:t>
-            </a:r>
-            <a:r>
-              <a:rPr lang="ko-KR" altLang="en-US" kern="0" dirty="0" smtClean="0">
+              <a:t>플레이어가 아닌 몬스터를 </a:t>
+            </a:r>
+            <a:r>
+              <a:rPr lang="ko-KR" altLang="en-US" kern="0" dirty="0">
                 <a:solidFill>
                   <a:schemeClr val="bg1"/>
                 </a:solidFill>
                 <a:latin typeface="HY헤드라인M" panose="02030600000101010101" pitchFamily="18" charset="-127"/>
                 <a:ea typeface="HY헤드라인M" panose="02030600000101010101" pitchFamily="18" charset="-127"/>
               </a:rPr>
-              <a:t> 위치 발각</a:t>
+              <a:t>죽일 때 마다 </a:t>
+            </a:r>
+            <a:r>
+              <a:rPr lang="ko-KR" altLang="en-US" kern="0" dirty="0" smtClean="0">
+                <a:solidFill>
+                  <a:schemeClr val="bg1"/>
+                </a:solidFill>
+                <a:latin typeface="HY헤드라인M" panose="02030600000101010101" pitchFamily="18" charset="-127"/>
+                <a:ea typeface="HY헤드라인M" panose="02030600000101010101" pitchFamily="18" charset="-127"/>
+              </a:rPr>
+              <a:t>속도 감소</a:t>
             </a:r>
             <a:endParaRPr lang="en-US" altLang="ko-KR" kern="0" dirty="0" smtClean="0">
               <a:solidFill>
@@ -18080,7 +18163,7 @@
                 <a:latin typeface="HY헤드라인M" panose="02030600000101010101" pitchFamily="18" charset="-127"/>
                 <a:ea typeface="HY헤드라인M" panose="02030600000101010101" pitchFamily="18" charset="-127"/>
               </a:rPr>
-              <a:t>일정 시간 </a:t>
+              <a:t>플레이어가 아닌 몬스터 </a:t>
             </a:r>
             <a:r>
               <a:rPr lang="ko-KR" altLang="en-US" kern="0" dirty="0" err="1" smtClean="0">
@@ -18090,7 +18173,7 @@
                 <a:latin typeface="HY헤드라인M" panose="02030600000101010101" pitchFamily="18" charset="-127"/>
                 <a:ea typeface="HY헤드라인M" panose="02030600000101010101" pitchFamily="18" charset="-127"/>
               </a:rPr>
-              <a:t>경과후</a:t>
+              <a:t>제거시</a:t>
             </a:r>
             <a:r>
               <a:rPr lang="ko-KR" altLang="en-US" kern="0" dirty="0" smtClean="0">
@@ -18100,9 +18183,177 @@
                 <a:latin typeface="HY헤드라인M" panose="02030600000101010101" pitchFamily="18" charset="-127"/>
                 <a:ea typeface="HY헤드라인M" panose="02030600000101010101" pitchFamily="18" charset="-127"/>
               </a:rPr>
-              <a:t> 모든 객체 이동 속도 증가</a:t>
-            </a:r>
-            <a:endParaRPr lang="ko-KR" altLang="en-US" kern="0" dirty="0">
+              <a:t> 위치 </a:t>
+            </a:r>
+            <a:r>
+              <a:rPr lang="ko-KR" altLang="en-US" kern="0" dirty="0" smtClean="0">
+                <a:solidFill>
+                  <a:schemeClr val="bg1"/>
+                </a:solidFill>
+                <a:latin typeface="HY헤드라인M" panose="02030600000101010101" pitchFamily="18" charset="-127"/>
+                <a:ea typeface="HY헤드라인M" panose="02030600000101010101" pitchFamily="18" charset="-127"/>
+              </a:rPr>
+              <a:t>발각</a:t>
+            </a:r>
+            <a:r>
+              <a:rPr lang="en-US" altLang="ko-KR" kern="0" dirty="0" smtClean="0">
+                <a:solidFill>
+                  <a:schemeClr val="bg1"/>
+                </a:solidFill>
+                <a:latin typeface="HY헤드라인M" panose="02030600000101010101" pitchFamily="18" charset="-127"/>
+                <a:ea typeface="HY헤드라인M" panose="02030600000101010101" pitchFamily="18" charset="-127"/>
+              </a:rPr>
+              <a:t>(</a:t>
+            </a:r>
+            <a:r>
+              <a:rPr lang="ko-KR" altLang="en-US" kern="0" dirty="0" smtClean="0">
+                <a:solidFill>
+                  <a:schemeClr val="bg1"/>
+                </a:solidFill>
+                <a:latin typeface="HY헤드라인M" panose="02030600000101010101" pitchFamily="18" charset="-127"/>
+                <a:ea typeface="HY헤드라인M" panose="02030600000101010101" pitchFamily="18" charset="-127"/>
+              </a:rPr>
+              <a:t>해당 플레이어상공으로 불꽃놀이 발사</a:t>
+            </a:r>
+            <a:r>
+              <a:rPr lang="en-US" altLang="ko-KR" kern="0" dirty="0" smtClean="0">
+                <a:solidFill>
+                  <a:schemeClr val="bg1"/>
+                </a:solidFill>
+                <a:latin typeface="HY헤드라인M" panose="02030600000101010101" pitchFamily="18" charset="-127"/>
+                <a:ea typeface="HY헤드라인M" panose="02030600000101010101" pitchFamily="18" charset="-127"/>
+              </a:rPr>
+              <a:t>)</a:t>
+            </a:r>
+            <a:endParaRPr lang="en-US" altLang="ko-KR" kern="0" dirty="0" smtClean="0">
+              <a:solidFill>
+                <a:schemeClr val="bg1"/>
+              </a:solidFill>
+              <a:latin typeface="HY헤드라인M" panose="02030600000101010101" pitchFamily="18" charset="-127"/>
+              <a:ea typeface="HY헤드라인M" panose="02030600000101010101" pitchFamily="18" charset="-127"/>
+            </a:endParaRPr>
+          </a:p>
+          <a:p>
+            <a:pPr algn="ctr" fontAlgn="base">
+              <a:lnSpc>
+                <a:spcPct val="160000"/>
+              </a:lnSpc>
+            </a:pPr>
+            <a:r>
+              <a:rPr lang="ko-KR" altLang="en-US" kern="0" dirty="0" smtClean="0">
+                <a:solidFill>
+                  <a:schemeClr val="bg1"/>
+                </a:solidFill>
+                <a:latin typeface="HY헤드라인M" panose="02030600000101010101" pitchFamily="18" charset="-127"/>
+                <a:ea typeface="HY헤드라인M" panose="02030600000101010101" pitchFamily="18" charset="-127"/>
+              </a:rPr>
+              <a:t>일정 시간 </a:t>
+            </a:r>
+            <a:r>
+              <a:rPr lang="ko-KR" altLang="en-US" kern="0" dirty="0" err="1" smtClean="0">
+                <a:solidFill>
+                  <a:schemeClr val="bg1"/>
+                </a:solidFill>
+                <a:latin typeface="HY헤드라인M" panose="02030600000101010101" pitchFamily="18" charset="-127"/>
+                <a:ea typeface="HY헤드라인M" panose="02030600000101010101" pitchFamily="18" charset="-127"/>
+              </a:rPr>
+              <a:t>경과후</a:t>
+            </a:r>
+            <a:r>
+              <a:rPr lang="en-US" altLang="ko-KR" kern="0" dirty="0" smtClean="0">
+                <a:solidFill>
+                  <a:schemeClr val="bg1"/>
+                </a:solidFill>
+                <a:latin typeface="HY헤드라인M" panose="02030600000101010101" pitchFamily="18" charset="-127"/>
+                <a:ea typeface="HY헤드라인M" panose="02030600000101010101" pitchFamily="18" charset="-127"/>
+              </a:rPr>
+              <a:t>(</a:t>
+            </a:r>
+            <a:r>
+              <a:rPr lang="ko-KR" altLang="en-US" kern="0" dirty="0" smtClean="0">
+                <a:solidFill>
+                  <a:schemeClr val="bg1"/>
+                </a:solidFill>
+                <a:latin typeface="HY헤드라인M" panose="02030600000101010101" pitchFamily="18" charset="-127"/>
+                <a:ea typeface="HY헤드라인M" panose="02030600000101010101" pitchFamily="18" charset="-127"/>
+              </a:rPr>
+              <a:t>매</a:t>
+            </a:r>
+            <a:r>
+              <a:rPr lang="en-US" altLang="ko-KR" kern="0" dirty="0" smtClean="0">
+                <a:solidFill>
+                  <a:schemeClr val="bg1"/>
+                </a:solidFill>
+                <a:latin typeface="HY헤드라인M" panose="02030600000101010101" pitchFamily="18" charset="-127"/>
+                <a:ea typeface="HY헤드라인M" panose="02030600000101010101" pitchFamily="18" charset="-127"/>
+              </a:rPr>
+              <a:t>4</a:t>
+            </a:r>
+            <a:r>
+              <a:rPr lang="ko-KR" altLang="en-US" kern="0" dirty="0" smtClean="0">
+                <a:solidFill>
+                  <a:schemeClr val="bg1"/>
+                </a:solidFill>
+                <a:latin typeface="HY헤드라인M" panose="02030600000101010101" pitchFamily="18" charset="-127"/>
+                <a:ea typeface="HY헤드라인M" panose="02030600000101010101" pitchFamily="18" charset="-127"/>
+              </a:rPr>
+              <a:t>분마다</a:t>
+            </a:r>
+            <a:r>
+              <a:rPr lang="en-US" altLang="ko-KR" kern="0" dirty="0" smtClean="0">
+                <a:solidFill>
+                  <a:schemeClr val="bg1"/>
+                </a:solidFill>
+                <a:latin typeface="HY헤드라인M" panose="02030600000101010101" pitchFamily="18" charset="-127"/>
+                <a:ea typeface="HY헤드라인M" panose="02030600000101010101" pitchFamily="18" charset="-127"/>
+              </a:rPr>
+              <a:t>)</a:t>
+            </a:r>
+            <a:r>
+              <a:rPr lang="ko-KR" altLang="en-US" kern="0" dirty="0" smtClean="0">
+                <a:solidFill>
+                  <a:schemeClr val="bg1"/>
+                </a:solidFill>
+                <a:latin typeface="HY헤드라인M" panose="02030600000101010101" pitchFamily="18" charset="-127"/>
+                <a:ea typeface="HY헤드라인M" panose="02030600000101010101" pitchFamily="18" charset="-127"/>
+              </a:rPr>
+              <a:t> </a:t>
+            </a:r>
+            <a:r>
+              <a:rPr lang="ko-KR" altLang="en-US" kern="0" dirty="0" smtClean="0">
+                <a:solidFill>
+                  <a:schemeClr val="bg1"/>
+                </a:solidFill>
+                <a:latin typeface="HY헤드라인M" panose="02030600000101010101" pitchFamily="18" charset="-127"/>
+                <a:ea typeface="HY헤드라인M" panose="02030600000101010101" pitchFamily="18" charset="-127"/>
+              </a:rPr>
+              <a:t>모든 객체 이동 속도 </a:t>
+            </a:r>
+            <a:r>
+              <a:rPr lang="ko-KR" altLang="en-US" kern="0" dirty="0" smtClean="0">
+                <a:solidFill>
+                  <a:schemeClr val="bg1"/>
+                </a:solidFill>
+                <a:latin typeface="HY헤드라인M" panose="02030600000101010101" pitchFamily="18" charset="-127"/>
+                <a:ea typeface="HY헤드라인M" panose="02030600000101010101" pitchFamily="18" charset="-127"/>
+              </a:rPr>
+              <a:t>증가</a:t>
+            </a:r>
+            <a:endParaRPr lang="en-US" altLang="ko-KR" kern="0" dirty="0" smtClean="0">
+              <a:solidFill>
+                <a:schemeClr val="bg1"/>
+              </a:solidFill>
+              <a:latin typeface="HY헤드라인M" panose="02030600000101010101" pitchFamily="18" charset="-127"/>
+              <a:ea typeface="HY헤드라인M" panose="02030600000101010101" pitchFamily="18" charset="-127"/>
+            </a:endParaRPr>
+          </a:p>
+          <a:p>
+            <a:pPr algn="ctr" fontAlgn="base">
+              <a:lnSpc>
+                <a:spcPct val="160000"/>
+              </a:lnSpc>
+            </a:pPr>
+            <a:endParaRPr lang="en-US" altLang="ko-KR" kern="0" dirty="0">
               <a:solidFill>
                 <a:schemeClr val="bg1"/>
               </a:solidFill>
@@ -18447,635 +18698,678 @@
       </p:sp>
       <p:sp>
         <p:nvSpPr>
-          <p:cNvPr id="3" name="직사각형 2"/>
+          <p:cNvPr id="4" name="TextBox 3"/>
+          <p:cNvSpPr txBox="1"/>
+          <p:nvPr/>
+        </p:nvSpPr>
+        <p:spPr>
+          <a:xfrm>
+            <a:off x="1402415" y="1456397"/>
+            <a:ext cx="1440160" cy="369332"/>
+          </a:xfrm>
+          <a:prstGeom prst="rect">
+            <a:avLst/>
+          </a:prstGeom>
+          <a:noFill/>
+        </p:spPr>
+        <p:txBody>
+          <a:bodyPr wrap="square" rtlCol="0">
+            <a:spAutoFit/>
+          </a:bodyPr>
+          <a:lstStyle/>
+          <a:p>
+            <a:r>
+              <a:rPr lang="ko-KR" altLang="en-US" dirty="0" smtClean="0">
+                <a:solidFill>
+                  <a:schemeClr val="bg1"/>
+                </a:solidFill>
+                <a:effectLst>
+                  <a:glow rad="228600">
+                    <a:schemeClr val="accent1">
+                      <a:satMod val="175000"/>
+                      <a:alpha val="40000"/>
+                    </a:schemeClr>
+                  </a:glow>
+                </a:effectLst>
+              </a:rPr>
+              <a:t>맵 </a:t>
+            </a:r>
+            <a:r>
+              <a:rPr lang="ko-KR" altLang="en-US" dirty="0" err="1" smtClean="0">
+                <a:solidFill>
+                  <a:schemeClr val="bg1"/>
+                </a:solidFill>
+                <a:effectLst>
+                  <a:glow rad="228600">
+                    <a:schemeClr val="accent1">
+                      <a:satMod val="175000"/>
+                      <a:alpha val="40000"/>
+                    </a:schemeClr>
+                  </a:glow>
+                </a:effectLst>
+              </a:rPr>
+              <a:t>예시화면</a:t>
+            </a:r>
+            <a:endParaRPr lang="ko-KR" altLang="en-US" dirty="0"/>
+          </a:p>
+        </p:txBody>
+      </p:sp>
+      <p:pic>
+        <p:nvPicPr>
+          <p:cNvPr id="6" name="그림 5"/>
+          <p:cNvPicPr>
+            <a:picLocks noChangeAspect="1"/>
+          </p:cNvPicPr>
+          <p:nvPr/>
+        </p:nvPicPr>
+        <p:blipFill>
+          <a:blip r:embed="rId2"/>
+          <a:stretch>
+            <a:fillRect/>
+          </a:stretch>
+        </p:blipFill>
+        <p:spPr>
+          <a:xfrm>
+            <a:off x="4355976" y="1818053"/>
+            <a:ext cx="4533619" cy="3558270"/>
+          </a:xfrm>
+          <a:prstGeom prst="rect">
+            <a:avLst/>
+          </a:prstGeom>
+        </p:spPr>
+      </p:pic>
+      <p:sp>
+        <p:nvSpPr>
+          <p:cNvPr id="13" name="TextBox 12"/>
+          <p:cNvSpPr txBox="1"/>
+          <p:nvPr/>
+        </p:nvSpPr>
+        <p:spPr>
+          <a:xfrm>
+            <a:off x="5569097" y="1412775"/>
+            <a:ext cx="2520280" cy="369332"/>
+          </a:xfrm>
+          <a:prstGeom prst="rect">
+            <a:avLst/>
+          </a:prstGeom>
+          <a:noFill/>
+        </p:spPr>
+        <p:txBody>
+          <a:bodyPr wrap="square" rtlCol="0">
+            <a:spAutoFit/>
+          </a:bodyPr>
+          <a:lstStyle/>
+          <a:p>
+            <a:r>
+              <a:rPr lang="ko-KR" altLang="en-US" dirty="0" smtClean="0">
+                <a:solidFill>
+                  <a:schemeClr val="bg1"/>
+                </a:solidFill>
+                <a:effectLst>
+                  <a:glow rad="228600">
+                    <a:schemeClr val="accent1">
+                      <a:satMod val="175000"/>
+                      <a:alpha val="40000"/>
+                    </a:schemeClr>
+                  </a:glow>
+                </a:effectLst>
+              </a:rPr>
+              <a:t>개인 게임화면 예시</a:t>
+            </a:r>
+            <a:endParaRPr lang="ko-KR" altLang="en-US" dirty="0"/>
+          </a:p>
+        </p:txBody>
+      </p:sp>
+      <p:sp>
+        <p:nvSpPr>
+          <p:cNvPr id="15" name="TextBox 14"/>
+          <p:cNvSpPr txBox="1"/>
+          <p:nvPr/>
+        </p:nvSpPr>
+        <p:spPr>
+          <a:xfrm>
+            <a:off x="8144354" y="1818677"/>
+            <a:ext cx="1152128" cy="215444"/>
+          </a:xfrm>
+          <a:prstGeom prst="rect">
+            <a:avLst/>
+          </a:prstGeom>
+          <a:noFill/>
+        </p:spPr>
+        <p:txBody>
+          <a:bodyPr wrap="square" rtlCol="0">
+            <a:spAutoFit/>
+          </a:bodyPr>
+          <a:lstStyle/>
+          <a:p>
+            <a:r>
+              <a:rPr lang="ko-KR" altLang="en-US" sz="800" dirty="0" err="1" smtClean="0">
+                <a:solidFill>
+                  <a:schemeClr val="bg1"/>
+                </a:solidFill>
+                <a:effectLst>
+                  <a:glow rad="228600">
+                    <a:schemeClr val="accent1">
+                      <a:satMod val="175000"/>
+                      <a:alpha val="40000"/>
+                    </a:schemeClr>
+                  </a:glow>
+                </a:effectLst>
+              </a:rPr>
+              <a:t>흐른시간</a:t>
+            </a:r>
+            <a:r>
+              <a:rPr lang="ko-KR" altLang="en-US" sz="800" dirty="0" smtClean="0">
+                <a:solidFill>
+                  <a:schemeClr val="bg1"/>
+                </a:solidFill>
+                <a:effectLst>
+                  <a:glow rad="228600">
+                    <a:schemeClr val="accent1">
+                      <a:satMod val="175000"/>
+                      <a:alpha val="40000"/>
+                    </a:schemeClr>
+                  </a:glow>
+                </a:effectLst>
+              </a:rPr>
+              <a:t> </a:t>
+            </a:r>
+            <a:r>
+              <a:rPr lang="en-US" altLang="ko-KR" sz="800" dirty="0" smtClean="0">
+                <a:solidFill>
+                  <a:schemeClr val="bg1"/>
+                </a:solidFill>
+                <a:effectLst>
+                  <a:glow rad="228600">
+                    <a:schemeClr val="accent1">
+                      <a:satMod val="175000"/>
+                      <a:alpha val="40000"/>
+                    </a:schemeClr>
+                  </a:glow>
+                </a:effectLst>
+              </a:rPr>
+              <a:t>0:00</a:t>
+            </a:r>
+            <a:endParaRPr lang="ko-KR" altLang="en-US" sz="800" dirty="0"/>
+          </a:p>
+        </p:txBody>
+      </p:sp>
+      <p:sp>
+        <p:nvSpPr>
+          <p:cNvPr id="19" name="TextBox 18"/>
+          <p:cNvSpPr txBox="1"/>
+          <p:nvPr/>
+        </p:nvSpPr>
+        <p:spPr>
+          <a:xfrm>
+            <a:off x="7092280" y="5718950"/>
+            <a:ext cx="919987" cy="261610"/>
+          </a:xfrm>
+          <a:prstGeom prst="rect">
+            <a:avLst/>
+          </a:prstGeom>
+          <a:noFill/>
+        </p:spPr>
+        <p:txBody>
+          <a:bodyPr wrap="square" rtlCol="0">
+            <a:spAutoFit/>
+          </a:bodyPr>
+          <a:lstStyle/>
+          <a:p>
+            <a:r>
+              <a:rPr lang="ko-KR" altLang="en-US" sz="1100" dirty="0" err="1" smtClean="0">
+                <a:solidFill>
+                  <a:schemeClr val="accent1"/>
+                </a:solidFill>
+              </a:rPr>
+              <a:t>미니맵</a:t>
+            </a:r>
+            <a:endParaRPr lang="ko-KR" altLang="en-US" sz="1100" dirty="0">
+              <a:solidFill>
+                <a:schemeClr val="accent1"/>
+              </a:solidFill>
+            </a:endParaRPr>
+          </a:p>
+        </p:txBody>
+      </p:sp>
+      <p:sp>
+        <p:nvSpPr>
+          <p:cNvPr id="23" name="TextBox 22"/>
+          <p:cNvSpPr txBox="1"/>
+          <p:nvPr/>
+        </p:nvSpPr>
+        <p:spPr>
+          <a:xfrm>
+            <a:off x="7856422" y="5769174"/>
+            <a:ext cx="919987" cy="261610"/>
+          </a:xfrm>
+          <a:prstGeom prst="rect">
+            <a:avLst/>
+          </a:prstGeom>
+          <a:noFill/>
+        </p:spPr>
+        <p:txBody>
+          <a:bodyPr wrap="square" rtlCol="0">
+            <a:spAutoFit/>
+          </a:bodyPr>
+          <a:lstStyle/>
+          <a:p>
+            <a:r>
+              <a:rPr lang="ko-KR" altLang="en-US" sz="1100" dirty="0" smtClean="0">
+                <a:solidFill>
+                  <a:schemeClr val="accent1"/>
+                </a:solidFill>
+              </a:rPr>
+              <a:t>현재위치</a:t>
+            </a:r>
+            <a:endParaRPr lang="ko-KR" altLang="en-US" sz="1100" dirty="0">
+              <a:solidFill>
+                <a:schemeClr val="accent1"/>
+              </a:solidFill>
+            </a:endParaRPr>
+          </a:p>
+        </p:txBody>
+      </p:sp>
+      <p:sp>
+        <p:nvSpPr>
+          <p:cNvPr id="26" name="TextBox 25"/>
+          <p:cNvSpPr txBox="1"/>
+          <p:nvPr/>
+        </p:nvSpPr>
+        <p:spPr>
+          <a:xfrm>
+            <a:off x="3275856" y="5681587"/>
+            <a:ext cx="919987" cy="261610"/>
+          </a:xfrm>
+          <a:prstGeom prst="rect">
+            <a:avLst/>
+          </a:prstGeom>
+          <a:noFill/>
+        </p:spPr>
+        <p:txBody>
+          <a:bodyPr wrap="square" rtlCol="0">
+            <a:spAutoFit/>
+          </a:bodyPr>
+          <a:lstStyle/>
+          <a:p>
+            <a:r>
+              <a:rPr lang="ko-KR" altLang="en-US" sz="1100" dirty="0" smtClean="0">
+                <a:solidFill>
+                  <a:schemeClr val="accent1"/>
+                </a:solidFill>
+              </a:rPr>
+              <a:t>플레이어 </a:t>
+            </a:r>
+            <a:r>
+              <a:rPr lang="en-US" altLang="ko-KR" sz="1100" dirty="0" smtClean="0">
+                <a:solidFill>
+                  <a:schemeClr val="accent1"/>
+                </a:solidFill>
+              </a:rPr>
+              <a:t>1</a:t>
+            </a:r>
+            <a:endParaRPr lang="ko-KR" altLang="en-US" sz="1100" dirty="0">
+              <a:solidFill>
+                <a:schemeClr val="accent1"/>
+              </a:solidFill>
+            </a:endParaRPr>
+          </a:p>
+        </p:txBody>
+      </p:sp>
+      <p:sp>
+        <p:nvSpPr>
+          <p:cNvPr id="31" name="TextBox 30"/>
+          <p:cNvSpPr txBox="1"/>
+          <p:nvPr/>
+        </p:nvSpPr>
+        <p:spPr>
+          <a:xfrm>
+            <a:off x="1202508" y="5661248"/>
+            <a:ext cx="919987" cy="261610"/>
+          </a:xfrm>
+          <a:prstGeom prst="rect">
+            <a:avLst/>
+          </a:prstGeom>
+          <a:noFill/>
+        </p:spPr>
+        <p:txBody>
+          <a:bodyPr wrap="square" rtlCol="0">
+            <a:spAutoFit/>
+          </a:bodyPr>
+          <a:lstStyle/>
+          <a:p>
+            <a:r>
+              <a:rPr lang="ko-KR" altLang="en-US" sz="1100" dirty="0" smtClean="0">
+                <a:solidFill>
+                  <a:schemeClr val="accent1"/>
+                </a:solidFill>
+              </a:rPr>
+              <a:t>플레이어 </a:t>
+            </a:r>
+            <a:r>
+              <a:rPr lang="en-US" altLang="ko-KR" sz="1100" dirty="0">
+                <a:solidFill>
+                  <a:schemeClr val="accent1"/>
+                </a:solidFill>
+              </a:rPr>
+              <a:t>2</a:t>
+            </a:r>
+            <a:endParaRPr lang="ko-KR" altLang="en-US" sz="1100" dirty="0">
+              <a:solidFill>
+                <a:schemeClr val="accent1"/>
+              </a:solidFill>
+            </a:endParaRPr>
+          </a:p>
+        </p:txBody>
+      </p:sp>
+      <p:pic>
+        <p:nvPicPr>
+          <p:cNvPr id="32" name="그림 31"/>
+          <p:cNvPicPr>
+            <a:picLocks noChangeAspect="1"/>
+          </p:cNvPicPr>
+          <p:nvPr/>
+        </p:nvPicPr>
+        <p:blipFill>
+          <a:blip r:embed="rId3"/>
+          <a:stretch>
+            <a:fillRect/>
+          </a:stretch>
+        </p:blipFill>
+        <p:spPr>
+          <a:xfrm>
+            <a:off x="161643" y="1840467"/>
+            <a:ext cx="4037908" cy="3493377"/>
+          </a:xfrm>
+          <a:prstGeom prst="rect">
+            <a:avLst/>
+          </a:prstGeom>
+        </p:spPr>
+      </p:pic>
+      <p:cxnSp>
+        <p:nvCxnSpPr>
+          <p:cNvPr id="27" name="직선 화살표 연결선 26"/>
+          <p:cNvCxnSpPr/>
+          <p:nvPr/>
+        </p:nvCxnSpPr>
+        <p:spPr>
+          <a:xfrm flipH="1" flipV="1">
+            <a:off x="1455404" y="3942412"/>
+            <a:ext cx="80137" cy="1776538"/>
+          </a:xfrm>
+          <a:prstGeom prst="straightConnector1">
+            <a:avLst/>
+          </a:prstGeom>
+          <a:ln>
+            <a:tailEnd type="triangle"/>
+          </a:ln>
+        </p:spPr>
+        <p:style>
+          <a:lnRef idx="1">
+            <a:schemeClr val="accent1"/>
+          </a:lnRef>
+          <a:fillRef idx="0">
+            <a:schemeClr val="accent1"/>
+          </a:fillRef>
+          <a:effectRef idx="0">
+            <a:schemeClr val="accent1"/>
+          </a:effectRef>
+          <a:fontRef idx="minor">
+            <a:schemeClr val="tx1"/>
+          </a:fontRef>
+        </p:style>
+      </p:cxnSp>
+      <p:cxnSp>
+        <p:nvCxnSpPr>
+          <p:cNvPr id="25" name="직선 화살표 연결선 24"/>
+          <p:cNvCxnSpPr/>
+          <p:nvPr/>
+        </p:nvCxnSpPr>
+        <p:spPr>
+          <a:xfrm flipH="1" flipV="1">
+            <a:off x="2582492" y="3614358"/>
+            <a:ext cx="1023638" cy="2088232"/>
+          </a:xfrm>
+          <a:prstGeom prst="straightConnector1">
+            <a:avLst/>
+          </a:prstGeom>
+          <a:ln>
+            <a:tailEnd type="triangle"/>
+          </a:ln>
+        </p:spPr>
+        <p:style>
+          <a:lnRef idx="1">
+            <a:schemeClr val="accent1"/>
+          </a:lnRef>
+          <a:fillRef idx="0">
+            <a:schemeClr val="accent1"/>
+          </a:fillRef>
+          <a:effectRef idx="0">
+            <a:schemeClr val="accent1"/>
+          </a:effectRef>
+          <a:fontRef idx="minor">
+            <a:schemeClr val="tx1"/>
+          </a:fontRef>
+        </p:style>
+      </p:cxnSp>
+      <p:pic>
+        <p:nvPicPr>
+          <p:cNvPr id="34" name="그림 33"/>
+          <p:cNvPicPr>
+            <a:picLocks noChangeAspect="1"/>
+          </p:cNvPicPr>
+          <p:nvPr/>
+        </p:nvPicPr>
+        <p:blipFill>
+          <a:blip r:embed="rId3"/>
+          <a:stretch>
+            <a:fillRect/>
+          </a:stretch>
+        </p:blipFill>
+        <p:spPr>
+          <a:xfrm>
+            <a:off x="7976136" y="4587565"/>
+            <a:ext cx="910011" cy="787292"/>
+          </a:xfrm>
+          <a:prstGeom prst="rect">
+            <a:avLst/>
+          </a:prstGeom>
+        </p:spPr>
+      </p:pic>
+      <p:cxnSp>
+        <p:nvCxnSpPr>
+          <p:cNvPr id="22" name="직선 화살표 연결선 21"/>
+          <p:cNvCxnSpPr>
+            <a:endCxn id="20" idx="3"/>
+          </p:cNvCxnSpPr>
+          <p:nvPr/>
+        </p:nvCxnSpPr>
+        <p:spPr>
+          <a:xfrm flipV="1">
+            <a:off x="8316416" y="5002631"/>
+            <a:ext cx="154561" cy="802633"/>
+          </a:xfrm>
+          <a:prstGeom prst="straightConnector1">
+            <a:avLst/>
+          </a:prstGeom>
+          <a:ln>
+            <a:tailEnd type="triangle"/>
+          </a:ln>
+        </p:spPr>
+        <p:style>
+          <a:lnRef idx="1">
+            <a:schemeClr val="accent1"/>
+          </a:lnRef>
+          <a:fillRef idx="0">
+            <a:schemeClr val="accent1"/>
+          </a:fillRef>
+          <a:effectRef idx="0">
+            <a:schemeClr val="accent1"/>
+          </a:effectRef>
+          <a:fontRef idx="minor">
+            <a:schemeClr val="tx1"/>
+          </a:fontRef>
+        </p:style>
+      </p:cxnSp>
+      <p:sp>
+        <p:nvSpPr>
+          <p:cNvPr id="20" name="타원 19"/>
           <p:cNvSpPr/>
           <p:nvPr/>
         </p:nvSpPr>
         <p:spPr>
           <a:xfrm>
-            <a:off x="755576" y="1412775"/>
-            <a:ext cx="7686600" cy="4967514"/>
+            <a:off x="8460432" y="4941168"/>
+            <a:ext cx="72008" cy="72008"/>
           </a:xfrm>
-          <a:prstGeom prst="rect">
+          <a:prstGeom prst="ellipse">
             <a:avLst/>
           </a:prstGeom>
-          <a:ln>
-            <a:noFill/>
-          </a:ln>
-          <a:effectLst>
-            <a:glow rad="228600">
-              <a:srgbClr val="FFFF00">
-                <a:alpha val="40000"/>
-              </a:srgbClr>
-            </a:glow>
-            <a:outerShdw blurRad="44450" dist="27940" dir="5400000" algn="ctr">
-              <a:srgbClr val="000000">
-                <a:alpha val="32000"/>
-              </a:srgbClr>
-            </a:outerShdw>
-          </a:effectLst>
-          <a:scene3d>
-            <a:camera prst="orthographicFront">
-              <a:rot lat="0" lon="0" rev="0"/>
-            </a:camera>
-            <a:lightRig rig="balanced" dir="t">
-              <a:rot lat="0" lon="0" rev="8700000"/>
-            </a:lightRig>
-          </a:scene3d>
-          <a:sp3d>
-            <a:bevelT w="190500" h="38100"/>
-          </a:sp3d>
+          <a:solidFill>
+            <a:srgbClr val="FF0000"/>
+          </a:solidFill>
         </p:spPr>
         <p:style>
-          <a:lnRef idx="3">
-            <a:schemeClr val="lt1"/>
+          <a:lnRef idx="2">
+            <a:schemeClr val="accent1">
+              <a:shade val="50000"/>
+            </a:schemeClr>
           </a:lnRef>
           <a:fillRef idx="1">
-            <a:schemeClr val="dk1"/>
+            <a:schemeClr val="accent1"/>
           </a:fillRef>
-          <a:effectRef idx="1">
-            <a:schemeClr val="dk1"/>
+          <a:effectRef idx="0">
+            <a:schemeClr val="accent1"/>
           </a:effectRef>
           <a:fontRef idx="minor">
             <a:schemeClr val="lt1"/>
           </a:fontRef>
         </p:style>
         <p:txBody>
-          <a:bodyPr wrap="square">
+          <a:bodyPr rtlCol="0" anchor="ctr"/>
+          <a:lstStyle/>
+          <a:p>
+            <a:pPr algn="ctr"/>
+            <a:endParaRPr lang="ko-KR" altLang="en-US"/>
+          </a:p>
+        </p:txBody>
+      </p:sp>
+      <p:cxnSp>
+        <p:nvCxnSpPr>
+          <p:cNvPr id="18" name="직선 화살표 연결선 17"/>
+          <p:cNvCxnSpPr/>
+          <p:nvPr/>
+        </p:nvCxnSpPr>
+        <p:spPr>
+          <a:xfrm flipV="1">
+            <a:off x="7454567" y="5352935"/>
+            <a:ext cx="504056" cy="432048"/>
+          </a:xfrm>
+          <a:prstGeom prst="straightConnector1">
+            <a:avLst/>
+          </a:prstGeom>
+          <a:ln>
+            <a:tailEnd type="triangle"/>
+          </a:ln>
+        </p:spPr>
+        <p:style>
+          <a:lnRef idx="1">
+            <a:schemeClr val="accent1"/>
+          </a:lnRef>
+          <a:fillRef idx="0">
+            <a:schemeClr val="accent1"/>
+          </a:fillRef>
+          <a:effectRef idx="0">
+            <a:schemeClr val="accent1"/>
+          </a:effectRef>
+          <a:fontRef idx="minor">
+            <a:schemeClr val="tx1"/>
+          </a:fontRef>
+        </p:style>
+      </p:cxnSp>
+      <p:cxnSp>
+        <p:nvCxnSpPr>
+          <p:cNvPr id="36" name="직선 화살표 연결선 35"/>
+          <p:cNvCxnSpPr/>
+          <p:nvPr/>
+        </p:nvCxnSpPr>
+        <p:spPr>
+          <a:xfrm flipV="1">
+            <a:off x="6084168" y="5157192"/>
+            <a:ext cx="576064" cy="823368"/>
+          </a:xfrm>
+          <a:prstGeom prst="straightConnector1">
+            <a:avLst/>
+          </a:prstGeom>
+          <a:ln>
+            <a:tailEnd type="triangle"/>
+          </a:ln>
+        </p:spPr>
+        <p:style>
+          <a:lnRef idx="1">
+            <a:schemeClr val="accent1"/>
+          </a:lnRef>
+          <a:fillRef idx="0">
+            <a:schemeClr val="accent1"/>
+          </a:fillRef>
+          <a:effectRef idx="0">
+            <a:schemeClr val="accent1"/>
+          </a:effectRef>
+          <a:fontRef idx="minor">
+            <a:schemeClr val="tx1"/>
+          </a:fontRef>
+        </p:style>
+      </p:cxnSp>
+      <p:sp>
+        <p:nvSpPr>
+          <p:cNvPr id="37" name="TextBox 36"/>
+          <p:cNvSpPr txBox="1"/>
+          <p:nvPr/>
+        </p:nvSpPr>
+        <p:spPr>
+          <a:xfrm>
+            <a:off x="5400092" y="5973664"/>
+            <a:ext cx="1368152" cy="646331"/>
+          </a:xfrm>
+          <a:prstGeom prst="rect">
+            <a:avLst/>
+          </a:prstGeom>
+          <a:noFill/>
+        </p:spPr>
+        <p:txBody>
+          <a:bodyPr wrap="square" rtlCol="0">
             <a:spAutoFit/>
           </a:bodyPr>
           <a:lstStyle/>
           <a:p>
-            <a:pPr fontAlgn="base">
-              <a:lnSpc>
-                <a:spcPct val="160000"/>
-              </a:lnSpc>
-            </a:pPr>
-            <a:r>
-              <a:rPr lang="ko-KR" altLang="en-US" kern="0" dirty="0">
-                <a:solidFill>
-                  <a:schemeClr val="bg1"/>
-                </a:solidFill>
-                <a:latin typeface="HY헤드라인M" panose="02030600000101010101" pitchFamily="18" charset="-127"/>
-                <a:ea typeface="HY헤드라인M" panose="02030600000101010101" pitchFamily="18" charset="-127"/>
-              </a:rPr>
-              <a:t>● </a:t>
-            </a:r>
-            <a:r>
-              <a:rPr lang="ko-KR" altLang="en-US" kern="0" dirty="0" smtClean="0">
-                <a:solidFill>
-                  <a:schemeClr val="bg1"/>
-                </a:solidFill>
-                <a:latin typeface="HY헤드라인M" panose="02030600000101010101" pitchFamily="18" charset="-127"/>
-                <a:ea typeface="HY헤드라인M" panose="02030600000101010101" pitchFamily="18" charset="-127"/>
-              </a:rPr>
-              <a:t>장르 </a:t>
-            </a:r>
-            <a:r>
-              <a:rPr lang="en-US" altLang="ko-KR" kern="0" dirty="0" smtClean="0">
-                <a:solidFill>
-                  <a:schemeClr val="bg1"/>
-                </a:solidFill>
-                <a:latin typeface="HY헤드라인M" panose="02030600000101010101" pitchFamily="18" charset="-127"/>
-                <a:ea typeface="HY헤드라인M" panose="02030600000101010101" pitchFamily="18" charset="-127"/>
-              </a:rPr>
-              <a:t>: </a:t>
-            </a:r>
-            <a:r>
-              <a:rPr lang="ko-KR" altLang="en-US" kern="0" dirty="0" smtClean="0">
-                <a:solidFill>
-                  <a:schemeClr val="bg1"/>
-                </a:solidFill>
-                <a:latin typeface="HY헤드라인M" panose="02030600000101010101" pitchFamily="18" charset="-127"/>
-                <a:ea typeface="HY헤드라인M" panose="02030600000101010101" pitchFamily="18" charset="-127"/>
-              </a:rPr>
-              <a:t>아케이드 전략게임</a:t>
-            </a:r>
-            <a:endParaRPr lang="en-US" altLang="ko-KR" kern="0" dirty="0" smtClean="0">
+            <a:r>
+              <a:rPr lang="ko-KR" altLang="en-US" sz="1200" dirty="0" smtClean="0">
+                <a:solidFill>
+                  <a:schemeClr val="accent1"/>
+                </a:solidFill>
+              </a:rPr>
+              <a:t>나의 캐릭터를 보고있는 </a:t>
+            </a:r>
+            <a:r>
+              <a:rPr lang="en-US" altLang="ko-KR" sz="1200" dirty="0" smtClean="0">
+                <a:solidFill>
+                  <a:schemeClr val="accent1"/>
+                </a:solidFill>
+              </a:rPr>
+              <a:t>3</a:t>
+            </a:r>
+            <a:r>
+              <a:rPr lang="ko-KR" altLang="en-US" sz="1200" dirty="0" err="1" smtClean="0">
+                <a:solidFill>
+                  <a:schemeClr val="accent1"/>
+                </a:solidFill>
+              </a:rPr>
+              <a:t>인칭카메라</a:t>
+            </a:r>
+            <a:endParaRPr lang="ko-KR" altLang="en-US" sz="1200" dirty="0">
               <a:solidFill>
-                <a:schemeClr val="bg1"/>
+                <a:schemeClr val="accent1"/>
               </a:solidFill>
-              <a:latin typeface="HY헤드라인M" panose="02030600000101010101" pitchFamily="18" charset="-127"/>
-              <a:ea typeface="HY헤드라인M" panose="02030600000101010101" pitchFamily="18" charset="-127"/>
-            </a:endParaRPr>
-          </a:p>
-          <a:p>
-            <a:pPr fontAlgn="base">
-              <a:lnSpc>
-                <a:spcPct val="160000"/>
-              </a:lnSpc>
-            </a:pPr>
-            <a:r>
-              <a:rPr lang="ko-KR" altLang="en-US" kern="0" dirty="0" smtClean="0">
-                <a:solidFill>
-                  <a:schemeClr val="bg1"/>
-                </a:solidFill>
-                <a:latin typeface="HY헤드라인M" panose="02030600000101010101" pitchFamily="18" charset="-127"/>
-                <a:ea typeface="HY헤드라인M" panose="02030600000101010101" pitchFamily="18" charset="-127"/>
-              </a:rPr>
-              <a:t>● </a:t>
-            </a:r>
-            <a:r>
-              <a:rPr lang="ko-KR" altLang="en-US" kern="0" dirty="0">
-                <a:solidFill>
-                  <a:schemeClr val="bg1"/>
-                </a:solidFill>
-                <a:latin typeface="HY헤드라인M" panose="02030600000101010101" pitchFamily="18" charset="-127"/>
-                <a:ea typeface="HY헤드라인M" panose="02030600000101010101" pitchFamily="18" charset="-127"/>
-              </a:rPr>
-              <a:t>시점 </a:t>
-            </a:r>
-            <a:r>
-              <a:rPr lang="en-US" altLang="ko-KR" kern="0" dirty="0">
-                <a:solidFill>
-                  <a:schemeClr val="bg1"/>
-                </a:solidFill>
-                <a:latin typeface="HY헤드라인M" panose="02030600000101010101" pitchFamily="18" charset="-127"/>
-                <a:ea typeface="HY헤드라인M" panose="02030600000101010101" pitchFamily="18" charset="-127"/>
-              </a:rPr>
-              <a:t>: 3</a:t>
-            </a:r>
-            <a:r>
-              <a:rPr lang="ko-KR" altLang="en-US" kern="0" dirty="0">
-                <a:solidFill>
-                  <a:schemeClr val="bg1"/>
-                </a:solidFill>
-                <a:latin typeface="HY헤드라인M" panose="02030600000101010101" pitchFamily="18" charset="-127"/>
-                <a:ea typeface="HY헤드라인M" panose="02030600000101010101" pitchFamily="18" charset="-127"/>
-              </a:rPr>
-              <a:t>인칭 </a:t>
-            </a:r>
-            <a:r>
-              <a:rPr lang="ko-KR" altLang="en-US" kern="0" dirty="0" smtClean="0">
-                <a:solidFill>
-                  <a:schemeClr val="bg1"/>
-                </a:solidFill>
-                <a:latin typeface="HY헤드라인M" panose="02030600000101010101" pitchFamily="18" charset="-127"/>
-                <a:ea typeface="HY헤드라인M" panose="02030600000101010101" pitchFamily="18" charset="-127"/>
-              </a:rPr>
-              <a:t>시점</a:t>
-            </a:r>
-            <a:endParaRPr lang="en-US" altLang="ko-KR" kern="0" dirty="0" smtClean="0">
-              <a:solidFill>
-                <a:schemeClr val="bg1"/>
-              </a:solidFill>
-              <a:latin typeface="HY헤드라인M" panose="02030600000101010101" pitchFamily="18" charset="-127"/>
-              <a:ea typeface="HY헤드라인M" panose="02030600000101010101" pitchFamily="18" charset="-127"/>
-            </a:endParaRPr>
-          </a:p>
-          <a:p>
-            <a:pPr fontAlgn="base">
-              <a:lnSpc>
-                <a:spcPct val="160000"/>
-              </a:lnSpc>
-            </a:pPr>
-            <a:r>
-              <a:rPr lang="ko-KR" altLang="en-US" kern="0" dirty="0" smtClean="0">
-                <a:solidFill>
-                  <a:schemeClr val="bg1"/>
-                </a:solidFill>
-                <a:latin typeface="HY헤드라인M" panose="02030600000101010101" pitchFamily="18" charset="-127"/>
-                <a:ea typeface="HY헤드라인M" panose="02030600000101010101" pitchFamily="18" charset="-127"/>
-              </a:rPr>
-              <a:t>● 맵</a:t>
-            </a:r>
-            <a:r>
-              <a:rPr lang="en-US" altLang="ko-KR" kern="0" dirty="0">
-                <a:solidFill>
-                  <a:schemeClr val="bg1"/>
-                </a:solidFill>
-                <a:latin typeface="HY헤드라인M" panose="02030600000101010101" pitchFamily="18" charset="-127"/>
-                <a:ea typeface="HY헤드라인M" panose="02030600000101010101" pitchFamily="18" charset="-127"/>
-              </a:rPr>
-              <a:t> </a:t>
-            </a:r>
-            <a:r>
-              <a:rPr lang="ko-KR" altLang="en-US" kern="0" dirty="0" smtClean="0">
-                <a:solidFill>
-                  <a:schemeClr val="bg1"/>
-                </a:solidFill>
-                <a:latin typeface="HY헤드라인M" panose="02030600000101010101" pitchFamily="18" charset="-127"/>
-                <a:ea typeface="HY헤드라인M" panose="02030600000101010101" pitchFamily="18" charset="-127"/>
-              </a:rPr>
-              <a:t>크기 </a:t>
-            </a:r>
-            <a:r>
-              <a:rPr lang="en-US" altLang="ko-KR" kern="0" dirty="0" smtClean="0">
-                <a:solidFill>
-                  <a:schemeClr val="bg1"/>
-                </a:solidFill>
-                <a:latin typeface="HY헤드라인M" panose="02030600000101010101" pitchFamily="18" charset="-127"/>
-                <a:ea typeface="HY헤드라인M" panose="02030600000101010101" pitchFamily="18" charset="-127"/>
-              </a:rPr>
-              <a:t>: 100 X 100 (</a:t>
-            </a:r>
-            <a:r>
-              <a:rPr lang="ko-KR" altLang="en-US" kern="0" dirty="0" smtClean="0">
-                <a:solidFill>
-                  <a:schemeClr val="bg1"/>
-                </a:solidFill>
-                <a:latin typeface="HY헤드라인M" panose="02030600000101010101" pitchFamily="18" charset="-127"/>
-                <a:ea typeface="HY헤드라인M" panose="02030600000101010101" pitchFamily="18" charset="-127"/>
-              </a:rPr>
-              <a:t>단위 </a:t>
-            </a:r>
-            <a:r>
-              <a:rPr lang="en-US" altLang="ko-KR" kern="0" dirty="0" smtClean="0">
-                <a:solidFill>
-                  <a:schemeClr val="bg1"/>
-                </a:solidFill>
-                <a:latin typeface="HY헤드라인M" panose="02030600000101010101" pitchFamily="18" charset="-127"/>
-                <a:ea typeface="HY헤드라인M" panose="02030600000101010101" pitchFamily="18" charset="-127"/>
-              </a:rPr>
-              <a:t>: m)</a:t>
-            </a:r>
-          </a:p>
-          <a:p>
-            <a:pPr fontAlgn="base">
-              <a:lnSpc>
-                <a:spcPct val="160000"/>
-              </a:lnSpc>
-            </a:pPr>
-            <a:r>
-              <a:rPr lang="en-US" altLang="ko-KR" kern="0" dirty="0" smtClean="0">
-                <a:solidFill>
-                  <a:schemeClr val="bg1"/>
-                </a:solidFill>
-                <a:latin typeface="HY헤드라인M" panose="02030600000101010101" pitchFamily="18" charset="-127"/>
-                <a:ea typeface="HY헤드라인M" panose="02030600000101010101" pitchFamily="18" charset="-127"/>
-              </a:rPr>
-              <a:t>                 Unity</a:t>
-            </a:r>
-            <a:r>
-              <a:rPr lang="ko-KR" altLang="en-US" kern="0" dirty="0" smtClean="0">
-                <a:solidFill>
-                  <a:schemeClr val="bg1"/>
-                </a:solidFill>
-                <a:latin typeface="HY헤드라인M" panose="02030600000101010101" pitchFamily="18" charset="-127"/>
-                <a:ea typeface="HY헤드라인M" panose="02030600000101010101" pitchFamily="18" charset="-127"/>
-              </a:rPr>
-              <a:t>를 이용한 </a:t>
-            </a:r>
-            <a:r>
-              <a:rPr lang="ko-KR" altLang="en-US" kern="0" dirty="0" err="1" smtClean="0">
-                <a:solidFill>
-                  <a:schemeClr val="bg1"/>
-                </a:solidFill>
-                <a:latin typeface="HY헤드라인M" panose="02030600000101010101" pitchFamily="18" charset="-127"/>
-                <a:ea typeface="HY헤드라인M" panose="02030600000101010101" pitchFamily="18" charset="-127"/>
-              </a:rPr>
-              <a:t>맵툴</a:t>
-            </a:r>
-            <a:r>
-              <a:rPr lang="ko-KR" altLang="en-US" kern="0" dirty="0" smtClean="0">
-                <a:solidFill>
-                  <a:schemeClr val="bg1"/>
-                </a:solidFill>
-                <a:latin typeface="HY헤드라인M" panose="02030600000101010101" pitchFamily="18" charset="-127"/>
-                <a:ea typeface="HY헤드라인M" panose="02030600000101010101" pitchFamily="18" charset="-127"/>
-              </a:rPr>
-              <a:t> 제작</a:t>
-            </a:r>
-            <a:endParaRPr lang="en-US" altLang="ko-KR" kern="0" dirty="0" smtClean="0">
-              <a:solidFill>
-                <a:schemeClr val="bg1"/>
-              </a:solidFill>
-              <a:latin typeface="HY헤드라인M" panose="02030600000101010101" pitchFamily="18" charset="-127"/>
-              <a:ea typeface="HY헤드라인M" panose="02030600000101010101" pitchFamily="18" charset="-127"/>
-            </a:endParaRPr>
-          </a:p>
-          <a:p>
-            <a:pPr fontAlgn="base">
-              <a:lnSpc>
-                <a:spcPct val="160000"/>
-              </a:lnSpc>
-            </a:pPr>
-            <a:r>
-              <a:rPr lang="ko-KR" altLang="en-US" kern="0" dirty="0" smtClean="0">
-                <a:solidFill>
-                  <a:schemeClr val="bg1"/>
-                </a:solidFill>
-                <a:latin typeface="HY헤드라인M" panose="02030600000101010101" pitchFamily="18" charset="-127"/>
-                <a:ea typeface="HY헤드라인M" panose="02030600000101010101" pitchFamily="18" charset="-127"/>
-              </a:rPr>
-              <a:t>●플레이어 속도 </a:t>
-            </a:r>
-            <a:r>
-              <a:rPr lang="en-US" altLang="ko-KR" kern="0" dirty="0" smtClean="0">
-                <a:solidFill>
-                  <a:schemeClr val="bg1"/>
-                </a:solidFill>
-                <a:latin typeface="HY헤드라인M" panose="02030600000101010101" pitchFamily="18" charset="-127"/>
-                <a:ea typeface="HY헤드라인M" panose="02030600000101010101" pitchFamily="18" charset="-127"/>
-              </a:rPr>
-              <a:t>: 2m/s</a:t>
-            </a:r>
-          </a:p>
-          <a:p>
-            <a:pPr fontAlgn="base">
-              <a:lnSpc>
-                <a:spcPct val="160000"/>
-              </a:lnSpc>
-            </a:pPr>
-            <a:r>
-              <a:rPr lang="ko-KR" altLang="en-US" kern="0" dirty="0" smtClean="0">
-                <a:solidFill>
-                  <a:schemeClr val="bg1"/>
-                </a:solidFill>
-                <a:latin typeface="HY헤드라인M" panose="02030600000101010101" pitchFamily="18" charset="-127"/>
-                <a:ea typeface="HY헤드라인M" panose="02030600000101010101" pitchFamily="18" charset="-127"/>
-              </a:rPr>
-              <a:t>●예상 플레이 시간</a:t>
-            </a:r>
-            <a:r>
-              <a:rPr lang="en-US" altLang="ko-KR" kern="0" dirty="0">
-                <a:solidFill>
-                  <a:schemeClr val="bg1"/>
-                </a:solidFill>
-                <a:latin typeface="HY헤드라인M" panose="02030600000101010101" pitchFamily="18" charset="-127"/>
-                <a:ea typeface="HY헤드라인M" panose="02030600000101010101" pitchFamily="18" charset="-127"/>
-              </a:rPr>
-              <a:t> </a:t>
-            </a:r>
-            <a:r>
-              <a:rPr lang="en-US" altLang="ko-KR" kern="0" dirty="0" smtClean="0">
-                <a:solidFill>
-                  <a:schemeClr val="bg1"/>
-                </a:solidFill>
-                <a:latin typeface="HY헤드라인M" panose="02030600000101010101" pitchFamily="18" charset="-127"/>
-                <a:ea typeface="HY헤드라인M" panose="02030600000101010101" pitchFamily="18" charset="-127"/>
-              </a:rPr>
-              <a:t>: </a:t>
-            </a:r>
-            <a:r>
-              <a:rPr lang="ko-KR" altLang="en-US" kern="0" dirty="0" smtClean="0">
-                <a:solidFill>
-                  <a:schemeClr val="bg1"/>
-                </a:solidFill>
-                <a:latin typeface="HY헤드라인M" panose="02030600000101010101" pitchFamily="18" charset="-127"/>
-                <a:ea typeface="HY헤드라인M" panose="02030600000101010101" pitchFamily="18" charset="-127"/>
-              </a:rPr>
-              <a:t>게임당 최소 </a:t>
-            </a:r>
-            <a:r>
-              <a:rPr lang="en-US" altLang="ko-KR" kern="0" dirty="0">
-                <a:solidFill>
-                  <a:schemeClr val="bg1"/>
-                </a:solidFill>
-                <a:latin typeface="HY헤드라인M" panose="02030600000101010101" pitchFamily="18" charset="-127"/>
-                <a:ea typeface="HY헤드라인M" panose="02030600000101010101" pitchFamily="18" charset="-127"/>
-              </a:rPr>
-              <a:t>8</a:t>
-            </a:r>
-            <a:r>
-              <a:rPr lang="ko-KR" altLang="en-US" kern="0" dirty="0" smtClean="0">
-                <a:solidFill>
-                  <a:schemeClr val="bg1"/>
-                </a:solidFill>
-                <a:latin typeface="HY헤드라인M" panose="02030600000101010101" pitchFamily="18" charset="-127"/>
-                <a:ea typeface="HY헤드라인M" panose="02030600000101010101" pitchFamily="18" charset="-127"/>
-              </a:rPr>
-              <a:t>분</a:t>
-            </a:r>
-            <a:endParaRPr lang="en-US" altLang="ko-KR" kern="0" dirty="0" smtClean="0">
-              <a:solidFill>
-                <a:schemeClr val="bg1"/>
-              </a:solidFill>
-              <a:latin typeface="HY헤드라인M" panose="02030600000101010101" pitchFamily="18" charset="-127"/>
-              <a:ea typeface="HY헤드라인M" panose="02030600000101010101" pitchFamily="18" charset="-127"/>
-            </a:endParaRPr>
-          </a:p>
-          <a:p>
-            <a:pPr fontAlgn="base">
-              <a:lnSpc>
-                <a:spcPct val="160000"/>
-              </a:lnSpc>
-            </a:pPr>
-            <a:r>
-              <a:rPr lang="ko-KR" altLang="en-US" kern="0" dirty="0">
-                <a:solidFill>
-                  <a:schemeClr val="bg1"/>
-                </a:solidFill>
-                <a:latin typeface="HY헤드라인M" panose="02030600000101010101" pitchFamily="18" charset="-127"/>
-                <a:ea typeface="HY헤드라인M" panose="02030600000101010101" pitchFamily="18" charset="-127"/>
-              </a:rPr>
-              <a:t>● 플레이어</a:t>
-            </a:r>
-            <a:r>
-              <a:rPr lang="en-US" altLang="ko-KR" kern="0" dirty="0">
-                <a:solidFill>
-                  <a:schemeClr val="bg1"/>
-                </a:solidFill>
-                <a:latin typeface="HY헤드라인M" panose="02030600000101010101" pitchFamily="18" charset="-127"/>
-                <a:ea typeface="HY헤드라인M" panose="02030600000101010101" pitchFamily="18" charset="-127"/>
-              </a:rPr>
-              <a:t>, </a:t>
-            </a:r>
-            <a:r>
-              <a:rPr lang="ko-KR" altLang="en-US" kern="0" dirty="0">
-                <a:solidFill>
-                  <a:schemeClr val="bg1"/>
-                </a:solidFill>
-                <a:latin typeface="HY헤드라인M" panose="02030600000101010101" pitchFamily="18" charset="-127"/>
-                <a:ea typeface="HY헤드라인M" panose="02030600000101010101" pitchFamily="18" charset="-127"/>
-              </a:rPr>
-              <a:t>몬스터</a:t>
-            </a:r>
-            <a:endParaRPr lang="en-US" altLang="ko-KR" kern="0" dirty="0">
-              <a:solidFill>
-                <a:schemeClr val="bg1"/>
-              </a:solidFill>
-              <a:latin typeface="HY헤드라인M" panose="02030600000101010101" pitchFamily="18" charset="-127"/>
-              <a:ea typeface="HY헤드라인M" panose="02030600000101010101" pitchFamily="18" charset="-127"/>
-            </a:endParaRPr>
-          </a:p>
-          <a:p>
-            <a:pPr fontAlgn="base">
-              <a:lnSpc>
-                <a:spcPct val="160000"/>
-              </a:lnSpc>
-            </a:pPr>
-            <a:r>
-              <a:rPr lang="ko-KR" altLang="en-US" kern="0" dirty="0">
-                <a:solidFill>
-                  <a:schemeClr val="bg1"/>
-                </a:solidFill>
-                <a:latin typeface="HY헤드라인M" panose="02030600000101010101" pitchFamily="18" charset="-127"/>
-                <a:ea typeface="HY헤드라인M" panose="02030600000101010101" pitchFamily="18" charset="-127"/>
-              </a:rPr>
-              <a:t>플레이어</a:t>
-            </a:r>
-            <a:r>
-              <a:rPr lang="en-US" altLang="ko-KR" kern="0" dirty="0">
-                <a:solidFill>
-                  <a:schemeClr val="bg1"/>
-                </a:solidFill>
-                <a:latin typeface="HY헤드라인M" panose="02030600000101010101" pitchFamily="18" charset="-127"/>
-                <a:ea typeface="HY헤드라인M" panose="02030600000101010101" pitchFamily="18" charset="-127"/>
-              </a:rPr>
-              <a:t>, </a:t>
-            </a:r>
-            <a:r>
-              <a:rPr lang="ko-KR" altLang="en-US" kern="0" dirty="0">
-                <a:solidFill>
-                  <a:schemeClr val="bg1"/>
-                </a:solidFill>
-                <a:latin typeface="HY헤드라인M" panose="02030600000101010101" pitchFamily="18" charset="-127"/>
-                <a:ea typeface="HY헤드라인M" panose="02030600000101010101" pitchFamily="18" charset="-127"/>
-              </a:rPr>
-              <a:t>몬스터가 임의로 할당 받을 수 있는 캐릭터 종류는 </a:t>
-            </a:r>
-            <a:r>
-              <a:rPr lang="en-US" altLang="ko-KR" kern="0" dirty="0">
-                <a:solidFill>
-                  <a:schemeClr val="bg1"/>
-                </a:solidFill>
-                <a:latin typeface="HY헤드라인M" panose="02030600000101010101" pitchFamily="18" charset="-127"/>
-                <a:ea typeface="HY헤드라인M" panose="02030600000101010101" pitchFamily="18" charset="-127"/>
-              </a:rPr>
-              <a:t>3</a:t>
-            </a:r>
-            <a:r>
-              <a:rPr lang="ko-KR" altLang="en-US" kern="0" dirty="0">
-                <a:solidFill>
-                  <a:schemeClr val="bg1"/>
-                </a:solidFill>
-                <a:latin typeface="HY헤드라인M" panose="02030600000101010101" pitchFamily="18" charset="-127"/>
-                <a:ea typeface="HY헤드라인M" panose="02030600000101010101" pitchFamily="18" charset="-127"/>
-              </a:rPr>
-              <a:t>가지</a:t>
-            </a:r>
-            <a:endParaRPr lang="en-US" altLang="ko-KR" kern="0" dirty="0">
-              <a:solidFill>
-                <a:schemeClr val="bg1"/>
-              </a:solidFill>
-              <a:latin typeface="HY헤드라인M" panose="02030600000101010101" pitchFamily="18" charset="-127"/>
-              <a:ea typeface="HY헤드라인M" panose="02030600000101010101" pitchFamily="18" charset="-127"/>
-            </a:endParaRPr>
-          </a:p>
-          <a:p>
-            <a:pPr fontAlgn="base">
-              <a:lnSpc>
-                <a:spcPct val="160000"/>
-              </a:lnSpc>
-            </a:pPr>
-            <a:r>
-              <a:rPr lang="ko-KR" altLang="en-US" kern="0" dirty="0">
-                <a:solidFill>
-                  <a:schemeClr val="bg1"/>
-                </a:solidFill>
-                <a:latin typeface="HY헤드라인M" panose="02030600000101010101" pitchFamily="18" charset="-127"/>
-                <a:ea typeface="HY헤드라인M" panose="02030600000101010101" pitchFamily="18" charset="-127"/>
-              </a:rPr>
-              <a:t>걷기 속도는 </a:t>
-            </a:r>
-            <a:r>
-              <a:rPr lang="en-US" altLang="ko-KR" kern="0" dirty="0">
-                <a:solidFill>
-                  <a:schemeClr val="bg1"/>
-                </a:solidFill>
-                <a:latin typeface="HY헤드라인M" panose="02030600000101010101" pitchFamily="18" charset="-127"/>
-                <a:ea typeface="HY헤드라인M" panose="02030600000101010101" pitchFamily="18" charset="-127"/>
-              </a:rPr>
-              <a:t>2m/s, </a:t>
-            </a:r>
-            <a:r>
-              <a:rPr lang="ko-KR" altLang="en-US" kern="0" dirty="0">
-                <a:solidFill>
-                  <a:schemeClr val="bg1"/>
-                </a:solidFill>
-                <a:latin typeface="HY헤드라인M" panose="02030600000101010101" pitchFamily="18" charset="-127"/>
-                <a:ea typeface="HY헤드라인M" panose="02030600000101010101" pitchFamily="18" charset="-127"/>
-              </a:rPr>
-              <a:t>달리기 속도는 </a:t>
-            </a:r>
-            <a:r>
-              <a:rPr lang="en-US" altLang="ko-KR" kern="0" dirty="0">
-                <a:solidFill>
-                  <a:schemeClr val="bg1"/>
-                </a:solidFill>
-                <a:latin typeface="HY헤드라인M" panose="02030600000101010101" pitchFamily="18" charset="-127"/>
-                <a:ea typeface="HY헤드라인M" panose="02030600000101010101" pitchFamily="18" charset="-127"/>
-              </a:rPr>
-              <a:t>5m/s</a:t>
-            </a:r>
-          </a:p>
-          <a:p>
-            <a:pPr fontAlgn="base">
-              <a:lnSpc>
-                <a:spcPct val="160000"/>
-              </a:lnSpc>
-            </a:pPr>
-            <a:r>
-              <a:rPr lang="ko-KR" altLang="en-US" kern="0" dirty="0">
-                <a:solidFill>
-                  <a:schemeClr val="bg1"/>
-                </a:solidFill>
-                <a:latin typeface="HY헤드라인M" panose="02030600000101010101" pitchFamily="18" charset="-127"/>
-                <a:ea typeface="HY헤드라인M" panose="02030600000101010101" pitchFamily="18" charset="-127"/>
-              </a:rPr>
-              <a:t>상태</a:t>
-            </a:r>
-            <a:r>
-              <a:rPr lang="en-US" altLang="ko-KR" kern="0" dirty="0">
-                <a:solidFill>
-                  <a:schemeClr val="bg1"/>
-                </a:solidFill>
-                <a:latin typeface="HY헤드라인M" panose="02030600000101010101" pitchFamily="18" charset="-127"/>
-                <a:ea typeface="HY헤드라인M" panose="02030600000101010101" pitchFamily="18" charset="-127"/>
-              </a:rPr>
-              <a:t>(</a:t>
-            </a:r>
-            <a:r>
-              <a:rPr lang="ko-KR" altLang="en-US" kern="0" dirty="0">
-                <a:solidFill>
-                  <a:schemeClr val="bg1"/>
-                </a:solidFill>
-                <a:latin typeface="HY헤드라인M" panose="02030600000101010101" pitchFamily="18" charset="-127"/>
-                <a:ea typeface="HY헤드라인M" panose="02030600000101010101" pitchFamily="18" charset="-127"/>
-              </a:rPr>
-              <a:t>애니메이션</a:t>
-            </a:r>
-            <a:r>
-              <a:rPr lang="en-US" altLang="ko-KR" kern="0" dirty="0">
-                <a:solidFill>
-                  <a:schemeClr val="bg1"/>
-                </a:solidFill>
-                <a:latin typeface="HY헤드라인M" panose="02030600000101010101" pitchFamily="18" charset="-127"/>
-                <a:ea typeface="HY헤드라인M" panose="02030600000101010101" pitchFamily="18" charset="-127"/>
-              </a:rPr>
-              <a:t>) : Idle, Walk, Run, Attack, </a:t>
-            </a:r>
-            <a:r>
-              <a:rPr lang="en-US" altLang="ko-KR" kern="0" dirty="0" smtClean="0">
-                <a:solidFill>
-                  <a:schemeClr val="bg1"/>
-                </a:solidFill>
-                <a:latin typeface="HY헤드라인M" panose="02030600000101010101" pitchFamily="18" charset="-127"/>
-                <a:ea typeface="HY헤드라인M" panose="02030600000101010101" pitchFamily="18" charset="-127"/>
-              </a:rPr>
-              <a:t>Death(Asset store)</a:t>
-            </a:r>
-            <a:endParaRPr lang="ko-KR" altLang="en-US" kern="0" dirty="0">
-              <a:solidFill>
-                <a:schemeClr val="bg1"/>
-              </a:solidFill>
-              <a:latin typeface="HY헤드라인M" panose="02030600000101010101" pitchFamily="18" charset="-127"/>
-              <a:ea typeface="HY헤드라인M" panose="02030600000101010101" pitchFamily="18" charset="-127"/>
-            </a:endParaRPr>
-          </a:p>
-          <a:p>
-            <a:pPr fontAlgn="base">
-              <a:lnSpc>
-                <a:spcPct val="160000"/>
-              </a:lnSpc>
-            </a:pPr>
-            <a:endParaRPr lang="en-US" altLang="ko-KR" kern="0" dirty="0" smtClean="0">
-              <a:solidFill>
-                <a:schemeClr val="bg1"/>
-              </a:solidFill>
-              <a:latin typeface="HY헤드라인M" panose="02030600000101010101" pitchFamily="18" charset="-127"/>
-              <a:ea typeface="HY헤드라인M" panose="02030600000101010101" pitchFamily="18" charset="-127"/>
             </a:endParaRPr>
           </a:p>
         </p:txBody>
@@ -19083,7 +19377,7 @@
     </p:spTree>
     <p:extLst>
       <p:ext uri="{BB962C8B-B14F-4D97-AF65-F5344CB8AC3E}">
-        <p14:creationId xmlns:p14="http://schemas.microsoft.com/office/powerpoint/2010/main" val="2465411169"/>
+        <p14:creationId xmlns:p14="http://schemas.microsoft.com/office/powerpoint/2010/main" val="2972245103"/>
       </p:ext>
     </p:extLst>
   </p:cSld>
@@ -19415,678 +19709,635 @@
       </p:sp>
       <p:sp>
         <p:nvSpPr>
-          <p:cNvPr id="4" name="TextBox 3"/>
-          <p:cNvSpPr txBox="1"/>
-          <p:nvPr/>
-        </p:nvSpPr>
-        <p:spPr>
-          <a:xfrm>
-            <a:off x="1402415" y="1456397"/>
-            <a:ext cx="1440160" cy="369332"/>
-          </a:xfrm>
-          <a:prstGeom prst="rect">
-            <a:avLst/>
-          </a:prstGeom>
-          <a:noFill/>
-        </p:spPr>
-        <p:txBody>
-          <a:bodyPr wrap="square" rtlCol="0">
-            <a:spAutoFit/>
-          </a:bodyPr>
-          <a:lstStyle/>
-          <a:p>
-            <a:r>
-              <a:rPr lang="ko-KR" altLang="en-US" dirty="0" smtClean="0">
-                <a:solidFill>
-                  <a:schemeClr val="bg1"/>
-                </a:solidFill>
-                <a:effectLst>
-                  <a:glow rad="228600">
-                    <a:schemeClr val="accent1">
-                      <a:satMod val="175000"/>
-                      <a:alpha val="40000"/>
-                    </a:schemeClr>
-                  </a:glow>
-                </a:effectLst>
-              </a:rPr>
-              <a:t>맵 </a:t>
-            </a:r>
-            <a:r>
-              <a:rPr lang="ko-KR" altLang="en-US" dirty="0" err="1" smtClean="0">
-                <a:solidFill>
-                  <a:schemeClr val="bg1"/>
-                </a:solidFill>
-                <a:effectLst>
-                  <a:glow rad="228600">
-                    <a:schemeClr val="accent1">
-                      <a:satMod val="175000"/>
-                      <a:alpha val="40000"/>
-                    </a:schemeClr>
-                  </a:glow>
-                </a:effectLst>
-              </a:rPr>
-              <a:t>예시화면</a:t>
-            </a:r>
-            <a:endParaRPr lang="ko-KR" altLang="en-US" dirty="0"/>
-          </a:p>
-        </p:txBody>
-      </p:sp>
-      <p:pic>
-        <p:nvPicPr>
-          <p:cNvPr id="6" name="그림 5"/>
-          <p:cNvPicPr>
-            <a:picLocks noChangeAspect="1"/>
-          </p:cNvPicPr>
-          <p:nvPr/>
-        </p:nvPicPr>
-        <p:blipFill>
-          <a:blip r:embed="rId2"/>
-          <a:stretch>
-            <a:fillRect/>
-          </a:stretch>
-        </p:blipFill>
-        <p:spPr>
-          <a:xfrm>
-            <a:off x="4355976" y="1818053"/>
-            <a:ext cx="4533619" cy="3558270"/>
-          </a:xfrm>
-          <a:prstGeom prst="rect">
-            <a:avLst/>
-          </a:prstGeom>
-        </p:spPr>
-      </p:pic>
-      <p:sp>
-        <p:nvSpPr>
-          <p:cNvPr id="13" name="TextBox 12"/>
-          <p:cNvSpPr txBox="1"/>
-          <p:nvPr/>
-        </p:nvSpPr>
-        <p:spPr>
-          <a:xfrm>
-            <a:off x="5569097" y="1412775"/>
-            <a:ext cx="2520280" cy="369332"/>
-          </a:xfrm>
-          <a:prstGeom prst="rect">
-            <a:avLst/>
-          </a:prstGeom>
-          <a:noFill/>
-        </p:spPr>
-        <p:txBody>
-          <a:bodyPr wrap="square" rtlCol="0">
-            <a:spAutoFit/>
-          </a:bodyPr>
-          <a:lstStyle/>
-          <a:p>
-            <a:r>
-              <a:rPr lang="ko-KR" altLang="en-US" dirty="0" smtClean="0">
-                <a:solidFill>
-                  <a:schemeClr val="bg1"/>
-                </a:solidFill>
-                <a:effectLst>
-                  <a:glow rad="228600">
-                    <a:schemeClr val="accent1">
-                      <a:satMod val="175000"/>
-                      <a:alpha val="40000"/>
-                    </a:schemeClr>
-                  </a:glow>
-                </a:effectLst>
-              </a:rPr>
-              <a:t>개인 게임화면 예시</a:t>
-            </a:r>
-            <a:endParaRPr lang="ko-KR" altLang="en-US" dirty="0"/>
-          </a:p>
-        </p:txBody>
-      </p:sp>
-      <p:sp>
-        <p:nvSpPr>
-          <p:cNvPr id="15" name="TextBox 14"/>
-          <p:cNvSpPr txBox="1"/>
-          <p:nvPr/>
-        </p:nvSpPr>
-        <p:spPr>
-          <a:xfrm>
-            <a:off x="8144354" y="1818677"/>
-            <a:ext cx="1152128" cy="215444"/>
-          </a:xfrm>
-          <a:prstGeom prst="rect">
-            <a:avLst/>
-          </a:prstGeom>
-          <a:noFill/>
-        </p:spPr>
-        <p:txBody>
-          <a:bodyPr wrap="square" rtlCol="0">
-            <a:spAutoFit/>
-          </a:bodyPr>
-          <a:lstStyle/>
-          <a:p>
-            <a:r>
-              <a:rPr lang="ko-KR" altLang="en-US" sz="800" dirty="0" err="1" smtClean="0">
-                <a:solidFill>
-                  <a:schemeClr val="bg1"/>
-                </a:solidFill>
-                <a:effectLst>
-                  <a:glow rad="228600">
-                    <a:schemeClr val="accent1">
-                      <a:satMod val="175000"/>
-                      <a:alpha val="40000"/>
-                    </a:schemeClr>
-                  </a:glow>
-                </a:effectLst>
-              </a:rPr>
-              <a:t>흐른시간</a:t>
-            </a:r>
-            <a:r>
-              <a:rPr lang="ko-KR" altLang="en-US" sz="800" dirty="0" smtClean="0">
-                <a:solidFill>
-                  <a:schemeClr val="bg1"/>
-                </a:solidFill>
-                <a:effectLst>
-                  <a:glow rad="228600">
-                    <a:schemeClr val="accent1">
-                      <a:satMod val="175000"/>
-                      <a:alpha val="40000"/>
-                    </a:schemeClr>
-                  </a:glow>
-                </a:effectLst>
-              </a:rPr>
-              <a:t> </a:t>
-            </a:r>
-            <a:r>
-              <a:rPr lang="en-US" altLang="ko-KR" sz="800" dirty="0" smtClean="0">
-                <a:solidFill>
-                  <a:schemeClr val="bg1"/>
-                </a:solidFill>
-                <a:effectLst>
-                  <a:glow rad="228600">
-                    <a:schemeClr val="accent1">
-                      <a:satMod val="175000"/>
-                      <a:alpha val="40000"/>
-                    </a:schemeClr>
-                  </a:glow>
-                </a:effectLst>
-              </a:rPr>
-              <a:t>0:00</a:t>
-            </a:r>
-            <a:endParaRPr lang="ko-KR" altLang="en-US" sz="800" dirty="0"/>
-          </a:p>
-        </p:txBody>
-      </p:sp>
-      <p:sp>
-        <p:nvSpPr>
-          <p:cNvPr id="19" name="TextBox 18"/>
-          <p:cNvSpPr txBox="1"/>
-          <p:nvPr/>
-        </p:nvSpPr>
-        <p:spPr>
-          <a:xfrm>
-            <a:off x="7092280" y="5718950"/>
-            <a:ext cx="919987" cy="261610"/>
-          </a:xfrm>
-          <a:prstGeom prst="rect">
-            <a:avLst/>
-          </a:prstGeom>
-          <a:noFill/>
-        </p:spPr>
-        <p:txBody>
-          <a:bodyPr wrap="square" rtlCol="0">
-            <a:spAutoFit/>
-          </a:bodyPr>
-          <a:lstStyle/>
-          <a:p>
-            <a:r>
-              <a:rPr lang="ko-KR" altLang="en-US" sz="1100" dirty="0" err="1" smtClean="0">
-                <a:solidFill>
-                  <a:schemeClr val="accent1"/>
-                </a:solidFill>
-              </a:rPr>
-              <a:t>미니맵</a:t>
-            </a:r>
-            <a:endParaRPr lang="ko-KR" altLang="en-US" sz="1100" dirty="0">
-              <a:solidFill>
-                <a:schemeClr val="accent1"/>
-              </a:solidFill>
-            </a:endParaRPr>
-          </a:p>
-        </p:txBody>
-      </p:sp>
-      <p:sp>
-        <p:nvSpPr>
-          <p:cNvPr id="23" name="TextBox 22"/>
-          <p:cNvSpPr txBox="1"/>
-          <p:nvPr/>
-        </p:nvSpPr>
-        <p:spPr>
-          <a:xfrm>
-            <a:off x="7856422" y="5769174"/>
-            <a:ext cx="919987" cy="261610"/>
-          </a:xfrm>
-          <a:prstGeom prst="rect">
-            <a:avLst/>
-          </a:prstGeom>
-          <a:noFill/>
-        </p:spPr>
-        <p:txBody>
-          <a:bodyPr wrap="square" rtlCol="0">
-            <a:spAutoFit/>
-          </a:bodyPr>
-          <a:lstStyle/>
-          <a:p>
-            <a:r>
-              <a:rPr lang="ko-KR" altLang="en-US" sz="1100" dirty="0" smtClean="0">
-                <a:solidFill>
-                  <a:schemeClr val="accent1"/>
-                </a:solidFill>
-              </a:rPr>
-              <a:t>현재위치</a:t>
-            </a:r>
-            <a:endParaRPr lang="ko-KR" altLang="en-US" sz="1100" dirty="0">
-              <a:solidFill>
-                <a:schemeClr val="accent1"/>
-              </a:solidFill>
-            </a:endParaRPr>
-          </a:p>
-        </p:txBody>
-      </p:sp>
-      <p:sp>
-        <p:nvSpPr>
-          <p:cNvPr id="26" name="TextBox 25"/>
-          <p:cNvSpPr txBox="1"/>
-          <p:nvPr/>
-        </p:nvSpPr>
-        <p:spPr>
-          <a:xfrm>
-            <a:off x="3275856" y="5681587"/>
-            <a:ext cx="919987" cy="261610"/>
-          </a:xfrm>
-          <a:prstGeom prst="rect">
-            <a:avLst/>
-          </a:prstGeom>
-          <a:noFill/>
-        </p:spPr>
-        <p:txBody>
-          <a:bodyPr wrap="square" rtlCol="0">
-            <a:spAutoFit/>
-          </a:bodyPr>
-          <a:lstStyle/>
-          <a:p>
-            <a:r>
-              <a:rPr lang="ko-KR" altLang="en-US" sz="1100" dirty="0" smtClean="0">
-                <a:solidFill>
-                  <a:schemeClr val="accent1"/>
-                </a:solidFill>
-              </a:rPr>
-              <a:t>플레이어 </a:t>
-            </a:r>
-            <a:r>
-              <a:rPr lang="en-US" altLang="ko-KR" sz="1100" dirty="0" smtClean="0">
-                <a:solidFill>
-                  <a:schemeClr val="accent1"/>
-                </a:solidFill>
-              </a:rPr>
-              <a:t>1</a:t>
-            </a:r>
-            <a:endParaRPr lang="ko-KR" altLang="en-US" sz="1100" dirty="0">
-              <a:solidFill>
-                <a:schemeClr val="accent1"/>
-              </a:solidFill>
-            </a:endParaRPr>
-          </a:p>
-        </p:txBody>
-      </p:sp>
-      <p:sp>
-        <p:nvSpPr>
-          <p:cNvPr id="31" name="TextBox 30"/>
-          <p:cNvSpPr txBox="1"/>
-          <p:nvPr/>
-        </p:nvSpPr>
-        <p:spPr>
-          <a:xfrm>
-            <a:off x="1202508" y="5661248"/>
-            <a:ext cx="919987" cy="261610"/>
-          </a:xfrm>
-          <a:prstGeom prst="rect">
-            <a:avLst/>
-          </a:prstGeom>
-          <a:noFill/>
-        </p:spPr>
-        <p:txBody>
-          <a:bodyPr wrap="square" rtlCol="0">
-            <a:spAutoFit/>
-          </a:bodyPr>
-          <a:lstStyle/>
-          <a:p>
-            <a:r>
-              <a:rPr lang="ko-KR" altLang="en-US" sz="1100" dirty="0" smtClean="0">
-                <a:solidFill>
-                  <a:schemeClr val="accent1"/>
-                </a:solidFill>
-              </a:rPr>
-              <a:t>플레이어 </a:t>
-            </a:r>
-            <a:r>
-              <a:rPr lang="en-US" altLang="ko-KR" sz="1100" dirty="0">
-                <a:solidFill>
-                  <a:schemeClr val="accent1"/>
-                </a:solidFill>
-              </a:rPr>
-              <a:t>2</a:t>
-            </a:r>
-            <a:endParaRPr lang="ko-KR" altLang="en-US" sz="1100" dirty="0">
-              <a:solidFill>
-                <a:schemeClr val="accent1"/>
-              </a:solidFill>
-            </a:endParaRPr>
-          </a:p>
-        </p:txBody>
-      </p:sp>
-      <p:pic>
-        <p:nvPicPr>
-          <p:cNvPr id="32" name="그림 31"/>
-          <p:cNvPicPr>
-            <a:picLocks noChangeAspect="1"/>
-          </p:cNvPicPr>
-          <p:nvPr/>
-        </p:nvPicPr>
-        <p:blipFill>
-          <a:blip r:embed="rId3"/>
-          <a:stretch>
-            <a:fillRect/>
-          </a:stretch>
-        </p:blipFill>
-        <p:spPr>
-          <a:xfrm>
-            <a:off x="161643" y="1840467"/>
-            <a:ext cx="4037908" cy="3493377"/>
-          </a:xfrm>
-          <a:prstGeom prst="rect">
-            <a:avLst/>
-          </a:prstGeom>
-        </p:spPr>
-      </p:pic>
-      <p:cxnSp>
-        <p:nvCxnSpPr>
-          <p:cNvPr id="27" name="직선 화살표 연결선 26"/>
-          <p:cNvCxnSpPr/>
-          <p:nvPr/>
-        </p:nvCxnSpPr>
-        <p:spPr>
-          <a:xfrm flipH="1" flipV="1">
-            <a:off x="1455404" y="3942412"/>
-            <a:ext cx="80137" cy="1776538"/>
-          </a:xfrm>
-          <a:prstGeom prst="straightConnector1">
-            <a:avLst/>
-          </a:prstGeom>
-          <a:ln>
-            <a:tailEnd type="triangle"/>
-          </a:ln>
-        </p:spPr>
-        <p:style>
-          <a:lnRef idx="1">
-            <a:schemeClr val="accent1"/>
-          </a:lnRef>
-          <a:fillRef idx="0">
-            <a:schemeClr val="accent1"/>
-          </a:fillRef>
-          <a:effectRef idx="0">
-            <a:schemeClr val="accent1"/>
-          </a:effectRef>
-          <a:fontRef idx="minor">
-            <a:schemeClr val="tx1"/>
-          </a:fontRef>
-        </p:style>
-      </p:cxnSp>
-      <p:cxnSp>
-        <p:nvCxnSpPr>
-          <p:cNvPr id="25" name="직선 화살표 연결선 24"/>
-          <p:cNvCxnSpPr/>
-          <p:nvPr/>
-        </p:nvCxnSpPr>
-        <p:spPr>
-          <a:xfrm flipH="1" flipV="1">
-            <a:off x="2582492" y="3614358"/>
-            <a:ext cx="1023638" cy="2088232"/>
-          </a:xfrm>
-          <a:prstGeom prst="straightConnector1">
-            <a:avLst/>
-          </a:prstGeom>
-          <a:ln>
-            <a:tailEnd type="triangle"/>
-          </a:ln>
-        </p:spPr>
-        <p:style>
-          <a:lnRef idx="1">
-            <a:schemeClr val="accent1"/>
-          </a:lnRef>
-          <a:fillRef idx="0">
-            <a:schemeClr val="accent1"/>
-          </a:fillRef>
-          <a:effectRef idx="0">
-            <a:schemeClr val="accent1"/>
-          </a:effectRef>
-          <a:fontRef idx="minor">
-            <a:schemeClr val="tx1"/>
-          </a:fontRef>
-        </p:style>
-      </p:cxnSp>
-      <p:pic>
-        <p:nvPicPr>
-          <p:cNvPr id="34" name="그림 33"/>
-          <p:cNvPicPr>
-            <a:picLocks noChangeAspect="1"/>
-          </p:cNvPicPr>
-          <p:nvPr/>
-        </p:nvPicPr>
-        <p:blipFill>
-          <a:blip r:embed="rId3"/>
-          <a:stretch>
-            <a:fillRect/>
-          </a:stretch>
-        </p:blipFill>
-        <p:spPr>
-          <a:xfrm>
-            <a:off x="7976136" y="4587565"/>
-            <a:ext cx="910011" cy="787292"/>
-          </a:xfrm>
-          <a:prstGeom prst="rect">
-            <a:avLst/>
-          </a:prstGeom>
-        </p:spPr>
-      </p:pic>
-      <p:cxnSp>
-        <p:nvCxnSpPr>
-          <p:cNvPr id="22" name="직선 화살표 연결선 21"/>
-          <p:cNvCxnSpPr>
-            <a:endCxn id="20" idx="3"/>
-          </p:cNvCxnSpPr>
-          <p:nvPr/>
-        </p:nvCxnSpPr>
-        <p:spPr>
-          <a:xfrm flipV="1">
-            <a:off x="8316416" y="5002631"/>
-            <a:ext cx="154561" cy="802633"/>
-          </a:xfrm>
-          <a:prstGeom prst="straightConnector1">
-            <a:avLst/>
-          </a:prstGeom>
-          <a:ln>
-            <a:tailEnd type="triangle"/>
-          </a:ln>
-        </p:spPr>
-        <p:style>
-          <a:lnRef idx="1">
-            <a:schemeClr val="accent1"/>
-          </a:lnRef>
-          <a:fillRef idx="0">
-            <a:schemeClr val="accent1"/>
-          </a:fillRef>
-          <a:effectRef idx="0">
-            <a:schemeClr val="accent1"/>
-          </a:effectRef>
-          <a:fontRef idx="minor">
-            <a:schemeClr val="tx1"/>
-          </a:fontRef>
-        </p:style>
-      </p:cxnSp>
-      <p:sp>
-        <p:nvSpPr>
-          <p:cNvPr id="20" name="타원 19"/>
+          <p:cNvPr id="3" name="직사각형 2"/>
           <p:cNvSpPr/>
           <p:nvPr/>
         </p:nvSpPr>
         <p:spPr>
           <a:xfrm>
-            <a:off x="8460432" y="4941168"/>
-            <a:ext cx="72008" cy="72008"/>
+            <a:off x="755576" y="1412775"/>
+            <a:ext cx="7686600" cy="4967514"/>
           </a:xfrm>
-          <a:prstGeom prst="ellipse">
+          <a:prstGeom prst="rect">
             <a:avLst/>
           </a:prstGeom>
-          <a:solidFill>
-            <a:srgbClr val="FF0000"/>
-          </a:solidFill>
+          <a:ln>
+            <a:noFill/>
+          </a:ln>
+          <a:effectLst>
+            <a:glow rad="228600">
+              <a:srgbClr val="FFFF00">
+                <a:alpha val="40000"/>
+              </a:srgbClr>
+            </a:glow>
+            <a:outerShdw blurRad="44450" dist="27940" dir="5400000" algn="ctr">
+              <a:srgbClr val="000000">
+                <a:alpha val="32000"/>
+              </a:srgbClr>
+            </a:outerShdw>
+          </a:effectLst>
+          <a:scene3d>
+            <a:camera prst="orthographicFront">
+              <a:rot lat="0" lon="0" rev="0"/>
+            </a:camera>
+            <a:lightRig rig="balanced" dir="t">
+              <a:rot lat="0" lon="0" rev="8700000"/>
+            </a:lightRig>
+          </a:scene3d>
+          <a:sp3d>
+            <a:bevelT w="190500" h="38100"/>
+          </a:sp3d>
         </p:spPr>
         <p:style>
-          <a:lnRef idx="2">
-            <a:schemeClr val="accent1">
-              <a:shade val="50000"/>
-            </a:schemeClr>
+          <a:lnRef idx="3">
+            <a:schemeClr val="lt1"/>
           </a:lnRef>
           <a:fillRef idx="1">
-            <a:schemeClr val="accent1"/>
+            <a:schemeClr val="dk1"/>
           </a:fillRef>
-          <a:effectRef idx="0">
-            <a:schemeClr val="accent1"/>
+          <a:effectRef idx="1">
+            <a:schemeClr val="dk1"/>
           </a:effectRef>
           <a:fontRef idx="minor">
             <a:schemeClr val="lt1"/>
           </a:fontRef>
         </p:style>
         <p:txBody>
-          <a:bodyPr rtlCol="0" anchor="ctr"/>
-          <a:lstStyle/>
-          <a:p>
-            <a:pPr algn="ctr"/>
-            <a:endParaRPr lang="ko-KR" altLang="en-US"/>
-          </a:p>
-        </p:txBody>
-      </p:sp>
-      <p:cxnSp>
-        <p:nvCxnSpPr>
-          <p:cNvPr id="18" name="직선 화살표 연결선 17"/>
-          <p:cNvCxnSpPr/>
-          <p:nvPr/>
-        </p:nvCxnSpPr>
-        <p:spPr>
-          <a:xfrm flipV="1">
-            <a:off x="7454567" y="5352935"/>
-            <a:ext cx="504056" cy="432048"/>
-          </a:xfrm>
-          <a:prstGeom prst="straightConnector1">
-            <a:avLst/>
-          </a:prstGeom>
-          <a:ln>
-            <a:tailEnd type="triangle"/>
-          </a:ln>
-        </p:spPr>
-        <p:style>
-          <a:lnRef idx="1">
-            <a:schemeClr val="accent1"/>
-          </a:lnRef>
-          <a:fillRef idx="0">
-            <a:schemeClr val="accent1"/>
-          </a:fillRef>
-          <a:effectRef idx="0">
-            <a:schemeClr val="accent1"/>
-          </a:effectRef>
-          <a:fontRef idx="minor">
-            <a:schemeClr val="tx1"/>
-          </a:fontRef>
-        </p:style>
-      </p:cxnSp>
-      <p:cxnSp>
-        <p:nvCxnSpPr>
-          <p:cNvPr id="36" name="직선 화살표 연결선 35"/>
-          <p:cNvCxnSpPr/>
-          <p:nvPr/>
-        </p:nvCxnSpPr>
-        <p:spPr>
-          <a:xfrm flipV="1">
-            <a:off x="6084168" y="5157192"/>
-            <a:ext cx="576064" cy="823368"/>
-          </a:xfrm>
-          <a:prstGeom prst="straightConnector1">
-            <a:avLst/>
-          </a:prstGeom>
-          <a:ln>
-            <a:tailEnd type="triangle"/>
-          </a:ln>
-        </p:spPr>
-        <p:style>
-          <a:lnRef idx="1">
-            <a:schemeClr val="accent1"/>
-          </a:lnRef>
-          <a:fillRef idx="0">
-            <a:schemeClr val="accent1"/>
-          </a:fillRef>
-          <a:effectRef idx="0">
-            <a:schemeClr val="accent1"/>
-          </a:effectRef>
-          <a:fontRef idx="minor">
-            <a:schemeClr val="tx1"/>
-          </a:fontRef>
-        </p:style>
-      </p:cxnSp>
-      <p:sp>
-        <p:nvSpPr>
-          <p:cNvPr id="37" name="TextBox 36"/>
-          <p:cNvSpPr txBox="1"/>
-          <p:nvPr/>
-        </p:nvSpPr>
-        <p:spPr>
-          <a:xfrm>
-            <a:off x="5400092" y="5973664"/>
-            <a:ext cx="1368152" cy="646331"/>
-          </a:xfrm>
-          <a:prstGeom prst="rect">
-            <a:avLst/>
-          </a:prstGeom>
-          <a:noFill/>
-        </p:spPr>
-        <p:txBody>
-          <a:bodyPr wrap="square" rtlCol="0">
+          <a:bodyPr wrap="square">
             <a:spAutoFit/>
           </a:bodyPr>
           <a:lstStyle/>
           <a:p>
-            <a:r>
-              <a:rPr lang="ko-KR" altLang="en-US" sz="1200" dirty="0" smtClean="0">
-                <a:solidFill>
-                  <a:schemeClr val="accent1"/>
-                </a:solidFill>
-              </a:rPr>
-              <a:t>나의 캐릭터를 보고있는 </a:t>
-            </a:r>
-            <a:r>
-              <a:rPr lang="en-US" altLang="ko-KR" sz="1200" dirty="0" smtClean="0">
-                <a:solidFill>
-                  <a:schemeClr val="accent1"/>
-                </a:solidFill>
+            <a:pPr fontAlgn="base">
+              <a:lnSpc>
+                <a:spcPct val="160000"/>
+              </a:lnSpc>
+            </a:pPr>
+            <a:r>
+              <a:rPr lang="ko-KR" altLang="en-US" kern="0" dirty="0">
+                <a:solidFill>
+                  <a:schemeClr val="bg1"/>
+                </a:solidFill>
+                <a:latin typeface="HY헤드라인M" panose="02030600000101010101" pitchFamily="18" charset="-127"/>
+                <a:ea typeface="HY헤드라인M" panose="02030600000101010101" pitchFamily="18" charset="-127"/>
+              </a:rPr>
+              <a:t>● </a:t>
+            </a:r>
+            <a:r>
+              <a:rPr lang="ko-KR" altLang="en-US" kern="0" dirty="0" smtClean="0">
+                <a:solidFill>
+                  <a:schemeClr val="bg1"/>
+                </a:solidFill>
+                <a:latin typeface="HY헤드라인M" panose="02030600000101010101" pitchFamily="18" charset="-127"/>
+                <a:ea typeface="HY헤드라인M" panose="02030600000101010101" pitchFamily="18" charset="-127"/>
+              </a:rPr>
+              <a:t>장르 </a:t>
+            </a:r>
+            <a:r>
+              <a:rPr lang="en-US" altLang="ko-KR" kern="0" dirty="0" smtClean="0">
+                <a:solidFill>
+                  <a:schemeClr val="bg1"/>
+                </a:solidFill>
+                <a:latin typeface="HY헤드라인M" panose="02030600000101010101" pitchFamily="18" charset="-127"/>
+                <a:ea typeface="HY헤드라인M" panose="02030600000101010101" pitchFamily="18" charset="-127"/>
+              </a:rPr>
+              <a:t>: </a:t>
+            </a:r>
+            <a:r>
+              <a:rPr lang="ko-KR" altLang="en-US" kern="0" dirty="0" smtClean="0">
+                <a:solidFill>
+                  <a:schemeClr val="bg1"/>
+                </a:solidFill>
+                <a:latin typeface="HY헤드라인M" panose="02030600000101010101" pitchFamily="18" charset="-127"/>
+                <a:ea typeface="HY헤드라인M" panose="02030600000101010101" pitchFamily="18" charset="-127"/>
+              </a:rPr>
+              <a:t>아케이드 전략게임</a:t>
+            </a:r>
+            <a:endParaRPr lang="en-US" altLang="ko-KR" kern="0" dirty="0" smtClean="0">
+              <a:solidFill>
+                <a:schemeClr val="bg1"/>
+              </a:solidFill>
+              <a:latin typeface="HY헤드라인M" panose="02030600000101010101" pitchFamily="18" charset="-127"/>
+              <a:ea typeface="HY헤드라인M" panose="02030600000101010101" pitchFamily="18" charset="-127"/>
+            </a:endParaRPr>
+          </a:p>
+          <a:p>
+            <a:pPr fontAlgn="base">
+              <a:lnSpc>
+                <a:spcPct val="160000"/>
+              </a:lnSpc>
+            </a:pPr>
+            <a:r>
+              <a:rPr lang="ko-KR" altLang="en-US" kern="0" dirty="0" smtClean="0">
+                <a:solidFill>
+                  <a:schemeClr val="bg1"/>
+                </a:solidFill>
+                <a:latin typeface="HY헤드라인M" panose="02030600000101010101" pitchFamily="18" charset="-127"/>
+                <a:ea typeface="HY헤드라인M" panose="02030600000101010101" pitchFamily="18" charset="-127"/>
+              </a:rPr>
+              <a:t>● </a:t>
+            </a:r>
+            <a:r>
+              <a:rPr lang="ko-KR" altLang="en-US" kern="0" dirty="0">
+                <a:solidFill>
+                  <a:schemeClr val="bg1"/>
+                </a:solidFill>
+                <a:latin typeface="HY헤드라인M" panose="02030600000101010101" pitchFamily="18" charset="-127"/>
+                <a:ea typeface="HY헤드라인M" panose="02030600000101010101" pitchFamily="18" charset="-127"/>
+              </a:rPr>
+              <a:t>시점 </a:t>
+            </a:r>
+            <a:r>
+              <a:rPr lang="en-US" altLang="ko-KR" kern="0" dirty="0">
+                <a:solidFill>
+                  <a:schemeClr val="bg1"/>
+                </a:solidFill>
+                <a:latin typeface="HY헤드라인M" panose="02030600000101010101" pitchFamily="18" charset="-127"/>
+                <a:ea typeface="HY헤드라인M" panose="02030600000101010101" pitchFamily="18" charset="-127"/>
+              </a:rPr>
+              <a:t>: 3</a:t>
+            </a:r>
+            <a:r>
+              <a:rPr lang="ko-KR" altLang="en-US" kern="0" dirty="0">
+                <a:solidFill>
+                  <a:schemeClr val="bg1"/>
+                </a:solidFill>
+                <a:latin typeface="HY헤드라인M" panose="02030600000101010101" pitchFamily="18" charset="-127"/>
+                <a:ea typeface="HY헤드라인M" panose="02030600000101010101" pitchFamily="18" charset="-127"/>
+              </a:rPr>
+              <a:t>인칭 </a:t>
+            </a:r>
+            <a:r>
+              <a:rPr lang="ko-KR" altLang="en-US" kern="0" dirty="0" smtClean="0">
+                <a:solidFill>
+                  <a:schemeClr val="bg1"/>
+                </a:solidFill>
+                <a:latin typeface="HY헤드라인M" panose="02030600000101010101" pitchFamily="18" charset="-127"/>
+                <a:ea typeface="HY헤드라인M" panose="02030600000101010101" pitchFamily="18" charset="-127"/>
+              </a:rPr>
+              <a:t>시점</a:t>
+            </a:r>
+            <a:endParaRPr lang="en-US" altLang="ko-KR" kern="0" dirty="0" smtClean="0">
+              <a:solidFill>
+                <a:schemeClr val="bg1"/>
+              </a:solidFill>
+              <a:latin typeface="HY헤드라인M" panose="02030600000101010101" pitchFamily="18" charset="-127"/>
+              <a:ea typeface="HY헤드라인M" panose="02030600000101010101" pitchFamily="18" charset="-127"/>
+            </a:endParaRPr>
+          </a:p>
+          <a:p>
+            <a:pPr fontAlgn="base">
+              <a:lnSpc>
+                <a:spcPct val="160000"/>
+              </a:lnSpc>
+            </a:pPr>
+            <a:r>
+              <a:rPr lang="ko-KR" altLang="en-US" kern="0" dirty="0" smtClean="0">
+                <a:solidFill>
+                  <a:schemeClr val="bg1"/>
+                </a:solidFill>
+                <a:latin typeface="HY헤드라인M" panose="02030600000101010101" pitchFamily="18" charset="-127"/>
+                <a:ea typeface="HY헤드라인M" panose="02030600000101010101" pitchFamily="18" charset="-127"/>
+              </a:rPr>
+              <a:t>● 맵</a:t>
+            </a:r>
+            <a:r>
+              <a:rPr lang="en-US" altLang="ko-KR" kern="0" dirty="0">
+                <a:solidFill>
+                  <a:schemeClr val="bg1"/>
+                </a:solidFill>
+                <a:latin typeface="HY헤드라인M" panose="02030600000101010101" pitchFamily="18" charset="-127"/>
+                <a:ea typeface="HY헤드라인M" panose="02030600000101010101" pitchFamily="18" charset="-127"/>
+              </a:rPr>
+              <a:t> </a:t>
+            </a:r>
+            <a:r>
+              <a:rPr lang="ko-KR" altLang="en-US" kern="0" dirty="0" smtClean="0">
+                <a:solidFill>
+                  <a:schemeClr val="bg1"/>
+                </a:solidFill>
+                <a:latin typeface="HY헤드라인M" panose="02030600000101010101" pitchFamily="18" charset="-127"/>
+                <a:ea typeface="HY헤드라인M" panose="02030600000101010101" pitchFamily="18" charset="-127"/>
+              </a:rPr>
+              <a:t>크기 </a:t>
+            </a:r>
+            <a:r>
+              <a:rPr lang="en-US" altLang="ko-KR" kern="0" dirty="0" smtClean="0">
+                <a:solidFill>
+                  <a:schemeClr val="bg1"/>
+                </a:solidFill>
+                <a:latin typeface="HY헤드라인M" panose="02030600000101010101" pitchFamily="18" charset="-127"/>
+                <a:ea typeface="HY헤드라인M" panose="02030600000101010101" pitchFamily="18" charset="-127"/>
+              </a:rPr>
+              <a:t>: 100 X 100 (</a:t>
+            </a:r>
+            <a:r>
+              <a:rPr lang="ko-KR" altLang="en-US" kern="0" dirty="0" smtClean="0">
+                <a:solidFill>
+                  <a:schemeClr val="bg1"/>
+                </a:solidFill>
+                <a:latin typeface="HY헤드라인M" panose="02030600000101010101" pitchFamily="18" charset="-127"/>
+                <a:ea typeface="HY헤드라인M" panose="02030600000101010101" pitchFamily="18" charset="-127"/>
+              </a:rPr>
+              <a:t>단위 </a:t>
+            </a:r>
+            <a:r>
+              <a:rPr lang="en-US" altLang="ko-KR" kern="0" dirty="0" smtClean="0">
+                <a:solidFill>
+                  <a:schemeClr val="bg1"/>
+                </a:solidFill>
+                <a:latin typeface="HY헤드라인M" panose="02030600000101010101" pitchFamily="18" charset="-127"/>
+                <a:ea typeface="HY헤드라인M" panose="02030600000101010101" pitchFamily="18" charset="-127"/>
+              </a:rPr>
+              <a:t>: m)</a:t>
+            </a:r>
+          </a:p>
+          <a:p>
+            <a:pPr fontAlgn="base">
+              <a:lnSpc>
+                <a:spcPct val="160000"/>
+              </a:lnSpc>
+            </a:pPr>
+            <a:r>
+              <a:rPr lang="en-US" altLang="ko-KR" kern="0" dirty="0" smtClean="0">
+                <a:solidFill>
+                  <a:schemeClr val="bg1"/>
+                </a:solidFill>
+                <a:latin typeface="HY헤드라인M" panose="02030600000101010101" pitchFamily="18" charset="-127"/>
+                <a:ea typeface="HY헤드라인M" panose="02030600000101010101" pitchFamily="18" charset="-127"/>
+              </a:rPr>
+              <a:t>                 Unity</a:t>
+            </a:r>
+            <a:r>
+              <a:rPr lang="ko-KR" altLang="en-US" kern="0" dirty="0" smtClean="0">
+                <a:solidFill>
+                  <a:schemeClr val="bg1"/>
+                </a:solidFill>
+                <a:latin typeface="HY헤드라인M" panose="02030600000101010101" pitchFamily="18" charset="-127"/>
+                <a:ea typeface="HY헤드라인M" panose="02030600000101010101" pitchFamily="18" charset="-127"/>
+              </a:rPr>
+              <a:t>를 이용한 </a:t>
+            </a:r>
+            <a:r>
+              <a:rPr lang="ko-KR" altLang="en-US" kern="0" dirty="0" err="1" smtClean="0">
+                <a:solidFill>
+                  <a:schemeClr val="bg1"/>
+                </a:solidFill>
+                <a:latin typeface="HY헤드라인M" panose="02030600000101010101" pitchFamily="18" charset="-127"/>
+                <a:ea typeface="HY헤드라인M" panose="02030600000101010101" pitchFamily="18" charset="-127"/>
+              </a:rPr>
+              <a:t>맵툴</a:t>
+            </a:r>
+            <a:r>
+              <a:rPr lang="ko-KR" altLang="en-US" kern="0" dirty="0" smtClean="0">
+                <a:solidFill>
+                  <a:schemeClr val="bg1"/>
+                </a:solidFill>
+                <a:latin typeface="HY헤드라인M" panose="02030600000101010101" pitchFamily="18" charset="-127"/>
+                <a:ea typeface="HY헤드라인M" panose="02030600000101010101" pitchFamily="18" charset="-127"/>
+              </a:rPr>
+              <a:t> 제작</a:t>
+            </a:r>
+            <a:endParaRPr lang="en-US" altLang="ko-KR" kern="0" dirty="0" smtClean="0">
+              <a:solidFill>
+                <a:schemeClr val="bg1"/>
+              </a:solidFill>
+              <a:latin typeface="HY헤드라인M" panose="02030600000101010101" pitchFamily="18" charset="-127"/>
+              <a:ea typeface="HY헤드라인M" panose="02030600000101010101" pitchFamily="18" charset="-127"/>
+            </a:endParaRPr>
+          </a:p>
+          <a:p>
+            <a:pPr fontAlgn="base">
+              <a:lnSpc>
+                <a:spcPct val="160000"/>
+              </a:lnSpc>
+            </a:pPr>
+            <a:r>
+              <a:rPr lang="ko-KR" altLang="en-US" kern="0" dirty="0" smtClean="0">
+                <a:solidFill>
+                  <a:schemeClr val="bg1"/>
+                </a:solidFill>
+                <a:latin typeface="HY헤드라인M" panose="02030600000101010101" pitchFamily="18" charset="-127"/>
+                <a:ea typeface="HY헤드라인M" panose="02030600000101010101" pitchFamily="18" charset="-127"/>
+              </a:rPr>
+              <a:t>●플레이어 속도 </a:t>
+            </a:r>
+            <a:r>
+              <a:rPr lang="en-US" altLang="ko-KR" kern="0" dirty="0" smtClean="0">
+                <a:solidFill>
+                  <a:schemeClr val="bg1"/>
+                </a:solidFill>
+                <a:latin typeface="HY헤드라인M" panose="02030600000101010101" pitchFamily="18" charset="-127"/>
+                <a:ea typeface="HY헤드라인M" panose="02030600000101010101" pitchFamily="18" charset="-127"/>
+              </a:rPr>
+              <a:t>: 2m/s</a:t>
+            </a:r>
+          </a:p>
+          <a:p>
+            <a:pPr fontAlgn="base">
+              <a:lnSpc>
+                <a:spcPct val="160000"/>
+              </a:lnSpc>
+            </a:pPr>
+            <a:r>
+              <a:rPr lang="ko-KR" altLang="en-US" kern="0" dirty="0" smtClean="0">
+                <a:solidFill>
+                  <a:schemeClr val="bg1"/>
+                </a:solidFill>
+                <a:latin typeface="HY헤드라인M" panose="02030600000101010101" pitchFamily="18" charset="-127"/>
+                <a:ea typeface="HY헤드라인M" panose="02030600000101010101" pitchFamily="18" charset="-127"/>
+              </a:rPr>
+              <a:t>●예상 플레이 시간</a:t>
+            </a:r>
+            <a:r>
+              <a:rPr lang="en-US" altLang="ko-KR" kern="0" dirty="0">
+                <a:solidFill>
+                  <a:schemeClr val="bg1"/>
+                </a:solidFill>
+                <a:latin typeface="HY헤드라인M" panose="02030600000101010101" pitchFamily="18" charset="-127"/>
+                <a:ea typeface="HY헤드라인M" panose="02030600000101010101" pitchFamily="18" charset="-127"/>
+              </a:rPr>
+              <a:t> </a:t>
+            </a:r>
+            <a:r>
+              <a:rPr lang="en-US" altLang="ko-KR" kern="0" dirty="0" smtClean="0">
+                <a:solidFill>
+                  <a:schemeClr val="bg1"/>
+                </a:solidFill>
+                <a:latin typeface="HY헤드라인M" panose="02030600000101010101" pitchFamily="18" charset="-127"/>
+                <a:ea typeface="HY헤드라인M" panose="02030600000101010101" pitchFamily="18" charset="-127"/>
+              </a:rPr>
+              <a:t>: </a:t>
+            </a:r>
+            <a:r>
+              <a:rPr lang="ko-KR" altLang="en-US" kern="0" dirty="0" smtClean="0">
+                <a:solidFill>
+                  <a:schemeClr val="bg1"/>
+                </a:solidFill>
+                <a:latin typeface="HY헤드라인M" panose="02030600000101010101" pitchFamily="18" charset="-127"/>
+                <a:ea typeface="HY헤드라인M" panose="02030600000101010101" pitchFamily="18" charset="-127"/>
+              </a:rPr>
+              <a:t>게임당 최소 </a:t>
+            </a:r>
+            <a:r>
+              <a:rPr lang="en-US" altLang="ko-KR" kern="0" dirty="0">
+                <a:solidFill>
+                  <a:schemeClr val="bg1"/>
+                </a:solidFill>
+                <a:latin typeface="HY헤드라인M" panose="02030600000101010101" pitchFamily="18" charset="-127"/>
+                <a:ea typeface="HY헤드라인M" panose="02030600000101010101" pitchFamily="18" charset="-127"/>
+              </a:rPr>
+              <a:t>8</a:t>
+            </a:r>
+            <a:r>
+              <a:rPr lang="ko-KR" altLang="en-US" kern="0" dirty="0" smtClean="0">
+                <a:solidFill>
+                  <a:schemeClr val="bg1"/>
+                </a:solidFill>
+                <a:latin typeface="HY헤드라인M" panose="02030600000101010101" pitchFamily="18" charset="-127"/>
+                <a:ea typeface="HY헤드라인M" panose="02030600000101010101" pitchFamily="18" charset="-127"/>
+              </a:rPr>
+              <a:t>분</a:t>
+            </a:r>
+            <a:endParaRPr lang="en-US" altLang="ko-KR" kern="0" dirty="0" smtClean="0">
+              <a:solidFill>
+                <a:schemeClr val="bg1"/>
+              </a:solidFill>
+              <a:latin typeface="HY헤드라인M" panose="02030600000101010101" pitchFamily="18" charset="-127"/>
+              <a:ea typeface="HY헤드라인M" panose="02030600000101010101" pitchFamily="18" charset="-127"/>
+            </a:endParaRPr>
+          </a:p>
+          <a:p>
+            <a:pPr fontAlgn="base">
+              <a:lnSpc>
+                <a:spcPct val="160000"/>
+              </a:lnSpc>
+            </a:pPr>
+            <a:r>
+              <a:rPr lang="ko-KR" altLang="en-US" kern="0" dirty="0">
+                <a:solidFill>
+                  <a:schemeClr val="bg1"/>
+                </a:solidFill>
+                <a:latin typeface="HY헤드라인M" panose="02030600000101010101" pitchFamily="18" charset="-127"/>
+                <a:ea typeface="HY헤드라인M" panose="02030600000101010101" pitchFamily="18" charset="-127"/>
+              </a:rPr>
+              <a:t>● 플레이어</a:t>
+            </a:r>
+            <a:r>
+              <a:rPr lang="en-US" altLang="ko-KR" kern="0" dirty="0">
+                <a:solidFill>
+                  <a:schemeClr val="bg1"/>
+                </a:solidFill>
+                <a:latin typeface="HY헤드라인M" panose="02030600000101010101" pitchFamily="18" charset="-127"/>
+                <a:ea typeface="HY헤드라인M" panose="02030600000101010101" pitchFamily="18" charset="-127"/>
+              </a:rPr>
+              <a:t>, </a:t>
+            </a:r>
+            <a:r>
+              <a:rPr lang="ko-KR" altLang="en-US" kern="0" dirty="0">
+                <a:solidFill>
+                  <a:schemeClr val="bg1"/>
+                </a:solidFill>
+                <a:latin typeface="HY헤드라인M" panose="02030600000101010101" pitchFamily="18" charset="-127"/>
+                <a:ea typeface="HY헤드라인M" panose="02030600000101010101" pitchFamily="18" charset="-127"/>
+              </a:rPr>
+              <a:t>몬스터</a:t>
+            </a:r>
+            <a:endParaRPr lang="en-US" altLang="ko-KR" kern="0" dirty="0">
+              <a:solidFill>
+                <a:schemeClr val="bg1"/>
+              </a:solidFill>
+              <a:latin typeface="HY헤드라인M" panose="02030600000101010101" pitchFamily="18" charset="-127"/>
+              <a:ea typeface="HY헤드라인M" panose="02030600000101010101" pitchFamily="18" charset="-127"/>
+            </a:endParaRPr>
+          </a:p>
+          <a:p>
+            <a:pPr fontAlgn="base">
+              <a:lnSpc>
+                <a:spcPct val="160000"/>
+              </a:lnSpc>
+            </a:pPr>
+            <a:r>
+              <a:rPr lang="ko-KR" altLang="en-US" kern="0" dirty="0">
+                <a:solidFill>
+                  <a:schemeClr val="bg1"/>
+                </a:solidFill>
+                <a:latin typeface="HY헤드라인M" panose="02030600000101010101" pitchFamily="18" charset="-127"/>
+                <a:ea typeface="HY헤드라인M" panose="02030600000101010101" pitchFamily="18" charset="-127"/>
+              </a:rPr>
+              <a:t>플레이어</a:t>
+            </a:r>
+            <a:r>
+              <a:rPr lang="en-US" altLang="ko-KR" kern="0" dirty="0">
+                <a:solidFill>
+                  <a:schemeClr val="bg1"/>
+                </a:solidFill>
+                <a:latin typeface="HY헤드라인M" panose="02030600000101010101" pitchFamily="18" charset="-127"/>
+                <a:ea typeface="HY헤드라인M" panose="02030600000101010101" pitchFamily="18" charset="-127"/>
+              </a:rPr>
+              <a:t>, </a:t>
+            </a:r>
+            <a:r>
+              <a:rPr lang="ko-KR" altLang="en-US" kern="0" dirty="0">
+                <a:solidFill>
+                  <a:schemeClr val="bg1"/>
+                </a:solidFill>
+                <a:latin typeface="HY헤드라인M" panose="02030600000101010101" pitchFamily="18" charset="-127"/>
+                <a:ea typeface="HY헤드라인M" panose="02030600000101010101" pitchFamily="18" charset="-127"/>
+              </a:rPr>
+              <a:t>몬스터가 임의로 할당 받을 수 있는 캐릭터 종류는 </a:t>
+            </a:r>
+            <a:r>
+              <a:rPr lang="en-US" altLang="ko-KR" kern="0" dirty="0">
+                <a:solidFill>
+                  <a:schemeClr val="bg1"/>
+                </a:solidFill>
+                <a:latin typeface="HY헤드라인M" panose="02030600000101010101" pitchFamily="18" charset="-127"/>
+                <a:ea typeface="HY헤드라인M" panose="02030600000101010101" pitchFamily="18" charset="-127"/>
               </a:rPr>
               <a:t>3</a:t>
             </a:r>
             <a:r>
-              <a:rPr lang="ko-KR" altLang="en-US" sz="1200" dirty="0" err="1" smtClean="0">
-                <a:solidFill>
-                  <a:schemeClr val="accent1"/>
-                </a:solidFill>
-              </a:rPr>
-              <a:t>인칭카메라</a:t>
-            </a:r>
-            <a:endParaRPr lang="ko-KR" altLang="en-US" sz="1200" dirty="0">
+              <a:rPr lang="ko-KR" altLang="en-US" kern="0" dirty="0">
+                <a:solidFill>
+                  <a:schemeClr val="bg1"/>
+                </a:solidFill>
+                <a:latin typeface="HY헤드라인M" panose="02030600000101010101" pitchFamily="18" charset="-127"/>
+                <a:ea typeface="HY헤드라인M" panose="02030600000101010101" pitchFamily="18" charset="-127"/>
+              </a:rPr>
+              <a:t>가지</a:t>
+            </a:r>
+            <a:endParaRPr lang="en-US" altLang="ko-KR" kern="0" dirty="0">
               <a:solidFill>
-                <a:schemeClr val="accent1"/>
+                <a:schemeClr val="bg1"/>
               </a:solidFill>
+              <a:latin typeface="HY헤드라인M" panose="02030600000101010101" pitchFamily="18" charset="-127"/>
+              <a:ea typeface="HY헤드라인M" panose="02030600000101010101" pitchFamily="18" charset="-127"/>
+            </a:endParaRPr>
+          </a:p>
+          <a:p>
+            <a:pPr fontAlgn="base">
+              <a:lnSpc>
+                <a:spcPct val="160000"/>
+              </a:lnSpc>
+            </a:pPr>
+            <a:r>
+              <a:rPr lang="ko-KR" altLang="en-US" kern="0" dirty="0">
+                <a:solidFill>
+                  <a:schemeClr val="bg1"/>
+                </a:solidFill>
+                <a:latin typeface="HY헤드라인M" panose="02030600000101010101" pitchFamily="18" charset="-127"/>
+                <a:ea typeface="HY헤드라인M" panose="02030600000101010101" pitchFamily="18" charset="-127"/>
+              </a:rPr>
+              <a:t>걷기 속도는 </a:t>
+            </a:r>
+            <a:r>
+              <a:rPr lang="en-US" altLang="ko-KR" kern="0" dirty="0">
+                <a:solidFill>
+                  <a:schemeClr val="bg1"/>
+                </a:solidFill>
+                <a:latin typeface="HY헤드라인M" panose="02030600000101010101" pitchFamily="18" charset="-127"/>
+                <a:ea typeface="HY헤드라인M" panose="02030600000101010101" pitchFamily="18" charset="-127"/>
+              </a:rPr>
+              <a:t>2m/s, </a:t>
+            </a:r>
+            <a:r>
+              <a:rPr lang="ko-KR" altLang="en-US" kern="0" dirty="0">
+                <a:solidFill>
+                  <a:schemeClr val="bg1"/>
+                </a:solidFill>
+                <a:latin typeface="HY헤드라인M" panose="02030600000101010101" pitchFamily="18" charset="-127"/>
+                <a:ea typeface="HY헤드라인M" panose="02030600000101010101" pitchFamily="18" charset="-127"/>
+              </a:rPr>
+              <a:t>달리기 속도는 </a:t>
+            </a:r>
+            <a:r>
+              <a:rPr lang="en-US" altLang="ko-KR" kern="0" dirty="0">
+                <a:solidFill>
+                  <a:schemeClr val="bg1"/>
+                </a:solidFill>
+                <a:latin typeface="HY헤드라인M" panose="02030600000101010101" pitchFamily="18" charset="-127"/>
+                <a:ea typeface="HY헤드라인M" panose="02030600000101010101" pitchFamily="18" charset="-127"/>
+              </a:rPr>
+              <a:t>5m/s</a:t>
+            </a:r>
+          </a:p>
+          <a:p>
+            <a:pPr fontAlgn="base">
+              <a:lnSpc>
+                <a:spcPct val="160000"/>
+              </a:lnSpc>
+            </a:pPr>
+            <a:r>
+              <a:rPr lang="ko-KR" altLang="en-US" kern="0" dirty="0">
+                <a:solidFill>
+                  <a:schemeClr val="bg1"/>
+                </a:solidFill>
+                <a:latin typeface="HY헤드라인M" panose="02030600000101010101" pitchFamily="18" charset="-127"/>
+                <a:ea typeface="HY헤드라인M" panose="02030600000101010101" pitchFamily="18" charset="-127"/>
+              </a:rPr>
+              <a:t>상태</a:t>
+            </a:r>
+            <a:r>
+              <a:rPr lang="en-US" altLang="ko-KR" kern="0" dirty="0">
+                <a:solidFill>
+                  <a:schemeClr val="bg1"/>
+                </a:solidFill>
+                <a:latin typeface="HY헤드라인M" panose="02030600000101010101" pitchFamily="18" charset="-127"/>
+                <a:ea typeface="HY헤드라인M" panose="02030600000101010101" pitchFamily="18" charset="-127"/>
+              </a:rPr>
+              <a:t>(</a:t>
+            </a:r>
+            <a:r>
+              <a:rPr lang="ko-KR" altLang="en-US" kern="0" dirty="0">
+                <a:solidFill>
+                  <a:schemeClr val="bg1"/>
+                </a:solidFill>
+                <a:latin typeface="HY헤드라인M" panose="02030600000101010101" pitchFamily="18" charset="-127"/>
+                <a:ea typeface="HY헤드라인M" panose="02030600000101010101" pitchFamily="18" charset="-127"/>
+              </a:rPr>
+              <a:t>애니메이션</a:t>
+            </a:r>
+            <a:r>
+              <a:rPr lang="en-US" altLang="ko-KR" kern="0" dirty="0">
+                <a:solidFill>
+                  <a:schemeClr val="bg1"/>
+                </a:solidFill>
+                <a:latin typeface="HY헤드라인M" panose="02030600000101010101" pitchFamily="18" charset="-127"/>
+                <a:ea typeface="HY헤드라인M" panose="02030600000101010101" pitchFamily="18" charset="-127"/>
+              </a:rPr>
+              <a:t>) : Idle, Walk, Run, Attack, </a:t>
+            </a:r>
+            <a:r>
+              <a:rPr lang="en-US" altLang="ko-KR" kern="0" dirty="0" smtClean="0">
+                <a:solidFill>
+                  <a:schemeClr val="bg1"/>
+                </a:solidFill>
+                <a:latin typeface="HY헤드라인M" panose="02030600000101010101" pitchFamily="18" charset="-127"/>
+                <a:ea typeface="HY헤드라인M" panose="02030600000101010101" pitchFamily="18" charset="-127"/>
+              </a:rPr>
+              <a:t>Death(Asset store)</a:t>
+            </a:r>
+            <a:endParaRPr lang="ko-KR" altLang="en-US" kern="0" dirty="0">
+              <a:solidFill>
+                <a:schemeClr val="bg1"/>
+              </a:solidFill>
+              <a:latin typeface="HY헤드라인M" panose="02030600000101010101" pitchFamily="18" charset="-127"/>
+              <a:ea typeface="HY헤드라인M" panose="02030600000101010101" pitchFamily="18" charset="-127"/>
+            </a:endParaRPr>
+          </a:p>
+          <a:p>
+            <a:pPr fontAlgn="base">
+              <a:lnSpc>
+                <a:spcPct val="160000"/>
+              </a:lnSpc>
+            </a:pPr>
+            <a:endParaRPr lang="en-US" altLang="ko-KR" kern="0" dirty="0" smtClean="0">
+              <a:solidFill>
+                <a:schemeClr val="bg1"/>
+              </a:solidFill>
+              <a:latin typeface="HY헤드라인M" panose="02030600000101010101" pitchFamily="18" charset="-127"/>
+              <a:ea typeface="HY헤드라인M" panose="02030600000101010101" pitchFamily="18" charset="-127"/>
             </a:endParaRPr>
           </a:p>
         </p:txBody>
@@ -20094,7 +20345,7 @@
     </p:spTree>
     <p:extLst>
       <p:ext uri="{BB962C8B-B14F-4D97-AF65-F5344CB8AC3E}">
-        <p14:creationId xmlns:p14="http://schemas.microsoft.com/office/powerpoint/2010/main" val="2972245103"/>
+        <p14:creationId xmlns:p14="http://schemas.microsoft.com/office/powerpoint/2010/main" val="2465411169"/>
       </p:ext>
     </p:extLst>
   </p:cSld>
@@ -20424,1069 +20675,79 @@
           </a:p>
         </p:txBody>
       </p:sp>
-      <p:pic>
-        <p:nvPicPr>
-          <p:cNvPr id="14" name="그림 13"/>
-          <p:cNvPicPr>
-            <a:picLocks noChangeAspect="1"/>
-          </p:cNvPicPr>
-          <p:nvPr/>
-        </p:nvPicPr>
-        <p:blipFill>
-          <a:blip r:embed="rId2"/>
-          <a:stretch>
-            <a:fillRect/>
-          </a:stretch>
-        </p:blipFill>
-        <p:spPr>
-          <a:xfrm>
-            <a:off x="1743928" y="2123739"/>
-            <a:ext cx="5985754" cy="4697997"/>
-          </a:xfrm>
-          <a:prstGeom prst="rect">
-            <a:avLst/>
-          </a:prstGeom>
-        </p:spPr>
-      </p:pic>
       <p:sp>
         <p:nvSpPr>
-          <p:cNvPr id="15" name="TextBox 14"/>
-          <p:cNvSpPr txBox="1"/>
+          <p:cNvPr id="4" name="Rectangle 2"/>
+          <p:cNvSpPr>
+            <a:spLocks noChangeArrowheads="1"/>
+          </p:cNvSpPr>
           <p:nvPr/>
         </p:nvSpPr>
-        <p:spPr>
+        <p:spPr bwMode="auto">
           <a:xfrm>
-            <a:off x="6863132" y="2162463"/>
-            <a:ext cx="1521159" cy="215444"/>
+            <a:off x="539552" y="4039322"/>
+            <a:ext cx="6136264" cy="214550"/>
           </a:xfrm>
           <a:prstGeom prst="rect">
             <a:avLst/>
           </a:prstGeom>
           <a:noFill/>
+          <a:ln>
+            <a:noFill/>
+          </a:ln>
+          <a:effectLst/>
+          <a:extLst>
+            <a:ext uri="{909E8E84-426E-40DD-AFC4-6F175D3DCCD1}">
+              <a14:hiddenFill xmlns:a14="http://schemas.microsoft.com/office/drawing/2010/main">
+                <a:solidFill>
+                  <a:schemeClr val="accent1"/>
+                </a:solidFill>
+              </a14:hiddenFill>
+            </a:ext>
+            <a:ext uri="{91240B29-F687-4F45-9708-019B960494DF}">
+              <a14:hiddenLine xmlns:a14="http://schemas.microsoft.com/office/drawing/2010/main" w="9525">
+                <a:solidFill>
+                  <a:schemeClr val="tx1"/>
+                </a:solidFill>
+                <a:miter lim="800000"/>
+                <a:headEnd/>
+                <a:tailEnd/>
+              </a14:hiddenLine>
+            </a:ext>
+            <a:ext uri="{AF507438-7753-43E0-B8FC-AC1667EBCBE1}">
+              <a14:hiddenEffects xmlns:a14="http://schemas.microsoft.com/office/drawing/2010/main">
+                <a:effectLst>
+                  <a:outerShdw dist="35921" dir="2700000" algn="ctr" rotWithShape="0">
+                    <a:schemeClr val="bg2"/>
+                  </a:outerShdw>
+                </a:effectLst>
+              </a14:hiddenEffects>
+            </a:ext>
+          </a:extLst>
         </p:spPr>
         <p:txBody>
-          <a:bodyPr wrap="square" rtlCol="0">
+          <a:bodyPr vert="horz" wrap="square" lIns="91440" tIns="45720" rIns="91440" bIns="45720" numCol="1" anchor="ctr" anchorCtr="0" compatLnSpc="1">
+            <a:prstTxWarp prst="textNoShape">
+              <a:avLst/>
+            </a:prstTxWarp>
             <a:spAutoFit/>
           </a:bodyPr>
           <a:lstStyle/>
           <a:p>
-            <a:r>
-              <a:rPr lang="ko-KR" altLang="en-US" sz="800" dirty="0" err="1" smtClean="0">
-                <a:solidFill>
-                  <a:schemeClr val="bg1"/>
-                </a:solidFill>
-                <a:effectLst>
-                  <a:glow rad="228600">
-                    <a:schemeClr val="accent1">
-                      <a:satMod val="175000"/>
-                      <a:alpha val="40000"/>
-                    </a:schemeClr>
-                  </a:glow>
-                </a:effectLst>
-              </a:rPr>
-              <a:t>흐른시간</a:t>
-            </a:r>
-            <a:r>
-              <a:rPr lang="ko-KR" altLang="en-US" sz="800" dirty="0" smtClean="0">
-                <a:solidFill>
-                  <a:schemeClr val="bg1"/>
-                </a:solidFill>
-                <a:effectLst>
-                  <a:glow rad="228600">
-                    <a:schemeClr val="accent1">
-                      <a:satMod val="175000"/>
-                      <a:alpha val="40000"/>
-                    </a:schemeClr>
-                  </a:glow>
-                </a:effectLst>
-              </a:rPr>
-              <a:t> </a:t>
-            </a:r>
-            <a:r>
-              <a:rPr lang="en-US" altLang="ko-KR" sz="800" dirty="0" smtClean="0">
-                <a:solidFill>
-                  <a:schemeClr val="bg1"/>
-                </a:solidFill>
-                <a:effectLst>
-                  <a:glow rad="228600">
-                    <a:schemeClr val="accent1">
-                      <a:satMod val="175000"/>
-                      <a:alpha val="40000"/>
-                    </a:schemeClr>
-                  </a:glow>
-                </a:effectLst>
-              </a:rPr>
-              <a:t>0:00</a:t>
-            </a:r>
-            <a:endParaRPr lang="ko-KR" altLang="en-US" sz="800" dirty="0"/>
+            <a:endParaRPr lang="ko-KR" altLang="en-US"/>
           </a:p>
         </p:txBody>
       </p:sp>
       <p:pic>
         <p:nvPicPr>
-          <p:cNvPr id="16" name="그림 15"/>
-          <p:cNvPicPr>
-            <a:picLocks noChangeAspect="1"/>
-          </p:cNvPicPr>
-          <p:nvPr/>
-        </p:nvPicPr>
-        <p:blipFill>
-          <a:blip r:embed="rId3"/>
-          <a:stretch>
-            <a:fillRect/>
-          </a:stretch>
-        </p:blipFill>
-        <p:spPr>
-          <a:xfrm>
-            <a:off x="6528191" y="5782271"/>
-            <a:ext cx="1201491" cy="1039465"/>
-          </a:xfrm>
-          <a:prstGeom prst="rect">
-            <a:avLst/>
-          </a:prstGeom>
-        </p:spPr>
-      </p:pic>
-      <p:sp>
-        <p:nvSpPr>
-          <p:cNvPr id="2" name="직사각형 1"/>
-          <p:cNvSpPr/>
-          <p:nvPr/>
-        </p:nvSpPr>
-        <p:spPr>
-          <a:xfrm>
-            <a:off x="1727684" y="2121530"/>
-            <a:ext cx="5966944" cy="4700206"/>
-          </a:xfrm>
-          <a:prstGeom prst="rect">
-            <a:avLst/>
-          </a:prstGeom>
-          <a:solidFill>
-            <a:srgbClr val="868686">
-              <a:alpha val="40000"/>
-            </a:srgbClr>
-          </a:solidFill>
-        </p:spPr>
-        <p:style>
-          <a:lnRef idx="2">
-            <a:schemeClr val="accent1">
-              <a:shade val="50000"/>
-            </a:schemeClr>
-          </a:lnRef>
-          <a:fillRef idx="1">
-            <a:schemeClr val="accent1"/>
-          </a:fillRef>
-          <a:effectRef idx="0">
-            <a:schemeClr val="accent1"/>
-          </a:effectRef>
-          <a:fontRef idx="minor">
-            <a:schemeClr val="lt1"/>
-          </a:fontRef>
-        </p:style>
-        <p:txBody>
-          <a:bodyPr rtlCol="0" anchor="ctr"/>
-          <a:lstStyle/>
-          <a:p>
-            <a:pPr algn="ctr"/>
-            <a:endParaRPr lang="ko-KR" altLang="en-US"/>
-          </a:p>
-        </p:txBody>
-      </p:sp>
-      <p:sp>
-        <p:nvSpPr>
-          <p:cNvPr id="5" name="TextBox 4"/>
-          <p:cNvSpPr txBox="1"/>
-          <p:nvPr/>
-        </p:nvSpPr>
-        <p:spPr>
-          <a:xfrm>
-            <a:off x="2339752" y="2371324"/>
-            <a:ext cx="4908616" cy="2308324"/>
-          </a:xfrm>
-          <a:prstGeom prst="rect">
-            <a:avLst/>
-          </a:prstGeom>
-          <a:noFill/>
-        </p:spPr>
-        <p:txBody>
-          <a:bodyPr wrap="square" rtlCol="0">
-            <a:spAutoFit/>
-          </a:bodyPr>
-          <a:lstStyle/>
-          <a:p>
-            <a:r>
-              <a:rPr lang="en-US" altLang="ko-KR" dirty="0" smtClean="0"/>
-              <a:t>(ID) : </a:t>
-            </a:r>
-            <a:r>
-              <a:rPr lang="ko-KR" altLang="en-US" dirty="0"/>
-              <a:t> </a:t>
-            </a:r>
-            <a:r>
-              <a:rPr lang="en-US" altLang="ko-KR" dirty="0" smtClean="0"/>
-              <a:t>kill(monster): 2  kill(player): 0</a:t>
-            </a:r>
-          </a:p>
-          <a:p>
-            <a:r>
-              <a:rPr lang="en-US" altLang="ko-KR" dirty="0"/>
-              <a:t>(ID) : </a:t>
-            </a:r>
-            <a:r>
-              <a:rPr lang="ko-KR" altLang="en-US" dirty="0"/>
-              <a:t> </a:t>
-            </a:r>
-            <a:r>
-              <a:rPr lang="en-US" altLang="ko-KR" dirty="0"/>
-              <a:t>kill(monster): </a:t>
-            </a:r>
-            <a:r>
-              <a:rPr lang="en-US" altLang="ko-KR" dirty="0" smtClean="0"/>
-              <a:t>1  </a:t>
-            </a:r>
-            <a:r>
-              <a:rPr lang="en-US" altLang="ko-KR" dirty="0"/>
-              <a:t>kill(player): </a:t>
-            </a:r>
-            <a:r>
-              <a:rPr lang="en-US" altLang="ko-KR" dirty="0" smtClean="0"/>
-              <a:t>0</a:t>
-            </a:r>
-          </a:p>
-          <a:p>
-            <a:r>
-              <a:rPr lang="en-US" altLang="ko-KR" dirty="0">
-                <a:solidFill>
-                  <a:schemeClr val="accent2"/>
-                </a:solidFill>
-              </a:rPr>
-              <a:t>(ID) : </a:t>
-            </a:r>
-            <a:r>
-              <a:rPr lang="ko-KR" altLang="en-US" dirty="0">
-                <a:solidFill>
-                  <a:schemeClr val="accent2"/>
-                </a:solidFill>
-              </a:rPr>
-              <a:t> </a:t>
-            </a:r>
-            <a:r>
-              <a:rPr lang="en-US" altLang="ko-KR" dirty="0">
-                <a:solidFill>
-                  <a:schemeClr val="accent2"/>
-                </a:solidFill>
-              </a:rPr>
-              <a:t>kill(monster): </a:t>
-            </a:r>
-            <a:r>
-              <a:rPr lang="en-US" altLang="ko-KR" dirty="0" smtClean="0">
-                <a:solidFill>
-                  <a:schemeClr val="accent2"/>
-                </a:solidFill>
-              </a:rPr>
-              <a:t>0  </a:t>
-            </a:r>
-            <a:r>
-              <a:rPr lang="en-US" altLang="ko-KR" dirty="0">
-                <a:solidFill>
-                  <a:schemeClr val="accent2"/>
-                </a:solidFill>
-              </a:rPr>
-              <a:t>kill(player): 1</a:t>
-            </a:r>
-            <a:endParaRPr lang="en-US" altLang="ko-KR" dirty="0" smtClean="0">
-              <a:solidFill>
-                <a:schemeClr val="accent2"/>
-              </a:solidFill>
-            </a:endParaRPr>
-          </a:p>
-          <a:p>
-            <a:r>
-              <a:rPr lang="en-US" altLang="ko-KR" dirty="0"/>
-              <a:t>(ID) : </a:t>
-            </a:r>
-            <a:r>
-              <a:rPr lang="ko-KR" altLang="en-US" dirty="0"/>
-              <a:t> </a:t>
-            </a:r>
-            <a:r>
-              <a:rPr lang="en-US" altLang="ko-KR" dirty="0"/>
-              <a:t>kill(monster): </a:t>
-            </a:r>
-            <a:r>
-              <a:rPr lang="en-US" altLang="ko-KR" dirty="0" smtClean="0"/>
-              <a:t>0  </a:t>
-            </a:r>
-            <a:r>
-              <a:rPr lang="en-US" altLang="ko-KR" dirty="0"/>
-              <a:t>kill(player): </a:t>
-            </a:r>
-            <a:r>
-              <a:rPr lang="en-US" altLang="ko-KR" dirty="0" smtClean="0"/>
-              <a:t>0</a:t>
-            </a:r>
-          </a:p>
-          <a:p>
-            <a:r>
-              <a:rPr lang="en-US" altLang="ko-KR" dirty="0">
-                <a:solidFill>
-                  <a:schemeClr val="accent2"/>
-                </a:solidFill>
-              </a:rPr>
-              <a:t>(ID) : </a:t>
-            </a:r>
-            <a:r>
-              <a:rPr lang="ko-KR" altLang="en-US" dirty="0">
-                <a:solidFill>
-                  <a:schemeClr val="accent2"/>
-                </a:solidFill>
-              </a:rPr>
-              <a:t> </a:t>
-            </a:r>
-            <a:r>
-              <a:rPr lang="en-US" altLang="ko-KR" dirty="0">
-                <a:solidFill>
-                  <a:schemeClr val="accent2"/>
-                </a:solidFill>
-              </a:rPr>
-              <a:t>kill(monster): </a:t>
-            </a:r>
-            <a:r>
-              <a:rPr lang="en-US" altLang="ko-KR" dirty="0" smtClean="0">
-                <a:solidFill>
-                  <a:schemeClr val="accent2"/>
-                </a:solidFill>
-              </a:rPr>
-              <a:t>6  </a:t>
-            </a:r>
-            <a:r>
-              <a:rPr lang="en-US" altLang="ko-KR" dirty="0">
-                <a:solidFill>
-                  <a:schemeClr val="accent2"/>
-                </a:solidFill>
-              </a:rPr>
-              <a:t>kill(player): </a:t>
-            </a:r>
-            <a:r>
-              <a:rPr lang="en-US" altLang="ko-KR" dirty="0" smtClean="0">
-                <a:solidFill>
-                  <a:schemeClr val="accent2"/>
-                </a:solidFill>
-              </a:rPr>
-              <a:t>0</a:t>
-            </a:r>
-          </a:p>
-          <a:p>
-            <a:r>
-              <a:rPr lang="en-US" altLang="ko-KR" dirty="0"/>
-              <a:t>(ID) : </a:t>
-            </a:r>
-            <a:r>
-              <a:rPr lang="ko-KR" altLang="en-US" dirty="0"/>
-              <a:t> </a:t>
-            </a:r>
-            <a:r>
-              <a:rPr lang="en-US" altLang="ko-KR" dirty="0"/>
-              <a:t>kill(monster): 1</a:t>
-            </a:r>
-            <a:r>
-              <a:rPr lang="en-US" altLang="ko-KR" dirty="0" smtClean="0"/>
-              <a:t>  </a:t>
-            </a:r>
-            <a:r>
-              <a:rPr lang="en-US" altLang="ko-KR" dirty="0"/>
-              <a:t>kill(player): 1</a:t>
-            </a:r>
-            <a:endParaRPr lang="en-US" altLang="ko-KR" dirty="0" smtClean="0"/>
-          </a:p>
-          <a:p>
-            <a:r>
-              <a:rPr lang="en-US" altLang="ko-KR" dirty="0">
-                <a:solidFill>
-                  <a:schemeClr val="accent2"/>
-                </a:solidFill>
-              </a:rPr>
-              <a:t>(ID) : </a:t>
-            </a:r>
-            <a:r>
-              <a:rPr lang="ko-KR" altLang="en-US" dirty="0">
-                <a:solidFill>
-                  <a:schemeClr val="accent2"/>
-                </a:solidFill>
-              </a:rPr>
-              <a:t> </a:t>
-            </a:r>
-            <a:r>
-              <a:rPr lang="en-US" altLang="ko-KR" dirty="0">
-                <a:solidFill>
-                  <a:schemeClr val="accent2"/>
-                </a:solidFill>
-              </a:rPr>
-              <a:t>kill(monster): </a:t>
-            </a:r>
-            <a:r>
-              <a:rPr lang="en-US" altLang="ko-KR" dirty="0" smtClean="0">
-                <a:solidFill>
-                  <a:schemeClr val="accent2"/>
-                </a:solidFill>
-              </a:rPr>
-              <a:t>0  </a:t>
-            </a:r>
-            <a:r>
-              <a:rPr lang="en-US" altLang="ko-KR" dirty="0">
-                <a:solidFill>
-                  <a:schemeClr val="accent2"/>
-                </a:solidFill>
-              </a:rPr>
-              <a:t>kill(player): </a:t>
-            </a:r>
-            <a:r>
-              <a:rPr lang="en-US" altLang="ko-KR" dirty="0" smtClean="0">
-                <a:solidFill>
-                  <a:schemeClr val="accent2"/>
-                </a:solidFill>
-              </a:rPr>
-              <a:t>0 </a:t>
-            </a:r>
-          </a:p>
-          <a:p>
-            <a:endParaRPr lang="ko-KR" altLang="en-US" dirty="0"/>
-          </a:p>
-        </p:txBody>
-      </p:sp>
-      <p:cxnSp>
-        <p:nvCxnSpPr>
-          <p:cNvPr id="18" name="직선 화살표 연결선 17"/>
-          <p:cNvCxnSpPr/>
-          <p:nvPr/>
-        </p:nvCxnSpPr>
-        <p:spPr>
-          <a:xfrm flipV="1">
-            <a:off x="1043608" y="3140968"/>
-            <a:ext cx="1296144" cy="504056"/>
-          </a:xfrm>
-          <a:prstGeom prst="straightConnector1">
-            <a:avLst/>
-          </a:prstGeom>
-          <a:ln>
-            <a:tailEnd type="triangle"/>
-          </a:ln>
-        </p:spPr>
-        <p:style>
-          <a:lnRef idx="1">
-            <a:schemeClr val="accent1"/>
-          </a:lnRef>
-          <a:fillRef idx="0">
-            <a:schemeClr val="accent1"/>
-          </a:fillRef>
-          <a:effectRef idx="0">
-            <a:schemeClr val="accent1"/>
-          </a:effectRef>
-          <a:fontRef idx="minor">
-            <a:schemeClr val="tx1"/>
-          </a:fontRef>
-        </p:style>
-      </p:cxnSp>
-      <p:cxnSp>
-        <p:nvCxnSpPr>
-          <p:cNvPr id="19" name="직선 화살표 연결선 18"/>
-          <p:cNvCxnSpPr/>
-          <p:nvPr/>
-        </p:nvCxnSpPr>
-        <p:spPr>
-          <a:xfrm>
-            <a:off x="1043608" y="3645024"/>
-            <a:ext cx="1368152" cy="0"/>
-          </a:xfrm>
-          <a:prstGeom prst="straightConnector1">
-            <a:avLst/>
-          </a:prstGeom>
-          <a:ln>
-            <a:tailEnd type="triangle"/>
-          </a:ln>
-        </p:spPr>
-        <p:style>
-          <a:lnRef idx="1">
-            <a:schemeClr val="accent1"/>
-          </a:lnRef>
-          <a:fillRef idx="0">
-            <a:schemeClr val="accent1"/>
-          </a:fillRef>
-          <a:effectRef idx="0">
-            <a:schemeClr val="accent1"/>
-          </a:effectRef>
-          <a:fontRef idx="minor">
-            <a:schemeClr val="tx1"/>
-          </a:fontRef>
-        </p:style>
-      </p:cxnSp>
-      <p:cxnSp>
-        <p:nvCxnSpPr>
-          <p:cNvPr id="22" name="직선 화살표 연결선 21"/>
-          <p:cNvCxnSpPr/>
-          <p:nvPr/>
-        </p:nvCxnSpPr>
-        <p:spPr>
-          <a:xfrm>
-            <a:off x="1022303" y="3645024"/>
-            <a:ext cx="1389457" cy="504056"/>
-          </a:xfrm>
-          <a:prstGeom prst="straightConnector1">
-            <a:avLst/>
-          </a:prstGeom>
-          <a:ln>
-            <a:tailEnd type="triangle"/>
-          </a:ln>
-        </p:spPr>
-        <p:style>
-          <a:lnRef idx="1">
-            <a:schemeClr val="accent1"/>
-          </a:lnRef>
-          <a:fillRef idx="0">
-            <a:schemeClr val="accent1"/>
-          </a:fillRef>
-          <a:effectRef idx="0">
-            <a:schemeClr val="accent1"/>
-          </a:effectRef>
-          <a:fontRef idx="minor">
-            <a:schemeClr val="tx1"/>
-          </a:fontRef>
-        </p:style>
-      </p:cxnSp>
-      <p:sp>
-        <p:nvSpPr>
-          <p:cNvPr id="25" name="TextBox 24"/>
-          <p:cNvSpPr txBox="1"/>
-          <p:nvPr/>
-        </p:nvSpPr>
-        <p:spPr>
-          <a:xfrm>
-            <a:off x="90714" y="3518065"/>
-            <a:ext cx="987501" cy="253916"/>
-          </a:xfrm>
-          <a:prstGeom prst="rect">
-            <a:avLst/>
-          </a:prstGeom>
-          <a:noFill/>
-        </p:spPr>
-        <p:txBody>
-          <a:bodyPr wrap="square" rtlCol="0">
-            <a:spAutoFit/>
-          </a:bodyPr>
-          <a:lstStyle/>
-          <a:p>
-            <a:r>
-              <a:rPr lang="ko-KR" altLang="en-US" sz="1050" dirty="0" smtClean="0">
-                <a:solidFill>
-                  <a:schemeClr val="accent2"/>
-                </a:solidFill>
-              </a:rPr>
-              <a:t>죽은플레이어</a:t>
-            </a:r>
-            <a:endParaRPr lang="ko-KR" altLang="en-US" sz="1050" dirty="0">
-              <a:solidFill>
-                <a:schemeClr val="accent2"/>
-              </a:solidFill>
-            </a:endParaRPr>
-          </a:p>
-        </p:txBody>
-      </p:sp>
-      <p:cxnSp>
-        <p:nvCxnSpPr>
-          <p:cNvPr id="27" name="직선 화살표 연결선 26"/>
-          <p:cNvCxnSpPr/>
-          <p:nvPr/>
-        </p:nvCxnSpPr>
-        <p:spPr>
-          <a:xfrm>
-            <a:off x="1187624" y="2492896"/>
-            <a:ext cx="1224136" cy="72008"/>
-          </a:xfrm>
-          <a:prstGeom prst="straightConnector1">
-            <a:avLst/>
-          </a:prstGeom>
-          <a:ln>
-            <a:solidFill>
-              <a:schemeClr val="bg2"/>
-            </a:solidFill>
-            <a:tailEnd type="triangle"/>
-          </a:ln>
-        </p:spPr>
-        <p:style>
-          <a:lnRef idx="1">
-            <a:schemeClr val="accent1"/>
-          </a:lnRef>
-          <a:fillRef idx="0">
-            <a:schemeClr val="accent1"/>
-          </a:fillRef>
-          <a:effectRef idx="0">
-            <a:schemeClr val="accent1"/>
-          </a:effectRef>
-          <a:fontRef idx="minor">
-            <a:schemeClr val="tx1"/>
-          </a:fontRef>
-        </p:style>
-      </p:cxnSp>
-      <p:cxnSp>
-        <p:nvCxnSpPr>
-          <p:cNvPr id="28" name="직선 화살표 연결선 27"/>
-          <p:cNvCxnSpPr/>
-          <p:nvPr/>
-        </p:nvCxnSpPr>
-        <p:spPr>
-          <a:xfrm>
-            <a:off x="1187624" y="2492895"/>
-            <a:ext cx="1242946" cy="360041"/>
-          </a:xfrm>
-          <a:prstGeom prst="straightConnector1">
-            <a:avLst/>
-          </a:prstGeom>
-          <a:ln>
-            <a:solidFill>
-              <a:schemeClr val="bg2"/>
-            </a:solidFill>
-            <a:tailEnd type="triangle"/>
-          </a:ln>
-        </p:spPr>
-        <p:style>
-          <a:lnRef idx="1">
-            <a:schemeClr val="accent1"/>
-          </a:lnRef>
-          <a:fillRef idx="0">
-            <a:schemeClr val="accent1"/>
-          </a:fillRef>
-          <a:effectRef idx="0">
-            <a:schemeClr val="accent1"/>
-          </a:effectRef>
-          <a:fontRef idx="minor">
-            <a:schemeClr val="tx1"/>
-          </a:fontRef>
-        </p:style>
-      </p:cxnSp>
-      <p:cxnSp>
-        <p:nvCxnSpPr>
-          <p:cNvPr id="31" name="직선 화살표 연결선 30"/>
-          <p:cNvCxnSpPr/>
-          <p:nvPr/>
-        </p:nvCxnSpPr>
-        <p:spPr>
-          <a:xfrm>
-            <a:off x="1187624" y="2528900"/>
-            <a:ext cx="1224136" cy="783392"/>
-          </a:xfrm>
-          <a:prstGeom prst="straightConnector1">
-            <a:avLst/>
-          </a:prstGeom>
-          <a:ln>
-            <a:solidFill>
-              <a:schemeClr val="bg2"/>
-            </a:solidFill>
-            <a:tailEnd type="triangle"/>
-          </a:ln>
-        </p:spPr>
-        <p:style>
-          <a:lnRef idx="1">
-            <a:schemeClr val="accent1"/>
-          </a:lnRef>
-          <a:fillRef idx="0">
-            <a:schemeClr val="accent1"/>
-          </a:fillRef>
-          <a:effectRef idx="0">
-            <a:schemeClr val="accent1"/>
-          </a:effectRef>
-          <a:fontRef idx="minor">
-            <a:schemeClr val="tx1"/>
-          </a:fontRef>
-        </p:style>
-      </p:cxnSp>
-      <p:cxnSp>
-        <p:nvCxnSpPr>
-          <p:cNvPr id="33" name="직선 화살표 연결선 32"/>
-          <p:cNvCxnSpPr/>
-          <p:nvPr/>
-        </p:nvCxnSpPr>
-        <p:spPr>
-          <a:xfrm>
-            <a:off x="1168814" y="2492894"/>
-            <a:ext cx="1242946" cy="1404158"/>
-          </a:xfrm>
-          <a:prstGeom prst="straightConnector1">
-            <a:avLst/>
-          </a:prstGeom>
-          <a:ln>
-            <a:solidFill>
-              <a:schemeClr val="bg2"/>
-            </a:solidFill>
-            <a:tailEnd type="triangle"/>
-          </a:ln>
-        </p:spPr>
-        <p:style>
-          <a:lnRef idx="1">
-            <a:schemeClr val="accent1"/>
-          </a:lnRef>
-          <a:fillRef idx="0">
-            <a:schemeClr val="accent1"/>
-          </a:fillRef>
-          <a:effectRef idx="0">
-            <a:schemeClr val="accent1"/>
-          </a:effectRef>
-          <a:fontRef idx="minor">
-            <a:schemeClr val="tx1"/>
-          </a:fontRef>
-        </p:style>
-      </p:cxnSp>
-      <p:sp>
-        <p:nvSpPr>
-          <p:cNvPr id="36" name="TextBox 35"/>
-          <p:cNvSpPr txBox="1"/>
-          <p:nvPr/>
-        </p:nvSpPr>
-        <p:spPr>
-          <a:xfrm>
-            <a:off x="155914" y="2374733"/>
-            <a:ext cx="1064946" cy="230832"/>
-          </a:xfrm>
-          <a:prstGeom prst="rect">
-            <a:avLst/>
-          </a:prstGeom>
-          <a:noFill/>
-        </p:spPr>
-        <p:txBody>
-          <a:bodyPr wrap="square" rtlCol="0">
-            <a:spAutoFit/>
-          </a:bodyPr>
-          <a:lstStyle/>
-          <a:p>
-            <a:r>
-              <a:rPr lang="ko-KR" altLang="en-US" sz="900" dirty="0" smtClean="0">
-                <a:solidFill>
-                  <a:schemeClr val="bg1"/>
-                </a:solidFill>
-              </a:rPr>
-              <a:t>생존한 플레이어</a:t>
-            </a:r>
-            <a:endParaRPr lang="ko-KR" altLang="en-US" sz="900" dirty="0">
-              <a:solidFill>
-                <a:schemeClr val="bg1"/>
-              </a:solidFill>
-            </a:endParaRPr>
-          </a:p>
-        </p:txBody>
-      </p:sp>
-      <p:sp>
-        <p:nvSpPr>
-          <p:cNvPr id="37" name="직사각형 36"/>
-          <p:cNvSpPr/>
-          <p:nvPr/>
-        </p:nvSpPr>
-        <p:spPr>
-          <a:xfrm>
-            <a:off x="1907704" y="1141765"/>
-            <a:ext cx="5444463" cy="931024"/>
-          </a:xfrm>
-          <a:prstGeom prst="rect">
-            <a:avLst/>
-          </a:prstGeom>
-          <a:ln>
-            <a:noFill/>
-          </a:ln>
-          <a:effectLst>
-            <a:glow rad="228600">
-              <a:srgbClr val="FFFF00">
-                <a:alpha val="40000"/>
-              </a:srgbClr>
-            </a:glow>
-            <a:outerShdw blurRad="44450" dist="27940" dir="5400000" algn="ctr">
-              <a:srgbClr val="000000">
-                <a:alpha val="32000"/>
-              </a:srgbClr>
-            </a:outerShdw>
-          </a:effectLst>
-          <a:scene3d>
-            <a:camera prst="orthographicFront">
-              <a:rot lat="0" lon="0" rev="0"/>
-            </a:camera>
-            <a:lightRig rig="balanced" dir="t">
-              <a:rot lat="0" lon="0" rev="8700000"/>
-            </a:lightRig>
-          </a:scene3d>
-          <a:sp3d>
-            <a:bevelT w="190500" h="38100"/>
-          </a:sp3d>
-        </p:spPr>
-        <p:style>
-          <a:lnRef idx="3">
-            <a:schemeClr val="lt1"/>
-          </a:lnRef>
-          <a:fillRef idx="1">
-            <a:schemeClr val="dk1"/>
-          </a:fillRef>
-          <a:effectRef idx="1">
-            <a:schemeClr val="dk1"/>
-          </a:effectRef>
-          <a:fontRef idx="minor">
-            <a:schemeClr val="lt1"/>
-          </a:fontRef>
-        </p:style>
-        <p:txBody>
-          <a:bodyPr wrap="square">
-            <a:spAutoFit/>
-          </a:bodyPr>
-          <a:lstStyle/>
-          <a:p>
-            <a:pPr fontAlgn="base">
-              <a:lnSpc>
-                <a:spcPct val="160000"/>
-              </a:lnSpc>
-            </a:pPr>
-            <a:r>
-              <a:rPr lang="ko-KR" altLang="en-US" sz="1200" kern="0" dirty="0" smtClean="0">
-                <a:solidFill>
-                  <a:schemeClr val="bg1"/>
-                </a:solidFill>
-                <a:latin typeface="HY헤드라인M" panose="02030600000101010101" pitchFamily="18" charset="-127"/>
-                <a:ea typeface="HY헤드라인M" panose="02030600000101010101" pitchFamily="18" charset="-127"/>
-              </a:rPr>
-              <a:t>● </a:t>
-            </a:r>
-            <a:r>
-              <a:rPr lang="en-US" altLang="ko-KR" sz="1200" kern="0" dirty="0" smtClean="0">
-                <a:solidFill>
-                  <a:schemeClr val="bg1"/>
-                </a:solidFill>
-                <a:latin typeface="HY헤드라인M" panose="02030600000101010101" pitchFamily="18" charset="-127"/>
-                <a:ea typeface="HY헤드라인M" panose="02030600000101010101" pitchFamily="18" charset="-127"/>
-              </a:rPr>
-              <a:t>UI</a:t>
-            </a:r>
-          </a:p>
-          <a:p>
-            <a:pPr fontAlgn="base">
-              <a:lnSpc>
-                <a:spcPct val="160000"/>
-              </a:lnSpc>
-            </a:pPr>
-            <a:r>
-              <a:rPr lang="ko-KR" altLang="en-US" sz="1200" kern="0" dirty="0" smtClean="0">
-                <a:solidFill>
-                  <a:schemeClr val="bg1"/>
-                </a:solidFill>
-                <a:latin typeface="HY헤드라인M" panose="02030600000101010101" pitchFamily="18" charset="-127"/>
-                <a:ea typeface="HY헤드라인M" panose="02030600000101010101" pitchFamily="18" charset="-127"/>
-              </a:rPr>
-              <a:t>시간</a:t>
-            </a:r>
-            <a:r>
-              <a:rPr lang="en-US" altLang="ko-KR" sz="1200" kern="0" dirty="0" smtClean="0">
-                <a:solidFill>
-                  <a:schemeClr val="bg1"/>
-                </a:solidFill>
-                <a:latin typeface="HY헤드라인M" panose="02030600000101010101" pitchFamily="18" charset="-127"/>
-                <a:ea typeface="HY헤드라인M" panose="02030600000101010101" pitchFamily="18" charset="-127"/>
-              </a:rPr>
-              <a:t>,</a:t>
-            </a:r>
-            <a:r>
-              <a:rPr lang="ko-KR" altLang="en-US" sz="1200" kern="0" dirty="0" smtClean="0">
-                <a:solidFill>
-                  <a:schemeClr val="bg1"/>
-                </a:solidFill>
-                <a:latin typeface="HY헤드라인M" panose="02030600000101010101" pitchFamily="18" charset="-127"/>
-                <a:ea typeface="HY헤드라인M" panose="02030600000101010101" pitchFamily="18" charset="-127"/>
-              </a:rPr>
-              <a:t> 정보</a:t>
-            </a:r>
-            <a:r>
-              <a:rPr lang="en-US" altLang="ko-KR" sz="1200" kern="0" dirty="0" smtClean="0">
-                <a:solidFill>
-                  <a:schemeClr val="bg1"/>
-                </a:solidFill>
-                <a:latin typeface="HY헤드라인M" panose="02030600000101010101" pitchFamily="18" charset="-127"/>
-                <a:ea typeface="HY헤드라인M" panose="02030600000101010101" pitchFamily="18" charset="-127"/>
-              </a:rPr>
-              <a:t>(</a:t>
-            </a:r>
-            <a:r>
-              <a:rPr lang="ko-KR" altLang="en-US" sz="1200" kern="0" dirty="0" smtClean="0">
-                <a:solidFill>
-                  <a:schemeClr val="bg1"/>
-                </a:solidFill>
-                <a:latin typeface="HY헤드라인M" panose="02030600000101010101" pitchFamily="18" charset="-127"/>
-                <a:ea typeface="HY헤드라인M" panose="02030600000101010101" pitchFamily="18" charset="-127"/>
-              </a:rPr>
-              <a:t>점수</a:t>
-            </a:r>
-            <a:r>
-              <a:rPr lang="en-US" altLang="ko-KR" sz="1200" kern="0" dirty="0" smtClean="0">
-                <a:solidFill>
-                  <a:schemeClr val="bg1"/>
-                </a:solidFill>
-                <a:latin typeface="HY헤드라인M" panose="02030600000101010101" pitchFamily="18" charset="-127"/>
-                <a:ea typeface="HY헤드라인M" panose="02030600000101010101" pitchFamily="18" charset="-127"/>
-              </a:rPr>
-              <a:t>, </a:t>
-            </a:r>
-            <a:r>
-              <a:rPr lang="ko-KR" altLang="en-US" sz="1200" kern="0" dirty="0" smtClean="0">
-                <a:solidFill>
-                  <a:schemeClr val="bg1"/>
-                </a:solidFill>
-                <a:latin typeface="HY헤드라인M" panose="02030600000101010101" pitchFamily="18" charset="-127"/>
-                <a:ea typeface="HY헤드라인M" panose="02030600000101010101" pitchFamily="18" charset="-127"/>
-              </a:rPr>
-              <a:t>플레이어 등</a:t>
-            </a:r>
-            <a:r>
-              <a:rPr lang="en-US" altLang="ko-KR" sz="1200" kern="0" dirty="0" smtClean="0">
-                <a:solidFill>
-                  <a:schemeClr val="bg1"/>
-                </a:solidFill>
-                <a:latin typeface="HY헤드라인M" panose="02030600000101010101" pitchFamily="18" charset="-127"/>
-                <a:ea typeface="HY헤드라인M" panose="02030600000101010101" pitchFamily="18" charset="-127"/>
-              </a:rPr>
-              <a:t>)</a:t>
-            </a:r>
-          </a:p>
-          <a:p>
-            <a:pPr fontAlgn="base">
-              <a:lnSpc>
-                <a:spcPct val="160000"/>
-              </a:lnSpc>
-            </a:pPr>
-            <a:r>
-              <a:rPr lang="en-US" altLang="ko-KR" sz="1200" kern="0" dirty="0" smtClean="0">
-                <a:solidFill>
-                  <a:schemeClr val="bg1"/>
-                </a:solidFill>
-                <a:latin typeface="HY헤드라인M" panose="02030600000101010101" pitchFamily="18" charset="-127"/>
-                <a:ea typeface="HY헤드라인M" panose="02030600000101010101" pitchFamily="18" charset="-127"/>
-              </a:rPr>
-              <a:t>(</a:t>
-            </a:r>
-            <a:r>
-              <a:rPr lang="ko-KR" altLang="en-US" sz="1200" kern="0" dirty="0" smtClean="0">
-                <a:solidFill>
-                  <a:schemeClr val="bg1"/>
-                </a:solidFill>
-                <a:latin typeface="HY헤드라인M" panose="02030600000101010101" pitchFamily="18" charset="-127"/>
-                <a:ea typeface="HY헤드라인M" panose="02030600000101010101" pitchFamily="18" charset="-127"/>
-              </a:rPr>
-              <a:t>정보 </a:t>
-            </a:r>
-            <a:r>
-              <a:rPr lang="en-US" altLang="ko-KR" sz="1200" kern="0" dirty="0" smtClean="0">
-                <a:solidFill>
-                  <a:schemeClr val="bg1"/>
-                </a:solidFill>
-                <a:latin typeface="HY헤드라인M" panose="02030600000101010101" pitchFamily="18" charset="-127"/>
-                <a:ea typeface="HY헤드라인M" panose="02030600000101010101" pitchFamily="18" charset="-127"/>
-              </a:rPr>
-              <a:t>UI</a:t>
-            </a:r>
-            <a:r>
-              <a:rPr lang="ko-KR" altLang="en-US" sz="1200" kern="0" dirty="0" smtClean="0">
-                <a:solidFill>
-                  <a:schemeClr val="bg1"/>
-                </a:solidFill>
-                <a:latin typeface="HY헤드라인M" panose="02030600000101010101" pitchFamily="18" charset="-127"/>
-                <a:ea typeface="HY헤드라인M" panose="02030600000101010101" pitchFamily="18" charset="-127"/>
-              </a:rPr>
-              <a:t>는 </a:t>
-            </a:r>
-            <a:r>
-              <a:rPr lang="en-US" altLang="ko-KR" sz="1200" kern="0" dirty="0" smtClean="0">
-                <a:solidFill>
-                  <a:schemeClr val="bg1"/>
-                </a:solidFill>
-                <a:latin typeface="HY헤드라인M" panose="02030600000101010101" pitchFamily="18" charset="-127"/>
-                <a:ea typeface="HY헤드라인M" panose="02030600000101010101" pitchFamily="18" charset="-127"/>
-              </a:rPr>
-              <a:t>Tab</a:t>
-            </a:r>
-            <a:r>
-              <a:rPr lang="ko-KR" altLang="en-US" sz="1200" kern="0" dirty="0" smtClean="0">
-                <a:solidFill>
-                  <a:schemeClr val="bg1"/>
-                </a:solidFill>
-                <a:latin typeface="HY헤드라인M" panose="02030600000101010101" pitchFamily="18" charset="-127"/>
-                <a:ea typeface="HY헤드라인M" panose="02030600000101010101" pitchFamily="18" charset="-127"/>
-              </a:rPr>
-              <a:t>키를 누를 시 나타나게 됩니다</a:t>
-            </a:r>
-            <a:r>
-              <a:rPr lang="en-US" altLang="ko-KR" sz="1200" kern="0" dirty="0" smtClean="0">
-                <a:solidFill>
-                  <a:schemeClr val="bg1"/>
-                </a:solidFill>
-                <a:latin typeface="HY헤드라인M" panose="02030600000101010101" pitchFamily="18" charset="-127"/>
-                <a:ea typeface="HY헤드라인M" panose="02030600000101010101" pitchFamily="18" charset="-127"/>
-              </a:rPr>
-              <a:t>.</a:t>
-            </a:r>
-            <a:endParaRPr lang="en-US" altLang="ko-KR" sz="1200" kern="0" dirty="0">
-              <a:solidFill>
-                <a:schemeClr val="bg1"/>
-              </a:solidFill>
-              <a:latin typeface="HY헤드라인M" panose="02030600000101010101" pitchFamily="18" charset="-127"/>
-              <a:ea typeface="HY헤드라인M" panose="02030600000101010101" pitchFamily="18" charset="-127"/>
-            </a:endParaRPr>
-          </a:p>
-        </p:txBody>
-      </p:sp>
-      <p:sp>
-        <p:nvSpPr>
-          <p:cNvPr id="38" name="직사각형 37"/>
-          <p:cNvSpPr/>
-          <p:nvPr/>
-        </p:nvSpPr>
-        <p:spPr>
-          <a:xfrm>
-            <a:off x="6566105" y="12460816"/>
-            <a:ext cx="45719" cy="45719"/>
-          </a:xfrm>
-          <a:prstGeom prst="rect">
-            <a:avLst/>
-          </a:prstGeom>
-          <a:solidFill>
-            <a:srgbClr val="FD200F">
-              <a:alpha val="40000"/>
-            </a:srgbClr>
-          </a:solidFill>
-        </p:spPr>
-        <p:style>
-          <a:lnRef idx="2">
-            <a:schemeClr val="accent1">
-              <a:shade val="50000"/>
-            </a:schemeClr>
-          </a:lnRef>
-          <a:fillRef idx="1">
-            <a:schemeClr val="accent1"/>
-          </a:fillRef>
-          <a:effectRef idx="0">
-            <a:schemeClr val="accent1"/>
-          </a:effectRef>
-          <a:fontRef idx="minor">
-            <a:schemeClr val="lt1"/>
-          </a:fontRef>
-        </p:style>
-        <p:txBody>
-          <a:bodyPr rtlCol="0" anchor="ctr"/>
-          <a:lstStyle/>
-          <a:p>
-            <a:pPr algn="ctr"/>
-            <a:endParaRPr lang="ko-KR" altLang="en-US" dirty="0"/>
-          </a:p>
-        </p:txBody>
-      </p:sp>
-      <p:pic>
-        <p:nvPicPr>
-          <p:cNvPr id="1026" name="Picture 2" descr="파일:uG12nOD.png"/>
+          <p:cNvPr id="1025" name="_x313074848" descr="EMB00001e886b4d"/>
           <p:cNvPicPr>
             <a:picLocks noChangeAspect="1" noChangeArrowheads="1"/>
           </p:cNvPicPr>
           <p:nvPr/>
         </p:nvPicPr>
         <p:blipFill>
-          <a:blip r:embed="rId4" cstate="print">
+          <a:blip r:embed="rId2">
             <a:extLst>
               <a:ext uri="{28A0092B-C50C-407E-A947-70E740481C1C}">
                 <a14:useLocalDpi xmlns:a14="http://schemas.microsoft.com/office/drawing/2010/main" val="0"/>
@@ -21500,8 +20761,8 @@
         </p:blipFill>
         <p:spPr bwMode="auto">
           <a:xfrm>
-            <a:off x="7435057" y="5521949"/>
-            <a:ext cx="259571" cy="259218"/>
+            <a:off x="539552" y="1412775"/>
+            <a:ext cx="2400194" cy="2192716"/>
           </a:xfrm>
           <a:prstGeom prst="rect">
             <a:avLst/>
@@ -21518,16 +20779,79 @@
           </a:extLst>
         </p:spPr>
       </p:pic>
+      <p:sp>
+        <p:nvSpPr>
+          <p:cNvPr id="5" name="Rectangle 4"/>
+          <p:cNvSpPr>
+            <a:spLocks noChangeArrowheads="1"/>
+          </p:cNvSpPr>
+          <p:nvPr/>
+        </p:nvSpPr>
+        <p:spPr bwMode="auto">
+          <a:xfrm>
+            <a:off x="0" y="0"/>
+            <a:ext cx="9144000" cy="457200"/>
+          </a:xfrm>
+          <a:prstGeom prst="rect">
+            <a:avLst/>
+          </a:prstGeom>
+          <a:noFill/>
+          <a:ln>
+            <a:noFill/>
+          </a:ln>
+          <a:effectLst/>
+          <a:extLst>
+            <a:ext uri="{909E8E84-426E-40DD-AFC4-6F175D3DCCD1}">
+              <a14:hiddenFill xmlns:a14="http://schemas.microsoft.com/office/drawing/2010/main">
+                <a:solidFill>
+                  <a:schemeClr val="accent1"/>
+                </a:solidFill>
+              </a14:hiddenFill>
+            </a:ext>
+            <a:ext uri="{91240B29-F687-4F45-9708-019B960494DF}">
+              <a14:hiddenLine xmlns:a14="http://schemas.microsoft.com/office/drawing/2010/main" w="9525">
+                <a:solidFill>
+                  <a:schemeClr val="tx1"/>
+                </a:solidFill>
+                <a:miter lim="800000"/>
+                <a:headEnd/>
+                <a:tailEnd/>
+              </a14:hiddenLine>
+            </a:ext>
+            <a:ext uri="{AF507438-7753-43E0-B8FC-AC1667EBCBE1}">
+              <a14:hiddenEffects xmlns:a14="http://schemas.microsoft.com/office/drawing/2010/main">
+                <a:effectLst>
+                  <a:outerShdw dist="35921" dir="2700000" algn="ctr" rotWithShape="0">
+                    <a:schemeClr val="bg2"/>
+                  </a:outerShdw>
+                </a:effectLst>
+              </a14:hiddenEffects>
+            </a:ext>
+          </a:extLst>
+        </p:spPr>
+        <p:txBody>
+          <a:bodyPr vert="horz" wrap="none" lIns="91440" tIns="45720" rIns="91440" bIns="45720" numCol="1" anchor="ctr" anchorCtr="0" compatLnSpc="1">
+            <a:prstTxWarp prst="textNoShape">
+              <a:avLst/>
+            </a:prstTxWarp>
+            <a:spAutoFit/>
+          </a:bodyPr>
+          <a:lstStyle/>
+          <a:p>
+            <a:endParaRPr lang="ko-KR" altLang="en-US"/>
+          </a:p>
+        </p:txBody>
+      </p:sp>
       <p:pic>
         <p:nvPicPr>
-          <p:cNvPr id="1028" name="Picture 4" descr="재시작에 대한 이미지 검색결과"/>
+          <p:cNvPr id="1027" name="_x313076048" descr="EMB00001e886b50"/>
           <p:cNvPicPr>
             <a:picLocks noChangeAspect="1" noChangeArrowheads="1"/>
           </p:cNvPicPr>
           <p:nvPr/>
         </p:nvPicPr>
         <p:blipFill>
-          <a:blip r:embed="rId5" cstate="print">
+          <a:blip r:embed="rId3">
             <a:extLst>
               <a:ext uri="{28A0092B-C50C-407E-A947-70E740481C1C}">
                 <a14:useLocalDpi xmlns:a14="http://schemas.microsoft.com/office/drawing/2010/main" val="0"/>
@@ -21541,8 +20865,8 @@
         </p:blipFill>
         <p:spPr bwMode="auto">
           <a:xfrm>
-            <a:off x="7181315" y="5521949"/>
-            <a:ext cx="248188" cy="259218"/>
+            <a:off x="2939746" y="1442737"/>
+            <a:ext cx="2448272" cy="2202287"/>
           </a:xfrm>
           <a:prstGeom prst="rect">
             <a:avLst/>
@@ -21559,154 +20883,426 @@
           </a:extLst>
         </p:spPr>
       </p:pic>
-      <p:cxnSp>
-        <p:nvCxnSpPr>
-          <p:cNvPr id="40" name="직선 화살표 연결선 39"/>
-          <p:cNvCxnSpPr>
-            <a:endCxn id="1026" idx="3"/>
-          </p:cNvCxnSpPr>
-          <p:nvPr/>
-        </p:nvCxnSpPr>
-        <p:spPr>
-          <a:xfrm flipH="1">
-            <a:off x="7694628" y="5085184"/>
-            <a:ext cx="689663" cy="566374"/>
-          </a:xfrm>
-          <a:prstGeom prst="straightConnector1">
-            <a:avLst/>
-          </a:prstGeom>
-          <a:ln>
-            <a:tailEnd type="triangle"/>
-          </a:ln>
-        </p:spPr>
-        <p:style>
-          <a:lnRef idx="1">
-            <a:schemeClr val="accent1"/>
-          </a:lnRef>
-          <a:fillRef idx="0">
-            <a:schemeClr val="accent1"/>
-          </a:fillRef>
-          <a:effectRef idx="0">
-            <a:schemeClr val="accent1"/>
-          </a:effectRef>
-          <a:fontRef idx="minor">
-            <a:schemeClr val="tx1"/>
-          </a:fontRef>
-        </p:style>
-      </p:cxnSp>
-      <p:cxnSp>
-        <p:nvCxnSpPr>
-          <p:cNvPr id="42" name="직선 화살표 연결선 41"/>
-          <p:cNvCxnSpPr/>
-          <p:nvPr/>
-        </p:nvCxnSpPr>
-        <p:spPr>
-          <a:xfrm flipH="1">
-            <a:off x="7352167" y="4869160"/>
-            <a:ext cx="849285" cy="650297"/>
-          </a:xfrm>
-          <a:prstGeom prst="straightConnector1">
-            <a:avLst/>
-          </a:prstGeom>
-          <a:ln>
-            <a:tailEnd type="triangle"/>
-          </a:ln>
-        </p:spPr>
-        <p:style>
-          <a:lnRef idx="1">
-            <a:schemeClr val="accent1"/>
-          </a:lnRef>
-          <a:fillRef idx="0">
-            <a:schemeClr val="accent1"/>
-          </a:fillRef>
-          <a:effectRef idx="0">
-            <a:schemeClr val="accent1"/>
-          </a:effectRef>
-          <a:fontRef idx="minor">
-            <a:schemeClr val="tx1"/>
-          </a:fontRef>
-        </p:style>
-      </p:cxnSp>
       <p:sp>
         <p:nvSpPr>
-          <p:cNvPr id="43" name="TextBox 42"/>
-          <p:cNvSpPr txBox="1"/>
+          <p:cNvPr id="6" name="Rectangle 6"/>
+          <p:cNvSpPr>
+            <a:spLocks noChangeArrowheads="1"/>
+          </p:cNvSpPr>
           <p:nvPr/>
         </p:nvSpPr>
-        <p:spPr>
+        <p:spPr bwMode="auto">
           <a:xfrm>
-            <a:off x="8100392" y="4676084"/>
-            <a:ext cx="729800" cy="253916"/>
+            <a:off x="0" y="0"/>
+            <a:ext cx="9144000" cy="457200"/>
           </a:xfrm>
           <a:prstGeom prst="rect">
             <a:avLst/>
           </a:prstGeom>
           <a:noFill/>
+          <a:ln>
+            <a:noFill/>
+          </a:ln>
+          <a:effectLst/>
+          <a:extLst>
+            <a:ext uri="{909E8E84-426E-40DD-AFC4-6F175D3DCCD1}">
+              <a14:hiddenFill xmlns:a14="http://schemas.microsoft.com/office/drawing/2010/main">
+                <a:solidFill>
+                  <a:schemeClr val="accent1"/>
+                </a:solidFill>
+              </a14:hiddenFill>
+            </a:ext>
+            <a:ext uri="{91240B29-F687-4F45-9708-019B960494DF}">
+              <a14:hiddenLine xmlns:a14="http://schemas.microsoft.com/office/drawing/2010/main" w="9525">
+                <a:solidFill>
+                  <a:schemeClr val="tx1"/>
+                </a:solidFill>
+                <a:miter lim="800000"/>
+                <a:headEnd/>
+                <a:tailEnd/>
+              </a14:hiddenLine>
+            </a:ext>
+            <a:ext uri="{AF507438-7753-43E0-B8FC-AC1667EBCBE1}">
+              <a14:hiddenEffects xmlns:a14="http://schemas.microsoft.com/office/drawing/2010/main">
+                <a:effectLst>
+                  <a:outerShdw dist="35921" dir="2700000" algn="ctr" rotWithShape="0">
+                    <a:schemeClr val="bg2"/>
+                  </a:outerShdw>
+                </a:effectLst>
+              </a14:hiddenEffects>
+            </a:ext>
+          </a:extLst>
         </p:spPr>
         <p:txBody>
-          <a:bodyPr wrap="square" rtlCol="0">
+          <a:bodyPr vert="horz" wrap="none" lIns="91440" tIns="45720" rIns="91440" bIns="45720" numCol="1" anchor="ctr" anchorCtr="0" compatLnSpc="1">
+            <a:prstTxWarp prst="textNoShape">
+              <a:avLst/>
+            </a:prstTxWarp>
             <a:spAutoFit/>
           </a:bodyPr>
           <a:lstStyle/>
           <a:p>
-            <a:r>
-              <a:rPr lang="ko-KR" altLang="en-US" sz="1050" dirty="0" err="1" smtClean="0">
-                <a:solidFill>
-                  <a:schemeClr val="accent1"/>
-                </a:solidFill>
-              </a:rPr>
-              <a:t>재시작</a:t>
-            </a:r>
-            <a:endParaRPr lang="ko-KR" altLang="en-US" sz="1050" dirty="0">
-              <a:solidFill>
-                <a:schemeClr val="accent1"/>
-              </a:solidFill>
-            </a:endParaRPr>
+            <a:endParaRPr lang="ko-KR" altLang="en-US"/>
           </a:p>
         </p:txBody>
       </p:sp>
-      <p:sp>
-        <p:nvSpPr>
-          <p:cNvPr id="46" name="TextBox 45"/>
-          <p:cNvSpPr txBox="1"/>
+      <p:pic>
+        <p:nvPicPr>
+          <p:cNvPr id="1029" name="_x313076288" descr="EMB00001e886b53"/>
+          <p:cNvPicPr>
+            <a:picLocks noChangeAspect="1" noChangeArrowheads="1"/>
+          </p:cNvPicPr>
           <p:nvPr/>
-        </p:nvSpPr>
-        <p:spPr>
+        </p:nvPicPr>
+        <p:blipFill>
+          <a:blip r:embed="rId4">
+            <a:extLst>
+              <a:ext uri="{28A0092B-C50C-407E-A947-70E740481C1C}">
+                <a14:useLocalDpi xmlns:a14="http://schemas.microsoft.com/office/drawing/2010/main" val="0"/>
+              </a:ext>
+            </a:extLst>
+          </a:blip>
+          <a:srcRect/>
+          <a:stretch>
+            <a:fillRect/>
+          </a:stretch>
+        </p:blipFill>
+        <p:spPr bwMode="auto">
           <a:xfrm>
-            <a:off x="8357434" y="4917309"/>
-            <a:ext cx="729800" cy="253916"/>
+            <a:off x="5435719" y="1442737"/>
+            <a:ext cx="2352493" cy="2202287"/>
           </a:xfrm>
           <a:prstGeom prst="rect">
             <a:avLst/>
           </a:prstGeom>
           <a:noFill/>
+          <a:extLst>
+            <a:ext uri="{909E8E84-426E-40DD-AFC4-6F175D3DCCD1}">
+              <a14:hiddenFill xmlns:a14="http://schemas.microsoft.com/office/drawing/2010/main">
+                <a:solidFill>
+                  <a:srgbClr val="FFFFFF"/>
+                </a:solidFill>
+              </a14:hiddenFill>
+            </a:ext>
+          </a:extLst>
+        </p:spPr>
+      </p:pic>
+      <p:sp>
+        <p:nvSpPr>
+          <p:cNvPr id="2" name="Rectangle 2"/>
+          <p:cNvSpPr>
+            <a:spLocks noChangeArrowheads="1"/>
+          </p:cNvSpPr>
+          <p:nvPr/>
+        </p:nvSpPr>
+        <p:spPr bwMode="auto">
+          <a:xfrm>
+            <a:off x="0" y="0"/>
+            <a:ext cx="9144000" cy="457200"/>
+          </a:xfrm>
+          <a:prstGeom prst="rect">
+            <a:avLst/>
+          </a:prstGeom>
+          <a:noFill/>
+          <a:ln>
+            <a:noFill/>
+          </a:ln>
+          <a:effectLst/>
+          <a:extLst>
+            <a:ext uri="{909E8E84-426E-40DD-AFC4-6F175D3DCCD1}">
+              <a14:hiddenFill xmlns:a14="http://schemas.microsoft.com/office/drawing/2010/main">
+                <a:solidFill>
+                  <a:schemeClr val="accent1"/>
+                </a:solidFill>
+              </a14:hiddenFill>
+            </a:ext>
+            <a:ext uri="{91240B29-F687-4F45-9708-019B960494DF}">
+              <a14:hiddenLine xmlns:a14="http://schemas.microsoft.com/office/drawing/2010/main" w="9525">
+                <a:solidFill>
+                  <a:schemeClr val="tx1"/>
+                </a:solidFill>
+                <a:miter lim="800000"/>
+                <a:headEnd/>
+                <a:tailEnd/>
+              </a14:hiddenLine>
+            </a:ext>
+            <a:ext uri="{AF507438-7753-43E0-B8FC-AC1667EBCBE1}">
+              <a14:hiddenEffects xmlns:a14="http://schemas.microsoft.com/office/drawing/2010/main">
+                <a:effectLst>
+                  <a:outerShdw dist="35921" dir="2700000" algn="ctr" rotWithShape="0">
+                    <a:schemeClr val="bg2"/>
+                  </a:outerShdw>
+                </a:effectLst>
+              </a14:hiddenEffects>
+            </a:ext>
+          </a:extLst>
         </p:spPr>
         <p:txBody>
-          <a:bodyPr wrap="square" rtlCol="0">
+          <a:bodyPr vert="horz" wrap="none" lIns="91440" tIns="45720" rIns="91440" bIns="45720" numCol="1" anchor="ctr" anchorCtr="0" compatLnSpc="1">
+            <a:prstTxWarp prst="textNoShape">
+              <a:avLst/>
+            </a:prstTxWarp>
             <a:spAutoFit/>
           </a:bodyPr>
           <a:lstStyle/>
           <a:p>
-            <a:r>
-              <a:rPr lang="ko-KR" altLang="en-US" sz="1050" dirty="0" smtClean="0">
-                <a:solidFill>
-                  <a:schemeClr val="accent1"/>
-                </a:solidFill>
-              </a:rPr>
-              <a:t>나가기</a:t>
-            </a:r>
-            <a:endParaRPr lang="ko-KR" altLang="en-US" sz="1050" dirty="0">
-              <a:solidFill>
-                <a:schemeClr val="accent1"/>
-              </a:solidFill>
-            </a:endParaRPr>
+            <a:endParaRPr lang="ko-KR" altLang="en-US"/>
           </a:p>
         </p:txBody>
       </p:sp>
+      <p:pic>
+        <p:nvPicPr>
+          <p:cNvPr id="2049" name="_x313076448" descr="EMB00001e886b56"/>
+          <p:cNvPicPr>
+            <a:picLocks noChangeAspect="1" noChangeArrowheads="1"/>
+          </p:cNvPicPr>
+          <p:nvPr/>
+        </p:nvPicPr>
+        <p:blipFill>
+          <a:blip r:embed="rId5">
+            <a:extLst>
+              <a:ext uri="{28A0092B-C50C-407E-A947-70E740481C1C}">
+                <a14:useLocalDpi xmlns:a14="http://schemas.microsoft.com/office/drawing/2010/main" val="0"/>
+              </a:ext>
+            </a:extLst>
+          </a:blip>
+          <a:srcRect/>
+          <a:stretch>
+            <a:fillRect/>
+          </a:stretch>
+        </p:blipFill>
+        <p:spPr bwMode="auto">
+          <a:xfrm>
+            <a:off x="533999" y="3770703"/>
+            <a:ext cx="2405748" cy="2379663"/>
+          </a:xfrm>
+          <a:prstGeom prst="rect">
+            <a:avLst/>
+          </a:prstGeom>
+          <a:noFill/>
+          <a:extLst>
+            <a:ext uri="{909E8E84-426E-40DD-AFC4-6F175D3DCCD1}">
+              <a14:hiddenFill xmlns:a14="http://schemas.microsoft.com/office/drawing/2010/main">
+                <a:solidFill>
+                  <a:srgbClr val="FFFFFF"/>
+                </a:solidFill>
+              </a14:hiddenFill>
+            </a:ext>
+          </a:extLst>
+        </p:spPr>
+      </p:pic>
+      <p:sp>
+        <p:nvSpPr>
+          <p:cNvPr id="13" name="Rectangle 4"/>
+          <p:cNvSpPr>
+            <a:spLocks noChangeArrowheads="1"/>
+          </p:cNvSpPr>
+          <p:nvPr/>
+        </p:nvSpPr>
+        <p:spPr bwMode="auto">
+          <a:xfrm>
+            <a:off x="0" y="0"/>
+            <a:ext cx="9144000" cy="457200"/>
+          </a:xfrm>
+          <a:prstGeom prst="rect">
+            <a:avLst/>
+          </a:prstGeom>
+          <a:noFill/>
+          <a:ln>
+            <a:noFill/>
+          </a:ln>
+          <a:effectLst/>
+          <a:extLst>
+            <a:ext uri="{909E8E84-426E-40DD-AFC4-6F175D3DCCD1}">
+              <a14:hiddenFill xmlns:a14="http://schemas.microsoft.com/office/drawing/2010/main">
+                <a:solidFill>
+                  <a:schemeClr val="accent1"/>
+                </a:solidFill>
+              </a14:hiddenFill>
+            </a:ext>
+            <a:ext uri="{91240B29-F687-4F45-9708-019B960494DF}">
+              <a14:hiddenLine xmlns:a14="http://schemas.microsoft.com/office/drawing/2010/main" w="9525">
+                <a:solidFill>
+                  <a:schemeClr val="tx1"/>
+                </a:solidFill>
+                <a:miter lim="800000"/>
+                <a:headEnd/>
+                <a:tailEnd/>
+              </a14:hiddenLine>
+            </a:ext>
+            <a:ext uri="{AF507438-7753-43E0-B8FC-AC1667EBCBE1}">
+              <a14:hiddenEffects xmlns:a14="http://schemas.microsoft.com/office/drawing/2010/main">
+                <a:effectLst>
+                  <a:outerShdw dist="35921" dir="2700000" algn="ctr" rotWithShape="0">
+                    <a:schemeClr val="bg2"/>
+                  </a:outerShdw>
+                </a:effectLst>
+              </a14:hiddenEffects>
+            </a:ext>
+          </a:extLst>
+        </p:spPr>
+        <p:txBody>
+          <a:bodyPr vert="horz" wrap="none" lIns="91440" tIns="45720" rIns="91440" bIns="45720" numCol="1" anchor="ctr" anchorCtr="0" compatLnSpc="1">
+            <a:prstTxWarp prst="textNoShape">
+              <a:avLst/>
+            </a:prstTxWarp>
+            <a:spAutoFit/>
+          </a:bodyPr>
+          <a:lstStyle/>
+          <a:p>
+            <a:endParaRPr lang="ko-KR" altLang="en-US"/>
+          </a:p>
+        </p:txBody>
+      </p:sp>
+      <p:pic>
+        <p:nvPicPr>
+          <p:cNvPr id="2051" name="_x313076288" descr="EMB00001e886b59"/>
+          <p:cNvPicPr>
+            <a:picLocks noChangeAspect="1" noChangeArrowheads="1"/>
+          </p:cNvPicPr>
+          <p:nvPr/>
+        </p:nvPicPr>
+        <p:blipFill>
+          <a:blip r:embed="rId6">
+            <a:extLst>
+              <a:ext uri="{28A0092B-C50C-407E-A947-70E740481C1C}">
+                <a14:useLocalDpi xmlns:a14="http://schemas.microsoft.com/office/drawing/2010/main" val="0"/>
+              </a:ext>
+            </a:extLst>
+          </a:blip>
+          <a:srcRect/>
+          <a:stretch>
+            <a:fillRect/>
+          </a:stretch>
+        </p:blipFill>
+        <p:spPr bwMode="auto">
+          <a:xfrm>
+            <a:off x="2939746" y="3770703"/>
+            <a:ext cx="2495973" cy="2468563"/>
+          </a:xfrm>
+          <a:prstGeom prst="rect">
+            <a:avLst/>
+          </a:prstGeom>
+          <a:noFill/>
+          <a:extLst>
+            <a:ext uri="{909E8E84-426E-40DD-AFC4-6F175D3DCCD1}">
+              <a14:hiddenFill xmlns:a14="http://schemas.microsoft.com/office/drawing/2010/main">
+                <a:solidFill>
+                  <a:srgbClr val="FFFFFF"/>
+                </a:solidFill>
+              </a14:hiddenFill>
+            </a:ext>
+          </a:extLst>
+        </p:spPr>
+      </p:pic>
+      <p:sp>
+        <p:nvSpPr>
+          <p:cNvPr id="14" name="Rectangle 6"/>
+          <p:cNvSpPr>
+            <a:spLocks noChangeArrowheads="1"/>
+          </p:cNvSpPr>
+          <p:nvPr/>
+        </p:nvSpPr>
+        <p:spPr bwMode="auto">
+          <a:xfrm>
+            <a:off x="0" y="0"/>
+            <a:ext cx="9144000" cy="457200"/>
+          </a:xfrm>
+          <a:prstGeom prst="rect">
+            <a:avLst/>
+          </a:prstGeom>
+          <a:noFill/>
+          <a:ln>
+            <a:noFill/>
+          </a:ln>
+          <a:effectLst/>
+          <a:extLst>
+            <a:ext uri="{909E8E84-426E-40DD-AFC4-6F175D3DCCD1}">
+              <a14:hiddenFill xmlns:a14="http://schemas.microsoft.com/office/drawing/2010/main">
+                <a:solidFill>
+                  <a:schemeClr val="accent1"/>
+                </a:solidFill>
+              </a14:hiddenFill>
+            </a:ext>
+            <a:ext uri="{91240B29-F687-4F45-9708-019B960494DF}">
+              <a14:hiddenLine xmlns:a14="http://schemas.microsoft.com/office/drawing/2010/main" w="9525">
+                <a:solidFill>
+                  <a:schemeClr val="tx1"/>
+                </a:solidFill>
+                <a:miter lim="800000"/>
+                <a:headEnd/>
+                <a:tailEnd/>
+              </a14:hiddenLine>
+            </a:ext>
+            <a:ext uri="{AF507438-7753-43E0-B8FC-AC1667EBCBE1}">
+              <a14:hiddenEffects xmlns:a14="http://schemas.microsoft.com/office/drawing/2010/main">
+                <a:effectLst>
+                  <a:outerShdw dist="35921" dir="2700000" algn="ctr" rotWithShape="0">
+                    <a:schemeClr val="bg2"/>
+                  </a:outerShdw>
+                </a:effectLst>
+              </a14:hiddenEffects>
+            </a:ext>
+          </a:extLst>
+        </p:spPr>
+        <p:txBody>
+          <a:bodyPr vert="horz" wrap="none" lIns="91440" tIns="45720" rIns="91440" bIns="45720" numCol="1" anchor="ctr" anchorCtr="0" compatLnSpc="1">
+            <a:prstTxWarp prst="textNoShape">
+              <a:avLst/>
+            </a:prstTxWarp>
+            <a:spAutoFit/>
+          </a:bodyPr>
+          <a:lstStyle/>
+          <a:p>
+            <a:endParaRPr lang="ko-KR" altLang="en-US"/>
+          </a:p>
+        </p:txBody>
+      </p:sp>
+      <p:pic>
+        <p:nvPicPr>
+          <p:cNvPr id="2053" name="_x313075808" descr="EMB00001e886b5c"/>
+          <p:cNvPicPr>
+            <a:picLocks noChangeAspect="1" noChangeArrowheads="1"/>
+          </p:cNvPicPr>
+          <p:nvPr/>
+        </p:nvPicPr>
+        <p:blipFill>
+          <a:blip r:embed="rId7">
+            <a:extLst>
+              <a:ext uri="{28A0092B-C50C-407E-A947-70E740481C1C}">
+                <a14:useLocalDpi xmlns:a14="http://schemas.microsoft.com/office/drawing/2010/main" val="0"/>
+              </a:ext>
+            </a:extLst>
+          </a:blip>
+          <a:srcRect/>
+          <a:stretch>
+            <a:fillRect/>
+          </a:stretch>
+        </p:blipFill>
+        <p:spPr bwMode="auto">
+          <a:xfrm>
+            <a:off x="5388019" y="3770703"/>
+            <a:ext cx="2400194" cy="2493963"/>
+          </a:xfrm>
+          <a:prstGeom prst="rect">
+            <a:avLst/>
+          </a:prstGeom>
+          <a:noFill/>
+          <a:extLst>
+            <a:ext uri="{909E8E84-426E-40DD-AFC4-6F175D3DCCD1}">
+              <a14:hiddenFill xmlns:a14="http://schemas.microsoft.com/office/drawing/2010/main">
+                <a:solidFill>
+                  <a:srgbClr val="FFFFFF"/>
+                </a:solidFill>
+              </a14:hiddenFill>
+            </a:ext>
+          </a:extLst>
+        </p:spPr>
+      </p:pic>
     </p:spTree>
     <p:extLst>
       <p:ext uri="{BB962C8B-B14F-4D97-AF65-F5344CB8AC3E}">
-        <p14:creationId xmlns:p14="http://schemas.microsoft.com/office/powerpoint/2010/main" val="680167562"/>
+        <p14:creationId xmlns:p14="http://schemas.microsoft.com/office/powerpoint/2010/main" val="2914251895"/>
       </p:ext>
     </p:extLst>
   </p:cSld>
@@ -22036,79 +21632,1069 @@
           </a:p>
         </p:txBody>
       </p:sp>
+      <p:pic>
+        <p:nvPicPr>
+          <p:cNvPr id="14" name="그림 13"/>
+          <p:cNvPicPr>
+            <a:picLocks noChangeAspect="1"/>
+          </p:cNvPicPr>
+          <p:nvPr/>
+        </p:nvPicPr>
+        <p:blipFill>
+          <a:blip r:embed="rId2"/>
+          <a:stretch>
+            <a:fillRect/>
+          </a:stretch>
+        </p:blipFill>
+        <p:spPr>
+          <a:xfrm>
+            <a:off x="1743928" y="2123739"/>
+            <a:ext cx="5985754" cy="4697997"/>
+          </a:xfrm>
+          <a:prstGeom prst="rect">
+            <a:avLst/>
+          </a:prstGeom>
+        </p:spPr>
+      </p:pic>
       <p:sp>
         <p:nvSpPr>
-          <p:cNvPr id="4" name="Rectangle 2"/>
-          <p:cNvSpPr>
-            <a:spLocks noChangeArrowheads="1"/>
-          </p:cNvSpPr>
+          <p:cNvPr id="15" name="TextBox 14"/>
+          <p:cNvSpPr txBox="1"/>
           <p:nvPr/>
         </p:nvSpPr>
-        <p:spPr bwMode="auto">
+        <p:spPr>
           <a:xfrm>
-            <a:off x="539552" y="4039322"/>
-            <a:ext cx="6136264" cy="214550"/>
+            <a:off x="6863132" y="2162463"/>
+            <a:ext cx="1521159" cy="215444"/>
           </a:xfrm>
           <a:prstGeom prst="rect">
             <a:avLst/>
           </a:prstGeom>
           <a:noFill/>
-          <a:ln>
-            <a:noFill/>
-          </a:ln>
-          <a:effectLst/>
-          <a:extLst>
-            <a:ext uri="{909E8E84-426E-40DD-AFC4-6F175D3DCCD1}">
-              <a14:hiddenFill xmlns:a14="http://schemas.microsoft.com/office/drawing/2010/main">
-                <a:solidFill>
-                  <a:schemeClr val="accent1"/>
-                </a:solidFill>
-              </a14:hiddenFill>
-            </a:ext>
-            <a:ext uri="{91240B29-F687-4F45-9708-019B960494DF}">
-              <a14:hiddenLine xmlns:a14="http://schemas.microsoft.com/office/drawing/2010/main" w="9525">
-                <a:solidFill>
-                  <a:schemeClr val="tx1"/>
-                </a:solidFill>
-                <a:miter lim="800000"/>
-                <a:headEnd/>
-                <a:tailEnd/>
-              </a14:hiddenLine>
-            </a:ext>
-            <a:ext uri="{AF507438-7753-43E0-B8FC-AC1667EBCBE1}">
-              <a14:hiddenEffects xmlns:a14="http://schemas.microsoft.com/office/drawing/2010/main">
-                <a:effectLst>
-                  <a:outerShdw dist="35921" dir="2700000" algn="ctr" rotWithShape="0">
-                    <a:schemeClr val="bg2"/>
-                  </a:outerShdw>
-                </a:effectLst>
-              </a14:hiddenEffects>
-            </a:ext>
-          </a:extLst>
         </p:spPr>
         <p:txBody>
-          <a:bodyPr vert="horz" wrap="square" lIns="91440" tIns="45720" rIns="91440" bIns="45720" numCol="1" anchor="ctr" anchorCtr="0" compatLnSpc="1">
-            <a:prstTxWarp prst="textNoShape">
-              <a:avLst/>
-            </a:prstTxWarp>
+          <a:bodyPr wrap="square" rtlCol="0">
             <a:spAutoFit/>
           </a:bodyPr>
           <a:lstStyle/>
           <a:p>
-            <a:endParaRPr lang="ko-KR" altLang="en-US"/>
+            <a:r>
+              <a:rPr lang="ko-KR" altLang="en-US" sz="800" dirty="0" err="1" smtClean="0">
+                <a:solidFill>
+                  <a:schemeClr val="bg1"/>
+                </a:solidFill>
+                <a:effectLst>
+                  <a:glow rad="228600">
+                    <a:schemeClr val="accent1">
+                      <a:satMod val="175000"/>
+                      <a:alpha val="40000"/>
+                    </a:schemeClr>
+                  </a:glow>
+                </a:effectLst>
+              </a:rPr>
+              <a:t>흐른시간</a:t>
+            </a:r>
+            <a:r>
+              <a:rPr lang="ko-KR" altLang="en-US" sz="800" dirty="0" smtClean="0">
+                <a:solidFill>
+                  <a:schemeClr val="bg1"/>
+                </a:solidFill>
+                <a:effectLst>
+                  <a:glow rad="228600">
+                    <a:schemeClr val="accent1">
+                      <a:satMod val="175000"/>
+                      <a:alpha val="40000"/>
+                    </a:schemeClr>
+                  </a:glow>
+                </a:effectLst>
+              </a:rPr>
+              <a:t> </a:t>
+            </a:r>
+            <a:r>
+              <a:rPr lang="en-US" altLang="ko-KR" sz="800" dirty="0" smtClean="0">
+                <a:solidFill>
+                  <a:schemeClr val="bg1"/>
+                </a:solidFill>
+                <a:effectLst>
+                  <a:glow rad="228600">
+                    <a:schemeClr val="accent1">
+                      <a:satMod val="175000"/>
+                      <a:alpha val="40000"/>
+                    </a:schemeClr>
+                  </a:glow>
+                </a:effectLst>
+              </a:rPr>
+              <a:t>0:00</a:t>
+            </a:r>
+            <a:endParaRPr lang="ko-KR" altLang="en-US" sz="800" dirty="0"/>
           </a:p>
         </p:txBody>
       </p:sp>
       <p:pic>
         <p:nvPicPr>
-          <p:cNvPr id="1025" name="_x313074848" descr="EMB00001e886b4d"/>
+          <p:cNvPr id="16" name="그림 15"/>
+          <p:cNvPicPr>
+            <a:picLocks noChangeAspect="1"/>
+          </p:cNvPicPr>
+          <p:nvPr/>
+        </p:nvPicPr>
+        <p:blipFill>
+          <a:blip r:embed="rId3"/>
+          <a:stretch>
+            <a:fillRect/>
+          </a:stretch>
+        </p:blipFill>
+        <p:spPr>
+          <a:xfrm>
+            <a:off x="6528191" y="5782271"/>
+            <a:ext cx="1201491" cy="1039465"/>
+          </a:xfrm>
+          <a:prstGeom prst="rect">
+            <a:avLst/>
+          </a:prstGeom>
+        </p:spPr>
+      </p:pic>
+      <p:sp>
+        <p:nvSpPr>
+          <p:cNvPr id="2" name="직사각형 1"/>
+          <p:cNvSpPr/>
+          <p:nvPr/>
+        </p:nvSpPr>
+        <p:spPr>
+          <a:xfrm>
+            <a:off x="1727684" y="2121530"/>
+            <a:ext cx="5966944" cy="4700206"/>
+          </a:xfrm>
+          <a:prstGeom prst="rect">
+            <a:avLst/>
+          </a:prstGeom>
+          <a:solidFill>
+            <a:srgbClr val="868686">
+              <a:alpha val="40000"/>
+            </a:srgbClr>
+          </a:solidFill>
+        </p:spPr>
+        <p:style>
+          <a:lnRef idx="2">
+            <a:schemeClr val="accent1">
+              <a:shade val="50000"/>
+            </a:schemeClr>
+          </a:lnRef>
+          <a:fillRef idx="1">
+            <a:schemeClr val="accent1"/>
+          </a:fillRef>
+          <a:effectRef idx="0">
+            <a:schemeClr val="accent1"/>
+          </a:effectRef>
+          <a:fontRef idx="minor">
+            <a:schemeClr val="lt1"/>
+          </a:fontRef>
+        </p:style>
+        <p:txBody>
+          <a:bodyPr rtlCol="0" anchor="ctr"/>
+          <a:lstStyle/>
+          <a:p>
+            <a:pPr algn="ctr"/>
+            <a:endParaRPr lang="ko-KR" altLang="en-US"/>
+          </a:p>
+        </p:txBody>
+      </p:sp>
+      <p:sp>
+        <p:nvSpPr>
+          <p:cNvPr id="5" name="TextBox 4"/>
+          <p:cNvSpPr txBox="1"/>
+          <p:nvPr/>
+        </p:nvSpPr>
+        <p:spPr>
+          <a:xfrm>
+            <a:off x="2339752" y="2371324"/>
+            <a:ext cx="4908616" cy="2308324"/>
+          </a:xfrm>
+          <a:prstGeom prst="rect">
+            <a:avLst/>
+          </a:prstGeom>
+          <a:noFill/>
+        </p:spPr>
+        <p:txBody>
+          <a:bodyPr wrap="square" rtlCol="0">
+            <a:spAutoFit/>
+          </a:bodyPr>
+          <a:lstStyle/>
+          <a:p>
+            <a:r>
+              <a:rPr lang="en-US" altLang="ko-KR" dirty="0" smtClean="0"/>
+              <a:t>(ID) : </a:t>
+            </a:r>
+            <a:r>
+              <a:rPr lang="ko-KR" altLang="en-US" dirty="0"/>
+              <a:t> </a:t>
+            </a:r>
+            <a:r>
+              <a:rPr lang="en-US" altLang="ko-KR" dirty="0" smtClean="0"/>
+              <a:t>kill(monster): 2  kill(player): 0</a:t>
+            </a:r>
+          </a:p>
+          <a:p>
+            <a:r>
+              <a:rPr lang="en-US" altLang="ko-KR" dirty="0"/>
+              <a:t>(ID) : </a:t>
+            </a:r>
+            <a:r>
+              <a:rPr lang="ko-KR" altLang="en-US" dirty="0"/>
+              <a:t> </a:t>
+            </a:r>
+            <a:r>
+              <a:rPr lang="en-US" altLang="ko-KR" dirty="0"/>
+              <a:t>kill(monster): </a:t>
+            </a:r>
+            <a:r>
+              <a:rPr lang="en-US" altLang="ko-KR" dirty="0" smtClean="0"/>
+              <a:t>1  </a:t>
+            </a:r>
+            <a:r>
+              <a:rPr lang="en-US" altLang="ko-KR" dirty="0"/>
+              <a:t>kill(player): </a:t>
+            </a:r>
+            <a:r>
+              <a:rPr lang="en-US" altLang="ko-KR" dirty="0" smtClean="0"/>
+              <a:t>0</a:t>
+            </a:r>
+          </a:p>
+          <a:p>
+            <a:r>
+              <a:rPr lang="en-US" altLang="ko-KR" dirty="0">
+                <a:solidFill>
+                  <a:schemeClr val="accent2"/>
+                </a:solidFill>
+              </a:rPr>
+              <a:t>(ID) : </a:t>
+            </a:r>
+            <a:r>
+              <a:rPr lang="ko-KR" altLang="en-US" dirty="0">
+                <a:solidFill>
+                  <a:schemeClr val="accent2"/>
+                </a:solidFill>
+              </a:rPr>
+              <a:t> </a:t>
+            </a:r>
+            <a:r>
+              <a:rPr lang="en-US" altLang="ko-KR" dirty="0">
+                <a:solidFill>
+                  <a:schemeClr val="accent2"/>
+                </a:solidFill>
+              </a:rPr>
+              <a:t>kill(monster): </a:t>
+            </a:r>
+            <a:r>
+              <a:rPr lang="en-US" altLang="ko-KR" dirty="0" smtClean="0">
+                <a:solidFill>
+                  <a:schemeClr val="accent2"/>
+                </a:solidFill>
+              </a:rPr>
+              <a:t>0  </a:t>
+            </a:r>
+            <a:r>
+              <a:rPr lang="en-US" altLang="ko-KR" dirty="0">
+                <a:solidFill>
+                  <a:schemeClr val="accent2"/>
+                </a:solidFill>
+              </a:rPr>
+              <a:t>kill(player): 1</a:t>
+            </a:r>
+            <a:endParaRPr lang="en-US" altLang="ko-KR" dirty="0" smtClean="0">
+              <a:solidFill>
+                <a:schemeClr val="accent2"/>
+              </a:solidFill>
+            </a:endParaRPr>
+          </a:p>
+          <a:p>
+            <a:r>
+              <a:rPr lang="en-US" altLang="ko-KR" dirty="0"/>
+              <a:t>(ID) : </a:t>
+            </a:r>
+            <a:r>
+              <a:rPr lang="ko-KR" altLang="en-US" dirty="0"/>
+              <a:t> </a:t>
+            </a:r>
+            <a:r>
+              <a:rPr lang="en-US" altLang="ko-KR" dirty="0"/>
+              <a:t>kill(monster): </a:t>
+            </a:r>
+            <a:r>
+              <a:rPr lang="en-US" altLang="ko-KR" dirty="0" smtClean="0"/>
+              <a:t>0  </a:t>
+            </a:r>
+            <a:r>
+              <a:rPr lang="en-US" altLang="ko-KR" dirty="0"/>
+              <a:t>kill(player): </a:t>
+            </a:r>
+            <a:r>
+              <a:rPr lang="en-US" altLang="ko-KR" dirty="0" smtClean="0"/>
+              <a:t>0</a:t>
+            </a:r>
+          </a:p>
+          <a:p>
+            <a:r>
+              <a:rPr lang="en-US" altLang="ko-KR" dirty="0">
+                <a:solidFill>
+                  <a:schemeClr val="accent2"/>
+                </a:solidFill>
+              </a:rPr>
+              <a:t>(ID) : </a:t>
+            </a:r>
+            <a:r>
+              <a:rPr lang="ko-KR" altLang="en-US" dirty="0">
+                <a:solidFill>
+                  <a:schemeClr val="accent2"/>
+                </a:solidFill>
+              </a:rPr>
+              <a:t> </a:t>
+            </a:r>
+            <a:r>
+              <a:rPr lang="en-US" altLang="ko-KR" dirty="0">
+                <a:solidFill>
+                  <a:schemeClr val="accent2"/>
+                </a:solidFill>
+              </a:rPr>
+              <a:t>kill(monster): </a:t>
+            </a:r>
+            <a:r>
+              <a:rPr lang="en-US" altLang="ko-KR" dirty="0" smtClean="0">
+                <a:solidFill>
+                  <a:schemeClr val="accent2"/>
+                </a:solidFill>
+              </a:rPr>
+              <a:t>6  </a:t>
+            </a:r>
+            <a:r>
+              <a:rPr lang="en-US" altLang="ko-KR" dirty="0">
+                <a:solidFill>
+                  <a:schemeClr val="accent2"/>
+                </a:solidFill>
+              </a:rPr>
+              <a:t>kill(player): </a:t>
+            </a:r>
+            <a:r>
+              <a:rPr lang="en-US" altLang="ko-KR" dirty="0" smtClean="0">
+                <a:solidFill>
+                  <a:schemeClr val="accent2"/>
+                </a:solidFill>
+              </a:rPr>
+              <a:t>0</a:t>
+            </a:r>
+          </a:p>
+          <a:p>
+            <a:r>
+              <a:rPr lang="en-US" altLang="ko-KR" dirty="0"/>
+              <a:t>(ID) : </a:t>
+            </a:r>
+            <a:r>
+              <a:rPr lang="ko-KR" altLang="en-US" dirty="0"/>
+              <a:t> </a:t>
+            </a:r>
+            <a:r>
+              <a:rPr lang="en-US" altLang="ko-KR" dirty="0"/>
+              <a:t>kill(monster): 1</a:t>
+            </a:r>
+            <a:r>
+              <a:rPr lang="en-US" altLang="ko-KR" dirty="0" smtClean="0"/>
+              <a:t>  </a:t>
+            </a:r>
+            <a:r>
+              <a:rPr lang="en-US" altLang="ko-KR" dirty="0"/>
+              <a:t>kill(player): 1</a:t>
+            </a:r>
+            <a:endParaRPr lang="en-US" altLang="ko-KR" dirty="0" smtClean="0"/>
+          </a:p>
+          <a:p>
+            <a:r>
+              <a:rPr lang="en-US" altLang="ko-KR" dirty="0">
+                <a:solidFill>
+                  <a:schemeClr val="accent2"/>
+                </a:solidFill>
+              </a:rPr>
+              <a:t>(ID) : </a:t>
+            </a:r>
+            <a:r>
+              <a:rPr lang="ko-KR" altLang="en-US" dirty="0">
+                <a:solidFill>
+                  <a:schemeClr val="accent2"/>
+                </a:solidFill>
+              </a:rPr>
+              <a:t> </a:t>
+            </a:r>
+            <a:r>
+              <a:rPr lang="en-US" altLang="ko-KR" dirty="0">
+                <a:solidFill>
+                  <a:schemeClr val="accent2"/>
+                </a:solidFill>
+              </a:rPr>
+              <a:t>kill(monster): </a:t>
+            </a:r>
+            <a:r>
+              <a:rPr lang="en-US" altLang="ko-KR" dirty="0" smtClean="0">
+                <a:solidFill>
+                  <a:schemeClr val="accent2"/>
+                </a:solidFill>
+              </a:rPr>
+              <a:t>0  </a:t>
+            </a:r>
+            <a:r>
+              <a:rPr lang="en-US" altLang="ko-KR" dirty="0">
+                <a:solidFill>
+                  <a:schemeClr val="accent2"/>
+                </a:solidFill>
+              </a:rPr>
+              <a:t>kill(player): </a:t>
+            </a:r>
+            <a:r>
+              <a:rPr lang="en-US" altLang="ko-KR" dirty="0" smtClean="0">
+                <a:solidFill>
+                  <a:schemeClr val="accent2"/>
+                </a:solidFill>
+              </a:rPr>
+              <a:t>0 </a:t>
+            </a:r>
+          </a:p>
+          <a:p>
+            <a:endParaRPr lang="ko-KR" altLang="en-US" dirty="0"/>
+          </a:p>
+        </p:txBody>
+      </p:sp>
+      <p:cxnSp>
+        <p:nvCxnSpPr>
+          <p:cNvPr id="18" name="직선 화살표 연결선 17"/>
+          <p:cNvCxnSpPr/>
+          <p:nvPr/>
+        </p:nvCxnSpPr>
+        <p:spPr>
+          <a:xfrm flipV="1">
+            <a:off x="1043608" y="3140968"/>
+            <a:ext cx="1296144" cy="504056"/>
+          </a:xfrm>
+          <a:prstGeom prst="straightConnector1">
+            <a:avLst/>
+          </a:prstGeom>
+          <a:ln>
+            <a:tailEnd type="triangle"/>
+          </a:ln>
+        </p:spPr>
+        <p:style>
+          <a:lnRef idx="1">
+            <a:schemeClr val="accent1"/>
+          </a:lnRef>
+          <a:fillRef idx="0">
+            <a:schemeClr val="accent1"/>
+          </a:fillRef>
+          <a:effectRef idx="0">
+            <a:schemeClr val="accent1"/>
+          </a:effectRef>
+          <a:fontRef idx="minor">
+            <a:schemeClr val="tx1"/>
+          </a:fontRef>
+        </p:style>
+      </p:cxnSp>
+      <p:cxnSp>
+        <p:nvCxnSpPr>
+          <p:cNvPr id="19" name="직선 화살표 연결선 18"/>
+          <p:cNvCxnSpPr/>
+          <p:nvPr/>
+        </p:nvCxnSpPr>
+        <p:spPr>
+          <a:xfrm>
+            <a:off x="1043608" y="3645024"/>
+            <a:ext cx="1368152" cy="0"/>
+          </a:xfrm>
+          <a:prstGeom prst="straightConnector1">
+            <a:avLst/>
+          </a:prstGeom>
+          <a:ln>
+            <a:tailEnd type="triangle"/>
+          </a:ln>
+        </p:spPr>
+        <p:style>
+          <a:lnRef idx="1">
+            <a:schemeClr val="accent1"/>
+          </a:lnRef>
+          <a:fillRef idx="0">
+            <a:schemeClr val="accent1"/>
+          </a:fillRef>
+          <a:effectRef idx="0">
+            <a:schemeClr val="accent1"/>
+          </a:effectRef>
+          <a:fontRef idx="minor">
+            <a:schemeClr val="tx1"/>
+          </a:fontRef>
+        </p:style>
+      </p:cxnSp>
+      <p:cxnSp>
+        <p:nvCxnSpPr>
+          <p:cNvPr id="22" name="직선 화살표 연결선 21"/>
+          <p:cNvCxnSpPr/>
+          <p:nvPr/>
+        </p:nvCxnSpPr>
+        <p:spPr>
+          <a:xfrm>
+            <a:off x="1022303" y="3645024"/>
+            <a:ext cx="1389457" cy="504056"/>
+          </a:xfrm>
+          <a:prstGeom prst="straightConnector1">
+            <a:avLst/>
+          </a:prstGeom>
+          <a:ln>
+            <a:tailEnd type="triangle"/>
+          </a:ln>
+        </p:spPr>
+        <p:style>
+          <a:lnRef idx="1">
+            <a:schemeClr val="accent1"/>
+          </a:lnRef>
+          <a:fillRef idx="0">
+            <a:schemeClr val="accent1"/>
+          </a:fillRef>
+          <a:effectRef idx="0">
+            <a:schemeClr val="accent1"/>
+          </a:effectRef>
+          <a:fontRef idx="minor">
+            <a:schemeClr val="tx1"/>
+          </a:fontRef>
+        </p:style>
+      </p:cxnSp>
+      <p:sp>
+        <p:nvSpPr>
+          <p:cNvPr id="25" name="TextBox 24"/>
+          <p:cNvSpPr txBox="1"/>
+          <p:nvPr/>
+        </p:nvSpPr>
+        <p:spPr>
+          <a:xfrm>
+            <a:off x="90714" y="3518065"/>
+            <a:ext cx="987501" cy="253916"/>
+          </a:xfrm>
+          <a:prstGeom prst="rect">
+            <a:avLst/>
+          </a:prstGeom>
+          <a:noFill/>
+        </p:spPr>
+        <p:txBody>
+          <a:bodyPr wrap="square" rtlCol="0">
+            <a:spAutoFit/>
+          </a:bodyPr>
+          <a:lstStyle/>
+          <a:p>
+            <a:r>
+              <a:rPr lang="ko-KR" altLang="en-US" sz="1050" dirty="0" smtClean="0">
+                <a:solidFill>
+                  <a:schemeClr val="accent2"/>
+                </a:solidFill>
+              </a:rPr>
+              <a:t>죽은플레이어</a:t>
+            </a:r>
+            <a:endParaRPr lang="ko-KR" altLang="en-US" sz="1050" dirty="0">
+              <a:solidFill>
+                <a:schemeClr val="accent2"/>
+              </a:solidFill>
+            </a:endParaRPr>
+          </a:p>
+        </p:txBody>
+      </p:sp>
+      <p:cxnSp>
+        <p:nvCxnSpPr>
+          <p:cNvPr id="27" name="직선 화살표 연결선 26"/>
+          <p:cNvCxnSpPr/>
+          <p:nvPr/>
+        </p:nvCxnSpPr>
+        <p:spPr>
+          <a:xfrm>
+            <a:off x="1187624" y="2492896"/>
+            <a:ext cx="1224136" cy="72008"/>
+          </a:xfrm>
+          <a:prstGeom prst="straightConnector1">
+            <a:avLst/>
+          </a:prstGeom>
+          <a:ln>
+            <a:solidFill>
+              <a:schemeClr val="bg2"/>
+            </a:solidFill>
+            <a:tailEnd type="triangle"/>
+          </a:ln>
+        </p:spPr>
+        <p:style>
+          <a:lnRef idx="1">
+            <a:schemeClr val="accent1"/>
+          </a:lnRef>
+          <a:fillRef idx="0">
+            <a:schemeClr val="accent1"/>
+          </a:fillRef>
+          <a:effectRef idx="0">
+            <a:schemeClr val="accent1"/>
+          </a:effectRef>
+          <a:fontRef idx="minor">
+            <a:schemeClr val="tx1"/>
+          </a:fontRef>
+        </p:style>
+      </p:cxnSp>
+      <p:cxnSp>
+        <p:nvCxnSpPr>
+          <p:cNvPr id="28" name="직선 화살표 연결선 27"/>
+          <p:cNvCxnSpPr/>
+          <p:nvPr/>
+        </p:nvCxnSpPr>
+        <p:spPr>
+          <a:xfrm>
+            <a:off x="1187624" y="2492895"/>
+            <a:ext cx="1242946" cy="360041"/>
+          </a:xfrm>
+          <a:prstGeom prst="straightConnector1">
+            <a:avLst/>
+          </a:prstGeom>
+          <a:ln>
+            <a:solidFill>
+              <a:schemeClr val="bg2"/>
+            </a:solidFill>
+            <a:tailEnd type="triangle"/>
+          </a:ln>
+        </p:spPr>
+        <p:style>
+          <a:lnRef idx="1">
+            <a:schemeClr val="accent1"/>
+          </a:lnRef>
+          <a:fillRef idx="0">
+            <a:schemeClr val="accent1"/>
+          </a:fillRef>
+          <a:effectRef idx="0">
+            <a:schemeClr val="accent1"/>
+          </a:effectRef>
+          <a:fontRef idx="minor">
+            <a:schemeClr val="tx1"/>
+          </a:fontRef>
+        </p:style>
+      </p:cxnSp>
+      <p:cxnSp>
+        <p:nvCxnSpPr>
+          <p:cNvPr id="31" name="직선 화살표 연결선 30"/>
+          <p:cNvCxnSpPr/>
+          <p:nvPr/>
+        </p:nvCxnSpPr>
+        <p:spPr>
+          <a:xfrm>
+            <a:off x="1187624" y="2528900"/>
+            <a:ext cx="1224136" cy="783392"/>
+          </a:xfrm>
+          <a:prstGeom prst="straightConnector1">
+            <a:avLst/>
+          </a:prstGeom>
+          <a:ln>
+            <a:solidFill>
+              <a:schemeClr val="bg2"/>
+            </a:solidFill>
+            <a:tailEnd type="triangle"/>
+          </a:ln>
+        </p:spPr>
+        <p:style>
+          <a:lnRef idx="1">
+            <a:schemeClr val="accent1"/>
+          </a:lnRef>
+          <a:fillRef idx="0">
+            <a:schemeClr val="accent1"/>
+          </a:fillRef>
+          <a:effectRef idx="0">
+            <a:schemeClr val="accent1"/>
+          </a:effectRef>
+          <a:fontRef idx="minor">
+            <a:schemeClr val="tx1"/>
+          </a:fontRef>
+        </p:style>
+      </p:cxnSp>
+      <p:cxnSp>
+        <p:nvCxnSpPr>
+          <p:cNvPr id="33" name="직선 화살표 연결선 32"/>
+          <p:cNvCxnSpPr/>
+          <p:nvPr/>
+        </p:nvCxnSpPr>
+        <p:spPr>
+          <a:xfrm>
+            <a:off x="1168814" y="2492894"/>
+            <a:ext cx="1242946" cy="1404158"/>
+          </a:xfrm>
+          <a:prstGeom prst="straightConnector1">
+            <a:avLst/>
+          </a:prstGeom>
+          <a:ln>
+            <a:solidFill>
+              <a:schemeClr val="bg2"/>
+            </a:solidFill>
+            <a:tailEnd type="triangle"/>
+          </a:ln>
+        </p:spPr>
+        <p:style>
+          <a:lnRef idx="1">
+            <a:schemeClr val="accent1"/>
+          </a:lnRef>
+          <a:fillRef idx="0">
+            <a:schemeClr val="accent1"/>
+          </a:fillRef>
+          <a:effectRef idx="0">
+            <a:schemeClr val="accent1"/>
+          </a:effectRef>
+          <a:fontRef idx="minor">
+            <a:schemeClr val="tx1"/>
+          </a:fontRef>
+        </p:style>
+      </p:cxnSp>
+      <p:sp>
+        <p:nvSpPr>
+          <p:cNvPr id="36" name="TextBox 35"/>
+          <p:cNvSpPr txBox="1"/>
+          <p:nvPr/>
+        </p:nvSpPr>
+        <p:spPr>
+          <a:xfrm>
+            <a:off x="155914" y="2374733"/>
+            <a:ext cx="1064946" cy="230832"/>
+          </a:xfrm>
+          <a:prstGeom prst="rect">
+            <a:avLst/>
+          </a:prstGeom>
+          <a:noFill/>
+        </p:spPr>
+        <p:txBody>
+          <a:bodyPr wrap="square" rtlCol="0">
+            <a:spAutoFit/>
+          </a:bodyPr>
+          <a:lstStyle/>
+          <a:p>
+            <a:r>
+              <a:rPr lang="ko-KR" altLang="en-US" sz="900" dirty="0" smtClean="0">
+                <a:solidFill>
+                  <a:schemeClr val="bg1"/>
+                </a:solidFill>
+              </a:rPr>
+              <a:t>생존한 플레이어</a:t>
+            </a:r>
+            <a:endParaRPr lang="ko-KR" altLang="en-US" sz="900" dirty="0">
+              <a:solidFill>
+                <a:schemeClr val="bg1"/>
+              </a:solidFill>
+            </a:endParaRPr>
+          </a:p>
+        </p:txBody>
+      </p:sp>
+      <p:sp>
+        <p:nvSpPr>
+          <p:cNvPr id="37" name="직사각형 36"/>
+          <p:cNvSpPr/>
+          <p:nvPr/>
+        </p:nvSpPr>
+        <p:spPr>
+          <a:xfrm>
+            <a:off x="1907704" y="1141765"/>
+            <a:ext cx="5444463" cy="931024"/>
+          </a:xfrm>
+          <a:prstGeom prst="rect">
+            <a:avLst/>
+          </a:prstGeom>
+          <a:ln>
+            <a:noFill/>
+          </a:ln>
+          <a:effectLst>
+            <a:glow rad="228600">
+              <a:srgbClr val="FFFF00">
+                <a:alpha val="40000"/>
+              </a:srgbClr>
+            </a:glow>
+            <a:outerShdw blurRad="44450" dist="27940" dir="5400000" algn="ctr">
+              <a:srgbClr val="000000">
+                <a:alpha val="32000"/>
+              </a:srgbClr>
+            </a:outerShdw>
+          </a:effectLst>
+          <a:scene3d>
+            <a:camera prst="orthographicFront">
+              <a:rot lat="0" lon="0" rev="0"/>
+            </a:camera>
+            <a:lightRig rig="balanced" dir="t">
+              <a:rot lat="0" lon="0" rev="8700000"/>
+            </a:lightRig>
+          </a:scene3d>
+          <a:sp3d>
+            <a:bevelT w="190500" h="38100"/>
+          </a:sp3d>
+        </p:spPr>
+        <p:style>
+          <a:lnRef idx="3">
+            <a:schemeClr val="lt1"/>
+          </a:lnRef>
+          <a:fillRef idx="1">
+            <a:schemeClr val="dk1"/>
+          </a:fillRef>
+          <a:effectRef idx="1">
+            <a:schemeClr val="dk1"/>
+          </a:effectRef>
+          <a:fontRef idx="minor">
+            <a:schemeClr val="lt1"/>
+          </a:fontRef>
+        </p:style>
+        <p:txBody>
+          <a:bodyPr wrap="square">
+            <a:spAutoFit/>
+          </a:bodyPr>
+          <a:lstStyle/>
+          <a:p>
+            <a:pPr fontAlgn="base">
+              <a:lnSpc>
+                <a:spcPct val="160000"/>
+              </a:lnSpc>
+            </a:pPr>
+            <a:r>
+              <a:rPr lang="ko-KR" altLang="en-US" sz="1200" kern="0" dirty="0" smtClean="0">
+                <a:solidFill>
+                  <a:schemeClr val="bg1"/>
+                </a:solidFill>
+                <a:latin typeface="HY헤드라인M" panose="02030600000101010101" pitchFamily="18" charset="-127"/>
+                <a:ea typeface="HY헤드라인M" panose="02030600000101010101" pitchFamily="18" charset="-127"/>
+              </a:rPr>
+              <a:t>● </a:t>
+            </a:r>
+            <a:r>
+              <a:rPr lang="en-US" altLang="ko-KR" sz="1200" kern="0" dirty="0" smtClean="0">
+                <a:solidFill>
+                  <a:schemeClr val="bg1"/>
+                </a:solidFill>
+                <a:latin typeface="HY헤드라인M" panose="02030600000101010101" pitchFamily="18" charset="-127"/>
+                <a:ea typeface="HY헤드라인M" panose="02030600000101010101" pitchFamily="18" charset="-127"/>
+              </a:rPr>
+              <a:t>UI</a:t>
+            </a:r>
+          </a:p>
+          <a:p>
+            <a:pPr fontAlgn="base">
+              <a:lnSpc>
+                <a:spcPct val="160000"/>
+              </a:lnSpc>
+            </a:pPr>
+            <a:r>
+              <a:rPr lang="ko-KR" altLang="en-US" sz="1200" kern="0" dirty="0" smtClean="0">
+                <a:solidFill>
+                  <a:schemeClr val="bg1"/>
+                </a:solidFill>
+                <a:latin typeface="HY헤드라인M" panose="02030600000101010101" pitchFamily="18" charset="-127"/>
+                <a:ea typeface="HY헤드라인M" panose="02030600000101010101" pitchFamily="18" charset="-127"/>
+              </a:rPr>
+              <a:t>시간</a:t>
+            </a:r>
+            <a:r>
+              <a:rPr lang="en-US" altLang="ko-KR" sz="1200" kern="0" dirty="0" smtClean="0">
+                <a:solidFill>
+                  <a:schemeClr val="bg1"/>
+                </a:solidFill>
+                <a:latin typeface="HY헤드라인M" panose="02030600000101010101" pitchFamily="18" charset="-127"/>
+                <a:ea typeface="HY헤드라인M" panose="02030600000101010101" pitchFamily="18" charset="-127"/>
+              </a:rPr>
+              <a:t>,</a:t>
+            </a:r>
+            <a:r>
+              <a:rPr lang="ko-KR" altLang="en-US" sz="1200" kern="0" dirty="0" smtClean="0">
+                <a:solidFill>
+                  <a:schemeClr val="bg1"/>
+                </a:solidFill>
+                <a:latin typeface="HY헤드라인M" panose="02030600000101010101" pitchFamily="18" charset="-127"/>
+                <a:ea typeface="HY헤드라인M" panose="02030600000101010101" pitchFamily="18" charset="-127"/>
+              </a:rPr>
+              <a:t> 정보</a:t>
+            </a:r>
+            <a:r>
+              <a:rPr lang="en-US" altLang="ko-KR" sz="1200" kern="0" dirty="0" smtClean="0">
+                <a:solidFill>
+                  <a:schemeClr val="bg1"/>
+                </a:solidFill>
+                <a:latin typeface="HY헤드라인M" panose="02030600000101010101" pitchFamily="18" charset="-127"/>
+                <a:ea typeface="HY헤드라인M" panose="02030600000101010101" pitchFamily="18" charset="-127"/>
+              </a:rPr>
+              <a:t>(</a:t>
+            </a:r>
+            <a:r>
+              <a:rPr lang="ko-KR" altLang="en-US" sz="1200" kern="0" dirty="0" smtClean="0">
+                <a:solidFill>
+                  <a:schemeClr val="bg1"/>
+                </a:solidFill>
+                <a:latin typeface="HY헤드라인M" panose="02030600000101010101" pitchFamily="18" charset="-127"/>
+                <a:ea typeface="HY헤드라인M" panose="02030600000101010101" pitchFamily="18" charset="-127"/>
+              </a:rPr>
+              <a:t>점수</a:t>
+            </a:r>
+            <a:r>
+              <a:rPr lang="en-US" altLang="ko-KR" sz="1200" kern="0" dirty="0" smtClean="0">
+                <a:solidFill>
+                  <a:schemeClr val="bg1"/>
+                </a:solidFill>
+                <a:latin typeface="HY헤드라인M" panose="02030600000101010101" pitchFamily="18" charset="-127"/>
+                <a:ea typeface="HY헤드라인M" panose="02030600000101010101" pitchFamily="18" charset="-127"/>
+              </a:rPr>
+              <a:t>, </a:t>
+            </a:r>
+            <a:r>
+              <a:rPr lang="ko-KR" altLang="en-US" sz="1200" kern="0" dirty="0" smtClean="0">
+                <a:solidFill>
+                  <a:schemeClr val="bg1"/>
+                </a:solidFill>
+                <a:latin typeface="HY헤드라인M" panose="02030600000101010101" pitchFamily="18" charset="-127"/>
+                <a:ea typeface="HY헤드라인M" panose="02030600000101010101" pitchFamily="18" charset="-127"/>
+              </a:rPr>
+              <a:t>플레이어 등</a:t>
+            </a:r>
+            <a:r>
+              <a:rPr lang="en-US" altLang="ko-KR" sz="1200" kern="0" dirty="0" smtClean="0">
+                <a:solidFill>
+                  <a:schemeClr val="bg1"/>
+                </a:solidFill>
+                <a:latin typeface="HY헤드라인M" panose="02030600000101010101" pitchFamily="18" charset="-127"/>
+                <a:ea typeface="HY헤드라인M" panose="02030600000101010101" pitchFamily="18" charset="-127"/>
+              </a:rPr>
+              <a:t>)</a:t>
+            </a:r>
+          </a:p>
+          <a:p>
+            <a:pPr fontAlgn="base">
+              <a:lnSpc>
+                <a:spcPct val="160000"/>
+              </a:lnSpc>
+            </a:pPr>
+            <a:r>
+              <a:rPr lang="en-US" altLang="ko-KR" sz="1200" kern="0" dirty="0" smtClean="0">
+                <a:solidFill>
+                  <a:schemeClr val="bg1"/>
+                </a:solidFill>
+                <a:latin typeface="HY헤드라인M" panose="02030600000101010101" pitchFamily="18" charset="-127"/>
+                <a:ea typeface="HY헤드라인M" panose="02030600000101010101" pitchFamily="18" charset="-127"/>
+              </a:rPr>
+              <a:t>(</a:t>
+            </a:r>
+            <a:r>
+              <a:rPr lang="ko-KR" altLang="en-US" sz="1200" kern="0" dirty="0" smtClean="0">
+                <a:solidFill>
+                  <a:schemeClr val="bg1"/>
+                </a:solidFill>
+                <a:latin typeface="HY헤드라인M" panose="02030600000101010101" pitchFamily="18" charset="-127"/>
+                <a:ea typeface="HY헤드라인M" panose="02030600000101010101" pitchFamily="18" charset="-127"/>
+              </a:rPr>
+              <a:t>정보 </a:t>
+            </a:r>
+            <a:r>
+              <a:rPr lang="en-US" altLang="ko-KR" sz="1200" kern="0" dirty="0" smtClean="0">
+                <a:solidFill>
+                  <a:schemeClr val="bg1"/>
+                </a:solidFill>
+                <a:latin typeface="HY헤드라인M" panose="02030600000101010101" pitchFamily="18" charset="-127"/>
+                <a:ea typeface="HY헤드라인M" panose="02030600000101010101" pitchFamily="18" charset="-127"/>
+              </a:rPr>
+              <a:t>UI</a:t>
+            </a:r>
+            <a:r>
+              <a:rPr lang="ko-KR" altLang="en-US" sz="1200" kern="0" dirty="0" smtClean="0">
+                <a:solidFill>
+                  <a:schemeClr val="bg1"/>
+                </a:solidFill>
+                <a:latin typeface="HY헤드라인M" panose="02030600000101010101" pitchFamily="18" charset="-127"/>
+                <a:ea typeface="HY헤드라인M" panose="02030600000101010101" pitchFamily="18" charset="-127"/>
+              </a:rPr>
+              <a:t>는 </a:t>
+            </a:r>
+            <a:r>
+              <a:rPr lang="en-US" altLang="ko-KR" sz="1200" kern="0" dirty="0" smtClean="0">
+                <a:solidFill>
+                  <a:schemeClr val="bg1"/>
+                </a:solidFill>
+                <a:latin typeface="HY헤드라인M" panose="02030600000101010101" pitchFamily="18" charset="-127"/>
+                <a:ea typeface="HY헤드라인M" panose="02030600000101010101" pitchFamily="18" charset="-127"/>
+              </a:rPr>
+              <a:t>Tab</a:t>
+            </a:r>
+            <a:r>
+              <a:rPr lang="ko-KR" altLang="en-US" sz="1200" kern="0" dirty="0" smtClean="0">
+                <a:solidFill>
+                  <a:schemeClr val="bg1"/>
+                </a:solidFill>
+                <a:latin typeface="HY헤드라인M" panose="02030600000101010101" pitchFamily="18" charset="-127"/>
+                <a:ea typeface="HY헤드라인M" panose="02030600000101010101" pitchFamily="18" charset="-127"/>
+              </a:rPr>
+              <a:t>키를 누를 시 나타나게 됩니다</a:t>
+            </a:r>
+            <a:r>
+              <a:rPr lang="en-US" altLang="ko-KR" sz="1200" kern="0" dirty="0" smtClean="0">
+                <a:solidFill>
+                  <a:schemeClr val="bg1"/>
+                </a:solidFill>
+                <a:latin typeface="HY헤드라인M" panose="02030600000101010101" pitchFamily="18" charset="-127"/>
+                <a:ea typeface="HY헤드라인M" panose="02030600000101010101" pitchFamily="18" charset="-127"/>
+              </a:rPr>
+              <a:t>.</a:t>
+            </a:r>
+            <a:endParaRPr lang="en-US" altLang="ko-KR" sz="1200" kern="0" dirty="0">
+              <a:solidFill>
+                <a:schemeClr val="bg1"/>
+              </a:solidFill>
+              <a:latin typeface="HY헤드라인M" panose="02030600000101010101" pitchFamily="18" charset="-127"/>
+              <a:ea typeface="HY헤드라인M" panose="02030600000101010101" pitchFamily="18" charset="-127"/>
+            </a:endParaRPr>
+          </a:p>
+        </p:txBody>
+      </p:sp>
+      <p:sp>
+        <p:nvSpPr>
+          <p:cNvPr id="38" name="직사각형 37"/>
+          <p:cNvSpPr/>
+          <p:nvPr/>
+        </p:nvSpPr>
+        <p:spPr>
+          <a:xfrm>
+            <a:off x="6566105" y="12460816"/>
+            <a:ext cx="45719" cy="45719"/>
+          </a:xfrm>
+          <a:prstGeom prst="rect">
+            <a:avLst/>
+          </a:prstGeom>
+          <a:solidFill>
+            <a:srgbClr val="FD200F">
+              <a:alpha val="40000"/>
+            </a:srgbClr>
+          </a:solidFill>
+        </p:spPr>
+        <p:style>
+          <a:lnRef idx="2">
+            <a:schemeClr val="accent1">
+              <a:shade val="50000"/>
+            </a:schemeClr>
+          </a:lnRef>
+          <a:fillRef idx="1">
+            <a:schemeClr val="accent1"/>
+          </a:fillRef>
+          <a:effectRef idx="0">
+            <a:schemeClr val="accent1"/>
+          </a:effectRef>
+          <a:fontRef idx="minor">
+            <a:schemeClr val="lt1"/>
+          </a:fontRef>
+        </p:style>
+        <p:txBody>
+          <a:bodyPr rtlCol="0" anchor="ctr"/>
+          <a:lstStyle/>
+          <a:p>
+            <a:pPr algn="ctr"/>
+            <a:endParaRPr lang="ko-KR" altLang="en-US" dirty="0"/>
+          </a:p>
+        </p:txBody>
+      </p:sp>
+      <p:pic>
+        <p:nvPicPr>
+          <p:cNvPr id="1026" name="Picture 2" descr="파일:uG12nOD.png"/>
           <p:cNvPicPr>
             <a:picLocks noChangeAspect="1" noChangeArrowheads="1"/>
           </p:cNvPicPr>
           <p:nvPr/>
         </p:nvPicPr>
         <p:blipFill>
-          <a:blip r:embed="rId2">
+          <a:blip r:embed="rId4" cstate="print">
             <a:extLst>
               <a:ext uri="{28A0092B-C50C-407E-A947-70E740481C1C}">
                 <a14:useLocalDpi xmlns:a14="http://schemas.microsoft.com/office/drawing/2010/main" val="0"/>
@@ -22122,8 +22708,8 @@
         </p:blipFill>
         <p:spPr bwMode="auto">
           <a:xfrm>
-            <a:off x="539552" y="1412775"/>
-            <a:ext cx="2400194" cy="2192716"/>
+            <a:off x="7435057" y="5521949"/>
+            <a:ext cx="259571" cy="259218"/>
           </a:xfrm>
           <a:prstGeom prst="rect">
             <a:avLst/>
@@ -22140,79 +22726,16 @@
           </a:extLst>
         </p:spPr>
       </p:pic>
-      <p:sp>
-        <p:nvSpPr>
-          <p:cNvPr id="5" name="Rectangle 4"/>
-          <p:cNvSpPr>
-            <a:spLocks noChangeArrowheads="1"/>
-          </p:cNvSpPr>
-          <p:nvPr/>
-        </p:nvSpPr>
-        <p:spPr bwMode="auto">
-          <a:xfrm>
-            <a:off x="0" y="0"/>
-            <a:ext cx="9144000" cy="457200"/>
-          </a:xfrm>
-          <a:prstGeom prst="rect">
-            <a:avLst/>
-          </a:prstGeom>
-          <a:noFill/>
-          <a:ln>
-            <a:noFill/>
-          </a:ln>
-          <a:effectLst/>
-          <a:extLst>
-            <a:ext uri="{909E8E84-426E-40DD-AFC4-6F175D3DCCD1}">
-              <a14:hiddenFill xmlns:a14="http://schemas.microsoft.com/office/drawing/2010/main">
-                <a:solidFill>
-                  <a:schemeClr val="accent1"/>
-                </a:solidFill>
-              </a14:hiddenFill>
-            </a:ext>
-            <a:ext uri="{91240B29-F687-4F45-9708-019B960494DF}">
-              <a14:hiddenLine xmlns:a14="http://schemas.microsoft.com/office/drawing/2010/main" w="9525">
-                <a:solidFill>
-                  <a:schemeClr val="tx1"/>
-                </a:solidFill>
-                <a:miter lim="800000"/>
-                <a:headEnd/>
-                <a:tailEnd/>
-              </a14:hiddenLine>
-            </a:ext>
-            <a:ext uri="{AF507438-7753-43E0-B8FC-AC1667EBCBE1}">
-              <a14:hiddenEffects xmlns:a14="http://schemas.microsoft.com/office/drawing/2010/main">
-                <a:effectLst>
-                  <a:outerShdw dist="35921" dir="2700000" algn="ctr" rotWithShape="0">
-                    <a:schemeClr val="bg2"/>
-                  </a:outerShdw>
-                </a:effectLst>
-              </a14:hiddenEffects>
-            </a:ext>
-          </a:extLst>
-        </p:spPr>
-        <p:txBody>
-          <a:bodyPr vert="horz" wrap="none" lIns="91440" tIns="45720" rIns="91440" bIns="45720" numCol="1" anchor="ctr" anchorCtr="0" compatLnSpc="1">
-            <a:prstTxWarp prst="textNoShape">
-              <a:avLst/>
-            </a:prstTxWarp>
-            <a:spAutoFit/>
-          </a:bodyPr>
-          <a:lstStyle/>
-          <a:p>
-            <a:endParaRPr lang="ko-KR" altLang="en-US"/>
-          </a:p>
-        </p:txBody>
-      </p:sp>
       <p:pic>
         <p:nvPicPr>
-          <p:cNvPr id="1027" name="_x313076048" descr="EMB00001e886b50"/>
+          <p:cNvPr id="1028" name="Picture 4" descr="재시작에 대한 이미지 검색결과"/>
           <p:cNvPicPr>
             <a:picLocks noChangeAspect="1" noChangeArrowheads="1"/>
           </p:cNvPicPr>
           <p:nvPr/>
         </p:nvPicPr>
         <p:blipFill>
-          <a:blip r:embed="rId3">
+          <a:blip r:embed="rId5" cstate="print">
             <a:extLst>
               <a:ext uri="{28A0092B-C50C-407E-A947-70E740481C1C}">
                 <a14:useLocalDpi xmlns:a14="http://schemas.microsoft.com/office/drawing/2010/main" val="0"/>
@@ -22226,8 +22749,8 @@
         </p:blipFill>
         <p:spPr bwMode="auto">
           <a:xfrm>
-            <a:off x="2939746" y="1442737"/>
-            <a:ext cx="2448272" cy="2202287"/>
+            <a:off x="7181315" y="5521949"/>
+            <a:ext cx="248188" cy="259218"/>
           </a:xfrm>
           <a:prstGeom prst="rect">
             <a:avLst/>
@@ -22244,426 +22767,154 @@
           </a:extLst>
         </p:spPr>
       </p:pic>
+      <p:cxnSp>
+        <p:nvCxnSpPr>
+          <p:cNvPr id="40" name="직선 화살표 연결선 39"/>
+          <p:cNvCxnSpPr>
+            <a:endCxn id="1026" idx="3"/>
+          </p:cNvCxnSpPr>
+          <p:nvPr/>
+        </p:nvCxnSpPr>
+        <p:spPr>
+          <a:xfrm flipH="1">
+            <a:off x="7694628" y="5085184"/>
+            <a:ext cx="689663" cy="566374"/>
+          </a:xfrm>
+          <a:prstGeom prst="straightConnector1">
+            <a:avLst/>
+          </a:prstGeom>
+          <a:ln>
+            <a:tailEnd type="triangle"/>
+          </a:ln>
+        </p:spPr>
+        <p:style>
+          <a:lnRef idx="1">
+            <a:schemeClr val="accent1"/>
+          </a:lnRef>
+          <a:fillRef idx="0">
+            <a:schemeClr val="accent1"/>
+          </a:fillRef>
+          <a:effectRef idx="0">
+            <a:schemeClr val="accent1"/>
+          </a:effectRef>
+          <a:fontRef idx="minor">
+            <a:schemeClr val="tx1"/>
+          </a:fontRef>
+        </p:style>
+      </p:cxnSp>
+      <p:cxnSp>
+        <p:nvCxnSpPr>
+          <p:cNvPr id="42" name="직선 화살표 연결선 41"/>
+          <p:cNvCxnSpPr/>
+          <p:nvPr/>
+        </p:nvCxnSpPr>
+        <p:spPr>
+          <a:xfrm flipH="1">
+            <a:off x="7352167" y="4869160"/>
+            <a:ext cx="849285" cy="650297"/>
+          </a:xfrm>
+          <a:prstGeom prst="straightConnector1">
+            <a:avLst/>
+          </a:prstGeom>
+          <a:ln>
+            <a:tailEnd type="triangle"/>
+          </a:ln>
+        </p:spPr>
+        <p:style>
+          <a:lnRef idx="1">
+            <a:schemeClr val="accent1"/>
+          </a:lnRef>
+          <a:fillRef idx="0">
+            <a:schemeClr val="accent1"/>
+          </a:fillRef>
+          <a:effectRef idx="0">
+            <a:schemeClr val="accent1"/>
+          </a:effectRef>
+          <a:fontRef idx="minor">
+            <a:schemeClr val="tx1"/>
+          </a:fontRef>
+        </p:style>
+      </p:cxnSp>
       <p:sp>
         <p:nvSpPr>
-          <p:cNvPr id="6" name="Rectangle 6"/>
-          <p:cNvSpPr>
-            <a:spLocks noChangeArrowheads="1"/>
-          </p:cNvSpPr>
+          <p:cNvPr id="43" name="TextBox 42"/>
+          <p:cNvSpPr txBox="1"/>
           <p:nvPr/>
         </p:nvSpPr>
-        <p:spPr bwMode="auto">
+        <p:spPr>
           <a:xfrm>
-            <a:off x="0" y="0"/>
-            <a:ext cx="9144000" cy="457200"/>
+            <a:off x="8100392" y="4676084"/>
+            <a:ext cx="729800" cy="253916"/>
           </a:xfrm>
           <a:prstGeom prst="rect">
             <a:avLst/>
           </a:prstGeom>
           <a:noFill/>
-          <a:ln>
-            <a:noFill/>
-          </a:ln>
-          <a:effectLst/>
-          <a:extLst>
-            <a:ext uri="{909E8E84-426E-40DD-AFC4-6F175D3DCCD1}">
-              <a14:hiddenFill xmlns:a14="http://schemas.microsoft.com/office/drawing/2010/main">
-                <a:solidFill>
-                  <a:schemeClr val="accent1"/>
-                </a:solidFill>
-              </a14:hiddenFill>
-            </a:ext>
-            <a:ext uri="{91240B29-F687-4F45-9708-019B960494DF}">
-              <a14:hiddenLine xmlns:a14="http://schemas.microsoft.com/office/drawing/2010/main" w="9525">
-                <a:solidFill>
-                  <a:schemeClr val="tx1"/>
-                </a:solidFill>
-                <a:miter lim="800000"/>
-                <a:headEnd/>
-                <a:tailEnd/>
-              </a14:hiddenLine>
-            </a:ext>
-            <a:ext uri="{AF507438-7753-43E0-B8FC-AC1667EBCBE1}">
-              <a14:hiddenEffects xmlns:a14="http://schemas.microsoft.com/office/drawing/2010/main">
-                <a:effectLst>
-                  <a:outerShdw dist="35921" dir="2700000" algn="ctr" rotWithShape="0">
-                    <a:schemeClr val="bg2"/>
-                  </a:outerShdw>
-                </a:effectLst>
-              </a14:hiddenEffects>
-            </a:ext>
-          </a:extLst>
         </p:spPr>
         <p:txBody>
-          <a:bodyPr vert="horz" wrap="none" lIns="91440" tIns="45720" rIns="91440" bIns="45720" numCol="1" anchor="ctr" anchorCtr="0" compatLnSpc="1">
-            <a:prstTxWarp prst="textNoShape">
-              <a:avLst/>
-            </a:prstTxWarp>
+          <a:bodyPr wrap="square" rtlCol="0">
             <a:spAutoFit/>
           </a:bodyPr>
           <a:lstStyle/>
           <a:p>
-            <a:endParaRPr lang="ko-KR" altLang="en-US"/>
+            <a:r>
+              <a:rPr lang="ko-KR" altLang="en-US" sz="1050" dirty="0" err="1" smtClean="0">
+                <a:solidFill>
+                  <a:schemeClr val="accent1"/>
+                </a:solidFill>
+              </a:rPr>
+              <a:t>재시작</a:t>
+            </a:r>
+            <a:endParaRPr lang="ko-KR" altLang="en-US" sz="1050" dirty="0">
+              <a:solidFill>
+                <a:schemeClr val="accent1"/>
+              </a:solidFill>
+            </a:endParaRPr>
           </a:p>
         </p:txBody>
       </p:sp>
-      <p:pic>
-        <p:nvPicPr>
-          <p:cNvPr id="1029" name="_x313076288" descr="EMB00001e886b53"/>
-          <p:cNvPicPr>
-            <a:picLocks noChangeAspect="1" noChangeArrowheads="1"/>
-          </p:cNvPicPr>
+      <p:sp>
+        <p:nvSpPr>
+          <p:cNvPr id="46" name="TextBox 45"/>
+          <p:cNvSpPr txBox="1"/>
           <p:nvPr/>
-        </p:nvPicPr>
-        <p:blipFill>
-          <a:blip r:embed="rId4">
-            <a:extLst>
-              <a:ext uri="{28A0092B-C50C-407E-A947-70E740481C1C}">
-                <a14:useLocalDpi xmlns:a14="http://schemas.microsoft.com/office/drawing/2010/main" val="0"/>
-              </a:ext>
-            </a:extLst>
-          </a:blip>
-          <a:srcRect/>
-          <a:stretch>
-            <a:fillRect/>
-          </a:stretch>
-        </p:blipFill>
-        <p:spPr bwMode="auto">
+        </p:nvSpPr>
+        <p:spPr>
           <a:xfrm>
-            <a:off x="5435719" y="1442737"/>
-            <a:ext cx="2352493" cy="2202287"/>
+            <a:off x="8357434" y="4917309"/>
+            <a:ext cx="729800" cy="253916"/>
           </a:xfrm>
           <a:prstGeom prst="rect">
             <a:avLst/>
           </a:prstGeom>
           <a:noFill/>
-          <a:extLst>
-            <a:ext uri="{909E8E84-426E-40DD-AFC4-6F175D3DCCD1}">
-              <a14:hiddenFill xmlns:a14="http://schemas.microsoft.com/office/drawing/2010/main">
-                <a:solidFill>
-                  <a:srgbClr val="FFFFFF"/>
-                </a:solidFill>
-              </a14:hiddenFill>
-            </a:ext>
-          </a:extLst>
-        </p:spPr>
-      </p:pic>
-      <p:sp>
-        <p:nvSpPr>
-          <p:cNvPr id="2" name="Rectangle 2"/>
-          <p:cNvSpPr>
-            <a:spLocks noChangeArrowheads="1"/>
-          </p:cNvSpPr>
-          <p:nvPr/>
-        </p:nvSpPr>
-        <p:spPr bwMode="auto">
-          <a:xfrm>
-            <a:off x="0" y="0"/>
-            <a:ext cx="9144000" cy="457200"/>
-          </a:xfrm>
-          <a:prstGeom prst="rect">
-            <a:avLst/>
-          </a:prstGeom>
-          <a:noFill/>
-          <a:ln>
-            <a:noFill/>
-          </a:ln>
-          <a:effectLst/>
-          <a:extLst>
-            <a:ext uri="{909E8E84-426E-40DD-AFC4-6F175D3DCCD1}">
-              <a14:hiddenFill xmlns:a14="http://schemas.microsoft.com/office/drawing/2010/main">
-                <a:solidFill>
-                  <a:schemeClr val="accent1"/>
-                </a:solidFill>
-              </a14:hiddenFill>
-            </a:ext>
-            <a:ext uri="{91240B29-F687-4F45-9708-019B960494DF}">
-              <a14:hiddenLine xmlns:a14="http://schemas.microsoft.com/office/drawing/2010/main" w="9525">
-                <a:solidFill>
-                  <a:schemeClr val="tx1"/>
-                </a:solidFill>
-                <a:miter lim="800000"/>
-                <a:headEnd/>
-                <a:tailEnd/>
-              </a14:hiddenLine>
-            </a:ext>
-            <a:ext uri="{AF507438-7753-43E0-B8FC-AC1667EBCBE1}">
-              <a14:hiddenEffects xmlns:a14="http://schemas.microsoft.com/office/drawing/2010/main">
-                <a:effectLst>
-                  <a:outerShdw dist="35921" dir="2700000" algn="ctr" rotWithShape="0">
-                    <a:schemeClr val="bg2"/>
-                  </a:outerShdw>
-                </a:effectLst>
-              </a14:hiddenEffects>
-            </a:ext>
-          </a:extLst>
         </p:spPr>
         <p:txBody>
-          <a:bodyPr vert="horz" wrap="none" lIns="91440" tIns="45720" rIns="91440" bIns="45720" numCol="1" anchor="ctr" anchorCtr="0" compatLnSpc="1">
-            <a:prstTxWarp prst="textNoShape">
-              <a:avLst/>
-            </a:prstTxWarp>
+          <a:bodyPr wrap="square" rtlCol="0">
             <a:spAutoFit/>
           </a:bodyPr>
           <a:lstStyle/>
           <a:p>
-            <a:endParaRPr lang="ko-KR" altLang="en-US"/>
+            <a:r>
+              <a:rPr lang="ko-KR" altLang="en-US" sz="1050" dirty="0" smtClean="0">
+                <a:solidFill>
+                  <a:schemeClr val="accent1"/>
+                </a:solidFill>
+              </a:rPr>
+              <a:t>나가기</a:t>
+            </a:r>
+            <a:endParaRPr lang="ko-KR" altLang="en-US" sz="1050" dirty="0">
+              <a:solidFill>
+                <a:schemeClr val="accent1"/>
+              </a:solidFill>
+            </a:endParaRPr>
           </a:p>
         </p:txBody>
       </p:sp>
-      <p:pic>
-        <p:nvPicPr>
-          <p:cNvPr id="2049" name="_x313076448" descr="EMB00001e886b56"/>
-          <p:cNvPicPr>
-            <a:picLocks noChangeAspect="1" noChangeArrowheads="1"/>
-          </p:cNvPicPr>
-          <p:nvPr/>
-        </p:nvPicPr>
-        <p:blipFill>
-          <a:blip r:embed="rId5">
-            <a:extLst>
-              <a:ext uri="{28A0092B-C50C-407E-A947-70E740481C1C}">
-                <a14:useLocalDpi xmlns:a14="http://schemas.microsoft.com/office/drawing/2010/main" val="0"/>
-              </a:ext>
-            </a:extLst>
-          </a:blip>
-          <a:srcRect/>
-          <a:stretch>
-            <a:fillRect/>
-          </a:stretch>
-        </p:blipFill>
-        <p:spPr bwMode="auto">
-          <a:xfrm>
-            <a:off x="533999" y="3770703"/>
-            <a:ext cx="2405748" cy="2379663"/>
-          </a:xfrm>
-          <a:prstGeom prst="rect">
-            <a:avLst/>
-          </a:prstGeom>
-          <a:noFill/>
-          <a:extLst>
-            <a:ext uri="{909E8E84-426E-40DD-AFC4-6F175D3DCCD1}">
-              <a14:hiddenFill xmlns:a14="http://schemas.microsoft.com/office/drawing/2010/main">
-                <a:solidFill>
-                  <a:srgbClr val="FFFFFF"/>
-                </a:solidFill>
-              </a14:hiddenFill>
-            </a:ext>
-          </a:extLst>
-        </p:spPr>
-      </p:pic>
-      <p:sp>
-        <p:nvSpPr>
-          <p:cNvPr id="13" name="Rectangle 4"/>
-          <p:cNvSpPr>
-            <a:spLocks noChangeArrowheads="1"/>
-          </p:cNvSpPr>
-          <p:nvPr/>
-        </p:nvSpPr>
-        <p:spPr bwMode="auto">
-          <a:xfrm>
-            <a:off x="0" y="0"/>
-            <a:ext cx="9144000" cy="457200"/>
-          </a:xfrm>
-          <a:prstGeom prst="rect">
-            <a:avLst/>
-          </a:prstGeom>
-          <a:noFill/>
-          <a:ln>
-            <a:noFill/>
-          </a:ln>
-          <a:effectLst/>
-          <a:extLst>
-            <a:ext uri="{909E8E84-426E-40DD-AFC4-6F175D3DCCD1}">
-              <a14:hiddenFill xmlns:a14="http://schemas.microsoft.com/office/drawing/2010/main">
-                <a:solidFill>
-                  <a:schemeClr val="accent1"/>
-                </a:solidFill>
-              </a14:hiddenFill>
-            </a:ext>
-            <a:ext uri="{91240B29-F687-4F45-9708-019B960494DF}">
-              <a14:hiddenLine xmlns:a14="http://schemas.microsoft.com/office/drawing/2010/main" w="9525">
-                <a:solidFill>
-                  <a:schemeClr val="tx1"/>
-                </a:solidFill>
-                <a:miter lim="800000"/>
-                <a:headEnd/>
-                <a:tailEnd/>
-              </a14:hiddenLine>
-            </a:ext>
-            <a:ext uri="{AF507438-7753-43E0-B8FC-AC1667EBCBE1}">
-              <a14:hiddenEffects xmlns:a14="http://schemas.microsoft.com/office/drawing/2010/main">
-                <a:effectLst>
-                  <a:outerShdw dist="35921" dir="2700000" algn="ctr" rotWithShape="0">
-                    <a:schemeClr val="bg2"/>
-                  </a:outerShdw>
-                </a:effectLst>
-              </a14:hiddenEffects>
-            </a:ext>
-          </a:extLst>
-        </p:spPr>
-        <p:txBody>
-          <a:bodyPr vert="horz" wrap="none" lIns="91440" tIns="45720" rIns="91440" bIns="45720" numCol="1" anchor="ctr" anchorCtr="0" compatLnSpc="1">
-            <a:prstTxWarp prst="textNoShape">
-              <a:avLst/>
-            </a:prstTxWarp>
-            <a:spAutoFit/>
-          </a:bodyPr>
-          <a:lstStyle/>
-          <a:p>
-            <a:endParaRPr lang="ko-KR" altLang="en-US"/>
-          </a:p>
-        </p:txBody>
-      </p:sp>
-      <p:pic>
-        <p:nvPicPr>
-          <p:cNvPr id="2051" name="_x313076288" descr="EMB00001e886b59"/>
-          <p:cNvPicPr>
-            <a:picLocks noChangeAspect="1" noChangeArrowheads="1"/>
-          </p:cNvPicPr>
-          <p:nvPr/>
-        </p:nvPicPr>
-        <p:blipFill>
-          <a:blip r:embed="rId6">
-            <a:extLst>
-              <a:ext uri="{28A0092B-C50C-407E-A947-70E740481C1C}">
-                <a14:useLocalDpi xmlns:a14="http://schemas.microsoft.com/office/drawing/2010/main" val="0"/>
-              </a:ext>
-            </a:extLst>
-          </a:blip>
-          <a:srcRect/>
-          <a:stretch>
-            <a:fillRect/>
-          </a:stretch>
-        </p:blipFill>
-        <p:spPr bwMode="auto">
-          <a:xfrm>
-            <a:off x="2939746" y="3770703"/>
-            <a:ext cx="2495973" cy="2468563"/>
-          </a:xfrm>
-          <a:prstGeom prst="rect">
-            <a:avLst/>
-          </a:prstGeom>
-          <a:noFill/>
-          <a:extLst>
-            <a:ext uri="{909E8E84-426E-40DD-AFC4-6F175D3DCCD1}">
-              <a14:hiddenFill xmlns:a14="http://schemas.microsoft.com/office/drawing/2010/main">
-                <a:solidFill>
-                  <a:srgbClr val="FFFFFF"/>
-                </a:solidFill>
-              </a14:hiddenFill>
-            </a:ext>
-          </a:extLst>
-        </p:spPr>
-      </p:pic>
-      <p:sp>
-        <p:nvSpPr>
-          <p:cNvPr id="14" name="Rectangle 6"/>
-          <p:cNvSpPr>
-            <a:spLocks noChangeArrowheads="1"/>
-          </p:cNvSpPr>
-          <p:nvPr/>
-        </p:nvSpPr>
-        <p:spPr bwMode="auto">
-          <a:xfrm>
-            <a:off x="0" y="0"/>
-            <a:ext cx="9144000" cy="457200"/>
-          </a:xfrm>
-          <a:prstGeom prst="rect">
-            <a:avLst/>
-          </a:prstGeom>
-          <a:noFill/>
-          <a:ln>
-            <a:noFill/>
-          </a:ln>
-          <a:effectLst/>
-          <a:extLst>
-            <a:ext uri="{909E8E84-426E-40DD-AFC4-6F175D3DCCD1}">
-              <a14:hiddenFill xmlns:a14="http://schemas.microsoft.com/office/drawing/2010/main">
-                <a:solidFill>
-                  <a:schemeClr val="accent1"/>
-                </a:solidFill>
-              </a14:hiddenFill>
-            </a:ext>
-            <a:ext uri="{91240B29-F687-4F45-9708-019B960494DF}">
-              <a14:hiddenLine xmlns:a14="http://schemas.microsoft.com/office/drawing/2010/main" w="9525">
-                <a:solidFill>
-                  <a:schemeClr val="tx1"/>
-                </a:solidFill>
-                <a:miter lim="800000"/>
-                <a:headEnd/>
-                <a:tailEnd/>
-              </a14:hiddenLine>
-            </a:ext>
-            <a:ext uri="{AF507438-7753-43E0-B8FC-AC1667EBCBE1}">
-              <a14:hiddenEffects xmlns:a14="http://schemas.microsoft.com/office/drawing/2010/main">
-                <a:effectLst>
-                  <a:outerShdw dist="35921" dir="2700000" algn="ctr" rotWithShape="0">
-                    <a:schemeClr val="bg2"/>
-                  </a:outerShdw>
-                </a:effectLst>
-              </a14:hiddenEffects>
-            </a:ext>
-          </a:extLst>
-        </p:spPr>
-        <p:txBody>
-          <a:bodyPr vert="horz" wrap="none" lIns="91440" tIns="45720" rIns="91440" bIns="45720" numCol="1" anchor="ctr" anchorCtr="0" compatLnSpc="1">
-            <a:prstTxWarp prst="textNoShape">
-              <a:avLst/>
-            </a:prstTxWarp>
-            <a:spAutoFit/>
-          </a:bodyPr>
-          <a:lstStyle/>
-          <a:p>
-            <a:endParaRPr lang="ko-KR" altLang="en-US"/>
-          </a:p>
-        </p:txBody>
-      </p:sp>
-      <p:pic>
-        <p:nvPicPr>
-          <p:cNvPr id="2053" name="_x313075808" descr="EMB00001e886b5c"/>
-          <p:cNvPicPr>
-            <a:picLocks noChangeAspect="1" noChangeArrowheads="1"/>
-          </p:cNvPicPr>
-          <p:nvPr/>
-        </p:nvPicPr>
-        <p:blipFill>
-          <a:blip r:embed="rId7">
-            <a:extLst>
-              <a:ext uri="{28A0092B-C50C-407E-A947-70E740481C1C}">
-                <a14:useLocalDpi xmlns:a14="http://schemas.microsoft.com/office/drawing/2010/main" val="0"/>
-              </a:ext>
-            </a:extLst>
-          </a:blip>
-          <a:srcRect/>
-          <a:stretch>
-            <a:fillRect/>
-          </a:stretch>
-        </p:blipFill>
-        <p:spPr bwMode="auto">
-          <a:xfrm>
-            <a:off x="5388019" y="3770703"/>
-            <a:ext cx="2400194" cy="2493963"/>
-          </a:xfrm>
-          <a:prstGeom prst="rect">
-            <a:avLst/>
-          </a:prstGeom>
-          <a:noFill/>
-          <a:extLst>
-            <a:ext uri="{909E8E84-426E-40DD-AFC4-6F175D3DCCD1}">
-              <a14:hiddenFill xmlns:a14="http://schemas.microsoft.com/office/drawing/2010/main">
-                <a:solidFill>
-                  <a:srgbClr val="FFFFFF"/>
-                </a:solidFill>
-              </a14:hiddenFill>
-            </a:ext>
-          </a:extLst>
-        </p:spPr>
-      </p:pic>
     </p:spTree>
     <p:extLst>
       <p:ext uri="{BB962C8B-B14F-4D97-AF65-F5344CB8AC3E}">
-        <p14:creationId xmlns:p14="http://schemas.microsoft.com/office/powerpoint/2010/main" val="2914251895"/>
+        <p14:creationId xmlns:p14="http://schemas.microsoft.com/office/powerpoint/2010/main" val="680167562"/>
       </p:ext>
     </p:extLst>
   </p:cSld>

--- a/졸업작품 제안서(박요한,민두홍,정재훈).pptx
+++ b/졸업작품 제안서(박요한,민두홍,정재훈).pptx
@@ -10,9 +10,9 @@
     <p:sldId id="256" r:id="rId4"/>
     <p:sldId id="258" r:id="rId5"/>
     <p:sldId id="275" r:id="rId6"/>
-    <p:sldId id="271" r:id="rId7"/>
-    <p:sldId id="274" r:id="rId8"/>
-    <p:sldId id="279" r:id="rId9"/>
+    <p:sldId id="279" r:id="rId7"/>
+    <p:sldId id="271" r:id="rId8"/>
+    <p:sldId id="274" r:id="rId9"/>
     <p:sldId id="259" r:id="rId10"/>
     <p:sldId id="266" r:id="rId11"/>
     <p:sldId id="267" r:id="rId12"/>
@@ -319,7 +319,7 @@
           <a:p>
             <a:fld id="{72AB2BDB-30B0-46F9-BF75-9B88525280A4}" type="datetimeFigureOut">
               <a:rPr lang="ko-KR" altLang="en-US" smtClean="0"/>
-              <a:t>2016-12-17</a:t>
+              <a:t>2016-12-18</a:t>
             </a:fld>
             <a:endParaRPr lang="ko-KR" altLang="en-US"/>
           </a:p>
@@ -489,7 +489,7 @@
           <a:p>
             <a:fld id="{72AB2BDB-30B0-46F9-BF75-9B88525280A4}" type="datetimeFigureOut">
               <a:rPr lang="ko-KR" altLang="en-US" smtClean="0"/>
-              <a:t>2016-12-17</a:t>
+              <a:t>2016-12-18</a:t>
             </a:fld>
             <a:endParaRPr lang="ko-KR" altLang="en-US"/>
           </a:p>
@@ -669,7 +669,7 @@
           <a:p>
             <a:fld id="{72AB2BDB-30B0-46F9-BF75-9B88525280A4}" type="datetimeFigureOut">
               <a:rPr lang="ko-KR" altLang="en-US" smtClean="0"/>
-              <a:t>2016-12-17</a:t>
+              <a:t>2016-12-18</a:t>
             </a:fld>
             <a:endParaRPr lang="ko-KR" altLang="en-US"/>
           </a:p>
@@ -839,7 +839,7 @@
           <a:p>
             <a:fld id="{72AB2BDB-30B0-46F9-BF75-9B88525280A4}" type="datetimeFigureOut">
               <a:rPr lang="ko-KR" altLang="en-US" smtClean="0"/>
-              <a:t>2016-12-17</a:t>
+              <a:t>2016-12-18</a:t>
             </a:fld>
             <a:endParaRPr lang="ko-KR" altLang="en-US"/>
           </a:p>
@@ -1085,7 +1085,7 @@
           <a:p>
             <a:fld id="{72AB2BDB-30B0-46F9-BF75-9B88525280A4}" type="datetimeFigureOut">
               <a:rPr lang="ko-KR" altLang="en-US" smtClean="0"/>
-              <a:t>2016-12-17</a:t>
+              <a:t>2016-12-18</a:t>
             </a:fld>
             <a:endParaRPr lang="ko-KR" altLang="en-US"/>
           </a:p>
@@ -1373,7 +1373,7 @@
           <a:p>
             <a:fld id="{72AB2BDB-30B0-46F9-BF75-9B88525280A4}" type="datetimeFigureOut">
               <a:rPr lang="ko-KR" altLang="en-US" smtClean="0"/>
-              <a:t>2016-12-17</a:t>
+              <a:t>2016-12-18</a:t>
             </a:fld>
             <a:endParaRPr lang="ko-KR" altLang="en-US"/>
           </a:p>
@@ -1795,7 +1795,7 @@
           <a:p>
             <a:fld id="{72AB2BDB-30B0-46F9-BF75-9B88525280A4}" type="datetimeFigureOut">
               <a:rPr lang="ko-KR" altLang="en-US" smtClean="0"/>
-              <a:t>2016-12-17</a:t>
+              <a:t>2016-12-18</a:t>
             </a:fld>
             <a:endParaRPr lang="ko-KR" altLang="en-US"/>
           </a:p>
@@ -1913,7 +1913,7 @@
           <a:p>
             <a:fld id="{72AB2BDB-30B0-46F9-BF75-9B88525280A4}" type="datetimeFigureOut">
               <a:rPr lang="ko-KR" altLang="en-US" smtClean="0"/>
-              <a:t>2016-12-17</a:t>
+              <a:t>2016-12-18</a:t>
             </a:fld>
             <a:endParaRPr lang="ko-KR" altLang="en-US"/>
           </a:p>
@@ -2008,7 +2008,7 @@
           <a:p>
             <a:fld id="{72AB2BDB-30B0-46F9-BF75-9B88525280A4}" type="datetimeFigureOut">
               <a:rPr lang="ko-KR" altLang="en-US" smtClean="0"/>
-              <a:t>2016-12-17</a:t>
+              <a:t>2016-12-18</a:t>
             </a:fld>
             <a:endParaRPr lang="ko-KR" altLang="en-US"/>
           </a:p>
@@ -2285,7 +2285,7 @@
           <a:p>
             <a:fld id="{72AB2BDB-30B0-46F9-BF75-9B88525280A4}" type="datetimeFigureOut">
               <a:rPr lang="ko-KR" altLang="en-US" smtClean="0"/>
-              <a:t>2016-12-17</a:t>
+              <a:t>2016-12-18</a:t>
             </a:fld>
             <a:endParaRPr lang="ko-KR" altLang="en-US"/>
           </a:p>
@@ -2538,7 +2538,7 @@
           <a:p>
             <a:fld id="{72AB2BDB-30B0-46F9-BF75-9B88525280A4}" type="datetimeFigureOut">
               <a:rPr lang="ko-KR" altLang="en-US" smtClean="0"/>
-              <a:t>2016-12-17</a:t>
+              <a:t>2016-12-18</a:t>
             </a:fld>
             <a:endParaRPr lang="ko-KR" altLang="en-US"/>
           </a:p>
@@ -2797,7 +2797,7 @@
           <a:p>
             <a:fld id="{72AB2BDB-30B0-46F9-BF75-9B88525280A4}" type="datetimeFigureOut">
               <a:rPr lang="ko-KR" altLang="en-US" smtClean="0"/>
-              <a:t>2016-12-17</a:t>
+              <a:t>2016-12-18</a:t>
             </a:fld>
             <a:endParaRPr lang="ko-KR" altLang="en-US"/>
           </a:p>
@@ -4851,7 +4851,7 @@
           <a:p>
             <a:pPr algn="ctr"/>
             <a:r>
-              <a:rPr lang="ko-KR" altLang="en-US" b="1" dirty="0" err="1">
+              <a:rPr lang="ko-KR" altLang="en-US" b="1" dirty="0" err="1" smtClean="0">
                 <a:ln w="6600">
                   <a:solidFill>
                     <a:schemeClr val="accent2"/>
@@ -4873,10 +4873,10 @@
                   </a:outerShdw>
                 </a:effectLst>
               </a:rPr>
-              <a:t>환경매핑을</a:t>
-            </a:r>
-            <a:r>
-              <a:rPr lang="ko-KR" altLang="en-US" b="1" dirty="0">
+              <a:t>환경매핑</a:t>
+            </a:r>
+            <a:r>
+              <a:rPr lang="en-US" altLang="ko-KR" b="1" dirty="0" smtClean="0">
                 <a:ln w="6600">
                   <a:solidFill>
                     <a:schemeClr val="accent2"/>
@@ -4898,33 +4898,30 @@
                   </a:outerShdw>
                 </a:effectLst>
               </a:rPr>
-              <a:t> 사용하여 군데군데 거울 배치</a:t>
-            </a:r>
-            <a:r>
-              <a:rPr lang="en-US" altLang="ko-KR" b="1" dirty="0" smtClean="0">
-                <a:ln w="6600">
-                  <a:solidFill>
-                    <a:schemeClr val="accent2"/>
-                  </a:solidFill>
-                  <a:prstDash val="solid"/>
-                </a:ln>
-                <a:solidFill>
-                  <a:srgbClr val="FFFFFF"/>
-                </a:solidFill>
-                <a:effectLst>
-                  <a:glow rad="228600">
-                    <a:schemeClr val="accent4">
-                      <a:satMod val="175000"/>
-                      <a:alpha val="40000"/>
-                    </a:schemeClr>
-                  </a:glow>
-                  <a:outerShdw dist="38100" dir="2700000" algn="tl" rotWithShape="0">
-                    <a:schemeClr val="accent2"/>
-                  </a:outerShdw>
-                </a:effectLst>
-              </a:rPr>
               <a:t>.</a:t>
             </a:r>
+            <a:endParaRPr lang="en-US" altLang="ko-KR" b="1" dirty="0" smtClean="0">
+              <a:ln w="6600">
+                <a:solidFill>
+                  <a:schemeClr val="accent2"/>
+                </a:solidFill>
+                <a:prstDash val="solid"/>
+              </a:ln>
+              <a:solidFill>
+                <a:srgbClr val="FFFFFF"/>
+              </a:solidFill>
+              <a:effectLst>
+                <a:glow rad="228600">
+                  <a:schemeClr val="accent4">
+                    <a:satMod val="175000"/>
+                    <a:alpha val="40000"/>
+                  </a:schemeClr>
+                </a:glow>
+                <a:outerShdw dist="38100" dir="2700000" algn="tl" rotWithShape="0">
+                  <a:schemeClr val="accent2"/>
+                </a:outerShdw>
+              </a:effectLst>
+            </a:endParaRPr>
           </a:p>
           <a:p>
             <a:pPr algn="ctr"/>
@@ -17691,43 +17688,7 @@
                 <a:latin typeface="1훈화양연화 R" panose="02020603020101020101" pitchFamily="18" charset="-127"/>
                 <a:ea typeface="1훈화양연화 R" panose="02020603020101020101" pitchFamily="18" charset="-127"/>
               </a:rPr>
-              <a:t> </a:t>
-            </a:r>
-            <a:r>
-              <a:rPr lang="ko-KR" altLang="en-US" sz="2400" b="1" kern="0" spc="50" dirty="0" smtClean="0">
-                <a:ln w="0"/>
-                <a:solidFill>
-                  <a:schemeClr val="bg2"/>
-                </a:solidFill>
-                <a:effectLst>
-                  <a:innerShdw blurRad="63500" dist="50800" dir="13500000">
-                    <a:srgbClr val="000000">
-                      <a:alpha val="50000"/>
-                    </a:srgbClr>
-                  </a:innerShdw>
-                </a:effectLst>
-                <a:latin typeface="1훈화양연화 R" panose="02020603020101020101" pitchFamily="18" charset="-127"/>
-                <a:ea typeface="1훈화양연화 R" panose="02020603020101020101" pitchFamily="18" charset="-127"/>
-              </a:rPr>
-              <a:t>속</a:t>
-            </a:r>
-            <a:r>
-              <a:rPr lang="ko-KR" altLang="en-US" sz="2400" b="1" kern="0" spc="50" dirty="0" smtClean="0">
-                <a:ln w="0"/>
-                <a:solidFill>
-                  <a:schemeClr val="bg2"/>
-                </a:solidFill>
-                <a:effectLst>
-                  <a:innerShdw blurRad="63500" dist="50800" dir="13500000">
-                    <a:srgbClr val="000000">
-                      <a:alpha val="50000"/>
-                    </a:srgbClr>
-                  </a:innerShdw>
-                </a:effectLst>
-                <a:latin typeface="1훈화양연화 R" panose="02020603020101020101" pitchFamily="18" charset="-127"/>
-                <a:ea typeface="1훈화양연화 R" panose="02020603020101020101" pitchFamily="18" charset="-127"/>
-              </a:rPr>
-              <a:t>에서 숨어있는 플레이어를 찾아내라</a:t>
+              <a:t> 속에서 숨어있는 플레이어를 찾아내라</a:t>
             </a:r>
             <a:r>
               <a:rPr lang="en-US" altLang="ko-KR" sz="2400" b="1" kern="0" spc="50" dirty="0" smtClean="0">
@@ -17773,8 +17734,8 @@
         </p:nvSpPr>
         <p:spPr>
           <a:xfrm>
-            <a:off x="780039" y="1880015"/>
-            <a:ext cx="7185211" cy="4524315"/>
+            <a:off x="935533" y="2045226"/>
+            <a:ext cx="7185211" cy="3637919"/>
           </a:xfrm>
           <a:prstGeom prst="rect">
             <a:avLst/>
@@ -17832,7 +17793,7 @@
               </a:lnSpc>
             </a:pPr>
             <a:r>
-              <a:rPr lang="ko-KR" altLang="en-US" kern="0" dirty="0" smtClean="0">
+              <a:rPr lang="ko-KR" altLang="en-US" sz="1400" kern="0" dirty="0" smtClean="0">
                 <a:solidFill>
                   <a:schemeClr val="bg1"/>
                 </a:solidFill>
@@ -17842,7 +17803,7 @@
               <a:t>어둠 속에서 각 플레이어</a:t>
             </a:r>
             <a:r>
-              <a:rPr lang="en-US" altLang="ko-KR" kern="0" dirty="0" smtClean="0">
+              <a:rPr lang="en-US" altLang="ko-KR" sz="1400" kern="0" dirty="0" smtClean="0">
                 <a:solidFill>
                   <a:schemeClr val="bg1"/>
                 </a:solidFill>
@@ -17852,7 +17813,7 @@
               <a:t>(2~8</a:t>
             </a:r>
             <a:r>
-              <a:rPr lang="ko-KR" altLang="en-US" kern="0" dirty="0" smtClean="0">
+              <a:rPr lang="ko-KR" altLang="en-US" sz="1400" kern="0" dirty="0" smtClean="0">
                 <a:solidFill>
                   <a:schemeClr val="bg1"/>
                 </a:solidFill>
@@ -17862,7 +17823,7 @@
               <a:t>명</a:t>
             </a:r>
             <a:r>
-              <a:rPr lang="en-US" altLang="ko-KR" kern="0" dirty="0" smtClean="0">
+              <a:rPr lang="en-US" altLang="ko-KR" sz="1400" kern="0" dirty="0" smtClean="0">
                 <a:solidFill>
                   <a:schemeClr val="bg1"/>
                 </a:solidFill>
@@ -17872,7 +17833,7 @@
               <a:t>)</a:t>
             </a:r>
             <a:r>
-              <a:rPr lang="ko-KR" altLang="en-US" kern="0" dirty="0" smtClean="0">
+              <a:rPr lang="ko-KR" altLang="en-US" sz="1400" kern="0" dirty="0" smtClean="0">
                 <a:solidFill>
                   <a:schemeClr val="bg1"/>
                 </a:solidFill>
@@ -17881,7 +17842,7 @@
               </a:rPr>
               <a:t>들이</a:t>
             </a:r>
-            <a:endParaRPr lang="en-US" altLang="ko-KR" kern="0" dirty="0" smtClean="0">
+            <a:endParaRPr lang="en-US" altLang="ko-KR" sz="1400" kern="0" dirty="0" smtClean="0">
               <a:solidFill>
                 <a:schemeClr val="bg1"/>
               </a:solidFill>
@@ -17896,7 +17857,7 @@
               </a:lnSpc>
             </a:pPr>
             <a:r>
-              <a:rPr lang="ko-KR" altLang="en-US" kern="0" dirty="0" smtClean="0">
+              <a:rPr lang="ko-KR" altLang="en-US" sz="1400" kern="0" dirty="0" smtClean="0">
                 <a:solidFill>
                   <a:schemeClr val="bg1"/>
                 </a:solidFill>
@@ -17906,7 +17867,7 @@
               <a:t>정해진 </a:t>
             </a:r>
             <a:r>
-              <a:rPr lang="ko-KR" altLang="en-US" kern="0" dirty="0">
+              <a:rPr lang="ko-KR" altLang="en-US" sz="1400" kern="0" dirty="0">
                 <a:solidFill>
                   <a:schemeClr val="bg1"/>
                 </a:solidFill>
@@ -17916,7 +17877,7 @@
               <a:t>시간 안에 많은 </a:t>
             </a:r>
             <a:r>
-              <a:rPr lang="ko-KR" altLang="en-US" kern="0" dirty="0" smtClean="0">
+              <a:rPr lang="ko-KR" altLang="en-US" sz="1400" kern="0" dirty="0" smtClean="0">
                 <a:solidFill>
                   <a:schemeClr val="bg1"/>
                 </a:solidFill>
@@ -17926,7 +17887,7 @@
               <a:t>몬스터를 </a:t>
             </a:r>
             <a:r>
-              <a:rPr lang="ko-KR" altLang="en-US" kern="0" dirty="0">
+              <a:rPr lang="ko-KR" altLang="en-US" sz="1400" kern="0" dirty="0">
                 <a:solidFill>
                   <a:schemeClr val="bg1"/>
                 </a:solidFill>
@@ -17935,7 +17896,7 @@
               </a:rPr>
               <a:t>죽이거나 </a:t>
             </a:r>
-            <a:endParaRPr lang="en-US" altLang="ko-KR" kern="0" dirty="0">
+            <a:endParaRPr lang="en-US" altLang="ko-KR" sz="1400" kern="0" dirty="0">
               <a:solidFill>
                 <a:schemeClr val="bg1"/>
               </a:solidFill>
@@ -17950,7 +17911,7 @@
               </a:lnSpc>
             </a:pPr>
             <a:r>
-              <a:rPr lang="ko-KR" altLang="en-US" kern="0" dirty="0" smtClean="0">
+              <a:rPr lang="ko-KR" altLang="en-US" sz="1400" kern="0" dirty="0" smtClean="0">
                 <a:solidFill>
                   <a:schemeClr val="bg1"/>
                 </a:solidFill>
@@ -17960,26 +17921,86 @@
               <a:t>먼저 상대 </a:t>
             </a:r>
             <a:r>
-              <a:rPr lang="ko-KR" altLang="en-US" kern="0" dirty="0">
+              <a:rPr lang="ko-KR" altLang="en-US" sz="1400" kern="0" dirty="0">
                 <a:solidFill>
                   <a:schemeClr val="bg1"/>
                 </a:solidFill>
                 <a:latin typeface="HY헤드라인M" panose="02030600000101010101" pitchFamily="18" charset="-127"/>
                 <a:ea typeface="HY헤드라인M" panose="02030600000101010101" pitchFamily="18" charset="-127"/>
               </a:rPr>
-              <a:t>플레이어를 찾아 죽이게 되면 승리하게 되는 </a:t>
-            </a:r>
-            <a:r>
-              <a:rPr lang="ko-KR" altLang="en-US" kern="0" dirty="0" smtClean="0">
+              <a:t>플레이어를 찾아 죽이게 되면 승리하게 </a:t>
+            </a:r>
+            <a:r>
+              <a:rPr lang="ko-KR" altLang="en-US" sz="1400" kern="0" dirty="0" smtClean="0">
                 <a:solidFill>
                   <a:schemeClr val="bg1"/>
                 </a:solidFill>
                 <a:latin typeface="HY헤드라인M" panose="02030600000101010101" pitchFamily="18" charset="-127"/>
                 <a:ea typeface="HY헤드라인M" panose="02030600000101010101" pitchFamily="18" charset="-127"/>
               </a:rPr>
-              <a:t>게임</a:t>
-            </a:r>
-            <a:endParaRPr lang="en-US" altLang="ko-KR" kern="0" dirty="0" smtClean="0">
+              <a:t>되는 </a:t>
+            </a:r>
+            <a:r>
+              <a:rPr lang="ko-KR" altLang="en-US" sz="1400" kern="0" dirty="0" smtClean="0">
+                <a:solidFill>
+                  <a:schemeClr val="bg1"/>
+                </a:solidFill>
+                <a:latin typeface="HY헤드라인M" panose="02030600000101010101" pitchFamily="18" charset="-127"/>
+                <a:ea typeface="HY헤드라인M" panose="02030600000101010101" pitchFamily="18" charset="-127"/>
+              </a:rPr>
+              <a:t>간단하면서 긴장감이 고조되는</a:t>
+            </a:r>
+            <a:r>
+              <a:rPr lang="ko-KR" altLang="en-US" sz="1400" kern="0" dirty="0" smtClean="0">
+                <a:solidFill>
+                  <a:schemeClr val="bg1"/>
+                </a:solidFill>
+                <a:latin typeface="HY헤드라인M" panose="02030600000101010101" pitchFamily="18" charset="-127"/>
+                <a:ea typeface="HY헤드라인M" panose="02030600000101010101" pitchFamily="18" charset="-127"/>
+              </a:rPr>
+              <a:t> 게임</a:t>
+            </a:r>
+            <a:r>
+              <a:rPr lang="en-US" altLang="ko-KR" sz="1400" kern="0" dirty="0" smtClean="0">
+                <a:solidFill>
+                  <a:schemeClr val="bg1"/>
+                </a:solidFill>
+                <a:latin typeface="HY헤드라인M" panose="02030600000101010101" pitchFamily="18" charset="-127"/>
+                <a:ea typeface="HY헤드라인M" panose="02030600000101010101" pitchFamily="18" charset="-127"/>
+              </a:rPr>
+              <a:t>.</a:t>
+            </a:r>
+            <a:r>
+              <a:rPr lang="ko-KR" altLang="en-US" sz="1400" kern="0" dirty="0" smtClean="0">
+                <a:solidFill>
+                  <a:schemeClr val="bg1"/>
+                </a:solidFill>
+                <a:latin typeface="HY헤드라인M" panose="02030600000101010101" pitchFamily="18" charset="-127"/>
+                <a:ea typeface="HY헤드라인M" panose="02030600000101010101" pitchFamily="18" charset="-127"/>
+              </a:rPr>
+              <a:t>플레이어를 찾아내기 위해선 본인 이외의 캐릭터를 모두 </a:t>
+            </a:r>
+            <a:r>
+              <a:rPr lang="ko-KR" altLang="en-US" sz="1400" kern="0" dirty="0" err="1" smtClean="0">
+                <a:solidFill>
+                  <a:schemeClr val="bg1"/>
+                </a:solidFill>
+                <a:latin typeface="HY헤드라인M" panose="02030600000101010101" pitchFamily="18" charset="-127"/>
+                <a:ea typeface="HY헤드라인M" panose="02030600000101010101" pitchFamily="18" charset="-127"/>
+              </a:rPr>
+              <a:t>관찰해야함</a:t>
+            </a:r>
+            <a:r>
+              <a:rPr lang="en-US" altLang="ko-KR" sz="1400" kern="0" dirty="0" smtClean="0">
+                <a:solidFill>
+                  <a:schemeClr val="bg1"/>
+                </a:solidFill>
+                <a:latin typeface="HY헤드라인M" panose="02030600000101010101" pitchFamily="18" charset="-127"/>
+                <a:ea typeface="HY헤드라인M" panose="02030600000101010101" pitchFamily="18" charset="-127"/>
+              </a:rPr>
+              <a:t>.</a:t>
+            </a:r>
+            <a:endParaRPr lang="en-US" altLang="ko-KR" sz="1400" kern="0" dirty="0" smtClean="0">
               <a:solidFill>
                 <a:schemeClr val="bg1"/>
               </a:solidFill>
@@ -17993,7 +18014,7 @@
                 <a:spcPct val="160000"/>
               </a:lnSpc>
             </a:pPr>
-            <a:endParaRPr lang="ko-KR" altLang="en-US" kern="0" dirty="0">
+            <a:endParaRPr lang="ko-KR" altLang="en-US" sz="1400" kern="0" dirty="0">
               <a:solidFill>
                 <a:schemeClr val="bg1"/>
               </a:solidFill>
@@ -18008,7 +18029,7 @@
               </a:lnSpc>
             </a:pPr>
             <a:r>
-              <a:rPr lang="ko-KR" altLang="en-US" kern="0" dirty="0">
+              <a:rPr lang="ko-KR" altLang="en-US" sz="1400" kern="0" dirty="0">
                 <a:solidFill>
                   <a:schemeClr val="bg1"/>
                 </a:solidFill>
@@ -18018,7 +18039,7 @@
               <a:t>각 플레이어는 제한된 가시거리를 </a:t>
             </a:r>
             <a:r>
-              <a:rPr lang="ko-KR" altLang="en-US" kern="0" dirty="0" smtClean="0">
+              <a:rPr lang="ko-KR" altLang="en-US" sz="1400" kern="0" dirty="0" smtClean="0">
                 <a:solidFill>
                   <a:schemeClr val="bg1"/>
                 </a:solidFill>
@@ -18028,7 +18049,7 @@
               <a:t>갖는다</a:t>
             </a:r>
             <a:r>
-              <a:rPr lang="en-US" altLang="ko-KR" kern="0" dirty="0">
+              <a:rPr lang="en-US" altLang="ko-KR" sz="1400" kern="0" dirty="0">
                 <a:solidFill>
                   <a:schemeClr val="bg1"/>
                 </a:solidFill>
@@ -18038,56 +18059,83 @@
               <a:t>.</a:t>
             </a:r>
             <a:r>
-              <a:rPr lang="en-US" altLang="ko-KR" kern="0" dirty="0" smtClean="0">
+              <a:rPr lang="en-US" altLang="ko-KR" sz="1400" kern="0" dirty="0" smtClean="0">
                 <a:solidFill>
                   <a:schemeClr val="bg1"/>
                 </a:solidFill>
                 <a:latin typeface="HY헤드라인M" panose="02030600000101010101" pitchFamily="18" charset="-127"/>
                 <a:ea typeface="HY헤드라인M" panose="02030600000101010101" pitchFamily="18" charset="-127"/>
               </a:rPr>
-              <a:t> </a:t>
-            </a:r>
-            <a:r>
-              <a:rPr lang="en-US" altLang="ko-KR" kern="0" dirty="0" smtClean="0">
+              <a:t> (</a:t>
+            </a:r>
+            <a:r>
+              <a:rPr lang="ko-KR" altLang="en-US" sz="1400" kern="0" dirty="0" err="1" smtClean="0">
                 <a:solidFill>
                   <a:schemeClr val="bg1"/>
                 </a:solidFill>
                 <a:latin typeface="HY헤드라인M" panose="02030600000101010101" pitchFamily="18" charset="-127"/>
                 <a:ea typeface="HY헤드라인M" panose="02030600000101010101" pitchFamily="18" charset="-127"/>
               </a:rPr>
-              <a:t>(</a:t>
-            </a:r>
-            <a:r>
-              <a:rPr lang="ko-KR" altLang="en-US" kern="0" dirty="0" err="1" smtClean="0">
+              <a:t>후레쉬에</a:t>
+            </a:r>
+            <a:r>
+              <a:rPr lang="ko-KR" altLang="en-US" sz="1400" kern="0" dirty="0" smtClean="0">
                 <a:solidFill>
                   <a:schemeClr val="bg1"/>
                 </a:solidFill>
                 <a:latin typeface="HY헤드라인M" panose="02030600000101010101" pitchFamily="18" charset="-127"/>
                 <a:ea typeface="HY헤드라인M" panose="02030600000101010101" pitchFamily="18" charset="-127"/>
               </a:rPr>
-              <a:t>후레쉬에</a:t>
-            </a:r>
-            <a:r>
-              <a:rPr lang="ko-KR" altLang="en-US" kern="0" dirty="0" smtClean="0">
+              <a:t> 의존</a:t>
+            </a:r>
+            <a:r>
+              <a:rPr lang="en-US" altLang="ko-KR" sz="1400" kern="0" dirty="0" smtClean="0">
                 <a:solidFill>
                   <a:schemeClr val="bg1"/>
                 </a:solidFill>
                 <a:latin typeface="HY헤드라인M" panose="02030600000101010101" pitchFamily="18" charset="-127"/>
                 <a:ea typeface="HY헤드라인M" panose="02030600000101010101" pitchFamily="18" charset="-127"/>
               </a:rPr>
-              <a:t> 의존</a:t>
-            </a:r>
-            <a:r>
-              <a:rPr lang="en-US" altLang="ko-KR" kern="0" dirty="0" smtClean="0">
+              <a:t>)</a:t>
+            </a:r>
+          </a:p>
+          <a:p>
+            <a:pPr algn="ctr" fontAlgn="base">
+              <a:lnSpc>
+                <a:spcPct val="160000"/>
+              </a:lnSpc>
+            </a:pPr>
+            <a:r>
+              <a:rPr lang="ko-KR" altLang="en-US" sz="1400" kern="0" dirty="0" smtClean="0">
                 <a:solidFill>
                   <a:schemeClr val="bg1"/>
                 </a:solidFill>
                 <a:latin typeface="HY헤드라인M" panose="02030600000101010101" pitchFamily="18" charset="-127"/>
                 <a:ea typeface="HY헤드라인M" panose="02030600000101010101" pitchFamily="18" charset="-127"/>
               </a:rPr>
-              <a:t>)</a:t>
-            </a:r>
-            <a:endParaRPr lang="en-US" altLang="ko-KR" kern="0" dirty="0" smtClean="0">
+              <a:t>기본 속도에서 플레이어가 아닌 몬스터를 </a:t>
+            </a:r>
+            <a:r>
+              <a:rPr lang="ko-KR" altLang="en-US" sz="1400" kern="0" dirty="0">
+                <a:solidFill>
+                  <a:schemeClr val="bg1"/>
+                </a:solidFill>
+                <a:latin typeface="HY헤드라인M" panose="02030600000101010101" pitchFamily="18" charset="-127"/>
+                <a:ea typeface="HY헤드라인M" panose="02030600000101010101" pitchFamily="18" charset="-127"/>
+              </a:rPr>
+              <a:t>죽일 때 마다 </a:t>
+            </a:r>
+            <a:r>
+              <a:rPr lang="ko-KR" altLang="en-US" sz="1400" kern="0" dirty="0" smtClean="0">
+                <a:solidFill>
+                  <a:schemeClr val="bg1"/>
+                </a:solidFill>
+                <a:latin typeface="HY헤드라인M" panose="02030600000101010101" pitchFamily="18" charset="-127"/>
+                <a:ea typeface="HY헤드라인M" panose="02030600000101010101" pitchFamily="18" charset="-127"/>
+              </a:rPr>
+              <a:t>속도 감소</a:t>
+            </a:r>
+            <a:endParaRPr lang="en-US" altLang="ko-KR" sz="1400" kern="0" dirty="0" smtClean="0">
               <a:solidFill>
                 <a:schemeClr val="bg1"/>
               </a:solidFill>
@@ -18102,52 +18150,85 @@
               </a:lnSpc>
             </a:pPr>
             <a:r>
-              <a:rPr lang="ko-KR" altLang="en-US" kern="0" dirty="0" smtClean="0">
+              <a:rPr lang="ko-KR" altLang="en-US" sz="1400" kern="0" dirty="0" smtClean="0">
                 <a:solidFill>
                   <a:schemeClr val="bg1"/>
                 </a:solidFill>
                 <a:latin typeface="HY헤드라인M" panose="02030600000101010101" pitchFamily="18" charset="-127"/>
                 <a:ea typeface="HY헤드라인M" panose="02030600000101010101" pitchFamily="18" charset="-127"/>
               </a:rPr>
-              <a:t>기본 속도에서 </a:t>
-            </a:r>
-            <a:r>
-              <a:rPr lang="ko-KR" altLang="en-US" kern="0" dirty="0" smtClean="0">
+              <a:t>플레이어가 아닌 몬스터 </a:t>
+            </a:r>
+            <a:r>
+              <a:rPr lang="ko-KR" altLang="en-US" sz="1400" kern="0" dirty="0" err="1" smtClean="0">
                 <a:solidFill>
                   <a:schemeClr val="bg1"/>
                 </a:solidFill>
                 <a:latin typeface="HY헤드라인M" panose="02030600000101010101" pitchFamily="18" charset="-127"/>
                 <a:ea typeface="HY헤드라인M" panose="02030600000101010101" pitchFamily="18" charset="-127"/>
               </a:rPr>
-              <a:t>플레이어가 아닌 몬스터를 </a:t>
-            </a:r>
-            <a:r>
-              <a:rPr lang="ko-KR" altLang="en-US" kern="0" dirty="0">
+              <a:t>제거시</a:t>
+            </a:r>
+            <a:r>
+              <a:rPr lang="ko-KR" altLang="en-US" sz="1400" kern="0" dirty="0" smtClean="0">
                 <a:solidFill>
                   <a:schemeClr val="bg1"/>
                 </a:solidFill>
                 <a:latin typeface="HY헤드라인M" panose="02030600000101010101" pitchFamily="18" charset="-127"/>
                 <a:ea typeface="HY헤드라인M" panose="02030600000101010101" pitchFamily="18" charset="-127"/>
               </a:rPr>
-              <a:t>죽일 때 마다 </a:t>
-            </a:r>
-            <a:r>
-              <a:rPr lang="ko-KR" altLang="en-US" kern="0" dirty="0" smtClean="0">
+              <a:t> 위치 발각</a:t>
+            </a:r>
+            <a:r>
+              <a:rPr lang="en-US" altLang="ko-KR" sz="1400" kern="0" dirty="0" smtClean="0">
                 <a:solidFill>
                   <a:schemeClr val="bg1"/>
                 </a:solidFill>
                 <a:latin typeface="HY헤드라인M" panose="02030600000101010101" pitchFamily="18" charset="-127"/>
                 <a:ea typeface="HY헤드라인M" panose="02030600000101010101" pitchFamily="18" charset="-127"/>
               </a:rPr>
-              <a:t>속도 감소</a:t>
-            </a:r>
-            <a:endParaRPr lang="en-US" altLang="ko-KR" kern="0" dirty="0" smtClean="0">
-              <a:solidFill>
-                <a:schemeClr val="bg1"/>
-              </a:solidFill>
-              <a:latin typeface="HY헤드라인M" panose="02030600000101010101" pitchFamily="18" charset="-127"/>
-              <a:ea typeface="HY헤드라인M" panose="02030600000101010101" pitchFamily="18" charset="-127"/>
-            </a:endParaRPr>
+              <a:t>(</a:t>
+            </a:r>
+            <a:r>
+              <a:rPr lang="ko-KR" altLang="en-US" sz="1400" kern="0" dirty="0" smtClean="0">
+                <a:solidFill>
+                  <a:schemeClr val="bg1"/>
+                </a:solidFill>
+                <a:latin typeface="HY헤드라인M" panose="02030600000101010101" pitchFamily="18" charset="-127"/>
+                <a:ea typeface="HY헤드라인M" panose="02030600000101010101" pitchFamily="18" charset="-127"/>
+              </a:rPr>
+              <a:t>해당 플레이어상공으로 </a:t>
+            </a:r>
+            <a:r>
+              <a:rPr lang="ko-KR" altLang="en-US" sz="1400" kern="0" dirty="0" smtClean="0">
+                <a:solidFill>
+                  <a:schemeClr val="bg1"/>
+                </a:solidFill>
+                <a:latin typeface="HY헤드라인M" panose="02030600000101010101" pitchFamily="18" charset="-127"/>
+                <a:ea typeface="HY헤드라인M" panose="02030600000101010101" pitchFamily="18" charset="-127"/>
+              </a:rPr>
+              <a:t>불꽃 </a:t>
+            </a:r>
+            <a:r>
+              <a:rPr lang="ko-KR" altLang="en-US" sz="1400" kern="0" dirty="0" smtClean="0">
+                <a:solidFill>
+                  <a:schemeClr val="bg1"/>
+                </a:solidFill>
+                <a:latin typeface="HY헤드라인M" panose="02030600000101010101" pitchFamily="18" charset="-127"/>
+                <a:ea typeface="HY헤드라인M" panose="02030600000101010101" pitchFamily="18" charset="-127"/>
+              </a:rPr>
+              <a:t>발사</a:t>
+            </a:r>
+            <a:r>
+              <a:rPr lang="en-US" altLang="ko-KR" sz="1400" kern="0" dirty="0" smtClean="0">
+                <a:solidFill>
+                  <a:schemeClr val="bg1"/>
+                </a:solidFill>
+                <a:latin typeface="HY헤드라인M" panose="02030600000101010101" pitchFamily="18" charset="-127"/>
+                <a:ea typeface="HY헤드라인M" panose="02030600000101010101" pitchFamily="18" charset="-127"/>
+              </a:rPr>
+              <a:t>)</a:t>
+            </a:r>
           </a:p>
           <a:p>
             <a:pPr algn="ctr" fontAlgn="base">
@@ -18156,67 +18237,67 @@
               </a:lnSpc>
             </a:pPr>
             <a:r>
-              <a:rPr lang="ko-KR" altLang="en-US" kern="0" dirty="0" smtClean="0">
+              <a:rPr lang="ko-KR" altLang="en-US" sz="1400" kern="0" dirty="0" smtClean="0">
                 <a:solidFill>
                   <a:schemeClr val="bg1"/>
                 </a:solidFill>
                 <a:latin typeface="HY헤드라인M" panose="02030600000101010101" pitchFamily="18" charset="-127"/>
                 <a:ea typeface="HY헤드라인M" panose="02030600000101010101" pitchFamily="18" charset="-127"/>
               </a:rPr>
-              <a:t>플레이어가 아닌 몬스터 </a:t>
-            </a:r>
-            <a:r>
-              <a:rPr lang="ko-KR" altLang="en-US" kern="0" dirty="0" err="1" smtClean="0">
+              <a:t>일정 시간 </a:t>
+            </a:r>
+            <a:r>
+              <a:rPr lang="ko-KR" altLang="en-US" sz="1400" kern="0" dirty="0" err="1" smtClean="0">
                 <a:solidFill>
                   <a:schemeClr val="bg1"/>
                 </a:solidFill>
                 <a:latin typeface="HY헤드라인M" panose="02030600000101010101" pitchFamily="18" charset="-127"/>
                 <a:ea typeface="HY헤드라인M" panose="02030600000101010101" pitchFamily="18" charset="-127"/>
               </a:rPr>
-              <a:t>제거시</a:t>
-            </a:r>
-            <a:r>
-              <a:rPr lang="ko-KR" altLang="en-US" kern="0" dirty="0" smtClean="0">
+              <a:t>경과후</a:t>
+            </a:r>
+            <a:r>
+              <a:rPr lang="en-US" altLang="ko-KR" sz="1400" kern="0" dirty="0" smtClean="0">
                 <a:solidFill>
                   <a:schemeClr val="bg1"/>
                 </a:solidFill>
                 <a:latin typeface="HY헤드라인M" panose="02030600000101010101" pitchFamily="18" charset="-127"/>
                 <a:ea typeface="HY헤드라인M" panose="02030600000101010101" pitchFamily="18" charset="-127"/>
               </a:rPr>
-              <a:t> 위치 </a:t>
-            </a:r>
-            <a:r>
-              <a:rPr lang="ko-KR" altLang="en-US" kern="0" dirty="0" smtClean="0">
+              <a:t>(</a:t>
+            </a:r>
+            <a:r>
+              <a:rPr lang="ko-KR" altLang="en-US" sz="1400" kern="0" dirty="0" smtClean="0">
                 <a:solidFill>
                   <a:schemeClr val="bg1"/>
                 </a:solidFill>
                 <a:latin typeface="HY헤드라인M" panose="02030600000101010101" pitchFamily="18" charset="-127"/>
                 <a:ea typeface="HY헤드라인M" panose="02030600000101010101" pitchFamily="18" charset="-127"/>
               </a:rPr>
-              <a:t>발각</a:t>
-            </a:r>
-            <a:r>
-              <a:rPr lang="en-US" altLang="ko-KR" kern="0" dirty="0" smtClean="0">
+              <a:t>매</a:t>
+            </a:r>
+            <a:r>
+              <a:rPr lang="en-US" altLang="ko-KR" sz="1400" kern="0" dirty="0" smtClean="0">
                 <a:solidFill>
                   <a:schemeClr val="bg1"/>
                 </a:solidFill>
                 <a:latin typeface="HY헤드라인M" panose="02030600000101010101" pitchFamily="18" charset="-127"/>
                 <a:ea typeface="HY헤드라인M" panose="02030600000101010101" pitchFamily="18" charset="-127"/>
               </a:rPr>
-              <a:t>(</a:t>
-            </a:r>
-            <a:r>
-              <a:rPr lang="ko-KR" altLang="en-US" kern="0" dirty="0" smtClean="0">
+              <a:t>4</a:t>
+            </a:r>
+            <a:r>
+              <a:rPr lang="ko-KR" altLang="en-US" sz="1400" kern="0" dirty="0" smtClean="0">
                 <a:solidFill>
                   <a:schemeClr val="bg1"/>
                 </a:solidFill>
                 <a:latin typeface="HY헤드라인M" panose="02030600000101010101" pitchFamily="18" charset="-127"/>
                 <a:ea typeface="HY헤드라인M" panose="02030600000101010101" pitchFamily="18" charset="-127"/>
               </a:rPr>
-              <a:t>해당 플레이어상공으로 불꽃놀이 발사</a:t>
-            </a:r>
-            <a:r>
-              <a:rPr lang="en-US" altLang="ko-KR" kern="0" dirty="0" smtClean="0">
+              <a:t>분마다</a:t>
+            </a:r>
+            <a:r>
+              <a:rPr lang="en-US" altLang="ko-KR" sz="1400" kern="0" dirty="0" smtClean="0">
                 <a:solidFill>
                   <a:schemeClr val="bg1"/>
                 </a:solidFill>
@@ -18225,121 +18306,17 @@
               </a:rPr>
               <a:t>)</a:t>
             </a:r>
-            <a:endParaRPr lang="en-US" altLang="ko-KR" kern="0" dirty="0" smtClean="0">
-              <a:solidFill>
-                <a:schemeClr val="bg1"/>
-              </a:solidFill>
-              <a:latin typeface="HY헤드라인M" panose="02030600000101010101" pitchFamily="18" charset="-127"/>
-              <a:ea typeface="HY헤드라인M" panose="02030600000101010101" pitchFamily="18" charset="-127"/>
-            </a:endParaRPr>
-          </a:p>
-          <a:p>
-            <a:pPr algn="ctr" fontAlgn="base">
-              <a:lnSpc>
-                <a:spcPct val="160000"/>
-              </a:lnSpc>
-            </a:pPr>
-            <a:r>
-              <a:rPr lang="ko-KR" altLang="en-US" kern="0" dirty="0" smtClean="0">
+            <a:r>
+              <a:rPr lang="ko-KR" altLang="en-US" sz="1400" kern="0" dirty="0" smtClean="0">
                 <a:solidFill>
                   <a:schemeClr val="bg1"/>
                 </a:solidFill>
                 <a:latin typeface="HY헤드라인M" panose="02030600000101010101" pitchFamily="18" charset="-127"/>
                 <a:ea typeface="HY헤드라인M" panose="02030600000101010101" pitchFamily="18" charset="-127"/>
               </a:rPr>
-              <a:t>일정 시간 </a:t>
-            </a:r>
-            <a:r>
-              <a:rPr lang="ko-KR" altLang="en-US" kern="0" dirty="0" err="1" smtClean="0">
-                <a:solidFill>
-                  <a:schemeClr val="bg1"/>
-                </a:solidFill>
-                <a:latin typeface="HY헤드라인M" panose="02030600000101010101" pitchFamily="18" charset="-127"/>
-                <a:ea typeface="HY헤드라인M" panose="02030600000101010101" pitchFamily="18" charset="-127"/>
-              </a:rPr>
-              <a:t>경과후</a:t>
-            </a:r>
-            <a:r>
-              <a:rPr lang="en-US" altLang="ko-KR" kern="0" dirty="0" smtClean="0">
-                <a:solidFill>
-                  <a:schemeClr val="bg1"/>
-                </a:solidFill>
-                <a:latin typeface="HY헤드라인M" panose="02030600000101010101" pitchFamily="18" charset="-127"/>
-                <a:ea typeface="HY헤드라인M" panose="02030600000101010101" pitchFamily="18" charset="-127"/>
-              </a:rPr>
-              <a:t>(</a:t>
-            </a:r>
-            <a:r>
-              <a:rPr lang="ko-KR" altLang="en-US" kern="0" dirty="0" smtClean="0">
-                <a:solidFill>
-                  <a:schemeClr val="bg1"/>
-                </a:solidFill>
-                <a:latin typeface="HY헤드라인M" panose="02030600000101010101" pitchFamily="18" charset="-127"/>
-                <a:ea typeface="HY헤드라인M" panose="02030600000101010101" pitchFamily="18" charset="-127"/>
-              </a:rPr>
-              <a:t>매</a:t>
-            </a:r>
-            <a:r>
-              <a:rPr lang="en-US" altLang="ko-KR" kern="0" dirty="0" smtClean="0">
-                <a:solidFill>
-                  <a:schemeClr val="bg1"/>
-                </a:solidFill>
-                <a:latin typeface="HY헤드라인M" panose="02030600000101010101" pitchFamily="18" charset="-127"/>
-                <a:ea typeface="HY헤드라인M" panose="02030600000101010101" pitchFamily="18" charset="-127"/>
-              </a:rPr>
-              <a:t>4</a:t>
-            </a:r>
-            <a:r>
-              <a:rPr lang="ko-KR" altLang="en-US" kern="0" dirty="0" smtClean="0">
-                <a:solidFill>
-                  <a:schemeClr val="bg1"/>
-                </a:solidFill>
-                <a:latin typeface="HY헤드라인M" panose="02030600000101010101" pitchFamily="18" charset="-127"/>
-                <a:ea typeface="HY헤드라인M" panose="02030600000101010101" pitchFamily="18" charset="-127"/>
-              </a:rPr>
-              <a:t>분마다</a:t>
-            </a:r>
-            <a:r>
-              <a:rPr lang="en-US" altLang="ko-KR" kern="0" dirty="0" smtClean="0">
-                <a:solidFill>
-                  <a:schemeClr val="bg1"/>
-                </a:solidFill>
-                <a:latin typeface="HY헤드라인M" panose="02030600000101010101" pitchFamily="18" charset="-127"/>
-                <a:ea typeface="HY헤드라인M" panose="02030600000101010101" pitchFamily="18" charset="-127"/>
-              </a:rPr>
-              <a:t>)</a:t>
-            </a:r>
-            <a:r>
-              <a:rPr lang="ko-KR" altLang="en-US" kern="0" dirty="0" smtClean="0">
-                <a:solidFill>
-                  <a:schemeClr val="bg1"/>
-                </a:solidFill>
-                <a:latin typeface="HY헤드라인M" panose="02030600000101010101" pitchFamily="18" charset="-127"/>
-                <a:ea typeface="HY헤드라인M" panose="02030600000101010101" pitchFamily="18" charset="-127"/>
-              </a:rPr>
-              <a:t> </a:t>
-            </a:r>
-            <a:r>
-              <a:rPr lang="ko-KR" altLang="en-US" kern="0" dirty="0" smtClean="0">
-                <a:solidFill>
-                  <a:schemeClr val="bg1"/>
-                </a:solidFill>
-                <a:latin typeface="HY헤드라인M" panose="02030600000101010101" pitchFamily="18" charset="-127"/>
-                <a:ea typeface="HY헤드라인M" panose="02030600000101010101" pitchFamily="18" charset="-127"/>
-              </a:rPr>
-              <a:t>모든 객체 이동 속도 </a:t>
-            </a:r>
-            <a:r>
-              <a:rPr lang="ko-KR" altLang="en-US" kern="0" dirty="0" smtClean="0">
-                <a:solidFill>
-                  <a:schemeClr val="bg1"/>
-                </a:solidFill>
-                <a:latin typeface="HY헤드라인M" panose="02030600000101010101" pitchFamily="18" charset="-127"/>
-                <a:ea typeface="HY헤드라인M" panose="02030600000101010101" pitchFamily="18" charset="-127"/>
-              </a:rPr>
-              <a:t>증가</a:t>
-            </a:r>
-            <a:endParaRPr lang="en-US" altLang="ko-KR" kern="0" dirty="0" smtClean="0">
+              <a:t> 모든 객체 이동 속도 증가</a:t>
+            </a:r>
+            <a:endParaRPr lang="en-US" altLang="ko-KR" sz="1400" kern="0" dirty="0" smtClean="0">
               <a:solidFill>
                 <a:schemeClr val="bg1"/>
               </a:solidFill>
@@ -19707,16 +19684,764 @@
           </a:p>
         </p:txBody>
       </p:sp>
+      <p:pic>
+        <p:nvPicPr>
+          <p:cNvPr id="14" name="그림 13"/>
+          <p:cNvPicPr>
+            <a:picLocks noChangeAspect="1"/>
+          </p:cNvPicPr>
+          <p:nvPr/>
+        </p:nvPicPr>
+        <p:blipFill>
+          <a:blip r:embed="rId2"/>
+          <a:stretch>
+            <a:fillRect/>
+          </a:stretch>
+        </p:blipFill>
+        <p:spPr>
+          <a:xfrm>
+            <a:off x="1743928" y="2123739"/>
+            <a:ext cx="5985754" cy="4697997"/>
+          </a:xfrm>
+          <a:prstGeom prst="rect">
+            <a:avLst/>
+          </a:prstGeom>
+        </p:spPr>
+      </p:pic>
       <p:sp>
         <p:nvSpPr>
-          <p:cNvPr id="3" name="직사각형 2"/>
+          <p:cNvPr id="15" name="TextBox 14"/>
+          <p:cNvSpPr txBox="1"/>
+          <p:nvPr/>
+        </p:nvSpPr>
+        <p:spPr>
+          <a:xfrm>
+            <a:off x="6863132" y="2162463"/>
+            <a:ext cx="1521159" cy="215444"/>
+          </a:xfrm>
+          <a:prstGeom prst="rect">
+            <a:avLst/>
+          </a:prstGeom>
+          <a:noFill/>
+        </p:spPr>
+        <p:txBody>
+          <a:bodyPr wrap="square" rtlCol="0">
+            <a:spAutoFit/>
+          </a:bodyPr>
+          <a:lstStyle/>
+          <a:p>
+            <a:r>
+              <a:rPr lang="ko-KR" altLang="en-US" sz="800" dirty="0" err="1" smtClean="0">
+                <a:solidFill>
+                  <a:schemeClr val="bg1"/>
+                </a:solidFill>
+                <a:effectLst>
+                  <a:glow rad="228600">
+                    <a:schemeClr val="accent1">
+                      <a:satMod val="175000"/>
+                      <a:alpha val="40000"/>
+                    </a:schemeClr>
+                  </a:glow>
+                </a:effectLst>
+              </a:rPr>
+              <a:t>흐른시간</a:t>
+            </a:r>
+            <a:r>
+              <a:rPr lang="ko-KR" altLang="en-US" sz="800" dirty="0" smtClean="0">
+                <a:solidFill>
+                  <a:schemeClr val="bg1"/>
+                </a:solidFill>
+                <a:effectLst>
+                  <a:glow rad="228600">
+                    <a:schemeClr val="accent1">
+                      <a:satMod val="175000"/>
+                      <a:alpha val="40000"/>
+                    </a:schemeClr>
+                  </a:glow>
+                </a:effectLst>
+              </a:rPr>
+              <a:t> </a:t>
+            </a:r>
+            <a:r>
+              <a:rPr lang="en-US" altLang="ko-KR" sz="800" dirty="0" smtClean="0">
+                <a:solidFill>
+                  <a:schemeClr val="bg1"/>
+                </a:solidFill>
+                <a:effectLst>
+                  <a:glow rad="228600">
+                    <a:schemeClr val="accent1">
+                      <a:satMod val="175000"/>
+                      <a:alpha val="40000"/>
+                    </a:schemeClr>
+                  </a:glow>
+                </a:effectLst>
+              </a:rPr>
+              <a:t>0:00</a:t>
+            </a:r>
+            <a:endParaRPr lang="ko-KR" altLang="en-US" sz="800" dirty="0"/>
+          </a:p>
+        </p:txBody>
+      </p:sp>
+      <p:pic>
+        <p:nvPicPr>
+          <p:cNvPr id="16" name="그림 15"/>
+          <p:cNvPicPr>
+            <a:picLocks noChangeAspect="1"/>
+          </p:cNvPicPr>
+          <p:nvPr/>
+        </p:nvPicPr>
+        <p:blipFill>
+          <a:blip r:embed="rId3"/>
+          <a:stretch>
+            <a:fillRect/>
+          </a:stretch>
+        </p:blipFill>
+        <p:spPr>
+          <a:xfrm>
+            <a:off x="6528191" y="5782271"/>
+            <a:ext cx="1201491" cy="1039465"/>
+          </a:xfrm>
+          <a:prstGeom prst="rect">
+            <a:avLst/>
+          </a:prstGeom>
+        </p:spPr>
+      </p:pic>
+      <p:sp>
+        <p:nvSpPr>
+          <p:cNvPr id="2" name="직사각형 1"/>
           <p:cNvSpPr/>
           <p:nvPr/>
         </p:nvSpPr>
         <p:spPr>
           <a:xfrm>
-            <a:off x="755576" y="1412775"/>
-            <a:ext cx="7686600" cy="4967514"/>
+            <a:off x="1727684" y="2121530"/>
+            <a:ext cx="5966944" cy="4700206"/>
+          </a:xfrm>
+          <a:prstGeom prst="rect">
+            <a:avLst/>
+          </a:prstGeom>
+          <a:solidFill>
+            <a:srgbClr val="868686">
+              <a:alpha val="40000"/>
+            </a:srgbClr>
+          </a:solidFill>
+        </p:spPr>
+        <p:style>
+          <a:lnRef idx="2">
+            <a:schemeClr val="accent1">
+              <a:shade val="50000"/>
+            </a:schemeClr>
+          </a:lnRef>
+          <a:fillRef idx="1">
+            <a:schemeClr val="accent1"/>
+          </a:fillRef>
+          <a:effectRef idx="0">
+            <a:schemeClr val="accent1"/>
+          </a:effectRef>
+          <a:fontRef idx="minor">
+            <a:schemeClr val="lt1"/>
+          </a:fontRef>
+        </p:style>
+        <p:txBody>
+          <a:bodyPr rtlCol="0" anchor="ctr"/>
+          <a:lstStyle/>
+          <a:p>
+            <a:pPr algn="ctr"/>
+            <a:endParaRPr lang="ko-KR" altLang="en-US"/>
+          </a:p>
+        </p:txBody>
+      </p:sp>
+      <p:sp>
+        <p:nvSpPr>
+          <p:cNvPr id="5" name="TextBox 4"/>
+          <p:cNvSpPr txBox="1"/>
+          <p:nvPr/>
+        </p:nvSpPr>
+        <p:spPr>
+          <a:xfrm>
+            <a:off x="2339752" y="2371324"/>
+            <a:ext cx="4908616" cy="2308324"/>
+          </a:xfrm>
+          <a:prstGeom prst="rect">
+            <a:avLst/>
+          </a:prstGeom>
+          <a:noFill/>
+        </p:spPr>
+        <p:txBody>
+          <a:bodyPr wrap="square" rtlCol="0">
+            <a:spAutoFit/>
+          </a:bodyPr>
+          <a:lstStyle/>
+          <a:p>
+            <a:r>
+              <a:rPr lang="en-US" altLang="ko-KR" dirty="0" smtClean="0"/>
+              <a:t>(ID) : </a:t>
+            </a:r>
+            <a:r>
+              <a:rPr lang="ko-KR" altLang="en-US" dirty="0"/>
+              <a:t> </a:t>
+            </a:r>
+            <a:r>
+              <a:rPr lang="en-US" altLang="ko-KR" dirty="0" smtClean="0"/>
+              <a:t>kill(monster): 2  kill(player): 0</a:t>
+            </a:r>
+          </a:p>
+          <a:p>
+            <a:r>
+              <a:rPr lang="en-US" altLang="ko-KR" dirty="0"/>
+              <a:t>(ID) : </a:t>
+            </a:r>
+            <a:r>
+              <a:rPr lang="ko-KR" altLang="en-US" dirty="0"/>
+              <a:t> </a:t>
+            </a:r>
+            <a:r>
+              <a:rPr lang="en-US" altLang="ko-KR" dirty="0"/>
+              <a:t>kill(monster): </a:t>
+            </a:r>
+            <a:r>
+              <a:rPr lang="en-US" altLang="ko-KR" dirty="0" smtClean="0"/>
+              <a:t>1  </a:t>
+            </a:r>
+            <a:r>
+              <a:rPr lang="en-US" altLang="ko-KR" dirty="0"/>
+              <a:t>kill(player): </a:t>
+            </a:r>
+            <a:r>
+              <a:rPr lang="en-US" altLang="ko-KR" dirty="0" smtClean="0"/>
+              <a:t>0</a:t>
+            </a:r>
+          </a:p>
+          <a:p>
+            <a:r>
+              <a:rPr lang="en-US" altLang="ko-KR" dirty="0">
+                <a:solidFill>
+                  <a:schemeClr val="accent2"/>
+                </a:solidFill>
+              </a:rPr>
+              <a:t>(ID) : </a:t>
+            </a:r>
+            <a:r>
+              <a:rPr lang="ko-KR" altLang="en-US" dirty="0">
+                <a:solidFill>
+                  <a:schemeClr val="accent2"/>
+                </a:solidFill>
+              </a:rPr>
+              <a:t> </a:t>
+            </a:r>
+            <a:r>
+              <a:rPr lang="en-US" altLang="ko-KR" dirty="0">
+                <a:solidFill>
+                  <a:schemeClr val="accent2"/>
+                </a:solidFill>
+              </a:rPr>
+              <a:t>kill(monster): </a:t>
+            </a:r>
+            <a:r>
+              <a:rPr lang="en-US" altLang="ko-KR" dirty="0" smtClean="0">
+                <a:solidFill>
+                  <a:schemeClr val="accent2"/>
+                </a:solidFill>
+              </a:rPr>
+              <a:t>0  </a:t>
+            </a:r>
+            <a:r>
+              <a:rPr lang="en-US" altLang="ko-KR" dirty="0">
+                <a:solidFill>
+                  <a:schemeClr val="accent2"/>
+                </a:solidFill>
+              </a:rPr>
+              <a:t>kill(player): 1</a:t>
+            </a:r>
+            <a:endParaRPr lang="en-US" altLang="ko-KR" dirty="0" smtClean="0">
+              <a:solidFill>
+                <a:schemeClr val="accent2"/>
+              </a:solidFill>
+            </a:endParaRPr>
+          </a:p>
+          <a:p>
+            <a:r>
+              <a:rPr lang="en-US" altLang="ko-KR" dirty="0"/>
+              <a:t>(ID) : </a:t>
+            </a:r>
+            <a:r>
+              <a:rPr lang="ko-KR" altLang="en-US" dirty="0"/>
+              <a:t> </a:t>
+            </a:r>
+            <a:r>
+              <a:rPr lang="en-US" altLang="ko-KR" dirty="0"/>
+              <a:t>kill(monster): </a:t>
+            </a:r>
+            <a:r>
+              <a:rPr lang="en-US" altLang="ko-KR" dirty="0" smtClean="0"/>
+              <a:t>0  </a:t>
+            </a:r>
+            <a:r>
+              <a:rPr lang="en-US" altLang="ko-KR" dirty="0"/>
+              <a:t>kill(player): </a:t>
+            </a:r>
+            <a:r>
+              <a:rPr lang="en-US" altLang="ko-KR" dirty="0" smtClean="0"/>
+              <a:t>0</a:t>
+            </a:r>
+          </a:p>
+          <a:p>
+            <a:r>
+              <a:rPr lang="en-US" altLang="ko-KR" dirty="0">
+                <a:solidFill>
+                  <a:schemeClr val="accent2"/>
+                </a:solidFill>
+              </a:rPr>
+              <a:t>(ID) : </a:t>
+            </a:r>
+            <a:r>
+              <a:rPr lang="ko-KR" altLang="en-US" dirty="0">
+                <a:solidFill>
+                  <a:schemeClr val="accent2"/>
+                </a:solidFill>
+              </a:rPr>
+              <a:t> </a:t>
+            </a:r>
+            <a:r>
+              <a:rPr lang="en-US" altLang="ko-KR" dirty="0">
+                <a:solidFill>
+                  <a:schemeClr val="accent2"/>
+                </a:solidFill>
+              </a:rPr>
+              <a:t>kill(monster): </a:t>
+            </a:r>
+            <a:r>
+              <a:rPr lang="en-US" altLang="ko-KR" dirty="0" smtClean="0">
+                <a:solidFill>
+                  <a:schemeClr val="accent2"/>
+                </a:solidFill>
+              </a:rPr>
+              <a:t>6  </a:t>
+            </a:r>
+            <a:r>
+              <a:rPr lang="en-US" altLang="ko-KR" dirty="0">
+                <a:solidFill>
+                  <a:schemeClr val="accent2"/>
+                </a:solidFill>
+              </a:rPr>
+              <a:t>kill(player): </a:t>
+            </a:r>
+            <a:r>
+              <a:rPr lang="en-US" altLang="ko-KR" dirty="0" smtClean="0">
+                <a:solidFill>
+                  <a:schemeClr val="accent2"/>
+                </a:solidFill>
+              </a:rPr>
+              <a:t>0</a:t>
+            </a:r>
+          </a:p>
+          <a:p>
+            <a:r>
+              <a:rPr lang="en-US" altLang="ko-KR" dirty="0"/>
+              <a:t>(ID) : </a:t>
+            </a:r>
+            <a:r>
+              <a:rPr lang="ko-KR" altLang="en-US" dirty="0"/>
+              <a:t> </a:t>
+            </a:r>
+            <a:r>
+              <a:rPr lang="en-US" altLang="ko-KR" dirty="0"/>
+              <a:t>kill(monster): 1</a:t>
+            </a:r>
+            <a:r>
+              <a:rPr lang="en-US" altLang="ko-KR" dirty="0" smtClean="0"/>
+              <a:t>  </a:t>
+            </a:r>
+            <a:r>
+              <a:rPr lang="en-US" altLang="ko-KR" dirty="0"/>
+              <a:t>kill(player): 1</a:t>
+            </a:r>
+            <a:endParaRPr lang="en-US" altLang="ko-KR" dirty="0" smtClean="0"/>
+          </a:p>
+          <a:p>
+            <a:r>
+              <a:rPr lang="en-US" altLang="ko-KR" dirty="0">
+                <a:solidFill>
+                  <a:schemeClr val="accent2"/>
+                </a:solidFill>
+              </a:rPr>
+              <a:t>(ID) : </a:t>
+            </a:r>
+            <a:r>
+              <a:rPr lang="ko-KR" altLang="en-US" dirty="0">
+                <a:solidFill>
+                  <a:schemeClr val="accent2"/>
+                </a:solidFill>
+              </a:rPr>
+              <a:t> </a:t>
+            </a:r>
+            <a:r>
+              <a:rPr lang="en-US" altLang="ko-KR" dirty="0">
+                <a:solidFill>
+                  <a:schemeClr val="accent2"/>
+                </a:solidFill>
+              </a:rPr>
+              <a:t>kill(monster): </a:t>
+            </a:r>
+            <a:r>
+              <a:rPr lang="en-US" altLang="ko-KR" dirty="0" smtClean="0">
+                <a:solidFill>
+                  <a:schemeClr val="accent2"/>
+                </a:solidFill>
+              </a:rPr>
+              <a:t>0  </a:t>
+            </a:r>
+            <a:r>
+              <a:rPr lang="en-US" altLang="ko-KR" dirty="0">
+                <a:solidFill>
+                  <a:schemeClr val="accent2"/>
+                </a:solidFill>
+              </a:rPr>
+              <a:t>kill(player): </a:t>
+            </a:r>
+            <a:r>
+              <a:rPr lang="en-US" altLang="ko-KR" dirty="0" smtClean="0">
+                <a:solidFill>
+                  <a:schemeClr val="accent2"/>
+                </a:solidFill>
+              </a:rPr>
+              <a:t>0 </a:t>
+            </a:r>
+          </a:p>
+          <a:p>
+            <a:endParaRPr lang="ko-KR" altLang="en-US" dirty="0"/>
+          </a:p>
+        </p:txBody>
+      </p:sp>
+      <p:cxnSp>
+        <p:nvCxnSpPr>
+          <p:cNvPr id="18" name="직선 화살표 연결선 17"/>
+          <p:cNvCxnSpPr/>
+          <p:nvPr/>
+        </p:nvCxnSpPr>
+        <p:spPr>
+          <a:xfrm flipV="1">
+            <a:off x="1043608" y="3140968"/>
+            <a:ext cx="1296144" cy="504056"/>
+          </a:xfrm>
+          <a:prstGeom prst="straightConnector1">
+            <a:avLst/>
+          </a:prstGeom>
+          <a:ln>
+            <a:tailEnd type="triangle"/>
+          </a:ln>
+        </p:spPr>
+        <p:style>
+          <a:lnRef idx="1">
+            <a:schemeClr val="accent1"/>
+          </a:lnRef>
+          <a:fillRef idx="0">
+            <a:schemeClr val="accent1"/>
+          </a:fillRef>
+          <a:effectRef idx="0">
+            <a:schemeClr val="accent1"/>
+          </a:effectRef>
+          <a:fontRef idx="minor">
+            <a:schemeClr val="tx1"/>
+          </a:fontRef>
+        </p:style>
+      </p:cxnSp>
+      <p:cxnSp>
+        <p:nvCxnSpPr>
+          <p:cNvPr id="19" name="직선 화살표 연결선 18"/>
+          <p:cNvCxnSpPr/>
+          <p:nvPr/>
+        </p:nvCxnSpPr>
+        <p:spPr>
+          <a:xfrm>
+            <a:off x="1043608" y="3645024"/>
+            <a:ext cx="1368152" cy="0"/>
+          </a:xfrm>
+          <a:prstGeom prst="straightConnector1">
+            <a:avLst/>
+          </a:prstGeom>
+          <a:ln>
+            <a:tailEnd type="triangle"/>
+          </a:ln>
+        </p:spPr>
+        <p:style>
+          <a:lnRef idx="1">
+            <a:schemeClr val="accent1"/>
+          </a:lnRef>
+          <a:fillRef idx="0">
+            <a:schemeClr val="accent1"/>
+          </a:fillRef>
+          <a:effectRef idx="0">
+            <a:schemeClr val="accent1"/>
+          </a:effectRef>
+          <a:fontRef idx="minor">
+            <a:schemeClr val="tx1"/>
+          </a:fontRef>
+        </p:style>
+      </p:cxnSp>
+      <p:cxnSp>
+        <p:nvCxnSpPr>
+          <p:cNvPr id="22" name="직선 화살표 연결선 21"/>
+          <p:cNvCxnSpPr/>
+          <p:nvPr/>
+        </p:nvCxnSpPr>
+        <p:spPr>
+          <a:xfrm>
+            <a:off x="1022303" y="3645024"/>
+            <a:ext cx="1389457" cy="504056"/>
+          </a:xfrm>
+          <a:prstGeom prst="straightConnector1">
+            <a:avLst/>
+          </a:prstGeom>
+          <a:ln>
+            <a:tailEnd type="triangle"/>
+          </a:ln>
+        </p:spPr>
+        <p:style>
+          <a:lnRef idx="1">
+            <a:schemeClr val="accent1"/>
+          </a:lnRef>
+          <a:fillRef idx="0">
+            <a:schemeClr val="accent1"/>
+          </a:fillRef>
+          <a:effectRef idx="0">
+            <a:schemeClr val="accent1"/>
+          </a:effectRef>
+          <a:fontRef idx="minor">
+            <a:schemeClr val="tx1"/>
+          </a:fontRef>
+        </p:style>
+      </p:cxnSp>
+      <p:sp>
+        <p:nvSpPr>
+          <p:cNvPr id="25" name="TextBox 24"/>
+          <p:cNvSpPr txBox="1"/>
+          <p:nvPr/>
+        </p:nvSpPr>
+        <p:spPr>
+          <a:xfrm>
+            <a:off x="90714" y="3518065"/>
+            <a:ext cx="987501" cy="253916"/>
+          </a:xfrm>
+          <a:prstGeom prst="rect">
+            <a:avLst/>
+          </a:prstGeom>
+          <a:noFill/>
+        </p:spPr>
+        <p:txBody>
+          <a:bodyPr wrap="square" rtlCol="0">
+            <a:spAutoFit/>
+          </a:bodyPr>
+          <a:lstStyle/>
+          <a:p>
+            <a:r>
+              <a:rPr lang="ko-KR" altLang="en-US" sz="1050" dirty="0" smtClean="0">
+                <a:solidFill>
+                  <a:schemeClr val="accent2"/>
+                </a:solidFill>
+              </a:rPr>
+              <a:t>죽은플레이어</a:t>
+            </a:r>
+            <a:endParaRPr lang="ko-KR" altLang="en-US" sz="1050" dirty="0">
+              <a:solidFill>
+                <a:schemeClr val="accent2"/>
+              </a:solidFill>
+            </a:endParaRPr>
+          </a:p>
+        </p:txBody>
+      </p:sp>
+      <p:cxnSp>
+        <p:nvCxnSpPr>
+          <p:cNvPr id="27" name="직선 화살표 연결선 26"/>
+          <p:cNvCxnSpPr/>
+          <p:nvPr/>
+        </p:nvCxnSpPr>
+        <p:spPr>
+          <a:xfrm>
+            <a:off x="1187624" y="2492896"/>
+            <a:ext cx="1224136" cy="72008"/>
+          </a:xfrm>
+          <a:prstGeom prst="straightConnector1">
+            <a:avLst/>
+          </a:prstGeom>
+          <a:ln>
+            <a:solidFill>
+              <a:schemeClr val="bg2"/>
+            </a:solidFill>
+            <a:tailEnd type="triangle"/>
+          </a:ln>
+        </p:spPr>
+        <p:style>
+          <a:lnRef idx="1">
+            <a:schemeClr val="accent1"/>
+          </a:lnRef>
+          <a:fillRef idx="0">
+            <a:schemeClr val="accent1"/>
+          </a:fillRef>
+          <a:effectRef idx="0">
+            <a:schemeClr val="accent1"/>
+          </a:effectRef>
+          <a:fontRef idx="minor">
+            <a:schemeClr val="tx1"/>
+          </a:fontRef>
+        </p:style>
+      </p:cxnSp>
+      <p:cxnSp>
+        <p:nvCxnSpPr>
+          <p:cNvPr id="28" name="직선 화살표 연결선 27"/>
+          <p:cNvCxnSpPr/>
+          <p:nvPr/>
+        </p:nvCxnSpPr>
+        <p:spPr>
+          <a:xfrm>
+            <a:off x="1187624" y="2492895"/>
+            <a:ext cx="1242946" cy="360041"/>
+          </a:xfrm>
+          <a:prstGeom prst="straightConnector1">
+            <a:avLst/>
+          </a:prstGeom>
+          <a:ln>
+            <a:solidFill>
+              <a:schemeClr val="bg2"/>
+            </a:solidFill>
+            <a:tailEnd type="triangle"/>
+          </a:ln>
+        </p:spPr>
+        <p:style>
+          <a:lnRef idx="1">
+            <a:schemeClr val="accent1"/>
+          </a:lnRef>
+          <a:fillRef idx="0">
+            <a:schemeClr val="accent1"/>
+          </a:fillRef>
+          <a:effectRef idx="0">
+            <a:schemeClr val="accent1"/>
+          </a:effectRef>
+          <a:fontRef idx="minor">
+            <a:schemeClr val="tx1"/>
+          </a:fontRef>
+        </p:style>
+      </p:cxnSp>
+      <p:cxnSp>
+        <p:nvCxnSpPr>
+          <p:cNvPr id="31" name="직선 화살표 연결선 30"/>
+          <p:cNvCxnSpPr/>
+          <p:nvPr/>
+        </p:nvCxnSpPr>
+        <p:spPr>
+          <a:xfrm>
+            <a:off x="1187624" y="2528900"/>
+            <a:ext cx="1224136" cy="783392"/>
+          </a:xfrm>
+          <a:prstGeom prst="straightConnector1">
+            <a:avLst/>
+          </a:prstGeom>
+          <a:ln>
+            <a:solidFill>
+              <a:schemeClr val="bg2"/>
+            </a:solidFill>
+            <a:tailEnd type="triangle"/>
+          </a:ln>
+        </p:spPr>
+        <p:style>
+          <a:lnRef idx="1">
+            <a:schemeClr val="accent1"/>
+          </a:lnRef>
+          <a:fillRef idx="0">
+            <a:schemeClr val="accent1"/>
+          </a:fillRef>
+          <a:effectRef idx="0">
+            <a:schemeClr val="accent1"/>
+          </a:effectRef>
+          <a:fontRef idx="minor">
+            <a:schemeClr val="tx1"/>
+          </a:fontRef>
+        </p:style>
+      </p:cxnSp>
+      <p:cxnSp>
+        <p:nvCxnSpPr>
+          <p:cNvPr id="33" name="직선 화살표 연결선 32"/>
+          <p:cNvCxnSpPr/>
+          <p:nvPr/>
+        </p:nvCxnSpPr>
+        <p:spPr>
+          <a:xfrm>
+            <a:off x="1168814" y="2492894"/>
+            <a:ext cx="1242946" cy="1404158"/>
+          </a:xfrm>
+          <a:prstGeom prst="straightConnector1">
+            <a:avLst/>
+          </a:prstGeom>
+          <a:ln>
+            <a:solidFill>
+              <a:schemeClr val="bg2"/>
+            </a:solidFill>
+            <a:tailEnd type="triangle"/>
+          </a:ln>
+        </p:spPr>
+        <p:style>
+          <a:lnRef idx="1">
+            <a:schemeClr val="accent1"/>
+          </a:lnRef>
+          <a:fillRef idx="0">
+            <a:schemeClr val="accent1"/>
+          </a:fillRef>
+          <a:effectRef idx="0">
+            <a:schemeClr val="accent1"/>
+          </a:effectRef>
+          <a:fontRef idx="minor">
+            <a:schemeClr val="tx1"/>
+          </a:fontRef>
+        </p:style>
+      </p:cxnSp>
+      <p:sp>
+        <p:nvSpPr>
+          <p:cNvPr id="36" name="TextBox 35"/>
+          <p:cNvSpPr txBox="1"/>
+          <p:nvPr/>
+        </p:nvSpPr>
+        <p:spPr>
+          <a:xfrm>
+            <a:off x="155914" y="2374733"/>
+            <a:ext cx="1064946" cy="230832"/>
+          </a:xfrm>
+          <a:prstGeom prst="rect">
+            <a:avLst/>
+          </a:prstGeom>
+          <a:noFill/>
+        </p:spPr>
+        <p:txBody>
+          <a:bodyPr wrap="square" rtlCol="0">
+            <a:spAutoFit/>
+          </a:bodyPr>
+          <a:lstStyle/>
+          <a:p>
+            <a:r>
+              <a:rPr lang="ko-KR" altLang="en-US" sz="900" dirty="0" smtClean="0">
+                <a:solidFill>
+                  <a:schemeClr val="bg1"/>
+                </a:solidFill>
+              </a:rPr>
+              <a:t>생존한 플레이어</a:t>
+            </a:r>
+            <a:endParaRPr lang="ko-KR" altLang="en-US" sz="900" dirty="0">
+              <a:solidFill>
+                <a:schemeClr val="bg1"/>
+              </a:solidFill>
+            </a:endParaRPr>
+          </a:p>
+        </p:txBody>
+      </p:sp>
+      <p:sp>
+        <p:nvSpPr>
+          <p:cNvPr id="37" name="직사각형 36"/>
+          <p:cNvSpPr/>
+          <p:nvPr/>
+        </p:nvSpPr>
+        <p:spPr>
+          <a:xfrm>
+            <a:off x="1907704" y="1141765"/>
+            <a:ext cx="5444463" cy="931024"/>
           </a:xfrm>
           <a:prstGeom prst="rect">
             <a:avLst/>
@@ -19774,7 +20499,7 @@
               </a:lnSpc>
             </a:pPr>
             <a:r>
-              <a:rPr lang="ko-KR" altLang="en-US" kern="0" dirty="0">
+              <a:rPr lang="ko-KR" altLang="en-US" sz="1200" kern="0" dirty="0" smtClean="0">
                 <a:solidFill>
                   <a:schemeClr val="bg1"/>
                 </a:solidFill>
@@ -19784,36 +20509,180 @@
               <a:t>● </a:t>
             </a:r>
             <a:r>
-              <a:rPr lang="ko-KR" altLang="en-US" kern="0" dirty="0" smtClean="0">
+              <a:rPr lang="en-US" altLang="ko-KR" sz="1200" kern="0" dirty="0" smtClean="0">
                 <a:solidFill>
                   <a:schemeClr val="bg1"/>
                 </a:solidFill>
                 <a:latin typeface="HY헤드라인M" panose="02030600000101010101" pitchFamily="18" charset="-127"/>
                 <a:ea typeface="HY헤드라인M" panose="02030600000101010101" pitchFamily="18" charset="-127"/>
               </a:rPr>
-              <a:t>장르 </a:t>
-            </a:r>
-            <a:r>
-              <a:rPr lang="en-US" altLang="ko-KR" kern="0" dirty="0" smtClean="0">
+              <a:t>UI</a:t>
+            </a:r>
+          </a:p>
+          <a:p>
+            <a:pPr fontAlgn="base">
+              <a:lnSpc>
+                <a:spcPct val="160000"/>
+              </a:lnSpc>
+            </a:pPr>
+            <a:r>
+              <a:rPr lang="ko-KR" altLang="en-US" sz="1200" kern="0" dirty="0" smtClean="0">
                 <a:solidFill>
                   <a:schemeClr val="bg1"/>
                 </a:solidFill>
                 <a:latin typeface="HY헤드라인M" panose="02030600000101010101" pitchFamily="18" charset="-127"/>
                 <a:ea typeface="HY헤드라인M" panose="02030600000101010101" pitchFamily="18" charset="-127"/>
               </a:rPr>
-              <a:t>: </a:t>
-            </a:r>
-            <a:r>
-              <a:rPr lang="ko-KR" altLang="en-US" kern="0" dirty="0" smtClean="0">
+              <a:t>시간</a:t>
+            </a:r>
+            <a:r>
+              <a:rPr lang="en-US" altLang="ko-KR" sz="1200" kern="0" dirty="0" smtClean="0">
                 <a:solidFill>
                   <a:schemeClr val="bg1"/>
                 </a:solidFill>
                 <a:latin typeface="HY헤드라인M" panose="02030600000101010101" pitchFamily="18" charset="-127"/>
                 <a:ea typeface="HY헤드라인M" panose="02030600000101010101" pitchFamily="18" charset="-127"/>
               </a:rPr>
-              <a:t>아케이드 전략게임</a:t>
-            </a:r>
-            <a:endParaRPr lang="en-US" altLang="ko-KR" kern="0" dirty="0" smtClean="0">
+              <a:t>,</a:t>
+            </a:r>
+            <a:r>
+              <a:rPr lang="ko-KR" altLang="en-US" sz="1200" kern="0" dirty="0" smtClean="0">
+                <a:solidFill>
+                  <a:schemeClr val="bg1"/>
+                </a:solidFill>
+                <a:latin typeface="HY헤드라인M" panose="02030600000101010101" pitchFamily="18" charset="-127"/>
+                <a:ea typeface="HY헤드라인M" panose="02030600000101010101" pitchFamily="18" charset="-127"/>
+              </a:rPr>
+              <a:t> 정보</a:t>
+            </a:r>
+            <a:r>
+              <a:rPr lang="en-US" altLang="ko-KR" sz="1200" kern="0" dirty="0" smtClean="0">
+                <a:solidFill>
+                  <a:schemeClr val="bg1"/>
+                </a:solidFill>
+                <a:latin typeface="HY헤드라인M" panose="02030600000101010101" pitchFamily="18" charset="-127"/>
+                <a:ea typeface="HY헤드라인M" panose="02030600000101010101" pitchFamily="18" charset="-127"/>
+              </a:rPr>
+              <a:t>(</a:t>
+            </a:r>
+            <a:r>
+              <a:rPr lang="ko-KR" altLang="en-US" sz="1200" kern="0" dirty="0" smtClean="0">
+                <a:solidFill>
+                  <a:schemeClr val="bg1"/>
+                </a:solidFill>
+                <a:latin typeface="HY헤드라인M" panose="02030600000101010101" pitchFamily="18" charset="-127"/>
+                <a:ea typeface="HY헤드라인M" panose="02030600000101010101" pitchFamily="18" charset="-127"/>
+              </a:rPr>
+              <a:t>점수</a:t>
+            </a:r>
+            <a:r>
+              <a:rPr lang="en-US" altLang="ko-KR" sz="1200" kern="0" dirty="0" smtClean="0">
+                <a:solidFill>
+                  <a:schemeClr val="bg1"/>
+                </a:solidFill>
+                <a:latin typeface="HY헤드라인M" panose="02030600000101010101" pitchFamily="18" charset="-127"/>
+                <a:ea typeface="HY헤드라인M" panose="02030600000101010101" pitchFamily="18" charset="-127"/>
+              </a:rPr>
+              <a:t>, </a:t>
+            </a:r>
+            <a:r>
+              <a:rPr lang="ko-KR" altLang="en-US" sz="1200" kern="0" dirty="0" smtClean="0">
+                <a:solidFill>
+                  <a:schemeClr val="bg1"/>
+                </a:solidFill>
+                <a:latin typeface="HY헤드라인M" panose="02030600000101010101" pitchFamily="18" charset="-127"/>
+                <a:ea typeface="HY헤드라인M" panose="02030600000101010101" pitchFamily="18" charset="-127"/>
+              </a:rPr>
+              <a:t>플레이어 등</a:t>
+            </a:r>
+            <a:r>
+              <a:rPr lang="en-US" altLang="ko-KR" sz="1200" kern="0" dirty="0" smtClean="0">
+                <a:solidFill>
+                  <a:schemeClr val="bg1"/>
+                </a:solidFill>
+                <a:latin typeface="HY헤드라인M" panose="02030600000101010101" pitchFamily="18" charset="-127"/>
+                <a:ea typeface="HY헤드라인M" panose="02030600000101010101" pitchFamily="18" charset="-127"/>
+              </a:rPr>
+              <a:t>)</a:t>
+            </a:r>
+          </a:p>
+          <a:p>
+            <a:pPr fontAlgn="base">
+              <a:lnSpc>
+                <a:spcPct val="160000"/>
+              </a:lnSpc>
+            </a:pPr>
+            <a:r>
+              <a:rPr lang="en-US" altLang="ko-KR" sz="1200" kern="0" dirty="0" smtClean="0">
+                <a:solidFill>
+                  <a:schemeClr val="bg1"/>
+                </a:solidFill>
+                <a:latin typeface="HY헤드라인M" panose="02030600000101010101" pitchFamily="18" charset="-127"/>
+                <a:ea typeface="HY헤드라인M" panose="02030600000101010101" pitchFamily="18" charset="-127"/>
+              </a:rPr>
+              <a:t>(</a:t>
+            </a:r>
+            <a:r>
+              <a:rPr lang="ko-KR" altLang="en-US" sz="1200" kern="0" dirty="0" smtClean="0">
+                <a:solidFill>
+                  <a:schemeClr val="bg1"/>
+                </a:solidFill>
+                <a:latin typeface="HY헤드라인M" panose="02030600000101010101" pitchFamily="18" charset="-127"/>
+                <a:ea typeface="HY헤드라인M" panose="02030600000101010101" pitchFamily="18" charset="-127"/>
+              </a:rPr>
+              <a:t>정보 </a:t>
+            </a:r>
+            <a:r>
+              <a:rPr lang="en-US" altLang="ko-KR" sz="1200" kern="0" dirty="0" smtClean="0">
+                <a:solidFill>
+                  <a:schemeClr val="bg1"/>
+                </a:solidFill>
+                <a:latin typeface="HY헤드라인M" panose="02030600000101010101" pitchFamily="18" charset="-127"/>
+                <a:ea typeface="HY헤드라인M" panose="02030600000101010101" pitchFamily="18" charset="-127"/>
+              </a:rPr>
+              <a:t>UI</a:t>
+            </a:r>
+            <a:r>
+              <a:rPr lang="ko-KR" altLang="en-US" sz="1200" kern="0" dirty="0" smtClean="0">
+                <a:solidFill>
+                  <a:schemeClr val="bg1"/>
+                </a:solidFill>
+                <a:latin typeface="HY헤드라인M" panose="02030600000101010101" pitchFamily="18" charset="-127"/>
+                <a:ea typeface="HY헤드라인M" panose="02030600000101010101" pitchFamily="18" charset="-127"/>
+              </a:rPr>
+              <a:t>는 </a:t>
+            </a:r>
+            <a:r>
+              <a:rPr lang="en-US" altLang="ko-KR" sz="1200" kern="0" dirty="0" smtClean="0">
+                <a:solidFill>
+                  <a:schemeClr val="bg1"/>
+                </a:solidFill>
+                <a:latin typeface="HY헤드라인M" panose="02030600000101010101" pitchFamily="18" charset="-127"/>
+                <a:ea typeface="HY헤드라인M" panose="02030600000101010101" pitchFamily="18" charset="-127"/>
+              </a:rPr>
+              <a:t>Tab</a:t>
+            </a:r>
+            <a:r>
+              <a:rPr lang="ko-KR" altLang="en-US" sz="1200" kern="0" dirty="0" smtClean="0">
+                <a:solidFill>
+                  <a:schemeClr val="bg1"/>
+                </a:solidFill>
+                <a:latin typeface="HY헤드라인M" panose="02030600000101010101" pitchFamily="18" charset="-127"/>
+                <a:ea typeface="HY헤드라인M" panose="02030600000101010101" pitchFamily="18" charset="-127"/>
+              </a:rPr>
+              <a:t>키를 누를 시 나타나게 됩니다</a:t>
+            </a:r>
+            <a:r>
+              <a:rPr lang="en-US" altLang="ko-KR" sz="1200" kern="0" dirty="0" smtClean="0">
+                <a:solidFill>
+                  <a:schemeClr val="bg1"/>
+                </a:solidFill>
+                <a:latin typeface="HY헤드라인M" panose="02030600000101010101" pitchFamily="18" charset="-127"/>
+                <a:ea typeface="HY헤드라인M" panose="02030600000101010101" pitchFamily="18" charset="-127"/>
+              </a:rPr>
+              <a:t>.</a:t>
+            </a:r>
+            <a:endParaRPr lang="en-US" altLang="ko-KR" sz="1200" kern="0" dirty="0">
               <a:solidFill>
                 <a:schemeClr val="bg1"/>
               </a:solidFill>
@@ -19821,523 +20690,275 @@
               <a:ea typeface="HY헤드라인M" panose="02030600000101010101" pitchFamily="18" charset="-127"/>
             </a:endParaRPr>
           </a:p>
-          <a:p>
-            <a:pPr fontAlgn="base">
-              <a:lnSpc>
-                <a:spcPct val="160000"/>
-              </a:lnSpc>
-            </a:pPr>
-            <a:r>
-              <a:rPr lang="ko-KR" altLang="en-US" kern="0" dirty="0" smtClean="0">
-                <a:solidFill>
-                  <a:schemeClr val="bg1"/>
-                </a:solidFill>
-                <a:latin typeface="HY헤드라인M" panose="02030600000101010101" pitchFamily="18" charset="-127"/>
-                <a:ea typeface="HY헤드라인M" panose="02030600000101010101" pitchFamily="18" charset="-127"/>
-              </a:rPr>
-              <a:t>● </a:t>
-            </a:r>
-            <a:r>
-              <a:rPr lang="ko-KR" altLang="en-US" kern="0" dirty="0">
-                <a:solidFill>
-                  <a:schemeClr val="bg1"/>
-                </a:solidFill>
-                <a:latin typeface="HY헤드라인M" panose="02030600000101010101" pitchFamily="18" charset="-127"/>
-                <a:ea typeface="HY헤드라인M" panose="02030600000101010101" pitchFamily="18" charset="-127"/>
-              </a:rPr>
-              <a:t>시점 </a:t>
-            </a:r>
-            <a:r>
-              <a:rPr lang="en-US" altLang="ko-KR" kern="0" dirty="0">
-                <a:solidFill>
-                  <a:schemeClr val="bg1"/>
-                </a:solidFill>
-                <a:latin typeface="HY헤드라인M" panose="02030600000101010101" pitchFamily="18" charset="-127"/>
-                <a:ea typeface="HY헤드라인M" panose="02030600000101010101" pitchFamily="18" charset="-127"/>
-              </a:rPr>
-              <a:t>: 3</a:t>
-            </a:r>
-            <a:r>
-              <a:rPr lang="ko-KR" altLang="en-US" kern="0" dirty="0">
-                <a:solidFill>
-                  <a:schemeClr val="bg1"/>
-                </a:solidFill>
-                <a:latin typeface="HY헤드라인M" panose="02030600000101010101" pitchFamily="18" charset="-127"/>
-                <a:ea typeface="HY헤드라인M" panose="02030600000101010101" pitchFamily="18" charset="-127"/>
-              </a:rPr>
-              <a:t>인칭 </a:t>
-            </a:r>
-            <a:r>
-              <a:rPr lang="ko-KR" altLang="en-US" kern="0" dirty="0" smtClean="0">
-                <a:solidFill>
-                  <a:schemeClr val="bg1"/>
-                </a:solidFill>
-                <a:latin typeface="HY헤드라인M" panose="02030600000101010101" pitchFamily="18" charset="-127"/>
-                <a:ea typeface="HY헤드라인M" panose="02030600000101010101" pitchFamily="18" charset="-127"/>
-              </a:rPr>
-              <a:t>시점</a:t>
-            </a:r>
-            <a:endParaRPr lang="en-US" altLang="ko-KR" kern="0" dirty="0" smtClean="0">
+        </p:txBody>
+      </p:sp>
+      <p:sp>
+        <p:nvSpPr>
+          <p:cNvPr id="38" name="직사각형 37"/>
+          <p:cNvSpPr/>
+          <p:nvPr/>
+        </p:nvSpPr>
+        <p:spPr>
+          <a:xfrm>
+            <a:off x="6566105" y="12460816"/>
+            <a:ext cx="45719" cy="45719"/>
+          </a:xfrm>
+          <a:prstGeom prst="rect">
+            <a:avLst/>
+          </a:prstGeom>
+          <a:solidFill>
+            <a:srgbClr val="FD200F">
+              <a:alpha val="40000"/>
+            </a:srgbClr>
+          </a:solidFill>
+        </p:spPr>
+        <p:style>
+          <a:lnRef idx="2">
+            <a:schemeClr val="accent1">
+              <a:shade val="50000"/>
+            </a:schemeClr>
+          </a:lnRef>
+          <a:fillRef idx="1">
+            <a:schemeClr val="accent1"/>
+          </a:fillRef>
+          <a:effectRef idx="0">
+            <a:schemeClr val="accent1"/>
+          </a:effectRef>
+          <a:fontRef idx="minor">
+            <a:schemeClr val="lt1"/>
+          </a:fontRef>
+        </p:style>
+        <p:txBody>
+          <a:bodyPr rtlCol="0" anchor="ctr"/>
+          <a:lstStyle/>
+          <a:p>
+            <a:pPr algn="ctr"/>
+            <a:endParaRPr lang="ko-KR" altLang="en-US" dirty="0"/>
+          </a:p>
+        </p:txBody>
+      </p:sp>
+      <p:pic>
+        <p:nvPicPr>
+          <p:cNvPr id="1026" name="Picture 2" descr="파일:uG12nOD.png"/>
+          <p:cNvPicPr>
+            <a:picLocks noChangeAspect="1" noChangeArrowheads="1"/>
+          </p:cNvPicPr>
+          <p:nvPr/>
+        </p:nvPicPr>
+        <p:blipFill>
+          <a:blip r:embed="rId4" cstate="print">
+            <a:extLst>
+              <a:ext uri="{28A0092B-C50C-407E-A947-70E740481C1C}">
+                <a14:useLocalDpi xmlns:a14="http://schemas.microsoft.com/office/drawing/2010/main" val="0"/>
+              </a:ext>
+            </a:extLst>
+          </a:blip>
+          <a:srcRect/>
+          <a:stretch>
+            <a:fillRect/>
+          </a:stretch>
+        </p:blipFill>
+        <p:spPr bwMode="auto">
+          <a:xfrm>
+            <a:off x="7435057" y="5521949"/>
+            <a:ext cx="259571" cy="259218"/>
+          </a:xfrm>
+          <a:prstGeom prst="rect">
+            <a:avLst/>
+          </a:prstGeom>
+          <a:noFill/>
+          <a:extLst>
+            <a:ext uri="{909E8E84-426E-40DD-AFC4-6F175D3DCCD1}">
+              <a14:hiddenFill xmlns:a14="http://schemas.microsoft.com/office/drawing/2010/main">
+                <a:solidFill>
+                  <a:srgbClr val="FFFFFF"/>
+                </a:solidFill>
+              </a14:hiddenFill>
+            </a:ext>
+          </a:extLst>
+        </p:spPr>
+      </p:pic>
+      <p:pic>
+        <p:nvPicPr>
+          <p:cNvPr id="1028" name="Picture 4" descr="재시작에 대한 이미지 검색결과"/>
+          <p:cNvPicPr>
+            <a:picLocks noChangeAspect="1" noChangeArrowheads="1"/>
+          </p:cNvPicPr>
+          <p:nvPr/>
+        </p:nvPicPr>
+        <p:blipFill>
+          <a:blip r:embed="rId5" cstate="print">
+            <a:extLst>
+              <a:ext uri="{28A0092B-C50C-407E-A947-70E740481C1C}">
+                <a14:useLocalDpi xmlns:a14="http://schemas.microsoft.com/office/drawing/2010/main" val="0"/>
+              </a:ext>
+            </a:extLst>
+          </a:blip>
+          <a:srcRect/>
+          <a:stretch>
+            <a:fillRect/>
+          </a:stretch>
+        </p:blipFill>
+        <p:spPr bwMode="auto">
+          <a:xfrm>
+            <a:off x="7181315" y="5521949"/>
+            <a:ext cx="248188" cy="259218"/>
+          </a:xfrm>
+          <a:prstGeom prst="rect">
+            <a:avLst/>
+          </a:prstGeom>
+          <a:noFill/>
+          <a:extLst>
+            <a:ext uri="{909E8E84-426E-40DD-AFC4-6F175D3DCCD1}">
+              <a14:hiddenFill xmlns:a14="http://schemas.microsoft.com/office/drawing/2010/main">
+                <a:solidFill>
+                  <a:srgbClr val="FFFFFF"/>
+                </a:solidFill>
+              </a14:hiddenFill>
+            </a:ext>
+          </a:extLst>
+        </p:spPr>
+      </p:pic>
+      <p:cxnSp>
+        <p:nvCxnSpPr>
+          <p:cNvPr id="40" name="직선 화살표 연결선 39"/>
+          <p:cNvCxnSpPr>
+            <a:endCxn id="1026" idx="3"/>
+          </p:cNvCxnSpPr>
+          <p:nvPr/>
+        </p:nvCxnSpPr>
+        <p:spPr>
+          <a:xfrm flipH="1">
+            <a:off x="7694628" y="5085184"/>
+            <a:ext cx="689663" cy="566374"/>
+          </a:xfrm>
+          <a:prstGeom prst="straightConnector1">
+            <a:avLst/>
+          </a:prstGeom>
+          <a:ln>
+            <a:tailEnd type="triangle"/>
+          </a:ln>
+        </p:spPr>
+        <p:style>
+          <a:lnRef idx="1">
+            <a:schemeClr val="accent1"/>
+          </a:lnRef>
+          <a:fillRef idx="0">
+            <a:schemeClr val="accent1"/>
+          </a:fillRef>
+          <a:effectRef idx="0">
+            <a:schemeClr val="accent1"/>
+          </a:effectRef>
+          <a:fontRef idx="minor">
+            <a:schemeClr val="tx1"/>
+          </a:fontRef>
+        </p:style>
+      </p:cxnSp>
+      <p:cxnSp>
+        <p:nvCxnSpPr>
+          <p:cNvPr id="42" name="직선 화살표 연결선 41"/>
+          <p:cNvCxnSpPr/>
+          <p:nvPr/>
+        </p:nvCxnSpPr>
+        <p:spPr>
+          <a:xfrm flipH="1">
+            <a:off x="7352167" y="4869160"/>
+            <a:ext cx="849285" cy="650297"/>
+          </a:xfrm>
+          <a:prstGeom prst="straightConnector1">
+            <a:avLst/>
+          </a:prstGeom>
+          <a:ln>
+            <a:tailEnd type="triangle"/>
+          </a:ln>
+        </p:spPr>
+        <p:style>
+          <a:lnRef idx="1">
+            <a:schemeClr val="accent1"/>
+          </a:lnRef>
+          <a:fillRef idx="0">
+            <a:schemeClr val="accent1"/>
+          </a:fillRef>
+          <a:effectRef idx="0">
+            <a:schemeClr val="accent1"/>
+          </a:effectRef>
+          <a:fontRef idx="minor">
+            <a:schemeClr val="tx1"/>
+          </a:fontRef>
+        </p:style>
+      </p:cxnSp>
+      <p:sp>
+        <p:nvSpPr>
+          <p:cNvPr id="43" name="TextBox 42"/>
+          <p:cNvSpPr txBox="1"/>
+          <p:nvPr/>
+        </p:nvSpPr>
+        <p:spPr>
+          <a:xfrm>
+            <a:off x="8100392" y="4676084"/>
+            <a:ext cx="729800" cy="253916"/>
+          </a:xfrm>
+          <a:prstGeom prst="rect">
+            <a:avLst/>
+          </a:prstGeom>
+          <a:noFill/>
+        </p:spPr>
+        <p:txBody>
+          <a:bodyPr wrap="square" rtlCol="0">
+            <a:spAutoFit/>
+          </a:bodyPr>
+          <a:lstStyle/>
+          <a:p>
+            <a:r>
+              <a:rPr lang="ko-KR" altLang="en-US" sz="1050" dirty="0" err="1" smtClean="0">
+                <a:solidFill>
+                  <a:schemeClr val="accent1"/>
+                </a:solidFill>
+              </a:rPr>
+              <a:t>재시작</a:t>
+            </a:r>
+            <a:endParaRPr lang="ko-KR" altLang="en-US" sz="1050" dirty="0">
               <a:solidFill>
-                <a:schemeClr val="bg1"/>
+                <a:schemeClr val="accent1"/>
               </a:solidFill>
-              <a:latin typeface="HY헤드라인M" panose="02030600000101010101" pitchFamily="18" charset="-127"/>
-              <a:ea typeface="HY헤드라인M" panose="02030600000101010101" pitchFamily="18" charset="-127"/>
             </a:endParaRPr>
           </a:p>
-          <a:p>
-            <a:pPr fontAlgn="base">
-              <a:lnSpc>
-                <a:spcPct val="160000"/>
-              </a:lnSpc>
-            </a:pPr>
-            <a:r>
-              <a:rPr lang="ko-KR" altLang="en-US" kern="0" dirty="0" smtClean="0">
-                <a:solidFill>
-                  <a:schemeClr val="bg1"/>
-                </a:solidFill>
-                <a:latin typeface="HY헤드라인M" panose="02030600000101010101" pitchFamily="18" charset="-127"/>
-                <a:ea typeface="HY헤드라인M" panose="02030600000101010101" pitchFamily="18" charset="-127"/>
-              </a:rPr>
-              <a:t>● 맵</a:t>
-            </a:r>
-            <a:r>
-              <a:rPr lang="en-US" altLang="ko-KR" kern="0" dirty="0">
-                <a:solidFill>
-                  <a:schemeClr val="bg1"/>
-                </a:solidFill>
-                <a:latin typeface="HY헤드라인M" panose="02030600000101010101" pitchFamily="18" charset="-127"/>
-                <a:ea typeface="HY헤드라인M" panose="02030600000101010101" pitchFamily="18" charset="-127"/>
-              </a:rPr>
-              <a:t> </a:t>
-            </a:r>
-            <a:r>
-              <a:rPr lang="ko-KR" altLang="en-US" kern="0" dirty="0" smtClean="0">
-                <a:solidFill>
-                  <a:schemeClr val="bg1"/>
-                </a:solidFill>
-                <a:latin typeface="HY헤드라인M" panose="02030600000101010101" pitchFamily="18" charset="-127"/>
-                <a:ea typeface="HY헤드라인M" panose="02030600000101010101" pitchFamily="18" charset="-127"/>
-              </a:rPr>
-              <a:t>크기 </a:t>
-            </a:r>
-            <a:r>
-              <a:rPr lang="en-US" altLang="ko-KR" kern="0" dirty="0" smtClean="0">
-                <a:solidFill>
-                  <a:schemeClr val="bg1"/>
-                </a:solidFill>
-                <a:latin typeface="HY헤드라인M" panose="02030600000101010101" pitchFamily="18" charset="-127"/>
-                <a:ea typeface="HY헤드라인M" panose="02030600000101010101" pitchFamily="18" charset="-127"/>
-              </a:rPr>
-              <a:t>: 100 X 100 (</a:t>
-            </a:r>
-            <a:r>
-              <a:rPr lang="ko-KR" altLang="en-US" kern="0" dirty="0" smtClean="0">
-                <a:solidFill>
-                  <a:schemeClr val="bg1"/>
-                </a:solidFill>
-                <a:latin typeface="HY헤드라인M" panose="02030600000101010101" pitchFamily="18" charset="-127"/>
-                <a:ea typeface="HY헤드라인M" panose="02030600000101010101" pitchFamily="18" charset="-127"/>
-              </a:rPr>
-              <a:t>단위 </a:t>
-            </a:r>
-            <a:r>
-              <a:rPr lang="en-US" altLang="ko-KR" kern="0" dirty="0" smtClean="0">
-                <a:solidFill>
-                  <a:schemeClr val="bg1"/>
-                </a:solidFill>
-                <a:latin typeface="HY헤드라인M" panose="02030600000101010101" pitchFamily="18" charset="-127"/>
-                <a:ea typeface="HY헤드라인M" panose="02030600000101010101" pitchFamily="18" charset="-127"/>
-              </a:rPr>
-              <a:t>: m)</a:t>
-            </a:r>
-          </a:p>
-          <a:p>
-            <a:pPr fontAlgn="base">
-              <a:lnSpc>
-                <a:spcPct val="160000"/>
-              </a:lnSpc>
-            </a:pPr>
-            <a:r>
-              <a:rPr lang="en-US" altLang="ko-KR" kern="0" dirty="0" smtClean="0">
-                <a:solidFill>
-                  <a:schemeClr val="bg1"/>
-                </a:solidFill>
-                <a:latin typeface="HY헤드라인M" panose="02030600000101010101" pitchFamily="18" charset="-127"/>
-                <a:ea typeface="HY헤드라인M" panose="02030600000101010101" pitchFamily="18" charset="-127"/>
-              </a:rPr>
-              <a:t>                 Unity</a:t>
-            </a:r>
-            <a:r>
-              <a:rPr lang="ko-KR" altLang="en-US" kern="0" dirty="0" smtClean="0">
-                <a:solidFill>
-                  <a:schemeClr val="bg1"/>
-                </a:solidFill>
-                <a:latin typeface="HY헤드라인M" panose="02030600000101010101" pitchFamily="18" charset="-127"/>
-                <a:ea typeface="HY헤드라인M" panose="02030600000101010101" pitchFamily="18" charset="-127"/>
-              </a:rPr>
-              <a:t>를 이용한 </a:t>
-            </a:r>
-            <a:r>
-              <a:rPr lang="ko-KR" altLang="en-US" kern="0" dirty="0" err="1" smtClean="0">
-                <a:solidFill>
-                  <a:schemeClr val="bg1"/>
-                </a:solidFill>
-                <a:latin typeface="HY헤드라인M" panose="02030600000101010101" pitchFamily="18" charset="-127"/>
-                <a:ea typeface="HY헤드라인M" panose="02030600000101010101" pitchFamily="18" charset="-127"/>
-              </a:rPr>
-              <a:t>맵툴</a:t>
-            </a:r>
-            <a:r>
-              <a:rPr lang="ko-KR" altLang="en-US" kern="0" dirty="0" smtClean="0">
-                <a:solidFill>
-                  <a:schemeClr val="bg1"/>
-                </a:solidFill>
-                <a:latin typeface="HY헤드라인M" panose="02030600000101010101" pitchFamily="18" charset="-127"/>
-                <a:ea typeface="HY헤드라인M" panose="02030600000101010101" pitchFamily="18" charset="-127"/>
-              </a:rPr>
-              <a:t> 제작</a:t>
-            </a:r>
-            <a:endParaRPr lang="en-US" altLang="ko-KR" kern="0" dirty="0" smtClean="0">
+        </p:txBody>
+      </p:sp>
+      <p:sp>
+        <p:nvSpPr>
+          <p:cNvPr id="46" name="TextBox 45"/>
+          <p:cNvSpPr txBox="1"/>
+          <p:nvPr/>
+        </p:nvSpPr>
+        <p:spPr>
+          <a:xfrm>
+            <a:off x="8357434" y="4917309"/>
+            <a:ext cx="729800" cy="253916"/>
+          </a:xfrm>
+          <a:prstGeom prst="rect">
+            <a:avLst/>
+          </a:prstGeom>
+          <a:noFill/>
+        </p:spPr>
+        <p:txBody>
+          <a:bodyPr wrap="square" rtlCol="0">
+            <a:spAutoFit/>
+          </a:bodyPr>
+          <a:lstStyle/>
+          <a:p>
+            <a:r>
+              <a:rPr lang="ko-KR" altLang="en-US" sz="1050" dirty="0" smtClean="0">
+                <a:solidFill>
+                  <a:schemeClr val="accent1"/>
+                </a:solidFill>
+              </a:rPr>
+              <a:t>나가기</a:t>
+            </a:r>
+            <a:endParaRPr lang="ko-KR" altLang="en-US" sz="1050" dirty="0">
               <a:solidFill>
-                <a:schemeClr val="bg1"/>
+                <a:schemeClr val="accent1"/>
               </a:solidFill>
-              <a:latin typeface="HY헤드라인M" panose="02030600000101010101" pitchFamily="18" charset="-127"/>
-              <a:ea typeface="HY헤드라인M" panose="02030600000101010101" pitchFamily="18" charset="-127"/>
-            </a:endParaRPr>
-          </a:p>
-          <a:p>
-            <a:pPr fontAlgn="base">
-              <a:lnSpc>
-                <a:spcPct val="160000"/>
-              </a:lnSpc>
-            </a:pPr>
-            <a:r>
-              <a:rPr lang="ko-KR" altLang="en-US" kern="0" dirty="0" smtClean="0">
-                <a:solidFill>
-                  <a:schemeClr val="bg1"/>
-                </a:solidFill>
-                <a:latin typeface="HY헤드라인M" panose="02030600000101010101" pitchFamily="18" charset="-127"/>
-                <a:ea typeface="HY헤드라인M" panose="02030600000101010101" pitchFamily="18" charset="-127"/>
-              </a:rPr>
-              <a:t>●플레이어 속도 </a:t>
-            </a:r>
-            <a:r>
-              <a:rPr lang="en-US" altLang="ko-KR" kern="0" dirty="0" smtClean="0">
-                <a:solidFill>
-                  <a:schemeClr val="bg1"/>
-                </a:solidFill>
-                <a:latin typeface="HY헤드라인M" panose="02030600000101010101" pitchFamily="18" charset="-127"/>
-                <a:ea typeface="HY헤드라인M" panose="02030600000101010101" pitchFamily="18" charset="-127"/>
-              </a:rPr>
-              <a:t>: 2m/s</a:t>
-            </a:r>
-          </a:p>
-          <a:p>
-            <a:pPr fontAlgn="base">
-              <a:lnSpc>
-                <a:spcPct val="160000"/>
-              </a:lnSpc>
-            </a:pPr>
-            <a:r>
-              <a:rPr lang="ko-KR" altLang="en-US" kern="0" dirty="0" smtClean="0">
-                <a:solidFill>
-                  <a:schemeClr val="bg1"/>
-                </a:solidFill>
-                <a:latin typeface="HY헤드라인M" panose="02030600000101010101" pitchFamily="18" charset="-127"/>
-                <a:ea typeface="HY헤드라인M" panose="02030600000101010101" pitchFamily="18" charset="-127"/>
-              </a:rPr>
-              <a:t>●예상 플레이 시간</a:t>
-            </a:r>
-            <a:r>
-              <a:rPr lang="en-US" altLang="ko-KR" kern="0" dirty="0">
-                <a:solidFill>
-                  <a:schemeClr val="bg1"/>
-                </a:solidFill>
-                <a:latin typeface="HY헤드라인M" panose="02030600000101010101" pitchFamily="18" charset="-127"/>
-                <a:ea typeface="HY헤드라인M" panose="02030600000101010101" pitchFamily="18" charset="-127"/>
-              </a:rPr>
-              <a:t> </a:t>
-            </a:r>
-            <a:r>
-              <a:rPr lang="en-US" altLang="ko-KR" kern="0" dirty="0" smtClean="0">
-                <a:solidFill>
-                  <a:schemeClr val="bg1"/>
-                </a:solidFill>
-                <a:latin typeface="HY헤드라인M" panose="02030600000101010101" pitchFamily="18" charset="-127"/>
-                <a:ea typeface="HY헤드라인M" panose="02030600000101010101" pitchFamily="18" charset="-127"/>
-              </a:rPr>
-              <a:t>: </a:t>
-            </a:r>
-            <a:r>
-              <a:rPr lang="ko-KR" altLang="en-US" kern="0" dirty="0" smtClean="0">
-                <a:solidFill>
-                  <a:schemeClr val="bg1"/>
-                </a:solidFill>
-                <a:latin typeface="HY헤드라인M" panose="02030600000101010101" pitchFamily="18" charset="-127"/>
-                <a:ea typeface="HY헤드라인M" panose="02030600000101010101" pitchFamily="18" charset="-127"/>
-              </a:rPr>
-              <a:t>게임당 최소 </a:t>
-            </a:r>
-            <a:r>
-              <a:rPr lang="en-US" altLang="ko-KR" kern="0" dirty="0">
-                <a:solidFill>
-                  <a:schemeClr val="bg1"/>
-                </a:solidFill>
-                <a:latin typeface="HY헤드라인M" panose="02030600000101010101" pitchFamily="18" charset="-127"/>
-                <a:ea typeface="HY헤드라인M" panose="02030600000101010101" pitchFamily="18" charset="-127"/>
-              </a:rPr>
-              <a:t>8</a:t>
-            </a:r>
-            <a:r>
-              <a:rPr lang="ko-KR" altLang="en-US" kern="0" dirty="0" smtClean="0">
-                <a:solidFill>
-                  <a:schemeClr val="bg1"/>
-                </a:solidFill>
-                <a:latin typeface="HY헤드라인M" panose="02030600000101010101" pitchFamily="18" charset="-127"/>
-                <a:ea typeface="HY헤드라인M" panose="02030600000101010101" pitchFamily="18" charset="-127"/>
-              </a:rPr>
-              <a:t>분</a:t>
-            </a:r>
-            <a:endParaRPr lang="en-US" altLang="ko-KR" kern="0" dirty="0" smtClean="0">
-              <a:solidFill>
-                <a:schemeClr val="bg1"/>
-              </a:solidFill>
-              <a:latin typeface="HY헤드라인M" panose="02030600000101010101" pitchFamily="18" charset="-127"/>
-              <a:ea typeface="HY헤드라인M" panose="02030600000101010101" pitchFamily="18" charset="-127"/>
-            </a:endParaRPr>
-          </a:p>
-          <a:p>
-            <a:pPr fontAlgn="base">
-              <a:lnSpc>
-                <a:spcPct val="160000"/>
-              </a:lnSpc>
-            </a:pPr>
-            <a:r>
-              <a:rPr lang="ko-KR" altLang="en-US" kern="0" dirty="0">
-                <a:solidFill>
-                  <a:schemeClr val="bg1"/>
-                </a:solidFill>
-                <a:latin typeface="HY헤드라인M" panose="02030600000101010101" pitchFamily="18" charset="-127"/>
-                <a:ea typeface="HY헤드라인M" panose="02030600000101010101" pitchFamily="18" charset="-127"/>
-              </a:rPr>
-              <a:t>● 플레이어</a:t>
-            </a:r>
-            <a:r>
-              <a:rPr lang="en-US" altLang="ko-KR" kern="0" dirty="0">
-                <a:solidFill>
-                  <a:schemeClr val="bg1"/>
-                </a:solidFill>
-                <a:latin typeface="HY헤드라인M" panose="02030600000101010101" pitchFamily="18" charset="-127"/>
-                <a:ea typeface="HY헤드라인M" panose="02030600000101010101" pitchFamily="18" charset="-127"/>
-              </a:rPr>
-              <a:t>, </a:t>
-            </a:r>
-            <a:r>
-              <a:rPr lang="ko-KR" altLang="en-US" kern="0" dirty="0">
-                <a:solidFill>
-                  <a:schemeClr val="bg1"/>
-                </a:solidFill>
-                <a:latin typeface="HY헤드라인M" panose="02030600000101010101" pitchFamily="18" charset="-127"/>
-                <a:ea typeface="HY헤드라인M" panose="02030600000101010101" pitchFamily="18" charset="-127"/>
-              </a:rPr>
-              <a:t>몬스터</a:t>
-            </a:r>
-            <a:endParaRPr lang="en-US" altLang="ko-KR" kern="0" dirty="0">
-              <a:solidFill>
-                <a:schemeClr val="bg1"/>
-              </a:solidFill>
-              <a:latin typeface="HY헤드라인M" panose="02030600000101010101" pitchFamily="18" charset="-127"/>
-              <a:ea typeface="HY헤드라인M" panose="02030600000101010101" pitchFamily="18" charset="-127"/>
-            </a:endParaRPr>
-          </a:p>
-          <a:p>
-            <a:pPr fontAlgn="base">
-              <a:lnSpc>
-                <a:spcPct val="160000"/>
-              </a:lnSpc>
-            </a:pPr>
-            <a:r>
-              <a:rPr lang="ko-KR" altLang="en-US" kern="0" dirty="0">
-                <a:solidFill>
-                  <a:schemeClr val="bg1"/>
-                </a:solidFill>
-                <a:latin typeface="HY헤드라인M" panose="02030600000101010101" pitchFamily="18" charset="-127"/>
-                <a:ea typeface="HY헤드라인M" panose="02030600000101010101" pitchFamily="18" charset="-127"/>
-              </a:rPr>
-              <a:t>플레이어</a:t>
-            </a:r>
-            <a:r>
-              <a:rPr lang="en-US" altLang="ko-KR" kern="0" dirty="0">
-                <a:solidFill>
-                  <a:schemeClr val="bg1"/>
-                </a:solidFill>
-                <a:latin typeface="HY헤드라인M" panose="02030600000101010101" pitchFamily="18" charset="-127"/>
-                <a:ea typeface="HY헤드라인M" panose="02030600000101010101" pitchFamily="18" charset="-127"/>
-              </a:rPr>
-              <a:t>, </a:t>
-            </a:r>
-            <a:r>
-              <a:rPr lang="ko-KR" altLang="en-US" kern="0" dirty="0">
-                <a:solidFill>
-                  <a:schemeClr val="bg1"/>
-                </a:solidFill>
-                <a:latin typeface="HY헤드라인M" panose="02030600000101010101" pitchFamily="18" charset="-127"/>
-                <a:ea typeface="HY헤드라인M" panose="02030600000101010101" pitchFamily="18" charset="-127"/>
-              </a:rPr>
-              <a:t>몬스터가 임의로 할당 받을 수 있는 캐릭터 종류는 </a:t>
-            </a:r>
-            <a:r>
-              <a:rPr lang="en-US" altLang="ko-KR" kern="0" dirty="0">
-                <a:solidFill>
-                  <a:schemeClr val="bg1"/>
-                </a:solidFill>
-                <a:latin typeface="HY헤드라인M" panose="02030600000101010101" pitchFamily="18" charset="-127"/>
-                <a:ea typeface="HY헤드라인M" panose="02030600000101010101" pitchFamily="18" charset="-127"/>
-              </a:rPr>
-              <a:t>3</a:t>
-            </a:r>
-            <a:r>
-              <a:rPr lang="ko-KR" altLang="en-US" kern="0" dirty="0">
-                <a:solidFill>
-                  <a:schemeClr val="bg1"/>
-                </a:solidFill>
-                <a:latin typeface="HY헤드라인M" panose="02030600000101010101" pitchFamily="18" charset="-127"/>
-                <a:ea typeface="HY헤드라인M" panose="02030600000101010101" pitchFamily="18" charset="-127"/>
-              </a:rPr>
-              <a:t>가지</a:t>
-            </a:r>
-            <a:endParaRPr lang="en-US" altLang="ko-KR" kern="0" dirty="0">
-              <a:solidFill>
-                <a:schemeClr val="bg1"/>
-              </a:solidFill>
-              <a:latin typeface="HY헤드라인M" panose="02030600000101010101" pitchFamily="18" charset="-127"/>
-              <a:ea typeface="HY헤드라인M" panose="02030600000101010101" pitchFamily="18" charset="-127"/>
-            </a:endParaRPr>
-          </a:p>
-          <a:p>
-            <a:pPr fontAlgn="base">
-              <a:lnSpc>
-                <a:spcPct val="160000"/>
-              </a:lnSpc>
-            </a:pPr>
-            <a:r>
-              <a:rPr lang="ko-KR" altLang="en-US" kern="0" dirty="0">
-                <a:solidFill>
-                  <a:schemeClr val="bg1"/>
-                </a:solidFill>
-                <a:latin typeface="HY헤드라인M" panose="02030600000101010101" pitchFamily="18" charset="-127"/>
-                <a:ea typeface="HY헤드라인M" panose="02030600000101010101" pitchFamily="18" charset="-127"/>
-              </a:rPr>
-              <a:t>걷기 속도는 </a:t>
-            </a:r>
-            <a:r>
-              <a:rPr lang="en-US" altLang="ko-KR" kern="0" dirty="0">
-                <a:solidFill>
-                  <a:schemeClr val="bg1"/>
-                </a:solidFill>
-                <a:latin typeface="HY헤드라인M" panose="02030600000101010101" pitchFamily="18" charset="-127"/>
-                <a:ea typeface="HY헤드라인M" panose="02030600000101010101" pitchFamily="18" charset="-127"/>
-              </a:rPr>
-              <a:t>2m/s, </a:t>
-            </a:r>
-            <a:r>
-              <a:rPr lang="ko-KR" altLang="en-US" kern="0" dirty="0">
-                <a:solidFill>
-                  <a:schemeClr val="bg1"/>
-                </a:solidFill>
-                <a:latin typeface="HY헤드라인M" panose="02030600000101010101" pitchFamily="18" charset="-127"/>
-                <a:ea typeface="HY헤드라인M" panose="02030600000101010101" pitchFamily="18" charset="-127"/>
-              </a:rPr>
-              <a:t>달리기 속도는 </a:t>
-            </a:r>
-            <a:r>
-              <a:rPr lang="en-US" altLang="ko-KR" kern="0" dirty="0">
-                <a:solidFill>
-                  <a:schemeClr val="bg1"/>
-                </a:solidFill>
-                <a:latin typeface="HY헤드라인M" panose="02030600000101010101" pitchFamily="18" charset="-127"/>
-                <a:ea typeface="HY헤드라인M" panose="02030600000101010101" pitchFamily="18" charset="-127"/>
-              </a:rPr>
-              <a:t>5m/s</a:t>
-            </a:r>
-          </a:p>
-          <a:p>
-            <a:pPr fontAlgn="base">
-              <a:lnSpc>
-                <a:spcPct val="160000"/>
-              </a:lnSpc>
-            </a:pPr>
-            <a:r>
-              <a:rPr lang="ko-KR" altLang="en-US" kern="0" dirty="0">
-                <a:solidFill>
-                  <a:schemeClr val="bg1"/>
-                </a:solidFill>
-                <a:latin typeface="HY헤드라인M" panose="02030600000101010101" pitchFamily="18" charset="-127"/>
-                <a:ea typeface="HY헤드라인M" panose="02030600000101010101" pitchFamily="18" charset="-127"/>
-              </a:rPr>
-              <a:t>상태</a:t>
-            </a:r>
-            <a:r>
-              <a:rPr lang="en-US" altLang="ko-KR" kern="0" dirty="0">
-                <a:solidFill>
-                  <a:schemeClr val="bg1"/>
-                </a:solidFill>
-                <a:latin typeface="HY헤드라인M" panose="02030600000101010101" pitchFamily="18" charset="-127"/>
-                <a:ea typeface="HY헤드라인M" panose="02030600000101010101" pitchFamily="18" charset="-127"/>
-              </a:rPr>
-              <a:t>(</a:t>
-            </a:r>
-            <a:r>
-              <a:rPr lang="ko-KR" altLang="en-US" kern="0" dirty="0">
-                <a:solidFill>
-                  <a:schemeClr val="bg1"/>
-                </a:solidFill>
-                <a:latin typeface="HY헤드라인M" panose="02030600000101010101" pitchFamily="18" charset="-127"/>
-                <a:ea typeface="HY헤드라인M" panose="02030600000101010101" pitchFamily="18" charset="-127"/>
-              </a:rPr>
-              <a:t>애니메이션</a:t>
-            </a:r>
-            <a:r>
-              <a:rPr lang="en-US" altLang="ko-KR" kern="0" dirty="0">
-                <a:solidFill>
-                  <a:schemeClr val="bg1"/>
-                </a:solidFill>
-                <a:latin typeface="HY헤드라인M" panose="02030600000101010101" pitchFamily="18" charset="-127"/>
-                <a:ea typeface="HY헤드라인M" panose="02030600000101010101" pitchFamily="18" charset="-127"/>
-              </a:rPr>
-              <a:t>) : Idle, Walk, Run, Attack, </a:t>
-            </a:r>
-            <a:r>
-              <a:rPr lang="en-US" altLang="ko-KR" kern="0" dirty="0" smtClean="0">
-                <a:solidFill>
-                  <a:schemeClr val="bg1"/>
-                </a:solidFill>
-                <a:latin typeface="HY헤드라인M" panose="02030600000101010101" pitchFamily="18" charset="-127"/>
-                <a:ea typeface="HY헤드라인M" panose="02030600000101010101" pitchFamily="18" charset="-127"/>
-              </a:rPr>
-              <a:t>Death(Asset store)</a:t>
-            </a:r>
-            <a:endParaRPr lang="ko-KR" altLang="en-US" kern="0" dirty="0">
-              <a:solidFill>
-                <a:schemeClr val="bg1"/>
-              </a:solidFill>
-              <a:latin typeface="HY헤드라인M" panose="02030600000101010101" pitchFamily="18" charset="-127"/>
-              <a:ea typeface="HY헤드라인M" panose="02030600000101010101" pitchFamily="18" charset="-127"/>
-            </a:endParaRPr>
-          </a:p>
-          <a:p>
-            <a:pPr fontAlgn="base">
-              <a:lnSpc>
-                <a:spcPct val="160000"/>
-              </a:lnSpc>
-            </a:pPr>
-            <a:endParaRPr lang="en-US" altLang="ko-KR" kern="0" dirty="0" smtClean="0">
-              <a:solidFill>
-                <a:schemeClr val="bg1"/>
-              </a:solidFill>
-              <a:latin typeface="HY헤드라인M" panose="02030600000101010101" pitchFamily="18" charset="-127"/>
-              <a:ea typeface="HY헤드라인M" panose="02030600000101010101" pitchFamily="18" charset="-127"/>
             </a:endParaRPr>
           </a:p>
         </p:txBody>
@@ -20345,7 +20966,7 @@
     </p:spTree>
     <p:extLst>
       <p:ext uri="{BB962C8B-B14F-4D97-AF65-F5344CB8AC3E}">
-        <p14:creationId xmlns:p14="http://schemas.microsoft.com/office/powerpoint/2010/main" val="2465411169"/>
+        <p14:creationId xmlns:p14="http://schemas.microsoft.com/office/powerpoint/2010/main" val="680167562"/>
       </p:ext>
     </p:extLst>
   </p:cSld>
@@ -20677,632 +21298,700 @@
       </p:sp>
       <p:sp>
         <p:nvSpPr>
-          <p:cNvPr id="4" name="Rectangle 2"/>
-          <p:cNvSpPr>
-            <a:spLocks noChangeArrowheads="1"/>
-          </p:cNvSpPr>
+          <p:cNvPr id="3" name="직사각형 2"/>
+          <p:cNvSpPr/>
           <p:nvPr/>
         </p:nvSpPr>
-        <p:spPr bwMode="auto">
+        <p:spPr>
           <a:xfrm>
-            <a:off x="539552" y="4039322"/>
-            <a:ext cx="6136264" cy="214550"/>
+            <a:off x="755576" y="1412775"/>
+            <a:ext cx="7686600" cy="4967514"/>
           </a:xfrm>
           <a:prstGeom prst="rect">
             <a:avLst/>
           </a:prstGeom>
-          <a:noFill/>
           <a:ln>
             <a:noFill/>
           </a:ln>
-          <a:effectLst/>
-          <a:extLst>
-            <a:ext uri="{909E8E84-426E-40DD-AFC4-6F175D3DCCD1}">
-              <a14:hiddenFill xmlns:a14="http://schemas.microsoft.com/office/drawing/2010/main">
-                <a:solidFill>
-                  <a:schemeClr val="accent1"/>
-                </a:solidFill>
-              </a14:hiddenFill>
-            </a:ext>
-            <a:ext uri="{91240B29-F687-4F45-9708-019B960494DF}">
-              <a14:hiddenLine xmlns:a14="http://schemas.microsoft.com/office/drawing/2010/main" w="9525">
-                <a:solidFill>
-                  <a:schemeClr val="tx1"/>
-                </a:solidFill>
-                <a:miter lim="800000"/>
-                <a:headEnd/>
-                <a:tailEnd/>
-              </a14:hiddenLine>
-            </a:ext>
-            <a:ext uri="{AF507438-7753-43E0-B8FC-AC1667EBCBE1}">
-              <a14:hiddenEffects xmlns:a14="http://schemas.microsoft.com/office/drawing/2010/main">
-                <a:effectLst>
-                  <a:outerShdw dist="35921" dir="2700000" algn="ctr" rotWithShape="0">
-                    <a:schemeClr val="bg2"/>
-                  </a:outerShdw>
-                </a:effectLst>
-              </a14:hiddenEffects>
-            </a:ext>
-          </a:extLst>
+          <a:effectLst>
+            <a:glow rad="228600">
+              <a:srgbClr val="FFFF00">
+                <a:alpha val="40000"/>
+              </a:srgbClr>
+            </a:glow>
+            <a:outerShdw blurRad="44450" dist="27940" dir="5400000" algn="ctr">
+              <a:srgbClr val="000000">
+                <a:alpha val="32000"/>
+              </a:srgbClr>
+            </a:outerShdw>
+          </a:effectLst>
+          <a:scene3d>
+            <a:camera prst="orthographicFront">
+              <a:rot lat="0" lon="0" rev="0"/>
+            </a:camera>
+            <a:lightRig rig="balanced" dir="t">
+              <a:rot lat="0" lon="0" rev="8700000"/>
+            </a:lightRig>
+          </a:scene3d>
+          <a:sp3d>
+            <a:bevelT w="190500" h="38100"/>
+          </a:sp3d>
         </p:spPr>
+        <p:style>
+          <a:lnRef idx="3">
+            <a:schemeClr val="lt1"/>
+          </a:lnRef>
+          <a:fillRef idx="1">
+            <a:schemeClr val="dk1"/>
+          </a:fillRef>
+          <a:effectRef idx="1">
+            <a:schemeClr val="dk1"/>
+          </a:effectRef>
+          <a:fontRef idx="minor">
+            <a:schemeClr val="lt1"/>
+          </a:fontRef>
+        </p:style>
         <p:txBody>
-          <a:bodyPr vert="horz" wrap="square" lIns="91440" tIns="45720" rIns="91440" bIns="45720" numCol="1" anchor="ctr" anchorCtr="0" compatLnSpc="1">
-            <a:prstTxWarp prst="textNoShape">
-              <a:avLst/>
-            </a:prstTxWarp>
+          <a:bodyPr wrap="square">
             <a:spAutoFit/>
           </a:bodyPr>
           <a:lstStyle/>
           <a:p>
-            <a:endParaRPr lang="ko-KR" altLang="en-US"/>
+            <a:pPr fontAlgn="base">
+              <a:lnSpc>
+                <a:spcPct val="160000"/>
+              </a:lnSpc>
+            </a:pPr>
+            <a:r>
+              <a:rPr lang="ko-KR" altLang="en-US" kern="0" dirty="0">
+                <a:solidFill>
+                  <a:schemeClr val="bg1"/>
+                </a:solidFill>
+                <a:latin typeface="HY헤드라인M" panose="02030600000101010101" pitchFamily="18" charset="-127"/>
+                <a:ea typeface="HY헤드라인M" panose="02030600000101010101" pitchFamily="18" charset="-127"/>
+              </a:rPr>
+              <a:t>● </a:t>
+            </a:r>
+            <a:r>
+              <a:rPr lang="ko-KR" altLang="en-US" kern="0" dirty="0" smtClean="0">
+                <a:solidFill>
+                  <a:schemeClr val="bg1"/>
+                </a:solidFill>
+                <a:latin typeface="HY헤드라인M" panose="02030600000101010101" pitchFamily="18" charset="-127"/>
+                <a:ea typeface="HY헤드라인M" panose="02030600000101010101" pitchFamily="18" charset="-127"/>
+              </a:rPr>
+              <a:t>장르 </a:t>
+            </a:r>
+            <a:r>
+              <a:rPr lang="en-US" altLang="ko-KR" kern="0" dirty="0" smtClean="0">
+                <a:solidFill>
+                  <a:schemeClr val="bg1"/>
+                </a:solidFill>
+                <a:latin typeface="HY헤드라인M" panose="02030600000101010101" pitchFamily="18" charset="-127"/>
+                <a:ea typeface="HY헤드라인M" panose="02030600000101010101" pitchFamily="18" charset="-127"/>
+              </a:rPr>
+              <a:t>: </a:t>
+            </a:r>
+            <a:r>
+              <a:rPr lang="ko-KR" altLang="en-US" kern="0" dirty="0" smtClean="0">
+                <a:solidFill>
+                  <a:schemeClr val="bg1"/>
+                </a:solidFill>
+                <a:latin typeface="HY헤드라인M" panose="02030600000101010101" pitchFamily="18" charset="-127"/>
+                <a:ea typeface="HY헤드라인M" panose="02030600000101010101" pitchFamily="18" charset="-127"/>
+              </a:rPr>
+              <a:t>아케이드 전략게임</a:t>
+            </a:r>
+            <a:endParaRPr lang="en-US" altLang="ko-KR" kern="0" dirty="0" smtClean="0">
+              <a:solidFill>
+                <a:schemeClr val="bg1"/>
+              </a:solidFill>
+              <a:latin typeface="HY헤드라인M" panose="02030600000101010101" pitchFamily="18" charset="-127"/>
+              <a:ea typeface="HY헤드라인M" panose="02030600000101010101" pitchFamily="18" charset="-127"/>
+            </a:endParaRPr>
+          </a:p>
+          <a:p>
+            <a:pPr fontAlgn="base">
+              <a:lnSpc>
+                <a:spcPct val="160000"/>
+              </a:lnSpc>
+            </a:pPr>
+            <a:r>
+              <a:rPr lang="ko-KR" altLang="en-US" kern="0" dirty="0" smtClean="0">
+                <a:solidFill>
+                  <a:schemeClr val="bg1"/>
+                </a:solidFill>
+                <a:latin typeface="HY헤드라인M" panose="02030600000101010101" pitchFamily="18" charset="-127"/>
+                <a:ea typeface="HY헤드라인M" panose="02030600000101010101" pitchFamily="18" charset="-127"/>
+              </a:rPr>
+              <a:t>● </a:t>
+            </a:r>
+            <a:r>
+              <a:rPr lang="ko-KR" altLang="en-US" kern="0" dirty="0">
+                <a:solidFill>
+                  <a:schemeClr val="bg1"/>
+                </a:solidFill>
+                <a:latin typeface="HY헤드라인M" panose="02030600000101010101" pitchFamily="18" charset="-127"/>
+                <a:ea typeface="HY헤드라인M" panose="02030600000101010101" pitchFamily="18" charset="-127"/>
+              </a:rPr>
+              <a:t>시점 </a:t>
+            </a:r>
+            <a:r>
+              <a:rPr lang="en-US" altLang="ko-KR" kern="0" dirty="0">
+                <a:solidFill>
+                  <a:schemeClr val="bg1"/>
+                </a:solidFill>
+                <a:latin typeface="HY헤드라인M" panose="02030600000101010101" pitchFamily="18" charset="-127"/>
+                <a:ea typeface="HY헤드라인M" panose="02030600000101010101" pitchFamily="18" charset="-127"/>
+              </a:rPr>
+              <a:t>: 3</a:t>
+            </a:r>
+            <a:r>
+              <a:rPr lang="ko-KR" altLang="en-US" kern="0" dirty="0">
+                <a:solidFill>
+                  <a:schemeClr val="bg1"/>
+                </a:solidFill>
+                <a:latin typeface="HY헤드라인M" panose="02030600000101010101" pitchFamily="18" charset="-127"/>
+                <a:ea typeface="HY헤드라인M" panose="02030600000101010101" pitchFamily="18" charset="-127"/>
+              </a:rPr>
+              <a:t>인칭 </a:t>
+            </a:r>
+            <a:r>
+              <a:rPr lang="ko-KR" altLang="en-US" kern="0" dirty="0" smtClean="0">
+                <a:solidFill>
+                  <a:schemeClr val="bg1"/>
+                </a:solidFill>
+                <a:latin typeface="HY헤드라인M" panose="02030600000101010101" pitchFamily="18" charset="-127"/>
+                <a:ea typeface="HY헤드라인M" panose="02030600000101010101" pitchFamily="18" charset="-127"/>
+              </a:rPr>
+              <a:t>시점</a:t>
+            </a:r>
+            <a:endParaRPr lang="en-US" altLang="ko-KR" kern="0" dirty="0" smtClean="0">
+              <a:solidFill>
+                <a:schemeClr val="bg1"/>
+              </a:solidFill>
+              <a:latin typeface="HY헤드라인M" panose="02030600000101010101" pitchFamily="18" charset="-127"/>
+              <a:ea typeface="HY헤드라인M" panose="02030600000101010101" pitchFamily="18" charset="-127"/>
+            </a:endParaRPr>
+          </a:p>
+          <a:p>
+            <a:pPr fontAlgn="base">
+              <a:lnSpc>
+                <a:spcPct val="160000"/>
+              </a:lnSpc>
+            </a:pPr>
+            <a:r>
+              <a:rPr lang="ko-KR" altLang="en-US" kern="0" dirty="0" smtClean="0">
+                <a:solidFill>
+                  <a:schemeClr val="bg1"/>
+                </a:solidFill>
+                <a:latin typeface="HY헤드라인M" panose="02030600000101010101" pitchFamily="18" charset="-127"/>
+                <a:ea typeface="HY헤드라인M" panose="02030600000101010101" pitchFamily="18" charset="-127"/>
+              </a:rPr>
+              <a:t>● 맵</a:t>
+            </a:r>
+            <a:r>
+              <a:rPr lang="en-US" altLang="ko-KR" kern="0" dirty="0">
+                <a:solidFill>
+                  <a:schemeClr val="bg1"/>
+                </a:solidFill>
+                <a:latin typeface="HY헤드라인M" panose="02030600000101010101" pitchFamily="18" charset="-127"/>
+                <a:ea typeface="HY헤드라인M" panose="02030600000101010101" pitchFamily="18" charset="-127"/>
+              </a:rPr>
+              <a:t> </a:t>
+            </a:r>
+            <a:r>
+              <a:rPr lang="ko-KR" altLang="en-US" kern="0" dirty="0" smtClean="0">
+                <a:solidFill>
+                  <a:schemeClr val="bg1"/>
+                </a:solidFill>
+                <a:latin typeface="HY헤드라인M" panose="02030600000101010101" pitchFamily="18" charset="-127"/>
+                <a:ea typeface="HY헤드라인M" panose="02030600000101010101" pitchFamily="18" charset="-127"/>
+              </a:rPr>
+              <a:t>크기 </a:t>
+            </a:r>
+            <a:r>
+              <a:rPr lang="en-US" altLang="ko-KR" kern="0" dirty="0" smtClean="0">
+                <a:solidFill>
+                  <a:schemeClr val="bg1"/>
+                </a:solidFill>
+                <a:latin typeface="HY헤드라인M" panose="02030600000101010101" pitchFamily="18" charset="-127"/>
+                <a:ea typeface="HY헤드라인M" panose="02030600000101010101" pitchFamily="18" charset="-127"/>
+              </a:rPr>
+              <a:t>: 100 X 100 (</a:t>
+            </a:r>
+            <a:r>
+              <a:rPr lang="ko-KR" altLang="en-US" kern="0" dirty="0" smtClean="0">
+                <a:solidFill>
+                  <a:schemeClr val="bg1"/>
+                </a:solidFill>
+                <a:latin typeface="HY헤드라인M" panose="02030600000101010101" pitchFamily="18" charset="-127"/>
+                <a:ea typeface="HY헤드라인M" panose="02030600000101010101" pitchFamily="18" charset="-127"/>
+              </a:rPr>
+              <a:t>단위 </a:t>
+            </a:r>
+            <a:r>
+              <a:rPr lang="en-US" altLang="ko-KR" kern="0" dirty="0" smtClean="0">
+                <a:solidFill>
+                  <a:schemeClr val="bg1"/>
+                </a:solidFill>
+                <a:latin typeface="HY헤드라인M" panose="02030600000101010101" pitchFamily="18" charset="-127"/>
+                <a:ea typeface="HY헤드라인M" panose="02030600000101010101" pitchFamily="18" charset="-127"/>
+              </a:rPr>
+              <a:t>: m)</a:t>
+            </a:r>
+          </a:p>
+          <a:p>
+            <a:pPr fontAlgn="base">
+              <a:lnSpc>
+                <a:spcPct val="160000"/>
+              </a:lnSpc>
+            </a:pPr>
+            <a:r>
+              <a:rPr lang="en-US" altLang="ko-KR" kern="0" dirty="0" smtClean="0">
+                <a:solidFill>
+                  <a:schemeClr val="bg1"/>
+                </a:solidFill>
+                <a:latin typeface="HY헤드라인M" panose="02030600000101010101" pitchFamily="18" charset="-127"/>
+                <a:ea typeface="HY헤드라인M" panose="02030600000101010101" pitchFamily="18" charset="-127"/>
+              </a:rPr>
+              <a:t>                 Unity</a:t>
+            </a:r>
+            <a:r>
+              <a:rPr lang="ko-KR" altLang="en-US" kern="0" dirty="0" smtClean="0">
+                <a:solidFill>
+                  <a:schemeClr val="bg1"/>
+                </a:solidFill>
+                <a:latin typeface="HY헤드라인M" panose="02030600000101010101" pitchFamily="18" charset="-127"/>
+                <a:ea typeface="HY헤드라인M" panose="02030600000101010101" pitchFamily="18" charset="-127"/>
+              </a:rPr>
+              <a:t>를 이용한 </a:t>
+            </a:r>
+            <a:r>
+              <a:rPr lang="ko-KR" altLang="en-US" kern="0" dirty="0" err="1" smtClean="0">
+                <a:solidFill>
+                  <a:schemeClr val="bg1"/>
+                </a:solidFill>
+                <a:latin typeface="HY헤드라인M" panose="02030600000101010101" pitchFamily="18" charset="-127"/>
+                <a:ea typeface="HY헤드라인M" panose="02030600000101010101" pitchFamily="18" charset="-127"/>
+              </a:rPr>
+              <a:t>맵툴</a:t>
+            </a:r>
+            <a:r>
+              <a:rPr lang="ko-KR" altLang="en-US" kern="0" dirty="0" smtClean="0">
+                <a:solidFill>
+                  <a:schemeClr val="bg1"/>
+                </a:solidFill>
+                <a:latin typeface="HY헤드라인M" panose="02030600000101010101" pitchFamily="18" charset="-127"/>
+                <a:ea typeface="HY헤드라인M" panose="02030600000101010101" pitchFamily="18" charset="-127"/>
+              </a:rPr>
+              <a:t> 제작</a:t>
+            </a:r>
+            <a:endParaRPr lang="en-US" altLang="ko-KR" kern="0" dirty="0" smtClean="0">
+              <a:solidFill>
+                <a:schemeClr val="bg1"/>
+              </a:solidFill>
+              <a:latin typeface="HY헤드라인M" panose="02030600000101010101" pitchFamily="18" charset="-127"/>
+              <a:ea typeface="HY헤드라인M" panose="02030600000101010101" pitchFamily="18" charset="-127"/>
+            </a:endParaRPr>
+          </a:p>
+          <a:p>
+            <a:pPr fontAlgn="base">
+              <a:lnSpc>
+                <a:spcPct val="160000"/>
+              </a:lnSpc>
+            </a:pPr>
+            <a:r>
+              <a:rPr lang="ko-KR" altLang="en-US" kern="0" dirty="0" smtClean="0">
+                <a:solidFill>
+                  <a:schemeClr val="bg1"/>
+                </a:solidFill>
+                <a:latin typeface="HY헤드라인M" panose="02030600000101010101" pitchFamily="18" charset="-127"/>
+                <a:ea typeface="HY헤드라인M" panose="02030600000101010101" pitchFamily="18" charset="-127"/>
+              </a:rPr>
+              <a:t>●플레이어 속도 </a:t>
+            </a:r>
+            <a:r>
+              <a:rPr lang="en-US" altLang="ko-KR" kern="0" dirty="0" smtClean="0">
+                <a:solidFill>
+                  <a:schemeClr val="bg1"/>
+                </a:solidFill>
+                <a:latin typeface="HY헤드라인M" panose="02030600000101010101" pitchFamily="18" charset="-127"/>
+                <a:ea typeface="HY헤드라인M" panose="02030600000101010101" pitchFamily="18" charset="-127"/>
+              </a:rPr>
+              <a:t>: </a:t>
+            </a:r>
+            <a:r>
+              <a:rPr lang="en-US" altLang="ko-KR" kern="0" dirty="0" smtClean="0">
+                <a:solidFill>
+                  <a:schemeClr val="bg1"/>
+                </a:solidFill>
+                <a:latin typeface="HY헤드라인M" panose="02030600000101010101" pitchFamily="18" charset="-127"/>
+                <a:ea typeface="HY헤드라인M" panose="02030600000101010101" pitchFamily="18" charset="-127"/>
+              </a:rPr>
+              <a:t>2m/s , </a:t>
+            </a:r>
+            <a:r>
+              <a:rPr lang="ko-KR" altLang="en-US" kern="0" dirty="0" smtClean="0">
+                <a:solidFill>
+                  <a:schemeClr val="bg1"/>
+                </a:solidFill>
+                <a:latin typeface="HY헤드라인M" panose="02030600000101010101" pitchFamily="18" charset="-127"/>
+                <a:ea typeface="HY헤드라인M" panose="02030600000101010101" pitchFamily="18" charset="-127"/>
+              </a:rPr>
+              <a:t>달리기</a:t>
+            </a:r>
+            <a:r>
+              <a:rPr lang="en-US" altLang="ko-KR" kern="0" dirty="0">
+                <a:solidFill>
+                  <a:schemeClr val="bg1"/>
+                </a:solidFill>
+                <a:latin typeface="HY헤드라인M" panose="02030600000101010101" pitchFamily="18" charset="-127"/>
+                <a:ea typeface="HY헤드라인M" panose="02030600000101010101" pitchFamily="18" charset="-127"/>
+              </a:rPr>
+              <a:t> </a:t>
+            </a:r>
+            <a:r>
+              <a:rPr lang="en-US" altLang="ko-KR" kern="0" dirty="0" smtClean="0">
+                <a:solidFill>
+                  <a:schemeClr val="bg1"/>
+                </a:solidFill>
+                <a:latin typeface="HY헤드라인M" panose="02030600000101010101" pitchFamily="18" charset="-127"/>
+                <a:ea typeface="HY헤드라인M" panose="02030600000101010101" pitchFamily="18" charset="-127"/>
+              </a:rPr>
+              <a:t>5m/s</a:t>
+            </a:r>
+            <a:endParaRPr lang="en-US" altLang="ko-KR" kern="0" dirty="0" smtClean="0">
+              <a:solidFill>
+                <a:schemeClr val="bg1"/>
+              </a:solidFill>
+              <a:latin typeface="HY헤드라인M" panose="02030600000101010101" pitchFamily="18" charset="-127"/>
+              <a:ea typeface="HY헤드라인M" panose="02030600000101010101" pitchFamily="18" charset="-127"/>
+            </a:endParaRPr>
+          </a:p>
+          <a:p>
+            <a:pPr fontAlgn="base">
+              <a:lnSpc>
+                <a:spcPct val="160000"/>
+              </a:lnSpc>
+            </a:pPr>
+            <a:r>
+              <a:rPr lang="ko-KR" altLang="en-US" kern="0" dirty="0" smtClean="0">
+                <a:solidFill>
+                  <a:schemeClr val="bg1"/>
+                </a:solidFill>
+                <a:latin typeface="HY헤드라인M" panose="02030600000101010101" pitchFamily="18" charset="-127"/>
+                <a:ea typeface="HY헤드라인M" panose="02030600000101010101" pitchFamily="18" charset="-127"/>
+              </a:rPr>
+              <a:t>●예상 플레이 시간</a:t>
+            </a:r>
+            <a:r>
+              <a:rPr lang="en-US" altLang="ko-KR" kern="0" dirty="0">
+                <a:solidFill>
+                  <a:schemeClr val="bg1"/>
+                </a:solidFill>
+                <a:latin typeface="HY헤드라인M" panose="02030600000101010101" pitchFamily="18" charset="-127"/>
+                <a:ea typeface="HY헤드라인M" panose="02030600000101010101" pitchFamily="18" charset="-127"/>
+              </a:rPr>
+              <a:t> </a:t>
+            </a:r>
+            <a:r>
+              <a:rPr lang="en-US" altLang="ko-KR" kern="0" dirty="0" smtClean="0">
+                <a:solidFill>
+                  <a:schemeClr val="bg1"/>
+                </a:solidFill>
+                <a:latin typeface="HY헤드라인M" panose="02030600000101010101" pitchFamily="18" charset="-127"/>
+                <a:ea typeface="HY헤드라인M" panose="02030600000101010101" pitchFamily="18" charset="-127"/>
+              </a:rPr>
+              <a:t>: </a:t>
+            </a:r>
+            <a:r>
+              <a:rPr lang="ko-KR" altLang="en-US" kern="0" dirty="0" smtClean="0">
+                <a:solidFill>
+                  <a:schemeClr val="bg1"/>
+                </a:solidFill>
+                <a:latin typeface="HY헤드라인M" panose="02030600000101010101" pitchFamily="18" charset="-127"/>
+                <a:ea typeface="HY헤드라인M" panose="02030600000101010101" pitchFamily="18" charset="-127"/>
+              </a:rPr>
+              <a:t>게임당 최소 </a:t>
+            </a:r>
+            <a:r>
+              <a:rPr lang="en-US" altLang="ko-KR" kern="0" dirty="0">
+                <a:solidFill>
+                  <a:schemeClr val="bg1"/>
+                </a:solidFill>
+                <a:latin typeface="HY헤드라인M" panose="02030600000101010101" pitchFamily="18" charset="-127"/>
+                <a:ea typeface="HY헤드라인M" panose="02030600000101010101" pitchFamily="18" charset="-127"/>
+              </a:rPr>
+              <a:t>8</a:t>
+            </a:r>
+            <a:r>
+              <a:rPr lang="ko-KR" altLang="en-US" kern="0" dirty="0" smtClean="0">
+                <a:solidFill>
+                  <a:schemeClr val="bg1"/>
+                </a:solidFill>
+                <a:latin typeface="HY헤드라인M" panose="02030600000101010101" pitchFamily="18" charset="-127"/>
+                <a:ea typeface="HY헤드라인M" panose="02030600000101010101" pitchFamily="18" charset="-127"/>
+              </a:rPr>
+              <a:t>분</a:t>
+            </a:r>
+            <a:r>
+              <a:rPr lang="en-US" altLang="ko-KR" kern="0" dirty="0">
+                <a:solidFill>
+                  <a:schemeClr val="bg1"/>
+                </a:solidFill>
+                <a:latin typeface="HY헤드라인M" panose="02030600000101010101" pitchFamily="18" charset="-127"/>
+                <a:ea typeface="HY헤드라인M" panose="02030600000101010101" pitchFamily="18" charset="-127"/>
+              </a:rPr>
+              <a:t>.</a:t>
+            </a:r>
+            <a:endParaRPr lang="en-US" altLang="ko-KR" kern="0" dirty="0" smtClean="0">
+              <a:solidFill>
+                <a:schemeClr val="bg1"/>
+              </a:solidFill>
+              <a:latin typeface="HY헤드라인M" panose="02030600000101010101" pitchFamily="18" charset="-127"/>
+              <a:ea typeface="HY헤드라인M" panose="02030600000101010101" pitchFamily="18" charset="-127"/>
+            </a:endParaRPr>
+          </a:p>
+          <a:p>
+            <a:pPr fontAlgn="base">
+              <a:lnSpc>
+                <a:spcPct val="160000"/>
+              </a:lnSpc>
+            </a:pPr>
+            <a:r>
+              <a:rPr lang="ko-KR" altLang="en-US" kern="0" dirty="0">
+                <a:solidFill>
+                  <a:schemeClr val="bg1"/>
+                </a:solidFill>
+                <a:latin typeface="HY헤드라인M" panose="02030600000101010101" pitchFamily="18" charset="-127"/>
+                <a:ea typeface="HY헤드라인M" panose="02030600000101010101" pitchFamily="18" charset="-127"/>
+              </a:rPr>
+              <a:t>● 플레이어</a:t>
+            </a:r>
+            <a:r>
+              <a:rPr lang="en-US" altLang="ko-KR" kern="0" dirty="0">
+                <a:solidFill>
+                  <a:schemeClr val="bg1"/>
+                </a:solidFill>
+                <a:latin typeface="HY헤드라인M" panose="02030600000101010101" pitchFamily="18" charset="-127"/>
+                <a:ea typeface="HY헤드라인M" panose="02030600000101010101" pitchFamily="18" charset="-127"/>
+              </a:rPr>
+              <a:t>, </a:t>
+            </a:r>
+            <a:r>
+              <a:rPr lang="ko-KR" altLang="en-US" kern="0" dirty="0">
+                <a:solidFill>
+                  <a:schemeClr val="bg1"/>
+                </a:solidFill>
+                <a:latin typeface="HY헤드라인M" panose="02030600000101010101" pitchFamily="18" charset="-127"/>
+                <a:ea typeface="HY헤드라인M" panose="02030600000101010101" pitchFamily="18" charset="-127"/>
+              </a:rPr>
+              <a:t>몬스터</a:t>
+            </a:r>
+            <a:endParaRPr lang="en-US" altLang="ko-KR" kern="0" dirty="0">
+              <a:solidFill>
+                <a:schemeClr val="bg1"/>
+              </a:solidFill>
+              <a:latin typeface="HY헤드라인M" panose="02030600000101010101" pitchFamily="18" charset="-127"/>
+              <a:ea typeface="HY헤드라인M" panose="02030600000101010101" pitchFamily="18" charset="-127"/>
+            </a:endParaRPr>
+          </a:p>
+          <a:p>
+            <a:pPr fontAlgn="base">
+              <a:lnSpc>
+                <a:spcPct val="160000"/>
+              </a:lnSpc>
+            </a:pPr>
+            <a:r>
+              <a:rPr lang="ko-KR" altLang="en-US" kern="0" dirty="0">
+                <a:solidFill>
+                  <a:schemeClr val="bg1"/>
+                </a:solidFill>
+                <a:latin typeface="HY헤드라인M" panose="02030600000101010101" pitchFamily="18" charset="-127"/>
+                <a:ea typeface="HY헤드라인M" panose="02030600000101010101" pitchFamily="18" charset="-127"/>
+              </a:rPr>
+              <a:t>플레이어</a:t>
+            </a:r>
+            <a:r>
+              <a:rPr lang="en-US" altLang="ko-KR" kern="0" dirty="0">
+                <a:solidFill>
+                  <a:schemeClr val="bg1"/>
+                </a:solidFill>
+                <a:latin typeface="HY헤드라인M" panose="02030600000101010101" pitchFamily="18" charset="-127"/>
+                <a:ea typeface="HY헤드라인M" panose="02030600000101010101" pitchFamily="18" charset="-127"/>
+              </a:rPr>
+              <a:t>, </a:t>
+            </a:r>
+            <a:r>
+              <a:rPr lang="ko-KR" altLang="en-US" kern="0" dirty="0">
+                <a:solidFill>
+                  <a:schemeClr val="bg1"/>
+                </a:solidFill>
+                <a:latin typeface="HY헤드라인M" panose="02030600000101010101" pitchFamily="18" charset="-127"/>
+                <a:ea typeface="HY헤드라인M" panose="02030600000101010101" pitchFamily="18" charset="-127"/>
+              </a:rPr>
+              <a:t>몬스터가 임의로 할당 받을 수 있는 캐릭터 종류는 </a:t>
+            </a:r>
+            <a:r>
+              <a:rPr lang="en-US" altLang="ko-KR" kern="0" dirty="0">
+                <a:solidFill>
+                  <a:schemeClr val="bg1"/>
+                </a:solidFill>
+                <a:latin typeface="HY헤드라인M" panose="02030600000101010101" pitchFamily="18" charset="-127"/>
+                <a:ea typeface="HY헤드라인M" panose="02030600000101010101" pitchFamily="18" charset="-127"/>
+              </a:rPr>
+              <a:t>3</a:t>
+            </a:r>
+            <a:r>
+              <a:rPr lang="ko-KR" altLang="en-US" kern="0" dirty="0">
+                <a:solidFill>
+                  <a:schemeClr val="bg1"/>
+                </a:solidFill>
+                <a:latin typeface="HY헤드라인M" panose="02030600000101010101" pitchFamily="18" charset="-127"/>
+                <a:ea typeface="HY헤드라인M" panose="02030600000101010101" pitchFamily="18" charset="-127"/>
+              </a:rPr>
+              <a:t>가지</a:t>
+            </a:r>
+            <a:endParaRPr lang="en-US" altLang="ko-KR" kern="0" dirty="0">
+              <a:solidFill>
+                <a:schemeClr val="bg1"/>
+              </a:solidFill>
+              <a:latin typeface="HY헤드라인M" panose="02030600000101010101" pitchFamily="18" charset="-127"/>
+              <a:ea typeface="HY헤드라인M" panose="02030600000101010101" pitchFamily="18" charset="-127"/>
+            </a:endParaRPr>
+          </a:p>
+          <a:p>
+            <a:pPr fontAlgn="base">
+              <a:lnSpc>
+                <a:spcPct val="160000"/>
+              </a:lnSpc>
+            </a:pPr>
+            <a:r>
+              <a:rPr lang="ko-KR" altLang="en-US" kern="0" dirty="0">
+                <a:solidFill>
+                  <a:schemeClr val="bg1"/>
+                </a:solidFill>
+                <a:latin typeface="HY헤드라인M" panose="02030600000101010101" pitchFamily="18" charset="-127"/>
+                <a:ea typeface="HY헤드라인M" panose="02030600000101010101" pitchFamily="18" charset="-127"/>
+              </a:rPr>
+              <a:t>걷기 속도는 </a:t>
+            </a:r>
+            <a:r>
+              <a:rPr lang="en-US" altLang="ko-KR" kern="0" dirty="0">
+                <a:solidFill>
+                  <a:schemeClr val="bg1"/>
+                </a:solidFill>
+                <a:latin typeface="HY헤드라인M" panose="02030600000101010101" pitchFamily="18" charset="-127"/>
+                <a:ea typeface="HY헤드라인M" panose="02030600000101010101" pitchFamily="18" charset="-127"/>
+              </a:rPr>
+              <a:t>2m/s, </a:t>
+            </a:r>
+            <a:r>
+              <a:rPr lang="ko-KR" altLang="en-US" kern="0" dirty="0">
+                <a:solidFill>
+                  <a:schemeClr val="bg1"/>
+                </a:solidFill>
+                <a:latin typeface="HY헤드라인M" panose="02030600000101010101" pitchFamily="18" charset="-127"/>
+                <a:ea typeface="HY헤드라인M" panose="02030600000101010101" pitchFamily="18" charset="-127"/>
+              </a:rPr>
+              <a:t>달리기 속도는 </a:t>
+            </a:r>
+            <a:r>
+              <a:rPr lang="en-US" altLang="ko-KR" kern="0" dirty="0">
+                <a:solidFill>
+                  <a:schemeClr val="bg1"/>
+                </a:solidFill>
+                <a:latin typeface="HY헤드라인M" panose="02030600000101010101" pitchFamily="18" charset="-127"/>
+                <a:ea typeface="HY헤드라인M" panose="02030600000101010101" pitchFamily="18" charset="-127"/>
+              </a:rPr>
+              <a:t>5m/s</a:t>
+            </a:r>
+          </a:p>
+          <a:p>
+            <a:pPr fontAlgn="base">
+              <a:lnSpc>
+                <a:spcPct val="160000"/>
+              </a:lnSpc>
+            </a:pPr>
+            <a:r>
+              <a:rPr lang="ko-KR" altLang="en-US" kern="0" dirty="0">
+                <a:solidFill>
+                  <a:schemeClr val="bg1"/>
+                </a:solidFill>
+                <a:latin typeface="HY헤드라인M" panose="02030600000101010101" pitchFamily="18" charset="-127"/>
+                <a:ea typeface="HY헤드라인M" panose="02030600000101010101" pitchFamily="18" charset="-127"/>
+              </a:rPr>
+              <a:t>상태</a:t>
+            </a:r>
+            <a:r>
+              <a:rPr lang="en-US" altLang="ko-KR" kern="0" dirty="0">
+                <a:solidFill>
+                  <a:schemeClr val="bg1"/>
+                </a:solidFill>
+                <a:latin typeface="HY헤드라인M" panose="02030600000101010101" pitchFamily="18" charset="-127"/>
+                <a:ea typeface="HY헤드라인M" panose="02030600000101010101" pitchFamily="18" charset="-127"/>
+              </a:rPr>
+              <a:t>(</a:t>
+            </a:r>
+            <a:r>
+              <a:rPr lang="ko-KR" altLang="en-US" kern="0" dirty="0">
+                <a:solidFill>
+                  <a:schemeClr val="bg1"/>
+                </a:solidFill>
+                <a:latin typeface="HY헤드라인M" panose="02030600000101010101" pitchFamily="18" charset="-127"/>
+                <a:ea typeface="HY헤드라인M" panose="02030600000101010101" pitchFamily="18" charset="-127"/>
+              </a:rPr>
+              <a:t>애니메이션</a:t>
+            </a:r>
+            <a:r>
+              <a:rPr lang="en-US" altLang="ko-KR" kern="0" dirty="0">
+                <a:solidFill>
+                  <a:schemeClr val="bg1"/>
+                </a:solidFill>
+                <a:latin typeface="HY헤드라인M" panose="02030600000101010101" pitchFamily="18" charset="-127"/>
+                <a:ea typeface="HY헤드라인M" panose="02030600000101010101" pitchFamily="18" charset="-127"/>
+              </a:rPr>
+              <a:t>) : Idle, Walk, Run, Attack, </a:t>
+            </a:r>
+            <a:r>
+              <a:rPr lang="en-US" altLang="ko-KR" kern="0" dirty="0" smtClean="0">
+                <a:solidFill>
+                  <a:schemeClr val="bg1"/>
+                </a:solidFill>
+                <a:latin typeface="HY헤드라인M" panose="02030600000101010101" pitchFamily="18" charset="-127"/>
+                <a:ea typeface="HY헤드라인M" panose="02030600000101010101" pitchFamily="18" charset="-127"/>
+              </a:rPr>
+              <a:t>Death(Asset store)</a:t>
+            </a:r>
+            <a:endParaRPr lang="ko-KR" altLang="en-US" kern="0" dirty="0">
+              <a:solidFill>
+                <a:schemeClr val="bg1"/>
+              </a:solidFill>
+              <a:latin typeface="HY헤드라인M" panose="02030600000101010101" pitchFamily="18" charset="-127"/>
+              <a:ea typeface="HY헤드라인M" panose="02030600000101010101" pitchFamily="18" charset="-127"/>
+            </a:endParaRPr>
+          </a:p>
+          <a:p>
+            <a:pPr fontAlgn="base">
+              <a:lnSpc>
+                <a:spcPct val="160000"/>
+              </a:lnSpc>
+            </a:pPr>
+            <a:endParaRPr lang="en-US" altLang="ko-KR" kern="0" dirty="0" smtClean="0">
+              <a:solidFill>
+                <a:schemeClr val="bg1"/>
+              </a:solidFill>
+              <a:latin typeface="HY헤드라인M" panose="02030600000101010101" pitchFamily="18" charset="-127"/>
+              <a:ea typeface="HY헤드라인M" panose="02030600000101010101" pitchFamily="18" charset="-127"/>
+            </a:endParaRPr>
           </a:p>
         </p:txBody>
       </p:sp>
-      <p:pic>
-        <p:nvPicPr>
-          <p:cNvPr id="1025" name="_x313074848" descr="EMB00001e886b4d"/>
-          <p:cNvPicPr>
-            <a:picLocks noChangeAspect="1" noChangeArrowheads="1"/>
-          </p:cNvPicPr>
-          <p:nvPr/>
-        </p:nvPicPr>
-        <p:blipFill>
-          <a:blip r:embed="rId2">
-            <a:extLst>
-              <a:ext uri="{28A0092B-C50C-407E-A947-70E740481C1C}">
-                <a14:useLocalDpi xmlns:a14="http://schemas.microsoft.com/office/drawing/2010/main" val="0"/>
-              </a:ext>
-            </a:extLst>
-          </a:blip>
-          <a:srcRect/>
-          <a:stretch>
-            <a:fillRect/>
-          </a:stretch>
-        </p:blipFill>
-        <p:spPr bwMode="auto">
-          <a:xfrm>
-            <a:off x="539552" y="1412775"/>
-            <a:ext cx="2400194" cy="2192716"/>
-          </a:xfrm>
-          <a:prstGeom prst="rect">
-            <a:avLst/>
-          </a:prstGeom>
-          <a:noFill/>
-          <a:extLst>
-            <a:ext uri="{909E8E84-426E-40DD-AFC4-6F175D3DCCD1}">
-              <a14:hiddenFill xmlns:a14="http://schemas.microsoft.com/office/drawing/2010/main">
-                <a:solidFill>
-                  <a:srgbClr val="FFFFFF"/>
-                </a:solidFill>
-              </a14:hiddenFill>
-            </a:ext>
-          </a:extLst>
-        </p:spPr>
-      </p:pic>
-      <p:sp>
-        <p:nvSpPr>
-          <p:cNvPr id="5" name="Rectangle 4"/>
-          <p:cNvSpPr>
-            <a:spLocks noChangeArrowheads="1"/>
-          </p:cNvSpPr>
-          <p:nvPr/>
-        </p:nvSpPr>
-        <p:spPr bwMode="auto">
-          <a:xfrm>
-            <a:off x="0" y="0"/>
-            <a:ext cx="9144000" cy="457200"/>
-          </a:xfrm>
-          <a:prstGeom prst="rect">
-            <a:avLst/>
-          </a:prstGeom>
-          <a:noFill/>
-          <a:ln>
-            <a:noFill/>
-          </a:ln>
-          <a:effectLst/>
-          <a:extLst>
-            <a:ext uri="{909E8E84-426E-40DD-AFC4-6F175D3DCCD1}">
-              <a14:hiddenFill xmlns:a14="http://schemas.microsoft.com/office/drawing/2010/main">
-                <a:solidFill>
-                  <a:schemeClr val="accent1"/>
-                </a:solidFill>
-              </a14:hiddenFill>
-            </a:ext>
-            <a:ext uri="{91240B29-F687-4F45-9708-019B960494DF}">
-              <a14:hiddenLine xmlns:a14="http://schemas.microsoft.com/office/drawing/2010/main" w="9525">
-                <a:solidFill>
-                  <a:schemeClr val="tx1"/>
-                </a:solidFill>
-                <a:miter lim="800000"/>
-                <a:headEnd/>
-                <a:tailEnd/>
-              </a14:hiddenLine>
-            </a:ext>
-            <a:ext uri="{AF507438-7753-43E0-B8FC-AC1667EBCBE1}">
-              <a14:hiddenEffects xmlns:a14="http://schemas.microsoft.com/office/drawing/2010/main">
-                <a:effectLst>
-                  <a:outerShdw dist="35921" dir="2700000" algn="ctr" rotWithShape="0">
-                    <a:schemeClr val="bg2"/>
-                  </a:outerShdw>
-                </a:effectLst>
-              </a14:hiddenEffects>
-            </a:ext>
-          </a:extLst>
-        </p:spPr>
-        <p:txBody>
-          <a:bodyPr vert="horz" wrap="none" lIns="91440" tIns="45720" rIns="91440" bIns="45720" numCol="1" anchor="ctr" anchorCtr="0" compatLnSpc="1">
-            <a:prstTxWarp prst="textNoShape">
-              <a:avLst/>
-            </a:prstTxWarp>
-            <a:spAutoFit/>
-          </a:bodyPr>
-          <a:lstStyle/>
-          <a:p>
-            <a:endParaRPr lang="ko-KR" altLang="en-US"/>
-          </a:p>
-        </p:txBody>
-      </p:sp>
-      <p:pic>
-        <p:nvPicPr>
-          <p:cNvPr id="1027" name="_x313076048" descr="EMB00001e886b50"/>
-          <p:cNvPicPr>
-            <a:picLocks noChangeAspect="1" noChangeArrowheads="1"/>
-          </p:cNvPicPr>
-          <p:nvPr/>
-        </p:nvPicPr>
-        <p:blipFill>
-          <a:blip r:embed="rId3">
-            <a:extLst>
-              <a:ext uri="{28A0092B-C50C-407E-A947-70E740481C1C}">
-                <a14:useLocalDpi xmlns:a14="http://schemas.microsoft.com/office/drawing/2010/main" val="0"/>
-              </a:ext>
-            </a:extLst>
-          </a:blip>
-          <a:srcRect/>
-          <a:stretch>
-            <a:fillRect/>
-          </a:stretch>
-        </p:blipFill>
-        <p:spPr bwMode="auto">
-          <a:xfrm>
-            <a:off x="2939746" y="1442737"/>
-            <a:ext cx="2448272" cy="2202287"/>
-          </a:xfrm>
-          <a:prstGeom prst="rect">
-            <a:avLst/>
-          </a:prstGeom>
-          <a:noFill/>
-          <a:extLst>
-            <a:ext uri="{909E8E84-426E-40DD-AFC4-6F175D3DCCD1}">
-              <a14:hiddenFill xmlns:a14="http://schemas.microsoft.com/office/drawing/2010/main">
-                <a:solidFill>
-                  <a:srgbClr val="FFFFFF"/>
-                </a:solidFill>
-              </a14:hiddenFill>
-            </a:ext>
-          </a:extLst>
-        </p:spPr>
-      </p:pic>
-      <p:sp>
-        <p:nvSpPr>
-          <p:cNvPr id="6" name="Rectangle 6"/>
-          <p:cNvSpPr>
-            <a:spLocks noChangeArrowheads="1"/>
-          </p:cNvSpPr>
-          <p:nvPr/>
-        </p:nvSpPr>
-        <p:spPr bwMode="auto">
-          <a:xfrm>
-            <a:off x="0" y="0"/>
-            <a:ext cx="9144000" cy="457200"/>
-          </a:xfrm>
-          <a:prstGeom prst="rect">
-            <a:avLst/>
-          </a:prstGeom>
-          <a:noFill/>
-          <a:ln>
-            <a:noFill/>
-          </a:ln>
-          <a:effectLst/>
-          <a:extLst>
-            <a:ext uri="{909E8E84-426E-40DD-AFC4-6F175D3DCCD1}">
-              <a14:hiddenFill xmlns:a14="http://schemas.microsoft.com/office/drawing/2010/main">
-                <a:solidFill>
-                  <a:schemeClr val="accent1"/>
-                </a:solidFill>
-              </a14:hiddenFill>
-            </a:ext>
-            <a:ext uri="{91240B29-F687-4F45-9708-019B960494DF}">
-              <a14:hiddenLine xmlns:a14="http://schemas.microsoft.com/office/drawing/2010/main" w="9525">
-                <a:solidFill>
-                  <a:schemeClr val="tx1"/>
-                </a:solidFill>
-                <a:miter lim="800000"/>
-                <a:headEnd/>
-                <a:tailEnd/>
-              </a14:hiddenLine>
-            </a:ext>
-            <a:ext uri="{AF507438-7753-43E0-B8FC-AC1667EBCBE1}">
-              <a14:hiddenEffects xmlns:a14="http://schemas.microsoft.com/office/drawing/2010/main">
-                <a:effectLst>
-                  <a:outerShdw dist="35921" dir="2700000" algn="ctr" rotWithShape="0">
-                    <a:schemeClr val="bg2"/>
-                  </a:outerShdw>
-                </a:effectLst>
-              </a14:hiddenEffects>
-            </a:ext>
-          </a:extLst>
-        </p:spPr>
-        <p:txBody>
-          <a:bodyPr vert="horz" wrap="none" lIns="91440" tIns="45720" rIns="91440" bIns="45720" numCol="1" anchor="ctr" anchorCtr="0" compatLnSpc="1">
-            <a:prstTxWarp prst="textNoShape">
-              <a:avLst/>
-            </a:prstTxWarp>
-            <a:spAutoFit/>
-          </a:bodyPr>
-          <a:lstStyle/>
-          <a:p>
-            <a:endParaRPr lang="ko-KR" altLang="en-US"/>
-          </a:p>
-        </p:txBody>
-      </p:sp>
-      <p:pic>
-        <p:nvPicPr>
-          <p:cNvPr id="1029" name="_x313076288" descr="EMB00001e886b53"/>
-          <p:cNvPicPr>
-            <a:picLocks noChangeAspect="1" noChangeArrowheads="1"/>
-          </p:cNvPicPr>
-          <p:nvPr/>
-        </p:nvPicPr>
-        <p:blipFill>
-          <a:blip r:embed="rId4">
-            <a:extLst>
-              <a:ext uri="{28A0092B-C50C-407E-A947-70E740481C1C}">
-                <a14:useLocalDpi xmlns:a14="http://schemas.microsoft.com/office/drawing/2010/main" val="0"/>
-              </a:ext>
-            </a:extLst>
-          </a:blip>
-          <a:srcRect/>
-          <a:stretch>
-            <a:fillRect/>
-          </a:stretch>
-        </p:blipFill>
-        <p:spPr bwMode="auto">
-          <a:xfrm>
-            <a:off x="5435719" y="1442737"/>
-            <a:ext cx="2352493" cy="2202287"/>
-          </a:xfrm>
-          <a:prstGeom prst="rect">
-            <a:avLst/>
-          </a:prstGeom>
-          <a:noFill/>
-          <a:extLst>
-            <a:ext uri="{909E8E84-426E-40DD-AFC4-6F175D3DCCD1}">
-              <a14:hiddenFill xmlns:a14="http://schemas.microsoft.com/office/drawing/2010/main">
-                <a:solidFill>
-                  <a:srgbClr val="FFFFFF"/>
-                </a:solidFill>
-              </a14:hiddenFill>
-            </a:ext>
-          </a:extLst>
-        </p:spPr>
-      </p:pic>
-      <p:sp>
-        <p:nvSpPr>
-          <p:cNvPr id="2" name="Rectangle 2"/>
-          <p:cNvSpPr>
-            <a:spLocks noChangeArrowheads="1"/>
-          </p:cNvSpPr>
-          <p:nvPr/>
-        </p:nvSpPr>
-        <p:spPr bwMode="auto">
-          <a:xfrm>
-            <a:off x="0" y="0"/>
-            <a:ext cx="9144000" cy="457200"/>
-          </a:xfrm>
-          <a:prstGeom prst="rect">
-            <a:avLst/>
-          </a:prstGeom>
-          <a:noFill/>
-          <a:ln>
-            <a:noFill/>
-          </a:ln>
-          <a:effectLst/>
-          <a:extLst>
-            <a:ext uri="{909E8E84-426E-40DD-AFC4-6F175D3DCCD1}">
-              <a14:hiddenFill xmlns:a14="http://schemas.microsoft.com/office/drawing/2010/main">
-                <a:solidFill>
-                  <a:schemeClr val="accent1"/>
-                </a:solidFill>
-              </a14:hiddenFill>
-            </a:ext>
-            <a:ext uri="{91240B29-F687-4F45-9708-019B960494DF}">
-              <a14:hiddenLine xmlns:a14="http://schemas.microsoft.com/office/drawing/2010/main" w="9525">
-                <a:solidFill>
-                  <a:schemeClr val="tx1"/>
-                </a:solidFill>
-                <a:miter lim="800000"/>
-                <a:headEnd/>
-                <a:tailEnd/>
-              </a14:hiddenLine>
-            </a:ext>
-            <a:ext uri="{AF507438-7753-43E0-B8FC-AC1667EBCBE1}">
-              <a14:hiddenEffects xmlns:a14="http://schemas.microsoft.com/office/drawing/2010/main">
-                <a:effectLst>
-                  <a:outerShdw dist="35921" dir="2700000" algn="ctr" rotWithShape="0">
-                    <a:schemeClr val="bg2"/>
-                  </a:outerShdw>
-                </a:effectLst>
-              </a14:hiddenEffects>
-            </a:ext>
-          </a:extLst>
-        </p:spPr>
-        <p:txBody>
-          <a:bodyPr vert="horz" wrap="none" lIns="91440" tIns="45720" rIns="91440" bIns="45720" numCol="1" anchor="ctr" anchorCtr="0" compatLnSpc="1">
-            <a:prstTxWarp prst="textNoShape">
-              <a:avLst/>
-            </a:prstTxWarp>
-            <a:spAutoFit/>
-          </a:bodyPr>
-          <a:lstStyle/>
-          <a:p>
-            <a:endParaRPr lang="ko-KR" altLang="en-US"/>
-          </a:p>
-        </p:txBody>
-      </p:sp>
-      <p:pic>
-        <p:nvPicPr>
-          <p:cNvPr id="2049" name="_x313076448" descr="EMB00001e886b56"/>
-          <p:cNvPicPr>
-            <a:picLocks noChangeAspect="1" noChangeArrowheads="1"/>
-          </p:cNvPicPr>
-          <p:nvPr/>
-        </p:nvPicPr>
-        <p:blipFill>
-          <a:blip r:embed="rId5">
-            <a:extLst>
-              <a:ext uri="{28A0092B-C50C-407E-A947-70E740481C1C}">
-                <a14:useLocalDpi xmlns:a14="http://schemas.microsoft.com/office/drawing/2010/main" val="0"/>
-              </a:ext>
-            </a:extLst>
-          </a:blip>
-          <a:srcRect/>
-          <a:stretch>
-            <a:fillRect/>
-          </a:stretch>
-        </p:blipFill>
-        <p:spPr bwMode="auto">
-          <a:xfrm>
-            <a:off x="533999" y="3770703"/>
-            <a:ext cx="2405748" cy="2379663"/>
-          </a:xfrm>
-          <a:prstGeom prst="rect">
-            <a:avLst/>
-          </a:prstGeom>
-          <a:noFill/>
-          <a:extLst>
-            <a:ext uri="{909E8E84-426E-40DD-AFC4-6F175D3DCCD1}">
-              <a14:hiddenFill xmlns:a14="http://schemas.microsoft.com/office/drawing/2010/main">
-                <a:solidFill>
-                  <a:srgbClr val="FFFFFF"/>
-                </a:solidFill>
-              </a14:hiddenFill>
-            </a:ext>
-          </a:extLst>
-        </p:spPr>
-      </p:pic>
-      <p:sp>
-        <p:nvSpPr>
-          <p:cNvPr id="13" name="Rectangle 4"/>
-          <p:cNvSpPr>
-            <a:spLocks noChangeArrowheads="1"/>
-          </p:cNvSpPr>
-          <p:nvPr/>
-        </p:nvSpPr>
-        <p:spPr bwMode="auto">
-          <a:xfrm>
-            <a:off x="0" y="0"/>
-            <a:ext cx="9144000" cy="457200"/>
-          </a:xfrm>
-          <a:prstGeom prst="rect">
-            <a:avLst/>
-          </a:prstGeom>
-          <a:noFill/>
-          <a:ln>
-            <a:noFill/>
-          </a:ln>
-          <a:effectLst/>
-          <a:extLst>
-            <a:ext uri="{909E8E84-426E-40DD-AFC4-6F175D3DCCD1}">
-              <a14:hiddenFill xmlns:a14="http://schemas.microsoft.com/office/drawing/2010/main">
-                <a:solidFill>
-                  <a:schemeClr val="accent1"/>
-                </a:solidFill>
-              </a14:hiddenFill>
-            </a:ext>
-            <a:ext uri="{91240B29-F687-4F45-9708-019B960494DF}">
-              <a14:hiddenLine xmlns:a14="http://schemas.microsoft.com/office/drawing/2010/main" w="9525">
-                <a:solidFill>
-                  <a:schemeClr val="tx1"/>
-                </a:solidFill>
-                <a:miter lim="800000"/>
-                <a:headEnd/>
-                <a:tailEnd/>
-              </a14:hiddenLine>
-            </a:ext>
-            <a:ext uri="{AF507438-7753-43E0-B8FC-AC1667EBCBE1}">
-              <a14:hiddenEffects xmlns:a14="http://schemas.microsoft.com/office/drawing/2010/main">
-                <a:effectLst>
-                  <a:outerShdw dist="35921" dir="2700000" algn="ctr" rotWithShape="0">
-                    <a:schemeClr val="bg2"/>
-                  </a:outerShdw>
-                </a:effectLst>
-              </a14:hiddenEffects>
-            </a:ext>
-          </a:extLst>
-        </p:spPr>
-        <p:txBody>
-          <a:bodyPr vert="horz" wrap="none" lIns="91440" tIns="45720" rIns="91440" bIns="45720" numCol="1" anchor="ctr" anchorCtr="0" compatLnSpc="1">
-            <a:prstTxWarp prst="textNoShape">
-              <a:avLst/>
-            </a:prstTxWarp>
-            <a:spAutoFit/>
-          </a:bodyPr>
-          <a:lstStyle/>
-          <a:p>
-            <a:endParaRPr lang="ko-KR" altLang="en-US"/>
-          </a:p>
-        </p:txBody>
-      </p:sp>
-      <p:pic>
-        <p:nvPicPr>
-          <p:cNvPr id="2051" name="_x313076288" descr="EMB00001e886b59"/>
-          <p:cNvPicPr>
-            <a:picLocks noChangeAspect="1" noChangeArrowheads="1"/>
-          </p:cNvPicPr>
-          <p:nvPr/>
-        </p:nvPicPr>
-        <p:blipFill>
-          <a:blip r:embed="rId6">
-            <a:extLst>
-              <a:ext uri="{28A0092B-C50C-407E-A947-70E740481C1C}">
-                <a14:useLocalDpi xmlns:a14="http://schemas.microsoft.com/office/drawing/2010/main" val="0"/>
-              </a:ext>
-            </a:extLst>
-          </a:blip>
-          <a:srcRect/>
-          <a:stretch>
-            <a:fillRect/>
-          </a:stretch>
-        </p:blipFill>
-        <p:spPr bwMode="auto">
-          <a:xfrm>
-            <a:off x="2939746" y="3770703"/>
-            <a:ext cx="2495973" cy="2468563"/>
-          </a:xfrm>
-          <a:prstGeom prst="rect">
-            <a:avLst/>
-          </a:prstGeom>
-          <a:noFill/>
-          <a:extLst>
-            <a:ext uri="{909E8E84-426E-40DD-AFC4-6F175D3DCCD1}">
-              <a14:hiddenFill xmlns:a14="http://schemas.microsoft.com/office/drawing/2010/main">
-                <a:solidFill>
-                  <a:srgbClr val="FFFFFF"/>
-                </a:solidFill>
-              </a14:hiddenFill>
-            </a:ext>
-          </a:extLst>
-        </p:spPr>
-      </p:pic>
-      <p:sp>
-        <p:nvSpPr>
-          <p:cNvPr id="14" name="Rectangle 6"/>
-          <p:cNvSpPr>
-            <a:spLocks noChangeArrowheads="1"/>
-          </p:cNvSpPr>
-          <p:nvPr/>
-        </p:nvSpPr>
-        <p:spPr bwMode="auto">
-          <a:xfrm>
-            <a:off x="0" y="0"/>
-            <a:ext cx="9144000" cy="457200"/>
-          </a:xfrm>
-          <a:prstGeom prst="rect">
-            <a:avLst/>
-          </a:prstGeom>
-          <a:noFill/>
-          <a:ln>
-            <a:noFill/>
-          </a:ln>
-          <a:effectLst/>
-          <a:extLst>
-            <a:ext uri="{909E8E84-426E-40DD-AFC4-6F175D3DCCD1}">
-              <a14:hiddenFill xmlns:a14="http://schemas.microsoft.com/office/drawing/2010/main">
-                <a:solidFill>
-                  <a:schemeClr val="accent1"/>
-                </a:solidFill>
-              </a14:hiddenFill>
-            </a:ext>
-            <a:ext uri="{91240B29-F687-4F45-9708-019B960494DF}">
-              <a14:hiddenLine xmlns:a14="http://schemas.microsoft.com/office/drawing/2010/main" w="9525">
-                <a:solidFill>
-                  <a:schemeClr val="tx1"/>
-                </a:solidFill>
-                <a:miter lim="800000"/>
-                <a:headEnd/>
-                <a:tailEnd/>
-              </a14:hiddenLine>
-            </a:ext>
-            <a:ext uri="{AF507438-7753-43E0-B8FC-AC1667EBCBE1}">
-              <a14:hiddenEffects xmlns:a14="http://schemas.microsoft.com/office/drawing/2010/main">
-                <a:effectLst>
-                  <a:outerShdw dist="35921" dir="2700000" algn="ctr" rotWithShape="0">
-                    <a:schemeClr val="bg2"/>
-                  </a:outerShdw>
-                </a:effectLst>
-              </a14:hiddenEffects>
-            </a:ext>
-          </a:extLst>
-        </p:spPr>
-        <p:txBody>
-          <a:bodyPr vert="horz" wrap="none" lIns="91440" tIns="45720" rIns="91440" bIns="45720" numCol="1" anchor="ctr" anchorCtr="0" compatLnSpc="1">
-            <a:prstTxWarp prst="textNoShape">
-              <a:avLst/>
-            </a:prstTxWarp>
-            <a:spAutoFit/>
-          </a:bodyPr>
-          <a:lstStyle/>
-          <a:p>
-            <a:endParaRPr lang="ko-KR" altLang="en-US"/>
-          </a:p>
-        </p:txBody>
-      </p:sp>
-      <p:pic>
-        <p:nvPicPr>
-          <p:cNvPr id="2053" name="_x313075808" descr="EMB00001e886b5c"/>
-          <p:cNvPicPr>
-            <a:picLocks noChangeAspect="1" noChangeArrowheads="1"/>
-          </p:cNvPicPr>
-          <p:nvPr/>
-        </p:nvPicPr>
-        <p:blipFill>
-          <a:blip r:embed="rId7">
-            <a:extLst>
-              <a:ext uri="{28A0092B-C50C-407E-A947-70E740481C1C}">
-                <a14:useLocalDpi xmlns:a14="http://schemas.microsoft.com/office/drawing/2010/main" val="0"/>
-              </a:ext>
-            </a:extLst>
-          </a:blip>
-          <a:srcRect/>
-          <a:stretch>
-            <a:fillRect/>
-          </a:stretch>
-        </p:blipFill>
-        <p:spPr bwMode="auto">
-          <a:xfrm>
-            <a:off x="5388019" y="3770703"/>
-            <a:ext cx="2400194" cy="2493963"/>
-          </a:xfrm>
-          <a:prstGeom prst="rect">
-            <a:avLst/>
-          </a:prstGeom>
-          <a:noFill/>
-          <a:extLst>
-            <a:ext uri="{909E8E84-426E-40DD-AFC4-6F175D3DCCD1}">
-              <a14:hiddenFill xmlns:a14="http://schemas.microsoft.com/office/drawing/2010/main">
-                <a:solidFill>
-                  <a:srgbClr val="FFFFFF"/>
-                </a:solidFill>
-              </a14:hiddenFill>
-            </a:ext>
-          </a:extLst>
-        </p:spPr>
-      </p:pic>
     </p:spTree>
     <p:extLst>
       <p:ext uri="{BB962C8B-B14F-4D97-AF65-F5344CB8AC3E}">
-        <p14:creationId xmlns:p14="http://schemas.microsoft.com/office/powerpoint/2010/main" val="2914251895"/>
+        <p14:creationId xmlns:p14="http://schemas.microsoft.com/office/powerpoint/2010/main" val="2465411169"/>
       </p:ext>
     </p:extLst>
   </p:cSld>
@@ -21632,1069 +22321,79 @@
           </a:p>
         </p:txBody>
       </p:sp>
-      <p:pic>
-        <p:nvPicPr>
-          <p:cNvPr id="14" name="그림 13"/>
-          <p:cNvPicPr>
-            <a:picLocks noChangeAspect="1"/>
-          </p:cNvPicPr>
-          <p:nvPr/>
-        </p:nvPicPr>
-        <p:blipFill>
-          <a:blip r:embed="rId2"/>
-          <a:stretch>
-            <a:fillRect/>
-          </a:stretch>
-        </p:blipFill>
-        <p:spPr>
-          <a:xfrm>
-            <a:off x="1743928" y="2123739"/>
-            <a:ext cx="5985754" cy="4697997"/>
-          </a:xfrm>
-          <a:prstGeom prst="rect">
-            <a:avLst/>
-          </a:prstGeom>
-        </p:spPr>
-      </p:pic>
       <p:sp>
         <p:nvSpPr>
-          <p:cNvPr id="15" name="TextBox 14"/>
-          <p:cNvSpPr txBox="1"/>
+          <p:cNvPr id="4" name="Rectangle 2"/>
+          <p:cNvSpPr>
+            <a:spLocks noChangeArrowheads="1"/>
+          </p:cNvSpPr>
           <p:nvPr/>
         </p:nvSpPr>
-        <p:spPr>
+        <p:spPr bwMode="auto">
           <a:xfrm>
-            <a:off x="6863132" y="2162463"/>
-            <a:ext cx="1521159" cy="215444"/>
+            <a:off x="539552" y="4039322"/>
+            <a:ext cx="6136264" cy="214550"/>
           </a:xfrm>
           <a:prstGeom prst="rect">
             <a:avLst/>
           </a:prstGeom>
           <a:noFill/>
+          <a:ln>
+            <a:noFill/>
+          </a:ln>
+          <a:effectLst/>
+          <a:extLst>
+            <a:ext uri="{909E8E84-426E-40DD-AFC4-6F175D3DCCD1}">
+              <a14:hiddenFill xmlns:a14="http://schemas.microsoft.com/office/drawing/2010/main">
+                <a:solidFill>
+                  <a:schemeClr val="accent1"/>
+                </a:solidFill>
+              </a14:hiddenFill>
+            </a:ext>
+            <a:ext uri="{91240B29-F687-4F45-9708-019B960494DF}">
+              <a14:hiddenLine xmlns:a14="http://schemas.microsoft.com/office/drawing/2010/main" w="9525">
+                <a:solidFill>
+                  <a:schemeClr val="tx1"/>
+                </a:solidFill>
+                <a:miter lim="800000"/>
+                <a:headEnd/>
+                <a:tailEnd/>
+              </a14:hiddenLine>
+            </a:ext>
+            <a:ext uri="{AF507438-7753-43E0-B8FC-AC1667EBCBE1}">
+              <a14:hiddenEffects xmlns:a14="http://schemas.microsoft.com/office/drawing/2010/main">
+                <a:effectLst>
+                  <a:outerShdw dist="35921" dir="2700000" algn="ctr" rotWithShape="0">
+                    <a:schemeClr val="bg2"/>
+                  </a:outerShdw>
+                </a:effectLst>
+              </a14:hiddenEffects>
+            </a:ext>
+          </a:extLst>
         </p:spPr>
         <p:txBody>
-          <a:bodyPr wrap="square" rtlCol="0">
+          <a:bodyPr vert="horz" wrap="square" lIns="91440" tIns="45720" rIns="91440" bIns="45720" numCol="1" anchor="ctr" anchorCtr="0" compatLnSpc="1">
+            <a:prstTxWarp prst="textNoShape">
+              <a:avLst/>
+            </a:prstTxWarp>
             <a:spAutoFit/>
           </a:bodyPr>
           <a:lstStyle/>
           <a:p>
-            <a:r>
-              <a:rPr lang="ko-KR" altLang="en-US" sz="800" dirty="0" err="1" smtClean="0">
-                <a:solidFill>
-                  <a:schemeClr val="bg1"/>
-                </a:solidFill>
-                <a:effectLst>
-                  <a:glow rad="228600">
-                    <a:schemeClr val="accent1">
-                      <a:satMod val="175000"/>
-                      <a:alpha val="40000"/>
-                    </a:schemeClr>
-                  </a:glow>
-                </a:effectLst>
-              </a:rPr>
-              <a:t>흐른시간</a:t>
-            </a:r>
-            <a:r>
-              <a:rPr lang="ko-KR" altLang="en-US" sz="800" dirty="0" smtClean="0">
-                <a:solidFill>
-                  <a:schemeClr val="bg1"/>
-                </a:solidFill>
-                <a:effectLst>
-                  <a:glow rad="228600">
-                    <a:schemeClr val="accent1">
-                      <a:satMod val="175000"/>
-                      <a:alpha val="40000"/>
-                    </a:schemeClr>
-                  </a:glow>
-                </a:effectLst>
-              </a:rPr>
-              <a:t> </a:t>
-            </a:r>
-            <a:r>
-              <a:rPr lang="en-US" altLang="ko-KR" sz="800" dirty="0" smtClean="0">
-                <a:solidFill>
-                  <a:schemeClr val="bg1"/>
-                </a:solidFill>
-                <a:effectLst>
-                  <a:glow rad="228600">
-                    <a:schemeClr val="accent1">
-                      <a:satMod val="175000"/>
-                      <a:alpha val="40000"/>
-                    </a:schemeClr>
-                  </a:glow>
-                </a:effectLst>
-              </a:rPr>
-              <a:t>0:00</a:t>
-            </a:r>
-            <a:endParaRPr lang="ko-KR" altLang="en-US" sz="800" dirty="0"/>
+            <a:endParaRPr lang="ko-KR" altLang="en-US"/>
           </a:p>
         </p:txBody>
       </p:sp>
       <p:pic>
         <p:nvPicPr>
-          <p:cNvPr id="16" name="그림 15"/>
-          <p:cNvPicPr>
-            <a:picLocks noChangeAspect="1"/>
-          </p:cNvPicPr>
-          <p:nvPr/>
-        </p:nvPicPr>
-        <p:blipFill>
-          <a:blip r:embed="rId3"/>
-          <a:stretch>
-            <a:fillRect/>
-          </a:stretch>
-        </p:blipFill>
-        <p:spPr>
-          <a:xfrm>
-            <a:off x="6528191" y="5782271"/>
-            <a:ext cx="1201491" cy="1039465"/>
-          </a:xfrm>
-          <a:prstGeom prst="rect">
-            <a:avLst/>
-          </a:prstGeom>
-        </p:spPr>
-      </p:pic>
-      <p:sp>
-        <p:nvSpPr>
-          <p:cNvPr id="2" name="직사각형 1"/>
-          <p:cNvSpPr/>
-          <p:nvPr/>
-        </p:nvSpPr>
-        <p:spPr>
-          <a:xfrm>
-            <a:off x="1727684" y="2121530"/>
-            <a:ext cx="5966944" cy="4700206"/>
-          </a:xfrm>
-          <a:prstGeom prst="rect">
-            <a:avLst/>
-          </a:prstGeom>
-          <a:solidFill>
-            <a:srgbClr val="868686">
-              <a:alpha val="40000"/>
-            </a:srgbClr>
-          </a:solidFill>
-        </p:spPr>
-        <p:style>
-          <a:lnRef idx="2">
-            <a:schemeClr val="accent1">
-              <a:shade val="50000"/>
-            </a:schemeClr>
-          </a:lnRef>
-          <a:fillRef idx="1">
-            <a:schemeClr val="accent1"/>
-          </a:fillRef>
-          <a:effectRef idx="0">
-            <a:schemeClr val="accent1"/>
-          </a:effectRef>
-          <a:fontRef idx="minor">
-            <a:schemeClr val="lt1"/>
-          </a:fontRef>
-        </p:style>
-        <p:txBody>
-          <a:bodyPr rtlCol="0" anchor="ctr"/>
-          <a:lstStyle/>
-          <a:p>
-            <a:pPr algn="ctr"/>
-            <a:endParaRPr lang="ko-KR" altLang="en-US"/>
-          </a:p>
-        </p:txBody>
-      </p:sp>
-      <p:sp>
-        <p:nvSpPr>
-          <p:cNvPr id="5" name="TextBox 4"/>
-          <p:cNvSpPr txBox="1"/>
-          <p:nvPr/>
-        </p:nvSpPr>
-        <p:spPr>
-          <a:xfrm>
-            <a:off x="2339752" y="2371324"/>
-            <a:ext cx="4908616" cy="2308324"/>
-          </a:xfrm>
-          <a:prstGeom prst="rect">
-            <a:avLst/>
-          </a:prstGeom>
-          <a:noFill/>
-        </p:spPr>
-        <p:txBody>
-          <a:bodyPr wrap="square" rtlCol="0">
-            <a:spAutoFit/>
-          </a:bodyPr>
-          <a:lstStyle/>
-          <a:p>
-            <a:r>
-              <a:rPr lang="en-US" altLang="ko-KR" dirty="0" smtClean="0"/>
-              <a:t>(ID) : </a:t>
-            </a:r>
-            <a:r>
-              <a:rPr lang="ko-KR" altLang="en-US" dirty="0"/>
-              <a:t> </a:t>
-            </a:r>
-            <a:r>
-              <a:rPr lang="en-US" altLang="ko-KR" dirty="0" smtClean="0"/>
-              <a:t>kill(monster): 2  kill(player): 0</a:t>
-            </a:r>
-          </a:p>
-          <a:p>
-            <a:r>
-              <a:rPr lang="en-US" altLang="ko-KR" dirty="0"/>
-              <a:t>(ID) : </a:t>
-            </a:r>
-            <a:r>
-              <a:rPr lang="ko-KR" altLang="en-US" dirty="0"/>
-              <a:t> </a:t>
-            </a:r>
-            <a:r>
-              <a:rPr lang="en-US" altLang="ko-KR" dirty="0"/>
-              <a:t>kill(monster): </a:t>
-            </a:r>
-            <a:r>
-              <a:rPr lang="en-US" altLang="ko-KR" dirty="0" smtClean="0"/>
-              <a:t>1  </a:t>
-            </a:r>
-            <a:r>
-              <a:rPr lang="en-US" altLang="ko-KR" dirty="0"/>
-              <a:t>kill(player): </a:t>
-            </a:r>
-            <a:r>
-              <a:rPr lang="en-US" altLang="ko-KR" dirty="0" smtClean="0"/>
-              <a:t>0</a:t>
-            </a:r>
-          </a:p>
-          <a:p>
-            <a:r>
-              <a:rPr lang="en-US" altLang="ko-KR" dirty="0">
-                <a:solidFill>
-                  <a:schemeClr val="accent2"/>
-                </a:solidFill>
-              </a:rPr>
-              <a:t>(ID) : </a:t>
-            </a:r>
-            <a:r>
-              <a:rPr lang="ko-KR" altLang="en-US" dirty="0">
-                <a:solidFill>
-                  <a:schemeClr val="accent2"/>
-                </a:solidFill>
-              </a:rPr>
-              <a:t> </a:t>
-            </a:r>
-            <a:r>
-              <a:rPr lang="en-US" altLang="ko-KR" dirty="0">
-                <a:solidFill>
-                  <a:schemeClr val="accent2"/>
-                </a:solidFill>
-              </a:rPr>
-              <a:t>kill(monster): </a:t>
-            </a:r>
-            <a:r>
-              <a:rPr lang="en-US" altLang="ko-KR" dirty="0" smtClean="0">
-                <a:solidFill>
-                  <a:schemeClr val="accent2"/>
-                </a:solidFill>
-              </a:rPr>
-              <a:t>0  </a:t>
-            </a:r>
-            <a:r>
-              <a:rPr lang="en-US" altLang="ko-KR" dirty="0">
-                <a:solidFill>
-                  <a:schemeClr val="accent2"/>
-                </a:solidFill>
-              </a:rPr>
-              <a:t>kill(player): 1</a:t>
-            </a:r>
-            <a:endParaRPr lang="en-US" altLang="ko-KR" dirty="0" smtClean="0">
-              <a:solidFill>
-                <a:schemeClr val="accent2"/>
-              </a:solidFill>
-            </a:endParaRPr>
-          </a:p>
-          <a:p>
-            <a:r>
-              <a:rPr lang="en-US" altLang="ko-KR" dirty="0"/>
-              <a:t>(ID) : </a:t>
-            </a:r>
-            <a:r>
-              <a:rPr lang="ko-KR" altLang="en-US" dirty="0"/>
-              <a:t> </a:t>
-            </a:r>
-            <a:r>
-              <a:rPr lang="en-US" altLang="ko-KR" dirty="0"/>
-              <a:t>kill(monster): </a:t>
-            </a:r>
-            <a:r>
-              <a:rPr lang="en-US" altLang="ko-KR" dirty="0" smtClean="0"/>
-              <a:t>0  </a:t>
-            </a:r>
-            <a:r>
-              <a:rPr lang="en-US" altLang="ko-KR" dirty="0"/>
-              <a:t>kill(player): </a:t>
-            </a:r>
-            <a:r>
-              <a:rPr lang="en-US" altLang="ko-KR" dirty="0" smtClean="0"/>
-              <a:t>0</a:t>
-            </a:r>
-          </a:p>
-          <a:p>
-            <a:r>
-              <a:rPr lang="en-US" altLang="ko-KR" dirty="0">
-                <a:solidFill>
-                  <a:schemeClr val="accent2"/>
-                </a:solidFill>
-              </a:rPr>
-              <a:t>(ID) : </a:t>
-            </a:r>
-            <a:r>
-              <a:rPr lang="ko-KR" altLang="en-US" dirty="0">
-                <a:solidFill>
-                  <a:schemeClr val="accent2"/>
-                </a:solidFill>
-              </a:rPr>
-              <a:t> </a:t>
-            </a:r>
-            <a:r>
-              <a:rPr lang="en-US" altLang="ko-KR" dirty="0">
-                <a:solidFill>
-                  <a:schemeClr val="accent2"/>
-                </a:solidFill>
-              </a:rPr>
-              <a:t>kill(monster): </a:t>
-            </a:r>
-            <a:r>
-              <a:rPr lang="en-US" altLang="ko-KR" dirty="0" smtClean="0">
-                <a:solidFill>
-                  <a:schemeClr val="accent2"/>
-                </a:solidFill>
-              </a:rPr>
-              <a:t>6  </a:t>
-            </a:r>
-            <a:r>
-              <a:rPr lang="en-US" altLang="ko-KR" dirty="0">
-                <a:solidFill>
-                  <a:schemeClr val="accent2"/>
-                </a:solidFill>
-              </a:rPr>
-              <a:t>kill(player): </a:t>
-            </a:r>
-            <a:r>
-              <a:rPr lang="en-US" altLang="ko-KR" dirty="0" smtClean="0">
-                <a:solidFill>
-                  <a:schemeClr val="accent2"/>
-                </a:solidFill>
-              </a:rPr>
-              <a:t>0</a:t>
-            </a:r>
-          </a:p>
-          <a:p>
-            <a:r>
-              <a:rPr lang="en-US" altLang="ko-KR" dirty="0"/>
-              <a:t>(ID) : </a:t>
-            </a:r>
-            <a:r>
-              <a:rPr lang="ko-KR" altLang="en-US" dirty="0"/>
-              <a:t> </a:t>
-            </a:r>
-            <a:r>
-              <a:rPr lang="en-US" altLang="ko-KR" dirty="0"/>
-              <a:t>kill(monster): 1</a:t>
-            </a:r>
-            <a:r>
-              <a:rPr lang="en-US" altLang="ko-KR" dirty="0" smtClean="0"/>
-              <a:t>  </a:t>
-            </a:r>
-            <a:r>
-              <a:rPr lang="en-US" altLang="ko-KR" dirty="0"/>
-              <a:t>kill(player): 1</a:t>
-            </a:r>
-            <a:endParaRPr lang="en-US" altLang="ko-KR" dirty="0" smtClean="0"/>
-          </a:p>
-          <a:p>
-            <a:r>
-              <a:rPr lang="en-US" altLang="ko-KR" dirty="0">
-                <a:solidFill>
-                  <a:schemeClr val="accent2"/>
-                </a:solidFill>
-              </a:rPr>
-              <a:t>(ID) : </a:t>
-            </a:r>
-            <a:r>
-              <a:rPr lang="ko-KR" altLang="en-US" dirty="0">
-                <a:solidFill>
-                  <a:schemeClr val="accent2"/>
-                </a:solidFill>
-              </a:rPr>
-              <a:t> </a:t>
-            </a:r>
-            <a:r>
-              <a:rPr lang="en-US" altLang="ko-KR" dirty="0">
-                <a:solidFill>
-                  <a:schemeClr val="accent2"/>
-                </a:solidFill>
-              </a:rPr>
-              <a:t>kill(monster): </a:t>
-            </a:r>
-            <a:r>
-              <a:rPr lang="en-US" altLang="ko-KR" dirty="0" smtClean="0">
-                <a:solidFill>
-                  <a:schemeClr val="accent2"/>
-                </a:solidFill>
-              </a:rPr>
-              <a:t>0  </a:t>
-            </a:r>
-            <a:r>
-              <a:rPr lang="en-US" altLang="ko-KR" dirty="0">
-                <a:solidFill>
-                  <a:schemeClr val="accent2"/>
-                </a:solidFill>
-              </a:rPr>
-              <a:t>kill(player): </a:t>
-            </a:r>
-            <a:r>
-              <a:rPr lang="en-US" altLang="ko-KR" dirty="0" smtClean="0">
-                <a:solidFill>
-                  <a:schemeClr val="accent2"/>
-                </a:solidFill>
-              </a:rPr>
-              <a:t>0 </a:t>
-            </a:r>
-          </a:p>
-          <a:p>
-            <a:endParaRPr lang="ko-KR" altLang="en-US" dirty="0"/>
-          </a:p>
-        </p:txBody>
-      </p:sp>
-      <p:cxnSp>
-        <p:nvCxnSpPr>
-          <p:cNvPr id="18" name="직선 화살표 연결선 17"/>
-          <p:cNvCxnSpPr/>
-          <p:nvPr/>
-        </p:nvCxnSpPr>
-        <p:spPr>
-          <a:xfrm flipV="1">
-            <a:off x="1043608" y="3140968"/>
-            <a:ext cx="1296144" cy="504056"/>
-          </a:xfrm>
-          <a:prstGeom prst="straightConnector1">
-            <a:avLst/>
-          </a:prstGeom>
-          <a:ln>
-            <a:tailEnd type="triangle"/>
-          </a:ln>
-        </p:spPr>
-        <p:style>
-          <a:lnRef idx="1">
-            <a:schemeClr val="accent1"/>
-          </a:lnRef>
-          <a:fillRef idx="0">
-            <a:schemeClr val="accent1"/>
-          </a:fillRef>
-          <a:effectRef idx="0">
-            <a:schemeClr val="accent1"/>
-          </a:effectRef>
-          <a:fontRef idx="minor">
-            <a:schemeClr val="tx1"/>
-          </a:fontRef>
-        </p:style>
-      </p:cxnSp>
-      <p:cxnSp>
-        <p:nvCxnSpPr>
-          <p:cNvPr id="19" name="직선 화살표 연결선 18"/>
-          <p:cNvCxnSpPr/>
-          <p:nvPr/>
-        </p:nvCxnSpPr>
-        <p:spPr>
-          <a:xfrm>
-            <a:off x="1043608" y="3645024"/>
-            <a:ext cx="1368152" cy="0"/>
-          </a:xfrm>
-          <a:prstGeom prst="straightConnector1">
-            <a:avLst/>
-          </a:prstGeom>
-          <a:ln>
-            <a:tailEnd type="triangle"/>
-          </a:ln>
-        </p:spPr>
-        <p:style>
-          <a:lnRef idx="1">
-            <a:schemeClr val="accent1"/>
-          </a:lnRef>
-          <a:fillRef idx="0">
-            <a:schemeClr val="accent1"/>
-          </a:fillRef>
-          <a:effectRef idx="0">
-            <a:schemeClr val="accent1"/>
-          </a:effectRef>
-          <a:fontRef idx="minor">
-            <a:schemeClr val="tx1"/>
-          </a:fontRef>
-        </p:style>
-      </p:cxnSp>
-      <p:cxnSp>
-        <p:nvCxnSpPr>
-          <p:cNvPr id="22" name="직선 화살표 연결선 21"/>
-          <p:cNvCxnSpPr/>
-          <p:nvPr/>
-        </p:nvCxnSpPr>
-        <p:spPr>
-          <a:xfrm>
-            <a:off x="1022303" y="3645024"/>
-            <a:ext cx="1389457" cy="504056"/>
-          </a:xfrm>
-          <a:prstGeom prst="straightConnector1">
-            <a:avLst/>
-          </a:prstGeom>
-          <a:ln>
-            <a:tailEnd type="triangle"/>
-          </a:ln>
-        </p:spPr>
-        <p:style>
-          <a:lnRef idx="1">
-            <a:schemeClr val="accent1"/>
-          </a:lnRef>
-          <a:fillRef idx="0">
-            <a:schemeClr val="accent1"/>
-          </a:fillRef>
-          <a:effectRef idx="0">
-            <a:schemeClr val="accent1"/>
-          </a:effectRef>
-          <a:fontRef idx="minor">
-            <a:schemeClr val="tx1"/>
-          </a:fontRef>
-        </p:style>
-      </p:cxnSp>
-      <p:sp>
-        <p:nvSpPr>
-          <p:cNvPr id="25" name="TextBox 24"/>
-          <p:cNvSpPr txBox="1"/>
-          <p:nvPr/>
-        </p:nvSpPr>
-        <p:spPr>
-          <a:xfrm>
-            <a:off x="90714" y="3518065"/>
-            <a:ext cx="987501" cy="253916"/>
-          </a:xfrm>
-          <a:prstGeom prst="rect">
-            <a:avLst/>
-          </a:prstGeom>
-          <a:noFill/>
-        </p:spPr>
-        <p:txBody>
-          <a:bodyPr wrap="square" rtlCol="0">
-            <a:spAutoFit/>
-          </a:bodyPr>
-          <a:lstStyle/>
-          <a:p>
-            <a:r>
-              <a:rPr lang="ko-KR" altLang="en-US" sz="1050" dirty="0" smtClean="0">
-                <a:solidFill>
-                  <a:schemeClr val="accent2"/>
-                </a:solidFill>
-              </a:rPr>
-              <a:t>죽은플레이어</a:t>
-            </a:r>
-            <a:endParaRPr lang="ko-KR" altLang="en-US" sz="1050" dirty="0">
-              <a:solidFill>
-                <a:schemeClr val="accent2"/>
-              </a:solidFill>
-            </a:endParaRPr>
-          </a:p>
-        </p:txBody>
-      </p:sp>
-      <p:cxnSp>
-        <p:nvCxnSpPr>
-          <p:cNvPr id="27" name="직선 화살표 연결선 26"/>
-          <p:cNvCxnSpPr/>
-          <p:nvPr/>
-        </p:nvCxnSpPr>
-        <p:spPr>
-          <a:xfrm>
-            <a:off x="1187624" y="2492896"/>
-            <a:ext cx="1224136" cy="72008"/>
-          </a:xfrm>
-          <a:prstGeom prst="straightConnector1">
-            <a:avLst/>
-          </a:prstGeom>
-          <a:ln>
-            <a:solidFill>
-              <a:schemeClr val="bg2"/>
-            </a:solidFill>
-            <a:tailEnd type="triangle"/>
-          </a:ln>
-        </p:spPr>
-        <p:style>
-          <a:lnRef idx="1">
-            <a:schemeClr val="accent1"/>
-          </a:lnRef>
-          <a:fillRef idx="0">
-            <a:schemeClr val="accent1"/>
-          </a:fillRef>
-          <a:effectRef idx="0">
-            <a:schemeClr val="accent1"/>
-          </a:effectRef>
-          <a:fontRef idx="minor">
-            <a:schemeClr val="tx1"/>
-          </a:fontRef>
-        </p:style>
-      </p:cxnSp>
-      <p:cxnSp>
-        <p:nvCxnSpPr>
-          <p:cNvPr id="28" name="직선 화살표 연결선 27"/>
-          <p:cNvCxnSpPr/>
-          <p:nvPr/>
-        </p:nvCxnSpPr>
-        <p:spPr>
-          <a:xfrm>
-            <a:off x="1187624" y="2492895"/>
-            <a:ext cx="1242946" cy="360041"/>
-          </a:xfrm>
-          <a:prstGeom prst="straightConnector1">
-            <a:avLst/>
-          </a:prstGeom>
-          <a:ln>
-            <a:solidFill>
-              <a:schemeClr val="bg2"/>
-            </a:solidFill>
-            <a:tailEnd type="triangle"/>
-          </a:ln>
-        </p:spPr>
-        <p:style>
-          <a:lnRef idx="1">
-            <a:schemeClr val="accent1"/>
-          </a:lnRef>
-          <a:fillRef idx="0">
-            <a:schemeClr val="accent1"/>
-          </a:fillRef>
-          <a:effectRef idx="0">
-            <a:schemeClr val="accent1"/>
-          </a:effectRef>
-          <a:fontRef idx="minor">
-            <a:schemeClr val="tx1"/>
-          </a:fontRef>
-        </p:style>
-      </p:cxnSp>
-      <p:cxnSp>
-        <p:nvCxnSpPr>
-          <p:cNvPr id="31" name="직선 화살표 연결선 30"/>
-          <p:cNvCxnSpPr/>
-          <p:nvPr/>
-        </p:nvCxnSpPr>
-        <p:spPr>
-          <a:xfrm>
-            <a:off x="1187624" y="2528900"/>
-            <a:ext cx="1224136" cy="783392"/>
-          </a:xfrm>
-          <a:prstGeom prst="straightConnector1">
-            <a:avLst/>
-          </a:prstGeom>
-          <a:ln>
-            <a:solidFill>
-              <a:schemeClr val="bg2"/>
-            </a:solidFill>
-            <a:tailEnd type="triangle"/>
-          </a:ln>
-        </p:spPr>
-        <p:style>
-          <a:lnRef idx="1">
-            <a:schemeClr val="accent1"/>
-          </a:lnRef>
-          <a:fillRef idx="0">
-            <a:schemeClr val="accent1"/>
-          </a:fillRef>
-          <a:effectRef idx="0">
-            <a:schemeClr val="accent1"/>
-          </a:effectRef>
-          <a:fontRef idx="minor">
-            <a:schemeClr val="tx1"/>
-          </a:fontRef>
-        </p:style>
-      </p:cxnSp>
-      <p:cxnSp>
-        <p:nvCxnSpPr>
-          <p:cNvPr id="33" name="직선 화살표 연결선 32"/>
-          <p:cNvCxnSpPr/>
-          <p:nvPr/>
-        </p:nvCxnSpPr>
-        <p:spPr>
-          <a:xfrm>
-            <a:off x="1168814" y="2492894"/>
-            <a:ext cx="1242946" cy="1404158"/>
-          </a:xfrm>
-          <a:prstGeom prst="straightConnector1">
-            <a:avLst/>
-          </a:prstGeom>
-          <a:ln>
-            <a:solidFill>
-              <a:schemeClr val="bg2"/>
-            </a:solidFill>
-            <a:tailEnd type="triangle"/>
-          </a:ln>
-        </p:spPr>
-        <p:style>
-          <a:lnRef idx="1">
-            <a:schemeClr val="accent1"/>
-          </a:lnRef>
-          <a:fillRef idx="0">
-            <a:schemeClr val="accent1"/>
-          </a:fillRef>
-          <a:effectRef idx="0">
-            <a:schemeClr val="accent1"/>
-          </a:effectRef>
-          <a:fontRef idx="minor">
-            <a:schemeClr val="tx1"/>
-          </a:fontRef>
-        </p:style>
-      </p:cxnSp>
-      <p:sp>
-        <p:nvSpPr>
-          <p:cNvPr id="36" name="TextBox 35"/>
-          <p:cNvSpPr txBox="1"/>
-          <p:nvPr/>
-        </p:nvSpPr>
-        <p:spPr>
-          <a:xfrm>
-            <a:off x="155914" y="2374733"/>
-            <a:ext cx="1064946" cy="230832"/>
-          </a:xfrm>
-          <a:prstGeom prst="rect">
-            <a:avLst/>
-          </a:prstGeom>
-          <a:noFill/>
-        </p:spPr>
-        <p:txBody>
-          <a:bodyPr wrap="square" rtlCol="0">
-            <a:spAutoFit/>
-          </a:bodyPr>
-          <a:lstStyle/>
-          <a:p>
-            <a:r>
-              <a:rPr lang="ko-KR" altLang="en-US" sz="900" dirty="0" smtClean="0">
-                <a:solidFill>
-                  <a:schemeClr val="bg1"/>
-                </a:solidFill>
-              </a:rPr>
-              <a:t>생존한 플레이어</a:t>
-            </a:r>
-            <a:endParaRPr lang="ko-KR" altLang="en-US" sz="900" dirty="0">
-              <a:solidFill>
-                <a:schemeClr val="bg1"/>
-              </a:solidFill>
-            </a:endParaRPr>
-          </a:p>
-        </p:txBody>
-      </p:sp>
-      <p:sp>
-        <p:nvSpPr>
-          <p:cNvPr id="37" name="직사각형 36"/>
-          <p:cNvSpPr/>
-          <p:nvPr/>
-        </p:nvSpPr>
-        <p:spPr>
-          <a:xfrm>
-            <a:off x="1907704" y="1141765"/>
-            <a:ext cx="5444463" cy="931024"/>
-          </a:xfrm>
-          <a:prstGeom prst="rect">
-            <a:avLst/>
-          </a:prstGeom>
-          <a:ln>
-            <a:noFill/>
-          </a:ln>
-          <a:effectLst>
-            <a:glow rad="228600">
-              <a:srgbClr val="FFFF00">
-                <a:alpha val="40000"/>
-              </a:srgbClr>
-            </a:glow>
-            <a:outerShdw blurRad="44450" dist="27940" dir="5400000" algn="ctr">
-              <a:srgbClr val="000000">
-                <a:alpha val="32000"/>
-              </a:srgbClr>
-            </a:outerShdw>
-          </a:effectLst>
-          <a:scene3d>
-            <a:camera prst="orthographicFront">
-              <a:rot lat="0" lon="0" rev="0"/>
-            </a:camera>
-            <a:lightRig rig="balanced" dir="t">
-              <a:rot lat="0" lon="0" rev="8700000"/>
-            </a:lightRig>
-          </a:scene3d>
-          <a:sp3d>
-            <a:bevelT w="190500" h="38100"/>
-          </a:sp3d>
-        </p:spPr>
-        <p:style>
-          <a:lnRef idx="3">
-            <a:schemeClr val="lt1"/>
-          </a:lnRef>
-          <a:fillRef idx="1">
-            <a:schemeClr val="dk1"/>
-          </a:fillRef>
-          <a:effectRef idx="1">
-            <a:schemeClr val="dk1"/>
-          </a:effectRef>
-          <a:fontRef idx="minor">
-            <a:schemeClr val="lt1"/>
-          </a:fontRef>
-        </p:style>
-        <p:txBody>
-          <a:bodyPr wrap="square">
-            <a:spAutoFit/>
-          </a:bodyPr>
-          <a:lstStyle/>
-          <a:p>
-            <a:pPr fontAlgn="base">
-              <a:lnSpc>
-                <a:spcPct val="160000"/>
-              </a:lnSpc>
-            </a:pPr>
-            <a:r>
-              <a:rPr lang="ko-KR" altLang="en-US" sz="1200" kern="0" dirty="0" smtClean="0">
-                <a:solidFill>
-                  <a:schemeClr val="bg1"/>
-                </a:solidFill>
-                <a:latin typeface="HY헤드라인M" panose="02030600000101010101" pitchFamily="18" charset="-127"/>
-                <a:ea typeface="HY헤드라인M" panose="02030600000101010101" pitchFamily="18" charset="-127"/>
-              </a:rPr>
-              <a:t>● </a:t>
-            </a:r>
-            <a:r>
-              <a:rPr lang="en-US" altLang="ko-KR" sz="1200" kern="0" dirty="0" smtClean="0">
-                <a:solidFill>
-                  <a:schemeClr val="bg1"/>
-                </a:solidFill>
-                <a:latin typeface="HY헤드라인M" panose="02030600000101010101" pitchFamily="18" charset="-127"/>
-                <a:ea typeface="HY헤드라인M" panose="02030600000101010101" pitchFamily="18" charset="-127"/>
-              </a:rPr>
-              <a:t>UI</a:t>
-            </a:r>
-          </a:p>
-          <a:p>
-            <a:pPr fontAlgn="base">
-              <a:lnSpc>
-                <a:spcPct val="160000"/>
-              </a:lnSpc>
-            </a:pPr>
-            <a:r>
-              <a:rPr lang="ko-KR" altLang="en-US" sz="1200" kern="0" dirty="0" smtClean="0">
-                <a:solidFill>
-                  <a:schemeClr val="bg1"/>
-                </a:solidFill>
-                <a:latin typeface="HY헤드라인M" panose="02030600000101010101" pitchFamily="18" charset="-127"/>
-                <a:ea typeface="HY헤드라인M" panose="02030600000101010101" pitchFamily="18" charset="-127"/>
-              </a:rPr>
-              <a:t>시간</a:t>
-            </a:r>
-            <a:r>
-              <a:rPr lang="en-US" altLang="ko-KR" sz="1200" kern="0" dirty="0" smtClean="0">
-                <a:solidFill>
-                  <a:schemeClr val="bg1"/>
-                </a:solidFill>
-                <a:latin typeface="HY헤드라인M" panose="02030600000101010101" pitchFamily="18" charset="-127"/>
-                <a:ea typeface="HY헤드라인M" panose="02030600000101010101" pitchFamily="18" charset="-127"/>
-              </a:rPr>
-              <a:t>,</a:t>
-            </a:r>
-            <a:r>
-              <a:rPr lang="ko-KR" altLang="en-US" sz="1200" kern="0" dirty="0" smtClean="0">
-                <a:solidFill>
-                  <a:schemeClr val="bg1"/>
-                </a:solidFill>
-                <a:latin typeface="HY헤드라인M" panose="02030600000101010101" pitchFamily="18" charset="-127"/>
-                <a:ea typeface="HY헤드라인M" panose="02030600000101010101" pitchFamily="18" charset="-127"/>
-              </a:rPr>
-              <a:t> 정보</a:t>
-            </a:r>
-            <a:r>
-              <a:rPr lang="en-US" altLang="ko-KR" sz="1200" kern="0" dirty="0" smtClean="0">
-                <a:solidFill>
-                  <a:schemeClr val="bg1"/>
-                </a:solidFill>
-                <a:latin typeface="HY헤드라인M" panose="02030600000101010101" pitchFamily="18" charset="-127"/>
-                <a:ea typeface="HY헤드라인M" panose="02030600000101010101" pitchFamily="18" charset="-127"/>
-              </a:rPr>
-              <a:t>(</a:t>
-            </a:r>
-            <a:r>
-              <a:rPr lang="ko-KR" altLang="en-US" sz="1200" kern="0" dirty="0" smtClean="0">
-                <a:solidFill>
-                  <a:schemeClr val="bg1"/>
-                </a:solidFill>
-                <a:latin typeface="HY헤드라인M" panose="02030600000101010101" pitchFamily="18" charset="-127"/>
-                <a:ea typeface="HY헤드라인M" panose="02030600000101010101" pitchFamily="18" charset="-127"/>
-              </a:rPr>
-              <a:t>점수</a:t>
-            </a:r>
-            <a:r>
-              <a:rPr lang="en-US" altLang="ko-KR" sz="1200" kern="0" dirty="0" smtClean="0">
-                <a:solidFill>
-                  <a:schemeClr val="bg1"/>
-                </a:solidFill>
-                <a:latin typeface="HY헤드라인M" panose="02030600000101010101" pitchFamily="18" charset="-127"/>
-                <a:ea typeface="HY헤드라인M" panose="02030600000101010101" pitchFamily="18" charset="-127"/>
-              </a:rPr>
-              <a:t>, </a:t>
-            </a:r>
-            <a:r>
-              <a:rPr lang="ko-KR" altLang="en-US" sz="1200" kern="0" dirty="0" smtClean="0">
-                <a:solidFill>
-                  <a:schemeClr val="bg1"/>
-                </a:solidFill>
-                <a:latin typeface="HY헤드라인M" panose="02030600000101010101" pitchFamily="18" charset="-127"/>
-                <a:ea typeface="HY헤드라인M" panose="02030600000101010101" pitchFamily="18" charset="-127"/>
-              </a:rPr>
-              <a:t>플레이어 등</a:t>
-            </a:r>
-            <a:r>
-              <a:rPr lang="en-US" altLang="ko-KR" sz="1200" kern="0" dirty="0" smtClean="0">
-                <a:solidFill>
-                  <a:schemeClr val="bg1"/>
-                </a:solidFill>
-                <a:latin typeface="HY헤드라인M" panose="02030600000101010101" pitchFamily="18" charset="-127"/>
-                <a:ea typeface="HY헤드라인M" panose="02030600000101010101" pitchFamily="18" charset="-127"/>
-              </a:rPr>
-              <a:t>)</a:t>
-            </a:r>
-          </a:p>
-          <a:p>
-            <a:pPr fontAlgn="base">
-              <a:lnSpc>
-                <a:spcPct val="160000"/>
-              </a:lnSpc>
-            </a:pPr>
-            <a:r>
-              <a:rPr lang="en-US" altLang="ko-KR" sz="1200" kern="0" dirty="0" smtClean="0">
-                <a:solidFill>
-                  <a:schemeClr val="bg1"/>
-                </a:solidFill>
-                <a:latin typeface="HY헤드라인M" panose="02030600000101010101" pitchFamily="18" charset="-127"/>
-                <a:ea typeface="HY헤드라인M" panose="02030600000101010101" pitchFamily="18" charset="-127"/>
-              </a:rPr>
-              <a:t>(</a:t>
-            </a:r>
-            <a:r>
-              <a:rPr lang="ko-KR" altLang="en-US" sz="1200" kern="0" dirty="0" smtClean="0">
-                <a:solidFill>
-                  <a:schemeClr val="bg1"/>
-                </a:solidFill>
-                <a:latin typeface="HY헤드라인M" panose="02030600000101010101" pitchFamily="18" charset="-127"/>
-                <a:ea typeface="HY헤드라인M" panose="02030600000101010101" pitchFamily="18" charset="-127"/>
-              </a:rPr>
-              <a:t>정보 </a:t>
-            </a:r>
-            <a:r>
-              <a:rPr lang="en-US" altLang="ko-KR" sz="1200" kern="0" dirty="0" smtClean="0">
-                <a:solidFill>
-                  <a:schemeClr val="bg1"/>
-                </a:solidFill>
-                <a:latin typeface="HY헤드라인M" panose="02030600000101010101" pitchFamily="18" charset="-127"/>
-                <a:ea typeface="HY헤드라인M" panose="02030600000101010101" pitchFamily="18" charset="-127"/>
-              </a:rPr>
-              <a:t>UI</a:t>
-            </a:r>
-            <a:r>
-              <a:rPr lang="ko-KR" altLang="en-US" sz="1200" kern="0" dirty="0" smtClean="0">
-                <a:solidFill>
-                  <a:schemeClr val="bg1"/>
-                </a:solidFill>
-                <a:latin typeface="HY헤드라인M" panose="02030600000101010101" pitchFamily="18" charset="-127"/>
-                <a:ea typeface="HY헤드라인M" panose="02030600000101010101" pitchFamily="18" charset="-127"/>
-              </a:rPr>
-              <a:t>는 </a:t>
-            </a:r>
-            <a:r>
-              <a:rPr lang="en-US" altLang="ko-KR" sz="1200" kern="0" dirty="0" smtClean="0">
-                <a:solidFill>
-                  <a:schemeClr val="bg1"/>
-                </a:solidFill>
-                <a:latin typeface="HY헤드라인M" panose="02030600000101010101" pitchFamily="18" charset="-127"/>
-                <a:ea typeface="HY헤드라인M" panose="02030600000101010101" pitchFamily="18" charset="-127"/>
-              </a:rPr>
-              <a:t>Tab</a:t>
-            </a:r>
-            <a:r>
-              <a:rPr lang="ko-KR" altLang="en-US" sz="1200" kern="0" dirty="0" smtClean="0">
-                <a:solidFill>
-                  <a:schemeClr val="bg1"/>
-                </a:solidFill>
-                <a:latin typeface="HY헤드라인M" panose="02030600000101010101" pitchFamily="18" charset="-127"/>
-                <a:ea typeface="HY헤드라인M" panose="02030600000101010101" pitchFamily="18" charset="-127"/>
-              </a:rPr>
-              <a:t>키를 누를 시 나타나게 됩니다</a:t>
-            </a:r>
-            <a:r>
-              <a:rPr lang="en-US" altLang="ko-KR" sz="1200" kern="0" dirty="0" smtClean="0">
-                <a:solidFill>
-                  <a:schemeClr val="bg1"/>
-                </a:solidFill>
-                <a:latin typeface="HY헤드라인M" panose="02030600000101010101" pitchFamily="18" charset="-127"/>
-                <a:ea typeface="HY헤드라인M" panose="02030600000101010101" pitchFamily="18" charset="-127"/>
-              </a:rPr>
-              <a:t>.</a:t>
-            </a:r>
-            <a:endParaRPr lang="en-US" altLang="ko-KR" sz="1200" kern="0" dirty="0">
-              <a:solidFill>
-                <a:schemeClr val="bg1"/>
-              </a:solidFill>
-              <a:latin typeface="HY헤드라인M" panose="02030600000101010101" pitchFamily="18" charset="-127"/>
-              <a:ea typeface="HY헤드라인M" panose="02030600000101010101" pitchFamily="18" charset="-127"/>
-            </a:endParaRPr>
-          </a:p>
-        </p:txBody>
-      </p:sp>
-      <p:sp>
-        <p:nvSpPr>
-          <p:cNvPr id="38" name="직사각형 37"/>
-          <p:cNvSpPr/>
-          <p:nvPr/>
-        </p:nvSpPr>
-        <p:spPr>
-          <a:xfrm>
-            <a:off x="6566105" y="12460816"/>
-            <a:ext cx="45719" cy="45719"/>
-          </a:xfrm>
-          <a:prstGeom prst="rect">
-            <a:avLst/>
-          </a:prstGeom>
-          <a:solidFill>
-            <a:srgbClr val="FD200F">
-              <a:alpha val="40000"/>
-            </a:srgbClr>
-          </a:solidFill>
-        </p:spPr>
-        <p:style>
-          <a:lnRef idx="2">
-            <a:schemeClr val="accent1">
-              <a:shade val="50000"/>
-            </a:schemeClr>
-          </a:lnRef>
-          <a:fillRef idx="1">
-            <a:schemeClr val="accent1"/>
-          </a:fillRef>
-          <a:effectRef idx="0">
-            <a:schemeClr val="accent1"/>
-          </a:effectRef>
-          <a:fontRef idx="minor">
-            <a:schemeClr val="lt1"/>
-          </a:fontRef>
-        </p:style>
-        <p:txBody>
-          <a:bodyPr rtlCol="0" anchor="ctr"/>
-          <a:lstStyle/>
-          <a:p>
-            <a:pPr algn="ctr"/>
-            <a:endParaRPr lang="ko-KR" altLang="en-US" dirty="0"/>
-          </a:p>
-        </p:txBody>
-      </p:sp>
-      <p:pic>
-        <p:nvPicPr>
-          <p:cNvPr id="1026" name="Picture 2" descr="파일:uG12nOD.png"/>
+          <p:cNvPr id="1025" name="_x313074848" descr="EMB00001e886b4d"/>
           <p:cNvPicPr>
             <a:picLocks noChangeAspect="1" noChangeArrowheads="1"/>
           </p:cNvPicPr>
           <p:nvPr/>
         </p:nvPicPr>
         <p:blipFill>
-          <a:blip r:embed="rId4" cstate="print">
+          <a:blip r:embed="rId2">
             <a:extLst>
               <a:ext uri="{28A0092B-C50C-407E-A947-70E740481C1C}">
                 <a14:useLocalDpi xmlns:a14="http://schemas.microsoft.com/office/drawing/2010/main" val="0"/>
@@ -22708,8 +22407,8 @@
         </p:blipFill>
         <p:spPr bwMode="auto">
           <a:xfrm>
-            <a:off x="7435057" y="5521949"/>
-            <a:ext cx="259571" cy="259218"/>
+            <a:off x="539552" y="1412775"/>
+            <a:ext cx="2400194" cy="2192716"/>
           </a:xfrm>
           <a:prstGeom prst="rect">
             <a:avLst/>
@@ -22726,16 +22425,79 @@
           </a:extLst>
         </p:spPr>
       </p:pic>
+      <p:sp>
+        <p:nvSpPr>
+          <p:cNvPr id="5" name="Rectangle 4"/>
+          <p:cNvSpPr>
+            <a:spLocks noChangeArrowheads="1"/>
+          </p:cNvSpPr>
+          <p:nvPr/>
+        </p:nvSpPr>
+        <p:spPr bwMode="auto">
+          <a:xfrm>
+            <a:off x="0" y="0"/>
+            <a:ext cx="9144000" cy="457200"/>
+          </a:xfrm>
+          <a:prstGeom prst="rect">
+            <a:avLst/>
+          </a:prstGeom>
+          <a:noFill/>
+          <a:ln>
+            <a:noFill/>
+          </a:ln>
+          <a:effectLst/>
+          <a:extLst>
+            <a:ext uri="{909E8E84-426E-40DD-AFC4-6F175D3DCCD1}">
+              <a14:hiddenFill xmlns:a14="http://schemas.microsoft.com/office/drawing/2010/main">
+                <a:solidFill>
+                  <a:schemeClr val="accent1"/>
+                </a:solidFill>
+              </a14:hiddenFill>
+            </a:ext>
+            <a:ext uri="{91240B29-F687-4F45-9708-019B960494DF}">
+              <a14:hiddenLine xmlns:a14="http://schemas.microsoft.com/office/drawing/2010/main" w="9525">
+                <a:solidFill>
+                  <a:schemeClr val="tx1"/>
+                </a:solidFill>
+                <a:miter lim="800000"/>
+                <a:headEnd/>
+                <a:tailEnd/>
+              </a14:hiddenLine>
+            </a:ext>
+            <a:ext uri="{AF507438-7753-43E0-B8FC-AC1667EBCBE1}">
+              <a14:hiddenEffects xmlns:a14="http://schemas.microsoft.com/office/drawing/2010/main">
+                <a:effectLst>
+                  <a:outerShdw dist="35921" dir="2700000" algn="ctr" rotWithShape="0">
+                    <a:schemeClr val="bg2"/>
+                  </a:outerShdw>
+                </a:effectLst>
+              </a14:hiddenEffects>
+            </a:ext>
+          </a:extLst>
+        </p:spPr>
+        <p:txBody>
+          <a:bodyPr vert="horz" wrap="none" lIns="91440" tIns="45720" rIns="91440" bIns="45720" numCol="1" anchor="ctr" anchorCtr="0" compatLnSpc="1">
+            <a:prstTxWarp prst="textNoShape">
+              <a:avLst/>
+            </a:prstTxWarp>
+            <a:spAutoFit/>
+          </a:bodyPr>
+          <a:lstStyle/>
+          <a:p>
+            <a:endParaRPr lang="ko-KR" altLang="en-US"/>
+          </a:p>
+        </p:txBody>
+      </p:sp>
       <p:pic>
         <p:nvPicPr>
-          <p:cNvPr id="1028" name="Picture 4" descr="재시작에 대한 이미지 검색결과"/>
+          <p:cNvPr id="1027" name="_x313076048" descr="EMB00001e886b50"/>
           <p:cNvPicPr>
             <a:picLocks noChangeAspect="1" noChangeArrowheads="1"/>
           </p:cNvPicPr>
           <p:nvPr/>
         </p:nvPicPr>
         <p:blipFill>
-          <a:blip r:embed="rId5" cstate="print">
+          <a:blip r:embed="rId3">
             <a:extLst>
               <a:ext uri="{28A0092B-C50C-407E-A947-70E740481C1C}">
                 <a14:useLocalDpi xmlns:a14="http://schemas.microsoft.com/office/drawing/2010/main" val="0"/>
@@ -22749,8 +22511,8 @@
         </p:blipFill>
         <p:spPr bwMode="auto">
           <a:xfrm>
-            <a:off x="7181315" y="5521949"/>
-            <a:ext cx="248188" cy="259218"/>
+            <a:off x="2939746" y="1442737"/>
+            <a:ext cx="2448272" cy="2202287"/>
           </a:xfrm>
           <a:prstGeom prst="rect">
             <a:avLst/>
@@ -22767,154 +22529,426 @@
           </a:extLst>
         </p:spPr>
       </p:pic>
-      <p:cxnSp>
-        <p:nvCxnSpPr>
-          <p:cNvPr id="40" name="직선 화살표 연결선 39"/>
-          <p:cNvCxnSpPr>
-            <a:endCxn id="1026" idx="3"/>
-          </p:cNvCxnSpPr>
-          <p:nvPr/>
-        </p:nvCxnSpPr>
-        <p:spPr>
-          <a:xfrm flipH="1">
-            <a:off x="7694628" y="5085184"/>
-            <a:ext cx="689663" cy="566374"/>
-          </a:xfrm>
-          <a:prstGeom prst="straightConnector1">
-            <a:avLst/>
-          </a:prstGeom>
-          <a:ln>
-            <a:tailEnd type="triangle"/>
-          </a:ln>
-        </p:spPr>
-        <p:style>
-          <a:lnRef idx="1">
-            <a:schemeClr val="accent1"/>
-          </a:lnRef>
-          <a:fillRef idx="0">
-            <a:schemeClr val="accent1"/>
-          </a:fillRef>
-          <a:effectRef idx="0">
-            <a:schemeClr val="accent1"/>
-          </a:effectRef>
-          <a:fontRef idx="minor">
-            <a:schemeClr val="tx1"/>
-          </a:fontRef>
-        </p:style>
-      </p:cxnSp>
-      <p:cxnSp>
-        <p:nvCxnSpPr>
-          <p:cNvPr id="42" name="직선 화살표 연결선 41"/>
-          <p:cNvCxnSpPr/>
-          <p:nvPr/>
-        </p:nvCxnSpPr>
-        <p:spPr>
-          <a:xfrm flipH="1">
-            <a:off x="7352167" y="4869160"/>
-            <a:ext cx="849285" cy="650297"/>
-          </a:xfrm>
-          <a:prstGeom prst="straightConnector1">
-            <a:avLst/>
-          </a:prstGeom>
-          <a:ln>
-            <a:tailEnd type="triangle"/>
-          </a:ln>
-        </p:spPr>
-        <p:style>
-          <a:lnRef idx="1">
-            <a:schemeClr val="accent1"/>
-          </a:lnRef>
-          <a:fillRef idx="0">
-            <a:schemeClr val="accent1"/>
-          </a:fillRef>
-          <a:effectRef idx="0">
-            <a:schemeClr val="accent1"/>
-          </a:effectRef>
-          <a:fontRef idx="minor">
-            <a:schemeClr val="tx1"/>
-          </a:fontRef>
-        </p:style>
-      </p:cxnSp>
       <p:sp>
         <p:nvSpPr>
-          <p:cNvPr id="43" name="TextBox 42"/>
-          <p:cNvSpPr txBox="1"/>
+          <p:cNvPr id="6" name="Rectangle 6"/>
+          <p:cNvSpPr>
+            <a:spLocks noChangeArrowheads="1"/>
+          </p:cNvSpPr>
           <p:nvPr/>
         </p:nvSpPr>
-        <p:spPr>
+        <p:spPr bwMode="auto">
           <a:xfrm>
-            <a:off x="8100392" y="4676084"/>
-            <a:ext cx="729800" cy="253916"/>
+            <a:off x="0" y="0"/>
+            <a:ext cx="9144000" cy="457200"/>
           </a:xfrm>
           <a:prstGeom prst="rect">
             <a:avLst/>
           </a:prstGeom>
           <a:noFill/>
+          <a:ln>
+            <a:noFill/>
+          </a:ln>
+          <a:effectLst/>
+          <a:extLst>
+            <a:ext uri="{909E8E84-426E-40DD-AFC4-6F175D3DCCD1}">
+              <a14:hiddenFill xmlns:a14="http://schemas.microsoft.com/office/drawing/2010/main">
+                <a:solidFill>
+                  <a:schemeClr val="accent1"/>
+                </a:solidFill>
+              </a14:hiddenFill>
+            </a:ext>
+            <a:ext uri="{91240B29-F687-4F45-9708-019B960494DF}">
+              <a14:hiddenLine xmlns:a14="http://schemas.microsoft.com/office/drawing/2010/main" w="9525">
+                <a:solidFill>
+                  <a:schemeClr val="tx1"/>
+                </a:solidFill>
+                <a:miter lim="800000"/>
+                <a:headEnd/>
+                <a:tailEnd/>
+              </a14:hiddenLine>
+            </a:ext>
+            <a:ext uri="{AF507438-7753-43E0-B8FC-AC1667EBCBE1}">
+              <a14:hiddenEffects xmlns:a14="http://schemas.microsoft.com/office/drawing/2010/main">
+                <a:effectLst>
+                  <a:outerShdw dist="35921" dir="2700000" algn="ctr" rotWithShape="0">
+                    <a:schemeClr val="bg2"/>
+                  </a:outerShdw>
+                </a:effectLst>
+              </a14:hiddenEffects>
+            </a:ext>
+          </a:extLst>
         </p:spPr>
         <p:txBody>
-          <a:bodyPr wrap="square" rtlCol="0">
+          <a:bodyPr vert="horz" wrap="none" lIns="91440" tIns="45720" rIns="91440" bIns="45720" numCol="1" anchor="ctr" anchorCtr="0" compatLnSpc="1">
+            <a:prstTxWarp prst="textNoShape">
+              <a:avLst/>
+            </a:prstTxWarp>
             <a:spAutoFit/>
           </a:bodyPr>
           <a:lstStyle/>
           <a:p>
-            <a:r>
-              <a:rPr lang="ko-KR" altLang="en-US" sz="1050" dirty="0" err="1" smtClean="0">
-                <a:solidFill>
-                  <a:schemeClr val="accent1"/>
-                </a:solidFill>
-              </a:rPr>
-              <a:t>재시작</a:t>
-            </a:r>
-            <a:endParaRPr lang="ko-KR" altLang="en-US" sz="1050" dirty="0">
-              <a:solidFill>
-                <a:schemeClr val="accent1"/>
-              </a:solidFill>
-            </a:endParaRPr>
+            <a:endParaRPr lang="ko-KR" altLang="en-US"/>
           </a:p>
         </p:txBody>
       </p:sp>
-      <p:sp>
-        <p:nvSpPr>
-          <p:cNvPr id="46" name="TextBox 45"/>
-          <p:cNvSpPr txBox="1"/>
+      <p:pic>
+        <p:nvPicPr>
+          <p:cNvPr id="1029" name="_x313076288" descr="EMB00001e886b53"/>
+          <p:cNvPicPr>
+            <a:picLocks noChangeAspect="1" noChangeArrowheads="1"/>
+          </p:cNvPicPr>
           <p:nvPr/>
-        </p:nvSpPr>
-        <p:spPr>
+        </p:nvPicPr>
+        <p:blipFill>
+          <a:blip r:embed="rId4">
+            <a:extLst>
+              <a:ext uri="{28A0092B-C50C-407E-A947-70E740481C1C}">
+                <a14:useLocalDpi xmlns:a14="http://schemas.microsoft.com/office/drawing/2010/main" val="0"/>
+              </a:ext>
+            </a:extLst>
+          </a:blip>
+          <a:srcRect/>
+          <a:stretch>
+            <a:fillRect/>
+          </a:stretch>
+        </p:blipFill>
+        <p:spPr bwMode="auto">
           <a:xfrm>
-            <a:off x="8357434" y="4917309"/>
-            <a:ext cx="729800" cy="253916"/>
+            <a:off x="5435719" y="1442737"/>
+            <a:ext cx="2352493" cy="2202287"/>
           </a:xfrm>
           <a:prstGeom prst="rect">
             <a:avLst/>
           </a:prstGeom>
           <a:noFill/>
+          <a:extLst>
+            <a:ext uri="{909E8E84-426E-40DD-AFC4-6F175D3DCCD1}">
+              <a14:hiddenFill xmlns:a14="http://schemas.microsoft.com/office/drawing/2010/main">
+                <a:solidFill>
+                  <a:srgbClr val="FFFFFF"/>
+                </a:solidFill>
+              </a14:hiddenFill>
+            </a:ext>
+          </a:extLst>
+        </p:spPr>
+      </p:pic>
+      <p:sp>
+        <p:nvSpPr>
+          <p:cNvPr id="2" name="Rectangle 2"/>
+          <p:cNvSpPr>
+            <a:spLocks noChangeArrowheads="1"/>
+          </p:cNvSpPr>
+          <p:nvPr/>
+        </p:nvSpPr>
+        <p:spPr bwMode="auto">
+          <a:xfrm>
+            <a:off x="0" y="0"/>
+            <a:ext cx="9144000" cy="457200"/>
+          </a:xfrm>
+          <a:prstGeom prst="rect">
+            <a:avLst/>
+          </a:prstGeom>
+          <a:noFill/>
+          <a:ln>
+            <a:noFill/>
+          </a:ln>
+          <a:effectLst/>
+          <a:extLst>
+            <a:ext uri="{909E8E84-426E-40DD-AFC4-6F175D3DCCD1}">
+              <a14:hiddenFill xmlns:a14="http://schemas.microsoft.com/office/drawing/2010/main">
+                <a:solidFill>
+                  <a:schemeClr val="accent1"/>
+                </a:solidFill>
+              </a14:hiddenFill>
+            </a:ext>
+            <a:ext uri="{91240B29-F687-4F45-9708-019B960494DF}">
+              <a14:hiddenLine xmlns:a14="http://schemas.microsoft.com/office/drawing/2010/main" w="9525">
+                <a:solidFill>
+                  <a:schemeClr val="tx1"/>
+                </a:solidFill>
+                <a:miter lim="800000"/>
+                <a:headEnd/>
+                <a:tailEnd/>
+              </a14:hiddenLine>
+            </a:ext>
+            <a:ext uri="{AF507438-7753-43E0-B8FC-AC1667EBCBE1}">
+              <a14:hiddenEffects xmlns:a14="http://schemas.microsoft.com/office/drawing/2010/main">
+                <a:effectLst>
+                  <a:outerShdw dist="35921" dir="2700000" algn="ctr" rotWithShape="0">
+                    <a:schemeClr val="bg2"/>
+                  </a:outerShdw>
+                </a:effectLst>
+              </a14:hiddenEffects>
+            </a:ext>
+          </a:extLst>
         </p:spPr>
         <p:txBody>
-          <a:bodyPr wrap="square" rtlCol="0">
+          <a:bodyPr vert="horz" wrap="none" lIns="91440" tIns="45720" rIns="91440" bIns="45720" numCol="1" anchor="ctr" anchorCtr="0" compatLnSpc="1">
+            <a:prstTxWarp prst="textNoShape">
+              <a:avLst/>
+            </a:prstTxWarp>
             <a:spAutoFit/>
           </a:bodyPr>
           <a:lstStyle/>
           <a:p>
-            <a:r>
-              <a:rPr lang="ko-KR" altLang="en-US" sz="1050" dirty="0" smtClean="0">
-                <a:solidFill>
-                  <a:schemeClr val="accent1"/>
-                </a:solidFill>
-              </a:rPr>
-              <a:t>나가기</a:t>
-            </a:r>
-            <a:endParaRPr lang="ko-KR" altLang="en-US" sz="1050" dirty="0">
-              <a:solidFill>
-                <a:schemeClr val="accent1"/>
-              </a:solidFill>
-            </a:endParaRPr>
+            <a:endParaRPr lang="ko-KR" altLang="en-US"/>
           </a:p>
         </p:txBody>
       </p:sp>
+      <p:pic>
+        <p:nvPicPr>
+          <p:cNvPr id="2049" name="_x313076448" descr="EMB00001e886b56"/>
+          <p:cNvPicPr>
+            <a:picLocks noChangeAspect="1" noChangeArrowheads="1"/>
+          </p:cNvPicPr>
+          <p:nvPr/>
+        </p:nvPicPr>
+        <p:blipFill>
+          <a:blip r:embed="rId5">
+            <a:extLst>
+              <a:ext uri="{28A0092B-C50C-407E-A947-70E740481C1C}">
+                <a14:useLocalDpi xmlns:a14="http://schemas.microsoft.com/office/drawing/2010/main" val="0"/>
+              </a:ext>
+            </a:extLst>
+          </a:blip>
+          <a:srcRect/>
+          <a:stretch>
+            <a:fillRect/>
+          </a:stretch>
+        </p:blipFill>
+        <p:spPr bwMode="auto">
+          <a:xfrm>
+            <a:off x="533999" y="3770703"/>
+            <a:ext cx="2405748" cy="2379663"/>
+          </a:xfrm>
+          <a:prstGeom prst="rect">
+            <a:avLst/>
+          </a:prstGeom>
+          <a:noFill/>
+          <a:extLst>
+            <a:ext uri="{909E8E84-426E-40DD-AFC4-6F175D3DCCD1}">
+              <a14:hiddenFill xmlns:a14="http://schemas.microsoft.com/office/drawing/2010/main">
+                <a:solidFill>
+                  <a:srgbClr val="FFFFFF"/>
+                </a:solidFill>
+              </a14:hiddenFill>
+            </a:ext>
+          </a:extLst>
+        </p:spPr>
+      </p:pic>
+      <p:sp>
+        <p:nvSpPr>
+          <p:cNvPr id="13" name="Rectangle 4"/>
+          <p:cNvSpPr>
+            <a:spLocks noChangeArrowheads="1"/>
+          </p:cNvSpPr>
+          <p:nvPr/>
+        </p:nvSpPr>
+        <p:spPr bwMode="auto">
+          <a:xfrm>
+            <a:off x="0" y="0"/>
+            <a:ext cx="9144000" cy="457200"/>
+          </a:xfrm>
+          <a:prstGeom prst="rect">
+            <a:avLst/>
+          </a:prstGeom>
+          <a:noFill/>
+          <a:ln>
+            <a:noFill/>
+          </a:ln>
+          <a:effectLst/>
+          <a:extLst>
+            <a:ext uri="{909E8E84-426E-40DD-AFC4-6F175D3DCCD1}">
+              <a14:hiddenFill xmlns:a14="http://schemas.microsoft.com/office/drawing/2010/main">
+                <a:solidFill>
+                  <a:schemeClr val="accent1"/>
+                </a:solidFill>
+              </a14:hiddenFill>
+            </a:ext>
+            <a:ext uri="{91240B29-F687-4F45-9708-019B960494DF}">
+              <a14:hiddenLine xmlns:a14="http://schemas.microsoft.com/office/drawing/2010/main" w="9525">
+                <a:solidFill>
+                  <a:schemeClr val="tx1"/>
+                </a:solidFill>
+                <a:miter lim="800000"/>
+                <a:headEnd/>
+                <a:tailEnd/>
+              </a14:hiddenLine>
+            </a:ext>
+            <a:ext uri="{AF507438-7753-43E0-B8FC-AC1667EBCBE1}">
+              <a14:hiddenEffects xmlns:a14="http://schemas.microsoft.com/office/drawing/2010/main">
+                <a:effectLst>
+                  <a:outerShdw dist="35921" dir="2700000" algn="ctr" rotWithShape="0">
+                    <a:schemeClr val="bg2"/>
+                  </a:outerShdw>
+                </a:effectLst>
+              </a14:hiddenEffects>
+            </a:ext>
+          </a:extLst>
+        </p:spPr>
+        <p:txBody>
+          <a:bodyPr vert="horz" wrap="none" lIns="91440" tIns="45720" rIns="91440" bIns="45720" numCol="1" anchor="ctr" anchorCtr="0" compatLnSpc="1">
+            <a:prstTxWarp prst="textNoShape">
+              <a:avLst/>
+            </a:prstTxWarp>
+            <a:spAutoFit/>
+          </a:bodyPr>
+          <a:lstStyle/>
+          <a:p>
+            <a:endParaRPr lang="ko-KR" altLang="en-US"/>
+          </a:p>
+        </p:txBody>
+      </p:sp>
+      <p:pic>
+        <p:nvPicPr>
+          <p:cNvPr id="2051" name="_x313076288" descr="EMB00001e886b59"/>
+          <p:cNvPicPr>
+            <a:picLocks noChangeAspect="1" noChangeArrowheads="1"/>
+          </p:cNvPicPr>
+          <p:nvPr/>
+        </p:nvPicPr>
+        <p:blipFill>
+          <a:blip r:embed="rId6">
+            <a:extLst>
+              <a:ext uri="{28A0092B-C50C-407E-A947-70E740481C1C}">
+                <a14:useLocalDpi xmlns:a14="http://schemas.microsoft.com/office/drawing/2010/main" val="0"/>
+              </a:ext>
+            </a:extLst>
+          </a:blip>
+          <a:srcRect/>
+          <a:stretch>
+            <a:fillRect/>
+          </a:stretch>
+        </p:blipFill>
+        <p:spPr bwMode="auto">
+          <a:xfrm>
+            <a:off x="2939746" y="3770703"/>
+            <a:ext cx="2495973" cy="2468563"/>
+          </a:xfrm>
+          <a:prstGeom prst="rect">
+            <a:avLst/>
+          </a:prstGeom>
+          <a:noFill/>
+          <a:extLst>
+            <a:ext uri="{909E8E84-426E-40DD-AFC4-6F175D3DCCD1}">
+              <a14:hiddenFill xmlns:a14="http://schemas.microsoft.com/office/drawing/2010/main">
+                <a:solidFill>
+                  <a:srgbClr val="FFFFFF"/>
+                </a:solidFill>
+              </a14:hiddenFill>
+            </a:ext>
+          </a:extLst>
+        </p:spPr>
+      </p:pic>
+      <p:sp>
+        <p:nvSpPr>
+          <p:cNvPr id="14" name="Rectangle 6"/>
+          <p:cNvSpPr>
+            <a:spLocks noChangeArrowheads="1"/>
+          </p:cNvSpPr>
+          <p:nvPr/>
+        </p:nvSpPr>
+        <p:spPr bwMode="auto">
+          <a:xfrm>
+            <a:off x="0" y="0"/>
+            <a:ext cx="9144000" cy="457200"/>
+          </a:xfrm>
+          <a:prstGeom prst="rect">
+            <a:avLst/>
+          </a:prstGeom>
+          <a:noFill/>
+          <a:ln>
+            <a:noFill/>
+          </a:ln>
+          <a:effectLst/>
+          <a:extLst>
+            <a:ext uri="{909E8E84-426E-40DD-AFC4-6F175D3DCCD1}">
+              <a14:hiddenFill xmlns:a14="http://schemas.microsoft.com/office/drawing/2010/main">
+                <a:solidFill>
+                  <a:schemeClr val="accent1"/>
+                </a:solidFill>
+              </a14:hiddenFill>
+            </a:ext>
+            <a:ext uri="{91240B29-F687-4F45-9708-019B960494DF}">
+              <a14:hiddenLine xmlns:a14="http://schemas.microsoft.com/office/drawing/2010/main" w="9525">
+                <a:solidFill>
+                  <a:schemeClr val="tx1"/>
+                </a:solidFill>
+                <a:miter lim="800000"/>
+                <a:headEnd/>
+                <a:tailEnd/>
+              </a14:hiddenLine>
+            </a:ext>
+            <a:ext uri="{AF507438-7753-43E0-B8FC-AC1667EBCBE1}">
+              <a14:hiddenEffects xmlns:a14="http://schemas.microsoft.com/office/drawing/2010/main">
+                <a:effectLst>
+                  <a:outerShdw dist="35921" dir="2700000" algn="ctr" rotWithShape="0">
+                    <a:schemeClr val="bg2"/>
+                  </a:outerShdw>
+                </a:effectLst>
+              </a14:hiddenEffects>
+            </a:ext>
+          </a:extLst>
+        </p:spPr>
+        <p:txBody>
+          <a:bodyPr vert="horz" wrap="none" lIns="91440" tIns="45720" rIns="91440" bIns="45720" numCol="1" anchor="ctr" anchorCtr="0" compatLnSpc="1">
+            <a:prstTxWarp prst="textNoShape">
+              <a:avLst/>
+            </a:prstTxWarp>
+            <a:spAutoFit/>
+          </a:bodyPr>
+          <a:lstStyle/>
+          <a:p>
+            <a:endParaRPr lang="ko-KR" altLang="en-US"/>
+          </a:p>
+        </p:txBody>
+      </p:sp>
+      <p:pic>
+        <p:nvPicPr>
+          <p:cNvPr id="2053" name="_x313075808" descr="EMB00001e886b5c"/>
+          <p:cNvPicPr>
+            <a:picLocks noChangeAspect="1" noChangeArrowheads="1"/>
+          </p:cNvPicPr>
+          <p:nvPr/>
+        </p:nvPicPr>
+        <p:blipFill>
+          <a:blip r:embed="rId7">
+            <a:extLst>
+              <a:ext uri="{28A0092B-C50C-407E-A947-70E740481C1C}">
+                <a14:useLocalDpi xmlns:a14="http://schemas.microsoft.com/office/drawing/2010/main" val="0"/>
+              </a:ext>
+            </a:extLst>
+          </a:blip>
+          <a:srcRect/>
+          <a:stretch>
+            <a:fillRect/>
+          </a:stretch>
+        </p:blipFill>
+        <p:spPr bwMode="auto">
+          <a:xfrm>
+            <a:off x="5388019" y="3770703"/>
+            <a:ext cx="2400194" cy="2493963"/>
+          </a:xfrm>
+          <a:prstGeom prst="rect">
+            <a:avLst/>
+          </a:prstGeom>
+          <a:noFill/>
+          <a:extLst>
+            <a:ext uri="{909E8E84-426E-40DD-AFC4-6F175D3DCCD1}">
+              <a14:hiddenFill xmlns:a14="http://schemas.microsoft.com/office/drawing/2010/main">
+                <a:solidFill>
+                  <a:srgbClr val="FFFFFF"/>
+                </a:solidFill>
+              </a14:hiddenFill>
+            </a:ext>
+          </a:extLst>
+        </p:spPr>
+      </p:pic>
     </p:spTree>
     <p:extLst>
       <p:ext uri="{BB962C8B-B14F-4D97-AF65-F5344CB8AC3E}">
-        <p14:creationId xmlns:p14="http://schemas.microsoft.com/office/powerpoint/2010/main" val="680167562"/>
+        <p14:creationId xmlns:p14="http://schemas.microsoft.com/office/powerpoint/2010/main" val="2914251895"/>
       </p:ext>
     </p:extLst>
   </p:cSld>
@@ -24282,6 +24316,70 @@
               </a:rPr>
               <a:t>갖음</a:t>
             </a:r>
+            <a:r>
+              <a:rPr lang="en-US" altLang="ko-KR" sz="1400" dirty="0" smtClean="0">
+                <a:ln w="0"/>
+                <a:solidFill>
+                  <a:schemeClr val="bg1"/>
+                </a:solidFill>
+                <a:effectLst>
+                  <a:outerShdw blurRad="38100" dist="25400" dir="5400000" algn="ctr" rotWithShape="0">
+                    <a:srgbClr val="6E747A">
+                      <a:alpha val="43000"/>
+                    </a:srgbClr>
+                  </a:outerShdw>
+                </a:effectLst>
+              </a:rPr>
+              <a:t>(</a:t>
+            </a:r>
+            <a:r>
+              <a:rPr lang="ko-KR" altLang="en-US" sz="1400" dirty="0" err="1" smtClean="0">
+                <a:ln w="0"/>
+                <a:solidFill>
+                  <a:schemeClr val="bg1"/>
+                </a:solidFill>
+                <a:effectLst>
+                  <a:outerShdw blurRad="38100" dist="25400" dir="5400000" algn="ctr" rotWithShape="0">
+                    <a:srgbClr val="6E747A">
+                      <a:alpha val="43000"/>
+                    </a:srgbClr>
+                  </a:outerShdw>
+                </a:effectLst>
+              </a:rPr>
+              <a:t>후레쉬에</a:t>
+            </a:r>
+            <a:r>
+              <a:rPr lang="ko-KR" altLang="en-US" sz="1400" dirty="0" smtClean="0">
+                <a:ln w="0"/>
+                <a:solidFill>
+                  <a:schemeClr val="bg1"/>
+                </a:solidFill>
+                <a:effectLst>
+                  <a:outerShdw blurRad="38100" dist="25400" dir="5400000" algn="ctr" rotWithShape="0">
+                    <a:srgbClr val="6E747A">
+                      <a:alpha val="43000"/>
+                    </a:srgbClr>
+                  </a:outerShdw>
+                </a:effectLst>
+              </a:rPr>
+              <a:t> 의존</a:t>
+            </a:r>
+            <a:r>
+              <a:rPr lang="en-US" altLang="ko-KR" sz="1400" dirty="0" smtClean="0">
+                <a:ln w="0"/>
+                <a:solidFill>
+                  <a:schemeClr val="bg1"/>
+                </a:solidFill>
+                <a:effectLst>
+                  <a:outerShdw blurRad="38100" dist="25400" dir="5400000" algn="ctr" rotWithShape="0">
+                    <a:srgbClr val="6E747A">
+                      <a:alpha val="43000"/>
+                    </a:srgbClr>
+                  </a:outerShdw>
+                </a:effectLst>
+              </a:rPr>
+              <a:t>)</a:t>
+            </a:r>
             <a:endParaRPr lang="ko-KR" altLang="en-US" sz="1400" dirty="0">
               <a:ln w="0"/>
               <a:solidFill>
@@ -24728,7 +24826,39 @@
                   </a:outerShdw>
                 </a:effectLst>
               </a:rPr>
-              <a:t>지나면 플레이어의 상태가 걷기</a:t>
+              <a:t>지나면 </a:t>
+            </a:r>
+            <a:r>
+              <a:rPr lang="ko-KR" altLang="en-US" sz="1400" dirty="0" smtClean="0">
+                <a:ln w="0"/>
+                <a:solidFill>
+                  <a:schemeClr val="bg1"/>
+                </a:solidFill>
+                <a:effectLst>
+                  <a:outerShdw blurRad="38100" dist="25400" dir="5400000" algn="ctr" rotWithShape="0">
+                    <a:srgbClr val="6E747A">
+                      <a:alpha val="43000"/>
+                    </a:srgbClr>
+                  </a:outerShdw>
+                </a:effectLst>
+              </a:rPr>
+              <a:t>플레이어의 상태가 </a:t>
+            </a:r>
+            <a:r>
+              <a:rPr lang="ko-KR" altLang="en-US" sz="1400" dirty="0" smtClean="0">
+                <a:ln w="0"/>
+                <a:solidFill>
+                  <a:schemeClr val="bg1"/>
+                </a:solidFill>
+                <a:effectLst>
+                  <a:outerShdw blurRad="38100" dist="25400" dir="5400000" algn="ctr" rotWithShape="0">
+                    <a:srgbClr val="6E747A">
+                      <a:alpha val="43000"/>
+                    </a:srgbClr>
+                  </a:outerShdw>
+                </a:effectLst>
+              </a:rPr>
+              <a:t>걷기</a:t>
             </a:r>
             <a:r>
               <a:rPr lang="en-US" altLang="ko-KR" sz="1400" dirty="0" smtClean="0">

--- a/졸업작품 제안서(박요한,민두홍,정재훈).pptx
+++ b/졸업작품 제안서(박요한,민두홍,정재훈).pptx
@@ -11,16 +11,17 @@
     <p:sldId id="258" r:id="rId5"/>
     <p:sldId id="271" r:id="rId6"/>
     <p:sldId id="275" r:id="rId7"/>
-    <p:sldId id="274" r:id="rId8"/>
-    <p:sldId id="273" r:id="rId9"/>
-    <p:sldId id="259" r:id="rId10"/>
-    <p:sldId id="266" r:id="rId11"/>
-    <p:sldId id="267" r:id="rId12"/>
-    <p:sldId id="268" r:id="rId13"/>
-    <p:sldId id="269" r:id="rId14"/>
-    <p:sldId id="270" r:id="rId15"/>
-    <p:sldId id="277" r:id="rId16"/>
-    <p:sldId id="278" r:id="rId17"/>
+    <p:sldId id="272" r:id="rId8"/>
+    <p:sldId id="274" r:id="rId9"/>
+    <p:sldId id="273" r:id="rId10"/>
+    <p:sldId id="259" r:id="rId11"/>
+    <p:sldId id="266" r:id="rId12"/>
+    <p:sldId id="267" r:id="rId13"/>
+    <p:sldId id="268" r:id="rId14"/>
+    <p:sldId id="269" r:id="rId15"/>
+    <p:sldId id="270" r:id="rId16"/>
+    <p:sldId id="277" r:id="rId17"/>
+    <p:sldId id="278" r:id="rId18"/>
   </p:sldIdLst>
   <p:sldSz cx="9144000" cy="6858000" type="screen4x3"/>
   <p:notesSz cx="6858000" cy="9144000"/>
@@ -3769,7 +3770,7 @@
                   </a:glow>
                 </a:effectLst>
               </a:rPr>
-              <a:t>개발환경</a:t>
+              <a:t>게임방법</a:t>
             </a:r>
             <a:endParaRPr lang="ko-KR" altLang="en-US" dirty="0">
               <a:solidFill>
@@ -3885,7 +3886,7 @@
                 <a:latin typeface="-윤고딕340" pitchFamily="18" charset="-127"/>
                 <a:ea typeface="-윤고딕340" pitchFamily="18" charset="-127"/>
               </a:rPr>
-              <a:t>4</a:t>
+              <a:t>3</a:t>
             </a:r>
             <a:endParaRPr lang="ko-KR" altLang="en-US" sz="3200" dirty="0">
               <a:solidFill>
@@ -3894,6 +3895,112 @@
               <a:latin typeface="-윤고딕340" pitchFamily="18" charset="-127"/>
               <a:ea typeface="-윤고딕340" pitchFamily="18" charset="-127"/>
             </a:endParaRPr>
+          </a:p>
+        </p:txBody>
+      </p:sp>
+      <p:pic>
+        <p:nvPicPr>
+          <p:cNvPr id="2" name="그림 1" descr="캐나다에서 사용되는 QWERTY 키보드"/>
+          <p:cNvPicPr>
+            <a:picLocks noChangeAspect="1"/>
+          </p:cNvPicPr>
+          <p:nvPr/>
+        </p:nvPicPr>
+        <p:blipFill>
+          <a:blip r:embed="rId2">
+            <a:extLst>
+              <a:ext uri="{28A0092B-C50C-407E-A947-70E740481C1C}">
+                <a14:useLocalDpi xmlns:a14="http://schemas.microsoft.com/office/drawing/2010/main" val="0"/>
+              </a:ext>
+            </a:extLst>
+          </a:blip>
+          <a:stretch>
+            <a:fillRect/>
+          </a:stretch>
+        </p:blipFill>
+        <p:spPr>
+          <a:xfrm>
+            <a:off x="2051720" y="1196751"/>
+            <a:ext cx="4320480" cy="1381834"/>
+          </a:xfrm>
+          <a:prstGeom prst="rect">
+            <a:avLst/>
+          </a:prstGeom>
+        </p:spPr>
+      </p:pic>
+      <p:pic>
+        <p:nvPicPr>
+          <p:cNvPr id="3" name="그림 2" descr="MSI, DS300 게이밍 마우스 공개 :: 보드나라"/>
+          <p:cNvPicPr>
+            <a:picLocks noChangeAspect="1"/>
+          </p:cNvPicPr>
+          <p:nvPr/>
+        </p:nvPicPr>
+        <p:blipFill>
+          <a:blip r:embed="rId3" cstate="print">
+            <a:extLst>
+              <a:ext uri="{28A0092B-C50C-407E-A947-70E740481C1C}">
+                <a14:useLocalDpi xmlns:a14="http://schemas.microsoft.com/office/drawing/2010/main" val="0"/>
+              </a:ext>
+            </a:extLst>
+          </a:blip>
+          <a:stretch>
+            <a:fillRect/>
+          </a:stretch>
+        </p:blipFill>
+        <p:spPr>
+          <a:xfrm>
+            <a:off x="6601799" y="1075878"/>
+            <a:ext cx="1770682" cy="1410643"/>
+          </a:xfrm>
+          <a:prstGeom prst="rect">
+            <a:avLst/>
+          </a:prstGeom>
+        </p:spPr>
+      </p:pic>
+      <p:sp>
+        <p:nvSpPr>
+          <p:cNvPr id="4" name="직사각형 3"/>
+          <p:cNvSpPr/>
+          <p:nvPr/>
+        </p:nvSpPr>
+        <p:spPr>
+          <a:xfrm>
+            <a:off x="2773543" y="1493168"/>
+            <a:ext cx="288032" cy="288032"/>
+          </a:xfrm>
+          <a:prstGeom prst="rect">
+            <a:avLst/>
+          </a:prstGeom>
+          <a:noFill/>
+          <a:ln>
+            <a:solidFill>
+              <a:srgbClr val="FF0000"/>
+            </a:solidFill>
+          </a:ln>
+        </p:spPr>
+        <p:style>
+          <a:lnRef idx="2">
+            <a:schemeClr val="accent1">
+              <a:shade val="50000"/>
+            </a:schemeClr>
+          </a:lnRef>
+          <a:fillRef idx="1">
+            <a:schemeClr val="accent1"/>
+          </a:fillRef>
+          <a:effectRef idx="0">
+            <a:schemeClr val="accent1"/>
+          </a:effectRef>
+          <a:fontRef idx="minor">
+            <a:schemeClr val="lt1"/>
+          </a:fontRef>
+        </p:style>
+        <p:txBody>
+          <a:bodyPr rtlCol="0" anchor="ctr"/>
+          <a:lstStyle/>
+          <a:p>
+            <a:pPr algn="ctr"/>
+            <a:endParaRPr lang="ko-KR" altLang="en-US"/>
           </a:p>
         </p:txBody>
       </p:sp>
@@ -3905,8 +4012,686 @@
         </p:nvSpPr>
         <p:spPr>
           <a:xfrm>
-            <a:off x="626317" y="2204864"/>
-            <a:ext cx="7686600" cy="1477328"/>
+            <a:off x="2578447" y="1743652"/>
+            <a:ext cx="288032" cy="288032"/>
+          </a:xfrm>
+          <a:prstGeom prst="rect">
+            <a:avLst/>
+          </a:prstGeom>
+          <a:noFill/>
+          <a:ln>
+            <a:solidFill>
+              <a:srgbClr val="FF0000"/>
+            </a:solidFill>
+          </a:ln>
+        </p:spPr>
+        <p:style>
+          <a:lnRef idx="2">
+            <a:schemeClr val="accent1">
+              <a:shade val="50000"/>
+            </a:schemeClr>
+          </a:lnRef>
+          <a:fillRef idx="1">
+            <a:schemeClr val="accent1"/>
+          </a:fillRef>
+          <a:effectRef idx="0">
+            <a:schemeClr val="accent1"/>
+          </a:effectRef>
+          <a:fontRef idx="minor">
+            <a:schemeClr val="lt1"/>
+          </a:fontRef>
+        </p:style>
+        <p:txBody>
+          <a:bodyPr rtlCol="0" anchor="ctr"/>
+          <a:lstStyle/>
+          <a:p>
+            <a:pPr algn="ctr"/>
+            <a:endParaRPr lang="ko-KR" altLang="en-US"/>
+          </a:p>
+        </p:txBody>
+      </p:sp>
+      <p:sp>
+        <p:nvSpPr>
+          <p:cNvPr id="14" name="직사각형 13"/>
+          <p:cNvSpPr/>
+          <p:nvPr/>
+        </p:nvSpPr>
+        <p:spPr>
+          <a:xfrm>
+            <a:off x="2854800" y="1743652"/>
+            <a:ext cx="288032" cy="288032"/>
+          </a:xfrm>
+          <a:prstGeom prst="rect">
+            <a:avLst/>
+          </a:prstGeom>
+          <a:noFill/>
+          <a:ln>
+            <a:solidFill>
+              <a:srgbClr val="FF0000"/>
+            </a:solidFill>
+          </a:ln>
+        </p:spPr>
+        <p:style>
+          <a:lnRef idx="2">
+            <a:schemeClr val="accent1">
+              <a:shade val="50000"/>
+            </a:schemeClr>
+          </a:lnRef>
+          <a:fillRef idx="1">
+            <a:schemeClr val="accent1"/>
+          </a:fillRef>
+          <a:effectRef idx="0">
+            <a:schemeClr val="accent1"/>
+          </a:effectRef>
+          <a:fontRef idx="minor">
+            <a:schemeClr val="lt1"/>
+          </a:fontRef>
+        </p:style>
+        <p:txBody>
+          <a:bodyPr rtlCol="0" anchor="ctr"/>
+          <a:lstStyle/>
+          <a:p>
+            <a:pPr algn="ctr"/>
+            <a:endParaRPr lang="ko-KR" altLang="en-US"/>
+          </a:p>
+        </p:txBody>
+      </p:sp>
+      <p:sp>
+        <p:nvSpPr>
+          <p:cNvPr id="15" name="직사각형 14"/>
+          <p:cNvSpPr/>
+          <p:nvPr/>
+        </p:nvSpPr>
+        <p:spPr>
+          <a:xfrm>
+            <a:off x="3096078" y="1743652"/>
+            <a:ext cx="288032" cy="288032"/>
+          </a:xfrm>
+          <a:prstGeom prst="rect">
+            <a:avLst/>
+          </a:prstGeom>
+          <a:noFill/>
+          <a:ln>
+            <a:solidFill>
+              <a:srgbClr val="FF0000"/>
+            </a:solidFill>
+          </a:ln>
+        </p:spPr>
+        <p:style>
+          <a:lnRef idx="2">
+            <a:schemeClr val="accent1">
+              <a:shade val="50000"/>
+            </a:schemeClr>
+          </a:lnRef>
+          <a:fillRef idx="1">
+            <a:schemeClr val="accent1"/>
+          </a:fillRef>
+          <a:effectRef idx="0">
+            <a:schemeClr val="accent1"/>
+          </a:effectRef>
+          <a:fontRef idx="minor">
+            <a:schemeClr val="lt1"/>
+          </a:fontRef>
+        </p:style>
+        <p:txBody>
+          <a:bodyPr rtlCol="0" anchor="ctr"/>
+          <a:lstStyle/>
+          <a:p>
+            <a:pPr algn="ctr"/>
+            <a:endParaRPr lang="ko-KR" altLang="en-US"/>
+          </a:p>
+        </p:txBody>
+      </p:sp>
+      <p:sp>
+        <p:nvSpPr>
+          <p:cNvPr id="16" name="직사각형 15"/>
+          <p:cNvSpPr/>
+          <p:nvPr/>
+        </p:nvSpPr>
+        <p:spPr>
+          <a:xfrm>
+            <a:off x="2062712" y="1493168"/>
+            <a:ext cx="434478" cy="250484"/>
+          </a:xfrm>
+          <a:prstGeom prst="rect">
+            <a:avLst/>
+          </a:prstGeom>
+          <a:noFill/>
+          <a:ln>
+            <a:solidFill>
+              <a:srgbClr val="FF0000"/>
+            </a:solidFill>
+          </a:ln>
+        </p:spPr>
+        <p:style>
+          <a:lnRef idx="2">
+            <a:schemeClr val="accent1">
+              <a:shade val="50000"/>
+            </a:schemeClr>
+          </a:lnRef>
+          <a:fillRef idx="1">
+            <a:schemeClr val="accent1"/>
+          </a:fillRef>
+          <a:effectRef idx="0">
+            <a:schemeClr val="accent1"/>
+          </a:effectRef>
+          <a:fontRef idx="minor">
+            <a:schemeClr val="lt1"/>
+          </a:fontRef>
+        </p:style>
+        <p:txBody>
+          <a:bodyPr rtlCol="0" anchor="ctr"/>
+          <a:lstStyle/>
+          <a:p>
+            <a:pPr algn="ctr"/>
+            <a:endParaRPr lang="ko-KR" altLang="en-US"/>
+          </a:p>
+        </p:txBody>
+      </p:sp>
+      <p:sp>
+        <p:nvSpPr>
+          <p:cNvPr id="17" name="직사각형 16"/>
+          <p:cNvSpPr/>
+          <p:nvPr/>
+        </p:nvSpPr>
+        <p:spPr>
+          <a:xfrm>
+            <a:off x="3166870" y="2328101"/>
+            <a:ext cx="1765169" cy="250484"/>
+          </a:xfrm>
+          <a:prstGeom prst="rect">
+            <a:avLst/>
+          </a:prstGeom>
+          <a:noFill/>
+          <a:ln>
+            <a:solidFill>
+              <a:srgbClr val="FF0000"/>
+            </a:solidFill>
+          </a:ln>
+        </p:spPr>
+        <p:style>
+          <a:lnRef idx="2">
+            <a:schemeClr val="accent1">
+              <a:shade val="50000"/>
+            </a:schemeClr>
+          </a:lnRef>
+          <a:fillRef idx="1">
+            <a:schemeClr val="accent1"/>
+          </a:fillRef>
+          <a:effectRef idx="0">
+            <a:schemeClr val="accent1"/>
+          </a:effectRef>
+          <a:fontRef idx="minor">
+            <a:schemeClr val="lt1"/>
+          </a:fontRef>
+        </p:style>
+        <p:txBody>
+          <a:bodyPr rtlCol="0" anchor="ctr"/>
+          <a:lstStyle/>
+          <a:p>
+            <a:pPr algn="ctr"/>
+            <a:endParaRPr lang="ko-KR" altLang="en-US"/>
+          </a:p>
+        </p:txBody>
+      </p:sp>
+      <p:sp>
+        <p:nvSpPr>
+          <p:cNvPr id="19" name="직사각형 18"/>
+          <p:cNvSpPr/>
+          <p:nvPr/>
+        </p:nvSpPr>
+        <p:spPr>
+          <a:xfrm>
+            <a:off x="7164287" y="1196751"/>
+            <a:ext cx="309277" cy="584449"/>
+          </a:xfrm>
+          <a:prstGeom prst="rect">
+            <a:avLst/>
+          </a:prstGeom>
+          <a:noFill/>
+          <a:ln>
+            <a:solidFill>
+              <a:srgbClr val="FF0000"/>
+            </a:solidFill>
+          </a:ln>
+        </p:spPr>
+        <p:style>
+          <a:lnRef idx="2">
+            <a:schemeClr val="accent1">
+              <a:shade val="50000"/>
+            </a:schemeClr>
+          </a:lnRef>
+          <a:fillRef idx="1">
+            <a:schemeClr val="accent1"/>
+          </a:fillRef>
+          <a:effectRef idx="0">
+            <a:schemeClr val="accent1"/>
+          </a:effectRef>
+          <a:fontRef idx="minor">
+            <a:schemeClr val="lt1"/>
+          </a:fontRef>
+        </p:style>
+        <p:txBody>
+          <a:bodyPr rtlCol="0" anchor="ctr"/>
+          <a:lstStyle/>
+          <a:p>
+            <a:pPr algn="ctr"/>
+            <a:endParaRPr lang="ko-KR" altLang="en-US"/>
+          </a:p>
+        </p:txBody>
+      </p:sp>
+      <p:cxnSp>
+        <p:nvCxnSpPr>
+          <p:cNvPr id="6" name="직선 화살표 연결선 5"/>
+          <p:cNvCxnSpPr>
+            <a:stCxn id="16" idx="1"/>
+          </p:cNvCxnSpPr>
+          <p:nvPr/>
+        </p:nvCxnSpPr>
+        <p:spPr>
+          <a:xfrm flipH="1">
+            <a:off x="1043608" y="1618410"/>
+            <a:ext cx="1019104" cy="413274"/>
+          </a:xfrm>
+          <a:prstGeom prst="straightConnector1">
+            <a:avLst/>
+          </a:prstGeom>
+          <a:ln>
+            <a:solidFill>
+              <a:srgbClr val="FF0000"/>
+            </a:solidFill>
+            <a:tailEnd type="triangle"/>
+          </a:ln>
+        </p:spPr>
+        <p:style>
+          <a:lnRef idx="3">
+            <a:schemeClr val="accent2"/>
+          </a:lnRef>
+          <a:fillRef idx="0">
+            <a:schemeClr val="accent2"/>
+          </a:fillRef>
+          <a:effectRef idx="2">
+            <a:schemeClr val="accent2"/>
+          </a:effectRef>
+          <a:fontRef idx="minor">
+            <a:schemeClr val="tx1"/>
+          </a:fontRef>
+        </p:style>
+      </p:cxnSp>
+      <p:cxnSp>
+        <p:nvCxnSpPr>
+          <p:cNvPr id="20" name="직선 화살표 연결선 19"/>
+          <p:cNvCxnSpPr/>
+          <p:nvPr/>
+        </p:nvCxnSpPr>
+        <p:spPr>
+          <a:xfrm flipV="1">
+            <a:off x="2978474" y="569875"/>
+            <a:ext cx="873446" cy="997013"/>
+          </a:xfrm>
+          <a:prstGeom prst="straightConnector1">
+            <a:avLst/>
+          </a:prstGeom>
+          <a:ln>
+            <a:solidFill>
+              <a:srgbClr val="FF0000"/>
+            </a:solidFill>
+            <a:tailEnd type="triangle"/>
+          </a:ln>
+        </p:spPr>
+        <p:style>
+          <a:lnRef idx="3">
+            <a:schemeClr val="accent2"/>
+          </a:lnRef>
+          <a:fillRef idx="0">
+            <a:schemeClr val="accent2"/>
+          </a:fillRef>
+          <a:effectRef idx="2">
+            <a:schemeClr val="accent2"/>
+          </a:effectRef>
+          <a:fontRef idx="minor">
+            <a:schemeClr val="tx1"/>
+          </a:fontRef>
+        </p:style>
+      </p:cxnSp>
+      <p:cxnSp>
+        <p:nvCxnSpPr>
+          <p:cNvPr id="23" name="직선 화살표 연결선 22"/>
+          <p:cNvCxnSpPr/>
+          <p:nvPr/>
+        </p:nvCxnSpPr>
+        <p:spPr>
+          <a:xfrm>
+            <a:off x="3996546" y="2448938"/>
+            <a:ext cx="575454" cy="426064"/>
+          </a:xfrm>
+          <a:prstGeom prst="straightConnector1">
+            <a:avLst/>
+          </a:prstGeom>
+          <a:ln>
+            <a:solidFill>
+              <a:srgbClr val="FF0000"/>
+            </a:solidFill>
+            <a:tailEnd type="triangle"/>
+          </a:ln>
+        </p:spPr>
+        <p:style>
+          <a:lnRef idx="3">
+            <a:schemeClr val="accent2"/>
+          </a:lnRef>
+          <a:fillRef idx="0">
+            <a:schemeClr val="accent2"/>
+          </a:fillRef>
+          <a:effectRef idx="2">
+            <a:schemeClr val="accent2"/>
+          </a:effectRef>
+          <a:fontRef idx="minor">
+            <a:schemeClr val="tx1"/>
+          </a:fontRef>
+        </p:style>
+      </p:cxnSp>
+      <p:cxnSp>
+        <p:nvCxnSpPr>
+          <p:cNvPr id="26" name="직선 화살표 연결선 25"/>
+          <p:cNvCxnSpPr/>
+          <p:nvPr/>
+        </p:nvCxnSpPr>
+        <p:spPr>
+          <a:xfrm flipV="1">
+            <a:off x="7318925" y="706387"/>
+            <a:ext cx="384238" cy="505606"/>
+          </a:xfrm>
+          <a:prstGeom prst="straightConnector1">
+            <a:avLst/>
+          </a:prstGeom>
+          <a:ln>
+            <a:solidFill>
+              <a:srgbClr val="FF0000"/>
+            </a:solidFill>
+            <a:tailEnd type="triangle"/>
+          </a:ln>
+        </p:spPr>
+        <p:style>
+          <a:lnRef idx="3">
+            <a:schemeClr val="accent2"/>
+          </a:lnRef>
+          <a:fillRef idx="0">
+            <a:schemeClr val="accent2"/>
+          </a:fillRef>
+          <a:effectRef idx="2">
+            <a:schemeClr val="accent2"/>
+          </a:effectRef>
+          <a:fontRef idx="minor">
+            <a:schemeClr val="tx1"/>
+          </a:fontRef>
+        </p:style>
+      </p:cxnSp>
+      <p:sp>
+        <p:nvSpPr>
+          <p:cNvPr id="30" name="TextBox 29"/>
+          <p:cNvSpPr txBox="1"/>
+          <p:nvPr/>
+        </p:nvSpPr>
+        <p:spPr>
+          <a:xfrm>
+            <a:off x="4049454" y="188640"/>
+            <a:ext cx="1242626" cy="369332"/>
+          </a:xfrm>
+          <a:prstGeom prst="rect">
+            <a:avLst/>
+          </a:prstGeom>
+          <a:noFill/>
+        </p:spPr>
+        <p:txBody>
+          <a:bodyPr wrap="square" rtlCol="0">
+            <a:spAutoFit/>
+          </a:bodyPr>
+          <a:lstStyle/>
+          <a:p>
+            <a:r>
+              <a:rPr lang="ko-KR" altLang="en-US" dirty="0" smtClean="0">
+                <a:solidFill>
+                  <a:srgbClr val="FF0000"/>
+                </a:solidFill>
+              </a:rPr>
+              <a:t>이동</a:t>
+            </a:r>
+            <a:endParaRPr lang="ko-KR" altLang="en-US" dirty="0">
+              <a:solidFill>
+                <a:srgbClr val="FF0000"/>
+              </a:solidFill>
+            </a:endParaRPr>
+          </a:p>
+        </p:txBody>
+      </p:sp>
+      <p:sp>
+        <p:nvSpPr>
+          <p:cNvPr id="31" name="TextBox 30"/>
+          <p:cNvSpPr txBox="1"/>
+          <p:nvPr/>
+        </p:nvSpPr>
+        <p:spPr>
+          <a:xfrm>
+            <a:off x="4515899" y="2878853"/>
+            <a:ext cx="1242626" cy="369332"/>
+          </a:xfrm>
+          <a:prstGeom prst="rect">
+            <a:avLst/>
+          </a:prstGeom>
+          <a:noFill/>
+        </p:spPr>
+        <p:txBody>
+          <a:bodyPr wrap="square" rtlCol="0">
+            <a:spAutoFit/>
+          </a:bodyPr>
+          <a:lstStyle/>
+          <a:p>
+            <a:r>
+              <a:rPr lang="ko-KR" altLang="en-US" dirty="0" smtClean="0">
+                <a:solidFill>
+                  <a:srgbClr val="FF0000"/>
+                </a:solidFill>
+              </a:rPr>
+              <a:t>점프</a:t>
+            </a:r>
+            <a:endParaRPr lang="ko-KR" altLang="en-US" dirty="0">
+              <a:solidFill>
+                <a:srgbClr val="FF0000"/>
+              </a:solidFill>
+            </a:endParaRPr>
+          </a:p>
+        </p:txBody>
+      </p:sp>
+      <p:sp>
+        <p:nvSpPr>
+          <p:cNvPr id="32" name="TextBox 31"/>
+          <p:cNvSpPr txBox="1"/>
+          <p:nvPr/>
+        </p:nvSpPr>
+        <p:spPr>
+          <a:xfrm>
+            <a:off x="7527757" y="363375"/>
+            <a:ext cx="1242626" cy="369332"/>
+          </a:xfrm>
+          <a:prstGeom prst="rect">
+            <a:avLst/>
+          </a:prstGeom>
+          <a:noFill/>
+        </p:spPr>
+        <p:txBody>
+          <a:bodyPr wrap="square" rtlCol="0">
+            <a:spAutoFit/>
+          </a:bodyPr>
+          <a:lstStyle/>
+          <a:p>
+            <a:r>
+              <a:rPr lang="ko-KR" altLang="en-US" dirty="0" smtClean="0">
+                <a:solidFill>
+                  <a:srgbClr val="FF0000"/>
+                </a:solidFill>
+              </a:rPr>
+              <a:t>공격</a:t>
+            </a:r>
+            <a:endParaRPr lang="ko-KR" altLang="en-US" dirty="0">
+              <a:solidFill>
+                <a:srgbClr val="FF0000"/>
+              </a:solidFill>
+            </a:endParaRPr>
+          </a:p>
+        </p:txBody>
+      </p:sp>
+      <p:cxnSp>
+        <p:nvCxnSpPr>
+          <p:cNvPr id="33" name="직선 화살표 연결선 32"/>
+          <p:cNvCxnSpPr/>
+          <p:nvPr/>
+        </p:nvCxnSpPr>
+        <p:spPr>
+          <a:xfrm>
+            <a:off x="7761519" y="1698038"/>
+            <a:ext cx="677745" cy="667291"/>
+          </a:xfrm>
+          <a:prstGeom prst="straightConnector1">
+            <a:avLst/>
+          </a:prstGeom>
+          <a:ln>
+            <a:solidFill>
+              <a:srgbClr val="FF0000"/>
+            </a:solidFill>
+            <a:tailEnd type="triangle"/>
+          </a:ln>
+        </p:spPr>
+        <p:style>
+          <a:lnRef idx="3">
+            <a:schemeClr val="accent2"/>
+          </a:lnRef>
+          <a:fillRef idx="0">
+            <a:schemeClr val="accent2"/>
+          </a:fillRef>
+          <a:effectRef idx="2">
+            <a:schemeClr val="accent2"/>
+          </a:effectRef>
+          <a:fontRef idx="minor">
+            <a:schemeClr val="tx1"/>
+          </a:fontRef>
+        </p:style>
+      </p:cxnSp>
+      <p:sp>
+        <p:nvSpPr>
+          <p:cNvPr id="35" name="TextBox 34"/>
+          <p:cNvSpPr txBox="1"/>
+          <p:nvPr/>
+        </p:nvSpPr>
+        <p:spPr>
+          <a:xfrm>
+            <a:off x="7980767" y="2366348"/>
+            <a:ext cx="1242626" cy="646331"/>
+          </a:xfrm>
+          <a:prstGeom prst="rect">
+            <a:avLst/>
+          </a:prstGeom>
+          <a:noFill/>
+        </p:spPr>
+        <p:txBody>
+          <a:bodyPr wrap="square" rtlCol="0">
+            <a:spAutoFit/>
+          </a:bodyPr>
+          <a:lstStyle/>
+          <a:p>
+            <a:r>
+              <a:rPr lang="ko-KR" altLang="en-US" dirty="0" smtClean="0">
+                <a:solidFill>
+                  <a:srgbClr val="FF0000"/>
+                </a:solidFill>
+              </a:rPr>
+              <a:t>카메라</a:t>
+            </a:r>
+            <a:endParaRPr lang="en-US" altLang="ko-KR" dirty="0" smtClean="0">
+              <a:solidFill>
+                <a:srgbClr val="FF0000"/>
+              </a:solidFill>
+            </a:endParaRPr>
+          </a:p>
+          <a:p>
+            <a:r>
+              <a:rPr lang="ko-KR" altLang="en-US" dirty="0" smtClean="0">
+                <a:solidFill>
+                  <a:srgbClr val="FF0000"/>
+                </a:solidFill>
+              </a:rPr>
+              <a:t>회전</a:t>
+            </a:r>
+            <a:endParaRPr lang="ko-KR" altLang="en-US" dirty="0">
+              <a:solidFill>
+                <a:srgbClr val="FF0000"/>
+              </a:solidFill>
+            </a:endParaRPr>
+          </a:p>
+        </p:txBody>
+      </p:sp>
+      <p:sp>
+        <p:nvSpPr>
+          <p:cNvPr id="36" name="TextBox 35"/>
+          <p:cNvSpPr txBox="1"/>
+          <p:nvPr/>
+        </p:nvSpPr>
+        <p:spPr>
+          <a:xfrm>
+            <a:off x="147153" y="1792060"/>
+            <a:ext cx="1242626" cy="646331"/>
+          </a:xfrm>
+          <a:prstGeom prst="rect">
+            <a:avLst/>
+          </a:prstGeom>
+          <a:noFill/>
+        </p:spPr>
+        <p:txBody>
+          <a:bodyPr wrap="square" rtlCol="0">
+            <a:spAutoFit/>
+          </a:bodyPr>
+          <a:lstStyle/>
+          <a:p>
+            <a:r>
+              <a:rPr lang="ko-KR" altLang="en-US" dirty="0" smtClean="0">
+                <a:solidFill>
+                  <a:srgbClr val="FF0000"/>
+                </a:solidFill>
+              </a:rPr>
+              <a:t>게임</a:t>
+            </a:r>
+            <a:endParaRPr lang="en-US" altLang="ko-KR" dirty="0" smtClean="0">
+              <a:solidFill>
+                <a:srgbClr val="FF0000"/>
+              </a:solidFill>
+            </a:endParaRPr>
+          </a:p>
+          <a:p>
+            <a:r>
+              <a:rPr lang="ko-KR" altLang="en-US" dirty="0" smtClean="0">
+                <a:solidFill>
+                  <a:srgbClr val="FF0000"/>
+                </a:solidFill>
+              </a:rPr>
+              <a:t>상태</a:t>
+            </a:r>
+            <a:endParaRPr lang="ko-KR" altLang="en-US" dirty="0">
+              <a:solidFill>
+                <a:srgbClr val="FF0000"/>
+              </a:solidFill>
+            </a:endParaRPr>
+          </a:p>
+        </p:txBody>
+      </p:sp>
+      <p:sp>
+        <p:nvSpPr>
+          <p:cNvPr id="37" name="직사각형 36"/>
+          <p:cNvSpPr/>
+          <p:nvPr/>
+        </p:nvSpPr>
+        <p:spPr>
+          <a:xfrm>
+            <a:off x="827467" y="3845321"/>
+            <a:ext cx="7686600" cy="1815882"/>
           </a:xfrm>
           <a:prstGeom prst="rect">
             <a:avLst/>
@@ -3958,201 +4743,781 @@
           </a:bodyPr>
           <a:lstStyle/>
           <a:p>
-            <a:pPr algn="ctr"/>
-            <a:r>
-              <a:rPr lang="en-US" altLang="ko-KR" b="1" dirty="0" smtClean="0">
-                <a:ln w="6600">
-                  <a:solidFill>
-                    <a:schemeClr val="accent2"/>
-                  </a:solidFill>
-                  <a:prstDash val="solid"/>
-                </a:ln>
-                <a:solidFill>
-                  <a:srgbClr val="FFFFFF"/>
+            <a:pPr fontAlgn="base"/>
+            <a:r>
+              <a:rPr lang="en-US" altLang="ko-KR" sz="1400" dirty="0" smtClean="0">
+                <a:ln w="0"/>
+                <a:solidFill>
+                  <a:schemeClr val="bg1"/>
                 </a:solidFill>
                 <a:effectLst>
-                  <a:glow rad="228600">
-                    <a:schemeClr val="accent4">
-                      <a:satMod val="175000"/>
-                      <a:alpha val="40000"/>
-                    </a:schemeClr>
-                  </a:glow>
-                  <a:outerShdw dist="38100" dir="2700000" algn="tl" rotWithShape="0">
-                    <a:schemeClr val="accent2"/>
+                  <a:outerShdw blurRad="38100" dist="25400" dir="5400000" algn="ctr" rotWithShape="0">
+                    <a:srgbClr val="6E747A">
+                      <a:alpha val="43000"/>
+                    </a:srgbClr>
                   </a:outerShdw>
                 </a:effectLst>
               </a:rPr>
-              <a:t>Visual </a:t>
-            </a:r>
-            <a:r>
-              <a:rPr lang="en-US" altLang="ko-KR" b="1" dirty="0">
-                <a:ln w="6600">
-                  <a:solidFill>
-                    <a:schemeClr val="accent2"/>
-                  </a:solidFill>
-                  <a:prstDash val="solid"/>
-                </a:ln>
-                <a:solidFill>
-                  <a:srgbClr val="FFFFFF"/>
+              <a:t>Ⅰ. </a:t>
+            </a:r>
+            <a:r>
+              <a:rPr lang="ko-KR" altLang="en-US" sz="1400" dirty="0" smtClean="0">
+                <a:ln w="0"/>
+                <a:solidFill>
+                  <a:schemeClr val="bg1"/>
                 </a:solidFill>
                 <a:effectLst>
-                  <a:glow rad="228600">
-                    <a:schemeClr val="accent4">
-                      <a:satMod val="175000"/>
-                      <a:alpha val="40000"/>
-                    </a:schemeClr>
-                  </a:glow>
-                  <a:outerShdw dist="38100" dir="2700000" algn="tl" rotWithShape="0">
-                    <a:schemeClr val="accent2"/>
+                  <a:outerShdw blurRad="38100" dist="25400" dir="5400000" algn="ctr" rotWithShape="0">
+                    <a:srgbClr val="6E747A">
+                      <a:alpha val="43000"/>
+                    </a:srgbClr>
                   </a:outerShdw>
                 </a:effectLst>
               </a:rPr>
-              <a:t>Studio 2015</a:t>
-            </a:r>
-          </a:p>
-          <a:p>
-            <a:pPr algn="ctr"/>
-            <a:r>
-              <a:rPr lang="en-US" altLang="ko-KR" b="1" dirty="0" err="1">
-                <a:ln w="6600">
-                  <a:solidFill>
-                    <a:schemeClr val="accent2"/>
-                  </a:solidFill>
-                  <a:prstDash val="solid"/>
-                </a:ln>
-                <a:solidFill>
-                  <a:srgbClr val="FFFFFF"/>
+              <a:t>상대 </a:t>
+            </a:r>
+            <a:r>
+              <a:rPr lang="ko-KR" altLang="en-US" sz="1400" dirty="0">
+                <a:ln w="0"/>
+                <a:solidFill>
+                  <a:schemeClr val="bg1"/>
                 </a:solidFill>
                 <a:effectLst>
-                  <a:glow rad="228600">
-                    <a:schemeClr val="accent4">
-                      <a:satMod val="175000"/>
-                      <a:alpha val="40000"/>
-                    </a:schemeClr>
-                  </a:glow>
-                  <a:outerShdw dist="38100" dir="2700000" algn="tl" rotWithShape="0">
-                    <a:schemeClr val="accent2"/>
+                  <a:outerShdw blurRad="38100" dist="25400" dir="5400000" algn="ctr" rotWithShape="0">
+                    <a:srgbClr val="6E747A">
+                      <a:alpha val="43000"/>
+                    </a:srgbClr>
                   </a:outerShdw>
                 </a:effectLst>
               </a:rPr>
-              <a:t>Directx</a:t>
-            </a:r>
-            <a:r>
-              <a:rPr lang="en-US" altLang="ko-KR" b="1" dirty="0">
-                <a:ln w="6600">
-                  <a:solidFill>
-                    <a:schemeClr val="accent2"/>
-                  </a:solidFill>
-                  <a:prstDash val="solid"/>
-                </a:ln>
-                <a:solidFill>
-                  <a:srgbClr val="FFFFFF"/>
+              <a:t>플레이어를 </a:t>
+            </a:r>
+            <a:r>
+              <a:rPr lang="ko-KR" altLang="en-US" sz="1400" dirty="0" smtClean="0">
+                <a:ln w="0"/>
+                <a:solidFill>
+                  <a:schemeClr val="bg1"/>
                 </a:solidFill>
                 <a:effectLst>
-                  <a:glow rad="228600">
-                    <a:schemeClr val="accent4">
-                      <a:satMod val="175000"/>
-                      <a:alpha val="40000"/>
-                    </a:schemeClr>
-                  </a:glow>
-                  <a:outerShdw dist="38100" dir="2700000" algn="tl" rotWithShape="0">
-                    <a:schemeClr val="accent2"/>
+                  <a:outerShdw blurRad="38100" dist="25400" dir="5400000" algn="ctr" rotWithShape="0">
+                    <a:srgbClr val="6E747A">
+                      <a:alpha val="43000"/>
+                    </a:srgbClr>
                   </a:outerShdw>
                 </a:effectLst>
               </a:rPr>
-              <a:t> 11 SDK</a:t>
-            </a:r>
-          </a:p>
-          <a:p>
-            <a:pPr algn="ctr"/>
-            <a:r>
-              <a:rPr lang="en-US" altLang="ko-KR" b="1" dirty="0">
-                <a:ln w="6600">
-                  <a:solidFill>
-                    <a:schemeClr val="accent2"/>
-                  </a:solidFill>
-                  <a:prstDash val="solid"/>
-                </a:ln>
-                <a:solidFill>
-                  <a:srgbClr val="FFFFFF"/>
+              <a:t>알아차려 공격하면 즉시 승리 </a:t>
+            </a:r>
+            <a:endParaRPr lang="en-US" altLang="ko-KR" sz="1400" dirty="0" smtClean="0">
+              <a:ln w="0"/>
+              <a:solidFill>
+                <a:schemeClr val="bg1"/>
+              </a:solidFill>
+              <a:effectLst>
+                <a:outerShdw blurRad="38100" dist="25400" dir="5400000" algn="ctr" rotWithShape="0">
+                  <a:srgbClr val="6E747A">
+                    <a:alpha val="43000"/>
+                  </a:srgbClr>
+                </a:outerShdw>
+              </a:effectLst>
+            </a:endParaRPr>
+          </a:p>
+          <a:p>
+            <a:pPr fontAlgn="base"/>
+            <a:r>
+              <a:rPr lang="en-US" altLang="ko-KR" sz="1400" dirty="0">
+                <a:ln w="0"/>
+                <a:solidFill>
+                  <a:schemeClr val="bg1"/>
                 </a:solidFill>
                 <a:effectLst>
-                  <a:glow rad="228600">
-                    <a:schemeClr val="accent4">
-                      <a:satMod val="175000"/>
-                      <a:alpha val="40000"/>
-                    </a:schemeClr>
-                  </a:glow>
-                  <a:outerShdw dist="38100" dir="2700000" algn="tl" rotWithShape="0">
-                    <a:schemeClr val="accent2"/>
+                  <a:outerShdw blurRad="38100" dist="25400" dir="5400000" algn="ctr" rotWithShape="0">
+                    <a:srgbClr val="6E747A">
+                      <a:alpha val="43000"/>
+                    </a:srgbClr>
                   </a:outerShdw>
                 </a:effectLst>
               </a:rPr>
-              <a:t>Unity.</a:t>
-            </a:r>
-          </a:p>
-          <a:p>
-            <a:pPr algn="ctr"/>
-            <a:r>
-              <a:rPr lang="en-US" altLang="ko-KR" b="1" dirty="0">
-                <a:ln w="6600">
-                  <a:solidFill>
-                    <a:schemeClr val="accent2"/>
-                  </a:solidFill>
-                  <a:prstDash val="solid"/>
-                </a:ln>
-                <a:solidFill>
-                  <a:srgbClr val="FFFFFF"/>
+              <a:t> </a:t>
+            </a:r>
+            <a:r>
+              <a:rPr lang="en-US" altLang="ko-KR" sz="1400" dirty="0" smtClean="0">
+                <a:ln w="0"/>
+                <a:solidFill>
+                  <a:schemeClr val="bg1"/>
                 </a:solidFill>
                 <a:effectLst>
-                  <a:glow rad="228600">
-                    <a:schemeClr val="accent4">
-                      <a:satMod val="175000"/>
-                      <a:alpha val="40000"/>
-                    </a:schemeClr>
-                  </a:glow>
-                  <a:outerShdw dist="38100" dir="2700000" algn="tl" rotWithShape="0">
-                    <a:schemeClr val="accent2"/>
+                  <a:outerShdw blurRad="38100" dist="25400" dir="5400000" algn="ctr" rotWithShape="0">
+                    <a:srgbClr val="6E747A">
+                      <a:alpha val="43000"/>
+                    </a:srgbClr>
                   </a:outerShdw>
                 </a:effectLst>
               </a:rPr>
-              <a:t>GitHub</a:t>
-            </a:r>
-          </a:p>
-          <a:p>
-            <a:pPr algn="ctr"/>
-            <a:r>
-              <a:rPr lang="en-US" altLang="ko-KR" b="1" dirty="0">
-                <a:ln w="6600">
-                  <a:solidFill>
-                    <a:schemeClr val="accent2"/>
-                  </a:solidFill>
-                  <a:prstDash val="solid"/>
-                </a:ln>
-                <a:solidFill>
-                  <a:srgbClr val="FFFFFF"/>
+              <a:t>   </a:t>
+            </a:r>
+            <a:r>
+              <a:rPr lang="ko-KR" altLang="en-US" sz="1400" dirty="0" smtClean="0">
+                <a:ln w="0"/>
+                <a:solidFill>
+                  <a:schemeClr val="bg1"/>
                 </a:solidFill>
                 <a:effectLst>
-                  <a:glow rad="228600">
-                    <a:schemeClr val="accent4">
-                      <a:satMod val="175000"/>
-                      <a:alpha val="40000"/>
-                    </a:schemeClr>
-                  </a:glow>
-                  <a:outerShdw dist="38100" dir="2700000" algn="tl" rotWithShape="0">
-                    <a:schemeClr val="accent2"/>
+                  <a:outerShdw blurRad="38100" dist="25400" dir="5400000" algn="ctr" rotWithShape="0">
+                    <a:srgbClr val="6E747A">
+                      <a:alpha val="43000"/>
+                    </a:srgbClr>
                   </a:outerShdw>
                 </a:effectLst>
               </a:rPr>
-              <a:t>FBX SDK</a:t>
-            </a:r>
+              <a:t>제한시간 초과시 더 많은 몬스터를 처치한 플레이어가 승리</a:t>
+            </a:r>
+            <a:endParaRPr lang="ko-KR" altLang="en-US" sz="1400" dirty="0">
+              <a:ln w="0"/>
+              <a:solidFill>
+                <a:schemeClr val="bg1"/>
+              </a:solidFill>
+              <a:effectLst>
+                <a:outerShdw blurRad="38100" dist="25400" dir="5400000" algn="ctr" rotWithShape="0">
+                  <a:srgbClr val="6E747A">
+                    <a:alpha val="43000"/>
+                  </a:srgbClr>
+                </a:outerShdw>
+              </a:effectLst>
+            </a:endParaRPr>
+          </a:p>
+          <a:p>
+            <a:pPr fontAlgn="base"/>
+            <a:r>
+              <a:rPr lang="en-US" altLang="ko-KR" sz="1400" dirty="0" smtClean="0">
+                <a:ln w="0"/>
+                <a:solidFill>
+                  <a:schemeClr val="bg1"/>
+                </a:solidFill>
+                <a:effectLst>
+                  <a:outerShdw blurRad="38100" dist="25400" dir="5400000" algn="ctr" rotWithShape="0">
+                    <a:srgbClr val="6E747A">
+                      <a:alpha val="43000"/>
+                    </a:srgbClr>
+                  </a:outerShdw>
+                </a:effectLst>
+              </a:rPr>
+              <a:t>Ⅱ. </a:t>
+            </a:r>
+            <a:r>
+              <a:rPr lang="ko-KR" altLang="en-US" sz="1400" dirty="0">
+                <a:ln w="0"/>
+                <a:solidFill>
+                  <a:schemeClr val="bg1"/>
+                </a:solidFill>
+                <a:effectLst>
+                  <a:outerShdw blurRad="38100" dist="25400" dir="5400000" algn="ctr" rotWithShape="0">
+                    <a:srgbClr val="6E747A">
+                      <a:alpha val="43000"/>
+                    </a:srgbClr>
+                  </a:outerShdw>
+                </a:effectLst>
+              </a:rPr>
+              <a:t>각 플레이어들을 제한된 가시거리를 </a:t>
+            </a:r>
+            <a:r>
+              <a:rPr lang="ko-KR" altLang="en-US" sz="1400" dirty="0" smtClean="0">
+                <a:ln w="0"/>
+                <a:solidFill>
+                  <a:schemeClr val="bg1"/>
+                </a:solidFill>
+                <a:effectLst>
+                  <a:outerShdw blurRad="38100" dist="25400" dir="5400000" algn="ctr" rotWithShape="0">
+                    <a:srgbClr val="6E747A">
+                      <a:alpha val="43000"/>
+                    </a:srgbClr>
+                  </a:outerShdw>
+                </a:effectLst>
+              </a:rPr>
+              <a:t>갖음</a:t>
+            </a:r>
+            <a:endParaRPr lang="ko-KR" altLang="en-US" sz="1400" dirty="0">
+              <a:ln w="0"/>
+              <a:solidFill>
+                <a:schemeClr val="bg1"/>
+              </a:solidFill>
+              <a:effectLst>
+                <a:outerShdw blurRad="38100" dist="25400" dir="5400000" algn="ctr" rotWithShape="0">
+                  <a:srgbClr val="6E747A">
+                    <a:alpha val="43000"/>
+                  </a:srgbClr>
+                </a:outerShdw>
+              </a:effectLst>
+            </a:endParaRPr>
+          </a:p>
+          <a:p>
+            <a:pPr fontAlgn="base"/>
+            <a:r>
+              <a:rPr lang="en-US" altLang="ko-KR" sz="1400" dirty="0" smtClean="0">
+                <a:ln w="0"/>
+                <a:solidFill>
+                  <a:schemeClr val="bg1"/>
+                </a:solidFill>
+                <a:effectLst>
+                  <a:outerShdw blurRad="38100" dist="25400" dir="5400000" algn="ctr" rotWithShape="0">
+                    <a:srgbClr val="6E747A">
+                      <a:alpha val="43000"/>
+                    </a:srgbClr>
+                  </a:outerShdw>
+                </a:effectLst>
+              </a:rPr>
+              <a:t>Ⅲ. </a:t>
+            </a:r>
+            <a:r>
+              <a:rPr lang="ko-KR" altLang="en-US" sz="1400" dirty="0">
+                <a:ln w="0"/>
+                <a:solidFill>
+                  <a:schemeClr val="bg1"/>
+                </a:solidFill>
+                <a:effectLst>
+                  <a:outerShdw blurRad="38100" dist="25400" dir="5400000" algn="ctr" rotWithShape="0">
+                    <a:srgbClr val="6E747A">
+                      <a:alpha val="43000"/>
+                    </a:srgbClr>
+                  </a:outerShdw>
+                </a:effectLst>
+              </a:rPr>
+              <a:t>몬스터를 </a:t>
+            </a:r>
+            <a:r>
+              <a:rPr lang="ko-KR" altLang="en-US" sz="1400" dirty="0" smtClean="0">
+                <a:ln w="0"/>
+                <a:solidFill>
+                  <a:schemeClr val="bg1"/>
+                </a:solidFill>
+                <a:effectLst>
+                  <a:outerShdw blurRad="38100" dist="25400" dir="5400000" algn="ctr" rotWithShape="0">
+                    <a:srgbClr val="6E747A">
+                      <a:alpha val="43000"/>
+                    </a:srgbClr>
+                  </a:outerShdw>
+                </a:effectLst>
+              </a:rPr>
+              <a:t>공격한 </a:t>
+            </a:r>
+            <a:r>
+              <a:rPr lang="ko-KR" altLang="en-US" sz="1400" dirty="0">
+                <a:ln w="0"/>
+                <a:solidFill>
+                  <a:schemeClr val="bg1"/>
+                </a:solidFill>
+                <a:effectLst>
+                  <a:outerShdw blurRad="38100" dist="25400" dir="5400000" algn="ctr" rotWithShape="0">
+                    <a:srgbClr val="6E747A">
+                      <a:alpha val="43000"/>
+                    </a:srgbClr>
+                  </a:outerShdw>
+                </a:effectLst>
+              </a:rPr>
+              <a:t>플레이어의 스피드는 </a:t>
+            </a:r>
+            <a:r>
+              <a:rPr lang="en-US" altLang="ko-KR" sz="1400" dirty="0">
+                <a:ln w="0"/>
+                <a:solidFill>
+                  <a:schemeClr val="bg1"/>
+                </a:solidFill>
+                <a:effectLst>
+                  <a:outerShdw blurRad="38100" dist="25400" dir="5400000" algn="ctr" rotWithShape="0">
+                    <a:srgbClr val="6E747A">
+                      <a:alpha val="43000"/>
+                    </a:srgbClr>
+                  </a:outerShdw>
+                </a:effectLst>
+              </a:rPr>
+              <a:t>5% </a:t>
+            </a:r>
+            <a:r>
+              <a:rPr lang="ko-KR" altLang="en-US" sz="1400" dirty="0" smtClean="0">
+                <a:ln w="0"/>
+                <a:solidFill>
+                  <a:schemeClr val="bg1"/>
+                </a:solidFill>
+                <a:effectLst>
+                  <a:outerShdw blurRad="38100" dist="25400" dir="5400000" algn="ctr" rotWithShape="0">
+                    <a:srgbClr val="6E747A">
+                      <a:alpha val="43000"/>
+                    </a:srgbClr>
+                  </a:outerShdw>
+                </a:effectLst>
+              </a:rPr>
+              <a:t>감소</a:t>
+            </a:r>
+            <a:endParaRPr lang="ko-KR" altLang="en-US" sz="1400" dirty="0">
+              <a:ln w="0"/>
+              <a:solidFill>
+                <a:schemeClr val="bg1"/>
+              </a:solidFill>
+              <a:effectLst>
+                <a:outerShdw blurRad="38100" dist="25400" dir="5400000" algn="ctr" rotWithShape="0">
+                  <a:srgbClr val="6E747A">
+                    <a:alpha val="43000"/>
+                  </a:srgbClr>
+                </a:outerShdw>
+              </a:effectLst>
+            </a:endParaRPr>
+          </a:p>
+          <a:p>
+            <a:pPr fontAlgn="base"/>
+            <a:r>
+              <a:rPr lang="en-US" altLang="ko-KR" sz="1400" dirty="0" smtClean="0">
+                <a:ln w="0"/>
+                <a:solidFill>
+                  <a:schemeClr val="bg1"/>
+                </a:solidFill>
+                <a:effectLst>
+                  <a:outerShdw blurRad="38100" dist="25400" dir="5400000" algn="ctr" rotWithShape="0">
+                    <a:srgbClr val="6E747A">
+                      <a:alpha val="43000"/>
+                    </a:srgbClr>
+                  </a:outerShdw>
+                </a:effectLst>
+              </a:rPr>
+              <a:t>Ⅳ. </a:t>
+            </a:r>
+            <a:r>
+              <a:rPr lang="ko-KR" altLang="en-US" sz="1400" dirty="0" smtClean="0">
+                <a:ln w="0"/>
+                <a:solidFill>
+                  <a:schemeClr val="bg1"/>
+                </a:solidFill>
+                <a:effectLst>
+                  <a:outerShdw blurRad="38100" dist="25400" dir="5400000" algn="ctr" rotWithShape="0">
+                    <a:srgbClr val="6E747A">
+                      <a:alpha val="43000"/>
+                    </a:srgbClr>
+                  </a:outerShdw>
+                </a:effectLst>
+              </a:rPr>
+              <a:t>몬스터 처치 시 플레이어의 위치를 </a:t>
+            </a:r>
+            <a:r>
+              <a:rPr lang="en-US" altLang="ko-KR" sz="1400" dirty="0" smtClean="0">
+                <a:ln w="0"/>
+                <a:solidFill>
+                  <a:schemeClr val="bg1"/>
+                </a:solidFill>
+                <a:effectLst>
+                  <a:outerShdw blurRad="38100" dist="25400" dir="5400000" algn="ctr" rotWithShape="0">
+                    <a:srgbClr val="6E747A">
+                      <a:alpha val="43000"/>
+                    </a:srgbClr>
+                  </a:outerShdw>
+                </a:effectLst>
+              </a:rPr>
+              <a:t>1</a:t>
+            </a:r>
+            <a:r>
+              <a:rPr lang="ko-KR" altLang="en-US" sz="1400" dirty="0" smtClean="0">
+                <a:ln w="0"/>
+                <a:solidFill>
+                  <a:schemeClr val="bg1"/>
+                </a:solidFill>
+                <a:effectLst>
+                  <a:outerShdw blurRad="38100" dist="25400" dir="5400000" algn="ctr" rotWithShape="0">
+                    <a:srgbClr val="6E747A">
+                      <a:alpha val="43000"/>
+                    </a:srgbClr>
+                  </a:outerShdw>
+                </a:effectLst>
+              </a:rPr>
+              <a:t>초 동안 빛으로 밝힘</a:t>
+            </a:r>
+            <a:r>
+              <a:rPr lang="en-US" altLang="ko-KR" sz="1400" dirty="0" smtClean="0">
+                <a:ln w="0"/>
+                <a:solidFill>
+                  <a:schemeClr val="bg1"/>
+                </a:solidFill>
+                <a:effectLst>
+                  <a:outerShdw blurRad="38100" dist="25400" dir="5400000" algn="ctr" rotWithShape="0">
+                    <a:srgbClr val="6E747A">
+                      <a:alpha val="43000"/>
+                    </a:srgbClr>
+                  </a:outerShdw>
+                </a:effectLst>
+              </a:rPr>
+              <a:t> ( </a:t>
+            </a:r>
+            <a:r>
+              <a:rPr lang="ko-KR" altLang="en-US" sz="1400" dirty="0" smtClean="0">
+                <a:ln w="0"/>
+                <a:solidFill>
+                  <a:schemeClr val="bg1"/>
+                </a:solidFill>
+                <a:effectLst>
+                  <a:outerShdw blurRad="38100" dist="25400" dir="5400000" algn="ctr" rotWithShape="0">
+                    <a:srgbClr val="6E747A">
+                      <a:alpha val="43000"/>
+                    </a:srgbClr>
+                  </a:outerShdw>
+                </a:effectLst>
+              </a:rPr>
+              <a:t>지도상에서도 표시 </a:t>
+            </a:r>
+            <a:r>
+              <a:rPr lang="en-US" altLang="ko-KR" sz="1400" dirty="0" smtClean="0">
+                <a:ln w="0"/>
+                <a:solidFill>
+                  <a:schemeClr val="bg1"/>
+                </a:solidFill>
+                <a:effectLst>
+                  <a:outerShdw blurRad="38100" dist="25400" dir="5400000" algn="ctr" rotWithShape="0">
+                    <a:srgbClr val="6E747A">
+                      <a:alpha val="43000"/>
+                    </a:srgbClr>
+                  </a:outerShdw>
+                </a:effectLst>
+              </a:rPr>
+              <a:t>)</a:t>
+            </a:r>
+            <a:endParaRPr lang="ko-KR" altLang="en-US" sz="1400" dirty="0">
+              <a:ln w="0"/>
+              <a:solidFill>
+                <a:schemeClr val="bg1"/>
+              </a:solidFill>
+              <a:effectLst>
+                <a:outerShdw blurRad="38100" dist="25400" dir="5400000" algn="ctr" rotWithShape="0">
+                  <a:srgbClr val="6E747A">
+                    <a:alpha val="43000"/>
+                  </a:srgbClr>
+                </a:outerShdw>
+              </a:effectLst>
+            </a:endParaRPr>
+          </a:p>
+          <a:p>
+            <a:pPr fontAlgn="base"/>
+            <a:r>
+              <a:rPr lang="en-US" altLang="ko-KR" sz="1400" dirty="0" smtClean="0">
+                <a:ln w="0"/>
+                <a:solidFill>
+                  <a:schemeClr val="bg1"/>
+                </a:solidFill>
+                <a:effectLst>
+                  <a:outerShdw blurRad="38100" dist="25400" dir="5400000" algn="ctr" rotWithShape="0">
+                    <a:srgbClr val="6E747A">
+                      <a:alpha val="43000"/>
+                    </a:srgbClr>
+                  </a:outerShdw>
+                </a:effectLst>
+              </a:rPr>
+              <a:t>Ⅴ. </a:t>
+            </a:r>
+            <a:r>
+              <a:rPr lang="en-US" altLang="ko-KR" sz="1400" dirty="0">
+                <a:ln w="0"/>
+                <a:solidFill>
+                  <a:schemeClr val="bg1"/>
+                </a:solidFill>
+                <a:effectLst>
+                  <a:outerShdw blurRad="38100" dist="25400" dir="5400000" algn="ctr" rotWithShape="0">
+                    <a:srgbClr val="6E747A">
+                      <a:alpha val="43000"/>
+                    </a:srgbClr>
+                  </a:outerShdw>
+                </a:effectLst>
+              </a:rPr>
+              <a:t>3</a:t>
+            </a:r>
+            <a:r>
+              <a:rPr lang="ko-KR" altLang="en-US" sz="1400" dirty="0">
+                <a:ln w="0"/>
+                <a:solidFill>
+                  <a:schemeClr val="bg1"/>
+                </a:solidFill>
+                <a:effectLst>
+                  <a:outerShdw blurRad="38100" dist="25400" dir="5400000" algn="ctr" rotWithShape="0">
+                    <a:srgbClr val="6E747A">
+                      <a:alpha val="43000"/>
+                    </a:srgbClr>
+                  </a:outerShdw>
+                </a:effectLst>
+              </a:rPr>
+              <a:t>가지 모델이 각 플레이어</a:t>
+            </a:r>
+            <a:r>
+              <a:rPr lang="en-US" altLang="ko-KR" sz="1400" dirty="0">
+                <a:ln w="0"/>
+                <a:solidFill>
+                  <a:schemeClr val="bg1"/>
+                </a:solidFill>
+                <a:effectLst>
+                  <a:outerShdw blurRad="38100" dist="25400" dir="5400000" algn="ctr" rotWithShape="0">
+                    <a:srgbClr val="6E747A">
+                      <a:alpha val="43000"/>
+                    </a:srgbClr>
+                  </a:outerShdw>
+                </a:effectLst>
+              </a:rPr>
+              <a:t>, </a:t>
+            </a:r>
+            <a:r>
+              <a:rPr lang="ko-KR" altLang="en-US" sz="1400" dirty="0">
+                <a:ln w="0"/>
+                <a:solidFill>
+                  <a:schemeClr val="bg1"/>
+                </a:solidFill>
+                <a:effectLst>
+                  <a:outerShdw blurRad="38100" dist="25400" dir="5400000" algn="ctr" rotWithShape="0">
+                    <a:srgbClr val="6E747A">
+                      <a:alpha val="43000"/>
+                    </a:srgbClr>
+                  </a:outerShdw>
+                </a:effectLst>
+              </a:rPr>
+              <a:t>몬스터 상관없이 </a:t>
+            </a:r>
+            <a:r>
+              <a:rPr lang="ko-KR" altLang="en-US" sz="1400" dirty="0" err="1" smtClean="0">
+                <a:ln w="0"/>
+                <a:solidFill>
+                  <a:schemeClr val="bg1"/>
+                </a:solidFill>
+                <a:effectLst>
+                  <a:outerShdw blurRad="38100" dist="25400" dir="5400000" algn="ctr" rotWithShape="0">
+                    <a:srgbClr val="6E747A">
+                      <a:alpha val="43000"/>
+                    </a:srgbClr>
+                  </a:outerShdw>
+                </a:effectLst>
+              </a:rPr>
+              <a:t>랜덤하게</a:t>
+            </a:r>
+            <a:r>
+              <a:rPr lang="ko-KR" altLang="en-US" sz="1400" dirty="0" smtClean="0">
+                <a:ln w="0"/>
+                <a:solidFill>
+                  <a:schemeClr val="bg1"/>
+                </a:solidFill>
+                <a:effectLst>
+                  <a:outerShdw blurRad="38100" dist="25400" dir="5400000" algn="ctr" rotWithShape="0">
+                    <a:srgbClr val="6E747A">
+                      <a:alpha val="43000"/>
+                    </a:srgbClr>
+                  </a:outerShdw>
+                </a:effectLst>
+              </a:rPr>
+              <a:t> 주어짐</a:t>
+            </a:r>
+            <a:endParaRPr lang="ko-KR" altLang="en-US" sz="1400" dirty="0">
+              <a:ln w="0"/>
+              <a:solidFill>
+                <a:schemeClr val="bg1"/>
+              </a:solidFill>
+              <a:effectLst>
+                <a:outerShdw blurRad="38100" dist="25400" dir="5400000" algn="ctr" rotWithShape="0">
+                  <a:srgbClr val="6E747A">
+                    <a:alpha val="43000"/>
+                  </a:srgbClr>
+                </a:outerShdw>
+              </a:effectLst>
+            </a:endParaRPr>
+          </a:p>
+          <a:p>
+            <a:pPr fontAlgn="base"/>
+            <a:r>
+              <a:rPr lang="en-US" altLang="ko-KR" sz="1400" dirty="0" smtClean="0">
+                <a:ln w="0"/>
+                <a:solidFill>
+                  <a:schemeClr val="bg1"/>
+                </a:solidFill>
+                <a:effectLst>
+                  <a:outerShdw blurRad="38100" dist="25400" dir="5400000" algn="ctr" rotWithShape="0">
+                    <a:srgbClr val="6E747A">
+                      <a:alpha val="43000"/>
+                    </a:srgbClr>
+                  </a:outerShdw>
+                </a:effectLst>
+              </a:rPr>
+              <a:t>Ⅵ. </a:t>
+            </a:r>
+            <a:r>
+              <a:rPr lang="en-US" altLang="ko-KR" sz="1400" dirty="0">
+                <a:ln w="0"/>
+                <a:solidFill>
+                  <a:schemeClr val="bg1"/>
+                </a:solidFill>
+                <a:effectLst>
+                  <a:outerShdw blurRad="38100" dist="25400" dir="5400000" algn="ctr" rotWithShape="0">
+                    <a:srgbClr val="6E747A">
+                      <a:alpha val="43000"/>
+                    </a:srgbClr>
+                  </a:outerShdw>
+                </a:effectLst>
+              </a:rPr>
+              <a:t>4</a:t>
+            </a:r>
+            <a:r>
+              <a:rPr lang="ko-KR" altLang="en-US" sz="1400" dirty="0">
+                <a:ln w="0"/>
+                <a:solidFill>
+                  <a:schemeClr val="bg1"/>
+                </a:solidFill>
+                <a:effectLst>
+                  <a:outerShdw blurRad="38100" dist="25400" dir="5400000" algn="ctr" rotWithShape="0">
+                    <a:srgbClr val="6E747A">
+                      <a:alpha val="43000"/>
+                    </a:srgbClr>
+                  </a:outerShdw>
+                </a:effectLst>
+              </a:rPr>
+              <a:t>분이 </a:t>
+            </a:r>
+            <a:r>
+              <a:rPr lang="ko-KR" altLang="en-US" sz="1400" dirty="0" smtClean="0">
+                <a:ln w="0"/>
+                <a:solidFill>
+                  <a:schemeClr val="bg1"/>
+                </a:solidFill>
+                <a:effectLst>
+                  <a:outerShdw blurRad="38100" dist="25400" dir="5400000" algn="ctr" rotWithShape="0">
+                    <a:srgbClr val="6E747A">
+                      <a:alpha val="43000"/>
+                    </a:srgbClr>
+                  </a:outerShdw>
+                </a:effectLst>
+              </a:rPr>
+              <a:t>지나면 플레이어의 상태가 걷기</a:t>
+            </a:r>
+            <a:r>
+              <a:rPr lang="en-US" altLang="ko-KR" sz="1400" dirty="0" smtClean="0">
+                <a:ln w="0"/>
+                <a:solidFill>
+                  <a:schemeClr val="bg1"/>
+                </a:solidFill>
+                <a:effectLst>
+                  <a:outerShdw blurRad="38100" dist="25400" dir="5400000" algn="ctr" rotWithShape="0">
+                    <a:srgbClr val="6E747A">
+                      <a:alpha val="43000"/>
+                    </a:srgbClr>
+                  </a:outerShdw>
+                </a:effectLst>
+              </a:rPr>
+              <a:t>-&gt;</a:t>
+            </a:r>
+            <a:r>
+              <a:rPr lang="ko-KR" altLang="en-US" sz="1400" dirty="0" smtClean="0">
+                <a:ln w="0"/>
+                <a:solidFill>
+                  <a:schemeClr val="bg1"/>
+                </a:solidFill>
+                <a:effectLst>
+                  <a:outerShdw blurRad="38100" dist="25400" dir="5400000" algn="ctr" rotWithShape="0">
+                    <a:srgbClr val="6E747A">
+                      <a:alpha val="43000"/>
+                    </a:srgbClr>
+                  </a:outerShdw>
+                </a:effectLst>
+              </a:rPr>
+              <a:t>달리기로 전환</a:t>
+            </a:r>
+            <a:endParaRPr lang="en-US" altLang="ko-KR" sz="1400" dirty="0" smtClean="0">
+              <a:ln w="0"/>
+              <a:solidFill>
+                <a:schemeClr val="bg1"/>
+              </a:solidFill>
+              <a:effectLst>
+                <a:outerShdw blurRad="38100" dist="25400" dir="5400000" algn="ctr" rotWithShape="0">
+                  <a:srgbClr val="6E747A">
+                    <a:alpha val="43000"/>
+                  </a:srgbClr>
+                </a:outerShdw>
+              </a:effectLst>
+            </a:endParaRPr>
+          </a:p>
+          <a:p>
+            <a:pPr fontAlgn="base"/>
+            <a:r>
+              <a:rPr lang="en-US" altLang="ko-KR" sz="1400" dirty="0" smtClean="0">
+                <a:ln w="0"/>
+                <a:solidFill>
+                  <a:schemeClr val="bg1"/>
+                </a:solidFill>
+                <a:effectLst>
+                  <a:outerShdw blurRad="38100" dist="25400" dir="5400000" algn="ctr" rotWithShape="0">
+                    <a:srgbClr val="6E747A">
+                      <a:alpha val="43000"/>
+                    </a:srgbClr>
+                  </a:outerShdw>
+                </a:effectLst>
+              </a:rPr>
+              <a:t>Ⅶ. </a:t>
+            </a:r>
+            <a:r>
+              <a:rPr lang="en-US" altLang="ko-KR" sz="1400" dirty="0">
+                <a:ln w="0"/>
+                <a:solidFill>
+                  <a:schemeClr val="bg1"/>
+                </a:solidFill>
+                <a:effectLst>
+                  <a:outerShdw blurRad="38100" dist="25400" dir="5400000" algn="ctr" rotWithShape="0">
+                    <a:srgbClr val="6E747A">
+                      <a:alpha val="43000"/>
+                    </a:srgbClr>
+                  </a:outerShdw>
+                </a:effectLst>
+              </a:rPr>
+              <a:t>Tab</a:t>
+            </a:r>
+            <a:r>
+              <a:rPr lang="ko-KR" altLang="en-US" sz="1400" dirty="0">
+                <a:ln w="0"/>
+                <a:solidFill>
+                  <a:schemeClr val="bg1"/>
+                </a:solidFill>
+                <a:effectLst>
+                  <a:outerShdw blurRad="38100" dist="25400" dir="5400000" algn="ctr" rotWithShape="0">
+                    <a:srgbClr val="6E747A">
+                      <a:alpha val="43000"/>
+                    </a:srgbClr>
+                  </a:outerShdw>
+                </a:effectLst>
+              </a:rPr>
+              <a:t>을 </a:t>
+            </a:r>
+            <a:r>
+              <a:rPr lang="ko-KR" altLang="en-US" sz="1400" dirty="0" smtClean="0">
+                <a:ln w="0"/>
+                <a:solidFill>
+                  <a:schemeClr val="bg1"/>
+                </a:solidFill>
+                <a:effectLst>
+                  <a:outerShdw blurRad="38100" dist="25400" dir="5400000" algn="ctr" rotWithShape="0">
+                    <a:srgbClr val="6E747A">
+                      <a:alpha val="43000"/>
+                    </a:srgbClr>
+                  </a:outerShdw>
+                </a:effectLst>
+              </a:rPr>
+              <a:t>이용해 게임 현재 상태를 볼 수 있음</a:t>
+            </a:r>
+            <a:endParaRPr lang="en-US" altLang="ko-KR" sz="1400" kern="0" dirty="0">
+              <a:solidFill>
+                <a:schemeClr val="bg1"/>
+              </a:solidFill>
+              <a:effectLst>
+                <a:glow rad="228600">
+                  <a:schemeClr val="accent4">
+                    <a:satMod val="175000"/>
+                    <a:alpha val="40000"/>
+                  </a:schemeClr>
+                </a:glow>
+              </a:effectLst>
+              <a:latin typeface="HY헤드라인M" panose="02030600000101010101" pitchFamily="18" charset="-127"/>
+              <a:ea typeface="HY헤드라인M" panose="02030600000101010101" pitchFamily="18" charset="-127"/>
+            </a:endParaRPr>
           </a:p>
         </p:txBody>
       </p:sp>
     </p:spTree>
     <p:extLst>
       <p:ext uri="{BB962C8B-B14F-4D97-AF65-F5344CB8AC3E}">
-        <p14:creationId xmlns:p14="http://schemas.microsoft.com/office/powerpoint/2010/main" val="2477806957"/>
+        <p14:creationId xmlns:p14="http://schemas.microsoft.com/office/powerpoint/2010/main" val="2769670405"/>
       </p:ext>
     </p:extLst>
   </p:cSld>
@@ -4327,7 +5692,7 @@
         <p:spPr>
           <a:xfrm>
             <a:off x="1022303" y="569875"/>
-            <a:ext cx="1723549" cy="461665"/>
+            <a:ext cx="1415772" cy="461665"/>
           </a:xfrm>
           <a:prstGeom prst="rect">
             <a:avLst/>
@@ -4341,7 +5706,7 @@
           <a:lstStyle/>
           <a:p>
             <a:r>
-              <a:rPr lang="ko-KR" altLang="en-US" sz="2400" dirty="0" err="1" smtClean="0">
+              <a:rPr lang="ko-KR" altLang="en-US" sz="2400" dirty="0" smtClean="0">
                 <a:solidFill>
                   <a:schemeClr val="bg1"/>
                 </a:solidFill>
@@ -4354,7 +5719,7 @@
                   </a:glow>
                 </a:effectLst>
               </a:rPr>
-              <a:t>기술적요소</a:t>
+              <a:t>개발환경</a:t>
             </a:r>
             <a:endParaRPr lang="ko-KR" altLang="en-US" dirty="0">
               <a:solidFill>
@@ -4470,7 +5835,7 @@
                 <a:latin typeface="-윤고딕340" pitchFamily="18" charset="-127"/>
                 <a:ea typeface="-윤고딕340" pitchFamily="18" charset="-127"/>
               </a:rPr>
-              <a:t>5</a:t>
+              <a:t>4</a:t>
             </a:r>
             <a:endParaRPr lang="ko-KR" altLang="en-US" sz="3200" dirty="0">
               <a:solidFill>
@@ -4490,8 +5855,8 @@
         </p:nvSpPr>
         <p:spPr>
           <a:xfrm>
-            <a:off x="662805" y="1598922"/>
-            <a:ext cx="7686600" cy="1846659"/>
+            <a:off x="626317" y="2204864"/>
+            <a:ext cx="7686600" cy="1477328"/>
           </a:xfrm>
           <a:prstGeom prst="rect">
             <a:avLst/>
@@ -4545,31 +5910,6 @@
           <a:p>
             <a:pPr algn="ctr"/>
             <a:r>
-              <a:rPr lang="en-US" altLang="ko-KR" sz="2400" b="1" dirty="0" smtClean="0">
-                <a:ln w="6600">
-                  <a:solidFill>
-                    <a:schemeClr val="accent2"/>
-                  </a:solidFill>
-                  <a:prstDash val="solid"/>
-                </a:ln>
-                <a:solidFill>
-                  <a:srgbClr val="FFFFFF"/>
-                </a:solidFill>
-                <a:effectLst>
-                  <a:glow rad="228600">
-                    <a:schemeClr val="accent1">
-                      <a:satMod val="175000"/>
-                      <a:alpha val="40000"/>
-                    </a:schemeClr>
-                  </a:glow>
-                  <a:outerShdw dist="38100" dir="2700000" algn="tl" rotWithShape="0">
-                    <a:schemeClr val="accent2"/>
-                  </a:outerShdw>
-                </a:effectLst>
-              </a:rPr>
-              <a:t>Client</a:t>
-            </a:r>
-            <a:r>
               <a:rPr lang="en-US" altLang="ko-KR" b="1" dirty="0" smtClean="0">
                 <a:ln w="6600">
                   <a:solidFill>
@@ -4592,38 +5932,10 @@
                   </a:outerShdw>
                 </a:effectLst>
               </a:rPr>
-              <a:t> </a:t>
-            </a:r>
-          </a:p>
-          <a:p>
-            <a:pPr algn="ctr"/>
-            <a:endParaRPr lang="en-US" altLang="ko-KR" b="1" dirty="0">
-              <a:ln w="6600">
-                <a:solidFill>
-                  <a:schemeClr val="accent2"/>
-                </a:solidFill>
-                <a:prstDash val="solid"/>
-              </a:ln>
-              <a:solidFill>
-                <a:srgbClr val="FFFFFF"/>
-              </a:solidFill>
-              <a:effectLst>
-                <a:glow rad="228600">
-                  <a:schemeClr val="accent4">
-                    <a:satMod val="175000"/>
-                    <a:alpha val="40000"/>
-                  </a:schemeClr>
-                </a:glow>
-                <a:outerShdw dist="38100" dir="2700000" algn="tl" rotWithShape="0">
-                  <a:schemeClr val="accent2"/>
-                </a:outerShdw>
-              </a:effectLst>
-            </a:endParaRPr>
-          </a:p>
-          <a:p>
-            <a:pPr algn="ctr"/>
-            <a:r>
-              <a:rPr lang="ko-KR" altLang="en-US" b="1" dirty="0">
+              <a:t>Visual </a:t>
+            </a:r>
+            <a:r>
+              <a:rPr lang="en-US" altLang="ko-KR" b="1" dirty="0">
                 <a:ln w="6600">
                   <a:solidFill>
                     <a:schemeClr val="accent2"/>
@@ -4645,10 +5957,13 @@
                   </a:outerShdw>
                 </a:effectLst>
               </a:rPr>
-              <a:t>동적 </a:t>
-            </a:r>
-            <a:r>
-              <a:rPr lang="ko-KR" altLang="en-US" b="1" dirty="0" err="1">
+              <a:t>Studio 2015</a:t>
+            </a:r>
+          </a:p>
+          <a:p>
+            <a:pPr algn="ctr"/>
+            <a:r>
+              <a:rPr lang="en-US" altLang="ko-KR" b="1" dirty="0" err="1">
                 <a:ln w="6600">
                   <a:solidFill>
                     <a:schemeClr val="accent2"/>
@@ -4670,10 +5985,10 @@
                   </a:outerShdw>
                 </a:effectLst>
               </a:rPr>
-              <a:t>파티클</a:t>
-            </a:r>
-            <a:r>
-              <a:rPr lang="ko-KR" altLang="en-US" b="1" dirty="0">
+              <a:t>Directx</a:t>
+            </a:r>
+            <a:r>
+              <a:rPr lang="en-US" altLang="ko-KR" b="1" dirty="0">
                 <a:ln w="6600">
                   <a:solidFill>
                     <a:schemeClr val="accent2"/>
@@ -4695,8 +6010,11 @@
                   </a:outerShdw>
                 </a:effectLst>
               </a:rPr>
-              <a:t> 시스템을 통한 비</a:t>
-            </a:r>
+              <a:t> 11 SDK</a:t>
+            </a:r>
+          </a:p>
+          <a:p>
+            <a:pPr algn="ctr"/>
             <a:r>
               <a:rPr lang="en-US" altLang="ko-KR" b="1" dirty="0">
                 <a:ln w="6600">
@@ -4720,10 +6038,13 @@
                   </a:outerShdw>
                 </a:effectLst>
               </a:rPr>
-              <a:t>(rain),</a:t>
-            </a:r>
-            <a:r>
-              <a:rPr lang="ko-KR" altLang="en-US" b="1" dirty="0">
+              <a:t>Unity.</a:t>
+            </a:r>
+          </a:p>
+          <a:p>
+            <a:pPr algn="ctr"/>
+            <a:r>
+              <a:rPr lang="en-US" altLang="ko-KR" b="1" dirty="0">
                 <a:ln w="6600">
                   <a:solidFill>
                     <a:schemeClr val="accent2"/>
@@ -4745,8 +6066,11 @@
                   </a:outerShdw>
                 </a:effectLst>
               </a:rPr>
-              <a:t>눈</a:t>
-            </a:r>
+              <a:t>GitHub</a:t>
+            </a:r>
+          </a:p>
+          <a:p>
+            <a:pPr algn="ctr"/>
             <a:r>
               <a:rPr lang="en-US" altLang="ko-KR" b="1" dirty="0">
                 <a:ln w="6600">
@@ -4770,530 +6094,15 @@
                   </a:outerShdw>
                 </a:effectLst>
               </a:rPr>
-              <a:t>(snow) </a:t>
-            </a:r>
-            <a:r>
-              <a:rPr lang="ko-KR" altLang="en-US" b="1" dirty="0">
-                <a:ln w="6600">
-                  <a:solidFill>
-                    <a:schemeClr val="accent2"/>
-                  </a:solidFill>
-                  <a:prstDash val="solid"/>
-                </a:ln>
-                <a:solidFill>
-                  <a:srgbClr val="FFFFFF"/>
-                </a:solidFill>
-                <a:effectLst>
-                  <a:glow rad="228600">
-                    <a:schemeClr val="accent4">
-                      <a:satMod val="175000"/>
-                      <a:alpha val="40000"/>
-                    </a:schemeClr>
-                  </a:glow>
-                  <a:outerShdw dist="38100" dir="2700000" algn="tl" rotWithShape="0">
-                    <a:schemeClr val="accent2"/>
-                  </a:outerShdw>
-                </a:effectLst>
-              </a:rPr>
-              <a:t>특수효과</a:t>
-            </a:r>
-            <a:r>
-              <a:rPr lang="en-US" altLang="ko-KR" b="1" dirty="0">
-                <a:ln w="6600">
-                  <a:solidFill>
-                    <a:schemeClr val="accent2"/>
-                  </a:solidFill>
-                  <a:prstDash val="solid"/>
-                </a:ln>
-                <a:solidFill>
-                  <a:srgbClr val="FFFFFF"/>
-                </a:solidFill>
-                <a:effectLst>
-                  <a:glow rad="228600">
-                    <a:schemeClr val="accent4">
-                      <a:satMod val="175000"/>
-                      <a:alpha val="40000"/>
-                    </a:schemeClr>
-                  </a:glow>
-                  <a:outerShdw dist="38100" dir="2700000" algn="tl" rotWithShape="0">
-                    <a:schemeClr val="accent2"/>
-                  </a:outerShdw>
-                </a:effectLst>
-              </a:rPr>
-              <a:t>.</a:t>
-            </a:r>
-          </a:p>
-          <a:p>
-            <a:pPr algn="ctr"/>
-            <a:endParaRPr lang="en-US" altLang="ko-KR" b="1" dirty="0">
-              <a:ln w="6600">
-                <a:solidFill>
-                  <a:schemeClr val="accent2"/>
-                </a:solidFill>
-                <a:prstDash val="solid"/>
-              </a:ln>
-              <a:solidFill>
-                <a:srgbClr val="FFFFFF"/>
-              </a:solidFill>
-              <a:effectLst>
-                <a:glow rad="228600">
-                  <a:schemeClr val="accent4">
-                    <a:satMod val="175000"/>
-                    <a:alpha val="40000"/>
-                  </a:schemeClr>
-                </a:glow>
-                <a:outerShdw dist="38100" dir="2700000" algn="tl" rotWithShape="0">
-                  <a:schemeClr val="accent2"/>
-                </a:outerShdw>
-              </a:effectLst>
-            </a:endParaRPr>
-          </a:p>
-          <a:p>
-            <a:pPr algn="ctr"/>
-            <a:r>
-              <a:rPr lang="ko-KR" altLang="en-US" b="1" dirty="0" err="1">
-                <a:ln w="6600">
-                  <a:solidFill>
-                    <a:schemeClr val="accent2"/>
-                  </a:solidFill>
-                  <a:prstDash val="solid"/>
-                </a:ln>
-                <a:solidFill>
-                  <a:srgbClr val="FFFFFF"/>
-                </a:solidFill>
-                <a:effectLst>
-                  <a:glow rad="228600">
-                    <a:schemeClr val="accent4">
-                      <a:satMod val="175000"/>
-                      <a:alpha val="40000"/>
-                    </a:schemeClr>
-                  </a:glow>
-                  <a:outerShdw dist="38100" dir="2700000" algn="tl" rotWithShape="0">
-                    <a:schemeClr val="accent2"/>
-                  </a:outerShdw>
-                </a:effectLst>
-              </a:rPr>
-              <a:t>환경매핑을</a:t>
-            </a:r>
-            <a:r>
-              <a:rPr lang="ko-KR" altLang="en-US" b="1" dirty="0">
-                <a:ln w="6600">
-                  <a:solidFill>
-                    <a:schemeClr val="accent2"/>
-                  </a:solidFill>
-                  <a:prstDash val="solid"/>
-                </a:ln>
-                <a:solidFill>
-                  <a:srgbClr val="FFFFFF"/>
-                </a:solidFill>
-                <a:effectLst>
-                  <a:glow rad="228600">
-                    <a:schemeClr val="accent4">
-                      <a:satMod val="175000"/>
-                      <a:alpha val="40000"/>
-                    </a:schemeClr>
-                  </a:glow>
-                  <a:outerShdw dist="38100" dir="2700000" algn="tl" rotWithShape="0">
-                    <a:schemeClr val="accent2"/>
-                  </a:outerShdw>
-                </a:effectLst>
-              </a:rPr>
-              <a:t> 사용하여 군데군데 거울 배치</a:t>
-            </a:r>
-            <a:r>
-              <a:rPr lang="en-US" altLang="ko-KR" b="1" dirty="0" smtClean="0">
-                <a:ln w="6600">
-                  <a:solidFill>
-                    <a:schemeClr val="accent2"/>
-                  </a:solidFill>
-                  <a:prstDash val="solid"/>
-                </a:ln>
-                <a:solidFill>
-                  <a:srgbClr val="FFFFFF"/>
-                </a:solidFill>
-                <a:effectLst>
-                  <a:glow rad="228600">
-                    <a:schemeClr val="accent4">
-                      <a:satMod val="175000"/>
-                      <a:alpha val="40000"/>
-                    </a:schemeClr>
-                  </a:glow>
-                  <a:outerShdw dist="38100" dir="2700000" algn="tl" rotWithShape="0">
-                    <a:schemeClr val="accent2"/>
-                  </a:outerShdw>
-                </a:effectLst>
-              </a:rPr>
-              <a:t>.</a:t>
-            </a:r>
-          </a:p>
-          <a:p>
-            <a:pPr algn="ctr"/>
-            <a:endParaRPr lang="en-US" altLang="ko-KR" b="1" dirty="0">
-              <a:ln w="6600">
-                <a:solidFill>
-                  <a:schemeClr val="accent2"/>
-                </a:solidFill>
-                <a:prstDash val="solid"/>
-              </a:ln>
-              <a:solidFill>
-                <a:srgbClr val="FFFFFF"/>
-              </a:solidFill>
-              <a:effectLst>
-                <a:glow rad="228600">
-                  <a:schemeClr val="accent4">
-                    <a:satMod val="175000"/>
-                    <a:alpha val="40000"/>
-                  </a:schemeClr>
-                </a:glow>
-                <a:outerShdw dist="38100" dir="2700000" algn="tl" rotWithShape="0">
-                  <a:schemeClr val="accent2"/>
-                </a:outerShdw>
-              </a:effectLst>
-            </a:endParaRPr>
-          </a:p>
-        </p:txBody>
-      </p:sp>
-      <p:sp>
-        <p:nvSpPr>
-          <p:cNvPr id="14" name="직사각형 13"/>
-          <p:cNvSpPr/>
-          <p:nvPr/>
-        </p:nvSpPr>
-        <p:spPr>
-          <a:xfrm>
-            <a:off x="667919" y="4293096"/>
-            <a:ext cx="7686600" cy="1292662"/>
-          </a:xfrm>
-          <a:prstGeom prst="rect">
-            <a:avLst/>
-          </a:prstGeom>
-          <a:ln>
-            <a:noFill/>
-          </a:ln>
-          <a:effectLst>
-            <a:glow rad="228600">
-              <a:srgbClr val="FFFF00">
-                <a:alpha val="40000"/>
-              </a:srgbClr>
-            </a:glow>
-            <a:outerShdw blurRad="44450" dist="27940" dir="5400000" algn="ctr">
-              <a:srgbClr val="000000">
-                <a:alpha val="32000"/>
-              </a:srgbClr>
-            </a:outerShdw>
-          </a:effectLst>
-          <a:scene3d>
-            <a:camera prst="orthographicFront">
-              <a:rot lat="0" lon="0" rev="0"/>
-            </a:camera>
-            <a:lightRig rig="balanced" dir="t">
-              <a:rot lat="0" lon="0" rev="8700000"/>
-            </a:lightRig>
-          </a:scene3d>
-          <a:sp3d>
-            <a:bevelT w="190500" h="38100"/>
-          </a:sp3d>
-        </p:spPr>
-        <p:style>
-          <a:lnRef idx="3">
-            <a:schemeClr val="lt1"/>
-          </a:lnRef>
-          <a:fillRef idx="1">
-            <a:schemeClr val="dk1"/>
-          </a:fillRef>
-          <a:effectRef idx="1">
-            <a:schemeClr val="dk1"/>
-          </a:effectRef>
-          <a:fontRef idx="minor">
-            <a:schemeClr val="lt1"/>
-          </a:fontRef>
-        </p:style>
-        <p:txBody>
-          <a:bodyPr wrap="square">
-            <a:spAutoFit/>
-          </a:bodyPr>
-          <a:lstStyle/>
-          <a:p>
-            <a:pPr algn="ctr"/>
-            <a:r>
-              <a:rPr lang="en-US" altLang="ko-KR" sz="2400" b="1" dirty="0" smtClean="0">
-                <a:ln w="6600">
-                  <a:solidFill>
-                    <a:schemeClr val="accent2"/>
-                  </a:solidFill>
-                  <a:prstDash val="solid"/>
-                </a:ln>
-                <a:solidFill>
-                  <a:srgbClr val="FFFFFF"/>
-                </a:solidFill>
-                <a:effectLst>
-                  <a:glow rad="228600">
-                    <a:schemeClr val="accent1">
-                      <a:satMod val="175000"/>
-                      <a:alpha val="40000"/>
-                    </a:schemeClr>
-                  </a:glow>
-                  <a:outerShdw dist="38100" dir="2700000" algn="tl" rotWithShape="0">
-                    <a:schemeClr val="accent2"/>
-                  </a:outerShdw>
-                </a:effectLst>
-              </a:rPr>
-              <a:t>Server</a:t>
-            </a:r>
-            <a:endParaRPr lang="en-US" altLang="ko-KR" b="1" dirty="0" smtClean="0">
-              <a:ln w="6600">
-                <a:solidFill>
-                  <a:schemeClr val="accent2"/>
-                </a:solidFill>
-                <a:prstDash val="solid"/>
-              </a:ln>
-              <a:solidFill>
-                <a:srgbClr val="FFFFFF"/>
-              </a:solidFill>
-              <a:effectLst>
-                <a:glow rad="228600">
-                  <a:schemeClr val="accent4">
-                    <a:satMod val="175000"/>
-                    <a:alpha val="40000"/>
-                  </a:schemeClr>
-                </a:glow>
-                <a:outerShdw dist="38100" dir="2700000" algn="tl" rotWithShape="0">
-                  <a:schemeClr val="accent2"/>
-                </a:outerShdw>
-              </a:effectLst>
-            </a:endParaRPr>
-          </a:p>
-          <a:p>
-            <a:pPr algn="ctr"/>
-            <a:endParaRPr lang="en-US" altLang="ko-KR" b="1" dirty="0">
-              <a:ln w="6600">
-                <a:solidFill>
-                  <a:schemeClr val="accent2"/>
-                </a:solidFill>
-                <a:prstDash val="solid"/>
-              </a:ln>
-              <a:solidFill>
-                <a:srgbClr val="FFFFFF"/>
-              </a:solidFill>
-              <a:effectLst>
-                <a:glow rad="228600">
-                  <a:schemeClr val="accent4">
-                    <a:satMod val="175000"/>
-                    <a:alpha val="40000"/>
-                  </a:schemeClr>
-                </a:glow>
-                <a:outerShdw dist="38100" dir="2700000" algn="tl" rotWithShape="0">
-                  <a:schemeClr val="accent2"/>
-                </a:outerShdw>
-              </a:effectLst>
-            </a:endParaRPr>
-          </a:p>
-          <a:p>
-            <a:pPr algn="ctr"/>
-            <a:r>
-              <a:rPr lang="en-US" altLang="ko-KR" b="1" dirty="0" smtClean="0">
-                <a:ln w="6600">
-                  <a:solidFill>
-                    <a:schemeClr val="accent2"/>
-                  </a:solidFill>
-                  <a:prstDash val="solid"/>
-                </a:ln>
-                <a:solidFill>
-                  <a:srgbClr val="FFFFFF"/>
-                </a:solidFill>
-                <a:effectLst>
-                  <a:glow rad="228600">
-                    <a:schemeClr val="accent4">
-                      <a:satMod val="175000"/>
-                      <a:alpha val="40000"/>
-                    </a:schemeClr>
-                  </a:glow>
-                  <a:outerShdw dist="38100" dir="2700000" algn="tl" rotWithShape="0">
-                    <a:schemeClr val="accent2"/>
-                  </a:outerShdw>
-                </a:effectLst>
-              </a:rPr>
-              <a:t>IOCP</a:t>
-            </a:r>
-            <a:r>
-              <a:rPr lang="ko-KR" altLang="en-US" b="1" dirty="0" smtClean="0">
-                <a:ln w="6600">
-                  <a:solidFill>
-                    <a:schemeClr val="accent2"/>
-                  </a:solidFill>
-                  <a:prstDash val="solid"/>
-                </a:ln>
-                <a:solidFill>
-                  <a:srgbClr val="FFFFFF"/>
-                </a:solidFill>
-                <a:effectLst>
-                  <a:glow rad="228600">
-                    <a:schemeClr val="accent4">
-                      <a:satMod val="175000"/>
-                      <a:alpha val="40000"/>
-                    </a:schemeClr>
-                  </a:glow>
-                  <a:outerShdw dist="38100" dir="2700000" algn="tl" rotWithShape="0">
-                    <a:schemeClr val="accent2"/>
-                  </a:outerShdw>
-                </a:effectLst>
-              </a:rPr>
-              <a:t>를 이용하여 다수의 클라이언트의 접속을 효율적으로 처리</a:t>
-            </a:r>
-            <a:endParaRPr lang="en-US" altLang="ko-KR" b="1" dirty="0" smtClean="0">
-              <a:ln w="6600">
-                <a:solidFill>
-                  <a:schemeClr val="accent2"/>
-                </a:solidFill>
-                <a:prstDash val="solid"/>
-              </a:ln>
-              <a:solidFill>
-                <a:srgbClr val="FFFFFF"/>
-              </a:solidFill>
-              <a:effectLst>
-                <a:glow rad="228600">
-                  <a:schemeClr val="accent4">
-                    <a:satMod val="175000"/>
-                    <a:alpha val="40000"/>
-                  </a:schemeClr>
-                </a:glow>
-                <a:outerShdw dist="38100" dir="2700000" algn="tl" rotWithShape="0">
-                  <a:schemeClr val="accent2"/>
-                </a:outerShdw>
-              </a:effectLst>
-            </a:endParaRPr>
-          </a:p>
-          <a:p>
-            <a:pPr algn="ctr"/>
-            <a:r>
-              <a:rPr lang="ko-KR" altLang="en-US" b="1" dirty="0" err="1" smtClean="0">
-                <a:ln w="6600">
-                  <a:solidFill>
-                    <a:schemeClr val="accent2"/>
-                  </a:solidFill>
-                  <a:prstDash val="solid"/>
-                </a:ln>
-                <a:solidFill>
-                  <a:srgbClr val="FFFFFF"/>
-                </a:solidFill>
-                <a:effectLst>
-                  <a:glow rad="228600">
-                    <a:schemeClr val="accent4">
-                      <a:satMod val="175000"/>
-                      <a:alpha val="40000"/>
-                    </a:schemeClr>
-                  </a:glow>
-                  <a:outerShdw dist="38100" dir="2700000" algn="tl" rotWithShape="0">
-                    <a:schemeClr val="accent2"/>
-                  </a:outerShdw>
-                </a:effectLst>
-              </a:rPr>
-              <a:t>데드레커닝</a:t>
-            </a:r>
-            <a:r>
-              <a:rPr lang="ko-KR" altLang="en-US" b="1" dirty="0" smtClean="0">
-                <a:ln w="6600">
-                  <a:solidFill>
-                    <a:schemeClr val="accent2"/>
-                  </a:solidFill>
-                  <a:prstDash val="solid"/>
-                </a:ln>
-                <a:solidFill>
-                  <a:srgbClr val="FFFFFF"/>
-                </a:solidFill>
-                <a:effectLst>
-                  <a:glow rad="228600">
-                    <a:schemeClr val="accent4">
-                      <a:satMod val="175000"/>
-                      <a:alpha val="40000"/>
-                    </a:schemeClr>
-                  </a:glow>
-                  <a:outerShdw dist="38100" dir="2700000" algn="tl" rotWithShape="0">
-                    <a:schemeClr val="accent2"/>
-                  </a:outerShdw>
-                </a:effectLst>
-              </a:rPr>
-              <a:t> 기법을 이용한 효율적인 </a:t>
-            </a:r>
-            <a:r>
-              <a:rPr lang="ko-KR" altLang="en-US" b="1" dirty="0" err="1" smtClean="0">
-                <a:ln w="6600">
-                  <a:solidFill>
-                    <a:schemeClr val="accent2"/>
-                  </a:solidFill>
-                  <a:prstDash val="solid"/>
-                </a:ln>
-                <a:solidFill>
-                  <a:srgbClr val="FFFFFF"/>
-                </a:solidFill>
-                <a:effectLst>
-                  <a:glow rad="228600">
-                    <a:schemeClr val="accent4">
-                      <a:satMod val="175000"/>
-                      <a:alpha val="40000"/>
-                    </a:schemeClr>
-                  </a:glow>
-                  <a:outerShdw dist="38100" dir="2700000" algn="tl" rotWithShape="0">
-                    <a:schemeClr val="accent2"/>
-                  </a:outerShdw>
-                </a:effectLst>
-              </a:rPr>
-              <a:t>소켓통신</a:t>
-            </a:r>
-            <a:r>
-              <a:rPr lang="ko-KR" altLang="en-US" b="1" dirty="0" smtClean="0">
-                <a:ln w="6600">
-                  <a:solidFill>
-                    <a:schemeClr val="accent2"/>
-                  </a:solidFill>
-                  <a:prstDash val="solid"/>
-                </a:ln>
-                <a:solidFill>
-                  <a:srgbClr val="FFFFFF"/>
-                </a:solidFill>
-                <a:effectLst>
-                  <a:glow rad="228600">
-                    <a:schemeClr val="accent4">
-                      <a:satMod val="175000"/>
-                      <a:alpha val="40000"/>
-                    </a:schemeClr>
-                  </a:glow>
-                  <a:outerShdw dist="38100" dir="2700000" algn="tl" rotWithShape="0">
-                    <a:schemeClr val="accent2"/>
-                  </a:outerShdw>
-                </a:effectLst>
-              </a:rPr>
-              <a:t> 처리</a:t>
-            </a:r>
-            <a:endParaRPr lang="en-US" altLang="ko-KR" b="1" dirty="0">
-              <a:ln w="6600">
-                <a:solidFill>
-                  <a:schemeClr val="accent2"/>
-                </a:solidFill>
-                <a:prstDash val="solid"/>
-              </a:ln>
-              <a:solidFill>
-                <a:srgbClr val="FFFFFF"/>
-              </a:solidFill>
-              <a:effectLst>
-                <a:glow rad="228600">
-                  <a:schemeClr val="accent4">
-                    <a:satMod val="175000"/>
-                    <a:alpha val="40000"/>
-                  </a:schemeClr>
-                </a:glow>
-                <a:outerShdw dist="38100" dir="2700000" algn="tl" rotWithShape="0">
-                  <a:schemeClr val="accent2"/>
-                </a:outerShdw>
-              </a:effectLst>
-            </a:endParaRPr>
+              <a:t>FBX SDK</a:t>
+            </a:r>
           </a:p>
         </p:txBody>
       </p:sp>
     </p:spTree>
     <p:extLst>
       <p:ext uri="{BB962C8B-B14F-4D97-AF65-F5344CB8AC3E}">
-        <p14:creationId xmlns:p14="http://schemas.microsoft.com/office/powerpoint/2010/main" val="1790226537"/>
+        <p14:creationId xmlns:p14="http://schemas.microsoft.com/office/powerpoint/2010/main" val="2477806957"/>
       </p:ext>
     </p:extLst>
   </p:cSld>
@@ -5468,7 +6277,7 @@
         <p:spPr>
           <a:xfrm>
             <a:off x="1022303" y="569875"/>
-            <a:ext cx="2140330" cy="461665"/>
+            <a:ext cx="1723549" cy="461665"/>
           </a:xfrm>
           <a:prstGeom prst="rect">
             <a:avLst/>
@@ -5482,7 +6291,7 @@
           <a:lstStyle/>
           <a:p>
             <a:r>
-              <a:rPr lang="ko-KR" altLang="en-US" sz="2400" dirty="0" smtClean="0">
+              <a:rPr lang="ko-KR" altLang="en-US" sz="2400" dirty="0" err="1" smtClean="0">
                 <a:solidFill>
                   <a:schemeClr val="bg1"/>
                 </a:solidFill>
@@ -5495,7 +6304,7 @@
                   </a:glow>
                 </a:effectLst>
               </a:rPr>
-              <a:t>중점 연구분야</a:t>
+              <a:t>기술적요소</a:t>
             </a:r>
             <a:endParaRPr lang="ko-KR" altLang="en-US" dirty="0">
               <a:solidFill>
@@ -5611,6 +6420,1147 @@
                 <a:latin typeface="-윤고딕340" pitchFamily="18" charset="-127"/>
                 <a:ea typeface="-윤고딕340" pitchFamily="18" charset="-127"/>
               </a:rPr>
+              <a:t>5</a:t>
+            </a:r>
+            <a:endParaRPr lang="ko-KR" altLang="en-US" sz="3200" dirty="0">
+              <a:solidFill>
+                <a:schemeClr val="bg1"/>
+              </a:solidFill>
+              <a:latin typeface="-윤고딕340" pitchFamily="18" charset="-127"/>
+              <a:ea typeface="-윤고딕340" pitchFamily="18" charset="-127"/>
+            </a:endParaRPr>
+          </a:p>
+        </p:txBody>
+      </p:sp>
+      <p:sp>
+        <p:nvSpPr>
+          <p:cNvPr id="13" name="직사각형 12"/>
+          <p:cNvSpPr/>
+          <p:nvPr/>
+        </p:nvSpPr>
+        <p:spPr>
+          <a:xfrm>
+            <a:off x="662805" y="1598922"/>
+            <a:ext cx="7686600" cy="1846659"/>
+          </a:xfrm>
+          <a:prstGeom prst="rect">
+            <a:avLst/>
+          </a:prstGeom>
+          <a:ln>
+            <a:noFill/>
+          </a:ln>
+          <a:effectLst>
+            <a:glow rad="228600">
+              <a:srgbClr val="FFFF00">
+                <a:alpha val="40000"/>
+              </a:srgbClr>
+            </a:glow>
+            <a:outerShdw blurRad="44450" dist="27940" dir="5400000" algn="ctr">
+              <a:srgbClr val="000000">
+                <a:alpha val="32000"/>
+              </a:srgbClr>
+            </a:outerShdw>
+          </a:effectLst>
+          <a:scene3d>
+            <a:camera prst="orthographicFront">
+              <a:rot lat="0" lon="0" rev="0"/>
+            </a:camera>
+            <a:lightRig rig="balanced" dir="t">
+              <a:rot lat="0" lon="0" rev="8700000"/>
+            </a:lightRig>
+          </a:scene3d>
+          <a:sp3d>
+            <a:bevelT w="190500" h="38100"/>
+          </a:sp3d>
+        </p:spPr>
+        <p:style>
+          <a:lnRef idx="3">
+            <a:schemeClr val="lt1"/>
+          </a:lnRef>
+          <a:fillRef idx="1">
+            <a:schemeClr val="dk1"/>
+          </a:fillRef>
+          <a:effectRef idx="1">
+            <a:schemeClr val="dk1"/>
+          </a:effectRef>
+          <a:fontRef idx="minor">
+            <a:schemeClr val="lt1"/>
+          </a:fontRef>
+        </p:style>
+        <p:txBody>
+          <a:bodyPr wrap="square">
+            <a:spAutoFit/>
+          </a:bodyPr>
+          <a:lstStyle/>
+          <a:p>
+            <a:pPr algn="ctr"/>
+            <a:r>
+              <a:rPr lang="en-US" altLang="ko-KR" sz="2400" b="1" dirty="0" smtClean="0">
+                <a:ln w="6600">
+                  <a:solidFill>
+                    <a:schemeClr val="accent2"/>
+                  </a:solidFill>
+                  <a:prstDash val="solid"/>
+                </a:ln>
+                <a:solidFill>
+                  <a:srgbClr val="FFFFFF"/>
+                </a:solidFill>
+                <a:effectLst>
+                  <a:glow rad="228600">
+                    <a:schemeClr val="accent1">
+                      <a:satMod val="175000"/>
+                      <a:alpha val="40000"/>
+                    </a:schemeClr>
+                  </a:glow>
+                  <a:outerShdw dist="38100" dir="2700000" algn="tl" rotWithShape="0">
+                    <a:schemeClr val="accent2"/>
+                  </a:outerShdw>
+                </a:effectLst>
+              </a:rPr>
+              <a:t>Client</a:t>
+            </a:r>
+            <a:r>
+              <a:rPr lang="en-US" altLang="ko-KR" b="1" dirty="0" smtClean="0">
+                <a:ln w="6600">
+                  <a:solidFill>
+                    <a:schemeClr val="accent2"/>
+                  </a:solidFill>
+                  <a:prstDash val="solid"/>
+                </a:ln>
+                <a:solidFill>
+                  <a:srgbClr val="FFFFFF"/>
+                </a:solidFill>
+                <a:effectLst>
+                  <a:glow rad="228600">
+                    <a:schemeClr val="accent4">
+                      <a:satMod val="175000"/>
+                      <a:alpha val="40000"/>
+                    </a:schemeClr>
+                  </a:glow>
+                  <a:outerShdw dist="38100" dir="2700000" algn="tl" rotWithShape="0">
+                    <a:schemeClr val="accent2"/>
+                  </a:outerShdw>
+                </a:effectLst>
+              </a:rPr>
+              <a:t> </a:t>
+            </a:r>
+          </a:p>
+          <a:p>
+            <a:pPr algn="ctr"/>
+            <a:endParaRPr lang="en-US" altLang="ko-KR" b="1" dirty="0">
+              <a:ln w="6600">
+                <a:solidFill>
+                  <a:schemeClr val="accent2"/>
+                </a:solidFill>
+                <a:prstDash val="solid"/>
+              </a:ln>
+              <a:solidFill>
+                <a:srgbClr val="FFFFFF"/>
+              </a:solidFill>
+              <a:effectLst>
+                <a:glow rad="228600">
+                  <a:schemeClr val="accent4">
+                    <a:satMod val="175000"/>
+                    <a:alpha val="40000"/>
+                  </a:schemeClr>
+                </a:glow>
+                <a:outerShdw dist="38100" dir="2700000" algn="tl" rotWithShape="0">
+                  <a:schemeClr val="accent2"/>
+                </a:outerShdw>
+              </a:effectLst>
+            </a:endParaRPr>
+          </a:p>
+          <a:p>
+            <a:pPr algn="ctr"/>
+            <a:r>
+              <a:rPr lang="ko-KR" altLang="en-US" b="1" dirty="0">
+                <a:ln w="6600">
+                  <a:solidFill>
+                    <a:schemeClr val="accent2"/>
+                  </a:solidFill>
+                  <a:prstDash val="solid"/>
+                </a:ln>
+                <a:solidFill>
+                  <a:srgbClr val="FFFFFF"/>
+                </a:solidFill>
+                <a:effectLst>
+                  <a:glow rad="228600">
+                    <a:schemeClr val="accent4">
+                      <a:satMod val="175000"/>
+                      <a:alpha val="40000"/>
+                    </a:schemeClr>
+                  </a:glow>
+                  <a:outerShdw dist="38100" dir="2700000" algn="tl" rotWithShape="0">
+                    <a:schemeClr val="accent2"/>
+                  </a:outerShdw>
+                </a:effectLst>
+              </a:rPr>
+              <a:t>동적 </a:t>
+            </a:r>
+            <a:r>
+              <a:rPr lang="ko-KR" altLang="en-US" b="1" dirty="0" err="1">
+                <a:ln w="6600">
+                  <a:solidFill>
+                    <a:schemeClr val="accent2"/>
+                  </a:solidFill>
+                  <a:prstDash val="solid"/>
+                </a:ln>
+                <a:solidFill>
+                  <a:srgbClr val="FFFFFF"/>
+                </a:solidFill>
+                <a:effectLst>
+                  <a:glow rad="228600">
+                    <a:schemeClr val="accent4">
+                      <a:satMod val="175000"/>
+                      <a:alpha val="40000"/>
+                    </a:schemeClr>
+                  </a:glow>
+                  <a:outerShdw dist="38100" dir="2700000" algn="tl" rotWithShape="0">
+                    <a:schemeClr val="accent2"/>
+                  </a:outerShdw>
+                </a:effectLst>
+              </a:rPr>
+              <a:t>파티클</a:t>
+            </a:r>
+            <a:r>
+              <a:rPr lang="ko-KR" altLang="en-US" b="1" dirty="0">
+                <a:ln w="6600">
+                  <a:solidFill>
+                    <a:schemeClr val="accent2"/>
+                  </a:solidFill>
+                  <a:prstDash val="solid"/>
+                </a:ln>
+                <a:solidFill>
+                  <a:srgbClr val="FFFFFF"/>
+                </a:solidFill>
+                <a:effectLst>
+                  <a:glow rad="228600">
+                    <a:schemeClr val="accent4">
+                      <a:satMod val="175000"/>
+                      <a:alpha val="40000"/>
+                    </a:schemeClr>
+                  </a:glow>
+                  <a:outerShdw dist="38100" dir="2700000" algn="tl" rotWithShape="0">
+                    <a:schemeClr val="accent2"/>
+                  </a:outerShdw>
+                </a:effectLst>
+              </a:rPr>
+              <a:t> 시스템을 통한 비</a:t>
+            </a:r>
+            <a:r>
+              <a:rPr lang="en-US" altLang="ko-KR" b="1" dirty="0">
+                <a:ln w="6600">
+                  <a:solidFill>
+                    <a:schemeClr val="accent2"/>
+                  </a:solidFill>
+                  <a:prstDash val="solid"/>
+                </a:ln>
+                <a:solidFill>
+                  <a:srgbClr val="FFFFFF"/>
+                </a:solidFill>
+                <a:effectLst>
+                  <a:glow rad="228600">
+                    <a:schemeClr val="accent4">
+                      <a:satMod val="175000"/>
+                      <a:alpha val="40000"/>
+                    </a:schemeClr>
+                  </a:glow>
+                  <a:outerShdw dist="38100" dir="2700000" algn="tl" rotWithShape="0">
+                    <a:schemeClr val="accent2"/>
+                  </a:outerShdw>
+                </a:effectLst>
+              </a:rPr>
+              <a:t>(rain),</a:t>
+            </a:r>
+            <a:r>
+              <a:rPr lang="ko-KR" altLang="en-US" b="1" dirty="0">
+                <a:ln w="6600">
+                  <a:solidFill>
+                    <a:schemeClr val="accent2"/>
+                  </a:solidFill>
+                  <a:prstDash val="solid"/>
+                </a:ln>
+                <a:solidFill>
+                  <a:srgbClr val="FFFFFF"/>
+                </a:solidFill>
+                <a:effectLst>
+                  <a:glow rad="228600">
+                    <a:schemeClr val="accent4">
+                      <a:satMod val="175000"/>
+                      <a:alpha val="40000"/>
+                    </a:schemeClr>
+                  </a:glow>
+                  <a:outerShdw dist="38100" dir="2700000" algn="tl" rotWithShape="0">
+                    <a:schemeClr val="accent2"/>
+                  </a:outerShdw>
+                </a:effectLst>
+              </a:rPr>
+              <a:t>눈</a:t>
+            </a:r>
+            <a:r>
+              <a:rPr lang="en-US" altLang="ko-KR" b="1" dirty="0">
+                <a:ln w="6600">
+                  <a:solidFill>
+                    <a:schemeClr val="accent2"/>
+                  </a:solidFill>
+                  <a:prstDash val="solid"/>
+                </a:ln>
+                <a:solidFill>
+                  <a:srgbClr val="FFFFFF"/>
+                </a:solidFill>
+                <a:effectLst>
+                  <a:glow rad="228600">
+                    <a:schemeClr val="accent4">
+                      <a:satMod val="175000"/>
+                      <a:alpha val="40000"/>
+                    </a:schemeClr>
+                  </a:glow>
+                  <a:outerShdw dist="38100" dir="2700000" algn="tl" rotWithShape="0">
+                    <a:schemeClr val="accent2"/>
+                  </a:outerShdw>
+                </a:effectLst>
+              </a:rPr>
+              <a:t>(snow) </a:t>
+            </a:r>
+            <a:r>
+              <a:rPr lang="ko-KR" altLang="en-US" b="1" dirty="0">
+                <a:ln w="6600">
+                  <a:solidFill>
+                    <a:schemeClr val="accent2"/>
+                  </a:solidFill>
+                  <a:prstDash val="solid"/>
+                </a:ln>
+                <a:solidFill>
+                  <a:srgbClr val="FFFFFF"/>
+                </a:solidFill>
+                <a:effectLst>
+                  <a:glow rad="228600">
+                    <a:schemeClr val="accent4">
+                      <a:satMod val="175000"/>
+                      <a:alpha val="40000"/>
+                    </a:schemeClr>
+                  </a:glow>
+                  <a:outerShdw dist="38100" dir="2700000" algn="tl" rotWithShape="0">
+                    <a:schemeClr val="accent2"/>
+                  </a:outerShdw>
+                </a:effectLst>
+              </a:rPr>
+              <a:t>특수효과</a:t>
+            </a:r>
+            <a:r>
+              <a:rPr lang="en-US" altLang="ko-KR" b="1" dirty="0">
+                <a:ln w="6600">
+                  <a:solidFill>
+                    <a:schemeClr val="accent2"/>
+                  </a:solidFill>
+                  <a:prstDash val="solid"/>
+                </a:ln>
+                <a:solidFill>
+                  <a:srgbClr val="FFFFFF"/>
+                </a:solidFill>
+                <a:effectLst>
+                  <a:glow rad="228600">
+                    <a:schemeClr val="accent4">
+                      <a:satMod val="175000"/>
+                      <a:alpha val="40000"/>
+                    </a:schemeClr>
+                  </a:glow>
+                  <a:outerShdw dist="38100" dir="2700000" algn="tl" rotWithShape="0">
+                    <a:schemeClr val="accent2"/>
+                  </a:outerShdw>
+                </a:effectLst>
+              </a:rPr>
+              <a:t>.</a:t>
+            </a:r>
+          </a:p>
+          <a:p>
+            <a:pPr algn="ctr"/>
+            <a:endParaRPr lang="en-US" altLang="ko-KR" b="1" dirty="0">
+              <a:ln w="6600">
+                <a:solidFill>
+                  <a:schemeClr val="accent2"/>
+                </a:solidFill>
+                <a:prstDash val="solid"/>
+              </a:ln>
+              <a:solidFill>
+                <a:srgbClr val="FFFFFF"/>
+              </a:solidFill>
+              <a:effectLst>
+                <a:glow rad="228600">
+                  <a:schemeClr val="accent4">
+                    <a:satMod val="175000"/>
+                    <a:alpha val="40000"/>
+                  </a:schemeClr>
+                </a:glow>
+                <a:outerShdw dist="38100" dir="2700000" algn="tl" rotWithShape="0">
+                  <a:schemeClr val="accent2"/>
+                </a:outerShdw>
+              </a:effectLst>
+            </a:endParaRPr>
+          </a:p>
+          <a:p>
+            <a:pPr algn="ctr"/>
+            <a:r>
+              <a:rPr lang="ko-KR" altLang="en-US" b="1" dirty="0" err="1">
+                <a:ln w="6600">
+                  <a:solidFill>
+                    <a:schemeClr val="accent2"/>
+                  </a:solidFill>
+                  <a:prstDash val="solid"/>
+                </a:ln>
+                <a:solidFill>
+                  <a:srgbClr val="FFFFFF"/>
+                </a:solidFill>
+                <a:effectLst>
+                  <a:glow rad="228600">
+                    <a:schemeClr val="accent4">
+                      <a:satMod val="175000"/>
+                      <a:alpha val="40000"/>
+                    </a:schemeClr>
+                  </a:glow>
+                  <a:outerShdw dist="38100" dir="2700000" algn="tl" rotWithShape="0">
+                    <a:schemeClr val="accent2"/>
+                  </a:outerShdw>
+                </a:effectLst>
+              </a:rPr>
+              <a:t>환경매핑을</a:t>
+            </a:r>
+            <a:r>
+              <a:rPr lang="ko-KR" altLang="en-US" b="1" dirty="0">
+                <a:ln w="6600">
+                  <a:solidFill>
+                    <a:schemeClr val="accent2"/>
+                  </a:solidFill>
+                  <a:prstDash val="solid"/>
+                </a:ln>
+                <a:solidFill>
+                  <a:srgbClr val="FFFFFF"/>
+                </a:solidFill>
+                <a:effectLst>
+                  <a:glow rad="228600">
+                    <a:schemeClr val="accent4">
+                      <a:satMod val="175000"/>
+                      <a:alpha val="40000"/>
+                    </a:schemeClr>
+                  </a:glow>
+                  <a:outerShdw dist="38100" dir="2700000" algn="tl" rotWithShape="0">
+                    <a:schemeClr val="accent2"/>
+                  </a:outerShdw>
+                </a:effectLst>
+              </a:rPr>
+              <a:t> 사용하여 군데군데 거울 배치</a:t>
+            </a:r>
+            <a:r>
+              <a:rPr lang="en-US" altLang="ko-KR" b="1" dirty="0" smtClean="0">
+                <a:ln w="6600">
+                  <a:solidFill>
+                    <a:schemeClr val="accent2"/>
+                  </a:solidFill>
+                  <a:prstDash val="solid"/>
+                </a:ln>
+                <a:solidFill>
+                  <a:srgbClr val="FFFFFF"/>
+                </a:solidFill>
+                <a:effectLst>
+                  <a:glow rad="228600">
+                    <a:schemeClr val="accent4">
+                      <a:satMod val="175000"/>
+                      <a:alpha val="40000"/>
+                    </a:schemeClr>
+                  </a:glow>
+                  <a:outerShdw dist="38100" dir="2700000" algn="tl" rotWithShape="0">
+                    <a:schemeClr val="accent2"/>
+                  </a:outerShdw>
+                </a:effectLst>
+              </a:rPr>
+              <a:t>.</a:t>
+            </a:r>
+          </a:p>
+          <a:p>
+            <a:pPr algn="ctr"/>
+            <a:endParaRPr lang="en-US" altLang="ko-KR" b="1" dirty="0">
+              <a:ln w="6600">
+                <a:solidFill>
+                  <a:schemeClr val="accent2"/>
+                </a:solidFill>
+                <a:prstDash val="solid"/>
+              </a:ln>
+              <a:solidFill>
+                <a:srgbClr val="FFFFFF"/>
+              </a:solidFill>
+              <a:effectLst>
+                <a:glow rad="228600">
+                  <a:schemeClr val="accent4">
+                    <a:satMod val="175000"/>
+                    <a:alpha val="40000"/>
+                  </a:schemeClr>
+                </a:glow>
+                <a:outerShdw dist="38100" dir="2700000" algn="tl" rotWithShape="0">
+                  <a:schemeClr val="accent2"/>
+                </a:outerShdw>
+              </a:effectLst>
+            </a:endParaRPr>
+          </a:p>
+        </p:txBody>
+      </p:sp>
+      <p:sp>
+        <p:nvSpPr>
+          <p:cNvPr id="14" name="직사각형 13"/>
+          <p:cNvSpPr/>
+          <p:nvPr/>
+        </p:nvSpPr>
+        <p:spPr>
+          <a:xfrm>
+            <a:off x="667919" y="4293096"/>
+            <a:ext cx="7686600" cy="1292662"/>
+          </a:xfrm>
+          <a:prstGeom prst="rect">
+            <a:avLst/>
+          </a:prstGeom>
+          <a:ln>
+            <a:noFill/>
+          </a:ln>
+          <a:effectLst>
+            <a:glow rad="228600">
+              <a:srgbClr val="FFFF00">
+                <a:alpha val="40000"/>
+              </a:srgbClr>
+            </a:glow>
+            <a:outerShdw blurRad="44450" dist="27940" dir="5400000" algn="ctr">
+              <a:srgbClr val="000000">
+                <a:alpha val="32000"/>
+              </a:srgbClr>
+            </a:outerShdw>
+          </a:effectLst>
+          <a:scene3d>
+            <a:camera prst="orthographicFront">
+              <a:rot lat="0" lon="0" rev="0"/>
+            </a:camera>
+            <a:lightRig rig="balanced" dir="t">
+              <a:rot lat="0" lon="0" rev="8700000"/>
+            </a:lightRig>
+          </a:scene3d>
+          <a:sp3d>
+            <a:bevelT w="190500" h="38100"/>
+          </a:sp3d>
+        </p:spPr>
+        <p:style>
+          <a:lnRef idx="3">
+            <a:schemeClr val="lt1"/>
+          </a:lnRef>
+          <a:fillRef idx="1">
+            <a:schemeClr val="dk1"/>
+          </a:fillRef>
+          <a:effectRef idx="1">
+            <a:schemeClr val="dk1"/>
+          </a:effectRef>
+          <a:fontRef idx="minor">
+            <a:schemeClr val="lt1"/>
+          </a:fontRef>
+        </p:style>
+        <p:txBody>
+          <a:bodyPr wrap="square">
+            <a:spAutoFit/>
+          </a:bodyPr>
+          <a:lstStyle/>
+          <a:p>
+            <a:pPr algn="ctr"/>
+            <a:r>
+              <a:rPr lang="en-US" altLang="ko-KR" sz="2400" b="1" dirty="0" smtClean="0">
+                <a:ln w="6600">
+                  <a:solidFill>
+                    <a:schemeClr val="accent2"/>
+                  </a:solidFill>
+                  <a:prstDash val="solid"/>
+                </a:ln>
+                <a:solidFill>
+                  <a:srgbClr val="FFFFFF"/>
+                </a:solidFill>
+                <a:effectLst>
+                  <a:glow rad="228600">
+                    <a:schemeClr val="accent1">
+                      <a:satMod val="175000"/>
+                      <a:alpha val="40000"/>
+                    </a:schemeClr>
+                  </a:glow>
+                  <a:outerShdw dist="38100" dir="2700000" algn="tl" rotWithShape="0">
+                    <a:schemeClr val="accent2"/>
+                  </a:outerShdw>
+                </a:effectLst>
+              </a:rPr>
+              <a:t>Server</a:t>
+            </a:r>
+            <a:endParaRPr lang="en-US" altLang="ko-KR" b="1" dirty="0" smtClean="0">
+              <a:ln w="6600">
+                <a:solidFill>
+                  <a:schemeClr val="accent2"/>
+                </a:solidFill>
+                <a:prstDash val="solid"/>
+              </a:ln>
+              <a:solidFill>
+                <a:srgbClr val="FFFFFF"/>
+              </a:solidFill>
+              <a:effectLst>
+                <a:glow rad="228600">
+                  <a:schemeClr val="accent4">
+                    <a:satMod val="175000"/>
+                    <a:alpha val="40000"/>
+                  </a:schemeClr>
+                </a:glow>
+                <a:outerShdw dist="38100" dir="2700000" algn="tl" rotWithShape="0">
+                  <a:schemeClr val="accent2"/>
+                </a:outerShdw>
+              </a:effectLst>
+            </a:endParaRPr>
+          </a:p>
+          <a:p>
+            <a:pPr algn="ctr"/>
+            <a:endParaRPr lang="en-US" altLang="ko-KR" b="1" dirty="0">
+              <a:ln w="6600">
+                <a:solidFill>
+                  <a:schemeClr val="accent2"/>
+                </a:solidFill>
+                <a:prstDash val="solid"/>
+              </a:ln>
+              <a:solidFill>
+                <a:srgbClr val="FFFFFF"/>
+              </a:solidFill>
+              <a:effectLst>
+                <a:glow rad="228600">
+                  <a:schemeClr val="accent4">
+                    <a:satMod val="175000"/>
+                    <a:alpha val="40000"/>
+                  </a:schemeClr>
+                </a:glow>
+                <a:outerShdw dist="38100" dir="2700000" algn="tl" rotWithShape="0">
+                  <a:schemeClr val="accent2"/>
+                </a:outerShdw>
+              </a:effectLst>
+            </a:endParaRPr>
+          </a:p>
+          <a:p>
+            <a:pPr algn="ctr"/>
+            <a:r>
+              <a:rPr lang="en-US" altLang="ko-KR" b="1" dirty="0" smtClean="0">
+                <a:ln w="6600">
+                  <a:solidFill>
+                    <a:schemeClr val="accent2"/>
+                  </a:solidFill>
+                  <a:prstDash val="solid"/>
+                </a:ln>
+                <a:solidFill>
+                  <a:srgbClr val="FFFFFF"/>
+                </a:solidFill>
+                <a:effectLst>
+                  <a:glow rad="228600">
+                    <a:schemeClr val="accent4">
+                      <a:satMod val="175000"/>
+                      <a:alpha val="40000"/>
+                    </a:schemeClr>
+                  </a:glow>
+                  <a:outerShdw dist="38100" dir="2700000" algn="tl" rotWithShape="0">
+                    <a:schemeClr val="accent2"/>
+                  </a:outerShdw>
+                </a:effectLst>
+              </a:rPr>
+              <a:t>IOCP</a:t>
+            </a:r>
+            <a:r>
+              <a:rPr lang="ko-KR" altLang="en-US" b="1" dirty="0" smtClean="0">
+                <a:ln w="6600">
+                  <a:solidFill>
+                    <a:schemeClr val="accent2"/>
+                  </a:solidFill>
+                  <a:prstDash val="solid"/>
+                </a:ln>
+                <a:solidFill>
+                  <a:srgbClr val="FFFFFF"/>
+                </a:solidFill>
+                <a:effectLst>
+                  <a:glow rad="228600">
+                    <a:schemeClr val="accent4">
+                      <a:satMod val="175000"/>
+                      <a:alpha val="40000"/>
+                    </a:schemeClr>
+                  </a:glow>
+                  <a:outerShdw dist="38100" dir="2700000" algn="tl" rotWithShape="0">
+                    <a:schemeClr val="accent2"/>
+                  </a:outerShdw>
+                </a:effectLst>
+              </a:rPr>
+              <a:t>를 이용하여 다수의 클라이언트의 접속을 효율적으로 처리</a:t>
+            </a:r>
+            <a:endParaRPr lang="en-US" altLang="ko-KR" b="1" dirty="0" smtClean="0">
+              <a:ln w="6600">
+                <a:solidFill>
+                  <a:schemeClr val="accent2"/>
+                </a:solidFill>
+                <a:prstDash val="solid"/>
+              </a:ln>
+              <a:solidFill>
+                <a:srgbClr val="FFFFFF"/>
+              </a:solidFill>
+              <a:effectLst>
+                <a:glow rad="228600">
+                  <a:schemeClr val="accent4">
+                    <a:satMod val="175000"/>
+                    <a:alpha val="40000"/>
+                  </a:schemeClr>
+                </a:glow>
+                <a:outerShdw dist="38100" dir="2700000" algn="tl" rotWithShape="0">
+                  <a:schemeClr val="accent2"/>
+                </a:outerShdw>
+              </a:effectLst>
+            </a:endParaRPr>
+          </a:p>
+          <a:p>
+            <a:pPr algn="ctr"/>
+            <a:r>
+              <a:rPr lang="ko-KR" altLang="en-US" b="1" dirty="0" err="1" smtClean="0">
+                <a:ln w="6600">
+                  <a:solidFill>
+                    <a:schemeClr val="accent2"/>
+                  </a:solidFill>
+                  <a:prstDash val="solid"/>
+                </a:ln>
+                <a:solidFill>
+                  <a:srgbClr val="FFFFFF"/>
+                </a:solidFill>
+                <a:effectLst>
+                  <a:glow rad="228600">
+                    <a:schemeClr val="accent4">
+                      <a:satMod val="175000"/>
+                      <a:alpha val="40000"/>
+                    </a:schemeClr>
+                  </a:glow>
+                  <a:outerShdw dist="38100" dir="2700000" algn="tl" rotWithShape="0">
+                    <a:schemeClr val="accent2"/>
+                  </a:outerShdw>
+                </a:effectLst>
+              </a:rPr>
+              <a:t>데드레커닝</a:t>
+            </a:r>
+            <a:r>
+              <a:rPr lang="ko-KR" altLang="en-US" b="1" dirty="0" smtClean="0">
+                <a:ln w="6600">
+                  <a:solidFill>
+                    <a:schemeClr val="accent2"/>
+                  </a:solidFill>
+                  <a:prstDash val="solid"/>
+                </a:ln>
+                <a:solidFill>
+                  <a:srgbClr val="FFFFFF"/>
+                </a:solidFill>
+                <a:effectLst>
+                  <a:glow rad="228600">
+                    <a:schemeClr val="accent4">
+                      <a:satMod val="175000"/>
+                      <a:alpha val="40000"/>
+                    </a:schemeClr>
+                  </a:glow>
+                  <a:outerShdw dist="38100" dir="2700000" algn="tl" rotWithShape="0">
+                    <a:schemeClr val="accent2"/>
+                  </a:outerShdw>
+                </a:effectLst>
+              </a:rPr>
+              <a:t> 기법을 이용한 효율적인 </a:t>
+            </a:r>
+            <a:r>
+              <a:rPr lang="ko-KR" altLang="en-US" b="1" dirty="0" err="1" smtClean="0">
+                <a:ln w="6600">
+                  <a:solidFill>
+                    <a:schemeClr val="accent2"/>
+                  </a:solidFill>
+                  <a:prstDash val="solid"/>
+                </a:ln>
+                <a:solidFill>
+                  <a:srgbClr val="FFFFFF"/>
+                </a:solidFill>
+                <a:effectLst>
+                  <a:glow rad="228600">
+                    <a:schemeClr val="accent4">
+                      <a:satMod val="175000"/>
+                      <a:alpha val="40000"/>
+                    </a:schemeClr>
+                  </a:glow>
+                  <a:outerShdw dist="38100" dir="2700000" algn="tl" rotWithShape="0">
+                    <a:schemeClr val="accent2"/>
+                  </a:outerShdw>
+                </a:effectLst>
+              </a:rPr>
+              <a:t>소켓통신</a:t>
+            </a:r>
+            <a:r>
+              <a:rPr lang="ko-KR" altLang="en-US" b="1" dirty="0" smtClean="0">
+                <a:ln w="6600">
+                  <a:solidFill>
+                    <a:schemeClr val="accent2"/>
+                  </a:solidFill>
+                  <a:prstDash val="solid"/>
+                </a:ln>
+                <a:solidFill>
+                  <a:srgbClr val="FFFFFF"/>
+                </a:solidFill>
+                <a:effectLst>
+                  <a:glow rad="228600">
+                    <a:schemeClr val="accent4">
+                      <a:satMod val="175000"/>
+                      <a:alpha val="40000"/>
+                    </a:schemeClr>
+                  </a:glow>
+                  <a:outerShdw dist="38100" dir="2700000" algn="tl" rotWithShape="0">
+                    <a:schemeClr val="accent2"/>
+                  </a:outerShdw>
+                </a:effectLst>
+              </a:rPr>
+              <a:t> 처리</a:t>
+            </a:r>
+            <a:endParaRPr lang="en-US" altLang="ko-KR" b="1" dirty="0">
+              <a:ln w="6600">
+                <a:solidFill>
+                  <a:schemeClr val="accent2"/>
+                </a:solidFill>
+                <a:prstDash val="solid"/>
+              </a:ln>
+              <a:solidFill>
+                <a:srgbClr val="FFFFFF"/>
+              </a:solidFill>
+              <a:effectLst>
+                <a:glow rad="228600">
+                  <a:schemeClr val="accent4">
+                    <a:satMod val="175000"/>
+                    <a:alpha val="40000"/>
+                  </a:schemeClr>
+                </a:glow>
+                <a:outerShdw dist="38100" dir="2700000" algn="tl" rotWithShape="0">
+                  <a:schemeClr val="accent2"/>
+                </a:outerShdw>
+              </a:effectLst>
+            </a:endParaRPr>
+          </a:p>
+        </p:txBody>
+      </p:sp>
+    </p:spTree>
+    <p:extLst>
+      <p:ext uri="{BB962C8B-B14F-4D97-AF65-F5344CB8AC3E}">
+        <p14:creationId xmlns:p14="http://schemas.microsoft.com/office/powerpoint/2010/main" val="1790226537"/>
+      </p:ext>
+    </p:extLst>
+  </p:cSld>
+  <p:clrMapOvr>
+    <a:masterClrMapping/>
+  </p:clrMapOvr>
+  <p:timing>
+    <p:tnLst>
+      <p:par>
+        <p:cTn id="1" dur="indefinite" restart="never" nodeType="tmRoot"/>
+      </p:par>
+    </p:tnLst>
+  </p:timing>
+</p:sld>
+</file>
+
+<file path=ppt/slides/slide13.xml><?xml version="1.0" encoding="utf-8"?>
+<p:sld xmlns:a="http://schemas.openxmlformats.org/drawingml/2006/main" xmlns:r="http://schemas.openxmlformats.org/officeDocument/2006/relationships" xmlns:p="http://schemas.openxmlformats.org/presentationml/2006/main">
+  <p:cSld>
+    <p:spTree>
+      <p:nvGrpSpPr>
+        <p:cNvPr id="1" name=""/>
+        <p:cNvGrpSpPr/>
+        <p:nvPr/>
+      </p:nvGrpSpPr>
+      <p:grpSpPr>
+        <a:xfrm>
+          <a:off x="0" y="0"/>
+          <a:ext cx="0" cy="0"/>
+          <a:chOff x="0" y="0"/>
+          <a:chExt cx="0" cy="0"/>
+        </a:xfrm>
+      </p:grpSpPr>
+      <p:sp>
+        <p:nvSpPr>
+          <p:cNvPr id="12" name="이등변 삼각형 11"/>
+          <p:cNvSpPr/>
+          <p:nvPr/>
+        </p:nvSpPr>
+        <p:spPr>
+          <a:xfrm flipV="1">
+            <a:off x="-1" y="2493"/>
+            <a:ext cx="1043609" cy="1410282"/>
+          </a:xfrm>
+          <a:prstGeom prst="triangle">
+            <a:avLst>
+              <a:gd name="adj" fmla="val 0"/>
+            </a:avLst>
+          </a:prstGeom>
+          <a:solidFill>
+            <a:schemeClr val="bg1"/>
+          </a:solidFill>
+          <a:ln>
+            <a:noFill/>
+          </a:ln>
+        </p:spPr>
+        <p:style>
+          <a:lnRef idx="2">
+            <a:schemeClr val="accent1">
+              <a:shade val="50000"/>
+            </a:schemeClr>
+          </a:lnRef>
+          <a:fillRef idx="1">
+            <a:schemeClr val="accent1"/>
+          </a:fillRef>
+          <a:effectRef idx="0">
+            <a:schemeClr val="accent1"/>
+          </a:effectRef>
+          <a:fontRef idx="minor">
+            <a:schemeClr val="lt1"/>
+          </a:fontRef>
+        </p:style>
+        <p:txBody>
+          <a:bodyPr rtlCol="0" anchor="ctr"/>
+          <a:lstStyle/>
+          <a:p>
+            <a:pPr algn="ctr"/>
+            <a:endParaRPr lang="ko-KR" altLang="en-US"/>
+          </a:p>
+        </p:txBody>
+      </p:sp>
+      <p:sp>
+        <p:nvSpPr>
+          <p:cNvPr id="9" name="이등변 삼각형 8"/>
+          <p:cNvSpPr/>
+          <p:nvPr/>
+        </p:nvSpPr>
+        <p:spPr>
+          <a:xfrm rot="10800000" flipV="1">
+            <a:off x="8105945" y="5445225"/>
+            <a:ext cx="1043609" cy="1410282"/>
+          </a:xfrm>
+          <a:prstGeom prst="triangle">
+            <a:avLst>
+              <a:gd name="adj" fmla="val 0"/>
+            </a:avLst>
+          </a:prstGeom>
+          <a:solidFill>
+            <a:schemeClr val="bg1"/>
+          </a:solidFill>
+          <a:ln>
+            <a:noFill/>
+          </a:ln>
+        </p:spPr>
+        <p:style>
+          <a:lnRef idx="2">
+            <a:schemeClr val="accent1">
+              <a:shade val="50000"/>
+            </a:schemeClr>
+          </a:lnRef>
+          <a:fillRef idx="1">
+            <a:schemeClr val="accent1"/>
+          </a:fillRef>
+          <a:effectRef idx="0">
+            <a:schemeClr val="accent1"/>
+          </a:effectRef>
+          <a:fontRef idx="minor">
+            <a:schemeClr val="lt1"/>
+          </a:fontRef>
+        </p:style>
+        <p:txBody>
+          <a:bodyPr rtlCol="0" anchor="ctr"/>
+          <a:lstStyle/>
+          <a:p>
+            <a:pPr algn="ctr"/>
+            <a:endParaRPr lang="ko-KR" altLang="en-US"/>
+          </a:p>
+        </p:txBody>
+      </p:sp>
+      <p:cxnSp>
+        <p:nvCxnSpPr>
+          <p:cNvPr id="7" name="직선 연결선 6"/>
+          <p:cNvCxnSpPr/>
+          <p:nvPr/>
+        </p:nvCxnSpPr>
+        <p:spPr>
+          <a:xfrm flipV="1">
+            <a:off x="8100392" y="5445225"/>
+            <a:ext cx="1043608" cy="1412775"/>
+          </a:xfrm>
+          <a:prstGeom prst="line">
+            <a:avLst/>
+          </a:prstGeom>
+          <a:ln w="25400">
+            <a:solidFill>
+              <a:srgbClr val="FF0000"/>
+            </a:solidFill>
+            <a:prstDash val="sysDash"/>
+          </a:ln>
+        </p:spPr>
+        <p:style>
+          <a:lnRef idx="1">
+            <a:schemeClr val="accent1"/>
+          </a:lnRef>
+          <a:fillRef idx="0">
+            <a:schemeClr val="accent1"/>
+          </a:fillRef>
+          <a:effectRef idx="0">
+            <a:schemeClr val="accent1"/>
+          </a:effectRef>
+          <a:fontRef idx="minor">
+            <a:schemeClr val="tx1"/>
+          </a:fontRef>
+        </p:style>
+      </p:cxnSp>
+      <p:sp>
+        <p:nvSpPr>
+          <p:cNvPr id="8" name="TextBox 7"/>
+          <p:cNvSpPr txBox="1"/>
+          <p:nvPr/>
+        </p:nvSpPr>
+        <p:spPr>
+          <a:xfrm>
+            <a:off x="1022303" y="569875"/>
+            <a:ext cx="2140330" cy="461665"/>
+          </a:xfrm>
+          <a:prstGeom prst="rect">
+            <a:avLst/>
+          </a:prstGeom>
+          <a:noFill/>
+        </p:spPr>
+        <p:txBody>
+          <a:bodyPr wrap="none" rtlCol="0">
+            <a:spAutoFit/>
+          </a:bodyPr>
+          <a:lstStyle/>
+          <a:p>
+            <a:r>
+              <a:rPr lang="ko-KR" altLang="en-US" sz="2400" dirty="0" smtClean="0">
+                <a:solidFill>
+                  <a:schemeClr val="bg1"/>
+                </a:solidFill>
+                <a:effectLst>
+                  <a:glow rad="228600">
+                    <a:schemeClr val="accent1">
+                      <a:satMod val="175000"/>
+                      <a:alpha val="40000"/>
+                    </a:schemeClr>
+                  </a:glow>
+                </a:effectLst>
+              </a:rPr>
+              <a:t>중점 연구분야</a:t>
+            </a:r>
+            <a:endParaRPr lang="ko-KR" altLang="en-US" dirty="0">
+              <a:solidFill>
+                <a:schemeClr val="bg1"/>
+              </a:solidFill>
+              <a:effectLst>
+                <a:glow rad="228600">
+                  <a:schemeClr val="accent1">
+                    <a:satMod val="175000"/>
+                    <a:alpha val="40000"/>
+                  </a:schemeClr>
+                </a:glow>
+              </a:effectLst>
+            </a:endParaRPr>
+          </a:p>
+        </p:txBody>
+      </p:sp>
+      <p:cxnSp>
+        <p:nvCxnSpPr>
+          <p:cNvPr id="10" name="직선 연결선 9"/>
+          <p:cNvCxnSpPr/>
+          <p:nvPr/>
+        </p:nvCxnSpPr>
+        <p:spPr>
+          <a:xfrm flipV="1">
+            <a:off x="0" y="0"/>
+            <a:ext cx="1043608" cy="1412775"/>
+          </a:xfrm>
+          <a:prstGeom prst="line">
+            <a:avLst/>
+          </a:prstGeom>
+          <a:ln w="25400">
+            <a:solidFill>
+              <a:srgbClr val="FF0000"/>
+            </a:solidFill>
+            <a:prstDash val="sysDash"/>
+          </a:ln>
+        </p:spPr>
+        <p:style>
+          <a:lnRef idx="1">
+            <a:schemeClr val="accent1"/>
+          </a:lnRef>
+          <a:fillRef idx="0">
+            <a:schemeClr val="accent1"/>
+          </a:fillRef>
+          <a:effectRef idx="0">
+            <a:schemeClr val="accent1"/>
+          </a:effectRef>
+          <a:fontRef idx="minor">
+            <a:schemeClr val="tx1"/>
+          </a:fontRef>
+        </p:style>
+      </p:cxnSp>
+      <p:sp>
+        <p:nvSpPr>
+          <p:cNvPr id="11" name="타원 10"/>
+          <p:cNvSpPr/>
+          <p:nvPr/>
+        </p:nvSpPr>
+        <p:spPr>
+          <a:xfrm>
+            <a:off x="251520" y="404664"/>
+            <a:ext cx="792088" cy="792088"/>
+          </a:xfrm>
+          <a:prstGeom prst="ellipse">
+            <a:avLst/>
+          </a:prstGeom>
+          <a:solidFill>
+            <a:schemeClr val="tx1"/>
+          </a:solidFill>
+          <a:ln>
+            <a:solidFill>
+              <a:srgbClr val="FF0000"/>
+            </a:solidFill>
+            <a:prstDash val="sysDash"/>
+          </a:ln>
+        </p:spPr>
+        <p:style>
+          <a:lnRef idx="2">
+            <a:schemeClr val="accent1">
+              <a:shade val="50000"/>
+            </a:schemeClr>
+          </a:lnRef>
+          <a:fillRef idx="1">
+            <a:schemeClr val="accent1"/>
+          </a:fillRef>
+          <a:effectRef idx="0">
+            <a:schemeClr val="accent1"/>
+          </a:effectRef>
+          <a:fontRef idx="minor">
+            <a:schemeClr val="lt1"/>
+          </a:fontRef>
+        </p:style>
+        <p:txBody>
+          <a:bodyPr rtlCol="0" anchor="ctr"/>
+          <a:lstStyle/>
+          <a:p>
+            <a:pPr algn="ctr"/>
+            <a:r>
+              <a:rPr lang="en-US" altLang="ko-KR" sz="3200" b="1" dirty="0" smtClean="0">
+                <a:ln w="22225">
+                  <a:solidFill>
+                    <a:schemeClr val="accent2"/>
+                  </a:solidFill>
+                  <a:prstDash val="solid"/>
+                </a:ln>
+                <a:solidFill>
+                  <a:schemeClr val="accent2">
+                    <a:lumMod val="40000"/>
+                    <a:lumOff val="60000"/>
+                  </a:schemeClr>
+                </a:solidFill>
+                <a:latin typeface="-윤고딕340" pitchFamily="18" charset="-127"/>
+                <a:ea typeface="-윤고딕340" pitchFamily="18" charset="-127"/>
+              </a:rPr>
               <a:t>6</a:t>
             </a:r>
             <a:endParaRPr lang="ko-KR" altLang="en-US" sz="3200" dirty="0">
@@ -5945,7 +7895,7 @@
 </p:sld>
 </file>
 
-<file path=ppt/slides/slide13.xml><?xml version="1.0" encoding="utf-8"?>
+<file path=ppt/slides/slide14.xml><?xml version="1.0" encoding="utf-8"?>
 <p:sld xmlns:a="http://schemas.openxmlformats.org/drawingml/2006/main" xmlns:r="http://schemas.openxmlformats.org/officeDocument/2006/relationships" xmlns:p="http://schemas.openxmlformats.org/presentationml/2006/main">
   <p:cSld>
     <p:spTree>
@@ -6566,138 +8516,64 @@
               </a:lnSpc>
             </a:pPr>
             <a:r>
-              <a:rPr lang="ko-KR" altLang="en-US" sz="1600" kern="0" dirty="0">
+              <a:rPr lang="ko-KR" altLang="en-US" sz="1600" kern="0" dirty="0" smtClean="0">
                 <a:solidFill>
                   <a:schemeClr val="bg1"/>
                 </a:solidFill>
                 <a:latin typeface="HY헤드라인M" panose="02030600000101010101" pitchFamily="18" charset="-127"/>
                 <a:ea typeface="HY헤드라인M" panose="02030600000101010101" pitchFamily="18" charset="-127"/>
               </a:rPr>
-              <a:t>각각의 플레이어와 </a:t>
-            </a:r>
-            <a:r>
-              <a:rPr lang="ko-KR" altLang="en-US" sz="1600" kern="0" dirty="0" smtClean="0">
+              <a:t>각 플레이어</a:t>
+            </a:r>
+            <a:r>
+              <a:rPr lang="en-US" altLang="ko-KR" sz="1600" kern="0" dirty="0" smtClean="0">
                 <a:solidFill>
                   <a:schemeClr val="bg1"/>
                 </a:solidFill>
                 <a:latin typeface="HY헤드라인M" panose="02030600000101010101" pitchFamily="18" charset="-127"/>
                 <a:ea typeface="HY헤드라인M" panose="02030600000101010101" pitchFamily="18" charset="-127"/>
               </a:rPr>
-              <a:t>몬스터는 </a:t>
-            </a:r>
-            <a:r>
-              <a:rPr lang="en-US" altLang="ko-KR" sz="1600" kern="0" dirty="0">
+              <a:t>, </a:t>
+            </a:r>
+            <a:r>
+              <a:rPr lang="ko-KR" altLang="en-US" sz="1600" kern="0" dirty="0" err="1" smtClean="0">
                 <a:solidFill>
                   <a:schemeClr val="bg1"/>
                 </a:solidFill>
                 <a:latin typeface="HY헤드라인M" panose="02030600000101010101" pitchFamily="18" charset="-127"/>
                 <a:ea typeface="HY헤드라인M" panose="02030600000101010101" pitchFamily="18" charset="-127"/>
               </a:rPr>
-              <a:t>3</a:t>
-            </a:r>
-            <a:r>
-              <a:rPr lang="ko-KR" altLang="en-US" sz="1600" kern="0" dirty="0">
+              <a:t>몬스터에게는</a:t>
+            </a:r>
+            <a:r>
+              <a:rPr lang="ko-KR" altLang="en-US" sz="1600" kern="0" dirty="0" smtClean="0">
                 <a:solidFill>
                   <a:schemeClr val="bg1"/>
                 </a:solidFill>
                 <a:latin typeface="HY헤드라인M" panose="02030600000101010101" pitchFamily="18" charset="-127"/>
                 <a:ea typeface="HY헤드라인M" panose="02030600000101010101" pitchFamily="18" charset="-127"/>
               </a:rPr>
-              <a:t>개의 모델 중 하나가 </a:t>
-            </a:r>
-            <a:r>
-              <a:rPr lang="ko-KR" altLang="en-US" sz="1600" kern="0" dirty="0" err="1">
+              <a:t> </a:t>
+            </a:r>
+            <a:r>
+              <a:rPr lang="en-US" altLang="ko-KR" sz="1600" kern="0" dirty="0" smtClean="0">
                 <a:solidFill>
                   <a:schemeClr val="bg1"/>
                 </a:solidFill>
                 <a:latin typeface="HY헤드라인M" panose="02030600000101010101" pitchFamily="18" charset="-127"/>
                 <a:ea typeface="HY헤드라인M" panose="02030600000101010101" pitchFamily="18" charset="-127"/>
               </a:rPr>
-              <a:t>랜덤하게</a:t>
-            </a:r>
-            <a:r>
-              <a:rPr lang="ko-KR" altLang="en-US" sz="1600" kern="0" dirty="0">
+              <a:t>3</a:t>
+            </a:r>
+            <a:r>
+              <a:rPr lang="ko-KR" altLang="en-US" sz="1600" kern="0" dirty="0" smtClean="0">
                 <a:solidFill>
                   <a:schemeClr val="bg1"/>
                 </a:solidFill>
                 <a:latin typeface="HY헤드라인M" panose="02030600000101010101" pitchFamily="18" charset="-127"/>
                 <a:ea typeface="HY헤드라인M" panose="02030600000101010101" pitchFamily="18" charset="-127"/>
               </a:rPr>
-              <a:t> </a:t>
-            </a:r>
-            <a:r>
-              <a:rPr lang="ko-KR" altLang="en-US" sz="1600" kern="0" dirty="0" smtClean="0">
-                <a:solidFill>
-                  <a:schemeClr val="bg1"/>
-                </a:solidFill>
-                <a:latin typeface="HY헤드라인M" panose="02030600000101010101" pitchFamily="18" charset="-127"/>
-                <a:ea typeface="HY헤드라인M" panose="02030600000101010101" pitchFamily="18" charset="-127"/>
-              </a:rPr>
-              <a:t>지정</a:t>
-            </a:r>
-            <a:r>
-              <a:rPr lang="en-US" altLang="ko-KR" sz="1600" kern="0" dirty="0" smtClean="0">
-                <a:solidFill>
-                  <a:schemeClr val="bg1"/>
-                </a:solidFill>
-                <a:latin typeface="HY헤드라인M" panose="02030600000101010101" pitchFamily="18" charset="-127"/>
-                <a:ea typeface="HY헤드라인M" panose="02030600000101010101" pitchFamily="18" charset="-127"/>
-              </a:rPr>
-              <a:t>.</a:t>
-            </a:r>
-            <a:endParaRPr lang="ko-KR" altLang="en-US" sz="1600" kern="0" dirty="0">
-              <a:solidFill>
-                <a:schemeClr val="bg1"/>
-              </a:solidFill>
-              <a:latin typeface="HY헤드라인M" panose="02030600000101010101" pitchFamily="18" charset="-127"/>
-              <a:ea typeface="HY헤드라인M" panose="02030600000101010101" pitchFamily="18" charset="-127"/>
-            </a:endParaRPr>
-          </a:p>
-          <a:p>
-            <a:pPr fontAlgn="base">
-              <a:lnSpc>
-                <a:spcPct val="160000"/>
-              </a:lnSpc>
-            </a:pPr>
-            <a:r>
-              <a:rPr lang="ko-KR" altLang="en-US" sz="1600" kern="0" dirty="0" smtClean="0">
-                <a:solidFill>
-                  <a:schemeClr val="bg1"/>
-                </a:solidFill>
-                <a:latin typeface="HY헤드라인M" panose="02030600000101010101" pitchFamily="18" charset="-127"/>
-                <a:ea typeface="HY헤드라인M" panose="02030600000101010101" pitchFamily="18" charset="-127"/>
-              </a:rPr>
-              <a:t>게임에 </a:t>
-            </a:r>
-            <a:r>
-              <a:rPr lang="ko-KR" altLang="en-US" sz="1600" kern="0" dirty="0" smtClean="0">
-                <a:solidFill>
-                  <a:schemeClr val="bg1"/>
-                </a:solidFill>
-                <a:latin typeface="HY헤드라인M" panose="02030600000101010101" pitchFamily="18" charset="-127"/>
-                <a:ea typeface="HY헤드라인M" panose="02030600000101010101" pitchFamily="18" charset="-127"/>
-              </a:rPr>
-              <a:t>시간제한을 </a:t>
-            </a:r>
-            <a:r>
-              <a:rPr lang="ko-KR" altLang="en-US" sz="1600" kern="0" dirty="0">
-                <a:solidFill>
-                  <a:schemeClr val="bg1"/>
-                </a:solidFill>
-                <a:latin typeface="HY헤드라인M" panose="02030600000101010101" pitchFamily="18" charset="-127"/>
-                <a:ea typeface="HY헤드라인M" panose="02030600000101010101" pitchFamily="18" charset="-127"/>
-              </a:rPr>
-              <a:t>두고 </a:t>
-            </a:r>
-            <a:r>
-              <a:rPr lang="ko-KR" altLang="en-US" sz="1600" kern="0" dirty="0" smtClean="0">
-                <a:solidFill>
-                  <a:schemeClr val="bg1"/>
-                </a:solidFill>
-                <a:latin typeface="HY헤드라인M" panose="02030600000101010101" pitchFamily="18" charset="-127"/>
-                <a:ea typeface="HY헤드라인M" panose="02030600000101010101" pitchFamily="18" charset="-127"/>
-              </a:rPr>
-              <a:t>객체 </a:t>
+              <a:t>개의</a:t>
             </a:r>
             <a:endParaRPr lang="en-US" altLang="ko-KR" sz="1600" kern="0" dirty="0" smtClean="0">
               <a:solidFill>
@@ -6721,7 +8597,74 @@
                 <a:latin typeface="HY헤드라인M" panose="02030600000101010101" pitchFamily="18" charset="-127"/>
                 <a:ea typeface="HY헤드라인M" panose="02030600000101010101" pitchFamily="18" charset="-127"/>
               </a:rPr>
-              <a:t>이동속도가 후반으로 갈수록</a:t>
+              <a:t>모델을 </a:t>
+            </a:r>
+            <a:r>
+              <a:rPr lang="ko-KR" altLang="en-US" sz="1600" kern="0" dirty="0" err="1" smtClean="0">
+                <a:solidFill>
+                  <a:schemeClr val="bg1"/>
+                </a:solidFill>
+                <a:latin typeface="HY헤드라인M" panose="02030600000101010101" pitchFamily="18" charset="-127"/>
+                <a:ea typeface="HY헤드라인M" panose="02030600000101010101" pitchFamily="18" charset="-127"/>
+              </a:rPr>
+              <a:t>랜덤하게</a:t>
+            </a:r>
+            <a:r>
+              <a:rPr lang="ko-KR" altLang="en-US" sz="1600" kern="0" dirty="0" smtClean="0">
+                <a:solidFill>
+                  <a:schemeClr val="bg1"/>
+                </a:solidFill>
+                <a:latin typeface="HY헤드라인M" panose="02030600000101010101" pitchFamily="18" charset="-127"/>
+                <a:ea typeface="HY헤드라인M" panose="02030600000101010101" pitchFamily="18" charset="-127"/>
+              </a:rPr>
+              <a:t> 주어진다</a:t>
+            </a:r>
+            <a:r>
+              <a:rPr lang="en-US" altLang="ko-KR" sz="1600" kern="0" dirty="0" smtClean="0">
+                <a:solidFill>
+                  <a:schemeClr val="bg1"/>
+                </a:solidFill>
+                <a:latin typeface="HY헤드라인M" panose="02030600000101010101" pitchFamily="18" charset="-127"/>
+                <a:ea typeface="HY헤드라인M" panose="02030600000101010101" pitchFamily="18" charset="-127"/>
+              </a:rPr>
+              <a:t>.</a:t>
+            </a:r>
+          </a:p>
+          <a:p>
+            <a:pPr fontAlgn="base">
+              <a:lnSpc>
+                <a:spcPct val="160000"/>
+              </a:lnSpc>
+            </a:pPr>
+            <a:r>
+              <a:rPr lang="ko-KR" altLang="en-US" sz="1600" kern="0" dirty="0" smtClean="0">
+                <a:solidFill>
+                  <a:schemeClr val="bg1"/>
+                </a:solidFill>
+                <a:latin typeface="HY헤드라인M" panose="02030600000101010101" pitchFamily="18" charset="-127"/>
+                <a:ea typeface="HY헤드라인M" panose="02030600000101010101" pitchFamily="18" charset="-127"/>
+              </a:rPr>
+              <a:t>게임에 시간제한을 </a:t>
+            </a:r>
+            <a:r>
+              <a:rPr lang="ko-KR" altLang="en-US" sz="1600" kern="0" dirty="0">
+                <a:solidFill>
+                  <a:schemeClr val="bg1"/>
+                </a:solidFill>
+                <a:latin typeface="HY헤드라인M" panose="02030600000101010101" pitchFamily="18" charset="-127"/>
+                <a:ea typeface="HY헤드라인M" panose="02030600000101010101" pitchFamily="18" charset="-127"/>
+              </a:rPr>
+              <a:t>두고 </a:t>
+            </a:r>
+            <a:r>
+              <a:rPr lang="ko-KR" altLang="en-US" sz="1600" kern="0" dirty="0" smtClean="0">
+                <a:solidFill>
+                  <a:schemeClr val="bg1"/>
+                </a:solidFill>
+                <a:latin typeface="HY헤드라인M" panose="02030600000101010101" pitchFamily="18" charset="-127"/>
+                <a:ea typeface="HY헤드라인M" panose="02030600000101010101" pitchFamily="18" charset="-127"/>
+              </a:rPr>
+              <a:t>객체 </a:t>
             </a:r>
             <a:endParaRPr lang="en-US" altLang="ko-KR" sz="1600" kern="0" dirty="0" smtClean="0">
               <a:solidFill>
@@ -6745,57 +8688,41 @@
                 <a:latin typeface="HY헤드라인M" panose="02030600000101010101" pitchFamily="18" charset="-127"/>
                 <a:ea typeface="HY헤드라인M" panose="02030600000101010101" pitchFamily="18" charset="-127"/>
               </a:rPr>
-              <a:t>증가</a:t>
-            </a:r>
-            <a:r>
-              <a:rPr lang="en-US" altLang="ko-KR" sz="1600" kern="0" dirty="0" smtClean="0">
+              <a:t>이동속도가 후반으로 갈수록</a:t>
+            </a:r>
+            <a:endParaRPr lang="en-US" altLang="ko-KR" sz="1600" kern="0" dirty="0" smtClean="0">
+              <a:solidFill>
+                <a:schemeClr val="bg1"/>
+              </a:solidFill>
+              <a:latin typeface="HY헤드라인M" panose="02030600000101010101" pitchFamily="18" charset="-127"/>
+              <a:ea typeface="HY헤드라인M" panose="02030600000101010101" pitchFamily="18" charset="-127"/>
+            </a:endParaRPr>
+          </a:p>
+          <a:p>
+            <a:pPr fontAlgn="base">
+              <a:lnSpc>
+                <a:spcPct val="160000"/>
+              </a:lnSpc>
+            </a:pPr>
+            <a:r>
+              <a:rPr lang="ko-KR" altLang="en-US" sz="1600" kern="0" dirty="0" smtClean="0">
                 <a:solidFill>
                   <a:schemeClr val="bg1"/>
                 </a:solidFill>
                 <a:latin typeface="HY헤드라인M" panose="02030600000101010101" pitchFamily="18" charset="-127"/>
                 <a:ea typeface="HY헤드라인M" panose="02030600000101010101" pitchFamily="18" charset="-127"/>
               </a:rPr>
-              <a:t>.(</a:t>
-            </a:r>
-            <a:r>
-              <a:rPr lang="ko-KR" altLang="en-US" sz="1600" kern="0" dirty="0" smtClean="0">
+              <a:t>증가 하도록 한다</a:t>
+            </a:r>
+            <a:r>
+              <a:rPr lang="en-US" altLang="ko-KR" sz="1600" kern="0" dirty="0" smtClean="0">
                 <a:solidFill>
                   <a:schemeClr val="bg1"/>
                 </a:solidFill>
                 <a:latin typeface="HY헤드라인M" panose="02030600000101010101" pitchFamily="18" charset="-127"/>
                 <a:ea typeface="HY헤드라인M" panose="02030600000101010101" pitchFamily="18" charset="-127"/>
               </a:rPr>
-              <a:t>매</a:t>
-            </a:r>
-            <a:r>
-              <a:rPr lang="en-US" altLang="ko-KR" sz="1600" kern="0" dirty="0" smtClean="0">
-                <a:solidFill>
-                  <a:schemeClr val="bg1"/>
-                </a:solidFill>
-                <a:latin typeface="HY헤드라인M" panose="02030600000101010101" pitchFamily="18" charset="-127"/>
-                <a:ea typeface="HY헤드라인M" panose="02030600000101010101" pitchFamily="18" charset="-127"/>
-              </a:rPr>
-              <a:t>4</a:t>
-            </a:r>
-            <a:r>
-              <a:rPr lang="ko-KR" altLang="en-US" sz="1600" kern="0" dirty="0" smtClean="0">
-                <a:solidFill>
-                  <a:schemeClr val="bg1"/>
-                </a:solidFill>
-                <a:latin typeface="HY헤드라인M" panose="02030600000101010101" pitchFamily="18" charset="-127"/>
-                <a:ea typeface="HY헤드라인M" panose="02030600000101010101" pitchFamily="18" charset="-127"/>
-              </a:rPr>
-              <a:t>분마다</a:t>
-            </a:r>
-            <a:r>
-              <a:rPr lang="en-US" altLang="ko-KR" sz="1600" kern="0" dirty="0">
-                <a:solidFill>
-                  <a:schemeClr val="bg1"/>
-                </a:solidFill>
-                <a:latin typeface="HY헤드라인M" panose="02030600000101010101" pitchFamily="18" charset="-127"/>
-                <a:ea typeface="HY헤드라인M" panose="02030600000101010101" pitchFamily="18" charset="-127"/>
-              </a:rPr>
-              <a:t>)</a:t>
+              <a:t>.</a:t>
             </a:r>
             <a:endParaRPr lang="ko-KR" altLang="en-US" sz="1600" kern="0" dirty="0">
               <a:solidFill>
@@ -6827,7 +8754,7 @@
 </p:sld>
 </file>
 
-<file path=ppt/slides/slide14.xml><?xml version="1.0" encoding="utf-8"?>
+<file path=ppt/slides/slide15.xml><?xml version="1.0" encoding="utf-8"?>
 <p:sld xmlns:a="http://schemas.openxmlformats.org/drawingml/2006/main" xmlns:r="http://schemas.openxmlformats.org/officeDocument/2006/relationships" xmlns:p="http://schemas.openxmlformats.org/presentationml/2006/main">
   <p:cSld>
     <p:spTree>
@@ -8465,7 +10392,7 @@
 </p:sld>
 </file>
 
-<file path=ppt/slides/slide15.xml><?xml version="1.0" encoding="utf-8"?>
+<file path=ppt/slides/slide16.xml><?xml version="1.0" encoding="utf-8"?>
 <p:sld xmlns:a="http://schemas.openxmlformats.org/drawingml/2006/main" xmlns:r="http://schemas.openxmlformats.org/officeDocument/2006/relationships" xmlns:p="http://schemas.openxmlformats.org/presentationml/2006/main">
   <p:cSld>
     <p:spTree>
@@ -11499,7 +13426,7 @@
 </p:sld>
 </file>
 
-<file path=ppt/slides/slide16.xml><?xml version="1.0" encoding="utf-8"?>
+<file path=ppt/slides/slide17.xml><?xml version="1.0" encoding="utf-8"?>
 <p:sld xmlns:a="http://schemas.openxmlformats.org/drawingml/2006/main" xmlns:r="http://schemas.openxmlformats.org/officeDocument/2006/relationships" xmlns:p="http://schemas.openxmlformats.org/presentationml/2006/main">
   <p:cSld>
     <p:spTree>
@@ -16913,37 +18840,6 @@
               <a:t>3D </a:t>
             </a:r>
             <a:r>
-              <a:rPr lang="ko-KR" altLang="en-US" sz="2800" b="1" dirty="0" smtClean="0">
-                <a:ln w="12700" cmpd="sng">
-                  <a:solidFill>
-                    <a:schemeClr val="accent4"/>
-                  </a:solidFill>
-                  <a:prstDash val="solid"/>
-                </a:ln>
-                <a:gradFill>
-                  <a:gsLst>
-                    <a:gs pos="0">
-                      <a:schemeClr val="accent4"/>
-                    </a:gs>
-                    <a:gs pos="4000">
-                      <a:schemeClr val="accent4">
-                        <a:lumMod val="60000"/>
-                        <a:lumOff val="40000"/>
-                      </a:schemeClr>
-                    </a:gs>
-                    <a:gs pos="87000">
-                      <a:schemeClr val="accent4">
-                        <a:lumMod val="20000"/>
-                        <a:lumOff val="80000"/>
-                      </a:schemeClr>
-                    </a:gs>
-                  </a:gsLst>
-                  <a:lin ang="5400000"/>
-                </a:gradFill>
-              </a:rPr>
-              <a:t>서버와 게임의 동기화 </a:t>
-            </a:r>
-            <a:r>
               <a:rPr lang="ko-KR" altLang="en-US" sz="2800" b="1" dirty="0">
                 <a:ln w="12700" cmpd="sng">
                   <a:solidFill>
@@ -16972,7 +18868,7 @@
                   <a:lin ang="5400000"/>
                 </a:gradFill>
               </a:rPr>
-              <a:t>작업</a:t>
+              <a:t>게임의 최적화 작업</a:t>
             </a:r>
             <a:endParaRPr lang="en-US" altLang="ko-KR" sz="2800" b="1" dirty="0">
               <a:ln w="12700" cmpd="sng">
@@ -17759,67 +19655,7 @@
                 <a:latin typeface="HY헤드라인M" panose="02030600000101010101" pitchFamily="18" charset="-127"/>
                 <a:ea typeface="HY헤드라인M" panose="02030600000101010101" pitchFamily="18" charset="-127"/>
               </a:rPr>
-              <a:t>어둠 속에서 </a:t>
-            </a:r>
-            <a:r>
-              <a:rPr lang="ko-KR" altLang="en-US" kern="0" dirty="0" smtClean="0">
-                <a:solidFill>
-                  <a:schemeClr val="bg1"/>
-                </a:solidFill>
-                <a:latin typeface="HY헤드라인M" panose="02030600000101010101" pitchFamily="18" charset="-127"/>
-                <a:ea typeface="HY헤드라인M" panose="02030600000101010101" pitchFamily="18" charset="-127"/>
-              </a:rPr>
-              <a:t>각 플레이어</a:t>
-            </a:r>
-            <a:r>
-              <a:rPr lang="en-US" altLang="ko-KR" kern="0" dirty="0" smtClean="0">
-                <a:solidFill>
-                  <a:schemeClr val="bg1"/>
-                </a:solidFill>
-                <a:latin typeface="HY헤드라인M" panose="02030600000101010101" pitchFamily="18" charset="-127"/>
-                <a:ea typeface="HY헤드라인M" panose="02030600000101010101" pitchFamily="18" charset="-127"/>
-              </a:rPr>
-              <a:t>(</a:t>
-            </a:r>
-            <a:r>
-              <a:rPr lang="en-US" altLang="ko-KR" kern="0" dirty="0" smtClean="0">
-                <a:solidFill>
-                  <a:schemeClr val="bg1"/>
-                </a:solidFill>
-                <a:latin typeface="HY헤드라인M" panose="02030600000101010101" pitchFamily="18" charset="-127"/>
-                <a:ea typeface="HY헤드라인M" panose="02030600000101010101" pitchFamily="18" charset="-127"/>
-              </a:rPr>
-              <a:t>2~8</a:t>
-            </a:r>
-            <a:r>
-              <a:rPr lang="ko-KR" altLang="en-US" kern="0" dirty="0" smtClean="0">
-                <a:solidFill>
-                  <a:schemeClr val="bg1"/>
-                </a:solidFill>
-                <a:latin typeface="HY헤드라인M" panose="02030600000101010101" pitchFamily="18" charset="-127"/>
-                <a:ea typeface="HY헤드라인M" panose="02030600000101010101" pitchFamily="18" charset="-127"/>
-              </a:rPr>
-              <a:t>명</a:t>
-            </a:r>
-            <a:r>
-              <a:rPr lang="en-US" altLang="ko-KR" kern="0" dirty="0" smtClean="0">
-                <a:solidFill>
-                  <a:schemeClr val="bg1"/>
-                </a:solidFill>
-                <a:latin typeface="HY헤드라인M" panose="02030600000101010101" pitchFamily="18" charset="-127"/>
-                <a:ea typeface="HY헤드라인M" panose="02030600000101010101" pitchFamily="18" charset="-127"/>
-              </a:rPr>
-              <a:t>)</a:t>
-            </a:r>
-            <a:r>
-              <a:rPr lang="ko-KR" altLang="en-US" kern="0" dirty="0" smtClean="0">
-                <a:solidFill>
-                  <a:schemeClr val="bg1"/>
-                </a:solidFill>
-                <a:latin typeface="HY헤드라인M" panose="02030600000101010101" pitchFamily="18" charset="-127"/>
-                <a:ea typeface="HY헤드라인M" panose="02030600000101010101" pitchFamily="18" charset="-127"/>
-              </a:rPr>
-              <a:t>들이</a:t>
+              <a:t>어둠 속에서 각 팀 플레이어들이</a:t>
             </a:r>
             <a:endParaRPr lang="en-US" altLang="ko-KR" kern="0" dirty="0" smtClean="0">
               <a:solidFill>
@@ -18463,8 +20299,8 @@
         </p:nvSpPr>
         <p:spPr>
           <a:xfrm>
-            <a:off x="755576" y="1412775"/>
-            <a:ext cx="7686600" cy="4967514"/>
+            <a:off x="755576" y="2348880"/>
+            <a:ext cx="7686600" cy="1865126"/>
           </a:xfrm>
           <a:prstGeom prst="rect">
             <a:avLst/>
@@ -18744,352 +20580,8 @@
                 <a:latin typeface="HY헤드라인M" panose="02030600000101010101" pitchFamily="18" charset="-127"/>
                 <a:ea typeface="HY헤드라인M" panose="02030600000101010101" pitchFamily="18" charset="-127"/>
               </a:rPr>
-              <a:t> </a:t>
-            </a:r>
-            <a:r>
-              <a:rPr lang="ko-KR" altLang="en-US" kern="0" dirty="0" smtClean="0">
-                <a:solidFill>
-                  <a:schemeClr val="bg1"/>
-                </a:solidFill>
-                <a:latin typeface="HY헤드라인M" panose="02030600000101010101" pitchFamily="18" charset="-127"/>
-                <a:ea typeface="HY헤드라인M" panose="02030600000101010101" pitchFamily="18" charset="-127"/>
-              </a:rPr>
-              <a:t>제작</a:t>
-            </a:r>
-            <a:endParaRPr lang="en-US" altLang="ko-KR" kern="0" dirty="0" smtClean="0">
-              <a:solidFill>
-                <a:schemeClr val="bg1"/>
-              </a:solidFill>
-              <a:latin typeface="HY헤드라인M" panose="02030600000101010101" pitchFamily="18" charset="-127"/>
-              <a:ea typeface="HY헤드라인M" panose="02030600000101010101" pitchFamily="18" charset="-127"/>
-            </a:endParaRPr>
-          </a:p>
-          <a:p>
-            <a:pPr fontAlgn="base">
-              <a:lnSpc>
-                <a:spcPct val="160000"/>
-              </a:lnSpc>
-            </a:pPr>
-            <a:r>
-              <a:rPr lang="ko-KR" altLang="en-US" kern="0" dirty="0" smtClean="0">
-                <a:solidFill>
-                  <a:schemeClr val="bg1"/>
-                </a:solidFill>
-                <a:latin typeface="HY헤드라인M" panose="02030600000101010101" pitchFamily="18" charset="-127"/>
-                <a:ea typeface="HY헤드라인M" panose="02030600000101010101" pitchFamily="18" charset="-127"/>
-              </a:rPr>
-              <a:t>●플레이어 속도 </a:t>
-            </a:r>
-            <a:r>
-              <a:rPr lang="en-US" altLang="ko-KR" kern="0" dirty="0" smtClean="0">
-                <a:solidFill>
-                  <a:schemeClr val="bg1"/>
-                </a:solidFill>
-                <a:latin typeface="HY헤드라인M" panose="02030600000101010101" pitchFamily="18" charset="-127"/>
-                <a:ea typeface="HY헤드라인M" panose="02030600000101010101" pitchFamily="18" charset="-127"/>
-              </a:rPr>
-              <a:t>: 2m/s</a:t>
-            </a:r>
-          </a:p>
-          <a:p>
-            <a:pPr fontAlgn="base">
-              <a:lnSpc>
-                <a:spcPct val="160000"/>
-              </a:lnSpc>
-            </a:pPr>
-            <a:r>
-              <a:rPr lang="ko-KR" altLang="en-US" kern="0" dirty="0" smtClean="0">
-                <a:solidFill>
-                  <a:schemeClr val="bg1"/>
-                </a:solidFill>
-                <a:latin typeface="HY헤드라인M" panose="02030600000101010101" pitchFamily="18" charset="-127"/>
-                <a:ea typeface="HY헤드라인M" panose="02030600000101010101" pitchFamily="18" charset="-127"/>
-              </a:rPr>
-              <a:t>●예상 플레이 시간</a:t>
-            </a:r>
-            <a:r>
-              <a:rPr lang="en-US" altLang="ko-KR" kern="0" dirty="0">
-                <a:solidFill>
-                  <a:schemeClr val="bg1"/>
-                </a:solidFill>
-                <a:latin typeface="HY헤드라인M" panose="02030600000101010101" pitchFamily="18" charset="-127"/>
-                <a:ea typeface="HY헤드라인M" panose="02030600000101010101" pitchFamily="18" charset="-127"/>
-              </a:rPr>
-              <a:t> </a:t>
-            </a:r>
-            <a:r>
-              <a:rPr lang="en-US" altLang="ko-KR" kern="0" dirty="0" smtClean="0">
-                <a:solidFill>
-                  <a:schemeClr val="bg1"/>
-                </a:solidFill>
-                <a:latin typeface="HY헤드라인M" panose="02030600000101010101" pitchFamily="18" charset="-127"/>
-                <a:ea typeface="HY헤드라인M" panose="02030600000101010101" pitchFamily="18" charset="-127"/>
-              </a:rPr>
-              <a:t>: </a:t>
-            </a:r>
-            <a:r>
-              <a:rPr lang="ko-KR" altLang="en-US" kern="0" dirty="0" smtClean="0">
-                <a:solidFill>
-                  <a:schemeClr val="bg1"/>
-                </a:solidFill>
-                <a:latin typeface="HY헤드라인M" panose="02030600000101010101" pitchFamily="18" charset="-127"/>
-                <a:ea typeface="HY헤드라인M" panose="02030600000101010101" pitchFamily="18" charset="-127"/>
-              </a:rPr>
-              <a:t>게임당 최소 </a:t>
-            </a:r>
-            <a:r>
-              <a:rPr lang="en-US" altLang="ko-KR" kern="0" dirty="0">
-                <a:solidFill>
-                  <a:schemeClr val="bg1"/>
-                </a:solidFill>
-                <a:latin typeface="HY헤드라인M" panose="02030600000101010101" pitchFamily="18" charset="-127"/>
-                <a:ea typeface="HY헤드라인M" panose="02030600000101010101" pitchFamily="18" charset="-127"/>
-              </a:rPr>
-              <a:t>8</a:t>
-            </a:r>
-            <a:r>
-              <a:rPr lang="ko-KR" altLang="en-US" kern="0" dirty="0" smtClean="0">
-                <a:solidFill>
-                  <a:schemeClr val="bg1"/>
-                </a:solidFill>
-                <a:latin typeface="HY헤드라인M" panose="02030600000101010101" pitchFamily="18" charset="-127"/>
-                <a:ea typeface="HY헤드라인M" panose="02030600000101010101" pitchFamily="18" charset="-127"/>
-              </a:rPr>
-              <a:t>분</a:t>
-            </a:r>
-            <a:endParaRPr lang="en-US" altLang="ko-KR" kern="0" dirty="0" smtClean="0">
-              <a:solidFill>
-                <a:schemeClr val="bg1"/>
-              </a:solidFill>
-              <a:latin typeface="HY헤드라인M" panose="02030600000101010101" pitchFamily="18" charset="-127"/>
-              <a:ea typeface="HY헤드라인M" panose="02030600000101010101" pitchFamily="18" charset="-127"/>
-            </a:endParaRPr>
-          </a:p>
-          <a:p>
-            <a:pPr fontAlgn="base">
-              <a:lnSpc>
-                <a:spcPct val="160000"/>
-              </a:lnSpc>
-            </a:pPr>
-            <a:r>
-              <a:rPr lang="ko-KR" altLang="en-US" kern="0" dirty="0">
-                <a:solidFill>
-                  <a:schemeClr val="bg1"/>
-                </a:solidFill>
-                <a:latin typeface="HY헤드라인M" panose="02030600000101010101" pitchFamily="18" charset="-127"/>
-                <a:ea typeface="HY헤드라인M" panose="02030600000101010101" pitchFamily="18" charset="-127"/>
-              </a:rPr>
-              <a:t>● 플레이어</a:t>
-            </a:r>
-            <a:r>
-              <a:rPr lang="en-US" altLang="ko-KR" kern="0" dirty="0">
-                <a:solidFill>
-                  <a:schemeClr val="bg1"/>
-                </a:solidFill>
-                <a:latin typeface="HY헤드라인M" panose="02030600000101010101" pitchFamily="18" charset="-127"/>
-                <a:ea typeface="HY헤드라인M" panose="02030600000101010101" pitchFamily="18" charset="-127"/>
-              </a:rPr>
-              <a:t>, </a:t>
-            </a:r>
-            <a:r>
-              <a:rPr lang="ko-KR" altLang="en-US" kern="0" dirty="0">
-                <a:solidFill>
-                  <a:schemeClr val="bg1"/>
-                </a:solidFill>
-                <a:latin typeface="HY헤드라인M" panose="02030600000101010101" pitchFamily="18" charset="-127"/>
-                <a:ea typeface="HY헤드라인M" panose="02030600000101010101" pitchFamily="18" charset="-127"/>
-              </a:rPr>
-              <a:t>몬스터</a:t>
-            </a:r>
-            <a:endParaRPr lang="en-US" altLang="ko-KR" kern="0" dirty="0">
-              <a:solidFill>
-                <a:schemeClr val="bg1"/>
-              </a:solidFill>
-              <a:latin typeface="HY헤드라인M" panose="02030600000101010101" pitchFamily="18" charset="-127"/>
-              <a:ea typeface="HY헤드라인M" panose="02030600000101010101" pitchFamily="18" charset="-127"/>
-            </a:endParaRPr>
-          </a:p>
-          <a:p>
-            <a:pPr fontAlgn="base">
-              <a:lnSpc>
-                <a:spcPct val="160000"/>
-              </a:lnSpc>
-            </a:pPr>
-            <a:r>
-              <a:rPr lang="ko-KR" altLang="en-US" kern="0" dirty="0">
-                <a:solidFill>
-                  <a:schemeClr val="bg1"/>
-                </a:solidFill>
-                <a:latin typeface="HY헤드라인M" panose="02030600000101010101" pitchFamily="18" charset="-127"/>
-                <a:ea typeface="HY헤드라인M" panose="02030600000101010101" pitchFamily="18" charset="-127"/>
-              </a:rPr>
-              <a:t>플레이어</a:t>
-            </a:r>
-            <a:r>
-              <a:rPr lang="en-US" altLang="ko-KR" kern="0" dirty="0">
-                <a:solidFill>
-                  <a:schemeClr val="bg1"/>
-                </a:solidFill>
-                <a:latin typeface="HY헤드라인M" panose="02030600000101010101" pitchFamily="18" charset="-127"/>
-                <a:ea typeface="HY헤드라인M" panose="02030600000101010101" pitchFamily="18" charset="-127"/>
-              </a:rPr>
-              <a:t>, </a:t>
-            </a:r>
-            <a:r>
-              <a:rPr lang="ko-KR" altLang="en-US" kern="0" dirty="0">
-                <a:solidFill>
-                  <a:schemeClr val="bg1"/>
-                </a:solidFill>
-                <a:latin typeface="HY헤드라인M" panose="02030600000101010101" pitchFamily="18" charset="-127"/>
-                <a:ea typeface="HY헤드라인M" panose="02030600000101010101" pitchFamily="18" charset="-127"/>
-              </a:rPr>
-              <a:t>몬스터가 임의로 할당 받을 수 있는 캐릭터 종류는 </a:t>
-            </a:r>
-            <a:r>
-              <a:rPr lang="en-US" altLang="ko-KR" kern="0" dirty="0">
-                <a:solidFill>
-                  <a:schemeClr val="bg1"/>
-                </a:solidFill>
-                <a:latin typeface="HY헤드라인M" panose="02030600000101010101" pitchFamily="18" charset="-127"/>
-                <a:ea typeface="HY헤드라인M" panose="02030600000101010101" pitchFamily="18" charset="-127"/>
-              </a:rPr>
-              <a:t>3</a:t>
-            </a:r>
-            <a:r>
-              <a:rPr lang="ko-KR" altLang="en-US" kern="0" dirty="0">
-                <a:solidFill>
-                  <a:schemeClr val="bg1"/>
-                </a:solidFill>
-                <a:latin typeface="HY헤드라인M" panose="02030600000101010101" pitchFamily="18" charset="-127"/>
-                <a:ea typeface="HY헤드라인M" panose="02030600000101010101" pitchFamily="18" charset="-127"/>
-              </a:rPr>
-              <a:t>가지</a:t>
-            </a:r>
-            <a:endParaRPr lang="en-US" altLang="ko-KR" kern="0" dirty="0">
-              <a:solidFill>
-                <a:schemeClr val="bg1"/>
-              </a:solidFill>
-              <a:latin typeface="HY헤드라인M" panose="02030600000101010101" pitchFamily="18" charset="-127"/>
-              <a:ea typeface="HY헤드라인M" panose="02030600000101010101" pitchFamily="18" charset="-127"/>
-            </a:endParaRPr>
-          </a:p>
-          <a:p>
-            <a:pPr fontAlgn="base">
-              <a:lnSpc>
-                <a:spcPct val="160000"/>
-              </a:lnSpc>
-            </a:pPr>
-            <a:r>
-              <a:rPr lang="ko-KR" altLang="en-US" kern="0" dirty="0">
-                <a:solidFill>
-                  <a:schemeClr val="bg1"/>
-                </a:solidFill>
-                <a:latin typeface="HY헤드라인M" panose="02030600000101010101" pitchFamily="18" charset="-127"/>
-                <a:ea typeface="HY헤드라인M" panose="02030600000101010101" pitchFamily="18" charset="-127"/>
-              </a:rPr>
-              <a:t>걷기 속도는 </a:t>
-            </a:r>
-            <a:r>
-              <a:rPr lang="en-US" altLang="ko-KR" kern="0" dirty="0">
-                <a:solidFill>
-                  <a:schemeClr val="bg1"/>
-                </a:solidFill>
-                <a:latin typeface="HY헤드라인M" panose="02030600000101010101" pitchFamily="18" charset="-127"/>
-                <a:ea typeface="HY헤드라인M" panose="02030600000101010101" pitchFamily="18" charset="-127"/>
-              </a:rPr>
-              <a:t>2m/s, </a:t>
-            </a:r>
-            <a:r>
-              <a:rPr lang="ko-KR" altLang="en-US" kern="0" dirty="0">
-                <a:solidFill>
-                  <a:schemeClr val="bg1"/>
-                </a:solidFill>
-                <a:latin typeface="HY헤드라인M" panose="02030600000101010101" pitchFamily="18" charset="-127"/>
-                <a:ea typeface="HY헤드라인M" panose="02030600000101010101" pitchFamily="18" charset="-127"/>
-              </a:rPr>
-              <a:t>달리기 속도는 </a:t>
-            </a:r>
-            <a:r>
-              <a:rPr lang="en-US" altLang="ko-KR" kern="0" dirty="0">
-                <a:solidFill>
-                  <a:schemeClr val="bg1"/>
-                </a:solidFill>
-                <a:latin typeface="HY헤드라인M" panose="02030600000101010101" pitchFamily="18" charset="-127"/>
-                <a:ea typeface="HY헤드라인M" panose="02030600000101010101" pitchFamily="18" charset="-127"/>
-              </a:rPr>
-              <a:t>5m/s</a:t>
-            </a:r>
-          </a:p>
-          <a:p>
-            <a:pPr fontAlgn="base">
-              <a:lnSpc>
-                <a:spcPct val="160000"/>
-              </a:lnSpc>
-            </a:pPr>
-            <a:r>
-              <a:rPr lang="ko-KR" altLang="en-US" kern="0" dirty="0">
-                <a:solidFill>
-                  <a:schemeClr val="bg1"/>
-                </a:solidFill>
-                <a:latin typeface="HY헤드라인M" panose="02030600000101010101" pitchFamily="18" charset="-127"/>
-                <a:ea typeface="HY헤드라인M" panose="02030600000101010101" pitchFamily="18" charset="-127"/>
-              </a:rPr>
-              <a:t>상태</a:t>
-            </a:r>
-            <a:r>
-              <a:rPr lang="en-US" altLang="ko-KR" kern="0" dirty="0">
-                <a:solidFill>
-                  <a:schemeClr val="bg1"/>
-                </a:solidFill>
-                <a:latin typeface="HY헤드라인M" panose="02030600000101010101" pitchFamily="18" charset="-127"/>
-                <a:ea typeface="HY헤드라인M" panose="02030600000101010101" pitchFamily="18" charset="-127"/>
-              </a:rPr>
-              <a:t>(</a:t>
-            </a:r>
-            <a:r>
-              <a:rPr lang="ko-KR" altLang="en-US" kern="0" dirty="0">
-                <a:solidFill>
-                  <a:schemeClr val="bg1"/>
-                </a:solidFill>
-                <a:latin typeface="HY헤드라인M" panose="02030600000101010101" pitchFamily="18" charset="-127"/>
-                <a:ea typeface="HY헤드라인M" panose="02030600000101010101" pitchFamily="18" charset="-127"/>
-              </a:rPr>
-              <a:t>애니메이션</a:t>
-            </a:r>
-            <a:r>
-              <a:rPr lang="en-US" altLang="ko-KR" kern="0" dirty="0">
-                <a:solidFill>
-                  <a:schemeClr val="bg1"/>
-                </a:solidFill>
-                <a:latin typeface="HY헤드라인M" panose="02030600000101010101" pitchFamily="18" charset="-127"/>
-                <a:ea typeface="HY헤드라인M" panose="02030600000101010101" pitchFamily="18" charset="-127"/>
-              </a:rPr>
-              <a:t>) : Idle, Walk, Run, Attack, </a:t>
-            </a:r>
-            <a:r>
-              <a:rPr lang="en-US" altLang="ko-KR" kern="0" dirty="0" smtClean="0">
-                <a:solidFill>
-                  <a:schemeClr val="bg1"/>
-                </a:solidFill>
-                <a:latin typeface="HY헤드라인M" panose="02030600000101010101" pitchFamily="18" charset="-127"/>
-                <a:ea typeface="HY헤드라인M" panose="02030600000101010101" pitchFamily="18" charset="-127"/>
-              </a:rPr>
-              <a:t>Death(Asset store)</a:t>
-            </a:r>
-            <a:endParaRPr lang="ko-KR" altLang="en-US" kern="0" dirty="0">
-              <a:solidFill>
-                <a:schemeClr val="bg1"/>
-              </a:solidFill>
-              <a:latin typeface="HY헤드라인M" panose="02030600000101010101" pitchFamily="18" charset="-127"/>
-              <a:ea typeface="HY헤드라인M" panose="02030600000101010101" pitchFamily="18" charset="-127"/>
-            </a:endParaRPr>
-          </a:p>
-          <a:p>
-            <a:pPr fontAlgn="base">
-              <a:lnSpc>
-                <a:spcPct val="160000"/>
-              </a:lnSpc>
-            </a:pPr>
+              <a:t> 제작</a:t>
+            </a:r>
             <a:endParaRPr lang="en-US" altLang="ko-KR" kern="0" dirty="0" smtClean="0">
               <a:solidFill>
                 <a:schemeClr val="bg1"/>
@@ -19792,6 +21284,277 @@
       </p:sp>
       <p:sp>
         <p:nvSpPr>
+          <p:cNvPr id="3" name="직사각형 2"/>
+          <p:cNvSpPr/>
+          <p:nvPr/>
+        </p:nvSpPr>
+        <p:spPr>
+          <a:xfrm>
+            <a:off x="728700" y="2390007"/>
+            <a:ext cx="7686600" cy="1865126"/>
+          </a:xfrm>
+          <a:prstGeom prst="rect">
+            <a:avLst/>
+          </a:prstGeom>
+          <a:ln>
+            <a:noFill/>
+          </a:ln>
+          <a:effectLst>
+            <a:glow rad="228600">
+              <a:srgbClr val="FFFF00">
+                <a:alpha val="40000"/>
+              </a:srgbClr>
+            </a:glow>
+            <a:outerShdw blurRad="44450" dist="27940" dir="5400000" algn="ctr">
+              <a:srgbClr val="000000">
+                <a:alpha val="32000"/>
+              </a:srgbClr>
+            </a:outerShdw>
+          </a:effectLst>
+          <a:scene3d>
+            <a:camera prst="orthographicFront">
+              <a:rot lat="0" lon="0" rev="0"/>
+            </a:camera>
+            <a:lightRig rig="balanced" dir="t">
+              <a:rot lat="0" lon="0" rev="8700000"/>
+            </a:lightRig>
+          </a:scene3d>
+          <a:sp3d>
+            <a:bevelT w="190500" h="38100"/>
+          </a:sp3d>
+        </p:spPr>
+        <p:style>
+          <a:lnRef idx="3">
+            <a:schemeClr val="lt1"/>
+          </a:lnRef>
+          <a:fillRef idx="1">
+            <a:schemeClr val="dk1"/>
+          </a:fillRef>
+          <a:effectRef idx="1">
+            <a:schemeClr val="dk1"/>
+          </a:effectRef>
+          <a:fontRef idx="minor">
+            <a:schemeClr val="lt1"/>
+          </a:fontRef>
+        </p:style>
+        <p:txBody>
+          <a:bodyPr wrap="square">
+            <a:spAutoFit/>
+          </a:bodyPr>
+          <a:lstStyle/>
+          <a:p>
+            <a:pPr fontAlgn="base">
+              <a:lnSpc>
+                <a:spcPct val="160000"/>
+              </a:lnSpc>
+            </a:pPr>
+            <a:r>
+              <a:rPr lang="ko-KR" altLang="en-US" kern="0" dirty="0" smtClean="0">
+                <a:solidFill>
+                  <a:schemeClr val="bg1"/>
+                </a:solidFill>
+                <a:latin typeface="HY헤드라인M" panose="02030600000101010101" pitchFamily="18" charset="-127"/>
+                <a:ea typeface="HY헤드라인M" panose="02030600000101010101" pitchFamily="18" charset="-127"/>
+              </a:rPr>
+              <a:t>● 플레이어</a:t>
+            </a:r>
+            <a:r>
+              <a:rPr lang="en-US" altLang="ko-KR" kern="0" dirty="0" smtClean="0">
+                <a:solidFill>
+                  <a:schemeClr val="bg1"/>
+                </a:solidFill>
+                <a:latin typeface="HY헤드라인M" panose="02030600000101010101" pitchFamily="18" charset="-127"/>
+                <a:ea typeface="HY헤드라인M" panose="02030600000101010101" pitchFamily="18" charset="-127"/>
+              </a:rPr>
+              <a:t>, </a:t>
+            </a:r>
+            <a:r>
+              <a:rPr lang="ko-KR" altLang="en-US" kern="0" dirty="0" smtClean="0">
+                <a:solidFill>
+                  <a:schemeClr val="bg1"/>
+                </a:solidFill>
+                <a:latin typeface="HY헤드라인M" panose="02030600000101010101" pitchFamily="18" charset="-127"/>
+                <a:ea typeface="HY헤드라인M" panose="02030600000101010101" pitchFamily="18" charset="-127"/>
+              </a:rPr>
+              <a:t>몬스터</a:t>
+            </a:r>
+            <a:endParaRPr lang="en-US" altLang="ko-KR" kern="0" dirty="0" smtClean="0">
+              <a:solidFill>
+                <a:schemeClr val="bg1"/>
+              </a:solidFill>
+              <a:latin typeface="HY헤드라인M" panose="02030600000101010101" pitchFamily="18" charset="-127"/>
+              <a:ea typeface="HY헤드라인M" panose="02030600000101010101" pitchFamily="18" charset="-127"/>
+            </a:endParaRPr>
+          </a:p>
+          <a:p>
+            <a:pPr fontAlgn="base">
+              <a:lnSpc>
+                <a:spcPct val="160000"/>
+              </a:lnSpc>
+            </a:pPr>
+            <a:r>
+              <a:rPr lang="ko-KR" altLang="en-US" kern="0" dirty="0" smtClean="0">
+                <a:solidFill>
+                  <a:schemeClr val="bg1"/>
+                </a:solidFill>
+                <a:latin typeface="HY헤드라인M" panose="02030600000101010101" pitchFamily="18" charset="-127"/>
+                <a:ea typeface="HY헤드라인M" panose="02030600000101010101" pitchFamily="18" charset="-127"/>
+              </a:rPr>
+              <a:t>플레이어</a:t>
+            </a:r>
+            <a:r>
+              <a:rPr lang="en-US" altLang="ko-KR" kern="0" dirty="0" smtClean="0">
+                <a:solidFill>
+                  <a:schemeClr val="bg1"/>
+                </a:solidFill>
+                <a:latin typeface="HY헤드라인M" panose="02030600000101010101" pitchFamily="18" charset="-127"/>
+                <a:ea typeface="HY헤드라인M" panose="02030600000101010101" pitchFamily="18" charset="-127"/>
+              </a:rPr>
+              <a:t>, </a:t>
+            </a:r>
+            <a:r>
+              <a:rPr lang="ko-KR" altLang="en-US" kern="0" dirty="0" smtClean="0">
+                <a:solidFill>
+                  <a:schemeClr val="bg1"/>
+                </a:solidFill>
+                <a:latin typeface="HY헤드라인M" panose="02030600000101010101" pitchFamily="18" charset="-127"/>
+                <a:ea typeface="HY헤드라인M" panose="02030600000101010101" pitchFamily="18" charset="-127"/>
+              </a:rPr>
+              <a:t>몬스터가 임의로 할당 받을 수 있는 캐릭터 종류는 </a:t>
+            </a:r>
+            <a:r>
+              <a:rPr lang="en-US" altLang="ko-KR" kern="0" dirty="0" smtClean="0">
+                <a:solidFill>
+                  <a:schemeClr val="bg1"/>
+                </a:solidFill>
+                <a:latin typeface="HY헤드라인M" panose="02030600000101010101" pitchFamily="18" charset="-127"/>
+                <a:ea typeface="HY헤드라인M" panose="02030600000101010101" pitchFamily="18" charset="-127"/>
+              </a:rPr>
+              <a:t>3</a:t>
+            </a:r>
+            <a:r>
+              <a:rPr lang="ko-KR" altLang="en-US" kern="0" dirty="0" smtClean="0">
+                <a:solidFill>
+                  <a:schemeClr val="bg1"/>
+                </a:solidFill>
+                <a:latin typeface="HY헤드라인M" panose="02030600000101010101" pitchFamily="18" charset="-127"/>
+                <a:ea typeface="HY헤드라인M" panose="02030600000101010101" pitchFamily="18" charset="-127"/>
+              </a:rPr>
+              <a:t>가지</a:t>
+            </a:r>
+            <a:endParaRPr lang="en-US" altLang="ko-KR" kern="0" dirty="0" smtClean="0">
+              <a:solidFill>
+                <a:schemeClr val="bg1"/>
+              </a:solidFill>
+              <a:latin typeface="HY헤드라인M" panose="02030600000101010101" pitchFamily="18" charset="-127"/>
+              <a:ea typeface="HY헤드라인M" panose="02030600000101010101" pitchFamily="18" charset="-127"/>
+            </a:endParaRPr>
+          </a:p>
+          <a:p>
+            <a:pPr fontAlgn="base">
+              <a:lnSpc>
+                <a:spcPct val="160000"/>
+              </a:lnSpc>
+            </a:pPr>
+            <a:r>
+              <a:rPr lang="ko-KR" altLang="en-US" kern="0" dirty="0" smtClean="0">
+                <a:solidFill>
+                  <a:schemeClr val="bg1"/>
+                </a:solidFill>
+                <a:latin typeface="HY헤드라인M" panose="02030600000101010101" pitchFamily="18" charset="-127"/>
+                <a:ea typeface="HY헤드라인M" panose="02030600000101010101" pitchFamily="18" charset="-127"/>
+              </a:rPr>
+              <a:t>걷기 속도는 </a:t>
+            </a:r>
+            <a:r>
+              <a:rPr lang="en-US" altLang="ko-KR" kern="0" dirty="0" smtClean="0">
+                <a:solidFill>
+                  <a:schemeClr val="bg1"/>
+                </a:solidFill>
+                <a:latin typeface="HY헤드라인M" panose="02030600000101010101" pitchFamily="18" charset="-127"/>
+                <a:ea typeface="HY헤드라인M" panose="02030600000101010101" pitchFamily="18" charset="-127"/>
+              </a:rPr>
+              <a:t>2m/s, </a:t>
+            </a:r>
+            <a:r>
+              <a:rPr lang="ko-KR" altLang="en-US" kern="0" dirty="0" smtClean="0">
+                <a:solidFill>
+                  <a:schemeClr val="bg1"/>
+                </a:solidFill>
+                <a:latin typeface="HY헤드라인M" panose="02030600000101010101" pitchFamily="18" charset="-127"/>
+                <a:ea typeface="HY헤드라인M" panose="02030600000101010101" pitchFamily="18" charset="-127"/>
+              </a:rPr>
+              <a:t>달리기 속도는 </a:t>
+            </a:r>
+            <a:r>
+              <a:rPr lang="en-US" altLang="ko-KR" kern="0" dirty="0" smtClean="0">
+                <a:solidFill>
+                  <a:schemeClr val="bg1"/>
+                </a:solidFill>
+                <a:latin typeface="HY헤드라인M" panose="02030600000101010101" pitchFamily="18" charset="-127"/>
+                <a:ea typeface="HY헤드라인M" panose="02030600000101010101" pitchFamily="18" charset="-127"/>
+              </a:rPr>
+              <a:t>5m/s</a:t>
+            </a:r>
+          </a:p>
+          <a:p>
+            <a:pPr fontAlgn="base">
+              <a:lnSpc>
+                <a:spcPct val="160000"/>
+              </a:lnSpc>
+            </a:pPr>
+            <a:r>
+              <a:rPr lang="ko-KR" altLang="en-US" kern="0" dirty="0" smtClean="0">
+                <a:solidFill>
+                  <a:schemeClr val="bg1"/>
+                </a:solidFill>
+                <a:latin typeface="HY헤드라인M" panose="02030600000101010101" pitchFamily="18" charset="-127"/>
+                <a:ea typeface="HY헤드라인M" panose="02030600000101010101" pitchFamily="18" charset="-127"/>
+              </a:rPr>
+              <a:t>상태</a:t>
+            </a:r>
+            <a:r>
+              <a:rPr lang="en-US" altLang="ko-KR" kern="0" dirty="0" smtClean="0">
+                <a:solidFill>
+                  <a:schemeClr val="bg1"/>
+                </a:solidFill>
+                <a:latin typeface="HY헤드라인M" panose="02030600000101010101" pitchFamily="18" charset="-127"/>
+                <a:ea typeface="HY헤드라인M" panose="02030600000101010101" pitchFamily="18" charset="-127"/>
+              </a:rPr>
+              <a:t>(</a:t>
+            </a:r>
+            <a:r>
+              <a:rPr lang="ko-KR" altLang="en-US" kern="0" dirty="0" smtClean="0">
+                <a:solidFill>
+                  <a:schemeClr val="bg1"/>
+                </a:solidFill>
+                <a:latin typeface="HY헤드라인M" panose="02030600000101010101" pitchFamily="18" charset="-127"/>
+                <a:ea typeface="HY헤드라인M" panose="02030600000101010101" pitchFamily="18" charset="-127"/>
+              </a:rPr>
+              <a:t>애니메이션</a:t>
+            </a:r>
+            <a:r>
+              <a:rPr lang="en-US" altLang="ko-KR" kern="0" dirty="0" smtClean="0">
+                <a:solidFill>
+                  <a:schemeClr val="bg1"/>
+                </a:solidFill>
+                <a:latin typeface="HY헤드라인M" panose="02030600000101010101" pitchFamily="18" charset="-127"/>
+                <a:ea typeface="HY헤드라인M" panose="02030600000101010101" pitchFamily="18" charset="-127"/>
+              </a:rPr>
+              <a:t>) : Idle, Walk, Run, Attack, Death</a:t>
+            </a:r>
+            <a:endParaRPr lang="ko-KR" altLang="en-US" kern="0" dirty="0">
+              <a:solidFill>
+                <a:schemeClr val="bg1"/>
+              </a:solidFill>
+              <a:latin typeface="HY헤드라인M" panose="02030600000101010101" pitchFamily="18" charset="-127"/>
+              <a:ea typeface="HY헤드라인M" panose="02030600000101010101" pitchFamily="18" charset="-127"/>
+            </a:endParaRPr>
+          </a:p>
+        </p:txBody>
+      </p:sp>
+      <p:sp>
+        <p:nvSpPr>
           <p:cNvPr id="4" name="Rectangle 2"/>
           <p:cNvSpPr>
             <a:spLocks noChangeArrowheads="1"/>
@@ -19853,47 +21616,6 @@
           </a:p>
         </p:txBody>
       </p:sp>
-      <p:pic>
-        <p:nvPicPr>
-          <p:cNvPr id="1025" name="_x313074848" descr="EMB00001e886b4d"/>
-          <p:cNvPicPr>
-            <a:picLocks noChangeAspect="1" noChangeArrowheads="1"/>
-          </p:cNvPicPr>
-          <p:nvPr/>
-        </p:nvPicPr>
-        <p:blipFill>
-          <a:blip r:embed="rId2">
-            <a:extLst>
-              <a:ext uri="{28A0092B-C50C-407E-A947-70E740481C1C}">
-                <a14:useLocalDpi xmlns:a14="http://schemas.microsoft.com/office/drawing/2010/main" val="0"/>
-              </a:ext>
-            </a:extLst>
-          </a:blip>
-          <a:srcRect/>
-          <a:stretch>
-            <a:fillRect/>
-          </a:stretch>
-        </p:blipFill>
-        <p:spPr bwMode="auto">
-          <a:xfrm>
-            <a:off x="539552" y="1412775"/>
-            <a:ext cx="2400194" cy="2192716"/>
-          </a:xfrm>
-          <a:prstGeom prst="rect">
-            <a:avLst/>
-          </a:prstGeom>
-          <a:noFill/>
-          <a:extLst>
-            <a:ext uri="{909E8E84-426E-40DD-AFC4-6F175D3DCCD1}">
-              <a14:hiddenFill xmlns:a14="http://schemas.microsoft.com/office/drawing/2010/main">
-                <a:solidFill>
-                  <a:srgbClr val="FFFFFF"/>
-                </a:solidFill>
-              </a14:hiddenFill>
-            </a:ext>
-          </a:extLst>
-        </p:spPr>
-      </p:pic>
       <p:sp>
         <p:nvSpPr>
           <p:cNvPr id="5" name="Rectangle 4"/>
@@ -19957,47 +21679,6 @@
           </a:p>
         </p:txBody>
       </p:sp>
-      <p:pic>
-        <p:nvPicPr>
-          <p:cNvPr id="1027" name="_x313076048" descr="EMB00001e886b50"/>
-          <p:cNvPicPr>
-            <a:picLocks noChangeAspect="1" noChangeArrowheads="1"/>
-          </p:cNvPicPr>
-          <p:nvPr/>
-        </p:nvPicPr>
-        <p:blipFill>
-          <a:blip r:embed="rId3">
-            <a:extLst>
-              <a:ext uri="{28A0092B-C50C-407E-A947-70E740481C1C}">
-                <a14:useLocalDpi xmlns:a14="http://schemas.microsoft.com/office/drawing/2010/main" val="0"/>
-              </a:ext>
-            </a:extLst>
-          </a:blip>
-          <a:srcRect/>
-          <a:stretch>
-            <a:fillRect/>
-          </a:stretch>
-        </p:blipFill>
-        <p:spPr bwMode="auto">
-          <a:xfrm>
-            <a:off x="2939746" y="1442737"/>
-            <a:ext cx="2448272" cy="2202287"/>
-          </a:xfrm>
-          <a:prstGeom prst="rect">
-            <a:avLst/>
-          </a:prstGeom>
-          <a:noFill/>
-          <a:extLst>
-            <a:ext uri="{909E8E84-426E-40DD-AFC4-6F175D3DCCD1}">
-              <a14:hiddenFill xmlns:a14="http://schemas.microsoft.com/office/drawing/2010/main">
-                <a:solidFill>
-                  <a:srgbClr val="FFFFFF"/>
-                </a:solidFill>
-              </a14:hiddenFill>
-            </a:ext>
-          </a:extLst>
-        </p:spPr>
-      </p:pic>
       <p:sp>
         <p:nvSpPr>
           <p:cNvPr id="6" name="Rectangle 6"/>
@@ -20061,363 +21742,10 @@
           </a:p>
         </p:txBody>
       </p:sp>
-      <p:pic>
-        <p:nvPicPr>
-          <p:cNvPr id="1029" name="_x313076288" descr="EMB00001e886b53"/>
-          <p:cNvPicPr>
-            <a:picLocks noChangeAspect="1" noChangeArrowheads="1"/>
-          </p:cNvPicPr>
-          <p:nvPr/>
-        </p:nvPicPr>
-        <p:blipFill>
-          <a:blip r:embed="rId4">
-            <a:extLst>
-              <a:ext uri="{28A0092B-C50C-407E-A947-70E740481C1C}">
-                <a14:useLocalDpi xmlns:a14="http://schemas.microsoft.com/office/drawing/2010/main" val="0"/>
-              </a:ext>
-            </a:extLst>
-          </a:blip>
-          <a:srcRect/>
-          <a:stretch>
-            <a:fillRect/>
-          </a:stretch>
-        </p:blipFill>
-        <p:spPr bwMode="auto">
-          <a:xfrm>
-            <a:off x="5435719" y="1442737"/>
-            <a:ext cx="2352493" cy="2202287"/>
-          </a:xfrm>
-          <a:prstGeom prst="rect">
-            <a:avLst/>
-          </a:prstGeom>
-          <a:noFill/>
-          <a:extLst>
-            <a:ext uri="{909E8E84-426E-40DD-AFC4-6F175D3DCCD1}">
-              <a14:hiddenFill xmlns:a14="http://schemas.microsoft.com/office/drawing/2010/main">
-                <a:solidFill>
-                  <a:srgbClr val="FFFFFF"/>
-                </a:solidFill>
-              </a14:hiddenFill>
-            </a:ext>
-          </a:extLst>
-        </p:spPr>
-      </p:pic>
-      <p:sp>
-        <p:nvSpPr>
-          <p:cNvPr id="2" name="Rectangle 2"/>
-          <p:cNvSpPr>
-            <a:spLocks noChangeArrowheads="1"/>
-          </p:cNvSpPr>
-          <p:nvPr/>
-        </p:nvSpPr>
-        <p:spPr bwMode="auto">
-          <a:xfrm>
-            <a:off x="0" y="0"/>
-            <a:ext cx="9144000" cy="457200"/>
-          </a:xfrm>
-          <a:prstGeom prst="rect">
-            <a:avLst/>
-          </a:prstGeom>
-          <a:noFill/>
-          <a:ln>
-            <a:noFill/>
-          </a:ln>
-          <a:effectLst/>
-          <a:extLst>
-            <a:ext uri="{909E8E84-426E-40DD-AFC4-6F175D3DCCD1}">
-              <a14:hiddenFill xmlns:a14="http://schemas.microsoft.com/office/drawing/2010/main">
-                <a:solidFill>
-                  <a:schemeClr val="accent1"/>
-                </a:solidFill>
-              </a14:hiddenFill>
-            </a:ext>
-            <a:ext uri="{91240B29-F687-4F45-9708-019B960494DF}">
-              <a14:hiddenLine xmlns:a14="http://schemas.microsoft.com/office/drawing/2010/main" w="9525">
-                <a:solidFill>
-                  <a:schemeClr val="tx1"/>
-                </a:solidFill>
-                <a:miter lim="800000"/>
-                <a:headEnd/>
-                <a:tailEnd/>
-              </a14:hiddenLine>
-            </a:ext>
-            <a:ext uri="{AF507438-7753-43E0-B8FC-AC1667EBCBE1}">
-              <a14:hiddenEffects xmlns:a14="http://schemas.microsoft.com/office/drawing/2010/main">
-                <a:effectLst>
-                  <a:outerShdw dist="35921" dir="2700000" algn="ctr" rotWithShape="0">
-                    <a:schemeClr val="bg2"/>
-                  </a:outerShdw>
-                </a:effectLst>
-              </a14:hiddenEffects>
-            </a:ext>
-          </a:extLst>
-        </p:spPr>
-        <p:txBody>
-          <a:bodyPr vert="horz" wrap="none" lIns="91440" tIns="45720" rIns="91440" bIns="45720" numCol="1" anchor="ctr" anchorCtr="0" compatLnSpc="1">
-            <a:prstTxWarp prst="textNoShape">
-              <a:avLst/>
-            </a:prstTxWarp>
-            <a:spAutoFit/>
-          </a:bodyPr>
-          <a:lstStyle/>
-          <a:p>
-            <a:endParaRPr lang="ko-KR" altLang="en-US"/>
-          </a:p>
-        </p:txBody>
-      </p:sp>
-      <p:pic>
-        <p:nvPicPr>
-          <p:cNvPr id="2049" name="_x313076448" descr="EMB00001e886b56"/>
-          <p:cNvPicPr>
-            <a:picLocks noChangeAspect="1" noChangeArrowheads="1"/>
-          </p:cNvPicPr>
-          <p:nvPr/>
-        </p:nvPicPr>
-        <p:blipFill>
-          <a:blip r:embed="rId5">
-            <a:extLst>
-              <a:ext uri="{28A0092B-C50C-407E-A947-70E740481C1C}">
-                <a14:useLocalDpi xmlns:a14="http://schemas.microsoft.com/office/drawing/2010/main" val="0"/>
-              </a:ext>
-            </a:extLst>
-          </a:blip>
-          <a:srcRect/>
-          <a:stretch>
-            <a:fillRect/>
-          </a:stretch>
-        </p:blipFill>
-        <p:spPr bwMode="auto">
-          <a:xfrm>
-            <a:off x="533999" y="3770703"/>
-            <a:ext cx="2405748" cy="2379663"/>
-          </a:xfrm>
-          <a:prstGeom prst="rect">
-            <a:avLst/>
-          </a:prstGeom>
-          <a:noFill/>
-          <a:extLst>
-            <a:ext uri="{909E8E84-426E-40DD-AFC4-6F175D3DCCD1}">
-              <a14:hiddenFill xmlns:a14="http://schemas.microsoft.com/office/drawing/2010/main">
-                <a:solidFill>
-                  <a:srgbClr val="FFFFFF"/>
-                </a:solidFill>
-              </a14:hiddenFill>
-            </a:ext>
-          </a:extLst>
-        </p:spPr>
-      </p:pic>
-      <p:sp>
-        <p:nvSpPr>
-          <p:cNvPr id="13" name="Rectangle 4"/>
-          <p:cNvSpPr>
-            <a:spLocks noChangeArrowheads="1"/>
-          </p:cNvSpPr>
-          <p:nvPr/>
-        </p:nvSpPr>
-        <p:spPr bwMode="auto">
-          <a:xfrm>
-            <a:off x="0" y="0"/>
-            <a:ext cx="9144000" cy="457200"/>
-          </a:xfrm>
-          <a:prstGeom prst="rect">
-            <a:avLst/>
-          </a:prstGeom>
-          <a:noFill/>
-          <a:ln>
-            <a:noFill/>
-          </a:ln>
-          <a:effectLst/>
-          <a:extLst>
-            <a:ext uri="{909E8E84-426E-40DD-AFC4-6F175D3DCCD1}">
-              <a14:hiddenFill xmlns:a14="http://schemas.microsoft.com/office/drawing/2010/main">
-                <a:solidFill>
-                  <a:schemeClr val="accent1"/>
-                </a:solidFill>
-              </a14:hiddenFill>
-            </a:ext>
-            <a:ext uri="{91240B29-F687-4F45-9708-019B960494DF}">
-              <a14:hiddenLine xmlns:a14="http://schemas.microsoft.com/office/drawing/2010/main" w="9525">
-                <a:solidFill>
-                  <a:schemeClr val="tx1"/>
-                </a:solidFill>
-                <a:miter lim="800000"/>
-                <a:headEnd/>
-                <a:tailEnd/>
-              </a14:hiddenLine>
-            </a:ext>
-            <a:ext uri="{AF507438-7753-43E0-B8FC-AC1667EBCBE1}">
-              <a14:hiddenEffects xmlns:a14="http://schemas.microsoft.com/office/drawing/2010/main">
-                <a:effectLst>
-                  <a:outerShdw dist="35921" dir="2700000" algn="ctr" rotWithShape="0">
-                    <a:schemeClr val="bg2"/>
-                  </a:outerShdw>
-                </a:effectLst>
-              </a14:hiddenEffects>
-            </a:ext>
-          </a:extLst>
-        </p:spPr>
-        <p:txBody>
-          <a:bodyPr vert="horz" wrap="none" lIns="91440" tIns="45720" rIns="91440" bIns="45720" numCol="1" anchor="ctr" anchorCtr="0" compatLnSpc="1">
-            <a:prstTxWarp prst="textNoShape">
-              <a:avLst/>
-            </a:prstTxWarp>
-            <a:spAutoFit/>
-          </a:bodyPr>
-          <a:lstStyle/>
-          <a:p>
-            <a:endParaRPr lang="ko-KR" altLang="en-US"/>
-          </a:p>
-        </p:txBody>
-      </p:sp>
-      <p:pic>
-        <p:nvPicPr>
-          <p:cNvPr id="2051" name="_x313076288" descr="EMB00001e886b59"/>
-          <p:cNvPicPr>
-            <a:picLocks noChangeAspect="1" noChangeArrowheads="1"/>
-          </p:cNvPicPr>
-          <p:nvPr/>
-        </p:nvPicPr>
-        <p:blipFill>
-          <a:blip r:embed="rId6">
-            <a:extLst>
-              <a:ext uri="{28A0092B-C50C-407E-A947-70E740481C1C}">
-                <a14:useLocalDpi xmlns:a14="http://schemas.microsoft.com/office/drawing/2010/main" val="0"/>
-              </a:ext>
-            </a:extLst>
-          </a:blip>
-          <a:srcRect/>
-          <a:stretch>
-            <a:fillRect/>
-          </a:stretch>
-        </p:blipFill>
-        <p:spPr bwMode="auto">
-          <a:xfrm>
-            <a:off x="2939746" y="3770703"/>
-            <a:ext cx="2495973" cy="2468563"/>
-          </a:xfrm>
-          <a:prstGeom prst="rect">
-            <a:avLst/>
-          </a:prstGeom>
-          <a:noFill/>
-          <a:extLst>
-            <a:ext uri="{909E8E84-426E-40DD-AFC4-6F175D3DCCD1}">
-              <a14:hiddenFill xmlns:a14="http://schemas.microsoft.com/office/drawing/2010/main">
-                <a:solidFill>
-                  <a:srgbClr val="FFFFFF"/>
-                </a:solidFill>
-              </a14:hiddenFill>
-            </a:ext>
-          </a:extLst>
-        </p:spPr>
-      </p:pic>
-      <p:sp>
-        <p:nvSpPr>
-          <p:cNvPr id="14" name="Rectangle 6"/>
-          <p:cNvSpPr>
-            <a:spLocks noChangeArrowheads="1"/>
-          </p:cNvSpPr>
-          <p:nvPr/>
-        </p:nvSpPr>
-        <p:spPr bwMode="auto">
-          <a:xfrm>
-            <a:off x="0" y="0"/>
-            <a:ext cx="9144000" cy="457200"/>
-          </a:xfrm>
-          <a:prstGeom prst="rect">
-            <a:avLst/>
-          </a:prstGeom>
-          <a:noFill/>
-          <a:ln>
-            <a:noFill/>
-          </a:ln>
-          <a:effectLst/>
-          <a:extLst>
-            <a:ext uri="{909E8E84-426E-40DD-AFC4-6F175D3DCCD1}">
-              <a14:hiddenFill xmlns:a14="http://schemas.microsoft.com/office/drawing/2010/main">
-                <a:solidFill>
-                  <a:schemeClr val="accent1"/>
-                </a:solidFill>
-              </a14:hiddenFill>
-            </a:ext>
-            <a:ext uri="{91240B29-F687-4F45-9708-019B960494DF}">
-              <a14:hiddenLine xmlns:a14="http://schemas.microsoft.com/office/drawing/2010/main" w="9525">
-                <a:solidFill>
-                  <a:schemeClr val="tx1"/>
-                </a:solidFill>
-                <a:miter lim="800000"/>
-                <a:headEnd/>
-                <a:tailEnd/>
-              </a14:hiddenLine>
-            </a:ext>
-            <a:ext uri="{AF507438-7753-43E0-B8FC-AC1667EBCBE1}">
-              <a14:hiddenEffects xmlns:a14="http://schemas.microsoft.com/office/drawing/2010/main">
-                <a:effectLst>
-                  <a:outerShdw dist="35921" dir="2700000" algn="ctr" rotWithShape="0">
-                    <a:schemeClr val="bg2"/>
-                  </a:outerShdw>
-                </a:effectLst>
-              </a14:hiddenEffects>
-            </a:ext>
-          </a:extLst>
-        </p:spPr>
-        <p:txBody>
-          <a:bodyPr vert="horz" wrap="none" lIns="91440" tIns="45720" rIns="91440" bIns="45720" numCol="1" anchor="ctr" anchorCtr="0" compatLnSpc="1">
-            <a:prstTxWarp prst="textNoShape">
-              <a:avLst/>
-            </a:prstTxWarp>
-            <a:spAutoFit/>
-          </a:bodyPr>
-          <a:lstStyle/>
-          <a:p>
-            <a:endParaRPr lang="ko-KR" altLang="en-US"/>
-          </a:p>
-        </p:txBody>
-      </p:sp>
-      <p:pic>
-        <p:nvPicPr>
-          <p:cNvPr id="2053" name="_x313075808" descr="EMB00001e886b5c"/>
-          <p:cNvPicPr>
-            <a:picLocks noChangeAspect="1" noChangeArrowheads="1"/>
-          </p:cNvPicPr>
-          <p:nvPr/>
-        </p:nvPicPr>
-        <p:blipFill>
-          <a:blip r:embed="rId7">
-            <a:extLst>
-              <a:ext uri="{28A0092B-C50C-407E-A947-70E740481C1C}">
-                <a14:useLocalDpi xmlns:a14="http://schemas.microsoft.com/office/drawing/2010/main" val="0"/>
-              </a:ext>
-            </a:extLst>
-          </a:blip>
-          <a:srcRect/>
-          <a:stretch>
-            <a:fillRect/>
-          </a:stretch>
-        </p:blipFill>
-        <p:spPr bwMode="auto">
-          <a:xfrm>
-            <a:off x="5388019" y="3770703"/>
-            <a:ext cx="2400194" cy="2493963"/>
-          </a:xfrm>
-          <a:prstGeom prst="rect">
-            <a:avLst/>
-          </a:prstGeom>
-          <a:noFill/>
-          <a:extLst>
-            <a:ext uri="{909E8E84-426E-40DD-AFC4-6F175D3DCCD1}">
-              <a14:hiddenFill xmlns:a14="http://schemas.microsoft.com/office/drawing/2010/main">
-                <a:solidFill>
-                  <a:srgbClr val="FFFFFF"/>
-                </a:solidFill>
-              </a14:hiddenFill>
-            </a:ext>
-          </a:extLst>
-        </p:spPr>
-      </p:pic>
     </p:spTree>
     <p:extLst>
       <p:ext uri="{BB962C8B-B14F-4D97-AF65-F5344CB8AC3E}">
-        <p14:creationId xmlns:p14="http://schemas.microsoft.com/office/powerpoint/2010/main" val="2914251895"/>
+        <p14:creationId xmlns:p14="http://schemas.microsoft.com/office/powerpoint/2010/main" val="914472525"/>
       </p:ext>
     </p:extLst>
   </p:cSld>
@@ -20749,268 +22077,632 @@
       </p:sp>
       <p:sp>
         <p:nvSpPr>
-          <p:cNvPr id="3" name="직사각형 2"/>
-          <p:cNvSpPr/>
+          <p:cNvPr id="4" name="Rectangle 2"/>
+          <p:cNvSpPr>
+            <a:spLocks noChangeArrowheads="1"/>
+          </p:cNvSpPr>
           <p:nvPr/>
         </p:nvSpPr>
-        <p:spPr>
+        <p:spPr bwMode="auto">
           <a:xfrm>
-            <a:off x="647564" y="1412775"/>
-            <a:ext cx="7686600" cy="1421928"/>
+            <a:off x="539552" y="4039322"/>
+            <a:ext cx="6136264" cy="214550"/>
           </a:xfrm>
           <a:prstGeom prst="rect">
             <a:avLst/>
           </a:prstGeom>
+          <a:noFill/>
           <a:ln>
             <a:noFill/>
           </a:ln>
-          <a:effectLst>
-            <a:glow rad="228600">
-              <a:srgbClr val="FFFF00">
-                <a:alpha val="40000"/>
-              </a:srgbClr>
-            </a:glow>
-            <a:outerShdw blurRad="44450" dist="27940" dir="5400000" algn="ctr">
-              <a:srgbClr val="000000">
-                <a:alpha val="32000"/>
-              </a:srgbClr>
-            </a:outerShdw>
-          </a:effectLst>
-          <a:scene3d>
-            <a:camera prst="orthographicFront">
-              <a:rot lat="0" lon="0" rev="0"/>
-            </a:camera>
-            <a:lightRig rig="balanced" dir="t">
-              <a:rot lat="0" lon="0" rev="8700000"/>
-            </a:lightRig>
-          </a:scene3d>
-          <a:sp3d>
-            <a:bevelT w="190500" h="38100"/>
-          </a:sp3d>
+          <a:effectLst/>
+          <a:extLst>
+            <a:ext uri="{909E8E84-426E-40DD-AFC4-6F175D3DCCD1}">
+              <a14:hiddenFill xmlns:a14="http://schemas.microsoft.com/office/drawing/2010/main">
+                <a:solidFill>
+                  <a:schemeClr val="accent1"/>
+                </a:solidFill>
+              </a14:hiddenFill>
+            </a:ext>
+            <a:ext uri="{91240B29-F687-4F45-9708-019B960494DF}">
+              <a14:hiddenLine xmlns:a14="http://schemas.microsoft.com/office/drawing/2010/main" w="9525">
+                <a:solidFill>
+                  <a:schemeClr val="tx1"/>
+                </a:solidFill>
+                <a:miter lim="800000"/>
+                <a:headEnd/>
+                <a:tailEnd/>
+              </a14:hiddenLine>
+            </a:ext>
+            <a:ext uri="{AF507438-7753-43E0-B8FC-AC1667EBCBE1}">
+              <a14:hiddenEffects xmlns:a14="http://schemas.microsoft.com/office/drawing/2010/main">
+                <a:effectLst>
+                  <a:outerShdw dist="35921" dir="2700000" algn="ctr" rotWithShape="0">
+                    <a:schemeClr val="bg2"/>
+                  </a:outerShdw>
+                </a:effectLst>
+              </a14:hiddenEffects>
+            </a:ext>
+          </a:extLst>
         </p:spPr>
-        <p:style>
-          <a:lnRef idx="3">
-            <a:schemeClr val="lt1"/>
-          </a:lnRef>
-          <a:fillRef idx="1">
-            <a:schemeClr val="dk1"/>
-          </a:fillRef>
-          <a:effectRef idx="1">
-            <a:schemeClr val="dk1"/>
-          </a:effectRef>
-          <a:fontRef idx="minor">
-            <a:schemeClr val="lt1"/>
-          </a:fontRef>
-        </p:style>
         <p:txBody>
-          <a:bodyPr wrap="square">
+          <a:bodyPr vert="horz" wrap="square" lIns="91440" tIns="45720" rIns="91440" bIns="45720" numCol="1" anchor="ctr" anchorCtr="0" compatLnSpc="1">
+            <a:prstTxWarp prst="textNoShape">
+              <a:avLst/>
+            </a:prstTxWarp>
             <a:spAutoFit/>
           </a:bodyPr>
           <a:lstStyle/>
           <a:p>
-            <a:pPr fontAlgn="base">
-              <a:lnSpc>
-                <a:spcPct val="160000"/>
-              </a:lnSpc>
-            </a:pPr>
-            <a:r>
-              <a:rPr lang="ko-KR" altLang="en-US" kern="0" dirty="0" smtClean="0">
-                <a:solidFill>
-                  <a:schemeClr val="bg1"/>
-                </a:solidFill>
-                <a:latin typeface="HY헤드라인M" panose="02030600000101010101" pitchFamily="18" charset="-127"/>
-                <a:ea typeface="HY헤드라인M" panose="02030600000101010101" pitchFamily="18" charset="-127"/>
-              </a:rPr>
-              <a:t>● </a:t>
-            </a:r>
-            <a:r>
-              <a:rPr lang="en-US" altLang="ko-KR" kern="0" dirty="0" smtClean="0">
-                <a:solidFill>
-                  <a:schemeClr val="bg1"/>
-                </a:solidFill>
-                <a:latin typeface="HY헤드라인M" panose="02030600000101010101" pitchFamily="18" charset="-127"/>
-                <a:ea typeface="HY헤드라인M" panose="02030600000101010101" pitchFamily="18" charset="-127"/>
-              </a:rPr>
-              <a:t>UI</a:t>
-            </a:r>
-          </a:p>
-          <a:p>
-            <a:pPr fontAlgn="base">
-              <a:lnSpc>
-                <a:spcPct val="160000"/>
-              </a:lnSpc>
-            </a:pPr>
-            <a:r>
-              <a:rPr lang="ko-KR" altLang="en-US" kern="0" dirty="0" smtClean="0">
-                <a:solidFill>
-                  <a:schemeClr val="bg1"/>
-                </a:solidFill>
-                <a:latin typeface="HY헤드라인M" panose="02030600000101010101" pitchFamily="18" charset="-127"/>
-                <a:ea typeface="HY헤드라인M" panose="02030600000101010101" pitchFamily="18" charset="-127"/>
-              </a:rPr>
-              <a:t>시간</a:t>
-            </a:r>
-            <a:r>
-              <a:rPr lang="en-US" altLang="ko-KR" kern="0" dirty="0" smtClean="0">
-                <a:solidFill>
-                  <a:schemeClr val="bg1"/>
-                </a:solidFill>
-                <a:latin typeface="HY헤드라인M" panose="02030600000101010101" pitchFamily="18" charset="-127"/>
-                <a:ea typeface="HY헤드라인M" panose="02030600000101010101" pitchFamily="18" charset="-127"/>
-              </a:rPr>
-              <a:t>,</a:t>
-            </a:r>
-            <a:r>
-              <a:rPr lang="ko-KR" altLang="en-US" kern="0" dirty="0" smtClean="0">
-                <a:solidFill>
-                  <a:schemeClr val="bg1"/>
-                </a:solidFill>
-                <a:latin typeface="HY헤드라인M" panose="02030600000101010101" pitchFamily="18" charset="-127"/>
-                <a:ea typeface="HY헤드라인M" panose="02030600000101010101" pitchFamily="18" charset="-127"/>
-              </a:rPr>
-              <a:t> 정보</a:t>
-            </a:r>
-            <a:r>
-              <a:rPr lang="en-US" altLang="ko-KR" kern="0" dirty="0" smtClean="0">
-                <a:solidFill>
-                  <a:schemeClr val="bg1"/>
-                </a:solidFill>
-                <a:latin typeface="HY헤드라인M" panose="02030600000101010101" pitchFamily="18" charset="-127"/>
-                <a:ea typeface="HY헤드라인M" panose="02030600000101010101" pitchFamily="18" charset="-127"/>
-              </a:rPr>
-              <a:t>(</a:t>
-            </a:r>
-            <a:r>
-              <a:rPr lang="ko-KR" altLang="en-US" kern="0" dirty="0" smtClean="0">
-                <a:solidFill>
-                  <a:schemeClr val="bg1"/>
-                </a:solidFill>
-                <a:latin typeface="HY헤드라인M" panose="02030600000101010101" pitchFamily="18" charset="-127"/>
-                <a:ea typeface="HY헤드라인M" panose="02030600000101010101" pitchFamily="18" charset="-127"/>
-              </a:rPr>
-              <a:t>점수</a:t>
-            </a:r>
-            <a:r>
-              <a:rPr lang="en-US" altLang="ko-KR" kern="0" dirty="0" smtClean="0">
-                <a:solidFill>
-                  <a:schemeClr val="bg1"/>
-                </a:solidFill>
-                <a:latin typeface="HY헤드라인M" panose="02030600000101010101" pitchFamily="18" charset="-127"/>
-                <a:ea typeface="HY헤드라인M" panose="02030600000101010101" pitchFamily="18" charset="-127"/>
-              </a:rPr>
-              <a:t>, </a:t>
-            </a:r>
-            <a:r>
-              <a:rPr lang="ko-KR" altLang="en-US" kern="0" dirty="0" smtClean="0">
-                <a:solidFill>
-                  <a:schemeClr val="bg1"/>
-                </a:solidFill>
-                <a:latin typeface="HY헤드라인M" panose="02030600000101010101" pitchFamily="18" charset="-127"/>
-                <a:ea typeface="HY헤드라인M" panose="02030600000101010101" pitchFamily="18" charset="-127"/>
-              </a:rPr>
-              <a:t>플레이어 등</a:t>
-            </a:r>
-            <a:r>
-              <a:rPr lang="en-US" altLang="ko-KR" kern="0" dirty="0" smtClean="0">
-                <a:solidFill>
-                  <a:schemeClr val="bg1"/>
-                </a:solidFill>
-                <a:latin typeface="HY헤드라인M" panose="02030600000101010101" pitchFamily="18" charset="-127"/>
-                <a:ea typeface="HY헤드라인M" panose="02030600000101010101" pitchFamily="18" charset="-127"/>
-              </a:rPr>
-              <a:t>)</a:t>
-            </a:r>
-          </a:p>
-          <a:p>
-            <a:pPr fontAlgn="base">
-              <a:lnSpc>
-                <a:spcPct val="160000"/>
-              </a:lnSpc>
-            </a:pPr>
-            <a:r>
-              <a:rPr lang="en-US" altLang="ko-KR" kern="0" dirty="0" smtClean="0">
-                <a:solidFill>
-                  <a:schemeClr val="bg1"/>
-                </a:solidFill>
-                <a:latin typeface="HY헤드라인M" panose="02030600000101010101" pitchFamily="18" charset="-127"/>
-                <a:ea typeface="HY헤드라인M" panose="02030600000101010101" pitchFamily="18" charset="-127"/>
-              </a:rPr>
-              <a:t>(</a:t>
-            </a:r>
-            <a:r>
-              <a:rPr lang="ko-KR" altLang="en-US" kern="0" dirty="0" smtClean="0">
-                <a:solidFill>
-                  <a:schemeClr val="bg1"/>
-                </a:solidFill>
-                <a:latin typeface="HY헤드라인M" panose="02030600000101010101" pitchFamily="18" charset="-127"/>
-                <a:ea typeface="HY헤드라인M" panose="02030600000101010101" pitchFamily="18" charset="-127"/>
-              </a:rPr>
-              <a:t>정보 </a:t>
-            </a:r>
-            <a:r>
-              <a:rPr lang="en-US" altLang="ko-KR" kern="0" dirty="0" smtClean="0">
-                <a:solidFill>
-                  <a:schemeClr val="bg1"/>
-                </a:solidFill>
-                <a:latin typeface="HY헤드라인M" panose="02030600000101010101" pitchFamily="18" charset="-127"/>
-                <a:ea typeface="HY헤드라인M" panose="02030600000101010101" pitchFamily="18" charset="-127"/>
-              </a:rPr>
-              <a:t>UI</a:t>
-            </a:r>
-            <a:r>
-              <a:rPr lang="ko-KR" altLang="en-US" kern="0" dirty="0" smtClean="0">
-                <a:solidFill>
-                  <a:schemeClr val="bg1"/>
-                </a:solidFill>
-                <a:latin typeface="HY헤드라인M" panose="02030600000101010101" pitchFamily="18" charset="-127"/>
-                <a:ea typeface="HY헤드라인M" panose="02030600000101010101" pitchFamily="18" charset="-127"/>
-              </a:rPr>
-              <a:t>는 </a:t>
-            </a:r>
-            <a:r>
-              <a:rPr lang="en-US" altLang="ko-KR" kern="0" dirty="0" smtClean="0">
-                <a:solidFill>
-                  <a:schemeClr val="bg1"/>
-                </a:solidFill>
-                <a:latin typeface="HY헤드라인M" panose="02030600000101010101" pitchFamily="18" charset="-127"/>
-                <a:ea typeface="HY헤드라인M" panose="02030600000101010101" pitchFamily="18" charset="-127"/>
-              </a:rPr>
-              <a:t>Tab</a:t>
-            </a:r>
-            <a:r>
-              <a:rPr lang="ko-KR" altLang="en-US" kern="0" dirty="0" smtClean="0">
-                <a:solidFill>
-                  <a:schemeClr val="bg1"/>
-                </a:solidFill>
-                <a:latin typeface="HY헤드라인M" panose="02030600000101010101" pitchFamily="18" charset="-127"/>
-                <a:ea typeface="HY헤드라인M" panose="02030600000101010101" pitchFamily="18" charset="-127"/>
-              </a:rPr>
-              <a:t>키를 누를 시 나타나게 됩니다</a:t>
-            </a:r>
-            <a:r>
-              <a:rPr lang="en-US" altLang="ko-KR" kern="0" dirty="0" smtClean="0">
-                <a:solidFill>
-                  <a:schemeClr val="bg1"/>
-                </a:solidFill>
-                <a:latin typeface="HY헤드라인M" panose="02030600000101010101" pitchFamily="18" charset="-127"/>
-                <a:ea typeface="HY헤드라인M" panose="02030600000101010101" pitchFamily="18" charset="-127"/>
-              </a:rPr>
-              <a:t>.</a:t>
-            </a:r>
-            <a:endParaRPr lang="en-US" altLang="ko-KR" kern="0" dirty="0">
-              <a:solidFill>
-                <a:schemeClr val="bg1"/>
-              </a:solidFill>
-              <a:latin typeface="HY헤드라인M" panose="02030600000101010101" pitchFamily="18" charset="-127"/>
-              <a:ea typeface="HY헤드라인M" panose="02030600000101010101" pitchFamily="18" charset="-127"/>
-            </a:endParaRPr>
+            <a:endParaRPr lang="ko-KR" altLang="en-US"/>
           </a:p>
         </p:txBody>
       </p:sp>
+      <p:pic>
+        <p:nvPicPr>
+          <p:cNvPr id="1025" name="_x313074848" descr="EMB00001e886b4d"/>
+          <p:cNvPicPr>
+            <a:picLocks noChangeAspect="1" noChangeArrowheads="1"/>
+          </p:cNvPicPr>
+          <p:nvPr/>
+        </p:nvPicPr>
+        <p:blipFill>
+          <a:blip r:embed="rId2">
+            <a:extLst>
+              <a:ext uri="{28A0092B-C50C-407E-A947-70E740481C1C}">
+                <a14:useLocalDpi xmlns:a14="http://schemas.microsoft.com/office/drawing/2010/main" val="0"/>
+              </a:ext>
+            </a:extLst>
+          </a:blip>
+          <a:srcRect/>
+          <a:stretch>
+            <a:fillRect/>
+          </a:stretch>
+        </p:blipFill>
+        <p:spPr bwMode="auto">
+          <a:xfrm>
+            <a:off x="539552" y="1412775"/>
+            <a:ext cx="2400194" cy="2192716"/>
+          </a:xfrm>
+          <a:prstGeom prst="rect">
+            <a:avLst/>
+          </a:prstGeom>
+          <a:noFill/>
+          <a:extLst>
+            <a:ext uri="{909E8E84-426E-40DD-AFC4-6F175D3DCCD1}">
+              <a14:hiddenFill xmlns:a14="http://schemas.microsoft.com/office/drawing/2010/main">
+                <a:solidFill>
+                  <a:srgbClr val="FFFFFF"/>
+                </a:solidFill>
+              </a14:hiddenFill>
+            </a:ext>
+          </a:extLst>
+        </p:spPr>
+      </p:pic>
+      <p:sp>
+        <p:nvSpPr>
+          <p:cNvPr id="5" name="Rectangle 4"/>
+          <p:cNvSpPr>
+            <a:spLocks noChangeArrowheads="1"/>
+          </p:cNvSpPr>
+          <p:nvPr/>
+        </p:nvSpPr>
+        <p:spPr bwMode="auto">
+          <a:xfrm>
+            <a:off x="0" y="0"/>
+            <a:ext cx="9144000" cy="457200"/>
+          </a:xfrm>
+          <a:prstGeom prst="rect">
+            <a:avLst/>
+          </a:prstGeom>
+          <a:noFill/>
+          <a:ln>
+            <a:noFill/>
+          </a:ln>
+          <a:effectLst/>
+          <a:extLst>
+            <a:ext uri="{909E8E84-426E-40DD-AFC4-6F175D3DCCD1}">
+              <a14:hiddenFill xmlns:a14="http://schemas.microsoft.com/office/drawing/2010/main">
+                <a:solidFill>
+                  <a:schemeClr val="accent1"/>
+                </a:solidFill>
+              </a14:hiddenFill>
+            </a:ext>
+            <a:ext uri="{91240B29-F687-4F45-9708-019B960494DF}">
+              <a14:hiddenLine xmlns:a14="http://schemas.microsoft.com/office/drawing/2010/main" w="9525">
+                <a:solidFill>
+                  <a:schemeClr val="tx1"/>
+                </a:solidFill>
+                <a:miter lim="800000"/>
+                <a:headEnd/>
+                <a:tailEnd/>
+              </a14:hiddenLine>
+            </a:ext>
+            <a:ext uri="{AF507438-7753-43E0-B8FC-AC1667EBCBE1}">
+              <a14:hiddenEffects xmlns:a14="http://schemas.microsoft.com/office/drawing/2010/main">
+                <a:effectLst>
+                  <a:outerShdw dist="35921" dir="2700000" algn="ctr" rotWithShape="0">
+                    <a:schemeClr val="bg2"/>
+                  </a:outerShdw>
+                </a:effectLst>
+              </a14:hiddenEffects>
+            </a:ext>
+          </a:extLst>
+        </p:spPr>
+        <p:txBody>
+          <a:bodyPr vert="horz" wrap="none" lIns="91440" tIns="45720" rIns="91440" bIns="45720" numCol="1" anchor="ctr" anchorCtr="0" compatLnSpc="1">
+            <a:prstTxWarp prst="textNoShape">
+              <a:avLst/>
+            </a:prstTxWarp>
+            <a:spAutoFit/>
+          </a:bodyPr>
+          <a:lstStyle/>
+          <a:p>
+            <a:endParaRPr lang="ko-KR" altLang="en-US"/>
+          </a:p>
+        </p:txBody>
+      </p:sp>
+      <p:pic>
+        <p:nvPicPr>
+          <p:cNvPr id="1027" name="_x313076048" descr="EMB00001e886b50"/>
+          <p:cNvPicPr>
+            <a:picLocks noChangeAspect="1" noChangeArrowheads="1"/>
+          </p:cNvPicPr>
+          <p:nvPr/>
+        </p:nvPicPr>
+        <p:blipFill>
+          <a:blip r:embed="rId3">
+            <a:extLst>
+              <a:ext uri="{28A0092B-C50C-407E-A947-70E740481C1C}">
+                <a14:useLocalDpi xmlns:a14="http://schemas.microsoft.com/office/drawing/2010/main" val="0"/>
+              </a:ext>
+            </a:extLst>
+          </a:blip>
+          <a:srcRect/>
+          <a:stretch>
+            <a:fillRect/>
+          </a:stretch>
+        </p:blipFill>
+        <p:spPr bwMode="auto">
+          <a:xfrm>
+            <a:off x="2939746" y="1442737"/>
+            <a:ext cx="2448272" cy="2202287"/>
+          </a:xfrm>
+          <a:prstGeom prst="rect">
+            <a:avLst/>
+          </a:prstGeom>
+          <a:noFill/>
+          <a:extLst>
+            <a:ext uri="{909E8E84-426E-40DD-AFC4-6F175D3DCCD1}">
+              <a14:hiddenFill xmlns:a14="http://schemas.microsoft.com/office/drawing/2010/main">
+                <a:solidFill>
+                  <a:srgbClr val="FFFFFF"/>
+                </a:solidFill>
+              </a14:hiddenFill>
+            </a:ext>
+          </a:extLst>
+        </p:spPr>
+      </p:pic>
+      <p:sp>
+        <p:nvSpPr>
+          <p:cNvPr id="6" name="Rectangle 6"/>
+          <p:cNvSpPr>
+            <a:spLocks noChangeArrowheads="1"/>
+          </p:cNvSpPr>
+          <p:nvPr/>
+        </p:nvSpPr>
+        <p:spPr bwMode="auto">
+          <a:xfrm>
+            <a:off x="0" y="0"/>
+            <a:ext cx="9144000" cy="457200"/>
+          </a:xfrm>
+          <a:prstGeom prst="rect">
+            <a:avLst/>
+          </a:prstGeom>
+          <a:noFill/>
+          <a:ln>
+            <a:noFill/>
+          </a:ln>
+          <a:effectLst/>
+          <a:extLst>
+            <a:ext uri="{909E8E84-426E-40DD-AFC4-6F175D3DCCD1}">
+              <a14:hiddenFill xmlns:a14="http://schemas.microsoft.com/office/drawing/2010/main">
+                <a:solidFill>
+                  <a:schemeClr val="accent1"/>
+                </a:solidFill>
+              </a14:hiddenFill>
+            </a:ext>
+            <a:ext uri="{91240B29-F687-4F45-9708-019B960494DF}">
+              <a14:hiddenLine xmlns:a14="http://schemas.microsoft.com/office/drawing/2010/main" w="9525">
+                <a:solidFill>
+                  <a:schemeClr val="tx1"/>
+                </a:solidFill>
+                <a:miter lim="800000"/>
+                <a:headEnd/>
+                <a:tailEnd/>
+              </a14:hiddenLine>
+            </a:ext>
+            <a:ext uri="{AF507438-7753-43E0-B8FC-AC1667EBCBE1}">
+              <a14:hiddenEffects xmlns:a14="http://schemas.microsoft.com/office/drawing/2010/main">
+                <a:effectLst>
+                  <a:outerShdw dist="35921" dir="2700000" algn="ctr" rotWithShape="0">
+                    <a:schemeClr val="bg2"/>
+                  </a:outerShdw>
+                </a:effectLst>
+              </a14:hiddenEffects>
+            </a:ext>
+          </a:extLst>
+        </p:spPr>
+        <p:txBody>
+          <a:bodyPr vert="horz" wrap="none" lIns="91440" tIns="45720" rIns="91440" bIns="45720" numCol="1" anchor="ctr" anchorCtr="0" compatLnSpc="1">
+            <a:prstTxWarp prst="textNoShape">
+              <a:avLst/>
+            </a:prstTxWarp>
+            <a:spAutoFit/>
+          </a:bodyPr>
+          <a:lstStyle/>
+          <a:p>
+            <a:endParaRPr lang="ko-KR" altLang="en-US"/>
+          </a:p>
+        </p:txBody>
+      </p:sp>
+      <p:pic>
+        <p:nvPicPr>
+          <p:cNvPr id="1029" name="_x313076288" descr="EMB00001e886b53"/>
+          <p:cNvPicPr>
+            <a:picLocks noChangeAspect="1" noChangeArrowheads="1"/>
+          </p:cNvPicPr>
+          <p:nvPr/>
+        </p:nvPicPr>
+        <p:blipFill>
+          <a:blip r:embed="rId4">
+            <a:extLst>
+              <a:ext uri="{28A0092B-C50C-407E-A947-70E740481C1C}">
+                <a14:useLocalDpi xmlns:a14="http://schemas.microsoft.com/office/drawing/2010/main" val="0"/>
+              </a:ext>
+            </a:extLst>
+          </a:blip>
+          <a:srcRect/>
+          <a:stretch>
+            <a:fillRect/>
+          </a:stretch>
+        </p:blipFill>
+        <p:spPr bwMode="auto">
+          <a:xfrm>
+            <a:off x="5435719" y="1442737"/>
+            <a:ext cx="2352493" cy="2202287"/>
+          </a:xfrm>
+          <a:prstGeom prst="rect">
+            <a:avLst/>
+          </a:prstGeom>
+          <a:noFill/>
+          <a:extLst>
+            <a:ext uri="{909E8E84-426E-40DD-AFC4-6F175D3DCCD1}">
+              <a14:hiddenFill xmlns:a14="http://schemas.microsoft.com/office/drawing/2010/main">
+                <a:solidFill>
+                  <a:srgbClr val="FFFFFF"/>
+                </a:solidFill>
+              </a14:hiddenFill>
+            </a:ext>
+          </a:extLst>
+        </p:spPr>
+      </p:pic>
+      <p:sp>
+        <p:nvSpPr>
+          <p:cNvPr id="2" name="Rectangle 2"/>
+          <p:cNvSpPr>
+            <a:spLocks noChangeArrowheads="1"/>
+          </p:cNvSpPr>
+          <p:nvPr/>
+        </p:nvSpPr>
+        <p:spPr bwMode="auto">
+          <a:xfrm>
+            <a:off x="0" y="0"/>
+            <a:ext cx="9144000" cy="457200"/>
+          </a:xfrm>
+          <a:prstGeom prst="rect">
+            <a:avLst/>
+          </a:prstGeom>
+          <a:noFill/>
+          <a:ln>
+            <a:noFill/>
+          </a:ln>
+          <a:effectLst/>
+          <a:extLst>
+            <a:ext uri="{909E8E84-426E-40DD-AFC4-6F175D3DCCD1}">
+              <a14:hiddenFill xmlns:a14="http://schemas.microsoft.com/office/drawing/2010/main">
+                <a:solidFill>
+                  <a:schemeClr val="accent1"/>
+                </a:solidFill>
+              </a14:hiddenFill>
+            </a:ext>
+            <a:ext uri="{91240B29-F687-4F45-9708-019B960494DF}">
+              <a14:hiddenLine xmlns:a14="http://schemas.microsoft.com/office/drawing/2010/main" w="9525">
+                <a:solidFill>
+                  <a:schemeClr val="tx1"/>
+                </a:solidFill>
+                <a:miter lim="800000"/>
+                <a:headEnd/>
+                <a:tailEnd/>
+              </a14:hiddenLine>
+            </a:ext>
+            <a:ext uri="{AF507438-7753-43E0-B8FC-AC1667EBCBE1}">
+              <a14:hiddenEffects xmlns:a14="http://schemas.microsoft.com/office/drawing/2010/main">
+                <a:effectLst>
+                  <a:outerShdw dist="35921" dir="2700000" algn="ctr" rotWithShape="0">
+                    <a:schemeClr val="bg2"/>
+                  </a:outerShdw>
+                </a:effectLst>
+              </a14:hiddenEffects>
+            </a:ext>
+          </a:extLst>
+        </p:spPr>
+        <p:txBody>
+          <a:bodyPr vert="horz" wrap="none" lIns="91440" tIns="45720" rIns="91440" bIns="45720" numCol="1" anchor="ctr" anchorCtr="0" compatLnSpc="1">
+            <a:prstTxWarp prst="textNoShape">
+              <a:avLst/>
+            </a:prstTxWarp>
+            <a:spAutoFit/>
+          </a:bodyPr>
+          <a:lstStyle/>
+          <a:p>
+            <a:endParaRPr lang="ko-KR" altLang="en-US"/>
+          </a:p>
+        </p:txBody>
+      </p:sp>
+      <p:pic>
+        <p:nvPicPr>
+          <p:cNvPr id="2049" name="_x313076448" descr="EMB00001e886b56"/>
+          <p:cNvPicPr>
+            <a:picLocks noChangeAspect="1" noChangeArrowheads="1"/>
+          </p:cNvPicPr>
+          <p:nvPr/>
+        </p:nvPicPr>
+        <p:blipFill>
+          <a:blip r:embed="rId5">
+            <a:extLst>
+              <a:ext uri="{28A0092B-C50C-407E-A947-70E740481C1C}">
+                <a14:useLocalDpi xmlns:a14="http://schemas.microsoft.com/office/drawing/2010/main" val="0"/>
+              </a:ext>
+            </a:extLst>
+          </a:blip>
+          <a:srcRect/>
+          <a:stretch>
+            <a:fillRect/>
+          </a:stretch>
+        </p:blipFill>
+        <p:spPr bwMode="auto">
+          <a:xfrm>
+            <a:off x="533999" y="3770703"/>
+            <a:ext cx="2405748" cy="2379663"/>
+          </a:xfrm>
+          <a:prstGeom prst="rect">
+            <a:avLst/>
+          </a:prstGeom>
+          <a:noFill/>
+          <a:extLst>
+            <a:ext uri="{909E8E84-426E-40DD-AFC4-6F175D3DCCD1}">
+              <a14:hiddenFill xmlns:a14="http://schemas.microsoft.com/office/drawing/2010/main">
+                <a:solidFill>
+                  <a:srgbClr val="FFFFFF"/>
+                </a:solidFill>
+              </a14:hiddenFill>
+            </a:ext>
+          </a:extLst>
+        </p:spPr>
+      </p:pic>
+      <p:sp>
+        <p:nvSpPr>
+          <p:cNvPr id="13" name="Rectangle 4"/>
+          <p:cNvSpPr>
+            <a:spLocks noChangeArrowheads="1"/>
+          </p:cNvSpPr>
+          <p:nvPr/>
+        </p:nvSpPr>
+        <p:spPr bwMode="auto">
+          <a:xfrm>
+            <a:off x="0" y="0"/>
+            <a:ext cx="9144000" cy="457200"/>
+          </a:xfrm>
+          <a:prstGeom prst="rect">
+            <a:avLst/>
+          </a:prstGeom>
+          <a:noFill/>
+          <a:ln>
+            <a:noFill/>
+          </a:ln>
+          <a:effectLst/>
+          <a:extLst>
+            <a:ext uri="{909E8E84-426E-40DD-AFC4-6F175D3DCCD1}">
+              <a14:hiddenFill xmlns:a14="http://schemas.microsoft.com/office/drawing/2010/main">
+                <a:solidFill>
+                  <a:schemeClr val="accent1"/>
+                </a:solidFill>
+              </a14:hiddenFill>
+            </a:ext>
+            <a:ext uri="{91240B29-F687-4F45-9708-019B960494DF}">
+              <a14:hiddenLine xmlns:a14="http://schemas.microsoft.com/office/drawing/2010/main" w="9525">
+                <a:solidFill>
+                  <a:schemeClr val="tx1"/>
+                </a:solidFill>
+                <a:miter lim="800000"/>
+                <a:headEnd/>
+                <a:tailEnd/>
+              </a14:hiddenLine>
+            </a:ext>
+            <a:ext uri="{AF507438-7753-43E0-B8FC-AC1667EBCBE1}">
+              <a14:hiddenEffects xmlns:a14="http://schemas.microsoft.com/office/drawing/2010/main">
+                <a:effectLst>
+                  <a:outerShdw dist="35921" dir="2700000" algn="ctr" rotWithShape="0">
+                    <a:schemeClr val="bg2"/>
+                  </a:outerShdw>
+                </a:effectLst>
+              </a14:hiddenEffects>
+            </a:ext>
+          </a:extLst>
+        </p:spPr>
+        <p:txBody>
+          <a:bodyPr vert="horz" wrap="none" lIns="91440" tIns="45720" rIns="91440" bIns="45720" numCol="1" anchor="ctr" anchorCtr="0" compatLnSpc="1">
+            <a:prstTxWarp prst="textNoShape">
+              <a:avLst/>
+            </a:prstTxWarp>
+            <a:spAutoFit/>
+          </a:bodyPr>
+          <a:lstStyle/>
+          <a:p>
+            <a:endParaRPr lang="ko-KR" altLang="en-US"/>
+          </a:p>
+        </p:txBody>
+      </p:sp>
+      <p:pic>
+        <p:nvPicPr>
+          <p:cNvPr id="2051" name="_x313076288" descr="EMB00001e886b59"/>
+          <p:cNvPicPr>
+            <a:picLocks noChangeAspect="1" noChangeArrowheads="1"/>
+          </p:cNvPicPr>
+          <p:nvPr/>
+        </p:nvPicPr>
+        <p:blipFill>
+          <a:blip r:embed="rId6">
+            <a:extLst>
+              <a:ext uri="{28A0092B-C50C-407E-A947-70E740481C1C}">
+                <a14:useLocalDpi xmlns:a14="http://schemas.microsoft.com/office/drawing/2010/main" val="0"/>
+              </a:ext>
+            </a:extLst>
+          </a:blip>
+          <a:srcRect/>
+          <a:stretch>
+            <a:fillRect/>
+          </a:stretch>
+        </p:blipFill>
+        <p:spPr bwMode="auto">
+          <a:xfrm>
+            <a:off x="2939746" y="3770703"/>
+            <a:ext cx="2495973" cy="2468563"/>
+          </a:xfrm>
+          <a:prstGeom prst="rect">
+            <a:avLst/>
+          </a:prstGeom>
+          <a:noFill/>
+          <a:extLst>
+            <a:ext uri="{909E8E84-426E-40DD-AFC4-6F175D3DCCD1}">
+              <a14:hiddenFill xmlns:a14="http://schemas.microsoft.com/office/drawing/2010/main">
+                <a:solidFill>
+                  <a:srgbClr val="FFFFFF"/>
+                </a:solidFill>
+              </a14:hiddenFill>
+            </a:ext>
+          </a:extLst>
+        </p:spPr>
+      </p:pic>
+      <p:sp>
+        <p:nvSpPr>
+          <p:cNvPr id="14" name="Rectangle 6"/>
+          <p:cNvSpPr>
+            <a:spLocks noChangeArrowheads="1"/>
+          </p:cNvSpPr>
+          <p:nvPr/>
+        </p:nvSpPr>
+        <p:spPr bwMode="auto">
+          <a:xfrm>
+            <a:off x="0" y="0"/>
+            <a:ext cx="9144000" cy="457200"/>
+          </a:xfrm>
+          <a:prstGeom prst="rect">
+            <a:avLst/>
+          </a:prstGeom>
+          <a:noFill/>
+          <a:ln>
+            <a:noFill/>
+          </a:ln>
+          <a:effectLst/>
+          <a:extLst>
+            <a:ext uri="{909E8E84-426E-40DD-AFC4-6F175D3DCCD1}">
+              <a14:hiddenFill xmlns:a14="http://schemas.microsoft.com/office/drawing/2010/main">
+                <a:solidFill>
+                  <a:schemeClr val="accent1"/>
+                </a:solidFill>
+              </a14:hiddenFill>
+            </a:ext>
+            <a:ext uri="{91240B29-F687-4F45-9708-019B960494DF}">
+              <a14:hiddenLine xmlns:a14="http://schemas.microsoft.com/office/drawing/2010/main" w="9525">
+                <a:solidFill>
+                  <a:schemeClr val="tx1"/>
+                </a:solidFill>
+                <a:miter lim="800000"/>
+                <a:headEnd/>
+                <a:tailEnd/>
+              </a14:hiddenLine>
+            </a:ext>
+            <a:ext uri="{AF507438-7753-43E0-B8FC-AC1667EBCBE1}">
+              <a14:hiddenEffects xmlns:a14="http://schemas.microsoft.com/office/drawing/2010/main">
+                <a:effectLst>
+                  <a:outerShdw dist="35921" dir="2700000" algn="ctr" rotWithShape="0">
+                    <a:schemeClr val="bg2"/>
+                  </a:outerShdw>
+                </a:effectLst>
+              </a14:hiddenEffects>
+            </a:ext>
+          </a:extLst>
+        </p:spPr>
+        <p:txBody>
+          <a:bodyPr vert="horz" wrap="none" lIns="91440" tIns="45720" rIns="91440" bIns="45720" numCol="1" anchor="ctr" anchorCtr="0" compatLnSpc="1">
+            <a:prstTxWarp prst="textNoShape">
+              <a:avLst/>
+            </a:prstTxWarp>
+            <a:spAutoFit/>
+          </a:bodyPr>
+          <a:lstStyle/>
+          <a:p>
+            <a:endParaRPr lang="ko-KR" altLang="en-US"/>
+          </a:p>
+        </p:txBody>
+      </p:sp>
+      <p:pic>
+        <p:nvPicPr>
+          <p:cNvPr id="2053" name="_x313075808" descr="EMB00001e886b5c"/>
+          <p:cNvPicPr>
+            <a:picLocks noChangeAspect="1" noChangeArrowheads="1"/>
+          </p:cNvPicPr>
+          <p:nvPr/>
+        </p:nvPicPr>
+        <p:blipFill>
+          <a:blip r:embed="rId7">
+            <a:extLst>
+              <a:ext uri="{28A0092B-C50C-407E-A947-70E740481C1C}">
+                <a14:useLocalDpi xmlns:a14="http://schemas.microsoft.com/office/drawing/2010/main" val="0"/>
+              </a:ext>
+            </a:extLst>
+          </a:blip>
+          <a:srcRect/>
+          <a:stretch>
+            <a:fillRect/>
+          </a:stretch>
+        </p:blipFill>
+        <p:spPr bwMode="auto">
+          <a:xfrm>
+            <a:off x="5388019" y="3770703"/>
+            <a:ext cx="2400194" cy="2493963"/>
+          </a:xfrm>
+          <a:prstGeom prst="rect">
+            <a:avLst/>
+          </a:prstGeom>
+          <a:noFill/>
+          <a:extLst>
+            <a:ext uri="{909E8E84-426E-40DD-AFC4-6F175D3DCCD1}">
+              <a14:hiddenFill xmlns:a14="http://schemas.microsoft.com/office/drawing/2010/main">
+                <a:solidFill>
+                  <a:srgbClr val="FFFFFF"/>
+                </a:solidFill>
+              </a14:hiddenFill>
+            </a:ext>
+          </a:extLst>
+        </p:spPr>
+      </p:pic>
     </p:spTree>
     <p:extLst>
       <p:ext uri="{BB962C8B-B14F-4D97-AF65-F5344CB8AC3E}">
-        <p14:creationId xmlns:p14="http://schemas.microsoft.com/office/powerpoint/2010/main" val="176348577"/>
+        <p14:creationId xmlns:p14="http://schemas.microsoft.com/office/powerpoint/2010/main" val="2914251895"/>
       </p:ext>
     </p:extLst>
   </p:cSld>
@@ -21185,7 +22877,7 @@
         <p:spPr>
           <a:xfrm>
             <a:off x="1022303" y="569875"/>
-            <a:ext cx="1415772" cy="461665"/>
+            <a:ext cx="2557110" cy="461665"/>
           </a:xfrm>
           <a:prstGeom prst="rect">
             <a:avLst/>
@@ -21212,7 +22904,7 @@
                   </a:glow>
                 </a:effectLst>
               </a:rPr>
-              <a:t>게임방법</a:t>
+              <a:t>게임소개 및 특징</a:t>
             </a:r>
             <a:endParaRPr lang="ko-KR" altLang="en-US" dirty="0">
               <a:solidFill>
@@ -21328,7 +23020,7 @@
                 <a:latin typeface="-윤고딕340" pitchFamily="18" charset="-127"/>
                 <a:ea typeface="-윤고딕340" pitchFamily="18" charset="-127"/>
               </a:rPr>
-              <a:t>3</a:t>
+              <a:t>2</a:t>
             </a:r>
             <a:endParaRPr lang="ko-KR" altLang="en-US" sz="3200" dirty="0">
               <a:solidFill>
@@ -21340,800 +23032,16 @@
           </a:p>
         </p:txBody>
       </p:sp>
-      <p:pic>
-        <p:nvPicPr>
-          <p:cNvPr id="2" name="그림 1" descr="캐나다에서 사용되는 QWERTY 키보드"/>
-          <p:cNvPicPr>
-            <a:picLocks noChangeAspect="1"/>
-          </p:cNvPicPr>
-          <p:nvPr/>
-        </p:nvPicPr>
-        <p:blipFill>
-          <a:blip r:embed="rId2">
-            <a:extLst>
-              <a:ext uri="{28A0092B-C50C-407E-A947-70E740481C1C}">
-                <a14:useLocalDpi xmlns:a14="http://schemas.microsoft.com/office/drawing/2010/main" val="0"/>
-              </a:ext>
-            </a:extLst>
-          </a:blip>
-          <a:stretch>
-            <a:fillRect/>
-          </a:stretch>
-        </p:blipFill>
-        <p:spPr>
-          <a:xfrm>
-            <a:off x="2051720" y="1196751"/>
-            <a:ext cx="4320480" cy="1381834"/>
-          </a:xfrm>
-          <a:prstGeom prst="rect">
-            <a:avLst/>
-          </a:prstGeom>
-        </p:spPr>
-      </p:pic>
-      <p:pic>
-        <p:nvPicPr>
-          <p:cNvPr id="3" name="그림 2" descr="MSI, DS300 게이밍 마우스 공개 :: 보드나라"/>
-          <p:cNvPicPr>
-            <a:picLocks noChangeAspect="1"/>
-          </p:cNvPicPr>
-          <p:nvPr/>
-        </p:nvPicPr>
-        <p:blipFill>
-          <a:blip r:embed="rId3" cstate="print">
-            <a:extLst>
-              <a:ext uri="{28A0092B-C50C-407E-A947-70E740481C1C}">
-                <a14:useLocalDpi xmlns:a14="http://schemas.microsoft.com/office/drawing/2010/main" val="0"/>
-              </a:ext>
-            </a:extLst>
-          </a:blip>
-          <a:stretch>
-            <a:fillRect/>
-          </a:stretch>
-        </p:blipFill>
-        <p:spPr>
-          <a:xfrm>
-            <a:off x="6601799" y="1075878"/>
-            <a:ext cx="1770682" cy="1410643"/>
-          </a:xfrm>
-          <a:prstGeom prst="rect">
-            <a:avLst/>
-          </a:prstGeom>
-        </p:spPr>
-      </p:pic>
       <p:sp>
         <p:nvSpPr>
-          <p:cNvPr id="4" name="직사각형 3"/>
+          <p:cNvPr id="3" name="직사각형 2"/>
           <p:cNvSpPr/>
           <p:nvPr/>
         </p:nvSpPr>
         <p:spPr>
           <a:xfrm>
-            <a:off x="2773543" y="1493168"/>
-            <a:ext cx="288032" cy="288032"/>
-          </a:xfrm>
-          <a:prstGeom prst="rect">
-            <a:avLst/>
-          </a:prstGeom>
-          <a:noFill/>
-          <a:ln>
-            <a:solidFill>
-              <a:srgbClr val="FF0000"/>
-            </a:solidFill>
-          </a:ln>
-        </p:spPr>
-        <p:style>
-          <a:lnRef idx="2">
-            <a:schemeClr val="accent1">
-              <a:shade val="50000"/>
-            </a:schemeClr>
-          </a:lnRef>
-          <a:fillRef idx="1">
-            <a:schemeClr val="accent1"/>
-          </a:fillRef>
-          <a:effectRef idx="0">
-            <a:schemeClr val="accent1"/>
-          </a:effectRef>
-          <a:fontRef idx="minor">
-            <a:schemeClr val="lt1"/>
-          </a:fontRef>
-        </p:style>
-        <p:txBody>
-          <a:bodyPr rtlCol="0" anchor="ctr"/>
-          <a:lstStyle/>
-          <a:p>
-            <a:pPr algn="ctr"/>
-            <a:endParaRPr lang="ko-KR" altLang="en-US"/>
-          </a:p>
-        </p:txBody>
-      </p:sp>
-      <p:sp>
-        <p:nvSpPr>
-          <p:cNvPr id="13" name="직사각형 12"/>
-          <p:cNvSpPr/>
-          <p:nvPr/>
-        </p:nvSpPr>
-        <p:spPr>
-          <a:xfrm>
-            <a:off x="2578447" y="1743652"/>
-            <a:ext cx="288032" cy="288032"/>
-          </a:xfrm>
-          <a:prstGeom prst="rect">
-            <a:avLst/>
-          </a:prstGeom>
-          <a:noFill/>
-          <a:ln>
-            <a:solidFill>
-              <a:srgbClr val="FF0000"/>
-            </a:solidFill>
-          </a:ln>
-        </p:spPr>
-        <p:style>
-          <a:lnRef idx="2">
-            <a:schemeClr val="accent1">
-              <a:shade val="50000"/>
-            </a:schemeClr>
-          </a:lnRef>
-          <a:fillRef idx="1">
-            <a:schemeClr val="accent1"/>
-          </a:fillRef>
-          <a:effectRef idx="0">
-            <a:schemeClr val="accent1"/>
-          </a:effectRef>
-          <a:fontRef idx="minor">
-            <a:schemeClr val="lt1"/>
-          </a:fontRef>
-        </p:style>
-        <p:txBody>
-          <a:bodyPr rtlCol="0" anchor="ctr"/>
-          <a:lstStyle/>
-          <a:p>
-            <a:pPr algn="ctr"/>
-            <a:endParaRPr lang="ko-KR" altLang="en-US"/>
-          </a:p>
-        </p:txBody>
-      </p:sp>
-      <p:sp>
-        <p:nvSpPr>
-          <p:cNvPr id="14" name="직사각형 13"/>
-          <p:cNvSpPr/>
-          <p:nvPr/>
-        </p:nvSpPr>
-        <p:spPr>
-          <a:xfrm>
-            <a:off x="2854800" y="1743652"/>
-            <a:ext cx="288032" cy="288032"/>
-          </a:xfrm>
-          <a:prstGeom prst="rect">
-            <a:avLst/>
-          </a:prstGeom>
-          <a:noFill/>
-          <a:ln>
-            <a:solidFill>
-              <a:srgbClr val="FF0000"/>
-            </a:solidFill>
-          </a:ln>
-        </p:spPr>
-        <p:style>
-          <a:lnRef idx="2">
-            <a:schemeClr val="accent1">
-              <a:shade val="50000"/>
-            </a:schemeClr>
-          </a:lnRef>
-          <a:fillRef idx="1">
-            <a:schemeClr val="accent1"/>
-          </a:fillRef>
-          <a:effectRef idx="0">
-            <a:schemeClr val="accent1"/>
-          </a:effectRef>
-          <a:fontRef idx="minor">
-            <a:schemeClr val="lt1"/>
-          </a:fontRef>
-        </p:style>
-        <p:txBody>
-          <a:bodyPr rtlCol="0" anchor="ctr"/>
-          <a:lstStyle/>
-          <a:p>
-            <a:pPr algn="ctr"/>
-            <a:endParaRPr lang="ko-KR" altLang="en-US"/>
-          </a:p>
-        </p:txBody>
-      </p:sp>
-      <p:sp>
-        <p:nvSpPr>
-          <p:cNvPr id="15" name="직사각형 14"/>
-          <p:cNvSpPr/>
-          <p:nvPr/>
-        </p:nvSpPr>
-        <p:spPr>
-          <a:xfrm>
-            <a:off x="3096078" y="1743652"/>
-            <a:ext cx="288032" cy="288032"/>
-          </a:xfrm>
-          <a:prstGeom prst="rect">
-            <a:avLst/>
-          </a:prstGeom>
-          <a:noFill/>
-          <a:ln>
-            <a:solidFill>
-              <a:srgbClr val="FF0000"/>
-            </a:solidFill>
-          </a:ln>
-        </p:spPr>
-        <p:style>
-          <a:lnRef idx="2">
-            <a:schemeClr val="accent1">
-              <a:shade val="50000"/>
-            </a:schemeClr>
-          </a:lnRef>
-          <a:fillRef idx="1">
-            <a:schemeClr val="accent1"/>
-          </a:fillRef>
-          <a:effectRef idx="0">
-            <a:schemeClr val="accent1"/>
-          </a:effectRef>
-          <a:fontRef idx="minor">
-            <a:schemeClr val="lt1"/>
-          </a:fontRef>
-        </p:style>
-        <p:txBody>
-          <a:bodyPr rtlCol="0" anchor="ctr"/>
-          <a:lstStyle/>
-          <a:p>
-            <a:pPr algn="ctr"/>
-            <a:endParaRPr lang="ko-KR" altLang="en-US"/>
-          </a:p>
-        </p:txBody>
-      </p:sp>
-      <p:sp>
-        <p:nvSpPr>
-          <p:cNvPr id="16" name="직사각형 15"/>
-          <p:cNvSpPr/>
-          <p:nvPr/>
-        </p:nvSpPr>
-        <p:spPr>
-          <a:xfrm>
-            <a:off x="2062712" y="1493168"/>
-            <a:ext cx="434478" cy="250484"/>
-          </a:xfrm>
-          <a:prstGeom prst="rect">
-            <a:avLst/>
-          </a:prstGeom>
-          <a:noFill/>
-          <a:ln>
-            <a:solidFill>
-              <a:srgbClr val="FF0000"/>
-            </a:solidFill>
-          </a:ln>
-        </p:spPr>
-        <p:style>
-          <a:lnRef idx="2">
-            <a:schemeClr val="accent1">
-              <a:shade val="50000"/>
-            </a:schemeClr>
-          </a:lnRef>
-          <a:fillRef idx="1">
-            <a:schemeClr val="accent1"/>
-          </a:fillRef>
-          <a:effectRef idx="0">
-            <a:schemeClr val="accent1"/>
-          </a:effectRef>
-          <a:fontRef idx="minor">
-            <a:schemeClr val="lt1"/>
-          </a:fontRef>
-        </p:style>
-        <p:txBody>
-          <a:bodyPr rtlCol="0" anchor="ctr"/>
-          <a:lstStyle/>
-          <a:p>
-            <a:pPr algn="ctr"/>
-            <a:endParaRPr lang="ko-KR" altLang="en-US"/>
-          </a:p>
-        </p:txBody>
-      </p:sp>
-      <p:sp>
-        <p:nvSpPr>
-          <p:cNvPr id="17" name="직사각형 16"/>
-          <p:cNvSpPr/>
-          <p:nvPr/>
-        </p:nvSpPr>
-        <p:spPr>
-          <a:xfrm>
-            <a:off x="3166870" y="2328101"/>
-            <a:ext cx="1765169" cy="250484"/>
-          </a:xfrm>
-          <a:prstGeom prst="rect">
-            <a:avLst/>
-          </a:prstGeom>
-          <a:noFill/>
-          <a:ln>
-            <a:solidFill>
-              <a:srgbClr val="FF0000"/>
-            </a:solidFill>
-          </a:ln>
-        </p:spPr>
-        <p:style>
-          <a:lnRef idx="2">
-            <a:schemeClr val="accent1">
-              <a:shade val="50000"/>
-            </a:schemeClr>
-          </a:lnRef>
-          <a:fillRef idx="1">
-            <a:schemeClr val="accent1"/>
-          </a:fillRef>
-          <a:effectRef idx="0">
-            <a:schemeClr val="accent1"/>
-          </a:effectRef>
-          <a:fontRef idx="minor">
-            <a:schemeClr val="lt1"/>
-          </a:fontRef>
-        </p:style>
-        <p:txBody>
-          <a:bodyPr rtlCol="0" anchor="ctr"/>
-          <a:lstStyle/>
-          <a:p>
-            <a:pPr algn="ctr"/>
-            <a:endParaRPr lang="ko-KR" altLang="en-US"/>
-          </a:p>
-        </p:txBody>
-      </p:sp>
-      <p:sp>
-        <p:nvSpPr>
-          <p:cNvPr id="19" name="직사각형 18"/>
-          <p:cNvSpPr/>
-          <p:nvPr/>
-        </p:nvSpPr>
-        <p:spPr>
-          <a:xfrm>
-            <a:off x="7164287" y="1196751"/>
-            <a:ext cx="309277" cy="584449"/>
-          </a:xfrm>
-          <a:prstGeom prst="rect">
-            <a:avLst/>
-          </a:prstGeom>
-          <a:noFill/>
-          <a:ln>
-            <a:solidFill>
-              <a:srgbClr val="FF0000"/>
-            </a:solidFill>
-          </a:ln>
-        </p:spPr>
-        <p:style>
-          <a:lnRef idx="2">
-            <a:schemeClr val="accent1">
-              <a:shade val="50000"/>
-            </a:schemeClr>
-          </a:lnRef>
-          <a:fillRef idx="1">
-            <a:schemeClr val="accent1"/>
-          </a:fillRef>
-          <a:effectRef idx="0">
-            <a:schemeClr val="accent1"/>
-          </a:effectRef>
-          <a:fontRef idx="minor">
-            <a:schemeClr val="lt1"/>
-          </a:fontRef>
-        </p:style>
-        <p:txBody>
-          <a:bodyPr rtlCol="0" anchor="ctr"/>
-          <a:lstStyle/>
-          <a:p>
-            <a:pPr algn="ctr"/>
-            <a:endParaRPr lang="ko-KR" altLang="en-US"/>
-          </a:p>
-        </p:txBody>
-      </p:sp>
-      <p:cxnSp>
-        <p:nvCxnSpPr>
-          <p:cNvPr id="6" name="직선 화살표 연결선 5"/>
-          <p:cNvCxnSpPr>
-            <a:stCxn id="16" idx="1"/>
-          </p:cNvCxnSpPr>
-          <p:nvPr/>
-        </p:nvCxnSpPr>
-        <p:spPr>
-          <a:xfrm flipH="1">
-            <a:off x="1043608" y="1618410"/>
-            <a:ext cx="1019104" cy="413274"/>
-          </a:xfrm>
-          <a:prstGeom prst="straightConnector1">
-            <a:avLst/>
-          </a:prstGeom>
-          <a:ln>
-            <a:solidFill>
-              <a:srgbClr val="FF0000"/>
-            </a:solidFill>
-            <a:tailEnd type="triangle"/>
-          </a:ln>
-        </p:spPr>
-        <p:style>
-          <a:lnRef idx="3">
-            <a:schemeClr val="accent2"/>
-          </a:lnRef>
-          <a:fillRef idx="0">
-            <a:schemeClr val="accent2"/>
-          </a:fillRef>
-          <a:effectRef idx="2">
-            <a:schemeClr val="accent2"/>
-          </a:effectRef>
-          <a:fontRef idx="minor">
-            <a:schemeClr val="tx1"/>
-          </a:fontRef>
-        </p:style>
-      </p:cxnSp>
-      <p:cxnSp>
-        <p:nvCxnSpPr>
-          <p:cNvPr id="20" name="직선 화살표 연결선 19"/>
-          <p:cNvCxnSpPr/>
-          <p:nvPr/>
-        </p:nvCxnSpPr>
-        <p:spPr>
-          <a:xfrm flipV="1">
-            <a:off x="2978474" y="569875"/>
-            <a:ext cx="873446" cy="997013"/>
-          </a:xfrm>
-          <a:prstGeom prst="straightConnector1">
-            <a:avLst/>
-          </a:prstGeom>
-          <a:ln>
-            <a:solidFill>
-              <a:srgbClr val="FF0000"/>
-            </a:solidFill>
-            <a:tailEnd type="triangle"/>
-          </a:ln>
-        </p:spPr>
-        <p:style>
-          <a:lnRef idx="3">
-            <a:schemeClr val="accent2"/>
-          </a:lnRef>
-          <a:fillRef idx="0">
-            <a:schemeClr val="accent2"/>
-          </a:fillRef>
-          <a:effectRef idx="2">
-            <a:schemeClr val="accent2"/>
-          </a:effectRef>
-          <a:fontRef idx="minor">
-            <a:schemeClr val="tx1"/>
-          </a:fontRef>
-        </p:style>
-      </p:cxnSp>
-      <p:cxnSp>
-        <p:nvCxnSpPr>
-          <p:cNvPr id="23" name="직선 화살표 연결선 22"/>
-          <p:cNvCxnSpPr/>
-          <p:nvPr/>
-        </p:nvCxnSpPr>
-        <p:spPr>
-          <a:xfrm>
-            <a:off x="3996546" y="2448938"/>
-            <a:ext cx="575454" cy="426064"/>
-          </a:xfrm>
-          <a:prstGeom prst="straightConnector1">
-            <a:avLst/>
-          </a:prstGeom>
-          <a:ln>
-            <a:solidFill>
-              <a:srgbClr val="FF0000"/>
-            </a:solidFill>
-            <a:tailEnd type="triangle"/>
-          </a:ln>
-        </p:spPr>
-        <p:style>
-          <a:lnRef idx="3">
-            <a:schemeClr val="accent2"/>
-          </a:lnRef>
-          <a:fillRef idx="0">
-            <a:schemeClr val="accent2"/>
-          </a:fillRef>
-          <a:effectRef idx="2">
-            <a:schemeClr val="accent2"/>
-          </a:effectRef>
-          <a:fontRef idx="minor">
-            <a:schemeClr val="tx1"/>
-          </a:fontRef>
-        </p:style>
-      </p:cxnSp>
-      <p:cxnSp>
-        <p:nvCxnSpPr>
-          <p:cNvPr id="26" name="직선 화살표 연결선 25"/>
-          <p:cNvCxnSpPr/>
-          <p:nvPr/>
-        </p:nvCxnSpPr>
-        <p:spPr>
-          <a:xfrm flipV="1">
-            <a:off x="7318925" y="706387"/>
-            <a:ext cx="384238" cy="505606"/>
-          </a:xfrm>
-          <a:prstGeom prst="straightConnector1">
-            <a:avLst/>
-          </a:prstGeom>
-          <a:ln>
-            <a:solidFill>
-              <a:srgbClr val="FF0000"/>
-            </a:solidFill>
-            <a:tailEnd type="triangle"/>
-          </a:ln>
-        </p:spPr>
-        <p:style>
-          <a:lnRef idx="3">
-            <a:schemeClr val="accent2"/>
-          </a:lnRef>
-          <a:fillRef idx="0">
-            <a:schemeClr val="accent2"/>
-          </a:fillRef>
-          <a:effectRef idx="2">
-            <a:schemeClr val="accent2"/>
-          </a:effectRef>
-          <a:fontRef idx="minor">
-            <a:schemeClr val="tx1"/>
-          </a:fontRef>
-        </p:style>
-      </p:cxnSp>
-      <p:sp>
-        <p:nvSpPr>
-          <p:cNvPr id="30" name="TextBox 29"/>
-          <p:cNvSpPr txBox="1"/>
-          <p:nvPr/>
-        </p:nvSpPr>
-        <p:spPr>
-          <a:xfrm>
-            <a:off x="4049454" y="188640"/>
-            <a:ext cx="1242626" cy="369332"/>
-          </a:xfrm>
-          <a:prstGeom prst="rect">
-            <a:avLst/>
-          </a:prstGeom>
-          <a:noFill/>
-        </p:spPr>
-        <p:txBody>
-          <a:bodyPr wrap="square" rtlCol="0">
-            <a:spAutoFit/>
-          </a:bodyPr>
-          <a:lstStyle/>
-          <a:p>
-            <a:r>
-              <a:rPr lang="ko-KR" altLang="en-US" dirty="0" smtClean="0">
-                <a:solidFill>
-                  <a:srgbClr val="FF0000"/>
-                </a:solidFill>
-              </a:rPr>
-              <a:t>이동</a:t>
-            </a:r>
-            <a:endParaRPr lang="ko-KR" altLang="en-US" dirty="0">
-              <a:solidFill>
-                <a:srgbClr val="FF0000"/>
-              </a:solidFill>
-            </a:endParaRPr>
-          </a:p>
-        </p:txBody>
-      </p:sp>
-      <p:sp>
-        <p:nvSpPr>
-          <p:cNvPr id="31" name="TextBox 30"/>
-          <p:cNvSpPr txBox="1"/>
-          <p:nvPr/>
-        </p:nvSpPr>
-        <p:spPr>
-          <a:xfrm>
-            <a:off x="4515899" y="2878853"/>
-            <a:ext cx="1242626" cy="369332"/>
-          </a:xfrm>
-          <a:prstGeom prst="rect">
-            <a:avLst/>
-          </a:prstGeom>
-          <a:noFill/>
-        </p:spPr>
-        <p:txBody>
-          <a:bodyPr wrap="square" rtlCol="0">
-            <a:spAutoFit/>
-          </a:bodyPr>
-          <a:lstStyle/>
-          <a:p>
-            <a:r>
-              <a:rPr lang="ko-KR" altLang="en-US" dirty="0" smtClean="0">
-                <a:solidFill>
-                  <a:srgbClr val="FF0000"/>
-                </a:solidFill>
-              </a:rPr>
-              <a:t>점프</a:t>
-            </a:r>
-            <a:endParaRPr lang="ko-KR" altLang="en-US" dirty="0">
-              <a:solidFill>
-                <a:srgbClr val="FF0000"/>
-              </a:solidFill>
-            </a:endParaRPr>
-          </a:p>
-        </p:txBody>
-      </p:sp>
-      <p:sp>
-        <p:nvSpPr>
-          <p:cNvPr id="32" name="TextBox 31"/>
-          <p:cNvSpPr txBox="1"/>
-          <p:nvPr/>
-        </p:nvSpPr>
-        <p:spPr>
-          <a:xfrm>
-            <a:off x="7527757" y="363375"/>
-            <a:ext cx="1242626" cy="369332"/>
-          </a:xfrm>
-          <a:prstGeom prst="rect">
-            <a:avLst/>
-          </a:prstGeom>
-          <a:noFill/>
-        </p:spPr>
-        <p:txBody>
-          <a:bodyPr wrap="square" rtlCol="0">
-            <a:spAutoFit/>
-          </a:bodyPr>
-          <a:lstStyle/>
-          <a:p>
-            <a:r>
-              <a:rPr lang="ko-KR" altLang="en-US" dirty="0" smtClean="0">
-                <a:solidFill>
-                  <a:srgbClr val="FF0000"/>
-                </a:solidFill>
-              </a:rPr>
-              <a:t>공격</a:t>
-            </a:r>
-            <a:endParaRPr lang="ko-KR" altLang="en-US" dirty="0">
-              <a:solidFill>
-                <a:srgbClr val="FF0000"/>
-              </a:solidFill>
-            </a:endParaRPr>
-          </a:p>
-        </p:txBody>
-      </p:sp>
-      <p:cxnSp>
-        <p:nvCxnSpPr>
-          <p:cNvPr id="33" name="직선 화살표 연결선 32"/>
-          <p:cNvCxnSpPr/>
-          <p:nvPr/>
-        </p:nvCxnSpPr>
-        <p:spPr>
-          <a:xfrm>
-            <a:off x="7761519" y="1698038"/>
-            <a:ext cx="677745" cy="667291"/>
-          </a:xfrm>
-          <a:prstGeom prst="straightConnector1">
-            <a:avLst/>
-          </a:prstGeom>
-          <a:ln>
-            <a:solidFill>
-              <a:srgbClr val="FF0000"/>
-            </a:solidFill>
-            <a:tailEnd type="triangle"/>
-          </a:ln>
-        </p:spPr>
-        <p:style>
-          <a:lnRef idx="3">
-            <a:schemeClr val="accent2"/>
-          </a:lnRef>
-          <a:fillRef idx="0">
-            <a:schemeClr val="accent2"/>
-          </a:fillRef>
-          <a:effectRef idx="2">
-            <a:schemeClr val="accent2"/>
-          </a:effectRef>
-          <a:fontRef idx="minor">
-            <a:schemeClr val="tx1"/>
-          </a:fontRef>
-        </p:style>
-      </p:cxnSp>
-      <p:sp>
-        <p:nvSpPr>
-          <p:cNvPr id="35" name="TextBox 34"/>
-          <p:cNvSpPr txBox="1"/>
-          <p:nvPr/>
-        </p:nvSpPr>
-        <p:spPr>
-          <a:xfrm>
-            <a:off x="7980767" y="2366348"/>
-            <a:ext cx="1242626" cy="646331"/>
-          </a:xfrm>
-          <a:prstGeom prst="rect">
-            <a:avLst/>
-          </a:prstGeom>
-          <a:noFill/>
-        </p:spPr>
-        <p:txBody>
-          <a:bodyPr wrap="square" rtlCol="0">
-            <a:spAutoFit/>
-          </a:bodyPr>
-          <a:lstStyle/>
-          <a:p>
-            <a:r>
-              <a:rPr lang="ko-KR" altLang="en-US" dirty="0" smtClean="0">
-                <a:solidFill>
-                  <a:srgbClr val="FF0000"/>
-                </a:solidFill>
-              </a:rPr>
-              <a:t>카메라</a:t>
-            </a:r>
-            <a:endParaRPr lang="en-US" altLang="ko-KR" dirty="0" smtClean="0">
-              <a:solidFill>
-                <a:srgbClr val="FF0000"/>
-              </a:solidFill>
-            </a:endParaRPr>
-          </a:p>
-          <a:p>
-            <a:r>
-              <a:rPr lang="ko-KR" altLang="en-US" dirty="0" smtClean="0">
-                <a:solidFill>
-                  <a:srgbClr val="FF0000"/>
-                </a:solidFill>
-              </a:rPr>
-              <a:t>회전</a:t>
-            </a:r>
-            <a:endParaRPr lang="ko-KR" altLang="en-US" dirty="0">
-              <a:solidFill>
-                <a:srgbClr val="FF0000"/>
-              </a:solidFill>
-            </a:endParaRPr>
-          </a:p>
-        </p:txBody>
-      </p:sp>
-      <p:sp>
-        <p:nvSpPr>
-          <p:cNvPr id="36" name="TextBox 35"/>
-          <p:cNvSpPr txBox="1"/>
-          <p:nvPr/>
-        </p:nvSpPr>
-        <p:spPr>
-          <a:xfrm>
-            <a:off x="147153" y="1792060"/>
-            <a:ext cx="1242626" cy="646331"/>
-          </a:xfrm>
-          <a:prstGeom prst="rect">
-            <a:avLst/>
-          </a:prstGeom>
-          <a:noFill/>
-        </p:spPr>
-        <p:txBody>
-          <a:bodyPr wrap="square" rtlCol="0">
-            <a:spAutoFit/>
-          </a:bodyPr>
-          <a:lstStyle/>
-          <a:p>
-            <a:r>
-              <a:rPr lang="ko-KR" altLang="en-US" dirty="0" smtClean="0">
-                <a:solidFill>
-                  <a:srgbClr val="FF0000"/>
-                </a:solidFill>
-              </a:rPr>
-              <a:t>게임</a:t>
-            </a:r>
-            <a:endParaRPr lang="en-US" altLang="ko-KR" dirty="0" smtClean="0">
-              <a:solidFill>
-                <a:srgbClr val="FF0000"/>
-              </a:solidFill>
-            </a:endParaRPr>
-          </a:p>
-          <a:p>
-            <a:r>
-              <a:rPr lang="ko-KR" altLang="en-US" dirty="0" smtClean="0">
-                <a:solidFill>
-                  <a:srgbClr val="FF0000"/>
-                </a:solidFill>
-              </a:rPr>
-              <a:t>상태</a:t>
-            </a:r>
-            <a:endParaRPr lang="ko-KR" altLang="en-US" dirty="0">
-              <a:solidFill>
-                <a:srgbClr val="FF0000"/>
-              </a:solidFill>
-            </a:endParaRPr>
-          </a:p>
-        </p:txBody>
-      </p:sp>
-      <p:sp>
-        <p:nvSpPr>
-          <p:cNvPr id="37" name="직사각형 36"/>
-          <p:cNvSpPr/>
-          <p:nvPr/>
-        </p:nvSpPr>
-        <p:spPr>
-          <a:xfrm>
-            <a:off x="827467" y="3845321"/>
-            <a:ext cx="7686600" cy="1815882"/>
+            <a:off x="701824" y="2394519"/>
+            <a:ext cx="7686600" cy="1421928"/>
           </a:xfrm>
           <a:prstGeom prst="rect">
             <a:avLst/>
@@ -22185,771 +23093,199 @@
           </a:bodyPr>
           <a:lstStyle/>
           <a:p>
-            <a:pPr fontAlgn="base"/>
-            <a:r>
-              <a:rPr lang="en-US" altLang="ko-KR" sz="1400" dirty="0" smtClean="0">
-                <a:ln w="0"/>
+            <a:pPr fontAlgn="base">
+              <a:lnSpc>
+                <a:spcPct val="160000"/>
+              </a:lnSpc>
+            </a:pPr>
+            <a:r>
+              <a:rPr lang="ko-KR" altLang="en-US" kern="0" dirty="0" smtClean="0">
                 <a:solidFill>
                   <a:schemeClr val="bg1"/>
                 </a:solidFill>
-                <a:effectLst>
-                  <a:outerShdw blurRad="38100" dist="25400" dir="5400000" algn="ctr" rotWithShape="0">
-                    <a:srgbClr val="6E747A">
-                      <a:alpha val="43000"/>
-                    </a:srgbClr>
-                  </a:outerShdw>
-                </a:effectLst>
-              </a:rPr>
-              <a:t>Ⅰ. </a:t>
-            </a:r>
-            <a:r>
-              <a:rPr lang="ko-KR" altLang="en-US" sz="1400" dirty="0" smtClean="0">
-                <a:ln w="0"/>
+                <a:latin typeface="HY헤드라인M" panose="02030600000101010101" pitchFamily="18" charset="-127"/>
+                <a:ea typeface="HY헤드라인M" panose="02030600000101010101" pitchFamily="18" charset="-127"/>
+              </a:rPr>
+              <a:t>● </a:t>
+            </a:r>
+            <a:r>
+              <a:rPr lang="en-US" altLang="ko-KR" kern="0" dirty="0" smtClean="0">
                 <a:solidFill>
                   <a:schemeClr val="bg1"/>
                 </a:solidFill>
-                <a:effectLst>
-                  <a:outerShdw blurRad="38100" dist="25400" dir="5400000" algn="ctr" rotWithShape="0">
-                    <a:srgbClr val="6E747A">
-                      <a:alpha val="43000"/>
-                    </a:srgbClr>
-                  </a:outerShdw>
-                </a:effectLst>
-              </a:rPr>
-              <a:t>상대 </a:t>
-            </a:r>
-            <a:r>
-              <a:rPr lang="ko-KR" altLang="en-US" sz="1400" dirty="0">
-                <a:ln w="0"/>
+                <a:latin typeface="HY헤드라인M" panose="02030600000101010101" pitchFamily="18" charset="-127"/>
+                <a:ea typeface="HY헤드라인M" panose="02030600000101010101" pitchFamily="18" charset="-127"/>
+              </a:rPr>
+              <a:t>UI</a:t>
+            </a:r>
+          </a:p>
+          <a:p>
+            <a:pPr fontAlgn="base">
+              <a:lnSpc>
+                <a:spcPct val="160000"/>
+              </a:lnSpc>
+            </a:pPr>
+            <a:r>
+              <a:rPr lang="ko-KR" altLang="en-US" kern="0" dirty="0" smtClean="0">
                 <a:solidFill>
                   <a:schemeClr val="bg1"/>
                 </a:solidFill>
-                <a:effectLst>
-                  <a:outerShdw blurRad="38100" dist="25400" dir="5400000" algn="ctr" rotWithShape="0">
-                    <a:srgbClr val="6E747A">
-                      <a:alpha val="43000"/>
-                    </a:srgbClr>
-                  </a:outerShdw>
-                </a:effectLst>
-              </a:rPr>
-              <a:t>플레이어를 </a:t>
-            </a:r>
-            <a:r>
-              <a:rPr lang="ko-KR" altLang="en-US" sz="1400" dirty="0" smtClean="0">
-                <a:ln w="0"/>
+                <a:latin typeface="HY헤드라인M" panose="02030600000101010101" pitchFamily="18" charset="-127"/>
+                <a:ea typeface="HY헤드라인M" panose="02030600000101010101" pitchFamily="18" charset="-127"/>
+              </a:rPr>
+              <a:t>시간</a:t>
+            </a:r>
+            <a:r>
+              <a:rPr lang="en-US" altLang="ko-KR" kern="0" dirty="0" smtClean="0">
                 <a:solidFill>
                   <a:schemeClr val="bg1"/>
                 </a:solidFill>
-                <a:effectLst>
-                  <a:outerShdw blurRad="38100" dist="25400" dir="5400000" algn="ctr" rotWithShape="0">
-                    <a:srgbClr val="6E747A">
-                      <a:alpha val="43000"/>
-                    </a:srgbClr>
-                  </a:outerShdw>
-                </a:effectLst>
-              </a:rPr>
-              <a:t>알아차려 공격하면 즉시 승리 </a:t>
-            </a:r>
-            <a:endParaRPr lang="en-US" altLang="ko-KR" sz="1400" dirty="0" smtClean="0">
-              <a:ln w="0"/>
+                <a:latin typeface="HY헤드라인M" panose="02030600000101010101" pitchFamily="18" charset="-127"/>
+                <a:ea typeface="HY헤드라인M" panose="02030600000101010101" pitchFamily="18" charset="-127"/>
+              </a:rPr>
+              <a:t>,</a:t>
+            </a:r>
+            <a:r>
+              <a:rPr lang="ko-KR" altLang="en-US" kern="0" dirty="0" smtClean="0">
+                <a:solidFill>
+                  <a:schemeClr val="bg1"/>
+                </a:solidFill>
+                <a:latin typeface="HY헤드라인M" panose="02030600000101010101" pitchFamily="18" charset="-127"/>
+                <a:ea typeface="HY헤드라인M" panose="02030600000101010101" pitchFamily="18" charset="-127"/>
+              </a:rPr>
+              <a:t> 정보</a:t>
+            </a:r>
+            <a:r>
+              <a:rPr lang="en-US" altLang="ko-KR" kern="0" dirty="0" smtClean="0">
+                <a:solidFill>
+                  <a:schemeClr val="bg1"/>
+                </a:solidFill>
+                <a:latin typeface="HY헤드라인M" panose="02030600000101010101" pitchFamily="18" charset="-127"/>
+                <a:ea typeface="HY헤드라인M" panose="02030600000101010101" pitchFamily="18" charset="-127"/>
+              </a:rPr>
+              <a:t>(</a:t>
+            </a:r>
+            <a:r>
+              <a:rPr lang="ko-KR" altLang="en-US" kern="0" dirty="0" smtClean="0">
+                <a:solidFill>
+                  <a:schemeClr val="bg1"/>
+                </a:solidFill>
+                <a:latin typeface="HY헤드라인M" panose="02030600000101010101" pitchFamily="18" charset="-127"/>
+                <a:ea typeface="HY헤드라인M" panose="02030600000101010101" pitchFamily="18" charset="-127"/>
+              </a:rPr>
+              <a:t>점수</a:t>
+            </a:r>
+            <a:r>
+              <a:rPr lang="en-US" altLang="ko-KR" kern="0" dirty="0" smtClean="0">
+                <a:solidFill>
+                  <a:schemeClr val="bg1"/>
+                </a:solidFill>
+                <a:latin typeface="HY헤드라인M" panose="02030600000101010101" pitchFamily="18" charset="-127"/>
+                <a:ea typeface="HY헤드라인M" panose="02030600000101010101" pitchFamily="18" charset="-127"/>
+              </a:rPr>
+              <a:t>, </a:t>
+            </a:r>
+            <a:r>
+              <a:rPr lang="ko-KR" altLang="en-US" kern="0" dirty="0" smtClean="0">
+                <a:solidFill>
+                  <a:schemeClr val="bg1"/>
+                </a:solidFill>
+                <a:latin typeface="HY헤드라인M" panose="02030600000101010101" pitchFamily="18" charset="-127"/>
+                <a:ea typeface="HY헤드라인M" panose="02030600000101010101" pitchFamily="18" charset="-127"/>
+              </a:rPr>
+              <a:t>플레이어 등</a:t>
+            </a:r>
+            <a:r>
+              <a:rPr lang="en-US" altLang="ko-KR" kern="0" dirty="0" smtClean="0">
+                <a:solidFill>
+                  <a:schemeClr val="bg1"/>
+                </a:solidFill>
+                <a:latin typeface="HY헤드라인M" panose="02030600000101010101" pitchFamily="18" charset="-127"/>
+                <a:ea typeface="HY헤드라인M" panose="02030600000101010101" pitchFamily="18" charset="-127"/>
+              </a:rPr>
+              <a:t>)</a:t>
+            </a:r>
+          </a:p>
+          <a:p>
+            <a:pPr fontAlgn="base">
+              <a:lnSpc>
+                <a:spcPct val="160000"/>
+              </a:lnSpc>
+            </a:pPr>
+            <a:r>
+              <a:rPr lang="en-US" altLang="ko-KR" kern="0" dirty="0" smtClean="0">
+                <a:solidFill>
+                  <a:schemeClr val="bg1"/>
+                </a:solidFill>
+                <a:latin typeface="HY헤드라인M" panose="02030600000101010101" pitchFamily="18" charset="-127"/>
+                <a:ea typeface="HY헤드라인M" panose="02030600000101010101" pitchFamily="18" charset="-127"/>
+              </a:rPr>
+              <a:t>(</a:t>
+            </a:r>
+            <a:r>
+              <a:rPr lang="ko-KR" altLang="en-US" kern="0" dirty="0" smtClean="0">
+                <a:solidFill>
+                  <a:schemeClr val="bg1"/>
+                </a:solidFill>
+                <a:latin typeface="HY헤드라인M" panose="02030600000101010101" pitchFamily="18" charset="-127"/>
+                <a:ea typeface="HY헤드라인M" panose="02030600000101010101" pitchFamily="18" charset="-127"/>
+              </a:rPr>
+              <a:t>정보 </a:t>
+            </a:r>
+            <a:r>
+              <a:rPr lang="en-US" altLang="ko-KR" kern="0" dirty="0" smtClean="0">
+                <a:solidFill>
+                  <a:schemeClr val="bg1"/>
+                </a:solidFill>
+                <a:latin typeface="HY헤드라인M" panose="02030600000101010101" pitchFamily="18" charset="-127"/>
+                <a:ea typeface="HY헤드라인M" panose="02030600000101010101" pitchFamily="18" charset="-127"/>
+              </a:rPr>
+              <a:t>UI</a:t>
+            </a:r>
+            <a:r>
+              <a:rPr lang="ko-KR" altLang="en-US" kern="0" dirty="0" smtClean="0">
+                <a:solidFill>
+                  <a:schemeClr val="bg1"/>
+                </a:solidFill>
+                <a:latin typeface="HY헤드라인M" panose="02030600000101010101" pitchFamily="18" charset="-127"/>
+                <a:ea typeface="HY헤드라인M" panose="02030600000101010101" pitchFamily="18" charset="-127"/>
+              </a:rPr>
+              <a:t>는 </a:t>
+            </a:r>
+            <a:r>
+              <a:rPr lang="en-US" altLang="ko-KR" kern="0" dirty="0" smtClean="0">
+                <a:solidFill>
+                  <a:schemeClr val="bg1"/>
+                </a:solidFill>
+                <a:latin typeface="HY헤드라인M" panose="02030600000101010101" pitchFamily="18" charset="-127"/>
+                <a:ea typeface="HY헤드라인M" panose="02030600000101010101" pitchFamily="18" charset="-127"/>
+              </a:rPr>
+              <a:t>Tab</a:t>
+            </a:r>
+            <a:r>
+              <a:rPr lang="ko-KR" altLang="en-US" kern="0" dirty="0" smtClean="0">
+                <a:solidFill>
+                  <a:schemeClr val="bg1"/>
+                </a:solidFill>
+                <a:latin typeface="HY헤드라인M" panose="02030600000101010101" pitchFamily="18" charset="-127"/>
+                <a:ea typeface="HY헤드라인M" panose="02030600000101010101" pitchFamily="18" charset="-127"/>
+              </a:rPr>
+              <a:t>키를 누를 시 나타나게 됩니다</a:t>
+            </a:r>
+            <a:r>
+              <a:rPr lang="en-US" altLang="ko-KR" kern="0" dirty="0" smtClean="0">
+                <a:solidFill>
+                  <a:schemeClr val="bg1"/>
+                </a:solidFill>
+                <a:latin typeface="HY헤드라인M" panose="02030600000101010101" pitchFamily="18" charset="-127"/>
+                <a:ea typeface="HY헤드라인M" panose="02030600000101010101" pitchFamily="18" charset="-127"/>
+              </a:rPr>
+              <a:t>.</a:t>
+            </a:r>
+            <a:endParaRPr lang="en-US" altLang="ko-KR" kern="0" dirty="0">
               <a:solidFill>
                 <a:schemeClr val="bg1"/>
               </a:solidFill>
-              <a:effectLst>
-                <a:outerShdw blurRad="38100" dist="25400" dir="5400000" algn="ctr" rotWithShape="0">
-                  <a:srgbClr val="6E747A">
-                    <a:alpha val="43000"/>
-                  </a:srgbClr>
-                </a:outerShdw>
-              </a:effectLst>
-            </a:endParaRPr>
-          </a:p>
-          <a:p>
-            <a:pPr fontAlgn="base"/>
-            <a:r>
-              <a:rPr lang="en-US" altLang="ko-KR" sz="1400" dirty="0">
-                <a:ln w="0"/>
-                <a:solidFill>
-                  <a:schemeClr val="bg1"/>
-                </a:solidFill>
-                <a:effectLst>
-                  <a:outerShdw blurRad="38100" dist="25400" dir="5400000" algn="ctr" rotWithShape="0">
-                    <a:srgbClr val="6E747A">
-                      <a:alpha val="43000"/>
-                    </a:srgbClr>
-                  </a:outerShdw>
-                </a:effectLst>
-              </a:rPr>
-              <a:t> </a:t>
-            </a:r>
-            <a:r>
-              <a:rPr lang="en-US" altLang="ko-KR" sz="1400" dirty="0" smtClean="0">
-                <a:ln w="0"/>
-                <a:solidFill>
-                  <a:schemeClr val="bg1"/>
-                </a:solidFill>
-                <a:effectLst>
-                  <a:outerShdw blurRad="38100" dist="25400" dir="5400000" algn="ctr" rotWithShape="0">
-                    <a:srgbClr val="6E747A">
-                      <a:alpha val="43000"/>
-                    </a:srgbClr>
-                  </a:outerShdw>
-                </a:effectLst>
-              </a:rPr>
-              <a:t>   </a:t>
-            </a:r>
-            <a:r>
-              <a:rPr lang="ko-KR" altLang="en-US" sz="1400" dirty="0" smtClean="0">
-                <a:ln w="0"/>
-                <a:solidFill>
-                  <a:schemeClr val="bg1"/>
-                </a:solidFill>
-                <a:effectLst>
-                  <a:outerShdw blurRad="38100" dist="25400" dir="5400000" algn="ctr" rotWithShape="0">
-                    <a:srgbClr val="6E747A">
-                      <a:alpha val="43000"/>
-                    </a:srgbClr>
-                  </a:outerShdw>
-                </a:effectLst>
-              </a:rPr>
-              <a:t>제한시간 초과시 더 많은 몬스터를 처치한 플레이어가 승리</a:t>
-            </a:r>
-            <a:endParaRPr lang="ko-KR" altLang="en-US" sz="1400" dirty="0">
-              <a:ln w="0"/>
-              <a:solidFill>
-                <a:schemeClr val="bg1"/>
-              </a:solidFill>
-              <a:effectLst>
-                <a:outerShdw blurRad="38100" dist="25400" dir="5400000" algn="ctr" rotWithShape="0">
-                  <a:srgbClr val="6E747A">
-                    <a:alpha val="43000"/>
-                  </a:srgbClr>
-                </a:outerShdw>
-              </a:effectLst>
-            </a:endParaRPr>
-          </a:p>
-          <a:p>
-            <a:pPr fontAlgn="base"/>
-            <a:r>
-              <a:rPr lang="en-US" altLang="ko-KR" sz="1400" dirty="0" smtClean="0">
-                <a:ln w="0"/>
-                <a:solidFill>
-                  <a:schemeClr val="bg1"/>
-                </a:solidFill>
-                <a:effectLst>
-                  <a:outerShdw blurRad="38100" dist="25400" dir="5400000" algn="ctr" rotWithShape="0">
-                    <a:srgbClr val="6E747A">
-                      <a:alpha val="43000"/>
-                    </a:srgbClr>
-                  </a:outerShdw>
-                </a:effectLst>
-              </a:rPr>
-              <a:t>Ⅱ. </a:t>
-            </a:r>
-            <a:r>
-              <a:rPr lang="ko-KR" altLang="en-US" sz="1400" dirty="0">
-                <a:ln w="0"/>
-                <a:solidFill>
-                  <a:schemeClr val="bg1"/>
-                </a:solidFill>
-                <a:effectLst>
-                  <a:outerShdw blurRad="38100" dist="25400" dir="5400000" algn="ctr" rotWithShape="0">
-                    <a:srgbClr val="6E747A">
-                      <a:alpha val="43000"/>
-                    </a:srgbClr>
-                  </a:outerShdw>
-                </a:effectLst>
-              </a:rPr>
-              <a:t>각 플레이어들을 제한된 가시거리를 </a:t>
-            </a:r>
-            <a:r>
-              <a:rPr lang="ko-KR" altLang="en-US" sz="1400" dirty="0" smtClean="0">
-                <a:ln w="0"/>
-                <a:solidFill>
-                  <a:schemeClr val="bg1"/>
-                </a:solidFill>
-                <a:effectLst>
-                  <a:outerShdw blurRad="38100" dist="25400" dir="5400000" algn="ctr" rotWithShape="0">
-                    <a:srgbClr val="6E747A">
-                      <a:alpha val="43000"/>
-                    </a:srgbClr>
-                  </a:outerShdw>
-                </a:effectLst>
-              </a:rPr>
-              <a:t>갖음</a:t>
-            </a:r>
-            <a:endParaRPr lang="ko-KR" altLang="en-US" sz="1400" dirty="0">
-              <a:ln w="0"/>
-              <a:solidFill>
-                <a:schemeClr val="bg1"/>
-              </a:solidFill>
-              <a:effectLst>
-                <a:outerShdw blurRad="38100" dist="25400" dir="5400000" algn="ctr" rotWithShape="0">
-                  <a:srgbClr val="6E747A">
-                    <a:alpha val="43000"/>
-                  </a:srgbClr>
-                </a:outerShdw>
-              </a:effectLst>
-            </a:endParaRPr>
-          </a:p>
-          <a:p>
-            <a:pPr fontAlgn="base"/>
-            <a:r>
-              <a:rPr lang="en-US" altLang="ko-KR" sz="1400" dirty="0" smtClean="0">
-                <a:ln w="0"/>
-                <a:solidFill>
-                  <a:schemeClr val="bg1"/>
-                </a:solidFill>
-                <a:effectLst>
-                  <a:outerShdw blurRad="38100" dist="25400" dir="5400000" algn="ctr" rotWithShape="0">
-                    <a:srgbClr val="6E747A">
-                      <a:alpha val="43000"/>
-                    </a:srgbClr>
-                  </a:outerShdw>
-                </a:effectLst>
-              </a:rPr>
-              <a:t>Ⅲ. </a:t>
-            </a:r>
-            <a:r>
-              <a:rPr lang="ko-KR" altLang="en-US" sz="1400" dirty="0">
-                <a:ln w="0"/>
-                <a:solidFill>
-                  <a:schemeClr val="bg1"/>
-                </a:solidFill>
-                <a:effectLst>
-                  <a:outerShdw blurRad="38100" dist="25400" dir="5400000" algn="ctr" rotWithShape="0">
-                    <a:srgbClr val="6E747A">
-                      <a:alpha val="43000"/>
-                    </a:srgbClr>
-                  </a:outerShdw>
-                </a:effectLst>
-              </a:rPr>
-              <a:t>몬스터를 </a:t>
-            </a:r>
-            <a:r>
-              <a:rPr lang="ko-KR" altLang="en-US" sz="1400" dirty="0" smtClean="0">
-                <a:ln w="0"/>
-                <a:solidFill>
-                  <a:schemeClr val="bg1"/>
-                </a:solidFill>
-                <a:effectLst>
-                  <a:outerShdw blurRad="38100" dist="25400" dir="5400000" algn="ctr" rotWithShape="0">
-                    <a:srgbClr val="6E747A">
-                      <a:alpha val="43000"/>
-                    </a:srgbClr>
-                  </a:outerShdw>
-                </a:effectLst>
-              </a:rPr>
-              <a:t>공격한 </a:t>
-            </a:r>
-            <a:r>
-              <a:rPr lang="ko-KR" altLang="en-US" sz="1400" dirty="0">
-                <a:ln w="0"/>
-                <a:solidFill>
-                  <a:schemeClr val="bg1"/>
-                </a:solidFill>
-                <a:effectLst>
-                  <a:outerShdw blurRad="38100" dist="25400" dir="5400000" algn="ctr" rotWithShape="0">
-                    <a:srgbClr val="6E747A">
-                      <a:alpha val="43000"/>
-                    </a:srgbClr>
-                  </a:outerShdw>
-                </a:effectLst>
-              </a:rPr>
-              <a:t>플레이어의 스피드는 </a:t>
-            </a:r>
-            <a:r>
-              <a:rPr lang="en-US" altLang="ko-KR" sz="1400" dirty="0">
-                <a:ln w="0"/>
-                <a:solidFill>
-                  <a:schemeClr val="bg1"/>
-                </a:solidFill>
-                <a:effectLst>
-                  <a:outerShdw blurRad="38100" dist="25400" dir="5400000" algn="ctr" rotWithShape="0">
-                    <a:srgbClr val="6E747A">
-                      <a:alpha val="43000"/>
-                    </a:srgbClr>
-                  </a:outerShdw>
-                </a:effectLst>
-              </a:rPr>
-              <a:t>5% </a:t>
-            </a:r>
-            <a:r>
-              <a:rPr lang="ko-KR" altLang="en-US" sz="1400" dirty="0" smtClean="0">
-                <a:ln w="0"/>
-                <a:solidFill>
-                  <a:schemeClr val="bg1"/>
-                </a:solidFill>
-                <a:effectLst>
-                  <a:outerShdw blurRad="38100" dist="25400" dir="5400000" algn="ctr" rotWithShape="0">
-                    <a:srgbClr val="6E747A">
-                      <a:alpha val="43000"/>
-                    </a:srgbClr>
-                  </a:outerShdw>
-                </a:effectLst>
-              </a:rPr>
-              <a:t>감소</a:t>
-            </a:r>
-            <a:endParaRPr lang="ko-KR" altLang="en-US" sz="1400" dirty="0">
-              <a:ln w="0"/>
-              <a:solidFill>
-                <a:schemeClr val="bg1"/>
-              </a:solidFill>
-              <a:effectLst>
-                <a:outerShdw blurRad="38100" dist="25400" dir="5400000" algn="ctr" rotWithShape="0">
-                  <a:srgbClr val="6E747A">
-                    <a:alpha val="43000"/>
-                  </a:srgbClr>
-                </a:outerShdw>
-              </a:effectLst>
-            </a:endParaRPr>
-          </a:p>
-          <a:p>
-            <a:pPr fontAlgn="base"/>
-            <a:r>
-              <a:rPr lang="en-US" altLang="ko-KR" sz="1400" dirty="0" smtClean="0">
-                <a:ln w="0"/>
-                <a:solidFill>
-                  <a:schemeClr val="bg1"/>
-                </a:solidFill>
-                <a:effectLst>
-                  <a:outerShdw blurRad="38100" dist="25400" dir="5400000" algn="ctr" rotWithShape="0">
-                    <a:srgbClr val="6E747A">
-                      <a:alpha val="43000"/>
-                    </a:srgbClr>
-                  </a:outerShdw>
-                </a:effectLst>
-              </a:rPr>
-              <a:t>Ⅳ. </a:t>
-            </a:r>
-            <a:r>
-              <a:rPr lang="ko-KR" altLang="en-US" sz="1400" dirty="0" smtClean="0">
-                <a:ln w="0"/>
-                <a:solidFill>
-                  <a:schemeClr val="bg1"/>
-                </a:solidFill>
-                <a:effectLst>
-                  <a:outerShdw blurRad="38100" dist="25400" dir="5400000" algn="ctr" rotWithShape="0">
-                    <a:srgbClr val="6E747A">
-                      <a:alpha val="43000"/>
-                    </a:srgbClr>
-                  </a:outerShdw>
-                </a:effectLst>
-              </a:rPr>
-              <a:t>몬스터 처치 시 플레이어의 위치를 </a:t>
-            </a:r>
-            <a:r>
-              <a:rPr lang="en-US" altLang="ko-KR" sz="1400" dirty="0" smtClean="0">
-                <a:ln w="0"/>
-                <a:solidFill>
-                  <a:schemeClr val="bg1"/>
-                </a:solidFill>
-                <a:effectLst>
-                  <a:outerShdw blurRad="38100" dist="25400" dir="5400000" algn="ctr" rotWithShape="0">
-                    <a:srgbClr val="6E747A">
-                      <a:alpha val="43000"/>
-                    </a:srgbClr>
-                  </a:outerShdw>
-                </a:effectLst>
-              </a:rPr>
-              <a:t>1</a:t>
-            </a:r>
-            <a:r>
-              <a:rPr lang="ko-KR" altLang="en-US" sz="1400" dirty="0" smtClean="0">
-                <a:ln w="0"/>
-                <a:solidFill>
-                  <a:schemeClr val="bg1"/>
-                </a:solidFill>
-                <a:effectLst>
-                  <a:outerShdw blurRad="38100" dist="25400" dir="5400000" algn="ctr" rotWithShape="0">
-                    <a:srgbClr val="6E747A">
-                      <a:alpha val="43000"/>
-                    </a:srgbClr>
-                  </a:outerShdw>
-                </a:effectLst>
-              </a:rPr>
-              <a:t>초 동안 빛으로 밝힘</a:t>
-            </a:r>
-            <a:r>
-              <a:rPr lang="en-US" altLang="ko-KR" sz="1400" dirty="0" smtClean="0">
-                <a:ln w="0"/>
-                <a:solidFill>
-                  <a:schemeClr val="bg1"/>
-                </a:solidFill>
-                <a:effectLst>
-                  <a:outerShdw blurRad="38100" dist="25400" dir="5400000" algn="ctr" rotWithShape="0">
-                    <a:srgbClr val="6E747A">
-                      <a:alpha val="43000"/>
-                    </a:srgbClr>
-                  </a:outerShdw>
-                </a:effectLst>
-              </a:rPr>
-              <a:t> ( </a:t>
-            </a:r>
-            <a:r>
-              <a:rPr lang="ko-KR" altLang="en-US" sz="1400" dirty="0" smtClean="0">
-                <a:ln w="0"/>
-                <a:solidFill>
-                  <a:schemeClr val="bg1"/>
-                </a:solidFill>
-                <a:effectLst>
-                  <a:outerShdw blurRad="38100" dist="25400" dir="5400000" algn="ctr" rotWithShape="0">
-                    <a:srgbClr val="6E747A">
-                      <a:alpha val="43000"/>
-                    </a:srgbClr>
-                  </a:outerShdw>
-                </a:effectLst>
-              </a:rPr>
-              <a:t>지도상에서도 표시 </a:t>
-            </a:r>
-            <a:r>
-              <a:rPr lang="en-US" altLang="ko-KR" sz="1400" dirty="0" smtClean="0">
-                <a:ln w="0"/>
-                <a:solidFill>
-                  <a:schemeClr val="bg1"/>
-                </a:solidFill>
-                <a:effectLst>
-                  <a:outerShdw blurRad="38100" dist="25400" dir="5400000" algn="ctr" rotWithShape="0">
-                    <a:srgbClr val="6E747A">
-                      <a:alpha val="43000"/>
-                    </a:srgbClr>
-                  </a:outerShdw>
-                </a:effectLst>
-              </a:rPr>
-              <a:t>)</a:t>
-            </a:r>
-            <a:endParaRPr lang="ko-KR" altLang="en-US" sz="1400" dirty="0">
-              <a:ln w="0"/>
-              <a:solidFill>
-                <a:schemeClr val="bg1"/>
-              </a:solidFill>
-              <a:effectLst>
-                <a:outerShdw blurRad="38100" dist="25400" dir="5400000" algn="ctr" rotWithShape="0">
-                  <a:srgbClr val="6E747A">
-                    <a:alpha val="43000"/>
-                  </a:srgbClr>
-                </a:outerShdw>
-              </a:effectLst>
-            </a:endParaRPr>
-          </a:p>
-          <a:p>
-            <a:pPr fontAlgn="base"/>
-            <a:r>
-              <a:rPr lang="en-US" altLang="ko-KR" sz="1400" dirty="0" smtClean="0">
-                <a:ln w="0"/>
-                <a:solidFill>
-                  <a:schemeClr val="bg1"/>
-                </a:solidFill>
-                <a:effectLst>
-                  <a:outerShdw blurRad="38100" dist="25400" dir="5400000" algn="ctr" rotWithShape="0">
-                    <a:srgbClr val="6E747A">
-                      <a:alpha val="43000"/>
-                    </a:srgbClr>
-                  </a:outerShdw>
-                </a:effectLst>
-              </a:rPr>
-              <a:t>Ⅴ. </a:t>
-            </a:r>
-            <a:r>
-              <a:rPr lang="en-US" altLang="ko-KR" sz="1400" dirty="0">
-                <a:ln w="0"/>
-                <a:solidFill>
-                  <a:schemeClr val="bg1"/>
-                </a:solidFill>
-                <a:effectLst>
-                  <a:outerShdw blurRad="38100" dist="25400" dir="5400000" algn="ctr" rotWithShape="0">
-                    <a:srgbClr val="6E747A">
-                      <a:alpha val="43000"/>
-                    </a:srgbClr>
-                  </a:outerShdw>
-                </a:effectLst>
-              </a:rPr>
-              <a:t>3</a:t>
-            </a:r>
-            <a:r>
-              <a:rPr lang="ko-KR" altLang="en-US" sz="1400" dirty="0">
-                <a:ln w="0"/>
-                <a:solidFill>
-                  <a:schemeClr val="bg1"/>
-                </a:solidFill>
-                <a:effectLst>
-                  <a:outerShdw blurRad="38100" dist="25400" dir="5400000" algn="ctr" rotWithShape="0">
-                    <a:srgbClr val="6E747A">
-                      <a:alpha val="43000"/>
-                    </a:srgbClr>
-                  </a:outerShdw>
-                </a:effectLst>
-              </a:rPr>
-              <a:t>가지 모델이 각 플레이어</a:t>
-            </a:r>
-            <a:r>
-              <a:rPr lang="en-US" altLang="ko-KR" sz="1400" dirty="0">
-                <a:ln w="0"/>
-                <a:solidFill>
-                  <a:schemeClr val="bg1"/>
-                </a:solidFill>
-                <a:effectLst>
-                  <a:outerShdw blurRad="38100" dist="25400" dir="5400000" algn="ctr" rotWithShape="0">
-                    <a:srgbClr val="6E747A">
-                      <a:alpha val="43000"/>
-                    </a:srgbClr>
-                  </a:outerShdw>
-                </a:effectLst>
-              </a:rPr>
-              <a:t>, </a:t>
-            </a:r>
-            <a:r>
-              <a:rPr lang="ko-KR" altLang="en-US" sz="1400" dirty="0">
-                <a:ln w="0"/>
-                <a:solidFill>
-                  <a:schemeClr val="bg1"/>
-                </a:solidFill>
-                <a:effectLst>
-                  <a:outerShdw blurRad="38100" dist="25400" dir="5400000" algn="ctr" rotWithShape="0">
-                    <a:srgbClr val="6E747A">
-                      <a:alpha val="43000"/>
-                    </a:srgbClr>
-                  </a:outerShdw>
-                </a:effectLst>
-              </a:rPr>
-              <a:t>몬스터 상관없이 </a:t>
-            </a:r>
-            <a:r>
-              <a:rPr lang="ko-KR" altLang="en-US" sz="1400" dirty="0" err="1" smtClean="0">
-                <a:ln w="0"/>
-                <a:solidFill>
-                  <a:schemeClr val="bg1"/>
-                </a:solidFill>
-                <a:effectLst>
-                  <a:outerShdw blurRad="38100" dist="25400" dir="5400000" algn="ctr" rotWithShape="0">
-                    <a:srgbClr val="6E747A">
-                      <a:alpha val="43000"/>
-                    </a:srgbClr>
-                  </a:outerShdw>
-                </a:effectLst>
-              </a:rPr>
-              <a:t>랜덤하게</a:t>
-            </a:r>
-            <a:r>
-              <a:rPr lang="ko-KR" altLang="en-US" sz="1400" dirty="0" smtClean="0">
-                <a:ln w="0"/>
-                <a:solidFill>
-                  <a:schemeClr val="bg1"/>
-                </a:solidFill>
-                <a:effectLst>
-                  <a:outerShdw blurRad="38100" dist="25400" dir="5400000" algn="ctr" rotWithShape="0">
-                    <a:srgbClr val="6E747A">
-                      <a:alpha val="43000"/>
-                    </a:srgbClr>
-                  </a:outerShdw>
-                </a:effectLst>
-              </a:rPr>
-              <a:t> 주어짐</a:t>
-            </a:r>
-            <a:endParaRPr lang="ko-KR" altLang="en-US" sz="1400" dirty="0">
-              <a:ln w="0"/>
-              <a:solidFill>
-                <a:schemeClr val="bg1"/>
-              </a:solidFill>
-              <a:effectLst>
-                <a:outerShdw blurRad="38100" dist="25400" dir="5400000" algn="ctr" rotWithShape="0">
-                  <a:srgbClr val="6E747A">
-                    <a:alpha val="43000"/>
-                  </a:srgbClr>
-                </a:outerShdw>
-              </a:effectLst>
-            </a:endParaRPr>
-          </a:p>
-          <a:p>
-            <a:pPr fontAlgn="base"/>
-            <a:r>
-              <a:rPr lang="en-US" altLang="ko-KR" sz="1400" dirty="0" smtClean="0">
-                <a:ln w="0"/>
-                <a:solidFill>
-                  <a:schemeClr val="bg1"/>
-                </a:solidFill>
-                <a:effectLst>
-                  <a:outerShdw blurRad="38100" dist="25400" dir="5400000" algn="ctr" rotWithShape="0">
-                    <a:srgbClr val="6E747A">
-                      <a:alpha val="43000"/>
-                    </a:srgbClr>
-                  </a:outerShdw>
-                </a:effectLst>
-              </a:rPr>
-              <a:t>Ⅵ. </a:t>
-            </a:r>
-            <a:r>
-              <a:rPr lang="en-US" altLang="ko-KR" sz="1400" dirty="0">
-                <a:ln w="0"/>
-                <a:solidFill>
-                  <a:schemeClr val="bg1"/>
-                </a:solidFill>
-                <a:effectLst>
-                  <a:outerShdw blurRad="38100" dist="25400" dir="5400000" algn="ctr" rotWithShape="0">
-                    <a:srgbClr val="6E747A">
-                      <a:alpha val="43000"/>
-                    </a:srgbClr>
-                  </a:outerShdw>
-                </a:effectLst>
-              </a:rPr>
-              <a:t>4</a:t>
-            </a:r>
-            <a:r>
-              <a:rPr lang="ko-KR" altLang="en-US" sz="1400" dirty="0">
-                <a:ln w="0"/>
-                <a:solidFill>
-                  <a:schemeClr val="bg1"/>
-                </a:solidFill>
-                <a:effectLst>
-                  <a:outerShdw blurRad="38100" dist="25400" dir="5400000" algn="ctr" rotWithShape="0">
-                    <a:srgbClr val="6E747A">
-                      <a:alpha val="43000"/>
-                    </a:srgbClr>
-                  </a:outerShdw>
-                </a:effectLst>
-              </a:rPr>
-              <a:t>분이 </a:t>
-            </a:r>
-            <a:r>
-              <a:rPr lang="ko-KR" altLang="en-US" sz="1400" dirty="0" smtClean="0">
-                <a:ln w="0"/>
-                <a:solidFill>
-                  <a:schemeClr val="bg1"/>
-                </a:solidFill>
-                <a:effectLst>
-                  <a:outerShdw blurRad="38100" dist="25400" dir="5400000" algn="ctr" rotWithShape="0">
-                    <a:srgbClr val="6E747A">
-                      <a:alpha val="43000"/>
-                    </a:srgbClr>
-                  </a:outerShdw>
-                </a:effectLst>
-              </a:rPr>
-              <a:t>지나면 플레이어의 상태가 걷기</a:t>
-            </a:r>
-            <a:r>
-              <a:rPr lang="en-US" altLang="ko-KR" sz="1400" dirty="0" smtClean="0">
-                <a:ln w="0"/>
-                <a:solidFill>
-                  <a:schemeClr val="bg1"/>
-                </a:solidFill>
-                <a:effectLst>
-                  <a:outerShdw blurRad="38100" dist="25400" dir="5400000" algn="ctr" rotWithShape="0">
-                    <a:srgbClr val="6E747A">
-                      <a:alpha val="43000"/>
-                    </a:srgbClr>
-                  </a:outerShdw>
-                </a:effectLst>
-              </a:rPr>
-              <a:t>-&gt;</a:t>
-            </a:r>
-            <a:r>
-              <a:rPr lang="ko-KR" altLang="en-US" sz="1400" dirty="0" smtClean="0">
-                <a:ln w="0"/>
-                <a:solidFill>
-                  <a:schemeClr val="bg1"/>
-                </a:solidFill>
-                <a:effectLst>
-                  <a:outerShdw blurRad="38100" dist="25400" dir="5400000" algn="ctr" rotWithShape="0">
-                    <a:srgbClr val="6E747A">
-                      <a:alpha val="43000"/>
-                    </a:srgbClr>
-                  </a:outerShdw>
-                </a:effectLst>
-              </a:rPr>
-              <a:t>달리기로 전환</a:t>
-            </a:r>
-            <a:endParaRPr lang="en-US" altLang="ko-KR" sz="1400" dirty="0" smtClean="0">
-              <a:ln w="0"/>
-              <a:solidFill>
-                <a:schemeClr val="bg1"/>
-              </a:solidFill>
-              <a:effectLst>
-                <a:outerShdw blurRad="38100" dist="25400" dir="5400000" algn="ctr" rotWithShape="0">
-                  <a:srgbClr val="6E747A">
-                    <a:alpha val="43000"/>
-                  </a:srgbClr>
-                </a:outerShdw>
-              </a:effectLst>
-            </a:endParaRPr>
-          </a:p>
-          <a:p>
-            <a:pPr fontAlgn="base"/>
-            <a:r>
-              <a:rPr lang="en-US" altLang="ko-KR" sz="1400" dirty="0" smtClean="0">
-                <a:ln w="0"/>
-                <a:solidFill>
-                  <a:schemeClr val="bg1"/>
-                </a:solidFill>
-                <a:effectLst>
-                  <a:outerShdw blurRad="38100" dist="25400" dir="5400000" algn="ctr" rotWithShape="0">
-                    <a:srgbClr val="6E747A">
-                      <a:alpha val="43000"/>
-                    </a:srgbClr>
-                  </a:outerShdw>
-                </a:effectLst>
-              </a:rPr>
-              <a:t>Ⅶ. </a:t>
-            </a:r>
-            <a:r>
-              <a:rPr lang="en-US" altLang="ko-KR" sz="1400" dirty="0">
-                <a:ln w="0"/>
-                <a:solidFill>
-                  <a:schemeClr val="bg1"/>
-                </a:solidFill>
-                <a:effectLst>
-                  <a:outerShdw blurRad="38100" dist="25400" dir="5400000" algn="ctr" rotWithShape="0">
-                    <a:srgbClr val="6E747A">
-                      <a:alpha val="43000"/>
-                    </a:srgbClr>
-                  </a:outerShdw>
-                </a:effectLst>
-              </a:rPr>
-              <a:t>Tab</a:t>
-            </a:r>
-            <a:r>
-              <a:rPr lang="ko-KR" altLang="en-US" sz="1400" dirty="0">
-                <a:ln w="0"/>
-                <a:solidFill>
-                  <a:schemeClr val="bg1"/>
-                </a:solidFill>
-                <a:effectLst>
-                  <a:outerShdw blurRad="38100" dist="25400" dir="5400000" algn="ctr" rotWithShape="0">
-                    <a:srgbClr val="6E747A">
-                      <a:alpha val="43000"/>
-                    </a:srgbClr>
-                  </a:outerShdw>
-                </a:effectLst>
-              </a:rPr>
-              <a:t>을 </a:t>
-            </a:r>
-            <a:r>
-              <a:rPr lang="ko-KR" altLang="en-US" sz="1400" dirty="0" smtClean="0">
-                <a:ln w="0"/>
-                <a:solidFill>
-                  <a:schemeClr val="bg1"/>
-                </a:solidFill>
-                <a:effectLst>
-                  <a:outerShdw blurRad="38100" dist="25400" dir="5400000" algn="ctr" rotWithShape="0">
-                    <a:srgbClr val="6E747A">
-                      <a:alpha val="43000"/>
-                    </a:srgbClr>
-                  </a:outerShdw>
-                </a:effectLst>
-              </a:rPr>
-              <a:t>이용해 게임 현재 상태를 볼 수 있음</a:t>
-            </a:r>
-            <a:endParaRPr lang="en-US" altLang="ko-KR" sz="1400" kern="0" dirty="0">
-              <a:solidFill>
-                <a:schemeClr val="bg1"/>
-              </a:solidFill>
-              <a:effectLst>
-                <a:glow rad="228600">
-                  <a:schemeClr val="accent4">
-                    <a:satMod val="175000"/>
-                    <a:alpha val="40000"/>
-                  </a:schemeClr>
-                </a:glow>
-              </a:effectLst>
               <a:latin typeface="HY헤드라인M" panose="02030600000101010101" pitchFamily="18" charset="-127"/>
               <a:ea typeface="HY헤드라인M" panose="02030600000101010101" pitchFamily="18" charset="-127"/>
             </a:endParaRPr>
@@ -22959,7 +23295,7 @@
     </p:spTree>
     <p:extLst>
       <p:ext uri="{BB962C8B-B14F-4D97-AF65-F5344CB8AC3E}">
-        <p14:creationId xmlns:p14="http://schemas.microsoft.com/office/powerpoint/2010/main" val="2769670405"/>
+        <p14:creationId xmlns:p14="http://schemas.microsoft.com/office/powerpoint/2010/main" val="176348577"/>
       </p:ext>
     </p:extLst>
   </p:cSld>

--- a/졸업작품 제안서(박요한,민두홍,정재훈).pptx
+++ b/졸업작품 제안서(박요한,민두홍,정재훈).pptx
@@ -319,7 +319,7 @@
           <a:p>
             <a:fld id="{72AB2BDB-30B0-46F9-BF75-9B88525280A4}" type="datetimeFigureOut">
               <a:rPr lang="ko-KR" altLang="en-US" smtClean="0"/>
-              <a:t>2016-12-18</a:t>
+              <a:t>2016-12-19</a:t>
             </a:fld>
             <a:endParaRPr lang="ko-KR" altLang="en-US"/>
           </a:p>
@@ -489,7 +489,7 @@
           <a:p>
             <a:fld id="{72AB2BDB-30B0-46F9-BF75-9B88525280A4}" type="datetimeFigureOut">
               <a:rPr lang="ko-KR" altLang="en-US" smtClean="0"/>
-              <a:t>2016-12-18</a:t>
+              <a:t>2016-12-19</a:t>
             </a:fld>
             <a:endParaRPr lang="ko-KR" altLang="en-US"/>
           </a:p>
@@ -669,7 +669,7 @@
           <a:p>
             <a:fld id="{72AB2BDB-30B0-46F9-BF75-9B88525280A4}" type="datetimeFigureOut">
               <a:rPr lang="ko-KR" altLang="en-US" smtClean="0"/>
-              <a:t>2016-12-18</a:t>
+              <a:t>2016-12-19</a:t>
             </a:fld>
             <a:endParaRPr lang="ko-KR" altLang="en-US"/>
           </a:p>
@@ -839,7 +839,7 @@
           <a:p>
             <a:fld id="{72AB2BDB-30B0-46F9-BF75-9B88525280A4}" type="datetimeFigureOut">
               <a:rPr lang="ko-KR" altLang="en-US" smtClean="0"/>
-              <a:t>2016-12-18</a:t>
+              <a:t>2016-12-19</a:t>
             </a:fld>
             <a:endParaRPr lang="ko-KR" altLang="en-US"/>
           </a:p>
@@ -1085,7 +1085,7 @@
           <a:p>
             <a:fld id="{72AB2BDB-30B0-46F9-BF75-9B88525280A4}" type="datetimeFigureOut">
               <a:rPr lang="ko-KR" altLang="en-US" smtClean="0"/>
-              <a:t>2016-12-18</a:t>
+              <a:t>2016-12-19</a:t>
             </a:fld>
             <a:endParaRPr lang="ko-KR" altLang="en-US"/>
           </a:p>
@@ -1373,7 +1373,7 @@
           <a:p>
             <a:fld id="{72AB2BDB-30B0-46F9-BF75-9B88525280A4}" type="datetimeFigureOut">
               <a:rPr lang="ko-KR" altLang="en-US" smtClean="0"/>
-              <a:t>2016-12-18</a:t>
+              <a:t>2016-12-19</a:t>
             </a:fld>
             <a:endParaRPr lang="ko-KR" altLang="en-US"/>
           </a:p>
@@ -1795,7 +1795,7 @@
           <a:p>
             <a:fld id="{72AB2BDB-30B0-46F9-BF75-9B88525280A4}" type="datetimeFigureOut">
               <a:rPr lang="ko-KR" altLang="en-US" smtClean="0"/>
-              <a:t>2016-12-18</a:t>
+              <a:t>2016-12-19</a:t>
             </a:fld>
             <a:endParaRPr lang="ko-KR" altLang="en-US"/>
           </a:p>
@@ -1913,7 +1913,7 @@
           <a:p>
             <a:fld id="{72AB2BDB-30B0-46F9-BF75-9B88525280A4}" type="datetimeFigureOut">
               <a:rPr lang="ko-KR" altLang="en-US" smtClean="0"/>
-              <a:t>2016-12-18</a:t>
+              <a:t>2016-12-19</a:t>
             </a:fld>
             <a:endParaRPr lang="ko-KR" altLang="en-US"/>
           </a:p>
@@ -2008,7 +2008,7 @@
           <a:p>
             <a:fld id="{72AB2BDB-30B0-46F9-BF75-9B88525280A4}" type="datetimeFigureOut">
               <a:rPr lang="ko-KR" altLang="en-US" smtClean="0"/>
-              <a:t>2016-12-18</a:t>
+              <a:t>2016-12-19</a:t>
             </a:fld>
             <a:endParaRPr lang="ko-KR" altLang="en-US"/>
           </a:p>
@@ -2285,7 +2285,7 @@
           <a:p>
             <a:fld id="{72AB2BDB-30B0-46F9-BF75-9B88525280A4}" type="datetimeFigureOut">
               <a:rPr lang="ko-KR" altLang="en-US" smtClean="0"/>
-              <a:t>2016-12-18</a:t>
+              <a:t>2016-12-19</a:t>
             </a:fld>
             <a:endParaRPr lang="ko-KR" altLang="en-US"/>
           </a:p>
@@ -2538,7 +2538,7 @@
           <a:p>
             <a:fld id="{72AB2BDB-30B0-46F9-BF75-9B88525280A4}" type="datetimeFigureOut">
               <a:rPr lang="ko-KR" altLang="en-US" smtClean="0"/>
-              <a:t>2016-12-18</a:t>
+              <a:t>2016-12-19</a:t>
             </a:fld>
             <a:endParaRPr lang="ko-KR" altLang="en-US"/>
           </a:p>
@@ -2797,7 +2797,7 @@
           <a:p>
             <a:fld id="{72AB2BDB-30B0-46F9-BF75-9B88525280A4}" type="datetimeFigureOut">
               <a:rPr lang="ko-KR" altLang="en-US" smtClean="0"/>
-              <a:t>2016-12-18</a:t>
+              <a:t>2016-12-19</a:t>
             </a:fld>
             <a:endParaRPr lang="ko-KR" altLang="en-US"/>
           </a:p>
@@ -4900,28 +4900,6 @@
               </a:rPr>
               <a:t>.</a:t>
             </a:r>
-            <a:endParaRPr lang="en-US" altLang="ko-KR" b="1" dirty="0" smtClean="0">
-              <a:ln w="6600">
-                <a:solidFill>
-                  <a:schemeClr val="accent2"/>
-                </a:solidFill>
-                <a:prstDash val="solid"/>
-              </a:ln>
-              <a:solidFill>
-                <a:srgbClr val="FFFFFF"/>
-              </a:solidFill>
-              <a:effectLst>
-                <a:glow rad="228600">
-                  <a:schemeClr val="accent4">
-                    <a:satMod val="175000"/>
-                    <a:alpha val="40000"/>
-                  </a:schemeClr>
-                </a:glow>
-                <a:outerShdw dist="38100" dir="2700000" algn="tl" rotWithShape="0">
-                  <a:schemeClr val="accent2"/>
-                </a:outerShdw>
-              </a:effectLst>
-            </a:endParaRPr>
           </a:p>
           <a:p>
             <a:pPr algn="ctr"/>
@@ -17938,17 +17916,17 @@
                 <a:latin typeface="HY헤드라인M" panose="02030600000101010101" pitchFamily="18" charset="-127"/>
                 <a:ea typeface="HY헤드라인M" panose="02030600000101010101" pitchFamily="18" charset="-127"/>
               </a:rPr>
-              <a:t>되는 </a:t>
-            </a:r>
-            <a:r>
-              <a:rPr lang="ko-KR" altLang="en-US" sz="1400" kern="0" dirty="0" smtClean="0">
+              <a:t>되는 간단하면서 긴장감이 고조되는 게임</a:t>
+            </a:r>
+            <a:r>
+              <a:rPr lang="en-US" altLang="ko-KR" sz="1400" kern="0" dirty="0" smtClean="0">
                 <a:solidFill>
                   <a:schemeClr val="bg1"/>
                 </a:solidFill>
                 <a:latin typeface="HY헤드라인M" panose="02030600000101010101" pitchFamily="18" charset="-127"/>
                 <a:ea typeface="HY헤드라인M" panose="02030600000101010101" pitchFamily="18" charset="-127"/>
               </a:rPr>
-              <a:t>간단하면서 긴장감이 고조되는</a:t>
+              <a:t>.</a:t>
             </a:r>
             <a:r>
               <a:rPr lang="ko-KR" altLang="en-US" sz="1400" kern="0" dirty="0" smtClean="0">
@@ -17958,55 +17936,28 @@
                 <a:latin typeface="HY헤드라인M" panose="02030600000101010101" pitchFamily="18" charset="-127"/>
                 <a:ea typeface="HY헤드라인M" panose="02030600000101010101" pitchFamily="18" charset="-127"/>
               </a:rPr>
-              <a:t> 게임</a:t>
-            </a:r>
-            <a:r>
-              <a:rPr lang="en-US" altLang="ko-KR" sz="1400" kern="0" dirty="0" smtClean="0">
+              <a:t>플레이어를 찾아내기 위해선 본인 이외의 캐릭터를 모두 </a:t>
+            </a:r>
+            <a:r>
+              <a:rPr lang="ko-KR" altLang="en-US" sz="1400" kern="0" dirty="0" err="1" smtClean="0">
                 <a:solidFill>
                   <a:schemeClr val="bg1"/>
                 </a:solidFill>
                 <a:latin typeface="HY헤드라인M" panose="02030600000101010101" pitchFamily="18" charset="-127"/>
                 <a:ea typeface="HY헤드라인M" panose="02030600000101010101" pitchFamily="18" charset="-127"/>
               </a:rPr>
-              <a:t>.</a:t>
-            </a:r>
-            <a:r>
-              <a:rPr lang="ko-KR" altLang="en-US" sz="1400" kern="0" dirty="0" smtClean="0">
+              <a:t>관찰해야함</a:t>
+            </a:r>
+            <a:r>
+              <a:rPr lang="en-US" altLang="ko-KR" sz="1400" kern="0" dirty="0" smtClean="0">
                 <a:solidFill>
                   <a:schemeClr val="bg1"/>
                 </a:solidFill>
                 <a:latin typeface="HY헤드라인M" panose="02030600000101010101" pitchFamily="18" charset="-127"/>
                 <a:ea typeface="HY헤드라인M" panose="02030600000101010101" pitchFamily="18" charset="-127"/>
               </a:rPr>
-              <a:t>플레이어를 찾아내기 위해선 본인 이외의 캐릭터를 모두 </a:t>
-            </a:r>
-            <a:r>
-              <a:rPr lang="ko-KR" altLang="en-US" sz="1400" kern="0" dirty="0" err="1" smtClean="0">
-                <a:solidFill>
-                  <a:schemeClr val="bg1"/>
-                </a:solidFill>
-                <a:latin typeface="HY헤드라인M" panose="02030600000101010101" pitchFamily="18" charset="-127"/>
-                <a:ea typeface="HY헤드라인M" panose="02030600000101010101" pitchFamily="18" charset="-127"/>
-              </a:rPr>
-              <a:t>관찰해야함</a:t>
-            </a:r>
-            <a:r>
-              <a:rPr lang="en-US" altLang="ko-KR" sz="1400" kern="0" dirty="0" smtClean="0">
-                <a:solidFill>
-                  <a:schemeClr val="bg1"/>
-                </a:solidFill>
-                <a:latin typeface="HY헤드라인M" panose="02030600000101010101" pitchFamily="18" charset="-127"/>
-                <a:ea typeface="HY헤드라인M" panose="02030600000101010101" pitchFamily="18" charset="-127"/>
-              </a:rPr>
               <a:t>.</a:t>
             </a:r>
-            <a:endParaRPr lang="en-US" altLang="ko-KR" sz="1400" kern="0" dirty="0" smtClean="0">
-              <a:solidFill>
-                <a:schemeClr val="bg1"/>
-              </a:solidFill>
-              <a:latin typeface="HY헤드라인M" panose="02030600000101010101" pitchFamily="18" charset="-127"/>
-              <a:ea typeface="HY헤드라인M" panose="02030600000101010101" pitchFamily="18" charset="-127"/>
-            </a:endParaRPr>
           </a:p>
           <a:p>
             <a:pPr algn="ctr" fontAlgn="base">
@@ -18197,27 +18148,7 @@
                 <a:latin typeface="HY헤드라인M" panose="02030600000101010101" pitchFamily="18" charset="-127"/>
                 <a:ea typeface="HY헤드라인M" panose="02030600000101010101" pitchFamily="18" charset="-127"/>
               </a:rPr>
-              <a:t>해당 플레이어상공으로 </a:t>
-            </a:r>
-            <a:r>
-              <a:rPr lang="ko-KR" altLang="en-US" sz="1400" kern="0" dirty="0" smtClean="0">
-                <a:solidFill>
-                  <a:schemeClr val="bg1"/>
-                </a:solidFill>
-                <a:latin typeface="HY헤드라인M" panose="02030600000101010101" pitchFamily="18" charset="-127"/>
-                <a:ea typeface="HY헤드라인M" panose="02030600000101010101" pitchFamily="18" charset="-127"/>
-              </a:rPr>
-              <a:t>불꽃 </a:t>
-            </a:r>
-            <a:r>
-              <a:rPr lang="ko-KR" altLang="en-US" sz="1400" kern="0" dirty="0" smtClean="0">
-                <a:solidFill>
-                  <a:schemeClr val="bg1"/>
-                </a:solidFill>
-                <a:latin typeface="HY헤드라인M" panose="02030600000101010101" pitchFamily="18" charset="-127"/>
-                <a:ea typeface="HY헤드라인M" panose="02030600000101010101" pitchFamily="18" charset="-127"/>
-              </a:rPr>
-              <a:t>발사</a:t>
+              <a:t>해당 플레이어상공으로 불꽃 발사</a:t>
             </a:r>
             <a:r>
               <a:rPr lang="en-US" altLang="ko-KR" sz="1400" kern="0" dirty="0" smtClean="0">
@@ -18731,30 +18662,6 @@
           </a:p>
         </p:txBody>
       </p:sp>
-      <p:pic>
-        <p:nvPicPr>
-          <p:cNvPr id="6" name="그림 5"/>
-          <p:cNvPicPr>
-            <a:picLocks noChangeAspect="1"/>
-          </p:cNvPicPr>
-          <p:nvPr/>
-        </p:nvPicPr>
-        <p:blipFill>
-          <a:blip r:embed="rId2"/>
-          <a:stretch>
-            <a:fillRect/>
-          </a:stretch>
-        </p:blipFill>
-        <p:spPr>
-          <a:xfrm>
-            <a:off x="4355976" y="1818053"/>
-            <a:ext cx="4533619" cy="3558270"/>
-          </a:xfrm>
-          <a:prstGeom prst="rect">
-            <a:avLst/>
-          </a:prstGeom>
-        </p:spPr>
-      </p:pic>
       <p:sp>
         <p:nvSpPr>
           <p:cNvPr id="13" name="TextBox 12"/>
@@ -18794,80 +18701,6 @@
               <a:t>개인 게임화면 예시</a:t>
             </a:r>
             <a:endParaRPr lang="ko-KR" altLang="en-US" dirty="0"/>
-          </a:p>
-        </p:txBody>
-      </p:sp>
-      <p:sp>
-        <p:nvSpPr>
-          <p:cNvPr id="15" name="TextBox 14"/>
-          <p:cNvSpPr txBox="1"/>
-          <p:nvPr/>
-        </p:nvSpPr>
-        <p:spPr>
-          <a:xfrm>
-            <a:off x="8144354" y="1818677"/>
-            <a:ext cx="1152128" cy="215444"/>
-          </a:xfrm>
-          <a:prstGeom prst="rect">
-            <a:avLst/>
-          </a:prstGeom>
-          <a:noFill/>
-        </p:spPr>
-        <p:txBody>
-          <a:bodyPr wrap="square" rtlCol="0">
-            <a:spAutoFit/>
-          </a:bodyPr>
-          <a:lstStyle/>
-          <a:p>
-            <a:r>
-              <a:rPr lang="ko-KR" altLang="en-US" sz="800" dirty="0" err="1" smtClean="0">
-                <a:solidFill>
-                  <a:schemeClr val="bg1"/>
-                </a:solidFill>
-                <a:effectLst>
-                  <a:glow rad="228600">
-                    <a:schemeClr val="accent1">
-                      <a:satMod val="175000"/>
-                      <a:alpha val="40000"/>
-                    </a:schemeClr>
-                  </a:glow>
-                </a:effectLst>
-              </a:rPr>
-              <a:t>흐른시간</a:t>
-            </a:r>
-            <a:r>
-              <a:rPr lang="ko-KR" altLang="en-US" sz="800" dirty="0" smtClean="0">
-                <a:solidFill>
-                  <a:schemeClr val="bg1"/>
-                </a:solidFill>
-                <a:effectLst>
-                  <a:glow rad="228600">
-                    <a:schemeClr val="accent1">
-                      <a:satMod val="175000"/>
-                      <a:alpha val="40000"/>
-                    </a:schemeClr>
-                  </a:glow>
-                </a:effectLst>
-              </a:rPr>
-              <a:t> </a:t>
-            </a:r>
-            <a:r>
-              <a:rPr lang="en-US" altLang="ko-KR" sz="800" dirty="0" smtClean="0">
-                <a:solidFill>
-                  <a:schemeClr val="bg1"/>
-                </a:solidFill>
-                <a:effectLst>
-                  <a:glow rad="228600">
-                    <a:schemeClr val="accent1">
-                      <a:satMod val="175000"/>
-                      <a:alpha val="40000"/>
-                    </a:schemeClr>
-                  </a:glow>
-                </a:effectLst>
-              </a:rPr>
-              <a:t>0:00</a:t>
-            </a:r>
-            <a:endParaRPr lang="ko-KR" altLang="en-US" sz="800" dirty="0"/>
           </a:p>
         </p:txBody>
       </p:sp>
@@ -19048,7 +18881,7 @@
           <p:nvPr/>
         </p:nvPicPr>
         <p:blipFill>
-          <a:blip r:embed="rId3"/>
+          <a:blip r:embed="rId2"/>
           <a:stretch>
             <a:fillRect/>
           </a:stretch>
@@ -19129,9 +18962,129 @@
           </a:fontRef>
         </p:style>
       </p:cxnSp>
+      <p:cxnSp>
+        <p:nvCxnSpPr>
+          <p:cNvPr id="18" name="직선 화살표 연결선 17"/>
+          <p:cNvCxnSpPr/>
+          <p:nvPr/>
+        </p:nvCxnSpPr>
+        <p:spPr>
+          <a:xfrm flipV="1">
+            <a:off x="7454567" y="5352935"/>
+            <a:ext cx="504056" cy="432048"/>
+          </a:xfrm>
+          <a:prstGeom prst="straightConnector1">
+            <a:avLst/>
+          </a:prstGeom>
+          <a:ln>
+            <a:tailEnd type="triangle"/>
+          </a:ln>
+        </p:spPr>
+        <p:style>
+          <a:lnRef idx="1">
+            <a:schemeClr val="accent1"/>
+          </a:lnRef>
+          <a:fillRef idx="0">
+            <a:schemeClr val="accent1"/>
+          </a:fillRef>
+          <a:effectRef idx="0">
+            <a:schemeClr val="accent1"/>
+          </a:effectRef>
+          <a:fontRef idx="minor">
+            <a:schemeClr val="tx1"/>
+          </a:fontRef>
+        </p:style>
+      </p:cxnSp>
+      <p:cxnSp>
+        <p:nvCxnSpPr>
+          <p:cNvPr id="36" name="직선 화살표 연결선 35"/>
+          <p:cNvCxnSpPr/>
+          <p:nvPr/>
+        </p:nvCxnSpPr>
+        <p:spPr>
+          <a:xfrm flipV="1">
+            <a:off x="6084168" y="5157192"/>
+            <a:ext cx="576064" cy="823368"/>
+          </a:xfrm>
+          <a:prstGeom prst="straightConnector1">
+            <a:avLst/>
+          </a:prstGeom>
+          <a:ln>
+            <a:tailEnd type="triangle"/>
+          </a:ln>
+        </p:spPr>
+        <p:style>
+          <a:lnRef idx="1">
+            <a:schemeClr val="accent1"/>
+          </a:lnRef>
+          <a:fillRef idx="0">
+            <a:schemeClr val="accent1"/>
+          </a:fillRef>
+          <a:effectRef idx="0">
+            <a:schemeClr val="accent1"/>
+          </a:effectRef>
+          <a:fontRef idx="minor">
+            <a:schemeClr val="tx1"/>
+          </a:fontRef>
+        </p:style>
+      </p:cxnSp>
+      <p:sp>
+        <p:nvSpPr>
+          <p:cNvPr id="37" name="TextBox 36"/>
+          <p:cNvSpPr txBox="1"/>
+          <p:nvPr/>
+        </p:nvSpPr>
+        <p:spPr>
+          <a:xfrm>
+            <a:off x="5400092" y="5973664"/>
+            <a:ext cx="1368152" cy="646331"/>
+          </a:xfrm>
+          <a:prstGeom prst="rect">
+            <a:avLst/>
+          </a:prstGeom>
+          <a:noFill/>
+        </p:spPr>
+        <p:txBody>
+          <a:bodyPr wrap="square" rtlCol="0">
+            <a:spAutoFit/>
+          </a:bodyPr>
+          <a:lstStyle/>
+          <a:p>
+            <a:r>
+              <a:rPr lang="ko-KR" altLang="en-US" sz="1200" dirty="0" smtClean="0">
+                <a:solidFill>
+                  <a:schemeClr val="accent1"/>
+                </a:solidFill>
+              </a:rPr>
+              <a:t>나의 캐릭터를 보고있는 </a:t>
+            </a:r>
+            <a:r>
+              <a:rPr lang="en-US" altLang="ko-KR" sz="1200" dirty="0" smtClean="0">
+                <a:solidFill>
+                  <a:schemeClr val="accent1"/>
+                </a:solidFill>
+              </a:rPr>
+              <a:t>3</a:t>
+            </a:r>
+            <a:r>
+              <a:rPr lang="ko-KR" altLang="en-US" sz="1200" dirty="0" err="1" smtClean="0">
+                <a:solidFill>
+                  <a:schemeClr val="accent1"/>
+                </a:solidFill>
+              </a:rPr>
+              <a:t>인칭카메라</a:t>
+            </a:r>
+            <a:endParaRPr lang="ko-KR" altLang="en-US" sz="1200" dirty="0">
+              <a:solidFill>
+                <a:schemeClr val="accent1"/>
+              </a:solidFill>
+            </a:endParaRPr>
+          </a:p>
+        </p:txBody>
+      </p:sp>
       <p:pic>
         <p:nvPicPr>
-          <p:cNvPr id="34" name="그림 33"/>
+          <p:cNvPr id="2" name="그림 1"/>
           <p:cNvPicPr>
             <a:picLocks noChangeAspect="1"/>
           </p:cNvPicPr>
@@ -19145,7 +19098,105 @@
         </p:blipFill>
         <p:spPr>
           <a:xfrm>
-            <a:off x="7976136" y="4587565"/>
+            <a:off x="4393293" y="1862710"/>
+            <a:ext cx="4537086" cy="3531152"/>
+          </a:xfrm>
+          <a:prstGeom prst="rect">
+            <a:avLst/>
+          </a:prstGeom>
+        </p:spPr>
+      </p:pic>
+      <p:sp>
+        <p:nvSpPr>
+          <p:cNvPr id="15" name="TextBox 14"/>
+          <p:cNvSpPr txBox="1"/>
+          <p:nvPr/>
+        </p:nvSpPr>
+        <p:spPr>
+          <a:xfrm>
+            <a:off x="8144354" y="1818677"/>
+            <a:ext cx="1152128" cy="215444"/>
+          </a:xfrm>
+          <a:prstGeom prst="rect">
+            <a:avLst/>
+          </a:prstGeom>
+          <a:noFill/>
+        </p:spPr>
+        <p:txBody>
+          <a:bodyPr wrap="square" rtlCol="0">
+            <a:spAutoFit/>
+          </a:bodyPr>
+          <a:lstStyle/>
+          <a:p>
+            <a:r>
+              <a:rPr lang="ko-KR" altLang="en-US" sz="800" dirty="0" err="1" smtClean="0">
+                <a:solidFill>
+                  <a:schemeClr val="bg1"/>
+                </a:solidFill>
+                <a:effectLst>
+                  <a:glow rad="228600">
+                    <a:schemeClr val="accent1">
+                      <a:satMod val="175000"/>
+                      <a:alpha val="40000"/>
+                    </a:schemeClr>
+                  </a:glow>
+                </a:effectLst>
+              </a:rPr>
+              <a:t>흐른시간</a:t>
+            </a:r>
+            <a:r>
+              <a:rPr lang="ko-KR" altLang="en-US" sz="800" dirty="0" smtClean="0">
+                <a:solidFill>
+                  <a:schemeClr val="bg1"/>
+                </a:solidFill>
+                <a:effectLst>
+                  <a:glow rad="228600">
+                    <a:schemeClr val="accent1">
+                      <a:satMod val="175000"/>
+                      <a:alpha val="40000"/>
+                    </a:schemeClr>
+                  </a:glow>
+                </a:effectLst>
+              </a:rPr>
+              <a:t> </a:t>
+            </a:r>
+            <a:r>
+              <a:rPr lang="en-US" altLang="ko-KR" sz="800" dirty="0" smtClean="0">
+                <a:solidFill>
+                  <a:schemeClr val="bg1"/>
+                </a:solidFill>
+                <a:effectLst>
+                  <a:glow rad="228600">
+                    <a:schemeClr val="accent1">
+                      <a:satMod val="175000"/>
+                      <a:alpha val="40000"/>
+                    </a:schemeClr>
+                  </a:glow>
+                </a:effectLst>
+              </a:rPr>
+              <a:t>0:00</a:t>
+            </a:r>
+            <a:endParaRPr lang="ko-KR" altLang="en-US" sz="800" dirty="0"/>
+          </a:p>
+        </p:txBody>
+      </p:sp>
+      <p:pic>
+        <p:nvPicPr>
+          <p:cNvPr id="34" name="그림 33"/>
+          <p:cNvPicPr>
+            <a:picLocks noChangeAspect="1"/>
+          </p:cNvPicPr>
+          <p:nvPr/>
+        </p:nvPicPr>
+        <p:blipFill>
+          <a:blip r:embed="rId2"/>
+          <a:stretch>
+            <a:fillRect/>
+          </a:stretch>
+        </p:blipFill>
+        <p:spPr>
+          <a:xfrm>
+            <a:off x="8020368" y="4593888"/>
             <a:ext cx="910011" cy="787292"/>
           </a:xfrm>
           <a:prstGeom prst="rect">
@@ -19228,126 +19279,6 @@
           <a:p>
             <a:pPr algn="ctr"/>
             <a:endParaRPr lang="ko-KR" altLang="en-US"/>
-          </a:p>
-        </p:txBody>
-      </p:sp>
-      <p:cxnSp>
-        <p:nvCxnSpPr>
-          <p:cNvPr id="18" name="직선 화살표 연결선 17"/>
-          <p:cNvCxnSpPr/>
-          <p:nvPr/>
-        </p:nvCxnSpPr>
-        <p:spPr>
-          <a:xfrm flipV="1">
-            <a:off x="7454567" y="5352935"/>
-            <a:ext cx="504056" cy="432048"/>
-          </a:xfrm>
-          <a:prstGeom prst="straightConnector1">
-            <a:avLst/>
-          </a:prstGeom>
-          <a:ln>
-            <a:tailEnd type="triangle"/>
-          </a:ln>
-        </p:spPr>
-        <p:style>
-          <a:lnRef idx="1">
-            <a:schemeClr val="accent1"/>
-          </a:lnRef>
-          <a:fillRef idx="0">
-            <a:schemeClr val="accent1"/>
-          </a:fillRef>
-          <a:effectRef idx="0">
-            <a:schemeClr val="accent1"/>
-          </a:effectRef>
-          <a:fontRef idx="minor">
-            <a:schemeClr val="tx1"/>
-          </a:fontRef>
-        </p:style>
-      </p:cxnSp>
-      <p:cxnSp>
-        <p:nvCxnSpPr>
-          <p:cNvPr id="36" name="직선 화살표 연결선 35"/>
-          <p:cNvCxnSpPr/>
-          <p:nvPr/>
-        </p:nvCxnSpPr>
-        <p:spPr>
-          <a:xfrm flipV="1">
-            <a:off x="6084168" y="5157192"/>
-            <a:ext cx="576064" cy="823368"/>
-          </a:xfrm>
-          <a:prstGeom prst="straightConnector1">
-            <a:avLst/>
-          </a:prstGeom>
-          <a:ln>
-            <a:tailEnd type="triangle"/>
-          </a:ln>
-        </p:spPr>
-        <p:style>
-          <a:lnRef idx="1">
-            <a:schemeClr val="accent1"/>
-          </a:lnRef>
-          <a:fillRef idx="0">
-            <a:schemeClr val="accent1"/>
-          </a:fillRef>
-          <a:effectRef idx="0">
-            <a:schemeClr val="accent1"/>
-          </a:effectRef>
-          <a:fontRef idx="minor">
-            <a:schemeClr val="tx1"/>
-          </a:fontRef>
-        </p:style>
-      </p:cxnSp>
-      <p:sp>
-        <p:nvSpPr>
-          <p:cNvPr id="37" name="TextBox 36"/>
-          <p:cNvSpPr txBox="1"/>
-          <p:nvPr/>
-        </p:nvSpPr>
-        <p:spPr>
-          <a:xfrm>
-            <a:off x="5400092" y="5973664"/>
-            <a:ext cx="1368152" cy="646331"/>
-          </a:xfrm>
-          <a:prstGeom prst="rect">
-            <a:avLst/>
-          </a:prstGeom>
-          <a:noFill/>
-        </p:spPr>
-        <p:txBody>
-          <a:bodyPr wrap="square" rtlCol="0">
-            <a:spAutoFit/>
-          </a:bodyPr>
-          <a:lstStyle/>
-          <a:p>
-            <a:r>
-              <a:rPr lang="ko-KR" altLang="en-US" sz="1200" dirty="0" smtClean="0">
-                <a:solidFill>
-                  <a:schemeClr val="accent1"/>
-                </a:solidFill>
-              </a:rPr>
-              <a:t>나의 캐릭터를 보고있는 </a:t>
-            </a:r>
-            <a:r>
-              <a:rPr lang="en-US" altLang="ko-KR" sz="1200" dirty="0" smtClean="0">
-                <a:solidFill>
-                  <a:schemeClr val="accent1"/>
-                </a:solidFill>
-              </a:rPr>
-              <a:t>3</a:t>
-            </a:r>
-            <a:r>
-              <a:rPr lang="ko-KR" altLang="en-US" sz="1200" dirty="0" err="1" smtClean="0">
-                <a:solidFill>
-                  <a:schemeClr val="accent1"/>
-                </a:solidFill>
-              </a:rPr>
-              <a:t>인칭카메라</a:t>
-            </a:r>
-            <a:endParaRPr lang="ko-KR" altLang="en-US" sz="1200" dirty="0">
-              <a:solidFill>
-                <a:schemeClr val="accent1"/>
-              </a:solidFill>
-            </a:endParaRPr>
           </a:p>
         </p:txBody>
       </p:sp>
@@ -21619,55 +21550,38 @@
                 <a:latin typeface="HY헤드라인M" panose="02030600000101010101" pitchFamily="18" charset="-127"/>
                 <a:ea typeface="HY헤드라인M" panose="02030600000101010101" pitchFamily="18" charset="-127"/>
               </a:rPr>
-              <a:t>: </a:t>
-            </a:r>
-            <a:r>
-              <a:rPr lang="en-US" altLang="ko-KR" kern="0" dirty="0" smtClean="0">
+              <a:t>: 2m/s , </a:t>
+            </a:r>
+            <a:r>
+              <a:rPr lang="ko-KR" altLang="en-US" kern="0" dirty="0" smtClean="0">
                 <a:solidFill>
                   <a:schemeClr val="bg1"/>
                 </a:solidFill>
                 <a:latin typeface="HY헤드라인M" panose="02030600000101010101" pitchFamily="18" charset="-127"/>
                 <a:ea typeface="HY헤드라인M" panose="02030600000101010101" pitchFamily="18" charset="-127"/>
               </a:rPr>
-              <a:t>2m/s , </a:t>
-            </a:r>
-            <a:r>
-              <a:rPr lang="ko-KR" altLang="en-US" kern="0" dirty="0" smtClean="0">
+              <a:t>달리기</a:t>
+            </a:r>
+            <a:r>
+              <a:rPr lang="en-US" altLang="ko-KR" kern="0" dirty="0">
                 <a:solidFill>
                   <a:schemeClr val="bg1"/>
                 </a:solidFill>
                 <a:latin typeface="HY헤드라인M" panose="02030600000101010101" pitchFamily="18" charset="-127"/>
                 <a:ea typeface="HY헤드라인M" panose="02030600000101010101" pitchFamily="18" charset="-127"/>
               </a:rPr>
-              <a:t>달리기</a:t>
-            </a:r>
-            <a:r>
-              <a:rPr lang="en-US" altLang="ko-KR" kern="0" dirty="0">
+              <a:t> </a:t>
+            </a:r>
+            <a:r>
+              <a:rPr lang="en-US" altLang="ko-KR" kern="0" dirty="0" smtClean="0">
                 <a:solidFill>
                   <a:schemeClr val="bg1"/>
                 </a:solidFill>
                 <a:latin typeface="HY헤드라인M" panose="02030600000101010101" pitchFamily="18" charset="-127"/>
                 <a:ea typeface="HY헤드라인M" panose="02030600000101010101" pitchFamily="18" charset="-127"/>
               </a:rPr>
-              <a:t> </a:t>
-            </a:r>
-            <a:r>
-              <a:rPr lang="en-US" altLang="ko-KR" kern="0" dirty="0" smtClean="0">
-                <a:solidFill>
-                  <a:schemeClr val="bg1"/>
-                </a:solidFill>
-                <a:latin typeface="HY헤드라인M" panose="02030600000101010101" pitchFamily="18" charset="-127"/>
-                <a:ea typeface="HY헤드라인M" panose="02030600000101010101" pitchFamily="18" charset="-127"/>
-              </a:rPr>
               <a:t>5m/s</a:t>
             </a:r>
-            <a:endParaRPr lang="en-US" altLang="ko-KR" kern="0" dirty="0" smtClean="0">
-              <a:solidFill>
-                <a:schemeClr val="bg1"/>
-              </a:solidFill>
-              <a:latin typeface="HY헤드라인M" panose="02030600000101010101" pitchFamily="18" charset="-127"/>
-              <a:ea typeface="HY헤드라인M" panose="02030600000101010101" pitchFamily="18" charset="-127"/>
-            </a:endParaRPr>
           </a:p>
           <a:p>
             <a:pPr fontAlgn="base">
@@ -24826,39 +24740,7 @@
                   </a:outerShdw>
                 </a:effectLst>
               </a:rPr>
-              <a:t>지나면 </a:t>
-            </a:r>
-            <a:r>
-              <a:rPr lang="ko-KR" altLang="en-US" sz="1400" dirty="0" smtClean="0">
-                <a:ln w="0"/>
-                <a:solidFill>
-                  <a:schemeClr val="bg1"/>
-                </a:solidFill>
-                <a:effectLst>
-                  <a:outerShdw blurRad="38100" dist="25400" dir="5400000" algn="ctr" rotWithShape="0">
-                    <a:srgbClr val="6E747A">
-                      <a:alpha val="43000"/>
-                    </a:srgbClr>
-                  </a:outerShdw>
-                </a:effectLst>
-              </a:rPr>
-              <a:t>플레이어의 상태가 </a:t>
-            </a:r>
-            <a:r>
-              <a:rPr lang="ko-KR" altLang="en-US" sz="1400" dirty="0" smtClean="0">
-                <a:ln w="0"/>
-                <a:solidFill>
-                  <a:schemeClr val="bg1"/>
-                </a:solidFill>
-                <a:effectLst>
-                  <a:outerShdw blurRad="38100" dist="25400" dir="5400000" algn="ctr" rotWithShape="0">
-                    <a:srgbClr val="6E747A">
-                      <a:alpha val="43000"/>
-                    </a:srgbClr>
-                  </a:outerShdw>
-                </a:effectLst>
-              </a:rPr>
-              <a:t>걷기</a:t>
+              <a:t>지나면 플레이어의 상태가 걷기</a:t>
             </a:r>
             <a:r>
               <a:rPr lang="en-US" altLang="ko-KR" sz="1400" dirty="0" smtClean="0">
